--- a/Speech/Praesentation1.pptx
+++ b/Speech/Praesentation1.pptx
@@ -158,17 +158,155 @@
 
 <file path=ppt/charts/chart1.xml><?xml version="1.0" encoding="utf-8"?>
 <c:chartSpace xmlns:c="http://schemas.openxmlformats.org/drawingml/2006/chart" xmlns:a="http://schemas.openxmlformats.org/drawingml/2006/main" xmlns:r="http://schemas.openxmlformats.org/officeDocument/2006/relationships">
-  <c:date1904 val="0"/>
   <c:lang val="de-DE"/>
-  <c:roundedCorners val="0"/>
-  <mc:AlternateContent xmlns:mc="http://schemas.openxmlformats.org/markup-compatibility/2006">
-    <mc:Choice xmlns:c14="http://schemas.microsoft.com/office/drawing/2007/8/2/chart" Requires="c14">
-      <c14:style val="102"/>
-    </mc:Choice>
-    <mc:Fallback>
-      <c:style val="2"/>
-    </mc:Fallback>
-  </mc:AlternateContent>
+  <c:chart>
+    <c:autoTitleDeleted val="1"/>
+    <c:plotArea>
+      <c:layout/>
+      <c:barChart>
+        <c:barDir val="bar"/>
+        <c:grouping val="clustered"/>
+        <c:ser>
+          <c:idx val="0"/>
+          <c:order val="0"/>
+          <c:tx>
+            <c:strRef>
+              <c:f>Tabelle1!$A$2</c:f>
+              <c:strCache>
+                <c:ptCount val="1"/>
+                <c:pt idx="0">
+                  <c:v>ARM926 (float)</c:v>
+                </c:pt>
+              </c:strCache>
+            </c:strRef>
+          </c:tx>
+          <c:dLbls>
+            <c:dLblPos val="outEnd"/>
+            <c:showVal val="1"/>
+          </c:dLbls>
+          <c:cat>
+            <c:strRef>
+              <c:f>Tabelle1!$A$2:$A$7</c:f>
+              <c:strCache>
+                <c:ptCount val="6"/>
+                <c:pt idx="0">
+                  <c:v>ARM926 (float)</c:v>
+                </c:pt>
+                <c:pt idx="1">
+                  <c:v>ARM1136 (float)</c:v>
+                </c:pt>
+                <c:pt idx="2">
+                  <c:v>ARM926 (fixed)</c:v>
+                </c:pt>
+                <c:pt idx="3">
+                  <c:v>SAA (fixed)</c:v>
+                </c:pt>
+                <c:pt idx="4">
+                  <c:v>C6713 (float)</c:v>
+                </c:pt>
+                <c:pt idx="5">
+                  <c:v>E8400 CPU (float)</c:v>
+                </c:pt>
+              </c:strCache>
+            </c:strRef>
+          </c:cat>
+          <c:val>
+            <c:numRef>
+              <c:f>Tabelle1!$B$2:$B$7</c:f>
+              <c:numCache>
+                <c:formatCode>General</c:formatCode>
+                <c:ptCount val="6"/>
+                <c:pt idx="0">
+                  <c:v>5246</c:v>
+                </c:pt>
+                <c:pt idx="1">
+                  <c:v>4346</c:v>
+                </c:pt>
+                <c:pt idx="2">
+                  <c:v>1017</c:v>
+                </c:pt>
+                <c:pt idx="3">
+                  <c:v>330</c:v>
+                </c:pt>
+                <c:pt idx="4">
+                  <c:v>196</c:v>
+                </c:pt>
+                <c:pt idx="5">
+                  <c:v>7</c:v>
+                </c:pt>
+              </c:numCache>
+            </c:numRef>
+          </c:val>
+        </c:ser>
+        <c:axId val="95083520"/>
+        <c:axId val="100993664"/>
+      </c:barChart>
+      <c:catAx>
+        <c:axId val="95083520"/>
+        <c:scaling>
+          <c:orientation val="minMax"/>
+        </c:scaling>
+        <c:axPos val="l"/>
+        <c:tickLblPos val="nextTo"/>
+        <c:crossAx val="100993664"/>
+        <c:crosses val="autoZero"/>
+        <c:auto val="1"/>
+        <c:lblAlgn val="ctr"/>
+        <c:lblOffset val="100"/>
+      </c:catAx>
+      <c:valAx>
+        <c:axId val="100993664"/>
+        <c:scaling>
+          <c:logBase val="10"/>
+          <c:orientation val="minMax"/>
+        </c:scaling>
+        <c:axPos val="b"/>
+        <c:majorGridlines/>
+        <c:title>
+          <c:tx>
+            <c:rich>
+              <a:bodyPr/>
+              <a:lstStyle/>
+              <a:p>
+                <a:pPr>
+                  <a:defRPr/>
+                </a:pPr>
+                <a:r>
+                  <a:rPr lang="de-DE" dirty="0" smtClean="0"/>
+                  <a:t>Zeit in [min]</a:t>
+                </a:r>
+                <a:endParaRPr lang="de-DE" dirty="0"/>
+              </a:p>
+            </c:rich>
+          </c:tx>
+          <c:layout/>
+        </c:title>
+        <c:numFmt formatCode="General" sourceLinked="1"/>
+        <c:tickLblPos val="nextTo"/>
+        <c:crossAx val="95083520"/>
+        <c:crosses val="autoZero"/>
+        <c:crossBetween val="between"/>
+      </c:valAx>
+    </c:plotArea>
+    <c:plotVisOnly val="1"/>
+  </c:chart>
+  <c:txPr>
+    <a:bodyPr/>
+    <a:lstStyle/>
+    <a:p>
+      <a:pPr>
+        <a:defRPr sz="1800"/>
+      </a:pPr>
+      <a:endParaRPr lang="de-DE"/>
+    </a:p>
+  </c:txPr>
+  <c:externalData r:id="rId1"/>
+</c:chartSpace>
+</file>
+
+<file path=ppt/charts/chart2.xml><?xml version="1.0" encoding="utf-8"?>
+<c:chartSpace xmlns:c="http://schemas.openxmlformats.org/drawingml/2006/chart" xmlns:a="http://schemas.openxmlformats.org/drawingml/2006/main" xmlns:r="http://schemas.openxmlformats.org/officeDocument/2006/relationships">
+  <c:lang val="de-DE"/>
   <c:chart>
     <c:autoTitleDeleted val="1"/>
     <c:plotArea>
@@ -194,23 +332,15 @@
               <c:idx val="1"/>
               <c:layout>
                 <c:manualLayout>
-                  <c:x val="-0.14849375065218148"/>
-                  <c:y val="-2.2062499999999999E-2"/>
+                  <c:x val="-0.14849375065218151"/>
+                  <c:y val="-2.2062499999999995E-2"/>
                 </c:manualLayout>
               </c:layout>
-              <c:showLegendKey val="0"/>
-              <c:showVal val="0"/>
               <c:showCatName val="1"/>
-              <c:showSerName val="0"/>
               <c:showPercent val="1"/>
-              <c:showBubbleSize val="0"/>
             </c:dLbl>
-            <c:showLegendKey val="0"/>
-            <c:showVal val="0"/>
             <c:showCatName val="1"/>
-            <c:showSerName val="0"/>
             <c:showPercent val="1"/>
-            <c:showBubbleSize val="0"/>
             <c:showLeaderLines val="1"/>
           </c:dLbls>
           <c:cat>
@@ -250,20 +380,14 @@
           </c:val>
         </c:ser>
         <c:dLbls>
-          <c:showLegendKey val="0"/>
-          <c:showVal val="0"/>
           <c:showCatName val="1"/>
-          <c:showSerName val="0"/>
           <c:showPercent val="1"/>
-          <c:showBubbleSize val="0"/>
-          <c:showLeaderLines val="1"/>
         </c:dLbls>
         <c:firstSliceAng val="0"/>
       </c:pieChart>
     </c:plotArea>
     <c:plotVisOnly val="1"/>
-    <c:dispBlanksAs val="gap"/>
-    <c:showDLblsOverMax val="0"/>
+    <c:dispBlanksAs val="zero"/>
   </c:chart>
   <c:txPr>
     <a:bodyPr/>
@@ -275,33 +399,19 @@
       <a:endParaRPr lang="de-DE"/>
     </a:p>
   </c:txPr>
-  <c:externalData r:id="rId1">
-    <c:autoUpdate val="0"/>
-  </c:externalData>
+  <c:externalData r:id="rId1"/>
 </c:chartSpace>
 </file>
 
-<file path=ppt/charts/chart2.xml><?xml version="1.0" encoding="utf-8"?>
+<file path=ppt/charts/chart3.xml><?xml version="1.0" encoding="utf-8"?>
 <c:chartSpace xmlns:c="http://schemas.openxmlformats.org/drawingml/2006/chart" xmlns:a="http://schemas.openxmlformats.org/drawingml/2006/main" xmlns:r="http://schemas.openxmlformats.org/officeDocument/2006/relationships">
-  <c:date1904 val="0"/>
   <c:lang val="de-DE"/>
-  <c:roundedCorners val="0"/>
-  <mc:AlternateContent xmlns:mc="http://schemas.openxmlformats.org/markup-compatibility/2006">
-    <mc:Choice xmlns:c14="http://schemas.microsoft.com/office/drawing/2007/8/2/chart" Requires="c14">
-      <c14:style val="102"/>
-    </mc:Choice>
-    <mc:Fallback>
-      <c:style val="2"/>
-    </mc:Fallback>
-  </mc:AlternateContent>
   <c:chart>
-    <c:autoTitleDeleted val="0"/>
     <c:plotArea>
       <c:layout/>
       <c:barChart>
         <c:barDir val="bar"/>
         <c:grouping val="clustered"/>
-        <c:varyColors val="0"/>
         <c:ser>
           <c:idx val="0"/>
           <c:order val="0"/>
@@ -316,7 +426,6 @@
               </c:strCache>
             </c:strRef>
           </c:tx>
-          <c:invertIfNegative val="0"/>
           <c:cat>
             <c:strRef>
               <c:f>Tabelle1!$A$2:$A$5</c:f>
@@ -350,7 +459,7 @@
                   <c:v>4931.9825000000001</c:v>
                 </c:pt>
                 <c:pt idx="2">
-                  <c:v>22098.786499999998</c:v>
+                  <c:v>22098.786500000002</c:v>
                 </c:pt>
                 <c:pt idx="3">
                   <c:v>18450.342499999999</c:v>
@@ -373,7 +482,6 @@
               </c:strCache>
             </c:strRef>
           </c:tx>
-          <c:invertIfNegative val="0"/>
           <c:cat>
             <c:strRef>
               <c:f>Tabelle1!$A$2:$A$5</c:f>
@@ -401,78 +509,60 @@
                 <c:formatCode>General</c:formatCode>
                 <c:ptCount val="4"/>
                 <c:pt idx="0">
-                  <c:v>20982.084900000002</c:v>
+                  <c:v>20982.084900000005</c:v>
                 </c:pt>
                 <c:pt idx="1">
-                  <c:v>13029.036899999999</c:v>
+                  <c:v>13029.036899999997</c:v>
                 </c:pt>
                 <c:pt idx="2">
                   <c:v>165960.7249</c:v>
                 </c:pt>
                 <c:pt idx="3">
-                  <c:v>24960.426200000002</c:v>
+                  <c:v>24960.426200000005</c:v>
                 </c:pt>
               </c:numCache>
             </c:numRef>
           </c:val>
         </c:ser>
-        <c:dLbls>
-          <c:showLegendKey val="0"/>
-          <c:showVal val="0"/>
-          <c:showCatName val="0"/>
-          <c:showSerName val="0"/>
-          <c:showPercent val="0"/>
-          <c:showBubbleSize val="0"/>
-        </c:dLbls>
-        <c:gapWidth val="150"/>
-        <c:axId val="96792576"/>
-        <c:axId val="96988160"/>
+        <c:dLbls/>
+        <c:axId val="76731520"/>
+        <c:axId val="76733056"/>
       </c:barChart>
       <c:catAx>
-        <c:axId val="96792576"/>
+        <c:axId val="76731520"/>
         <c:scaling>
           <c:orientation val="minMax"/>
         </c:scaling>
-        <c:delete val="0"/>
         <c:axPos val="l"/>
         <c:numFmt formatCode="0.00E+00" sourceLinked="0"/>
-        <c:majorTickMark val="out"/>
-        <c:minorTickMark val="none"/>
         <c:tickLblPos val="nextTo"/>
-        <c:crossAx val="96988160"/>
+        <c:crossAx val="76733056"/>
         <c:crosses val="autoZero"/>
         <c:auto val="1"/>
         <c:lblAlgn val="ctr"/>
         <c:lblOffset val="100"/>
-        <c:noMultiLvlLbl val="0"/>
       </c:catAx>
       <c:valAx>
-        <c:axId val="96988160"/>
+        <c:axId val="76733056"/>
         <c:scaling>
           <c:logBase val="10"/>
           <c:orientation val="minMax"/>
           <c:max val="170000"/>
         </c:scaling>
-        <c:delete val="0"/>
         <c:axPos val="b"/>
         <c:majorGridlines/>
         <c:numFmt formatCode="General" sourceLinked="0"/>
-        <c:majorTickMark val="out"/>
-        <c:minorTickMark val="none"/>
         <c:tickLblPos val="nextTo"/>
-        <c:crossAx val="96792576"/>
+        <c:crossAx val="76731520"/>
         <c:crosses val="autoZero"/>
         <c:crossBetween val="between"/>
       </c:valAx>
     </c:plotArea>
     <c:legend>
       <c:legendPos val="t"/>
-      <c:layout/>
-      <c:overlay val="0"/>
     </c:legend>
     <c:plotVisOnly val="1"/>
     <c:dispBlanksAs val="gap"/>
-    <c:showDLblsOverMax val="0"/>
   </c:chart>
   <c:txPr>
     <a:bodyPr/>
@@ -484,33 +574,19 @@
       <a:endParaRPr lang="de-DE"/>
     </a:p>
   </c:txPr>
-  <c:externalData r:id="rId1">
-    <c:autoUpdate val="0"/>
-  </c:externalData>
+  <c:externalData r:id="rId1"/>
 </c:chartSpace>
 </file>
 
-<file path=ppt/charts/chart3.xml><?xml version="1.0" encoding="utf-8"?>
+<file path=ppt/charts/chart4.xml><?xml version="1.0" encoding="utf-8"?>
 <c:chartSpace xmlns:c="http://schemas.openxmlformats.org/drawingml/2006/chart" xmlns:a="http://schemas.openxmlformats.org/drawingml/2006/main" xmlns:r="http://schemas.openxmlformats.org/officeDocument/2006/relationships">
-  <c:date1904 val="0"/>
   <c:lang val="de-DE"/>
-  <c:roundedCorners val="0"/>
-  <mc:AlternateContent xmlns:mc="http://schemas.openxmlformats.org/markup-compatibility/2006">
-    <mc:Choice xmlns:c14="http://schemas.microsoft.com/office/drawing/2007/8/2/chart" Requires="c14">
-      <c14:style val="102"/>
-    </mc:Choice>
-    <mc:Fallback>
-      <c:style val="2"/>
-    </mc:Fallback>
-  </mc:AlternateContent>
   <c:chart>
-    <c:autoTitleDeleted val="0"/>
     <c:plotArea>
       <c:layout/>
       <c:barChart>
         <c:barDir val="bar"/>
         <c:grouping val="clustered"/>
-        <c:varyColors val="0"/>
         <c:ser>
           <c:idx val="0"/>
           <c:order val="0"/>
@@ -525,7 +601,6 @@
               </c:strCache>
             </c:strRef>
           </c:tx>
-          <c:invertIfNegative val="0"/>
           <c:cat>
             <c:strRef>
               <c:f>Tabelle1!$A$2:$A$5</c:f>
@@ -562,7 +637,7 @@
                   <c:v>130762.0505</c:v>
                 </c:pt>
                 <c:pt idx="3">
-                  <c:v>109173.6241</c:v>
+                  <c:v>109173.62410000002</c:v>
                 </c:pt>
               </c:numCache>
             </c:numRef>
@@ -582,7 +657,6 @@
               </c:strCache>
             </c:strRef>
           </c:tx>
-          <c:invertIfNegative val="0"/>
           <c:cat>
             <c:strRef>
               <c:f>Tabelle1!$A$2:$A$5</c:f>
@@ -610,13 +684,13 @@
                 <c:formatCode>General</c:formatCode>
                 <c:ptCount val="4"/>
                 <c:pt idx="0">
-                  <c:v>105970.12579999999</c:v>
+                  <c:v>105970.12580000001</c:v>
                 </c:pt>
                 <c:pt idx="1">
-                  <c:v>65803.216499999995</c:v>
+                  <c:v>65803.21649999998</c:v>
                 </c:pt>
                 <c:pt idx="2">
-                  <c:v>838185.4743</c:v>
+                  <c:v>838185.47429999989</c:v>
                 </c:pt>
                 <c:pt idx="3">
                   <c:v>126062.7588</c:v>
@@ -625,62 +699,44 @@
             </c:numRef>
           </c:val>
         </c:ser>
-        <c:dLbls>
-          <c:showLegendKey val="0"/>
-          <c:showVal val="0"/>
-          <c:showCatName val="0"/>
-          <c:showSerName val="0"/>
-          <c:showPercent val="0"/>
-          <c:showBubbleSize val="0"/>
-        </c:dLbls>
-        <c:gapWidth val="150"/>
-        <c:axId val="94612096"/>
-        <c:axId val="96768768"/>
+        <c:dLbls/>
+        <c:axId val="78906880"/>
+        <c:axId val="78908800"/>
       </c:barChart>
       <c:catAx>
-        <c:axId val="94612096"/>
+        <c:axId val="78906880"/>
         <c:scaling>
           <c:orientation val="minMax"/>
         </c:scaling>
-        <c:delete val="0"/>
         <c:axPos val="l"/>
-        <c:majorTickMark val="out"/>
-        <c:minorTickMark val="none"/>
         <c:tickLblPos val="nextTo"/>
-        <c:crossAx val="96768768"/>
+        <c:crossAx val="78908800"/>
         <c:crosses val="autoZero"/>
         <c:auto val="1"/>
         <c:lblAlgn val="ctr"/>
         <c:lblOffset val="100"/>
-        <c:noMultiLvlLbl val="0"/>
       </c:catAx>
       <c:valAx>
-        <c:axId val="96768768"/>
+        <c:axId val="78908800"/>
         <c:scaling>
           <c:logBase val="10"/>
           <c:orientation val="minMax"/>
           <c:max val="900000"/>
         </c:scaling>
-        <c:delete val="0"/>
         <c:axPos val="b"/>
         <c:majorGridlines/>
         <c:numFmt formatCode="General" sourceLinked="1"/>
-        <c:majorTickMark val="out"/>
-        <c:minorTickMark val="none"/>
         <c:tickLblPos val="nextTo"/>
-        <c:crossAx val="94612096"/>
+        <c:crossAx val="78906880"/>
         <c:crosses val="autoZero"/>
         <c:crossBetween val="between"/>
       </c:valAx>
     </c:plotArea>
     <c:legend>
       <c:legendPos val="t"/>
-      <c:layout/>
-      <c:overlay val="0"/>
     </c:legend>
     <c:plotVisOnly val="1"/>
     <c:dispBlanksAs val="gap"/>
-    <c:showDLblsOverMax val="0"/>
   </c:chart>
   <c:txPr>
     <a:bodyPr/>
@@ -692,33 +748,19 @@
       <a:endParaRPr lang="de-DE"/>
     </a:p>
   </c:txPr>
-  <c:externalData r:id="rId1">
-    <c:autoUpdate val="0"/>
-  </c:externalData>
+  <c:externalData r:id="rId1"/>
 </c:chartSpace>
 </file>
 
-<file path=ppt/charts/chart4.xml><?xml version="1.0" encoding="utf-8"?>
+<file path=ppt/charts/chart5.xml><?xml version="1.0" encoding="utf-8"?>
 <c:chartSpace xmlns:c="http://schemas.openxmlformats.org/drawingml/2006/chart" xmlns:a="http://schemas.openxmlformats.org/drawingml/2006/main" xmlns:r="http://schemas.openxmlformats.org/officeDocument/2006/relationships">
-  <c:date1904 val="0"/>
   <c:lang val="de-DE"/>
-  <c:roundedCorners val="0"/>
-  <mc:AlternateContent xmlns:mc="http://schemas.openxmlformats.org/markup-compatibility/2006">
-    <mc:Choice xmlns:c14="http://schemas.microsoft.com/office/drawing/2007/8/2/chart" Requires="c14">
-      <c14:style val="102"/>
-    </mc:Choice>
-    <mc:Fallback>
-      <c:style val="2"/>
-    </mc:Fallback>
-  </mc:AlternateContent>
   <c:chart>
-    <c:autoTitleDeleted val="0"/>
     <c:plotArea>
       <c:layout/>
       <c:barChart>
         <c:barDir val="bar"/>
         <c:grouping val="clustered"/>
-        <c:varyColors val="0"/>
         <c:ser>
           <c:idx val="0"/>
           <c:order val="0"/>
@@ -733,7 +775,6 @@
               </c:strCache>
             </c:strRef>
           </c:tx>
-          <c:invertIfNegative val="0"/>
           <c:cat>
             <c:strRef>
               <c:f>Tabelle1!$A$2:$A$5</c:f>
@@ -764,7 +805,7 @@
                   <c:v>115.52</c:v>
                 </c:pt>
                 <c:pt idx="1">
-                  <c:v>673.77</c:v>
+                  <c:v>673.7700000000001</c:v>
                 </c:pt>
                 <c:pt idx="2">
                   <c:v>69.08</c:v>
@@ -790,7 +831,6 @@
               </c:strCache>
             </c:strRef>
           </c:tx>
-          <c:invertIfNegative val="0"/>
           <c:cat>
             <c:strRef>
               <c:f>Tabelle1!$A$2:$A$5</c:f>
@@ -827,68 +867,50 @@
                   <c:v>22.361000000000001</c:v>
                 </c:pt>
                 <c:pt idx="3">
-                  <c:v>79.552000000000007</c:v>
+                  <c:v>79.551999999999992</c:v>
                 </c:pt>
               </c:numCache>
             </c:numRef>
           </c:val>
         </c:ser>
-        <c:dLbls>
-          <c:showLegendKey val="0"/>
-          <c:showVal val="0"/>
-          <c:showCatName val="0"/>
-          <c:showSerName val="0"/>
-          <c:showPercent val="0"/>
-          <c:showBubbleSize val="0"/>
-        </c:dLbls>
-        <c:gapWidth val="150"/>
-        <c:axId val="96991872"/>
-        <c:axId val="97009024"/>
+        <c:dLbls/>
+        <c:axId val="79027584"/>
+        <c:axId val="79118336"/>
       </c:barChart>
       <c:catAx>
-        <c:axId val="96991872"/>
+        <c:axId val="79027584"/>
         <c:scaling>
           <c:orientation val="minMax"/>
         </c:scaling>
-        <c:delete val="0"/>
         <c:axPos val="l"/>
-        <c:majorTickMark val="out"/>
-        <c:minorTickMark val="none"/>
         <c:tickLblPos val="nextTo"/>
-        <c:crossAx val="97009024"/>
+        <c:crossAx val="79118336"/>
         <c:crosses val="autoZero"/>
         <c:auto val="1"/>
         <c:lblAlgn val="ctr"/>
         <c:lblOffset val="100"/>
-        <c:noMultiLvlLbl val="0"/>
       </c:catAx>
       <c:valAx>
-        <c:axId val="97009024"/>
+        <c:axId val="79118336"/>
         <c:scaling>
           <c:logBase val="10"/>
           <c:orientation val="minMax"/>
           <c:max val="700"/>
         </c:scaling>
-        <c:delete val="0"/>
         <c:axPos val="b"/>
         <c:majorGridlines/>
         <c:numFmt formatCode="General" sourceLinked="1"/>
-        <c:majorTickMark val="out"/>
-        <c:minorTickMark val="none"/>
         <c:tickLblPos val="nextTo"/>
-        <c:crossAx val="96991872"/>
+        <c:crossAx val="79027584"/>
         <c:crosses val="autoZero"/>
         <c:crossBetween val="between"/>
       </c:valAx>
     </c:plotArea>
     <c:legend>
       <c:legendPos val="t"/>
-      <c:layout/>
-      <c:overlay val="0"/>
     </c:legend>
     <c:plotVisOnly val="1"/>
     <c:dispBlanksAs val="gap"/>
-    <c:showDLblsOverMax val="0"/>
   </c:chart>
   <c:txPr>
     <a:bodyPr/>
@@ -900,33 +922,19 @@
       <a:endParaRPr lang="de-DE"/>
     </a:p>
   </c:txPr>
-  <c:externalData r:id="rId1">
-    <c:autoUpdate val="0"/>
-  </c:externalData>
+  <c:externalData r:id="rId1"/>
 </c:chartSpace>
 </file>
 
-<file path=ppt/charts/chart5.xml><?xml version="1.0" encoding="utf-8"?>
+<file path=ppt/charts/chart6.xml><?xml version="1.0" encoding="utf-8"?>
 <c:chartSpace xmlns:c="http://schemas.openxmlformats.org/drawingml/2006/chart" xmlns:a="http://schemas.openxmlformats.org/drawingml/2006/main" xmlns:r="http://schemas.openxmlformats.org/officeDocument/2006/relationships">
-  <c:date1904 val="0"/>
   <c:lang val="de-DE"/>
-  <c:roundedCorners val="0"/>
-  <mc:AlternateContent xmlns:mc="http://schemas.openxmlformats.org/markup-compatibility/2006">
-    <mc:Choice xmlns:c14="http://schemas.microsoft.com/office/drawing/2007/8/2/chart" Requires="c14">
-      <c14:style val="102"/>
-    </mc:Choice>
-    <mc:Fallback>
-      <c:style val="2"/>
-    </mc:Fallback>
-  </mc:AlternateContent>
   <c:chart>
-    <c:autoTitleDeleted val="0"/>
     <c:plotArea>
       <c:layout/>
       <c:barChart>
         <c:barDir val="bar"/>
         <c:grouping val="clustered"/>
-        <c:varyColors val="0"/>
         <c:ser>
           <c:idx val="0"/>
           <c:order val="0"/>
@@ -941,7 +949,6 @@
               </c:strCache>
             </c:strRef>
           </c:tx>
-          <c:invertIfNegative val="0"/>
           <c:cat>
             <c:strRef>
               <c:f>Tabelle1!$A$2:$A$5</c:f>
@@ -969,13 +976,13 @@
                 <c:formatCode>General</c:formatCode>
                 <c:ptCount val="4"/>
                 <c:pt idx="0">
-                  <c:v>51.222000000000001</c:v>
+                  <c:v>51.222000000000008</c:v>
                 </c:pt>
                 <c:pt idx="1">
                   <c:v>8.782</c:v>
                 </c:pt>
                 <c:pt idx="2">
-                  <c:v>85.656999999999996</c:v>
+                  <c:v>85.656999999999982</c:v>
                 </c:pt>
                 <c:pt idx="3">
                   <c:v>63.063000000000002</c:v>
@@ -998,7 +1005,6 @@
               </c:strCache>
             </c:strRef>
           </c:tx>
-          <c:invertIfNegative val="0"/>
           <c:cat>
             <c:strRef>
               <c:f>Tabelle1!$A$2:$A$5</c:f>
@@ -1026,13 +1032,13 @@
                 <c:formatCode>General</c:formatCode>
                 <c:ptCount val="4"/>
                 <c:pt idx="0">
-                  <c:v>39.22</c:v>
+                  <c:v>39.220000000000006</c:v>
                 </c:pt>
                 <c:pt idx="1">
                   <c:v>7.74</c:v>
                 </c:pt>
                 <c:pt idx="2">
-                  <c:v>121.855</c:v>
+                  <c:v>121.85499999999999</c:v>
                 </c:pt>
                 <c:pt idx="3">
                   <c:v>34.252000000000002</c:v>
@@ -1041,62 +1047,44 @@
             </c:numRef>
           </c:val>
         </c:ser>
-        <c:dLbls>
-          <c:showLegendKey val="0"/>
-          <c:showVal val="0"/>
-          <c:showCatName val="0"/>
-          <c:showSerName val="0"/>
-          <c:showPercent val="0"/>
-          <c:showBubbleSize val="0"/>
-        </c:dLbls>
-        <c:gapWidth val="150"/>
-        <c:axId val="96791168"/>
-        <c:axId val="118965376"/>
+        <c:dLbls/>
+        <c:axId val="95611136"/>
+        <c:axId val="100990976"/>
       </c:barChart>
       <c:catAx>
-        <c:axId val="96791168"/>
+        <c:axId val="95611136"/>
         <c:scaling>
           <c:orientation val="minMax"/>
         </c:scaling>
-        <c:delete val="0"/>
         <c:axPos val="l"/>
-        <c:majorTickMark val="out"/>
-        <c:minorTickMark val="none"/>
         <c:tickLblPos val="nextTo"/>
-        <c:crossAx val="118965376"/>
+        <c:crossAx val="100990976"/>
         <c:crosses val="autoZero"/>
         <c:auto val="1"/>
         <c:lblAlgn val="ctr"/>
         <c:lblOffset val="100"/>
-        <c:noMultiLvlLbl val="0"/>
       </c:catAx>
       <c:valAx>
-        <c:axId val="118965376"/>
+        <c:axId val="100990976"/>
         <c:scaling>
           <c:logBase val="10"/>
           <c:orientation val="minMax"/>
           <c:max val="130"/>
         </c:scaling>
-        <c:delete val="0"/>
         <c:axPos val="b"/>
         <c:majorGridlines/>
         <c:numFmt formatCode="General" sourceLinked="1"/>
-        <c:majorTickMark val="out"/>
-        <c:minorTickMark val="none"/>
         <c:tickLblPos val="nextTo"/>
-        <c:crossAx val="96791168"/>
+        <c:crossAx val="95611136"/>
         <c:crosses val="autoZero"/>
         <c:crossBetween val="between"/>
       </c:valAx>
     </c:plotArea>
     <c:legend>
       <c:legendPos val="t"/>
-      <c:layout/>
-      <c:overlay val="0"/>
     </c:legend>
     <c:plotVisOnly val="1"/>
     <c:dispBlanksAs val="gap"/>
-    <c:showDLblsOverMax val="0"/>
   </c:chart>
   <c:txPr>
     <a:bodyPr/>
@@ -1108,9 +1096,7 @@
       <a:endParaRPr lang="de-DE"/>
     </a:p>
   </c:txPr>
-  <c:externalData r:id="rId1">
-    <c:autoUpdate val="0"/>
-  </c:externalData>
+  <c:externalData r:id="rId1"/>
 </c:chartSpace>
 </file>
 
@@ -1436,7 +1422,7 @@
     </p:spTree>
     <p:extLst>
       <p:ext uri="{BB962C8B-B14F-4D97-AF65-F5344CB8AC3E}">
-        <p14:creationId xmlns:p14="http://schemas.microsoft.com/office/powerpoint/2010/main" val="4020156663"/>
+        <p14:creationId xmlns:p14="http://schemas.microsoft.com/office/powerpoint/2010/main" xmlns="" val="4020156663"/>
       </p:ext>
     </p:extLst>
   </p:cSld>
@@ -4728,17 +4714,6 @@
               </a:rPr>
               <a:t>Start</a:t>
             </a:r>
-            <a:endParaRPr kumimoji="0" lang="de-DE" sz="1600" b="0" i="0" u="none" strike="noStrike" cap="none" normalizeH="0" baseline="0" dirty="0" smtClean="0">
-              <a:ln>
-                <a:noFill/>
-              </a:ln>
-              <a:solidFill>
-                <a:schemeClr val="tx1"/>
-              </a:solidFill>
-              <a:effectLst/>
-              <a:latin typeface="+mn-lt"/>
-              <a:ea typeface="ＭＳ Ｐゴシック" pitchFamily="1" charset="-128"/>
-            </a:endParaRPr>
           </a:p>
         </p:txBody>
       </p:sp>
@@ -4819,14 +4794,6 @@
               </a:rPr>
               <a:t>4</a:t>
             </a:r>
-            <a:endParaRPr kumimoji="0" lang="de-DE" sz="1600" b="0" i="0" u="none" strike="noStrike" cap="none" normalizeH="0" baseline="0" dirty="0" smtClean="0">
-              <a:ln>
-                <a:noFill/>
-              </a:ln>
-              <a:effectLst/>
-              <a:latin typeface="+mn-lt"/>
-              <a:ea typeface="ＭＳ Ｐゴシック" pitchFamily="1" charset="-128"/>
-            </a:endParaRPr>
           </a:p>
         </p:txBody>
       </p:sp>
@@ -5004,17 +4971,6 @@
               </a:rPr>
               <a:t>&gt;=2</a:t>
             </a:r>
-            <a:endParaRPr kumimoji="0" lang="de-DE" sz="1600" b="0" i="0" u="none" strike="noStrike" cap="none" normalizeH="0" baseline="0" dirty="0" smtClean="0">
-              <a:ln>
-                <a:noFill/>
-              </a:ln>
-              <a:solidFill>
-                <a:schemeClr val="tx1"/>
-              </a:solidFill>
-              <a:effectLst/>
-              <a:latin typeface="+mn-lt"/>
-              <a:ea typeface="ＭＳ Ｐゴシック" pitchFamily="1" charset="-128"/>
-            </a:endParaRPr>
           </a:p>
         </p:txBody>
       </p:sp>
@@ -5275,17 +5231,6 @@
               </a:rPr>
               <a:t>=1</a:t>
             </a:r>
-            <a:endParaRPr kumimoji="0" lang="de-DE" sz="1600" b="0" i="0" u="none" strike="noStrike" cap="none" normalizeH="0" baseline="0" dirty="0" smtClean="0">
-              <a:ln>
-                <a:noFill/>
-              </a:ln>
-              <a:solidFill>
-                <a:schemeClr val="tx1"/>
-              </a:solidFill>
-              <a:effectLst/>
-              <a:latin typeface="+mn-lt"/>
-              <a:ea typeface="ＭＳ Ｐゴシック" pitchFamily="1" charset="-128"/>
-            </a:endParaRPr>
           </a:p>
         </p:txBody>
       </p:sp>
@@ -5355,17 +5300,6 @@
               </a:rPr>
               <a:t>Ende</a:t>
             </a:r>
-            <a:endParaRPr kumimoji="0" lang="de-DE" sz="1600" b="0" i="0" u="none" strike="noStrike" cap="none" normalizeH="0" baseline="0" dirty="0" smtClean="0">
-              <a:ln>
-                <a:noFill/>
-              </a:ln>
-              <a:solidFill>
-                <a:schemeClr val="tx1"/>
-              </a:solidFill>
-              <a:effectLst/>
-              <a:latin typeface="+mn-lt"/>
-              <a:ea typeface="ＭＳ Ｐゴシック" pitchFamily="1" charset="-128"/>
-            </a:endParaRPr>
           </a:p>
         </p:txBody>
       </p:sp>
@@ -5664,7 +5598,7 @@
     </p:spTree>
     <p:extLst>
       <p:ext uri="{BB962C8B-B14F-4D97-AF65-F5344CB8AC3E}">
-        <p14:creationId xmlns:p14="http://schemas.microsoft.com/office/powerpoint/2010/main" val="1423733875"/>
+        <p14:creationId xmlns:p14="http://schemas.microsoft.com/office/powerpoint/2010/main" xmlns="" val="1423733875"/>
       </p:ext>
     </p:extLst>
   </p:cSld>
@@ -6624,11 +6558,7 @@
           <a:p>
             <a:r>
               <a:rPr lang="de-DE" dirty="0" smtClean="0"/>
-              <a:t>MFCC: </a:t>
-            </a:r>
-            <a:r>
-              <a:rPr lang="de-DE" dirty="0" smtClean="0"/>
-              <a:t>DSP-Optimierung (2)</a:t>
+              <a:t>MFCC: DSP-Optimierung (2)</a:t>
             </a:r>
             <a:endParaRPr lang="de-DE" dirty="0"/>
           </a:p>
@@ -7264,59 +7194,9 @@
         </p:xfrm>
         <a:graphic>
           <a:graphicData uri="http://schemas.openxmlformats.org/presentationml/2006/ole">
-            <mc:AlternateContent xmlns:mc="http://schemas.openxmlformats.org/markup-compatibility/2006">
-              <mc:Choice xmlns:v="urn:schemas-microsoft-com:vml" Requires="v">
-                <p:oleObj spid="_x0000_s1069" name="Formel" r:id="rId3" imgW="1054100" imgH="431800" progId="Equation.3">
-                  <p:embed/>
-                </p:oleObj>
-              </mc:Choice>
-              <mc:Fallback>
-                <p:oleObj name="Formel" r:id="rId3" imgW="1054100" imgH="431800" progId="Equation.3">
-                  <p:embed/>
-                  <p:pic>
-                    <p:nvPicPr>
-                      <p:cNvPr id="0" name="Picture 12"/>
-                      <p:cNvPicPr>
-                        <a:picLocks noChangeAspect="1" noChangeArrowheads="1"/>
-                      </p:cNvPicPr>
-                      <p:nvPr/>
-                    </p:nvPicPr>
-                    <p:blipFill>
-                      <a:blip r:embed="rId4">
-                        <a:extLst>
-                          <a:ext uri="{28A0092B-C50C-407E-A947-70E740481C1C}">
-                            <a14:useLocalDpi xmlns:a14="http://schemas.microsoft.com/office/drawing/2010/main" val="0"/>
-                          </a:ext>
-                        </a:extLst>
-                      </a:blip>
-                      <a:srcRect/>
-                      <a:stretch>
-                        <a:fillRect/>
-                      </a:stretch>
-                    </p:blipFill>
-                    <p:spPr bwMode="auto">
-                      <a:xfrm>
-                        <a:off x="467544" y="5373216"/>
-                        <a:ext cx="2016224" cy="825923"/>
-                      </a:xfrm>
-                      <a:prstGeom prst="rect">
-                        <a:avLst/>
-                      </a:prstGeom>
-                      <a:noFill/>
-                      <a:extLst>
-                        <a:ext uri="{909E8E84-426E-40DD-AFC4-6F175D3DCCD1}">
-                          <a14:hiddenFill xmlns:a14="http://schemas.microsoft.com/office/drawing/2010/main">
-                            <a:solidFill>
-                              <a:srgbClr val="FFFFFF"/>
-                            </a:solidFill>
-                          </a14:hiddenFill>
-                        </a:ext>
-                      </a:extLst>
-                    </p:spPr>
-                  </p:pic>
-                </p:oleObj>
-              </mc:Fallback>
-            </mc:AlternateContent>
+            <p:oleObj spid="_x0000_s1069" name="Formel" r:id="rId3" imgW="1054100" imgH="431800" progId="Equation.3">
+              <p:embed/>
+            </p:oleObj>
           </a:graphicData>
         </a:graphic>
       </p:graphicFrame>
@@ -7334,59 +7214,9 @@
         </p:xfrm>
         <a:graphic>
           <a:graphicData uri="http://schemas.openxmlformats.org/presentationml/2006/ole">
-            <mc:AlternateContent xmlns:mc="http://schemas.openxmlformats.org/markup-compatibility/2006">
-              <mc:Choice xmlns:v="urn:schemas-microsoft-com:vml" Requires="v">
-                <p:oleObj spid="_x0000_s1070" name="Formel" r:id="rId5" imgW="926698" imgH="393529" progId="Equation.3">
-                  <p:embed/>
-                </p:oleObj>
-              </mc:Choice>
-              <mc:Fallback>
-                <p:oleObj name="Formel" r:id="rId5" imgW="926698" imgH="393529" progId="Equation.3">
-                  <p:embed/>
-                  <p:pic>
-                    <p:nvPicPr>
-                      <p:cNvPr id="0" name="Picture 13"/>
-                      <p:cNvPicPr>
-                        <a:picLocks noChangeAspect="1" noChangeArrowheads="1"/>
-                      </p:cNvPicPr>
-                      <p:nvPr/>
-                    </p:nvPicPr>
-                    <p:blipFill>
-                      <a:blip r:embed="rId6">
-                        <a:extLst>
-                          <a:ext uri="{28A0092B-C50C-407E-A947-70E740481C1C}">
-                            <a14:useLocalDpi xmlns:a14="http://schemas.microsoft.com/office/drawing/2010/main" val="0"/>
-                          </a:ext>
-                        </a:extLst>
-                      </a:blip>
-                      <a:srcRect/>
-                      <a:stretch>
-                        <a:fillRect/>
-                      </a:stretch>
-                    </p:blipFill>
-                    <p:spPr bwMode="auto">
-                      <a:xfrm>
-                        <a:off x="3131840" y="5373216"/>
-                        <a:ext cx="2600325" cy="766763"/>
-                      </a:xfrm>
-                      <a:prstGeom prst="rect">
-                        <a:avLst/>
-                      </a:prstGeom>
-                      <a:noFill/>
-                      <a:extLst>
-                        <a:ext uri="{909E8E84-426E-40DD-AFC4-6F175D3DCCD1}">
-                          <a14:hiddenFill xmlns:a14="http://schemas.microsoft.com/office/drawing/2010/main">
-                            <a:solidFill>
-                              <a:srgbClr val="FFFFFF"/>
-                            </a:solidFill>
-                          </a14:hiddenFill>
-                        </a:ext>
-                      </a:extLst>
-                    </p:spPr>
-                  </p:pic>
-                </p:oleObj>
-              </mc:Fallback>
-            </mc:AlternateContent>
+            <p:oleObj spid="_x0000_s1070" name="Formel" r:id="rId4" imgW="926698" imgH="393529" progId="Equation.3">
+              <p:embed/>
+            </p:oleObj>
           </a:graphicData>
         </a:graphic>
       </p:graphicFrame>
@@ -7404,59 +7234,9 @@
         </p:xfrm>
         <a:graphic>
           <a:graphicData uri="http://schemas.openxmlformats.org/presentationml/2006/ole">
-            <mc:AlternateContent xmlns:mc="http://schemas.openxmlformats.org/markup-compatibility/2006">
-              <mc:Choice xmlns:v="urn:schemas-microsoft-com:vml" Requires="v">
-                <p:oleObj spid="_x0000_s1071" name="Formel" r:id="rId7" imgW="774364" imgH="393529" progId="Equation.3">
-                  <p:embed/>
-                </p:oleObj>
-              </mc:Choice>
-              <mc:Fallback>
-                <p:oleObj name="Formel" r:id="rId7" imgW="774364" imgH="393529" progId="Equation.3">
-                  <p:embed/>
-                  <p:pic>
-                    <p:nvPicPr>
-                      <p:cNvPr id="0" name="Picture 14"/>
-                      <p:cNvPicPr>
-                        <a:picLocks noChangeAspect="1" noChangeArrowheads="1"/>
-                      </p:cNvPicPr>
-                      <p:nvPr/>
-                    </p:nvPicPr>
-                    <p:blipFill>
-                      <a:blip r:embed="rId8">
-                        <a:extLst>
-                          <a:ext uri="{28A0092B-C50C-407E-A947-70E740481C1C}">
-                            <a14:useLocalDpi xmlns:a14="http://schemas.microsoft.com/office/drawing/2010/main" val="0"/>
-                          </a:ext>
-                        </a:extLst>
-                      </a:blip>
-                      <a:srcRect/>
-                      <a:stretch>
-                        <a:fillRect/>
-                      </a:stretch>
-                    </p:blipFill>
-                    <p:spPr bwMode="auto">
-                      <a:xfrm>
-                        <a:off x="6444208" y="5301208"/>
-                        <a:ext cx="1656184" cy="841667"/>
-                      </a:xfrm>
-                      <a:prstGeom prst="rect">
-                        <a:avLst/>
-                      </a:prstGeom>
-                      <a:noFill/>
-                      <a:extLst>
-                        <a:ext uri="{909E8E84-426E-40DD-AFC4-6F175D3DCCD1}">
-                          <a14:hiddenFill xmlns:a14="http://schemas.microsoft.com/office/drawing/2010/main">
-                            <a:solidFill>
-                              <a:srgbClr val="FFFFFF"/>
-                            </a:solidFill>
-                          </a14:hiddenFill>
-                        </a:ext>
-                      </a:extLst>
-                    </p:spPr>
-                  </p:pic>
-                </p:oleObj>
-              </mc:Fallback>
-            </mc:AlternateContent>
+            <p:oleObj spid="_x0000_s1071" name="Formel" r:id="rId5" imgW="774364" imgH="393529" progId="Equation.3">
+              <p:embed/>
+            </p:oleObj>
           </a:graphicData>
         </a:graphic>
       </p:graphicFrame>
@@ -8692,7 +8472,7 @@
             <p:ph idx="1"/>
             <p:extLst>
               <p:ext uri="{D42A27DB-BD31-4B8C-83A1-F6EECF244321}">
-                <p14:modId xmlns:p14="http://schemas.microsoft.com/office/powerpoint/2010/main" val="2558019255"/>
+                <p14:modId xmlns:p14="http://schemas.microsoft.com/office/powerpoint/2010/main" xmlns="" val="2558019255"/>
               </p:ext>
             </p:extLst>
           </p:nvPr>
@@ -8724,15 +8504,7 @@
           <a:p>
             <a:r>
               <a:rPr lang="de-DE" dirty="0" smtClean="0"/>
-              <a:t>Vergleich ARM und DSP </a:t>
-            </a:r>
-            <a:r>
-              <a:rPr lang="de-DE" dirty="0" smtClean="0"/>
-              <a:t>(</a:t>
-            </a:r>
-            <a:r>
-              <a:rPr lang="de-DE" dirty="0" smtClean="0"/>
-              <a:t>Extraktionsrate)</a:t>
+              <a:t>Vergleich ARM und DSP (Extraktionsrate)</a:t>
             </a:r>
             <a:endParaRPr lang="de-DE" dirty="0"/>
           </a:p>
@@ -8853,7 +8625,7 @@
             <p:ph idx="1"/>
             <p:extLst>
               <p:ext uri="{D42A27DB-BD31-4B8C-83A1-F6EECF244321}">
-                <p14:modId xmlns:p14="http://schemas.microsoft.com/office/powerpoint/2010/main" val="2551806399"/>
+                <p14:modId xmlns:p14="http://schemas.microsoft.com/office/powerpoint/2010/main" xmlns="" val="2551806399"/>
               </p:ext>
             </p:extLst>
           </p:nvPr>
@@ -8885,11 +8657,7 @@
           <a:p>
             <a:r>
               <a:rPr lang="de-DE" dirty="0" smtClean="0"/>
-              <a:t>Vergleich ARM und DSP </a:t>
-            </a:r>
-            <a:r>
-              <a:rPr lang="de-DE" dirty="0" smtClean="0"/>
-              <a:t>(Energie-</a:t>
+              <a:t>Vergleich ARM und DSP (Energie-</a:t>
             </a:r>
             <a:r>
               <a:rPr lang="de-DE" dirty="0" err="1" smtClean="0"/>
@@ -9012,7 +8780,7 @@
             <p:ph idx="1"/>
             <p:extLst>
               <p:ext uri="{D42A27DB-BD31-4B8C-83A1-F6EECF244321}">
-                <p14:modId xmlns:p14="http://schemas.microsoft.com/office/powerpoint/2010/main" val="2896852188"/>
+                <p14:modId xmlns:p14="http://schemas.microsoft.com/office/powerpoint/2010/main" xmlns="" val="2896852188"/>
               </p:ext>
             </p:extLst>
           </p:nvPr>
@@ -9044,11 +8812,7 @@
           <a:p>
             <a:r>
               <a:rPr lang="de-DE" dirty="0" smtClean="0"/>
-              <a:t>Vergleich ARM und heterogenes System </a:t>
-            </a:r>
-            <a:r>
-              <a:rPr lang="de-DE" dirty="0" smtClean="0"/>
-              <a:t>(Laufzeit)</a:t>
+              <a:t>Vergleich ARM und heterogenes System (Laufzeit)</a:t>
             </a:r>
             <a:endParaRPr lang="de-DE" dirty="0"/>
           </a:p>
@@ -9163,7 +8927,7 @@
             <p:ph idx="1"/>
             <p:extLst>
               <p:ext uri="{D42A27DB-BD31-4B8C-83A1-F6EECF244321}">
-                <p14:modId xmlns:p14="http://schemas.microsoft.com/office/powerpoint/2010/main" val="774806516"/>
+                <p14:modId xmlns:p14="http://schemas.microsoft.com/office/powerpoint/2010/main" xmlns="" val="774806516"/>
               </p:ext>
             </p:extLst>
           </p:nvPr>
@@ -9195,11 +8959,7 @@
           <a:p>
             <a:r>
               <a:rPr lang="de-DE" dirty="0" smtClean="0"/>
-              <a:t>Vergleich ARM und heterogenes System </a:t>
-            </a:r>
-            <a:r>
-              <a:rPr lang="de-DE" dirty="0" smtClean="0"/>
-              <a:t>(Energie-Effizienz)</a:t>
+              <a:t>Vergleich ARM und heterogenes System (Energie-Effizienz)</a:t>
             </a:r>
             <a:endParaRPr lang="de-DE" dirty="0"/>
           </a:p>
@@ -9354,11 +9114,7 @@
           <a:p>
             <a:r>
               <a:rPr lang="de-DE" dirty="0" smtClean="0"/>
-              <a:t>Keine </a:t>
-            </a:r>
-            <a:r>
-              <a:rPr lang="de-DE" dirty="0" smtClean="0"/>
-              <a:t>generell bessere Architektur</a:t>
+              <a:t>Keine generell bessere Architektur</a:t>
             </a:r>
           </a:p>
           <a:p>
@@ -9370,13 +9126,8 @@
           <a:p>
             <a:r>
               <a:rPr lang="de-DE" dirty="0" smtClean="0"/>
-              <a:t>ARM ist </a:t>
+              <a:t>ARM ist Energie-effizienter (Ausnahme MCL3)</a:t>
             </a:r>
-            <a:r>
-              <a:rPr lang="de-DE" dirty="0" smtClean="0"/>
-              <a:t>Energie-effizienter (Ausnahme MCL3)</a:t>
-            </a:r>
-            <a:endParaRPr lang="de-DE" dirty="0" smtClean="0"/>
           </a:p>
           <a:p>
             <a:r>
@@ -9479,14 +9230,12 @@
               <a:rPr lang="de-DE" b="1" dirty="0" smtClean="0"/>
               <a:t>Heterogenes System</a:t>
             </a:r>
-            <a:endParaRPr lang="de-DE" b="1" dirty="0" smtClean="0"/>
           </a:p>
           <a:p>
             <a:r>
               <a:rPr lang="de-DE" b="1" dirty="0" smtClean="0"/>
               <a:t>Optimierung am Beispiel des MFCC-Merkmals</a:t>
             </a:r>
-            <a:endParaRPr lang="de-DE" b="1" dirty="0" smtClean="0"/>
           </a:p>
           <a:p>
             <a:r>
@@ -10216,10 +9965,10 @@
           <p:nvPr/>
         </p:nvPicPr>
         <p:blipFill>
-          <a:blip r:embed="rId3">
+          <a:blip r:embed="rId3" cstate="print">
             <a:extLst>
               <a:ext uri="{28A0092B-C50C-407E-A947-70E740481C1C}">
-                <a14:useLocalDpi xmlns:a14="http://schemas.microsoft.com/office/drawing/2010/main" val="0"/>
+                <a14:useLocalDpi xmlns:a14="http://schemas.microsoft.com/office/drawing/2010/main" xmlns="" val="0"/>
               </a:ext>
             </a:extLst>
           </a:blip>
@@ -22363,7 +22112,7 @@
           <p:nvPr>
             <p:extLst>
               <p:ext uri="{D42A27DB-BD31-4B8C-83A1-F6EECF244321}">
-                <p14:modId xmlns:p14="http://schemas.microsoft.com/office/powerpoint/2010/main" val="3096212140"/>
+                <p14:modId xmlns:p14="http://schemas.microsoft.com/office/powerpoint/2010/main" xmlns="" val="3096212140"/>
               </p:ext>
             </p:extLst>
           </p:nvPr>
@@ -22374,40 +22123,9 @@
         </p:xfrm>
         <a:graphic>
           <a:graphicData uri="http://schemas.openxmlformats.org/presentationml/2006/ole">
-            <mc:AlternateContent xmlns:mc="http://schemas.openxmlformats.org/markup-compatibility/2006">
-              <mc:Choice xmlns:v="urn:schemas-microsoft-com:vml" Requires="v">
-                <p:oleObj spid="_x0000_s2051" name="Equation" r:id="rId4" imgW="2298600" imgH="711000" progId="Equation.DSMT4">
-                  <p:embed/>
-                </p:oleObj>
-              </mc:Choice>
-              <mc:Fallback>
-                <p:oleObj name="Equation" r:id="rId4" imgW="2298600" imgH="711000" progId="Equation.DSMT4">
-                  <p:embed/>
-                  <p:pic>
-                    <p:nvPicPr>
-                      <p:cNvPr id="0" name=""/>
-                      <p:cNvPicPr/>
-                      <p:nvPr/>
-                    </p:nvPicPr>
-                    <p:blipFill>
-                      <a:blip r:embed="rId5"/>
-                      <a:stretch>
-                        <a:fillRect/>
-                      </a:stretch>
-                    </p:blipFill>
-                    <p:spPr>
-                      <a:xfrm>
-                        <a:off x="1377611" y="2896237"/>
-                        <a:ext cx="5704777" cy="1765014"/>
-                      </a:xfrm>
-                      <a:prstGeom prst="rect">
-                        <a:avLst/>
-                      </a:prstGeom>
-                    </p:spPr>
-                  </p:pic>
-                </p:oleObj>
-              </mc:Fallback>
-            </mc:AlternateContent>
+            <p:oleObj spid="_x0000_s2051" name="Equation" r:id="rId4" imgW="2298600" imgH="711000" progId="">
+              <p:embed/>
+            </p:oleObj>
           </a:graphicData>
         </a:graphic>
       </p:graphicFrame>
@@ -22482,7 +22200,7 @@
           <p:nvPr>
             <p:extLst>
               <p:ext uri="{D42A27DB-BD31-4B8C-83A1-F6EECF244321}">
-                <p14:modId xmlns:p14="http://schemas.microsoft.com/office/powerpoint/2010/main" val="1037958874"/>
+                <p14:modId xmlns:p14="http://schemas.microsoft.com/office/powerpoint/2010/main" xmlns="" val="1037958874"/>
               </p:ext>
             </p:extLst>
           </p:nvPr>
@@ -22493,40 +22211,9 @@
         </p:xfrm>
         <a:graphic>
           <a:graphicData uri="http://schemas.openxmlformats.org/presentationml/2006/ole">
-            <mc:AlternateContent xmlns:mc="http://schemas.openxmlformats.org/markup-compatibility/2006">
-              <mc:Choice xmlns:v="urn:schemas-microsoft-com:vml" Requires="v">
-                <p:oleObj spid="_x0000_s2052" name="Visio" r:id="rId6" imgW="6827711" imgH="3228023" progId="Visio.Drawing.11">
-                  <p:embed/>
-                </p:oleObj>
-              </mc:Choice>
-              <mc:Fallback>
-                <p:oleObj name="Visio" r:id="rId6" imgW="6827711" imgH="3228023" progId="Visio.Drawing.11">
-                  <p:embed/>
-                  <p:pic>
-                    <p:nvPicPr>
-                      <p:cNvPr id="0" name=""/>
-                      <p:cNvPicPr/>
-                      <p:nvPr/>
-                    </p:nvPicPr>
-                    <p:blipFill>
-                      <a:blip r:embed="rId7"/>
-                      <a:stretch>
-                        <a:fillRect/>
-                      </a:stretch>
-                    </p:blipFill>
-                    <p:spPr>
-                      <a:xfrm>
-                        <a:off x="1835133" y="2802003"/>
-                        <a:ext cx="5393892" cy="2550138"/>
-                      </a:xfrm>
-                      <a:prstGeom prst="rect">
-                        <a:avLst/>
-                      </a:prstGeom>
-                    </p:spPr>
-                  </p:pic>
-                </p:oleObj>
-              </mc:Fallback>
-            </mc:AlternateContent>
+            <p:oleObj spid="_x0000_s2052" name="Visio" r:id="rId5" imgW="6827711" imgH="3228023" progId="Visio.Drawing.11">
+              <p:embed/>
+            </p:oleObj>
           </a:graphicData>
         </a:graphic>
       </p:graphicFrame>
@@ -33217,22 +32904,112 @@
           </a:p>
         </p:txBody>
       </p:sp>
-      <p:sp>
-        <p:nvSpPr>
-          <p:cNvPr id="5" name="Inhaltsplatzhalter 4"/>
-          <p:cNvSpPr>
-            <a:spLocks noGrp="1"/>
-          </p:cNvSpPr>
+      <p:graphicFrame>
+        <p:nvGraphicFramePr>
+          <p:cNvPr id="4" name="Inhaltsplatzhalter 3"/>
+          <p:cNvGraphicFramePr>
+            <a:graphicFrameLocks noGrp="1"/>
+          </p:cNvGraphicFramePr>
           <p:nvPr>
             <p:ph idx="1"/>
           </p:nvPr>
+        </p:nvGraphicFramePr>
+        <p:xfrm>
+          <a:off x="467544" y="2060848"/>
+          <a:ext cx="8412162" cy="3024336"/>
+        </p:xfrm>
+        <a:graphic>
+          <a:graphicData uri="http://schemas.openxmlformats.org/drawingml/2006/chart">
+            <c:chart xmlns:c="http://schemas.openxmlformats.org/drawingml/2006/chart" xmlns:r="http://schemas.openxmlformats.org/officeDocument/2006/relationships" r:id="rId2"/>
+          </a:graphicData>
+        </a:graphic>
+      </p:graphicFrame>
+      <p:sp>
+        <p:nvSpPr>
+          <p:cNvPr id="8" name="Textfeld 7"/>
+          <p:cNvSpPr txBox="1"/>
+          <p:nvPr/>
         </p:nvSpPr>
-        <p:spPr/>
+        <p:spPr>
+          <a:xfrm>
+            <a:off x="539552" y="4941168"/>
+            <a:ext cx="8424936" cy="1569660"/>
+          </a:xfrm>
+          <a:prstGeom prst="rect">
+            <a:avLst/>
+          </a:prstGeom>
+          <a:noFill/>
+        </p:spPr>
         <p:txBody>
-          <a:bodyPr/>
+          <a:bodyPr wrap="square" numCol="2" rtlCol="0">
+            <a:spAutoFit/>
+          </a:bodyPr>
           <a:lstStyle/>
           <a:p>
-            <a:endParaRPr lang="de-DE"/>
+            <a:pPr>
+              <a:buFont typeface="Wingdings" pitchFamily="2" charset="2"/>
+              <a:buChar char="§"/>
+            </a:pPr>
+            <a:r>
+              <a:rPr lang="de-DE" dirty="0" smtClean="0">
+                <a:latin typeface="+mn-lt"/>
+              </a:rPr>
+              <a:t>7 Merkmale</a:t>
+            </a:r>
+          </a:p>
+          <a:p>
+            <a:pPr>
+              <a:buFont typeface="Wingdings" pitchFamily="2" charset="2"/>
+              <a:buChar char="§"/>
+            </a:pPr>
+            <a:r>
+              <a:rPr lang="de-DE" dirty="0" smtClean="0">
+                <a:latin typeface="+mn-lt"/>
+              </a:rPr>
+              <a:t>1000 extrahierte Lieder</a:t>
+            </a:r>
+          </a:p>
+          <a:p>
+            <a:pPr>
+              <a:buFont typeface="Wingdings" pitchFamily="2" charset="2"/>
+              <a:buChar char="§"/>
+            </a:pPr>
+            <a:r>
+              <a:rPr lang="de-DE" dirty="0" smtClean="0">
+                <a:latin typeface="+mn-lt"/>
+              </a:rPr>
+              <a:t>3 min pro Lied</a:t>
+            </a:r>
+          </a:p>
+          <a:p>
+            <a:pPr>
+              <a:buFont typeface="Wingdings" pitchFamily="2" charset="2"/>
+              <a:buChar char="§"/>
+            </a:pPr>
+            <a:r>
+              <a:rPr lang="de-DE" dirty="0" smtClean="0">
+                <a:latin typeface="+mn-lt"/>
+              </a:rPr>
+              <a:t>Erhöht sich mit Merkmalen und Liedern</a:t>
+            </a:r>
+          </a:p>
+          <a:p>
+            <a:pPr>
+              <a:buFont typeface="Wingdings" pitchFamily="2" charset="2"/>
+              <a:buChar char="§"/>
+            </a:pPr>
+            <a:r>
+              <a:rPr lang="de-DE" dirty="0" err="1" smtClean="0">
+                <a:latin typeface="+mn-lt"/>
+              </a:rPr>
+              <a:t>Prozessierung</a:t>
+            </a:r>
+            <a:r>
+              <a:rPr lang="de-DE" dirty="0" smtClean="0">
+                <a:latin typeface="+mn-lt"/>
+              </a:rPr>
+              <a:t> und Klassifikation deutlich schneller</a:t>
+            </a:r>
           </a:p>
         </p:txBody>
       </p:sp>
@@ -33422,7 +33199,6 @@
               <a:rPr lang="de-DE" dirty="0" smtClean="0"/>
               <a:t>4 Operationen in 2 Takten oder 2 Operationen in 1 Takt</a:t>
             </a:r>
-            <a:endParaRPr lang="de-DE" dirty="0" smtClean="0"/>
           </a:p>
           <a:p>
             <a:r>
@@ -35565,11 +35341,7 @@
           <a:p>
             <a:r>
               <a:rPr lang="de-DE" dirty="0" smtClean="0"/>
-              <a:t>MFCC: </a:t>
-            </a:r>
-            <a:r>
-              <a:rPr lang="de-DE" dirty="0" smtClean="0"/>
-              <a:t>ARM-Optimierung (1)</a:t>
+              <a:t>MFCC: ARM-Optimierung (1)</a:t>
             </a:r>
             <a:endParaRPr lang="de-DE" dirty="0"/>
           </a:p>
@@ -35671,7 +35443,7 @@
           <p:nvPr>
             <p:extLst>
               <p:ext uri="{D42A27DB-BD31-4B8C-83A1-F6EECF244321}">
-                <p14:modId xmlns:p14="http://schemas.microsoft.com/office/powerpoint/2010/main" val="691712731"/>
+                <p14:modId xmlns:p14="http://schemas.microsoft.com/office/powerpoint/2010/main" xmlns="" val="691712731"/>
               </p:ext>
             </p:extLst>
           </p:nvPr>

--- a/Speech/Praesentation1.pptx
+++ b/Speech/Praesentation1.pptx
@@ -158,7 +158,17 @@
 
 <file path=ppt/charts/chart1.xml><?xml version="1.0" encoding="utf-8"?>
 <c:chartSpace xmlns:c="http://schemas.openxmlformats.org/drawingml/2006/chart" xmlns:a="http://schemas.openxmlformats.org/drawingml/2006/main" xmlns:r="http://schemas.openxmlformats.org/officeDocument/2006/relationships">
+  <c:date1904 val="0"/>
   <c:lang val="de-DE"/>
+  <c:roundedCorners val="0"/>
+  <mc:AlternateContent xmlns:mc="http://schemas.openxmlformats.org/markup-compatibility/2006">
+    <mc:Choice xmlns:c14="http://schemas.microsoft.com/office/drawing/2007/8/2/chart" Requires="c14">
+      <c14:style val="102"/>
+    </mc:Choice>
+    <mc:Fallback>
+      <c:style val="2"/>
+    </mc:Fallback>
+  </mc:AlternateContent>
   <c:chart>
     <c:autoTitleDeleted val="1"/>
     <c:plotArea>
@@ -166,6 +176,7 @@
       <c:barChart>
         <c:barDir val="bar"/>
         <c:grouping val="clustered"/>
+        <c:varyColors val="0"/>
         <c:ser>
           <c:idx val="0"/>
           <c:order val="0"/>
@@ -180,9 +191,16 @@
               </c:strCache>
             </c:strRef>
           </c:tx>
+          <c:invertIfNegative val="0"/>
           <c:dLbls>
             <c:dLblPos val="outEnd"/>
+            <c:showLegendKey val="0"/>
             <c:showVal val="1"/>
+            <c:showCatName val="0"/>
+            <c:showSerName val="0"/>
+            <c:showPercent val="0"/>
+            <c:showBubbleSize val="0"/>
+            <c:showLeaderLines val="0"/>
           </c:dLbls>
           <c:cat>
             <c:strRef>
@@ -238,28 +256,42 @@
             </c:numRef>
           </c:val>
         </c:ser>
-        <c:axId val="95083520"/>
-        <c:axId val="100993664"/>
+        <c:dLbls>
+          <c:showLegendKey val="0"/>
+          <c:showVal val="0"/>
+          <c:showCatName val="0"/>
+          <c:showSerName val="0"/>
+          <c:showPercent val="0"/>
+          <c:showBubbleSize val="0"/>
+        </c:dLbls>
+        <c:gapWidth val="150"/>
+        <c:axId val="35330688"/>
+        <c:axId val="35340672"/>
       </c:barChart>
       <c:catAx>
-        <c:axId val="95083520"/>
+        <c:axId val="35330688"/>
         <c:scaling>
           <c:orientation val="minMax"/>
         </c:scaling>
+        <c:delete val="0"/>
         <c:axPos val="l"/>
+        <c:majorTickMark val="out"/>
+        <c:minorTickMark val="none"/>
         <c:tickLblPos val="nextTo"/>
-        <c:crossAx val="100993664"/>
+        <c:crossAx val="35340672"/>
         <c:crosses val="autoZero"/>
         <c:auto val="1"/>
         <c:lblAlgn val="ctr"/>
         <c:lblOffset val="100"/>
+        <c:noMultiLvlLbl val="0"/>
       </c:catAx>
       <c:valAx>
-        <c:axId val="100993664"/>
+        <c:axId val="35340672"/>
         <c:scaling>
           <c:logBase val="10"/>
           <c:orientation val="minMax"/>
         </c:scaling>
+        <c:delete val="0"/>
         <c:axPos val="b"/>
         <c:majorGridlines/>
         <c:title>
@@ -280,15 +312,20 @@
             </c:rich>
           </c:tx>
           <c:layout/>
+          <c:overlay val="0"/>
         </c:title>
         <c:numFmt formatCode="General" sourceLinked="1"/>
+        <c:majorTickMark val="out"/>
+        <c:minorTickMark val="none"/>
         <c:tickLblPos val="nextTo"/>
-        <c:crossAx val="95083520"/>
+        <c:crossAx val="35330688"/>
         <c:crosses val="autoZero"/>
         <c:crossBetween val="between"/>
       </c:valAx>
     </c:plotArea>
     <c:plotVisOnly val="1"/>
+    <c:dispBlanksAs val="gap"/>
+    <c:showDLblsOverMax val="0"/>
   </c:chart>
   <c:txPr>
     <a:bodyPr/>
@@ -300,13 +337,25 @@
       <a:endParaRPr lang="de-DE"/>
     </a:p>
   </c:txPr>
-  <c:externalData r:id="rId1"/>
+  <c:externalData r:id="rId1">
+    <c:autoUpdate val="0"/>
+  </c:externalData>
 </c:chartSpace>
 </file>
 
 <file path=ppt/charts/chart2.xml><?xml version="1.0" encoding="utf-8"?>
 <c:chartSpace xmlns:c="http://schemas.openxmlformats.org/drawingml/2006/chart" xmlns:a="http://schemas.openxmlformats.org/drawingml/2006/main" xmlns:r="http://schemas.openxmlformats.org/officeDocument/2006/relationships">
+  <c:date1904 val="0"/>
   <c:lang val="de-DE"/>
+  <c:roundedCorners val="0"/>
+  <mc:AlternateContent xmlns:mc="http://schemas.openxmlformats.org/markup-compatibility/2006">
+    <mc:Choice xmlns:c14="http://schemas.microsoft.com/office/drawing/2007/8/2/chart" Requires="c14">
+      <c14:style val="102"/>
+    </mc:Choice>
+    <mc:Fallback>
+      <c:style val="2"/>
+    </mc:Fallback>
+  </mc:AlternateContent>
   <c:chart>
     <c:autoTitleDeleted val="1"/>
     <c:plotArea>
@@ -336,11 +385,19 @@
                   <c:y val="-2.2062499999999995E-2"/>
                 </c:manualLayout>
               </c:layout>
+              <c:showLegendKey val="0"/>
+              <c:showVal val="0"/>
               <c:showCatName val="1"/>
+              <c:showSerName val="0"/>
               <c:showPercent val="1"/>
+              <c:showBubbleSize val="0"/>
             </c:dLbl>
+            <c:showLegendKey val="0"/>
+            <c:showVal val="0"/>
             <c:showCatName val="1"/>
+            <c:showSerName val="0"/>
             <c:showPercent val="1"/>
+            <c:showBubbleSize val="0"/>
             <c:showLeaderLines val="1"/>
           </c:dLbls>
           <c:cat>
@@ -380,14 +437,20 @@
           </c:val>
         </c:ser>
         <c:dLbls>
+          <c:showLegendKey val="0"/>
+          <c:showVal val="0"/>
           <c:showCatName val="1"/>
+          <c:showSerName val="0"/>
           <c:showPercent val="1"/>
+          <c:showBubbleSize val="0"/>
+          <c:showLeaderLines val="1"/>
         </c:dLbls>
         <c:firstSliceAng val="0"/>
       </c:pieChart>
     </c:plotArea>
     <c:plotVisOnly val="1"/>
     <c:dispBlanksAs val="zero"/>
+    <c:showDLblsOverMax val="0"/>
   </c:chart>
   <c:txPr>
     <a:bodyPr/>
@@ -399,19 +462,33 @@
       <a:endParaRPr lang="de-DE"/>
     </a:p>
   </c:txPr>
-  <c:externalData r:id="rId1"/>
+  <c:externalData r:id="rId1">
+    <c:autoUpdate val="0"/>
+  </c:externalData>
 </c:chartSpace>
 </file>
 
 <file path=ppt/charts/chart3.xml><?xml version="1.0" encoding="utf-8"?>
 <c:chartSpace xmlns:c="http://schemas.openxmlformats.org/drawingml/2006/chart" xmlns:a="http://schemas.openxmlformats.org/drawingml/2006/main" xmlns:r="http://schemas.openxmlformats.org/officeDocument/2006/relationships">
+  <c:date1904 val="0"/>
   <c:lang val="de-DE"/>
+  <c:roundedCorners val="0"/>
+  <mc:AlternateContent xmlns:mc="http://schemas.openxmlformats.org/markup-compatibility/2006">
+    <mc:Choice xmlns:c14="http://schemas.microsoft.com/office/drawing/2007/8/2/chart" Requires="c14">
+      <c14:style val="102"/>
+    </mc:Choice>
+    <mc:Fallback>
+      <c:style val="2"/>
+    </mc:Fallback>
+  </mc:AlternateContent>
   <c:chart>
+    <c:autoTitleDeleted val="0"/>
     <c:plotArea>
       <c:layout/>
       <c:barChart>
         <c:barDir val="bar"/>
         <c:grouping val="clustered"/>
+        <c:varyColors val="0"/>
         <c:ser>
           <c:idx val="0"/>
           <c:order val="0"/>
@@ -426,6 +503,7 @@
               </c:strCache>
             </c:strRef>
           </c:tx>
+          <c:invertIfNegative val="0"/>
           <c:cat>
             <c:strRef>
               <c:f>Tabelle1!$A$2:$A$5</c:f>
@@ -482,6 +560,7 @@
               </c:strCache>
             </c:strRef>
           </c:tx>
+          <c:invertIfNegative val="0"/>
           <c:cat>
             <c:strRef>
               <c:f>Tabelle1!$A$2:$A$5</c:f>
@@ -524,45 +603,63 @@
             </c:numRef>
           </c:val>
         </c:ser>
-        <c:dLbls/>
-        <c:axId val="76731520"/>
-        <c:axId val="76733056"/>
+        <c:dLbls>
+          <c:showLegendKey val="0"/>
+          <c:showVal val="0"/>
+          <c:showCatName val="0"/>
+          <c:showSerName val="0"/>
+          <c:showPercent val="0"/>
+          <c:showBubbleSize val="0"/>
+        </c:dLbls>
+        <c:gapWidth val="150"/>
+        <c:axId val="147277696"/>
+        <c:axId val="147279232"/>
       </c:barChart>
       <c:catAx>
-        <c:axId val="76731520"/>
+        <c:axId val="147277696"/>
         <c:scaling>
           <c:orientation val="minMax"/>
         </c:scaling>
+        <c:delete val="0"/>
         <c:axPos val="l"/>
         <c:numFmt formatCode="0.00E+00" sourceLinked="0"/>
+        <c:majorTickMark val="out"/>
+        <c:minorTickMark val="none"/>
         <c:tickLblPos val="nextTo"/>
-        <c:crossAx val="76733056"/>
+        <c:crossAx val="147279232"/>
         <c:crosses val="autoZero"/>
         <c:auto val="1"/>
         <c:lblAlgn val="ctr"/>
         <c:lblOffset val="100"/>
+        <c:noMultiLvlLbl val="0"/>
       </c:catAx>
       <c:valAx>
-        <c:axId val="76733056"/>
+        <c:axId val="147279232"/>
         <c:scaling>
           <c:logBase val="10"/>
           <c:orientation val="minMax"/>
           <c:max val="170000"/>
         </c:scaling>
+        <c:delete val="0"/>
         <c:axPos val="b"/>
         <c:majorGridlines/>
         <c:numFmt formatCode="General" sourceLinked="0"/>
+        <c:majorTickMark val="out"/>
+        <c:minorTickMark val="none"/>
         <c:tickLblPos val="nextTo"/>
-        <c:crossAx val="76731520"/>
+        <c:crossAx val="147277696"/>
         <c:crosses val="autoZero"/>
         <c:crossBetween val="between"/>
       </c:valAx>
     </c:plotArea>
     <c:legend>
       <c:legendPos val="t"/>
+      <c:layout/>
+      <c:overlay val="0"/>
     </c:legend>
     <c:plotVisOnly val="1"/>
     <c:dispBlanksAs val="gap"/>
+    <c:showDLblsOverMax val="0"/>
   </c:chart>
   <c:txPr>
     <a:bodyPr/>
@@ -574,19 +671,33 @@
       <a:endParaRPr lang="de-DE"/>
     </a:p>
   </c:txPr>
-  <c:externalData r:id="rId1"/>
+  <c:externalData r:id="rId1">
+    <c:autoUpdate val="0"/>
+  </c:externalData>
 </c:chartSpace>
 </file>
 
 <file path=ppt/charts/chart4.xml><?xml version="1.0" encoding="utf-8"?>
 <c:chartSpace xmlns:c="http://schemas.openxmlformats.org/drawingml/2006/chart" xmlns:a="http://schemas.openxmlformats.org/drawingml/2006/main" xmlns:r="http://schemas.openxmlformats.org/officeDocument/2006/relationships">
+  <c:date1904 val="0"/>
   <c:lang val="de-DE"/>
+  <c:roundedCorners val="0"/>
+  <mc:AlternateContent xmlns:mc="http://schemas.openxmlformats.org/markup-compatibility/2006">
+    <mc:Choice xmlns:c14="http://schemas.microsoft.com/office/drawing/2007/8/2/chart" Requires="c14">
+      <c14:style val="102"/>
+    </mc:Choice>
+    <mc:Fallback>
+      <c:style val="2"/>
+    </mc:Fallback>
+  </mc:AlternateContent>
   <c:chart>
+    <c:autoTitleDeleted val="0"/>
     <c:plotArea>
       <c:layout/>
       <c:barChart>
         <c:barDir val="bar"/>
         <c:grouping val="clustered"/>
+        <c:varyColors val="0"/>
         <c:ser>
           <c:idx val="0"/>
           <c:order val="0"/>
@@ -601,6 +712,7 @@
               </c:strCache>
             </c:strRef>
           </c:tx>
+          <c:invertIfNegative val="0"/>
           <c:cat>
             <c:strRef>
               <c:f>Tabelle1!$A$2:$A$5</c:f>
@@ -657,6 +769,7 @@
               </c:strCache>
             </c:strRef>
           </c:tx>
+          <c:invertIfNegative val="0"/>
           <c:cat>
             <c:strRef>
               <c:f>Tabelle1!$A$2:$A$5</c:f>
@@ -699,44 +812,62 @@
             </c:numRef>
           </c:val>
         </c:ser>
-        <c:dLbls/>
-        <c:axId val="78906880"/>
-        <c:axId val="78908800"/>
+        <c:dLbls>
+          <c:showLegendKey val="0"/>
+          <c:showVal val="0"/>
+          <c:showCatName val="0"/>
+          <c:showSerName val="0"/>
+          <c:showPercent val="0"/>
+          <c:showBubbleSize val="0"/>
+        </c:dLbls>
+        <c:gapWidth val="150"/>
+        <c:axId val="147249024"/>
+        <c:axId val="147250560"/>
       </c:barChart>
       <c:catAx>
-        <c:axId val="78906880"/>
+        <c:axId val="147249024"/>
         <c:scaling>
           <c:orientation val="minMax"/>
         </c:scaling>
+        <c:delete val="0"/>
         <c:axPos val="l"/>
+        <c:majorTickMark val="out"/>
+        <c:minorTickMark val="none"/>
         <c:tickLblPos val="nextTo"/>
-        <c:crossAx val="78908800"/>
+        <c:crossAx val="147250560"/>
         <c:crosses val="autoZero"/>
         <c:auto val="1"/>
         <c:lblAlgn val="ctr"/>
         <c:lblOffset val="100"/>
+        <c:noMultiLvlLbl val="0"/>
       </c:catAx>
       <c:valAx>
-        <c:axId val="78908800"/>
+        <c:axId val="147250560"/>
         <c:scaling>
           <c:logBase val="10"/>
           <c:orientation val="minMax"/>
           <c:max val="900000"/>
         </c:scaling>
+        <c:delete val="0"/>
         <c:axPos val="b"/>
         <c:majorGridlines/>
         <c:numFmt formatCode="General" sourceLinked="1"/>
+        <c:majorTickMark val="out"/>
+        <c:minorTickMark val="none"/>
         <c:tickLblPos val="nextTo"/>
-        <c:crossAx val="78906880"/>
+        <c:crossAx val="147249024"/>
         <c:crosses val="autoZero"/>
         <c:crossBetween val="between"/>
       </c:valAx>
     </c:plotArea>
     <c:legend>
       <c:legendPos val="t"/>
+      <c:layout/>
+      <c:overlay val="0"/>
     </c:legend>
     <c:plotVisOnly val="1"/>
     <c:dispBlanksAs val="gap"/>
+    <c:showDLblsOverMax val="0"/>
   </c:chart>
   <c:txPr>
     <a:bodyPr/>
@@ -748,19 +879,33 @@
       <a:endParaRPr lang="de-DE"/>
     </a:p>
   </c:txPr>
-  <c:externalData r:id="rId1"/>
+  <c:externalData r:id="rId1">
+    <c:autoUpdate val="0"/>
+  </c:externalData>
 </c:chartSpace>
 </file>
 
 <file path=ppt/charts/chart5.xml><?xml version="1.0" encoding="utf-8"?>
 <c:chartSpace xmlns:c="http://schemas.openxmlformats.org/drawingml/2006/chart" xmlns:a="http://schemas.openxmlformats.org/drawingml/2006/main" xmlns:r="http://schemas.openxmlformats.org/officeDocument/2006/relationships">
+  <c:date1904 val="0"/>
   <c:lang val="de-DE"/>
+  <c:roundedCorners val="0"/>
+  <mc:AlternateContent xmlns:mc="http://schemas.openxmlformats.org/markup-compatibility/2006">
+    <mc:Choice xmlns:c14="http://schemas.microsoft.com/office/drawing/2007/8/2/chart" Requires="c14">
+      <c14:style val="102"/>
+    </mc:Choice>
+    <mc:Fallback>
+      <c:style val="2"/>
+    </mc:Fallback>
+  </mc:AlternateContent>
   <c:chart>
+    <c:autoTitleDeleted val="0"/>
     <c:plotArea>
       <c:layout/>
       <c:barChart>
         <c:barDir val="bar"/>
         <c:grouping val="clustered"/>
+        <c:varyColors val="0"/>
         <c:ser>
           <c:idx val="0"/>
           <c:order val="0"/>
@@ -775,6 +920,7 @@
               </c:strCache>
             </c:strRef>
           </c:tx>
+          <c:invertIfNegative val="0"/>
           <c:cat>
             <c:strRef>
               <c:f>Tabelle1!$A$2:$A$5</c:f>
@@ -831,6 +977,7 @@
               </c:strCache>
             </c:strRef>
           </c:tx>
+          <c:invertIfNegative val="0"/>
           <c:cat>
             <c:strRef>
               <c:f>Tabelle1!$A$2:$A$5</c:f>
@@ -873,44 +1020,62 @@
             </c:numRef>
           </c:val>
         </c:ser>
-        <c:dLbls/>
-        <c:axId val="79027584"/>
-        <c:axId val="79118336"/>
+        <c:dLbls>
+          <c:showLegendKey val="0"/>
+          <c:showVal val="0"/>
+          <c:showCatName val="0"/>
+          <c:showSerName val="0"/>
+          <c:showPercent val="0"/>
+          <c:showBubbleSize val="0"/>
+        </c:dLbls>
+        <c:gapWidth val="150"/>
+        <c:axId val="147335040"/>
+        <c:axId val="147336576"/>
       </c:barChart>
       <c:catAx>
-        <c:axId val="79027584"/>
+        <c:axId val="147335040"/>
         <c:scaling>
           <c:orientation val="minMax"/>
         </c:scaling>
+        <c:delete val="0"/>
         <c:axPos val="l"/>
+        <c:majorTickMark val="out"/>
+        <c:minorTickMark val="none"/>
         <c:tickLblPos val="nextTo"/>
-        <c:crossAx val="79118336"/>
+        <c:crossAx val="147336576"/>
         <c:crosses val="autoZero"/>
         <c:auto val="1"/>
         <c:lblAlgn val="ctr"/>
         <c:lblOffset val="100"/>
+        <c:noMultiLvlLbl val="0"/>
       </c:catAx>
       <c:valAx>
-        <c:axId val="79118336"/>
+        <c:axId val="147336576"/>
         <c:scaling>
           <c:logBase val="10"/>
           <c:orientation val="minMax"/>
           <c:max val="700"/>
         </c:scaling>
+        <c:delete val="0"/>
         <c:axPos val="b"/>
         <c:majorGridlines/>
         <c:numFmt formatCode="General" sourceLinked="1"/>
+        <c:majorTickMark val="out"/>
+        <c:minorTickMark val="none"/>
         <c:tickLblPos val="nextTo"/>
-        <c:crossAx val="79027584"/>
+        <c:crossAx val="147335040"/>
         <c:crosses val="autoZero"/>
         <c:crossBetween val="between"/>
       </c:valAx>
     </c:plotArea>
     <c:legend>
       <c:legendPos val="t"/>
+      <c:layout/>
+      <c:overlay val="0"/>
     </c:legend>
     <c:plotVisOnly val="1"/>
     <c:dispBlanksAs val="gap"/>
+    <c:showDLblsOverMax val="0"/>
   </c:chart>
   <c:txPr>
     <a:bodyPr/>
@@ -922,19 +1087,33 @@
       <a:endParaRPr lang="de-DE"/>
     </a:p>
   </c:txPr>
-  <c:externalData r:id="rId1"/>
+  <c:externalData r:id="rId1">
+    <c:autoUpdate val="0"/>
+  </c:externalData>
 </c:chartSpace>
 </file>
 
 <file path=ppt/charts/chart6.xml><?xml version="1.0" encoding="utf-8"?>
 <c:chartSpace xmlns:c="http://schemas.openxmlformats.org/drawingml/2006/chart" xmlns:a="http://schemas.openxmlformats.org/drawingml/2006/main" xmlns:r="http://schemas.openxmlformats.org/officeDocument/2006/relationships">
+  <c:date1904 val="0"/>
   <c:lang val="de-DE"/>
+  <c:roundedCorners val="0"/>
+  <mc:AlternateContent xmlns:mc="http://schemas.openxmlformats.org/markup-compatibility/2006">
+    <mc:Choice xmlns:c14="http://schemas.microsoft.com/office/drawing/2007/8/2/chart" Requires="c14">
+      <c14:style val="102"/>
+    </mc:Choice>
+    <mc:Fallback>
+      <c:style val="2"/>
+    </mc:Fallback>
+  </mc:AlternateContent>
   <c:chart>
+    <c:autoTitleDeleted val="0"/>
     <c:plotArea>
       <c:layout/>
       <c:barChart>
         <c:barDir val="bar"/>
         <c:grouping val="clustered"/>
+        <c:varyColors val="0"/>
         <c:ser>
           <c:idx val="0"/>
           <c:order val="0"/>
@@ -949,6 +1128,7 @@
               </c:strCache>
             </c:strRef>
           </c:tx>
+          <c:invertIfNegative val="0"/>
           <c:cat>
             <c:strRef>
               <c:f>Tabelle1!$A$2:$A$5</c:f>
@@ -1005,6 +1185,7 @@
               </c:strCache>
             </c:strRef>
           </c:tx>
+          <c:invertIfNegative val="0"/>
           <c:cat>
             <c:strRef>
               <c:f>Tabelle1!$A$2:$A$5</c:f>
@@ -1047,44 +1228,62 @@
             </c:numRef>
           </c:val>
         </c:ser>
-        <c:dLbls/>
-        <c:axId val="95611136"/>
-        <c:axId val="100990976"/>
+        <c:dLbls>
+          <c:showLegendKey val="0"/>
+          <c:showVal val="0"/>
+          <c:showCatName val="0"/>
+          <c:showSerName val="0"/>
+          <c:showPercent val="0"/>
+          <c:showBubbleSize val="0"/>
+        </c:dLbls>
+        <c:gapWidth val="150"/>
+        <c:axId val="147371904"/>
+        <c:axId val="147373440"/>
       </c:barChart>
       <c:catAx>
-        <c:axId val="95611136"/>
+        <c:axId val="147371904"/>
         <c:scaling>
           <c:orientation val="minMax"/>
         </c:scaling>
+        <c:delete val="0"/>
         <c:axPos val="l"/>
+        <c:majorTickMark val="out"/>
+        <c:minorTickMark val="none"/>
         <c:tickLblPos val="nextTo"/>
-        <c:crossAx val="100990976"/>
+        <c:crossAx val="147373440"/>
         <c:crosses val="autoZero"/>
         <c:auto val="1"/>
         <c:lblAlgn val="ctr"/>
         <c:lblOffset val="100"/>
+        <c:noMultiLvlLbl val="0"/>
       </c:catAx>
       <c:valAx>
-        <c:axId val="100990976"/>
+        <c:axId val="147373440"/>
         <c:scaling>
           <c:logBase val="10"/>
           <c:orientation val="minMax"/>
           <c:max val="130"/>
         </c:scaling>
+        <c:delete val="0"/>
         <c:axPos val="b"/>
         <c:majorGridlines/>
         <c:numFmt formatCode="General" sourceLinked="1"/>
+        <c:majorTickMark val="out"/>
+        <c:minorTickMark val="none"/>
         <c:tickLblPos val="nextTo"/>
-        <c:crossAx val="95611136"/>
+        <c:crossAx val="147371904"/>
         <c:crosses val="autoZero"/>
         <c:crossBetween val="between"/>
       </c:valAx>
     </c:plotArea>
     <c:legend>
       <c:legendPos val="t"/>
+      <c:layout/>
+      <c:overlay val="0"/>
     </c:legend>
     <c:plotVisOnly val="1"/>
     <c:dispBlanksAs val="gap"/>
+    <c:showDLblsOverMax val="0"/>
   </c:chart>
   <c:txPr>
     <a:bodyPr/>
@@ -1096,7 +1295,9 @@
       <a:endParaRPr lang="de-DE"/>
     </a:p>
   </c:txPr>
-  <c:externalData r:id="rId1"/>
+  <c:externalData r:id="rId1">
+    <c:autoUpdate val="0"/>
+  </c:externalData>
 </c:chartSpace>
 </file>
 
@@ -1422,7 +1623,7 @@
     </p:spTree>
     <p:extLst>
       <p:ext uri="{BB962C8B-B14F-4D97-AF65-F5344CB8AC3E}">
-        <p14:creationId xmlns:p14="http://schemas.microsoft.com/office/powerpoint/2010/main" xmlns="" val="4020156663"/>
+        <p14:creationId xmlns:p14="http://schemas.microsoft.com/office/powerpoint/2010/main" val="4020156663"/>
       </p:ext>
     </p:extLst>
   </p:cSld>
@@ -5598,7 +5799,7 @@
     </p:spTree>
     <p:extLst>
       <p:ext uri="{BB962C8B-B14F-4D97-AF65-F5344CB8AC3E}">
-        <p14:creationId xmlns:p14="http://schemas.microsoft.com/office/powerpoint/2010/main" xmlns="" val="1423733875"/>
+        <p14:creationId xmlns:p14="http://schemas.microsoft.com/office/powerpoint/2010/main" val="1423733875"/>
       </p:ext>
     </p:extLst>
   </p:cSld>
@@ -6490,35 +6691,31 @@
             </a:pPr>
             <a:r>
               <a:rPr lang="de-DE" b="1" u="sng" dirty="0" smtClean="0"/>
-              <a:t>Problem:</a:t>
+              <a:t>Lösung</a:t>
             </a:r>
-          </a:p>
-          <a:p>
-            <a:pPr marL="0" indent="0">
-              <a:buNone/>
-            </a:pPr>
+            <a:r>
+              <a:rPr lang="de-DE" b="1" u="sng" dirty="0" smtClean="0"/>
+              <a:t>:</a:t>
+            </a:r>
+          </a:p>
+          <a:p>
             <a:r>
               <a:rPr lang="de-DE" dirty="0" smtClean="0"/>
-              <a:t>Logarithmus-Berechnung befindet sich in der äußeren Schleife der Filterbank-Anwendung</a:t>
+              <a:t>Vektorversion des Logarithmus aus der MATHLIB verwenden</a:t>
             </a:r>
           </a:p>
           <a:p>
-            <a:pPr marL="0" indent="0">
-              <a:buNone/>
-            </a:pPr>
-            <a:r>
-              <a:rPr lang="de-DE" b="1" u="sng" dirty="0" smtClean="0"/>
-              <a:t>Lösung:</a:t>
-            </a:r>
-          </a:p>
-          <a:p>
-            <a:pPr marL="0" indent="0">
-              <a:buNone/>
-            </a:pPr>
             <a:r>
               <a:rPr lang="de-DE" dirty="0" smtClean="0"/>
-              <a:t>Logarithmus aus der Schleife ziehen und Vektorversion verwenden</a:t>
+              <a:t>Hierbei werden jeweils zwei Logarithmen parallel berechnet</a:t>
             </a:r>
+          </a:p>
+          <a:p>
+            <a:r>
+              <a:rPr lang="de-DE" dirty="0" smtClean="0"/>
+              <a:t>Berechnung ebenfalls hinsichtlich des C674x optimiert</a:t>
+            </a:r>
+            <a:endParaRPr lang="de-DE" dirty="0" smtClean="0"/>
           </a:p>
           <a:p>
             <a:pPr marL="0" indent="0">
@@ -6558,7 +6755,15 @@
           <a:p>
             <a:r>
               <a:rPr lang="de-DE" dirty="0" smtClean="0"/>
-              <a:t>MFCC: DSP-Optimierung (2)</a:t>
+              <a:t>MFCC</a:t>
+            </a:r>
+            <a:r>
+              <a:rPr lang="de-DE" smtClean="0"/>
+              <a:t>: </a:t>
+            </a:r>
+            <a:r>
+              <a:rPr lang="de-DE" smtClean="0"/>
+              <a:t>DSP-Optimierung</a:t>
             </a:r>
             <a:endParaRPr lang="de-DE" dirty="0"/>
           </a:p>
@@ -7194,9 +7399,59 @@
         </p:xfrm>
         <a:graphic>
           <a:graphicData uri="http://schemas.openxmlformats.org/presentationml/2006/ole">
-            <p:oleObj spid="_x0000_s1069" name="Formel" r:id="rId3" imgW="1054100" imgH="431800" progId="Equation.3">
-              <p:embed/>
-            </p:oleObj>
+            <mc:AlternateContent xmlns:mc="http://schemas.openxmlformats.org/markup-compatibility/2006">
+              <mc:Choice xmlns:v="urn:schemas-microsoft-com:vml" Requires="v">
+                <p:oleObj spid="_x0000_s1090" name="Formel" r:id="rId3" imgW="1054100" imgH="431800" progId="Equation.3">
+                  <p:embed/>
+                </p:oleObj>
+              </mc:Choice>
+              <mc:Fallback>
+                <p:oleObj name="Formel" r:id="rId3" imgW="1054100" imgH="431800" progId="Equation.3">
+                  <p:embed/>
+                  <p:pic>
+                    <p:nvPicPr>
+                      <p:cNvPr id="0" name="Picture 45"/>
+                      <p:cNvPicPr>
+                        <a:picLocks noChangeAspect="1" noChangeArrowheads="1"/>
+                      </p:cNvPicPr>
+                      <p:nvPr/>
+                    </p:nvPicPr>
+                    <p:blipFill>
+                      <a:blip r:embed="rId4">
+                        <a:extLst>
+                          <a:ext uri="{28A0092B-C50C-407E-A947-70E740481C1C}">
+                            <a14:useLocalDpi xmlns:a14="http://schemas.microsoft.com/office/drawing/2010/main" val="0"/>
+                          </a:ext>
+                        </a:extLst>
+                      </a:blip>
+                      <a:srcRect/>
+                      <a:stretch>
+                        <a:fillRect/>
+                      </a:stretch>
+                    </p:blipFill>
+                    <p:spPr bwMode="auto">
+                      <a:xfrm>
+                        <a:off x="467544" y="5373216"/>
+                        <a:ext cx="2016224" cy="825923"/>
+                      </a:xfrm>
+                      <a:prstGeom prst="rect">
+                        <a:avLst/>
+                      </a:prstGeom>
+                      <a:noFill/>
+                      <a:extLst>
+                        <a:ext uri="{909E8E84-426E-40DD-AFC4-6F175D3DCCD1}">
+                          <a14:hiddenFill xmlns:a14="http://schemas.microsoft.com/office/drawing/2010/main">
+                            <a:solidFill>
+                              <a:srgbClr val="FFFFFF"/>
+                            </a:solidFill>
+                          </a14:hiddenFill>
+                        </a:ext>
+                      </a:extLst>
+                    </p:spPr>
+                  </p:pic>
+                </p:oleObj>
+              </mc:Fallback>
+            </mc:AlternateContent>
           </a:graphicData>
         </a:graphic>
       </p:graphicFrame>
@@ -7214,9 +7469,59 @@
         </p:xfrm>
         <a:graphic>
           <a:graphicData uri="http://schemas.openxmlformats.org/presentationml/2006/ole">
-            <p:oleObj spid="_x0000_s1070" name="Formel" r:id="rId4" imgW="926698" imgH="393529" progId="Equation.3">
-              <p:embed/>
-            </p:oleObj>
+            <mc:AlternateContent xmlns:mc="http://schemas.openxmlformats.org/markup-compatibility/2006">
+              <mc:Choice xmlns:v="urn:schemas-microsoft-com:vml" Requires="v">
+                <p:oleObj spid="_x0000_s1091" name="Formel" r:id="rId5" imgW="926698" imgH="393529" progId="Equation.3">
+                  <p:embed/>
+                </p:oleObj>
+              </mc:Choice>
+              <mc:Fallback>
+                <p:oleObj name="Formel" r:id="rId5" imgW="926698" imgH="393529" progId="Equation.3">
+                  <p:embed/>
+                  <p:pic>
+                    <p:nvPicPr>
+                      <p:cNvPr id="0" name="Picture 46"/>
+                      <p:cNvPicPr>
+                        <a:picLocks noChangeAspect="1" noChangeArrowheads="1"/>
+                      </p:cNvPicPr>
+                      <p:nvPr/>
+                    </p:nvPicPr>
+                    <p:blipFill>
+                      <a:blip r:embed="rId6">
+                        <a:extLst>
+                          <a:ext uri="{28A0092B-C50C-407E-A947-70E740481C1C}">
+                            <a14:useLocalDpi xmlns:a14="http://schemas.microsoft.com/office/drawing/2010/main" val="0"/>
+                          </a:ext>
+                        </a:extLst>
+                      </a:blip>
+                      <a:srcRect/>
+                      <a:stretch>
+                        <a:fillRect/>
+                      </a:stretch>
+                    </p:blipFill>
+                    <p:spPr bwMode="auto">
+                      <a:xfrm>
+                        <a:off x="3131840" y="5373216"/>
+                        <a:ext cx="2600325" cy="766763"/>
+                      </a:xfrm>
+                      <a:prstGeom prst="rect">
+                        <a:avLst/>
+                      </a:prstGeom>
+                      <a:noFill/>
+                      <a:extLst>
+                        <a:ext uri="{909E8E84-426E-40DD-AFC4-6F175D3DCCD1}">
+                          <a14:hiddenFill xmlns:a14="http://schemas.microsoft.com/office/drawing/2010/main">
+                            <a:solidFill>
+                              <a:srgbClr val="FFFFFF"/>
+                            </a:solidFill>
+                          </a14:hiddenFill>
+                        </a:ext>
+                      </a:extLst>
+                    </p:spPr>
+                  </p:pic>
+                </p:oleObj>
+              </mc:Fallback>
+            </mc:AlternateContent>
           </a:graphicData>
         </a:graphic>
       </p:graphicFrame>
@@ -7234,9 +7539,59 @@
         </p:xfrm>
         <a:graphic>
           <a:graphicData uri="http://schemas.openxmlformats.org/presentationml/2006/ole">
-            <p:oleObj spid="_x0000_s1071" name="Formel" r:id="rId5" imgW="774364" imgH="393529" progId="Equation.3">
-              <p:embed/>
-            </p:oleObj>
+            <mc:AlternateContent xmlns:mc="http://schemas.openxmlformats.org/markup-compatibility/2006">
+              <mc:Choice xmlns:v="urn:schemas-microsoft-com:vml" Requires="v">
+                <p:oleObj spid="_x0000_s1092" name="Formel" r:id="rId7" imgW="774364" imgH="393529" progId="Equation.3">
+                  <p:embed/>
+                </p:oleObj>
+              </mc:Choice>
+              <mc:Fallback>
+                <p:oleObj name="Formel" r:id="rId7" imgW="774364" imgH="393529" progId="Equation.3">
+                  <p:embed/>
+                  <p:pic>
+                    <p:nvPicPr>
+                      <p:cNvPr id="0" name="Picture 47"/>
+                      <p:cNvPicPr>
+                        <a:picLocks noChangeAspect="1" noChangeArrowheads="1"/>
+                      </p:cNvPicPr>
+                      <p:nvPr/>
+                    </p:nvPicPr>
+                    <p:blipFill>
+                      <a:blip r:embed="rId8">
+                        <a:extLst>
+                          <a:ext uri="{28A0092B-C50C-407E-A947-70E740481C1C}">
+                            <a14:useLocalDpi xmlns:a14="http://schemas.microsoft.com/office/drawing/2010/main" val="0"/>
+                          </a:ext>
+                        </a:extLst>
+                      </a:blip>
+                      <a:srcRect/>
+                      <a:stretch>
+                        <a:fillRect/>
+                      </a:stretch>
+                    </p:blipFill>
+                    <p:spPr bwMode="auto">
+                      <a:xfrm>
+                        <a:off x="6444208" y="5301208"/>
+                        <a:ext cx="1656184" cy="841667"/>
+                      </a:xfrm>
+                      <a:prstGeom prst="rect">
+                        <a:avLst/>
+                      </a:prstGeom>
+                      <a:noFill/>
+                      <a:extLst>
+                        <a:ext uri="{909E8E84-426E-40DD-AFC4-6F175D3DCCD1}">
+                          <a14:hiddenFill xmlns:a14="http://schemas.microsoft.com/office/drawing/2010/main">
+                            <a:solidFill>
+                              <a:srgbClr val="FFFFFF"/>
+                            </a:solidFill>
+                          </a14:hiddenFill>
+                        </a:ext>
+                      </a:extLst>
+                    </p:spPr>
+                  </p:pic>
+                </p:oleObj>
+              </mc:Fallback>
+            </mc:AlternateContent>
           </a:graphicData>
         </a:graphic>
       </p:graphicFrame>
@@ -8472,7 +8827,7 @@
             <p:ph idx="1"/>
             <p:extLst>
               <p:ext uri="{D42A27DB-BD31-4B8C-83A1-F6EECF244321}">
-                <p14:modId xmlns:p14="http://schemas.microsoft.com/office/powerpoint/2010/main" xmlns="" val="2558019255"/>
+                <p14:modId xmlns:p14="http://schemas.microsoft.com/office/powerpoint/2010/main" val="2558019255"/>
               </p:ext>
             </p:extLst>
           </p:nvPr>
@@ -8625,7 +8980,7 @@
             <p:ph idx="1"/>
             <p:extLst>
               <p:ext uri="{D42A27DB-BD31-4B8C-83A1-F6EECF244321}">
-                <p14:modId xmlns:p14="http://schemas.microsoft.com/office/powerpoint/2010/main" xmlns="" val="2551806399"/>
+                <p14:modId xmlns:p14="http://schemas.microsoft.com/office/powerpoint/2010/main" val="2551806399"/>
               </p:ext>
             </p:extLst>
           </p:nvPr>
@@ -8780,7 +9135,7 @@
             <p:ph idx="1"/>
             <p:extLst>
               <p:ext uri="{D42A27DB-BD31-4B8C-83A1-F6EECF244321}">
-                <p14:modId xmlns:p14="http://schemas.microsoft.com/office/powerpoint/2010/main" xmlns="" val="2896852188"/>
+                <p14:modId xmlns:p14="http://schemas.microsoft.com/office/powerpoint/2010/main" val="2896852188"/>
               </p:ext>
             </p:extLst>
           </p:nvPr>
@@ -8927,7 +9282,7 @@
             <p:ph idx="1"/>
             <p:extLst>
               <p:ext uri="{D42A27DB-BD31-4B8C-83A1-F6EECF244321}">
-                <p14:modId xmlns:p14="http://schemas.microsoft.com/office/powerpoint/2010/main" xmlns="" val="774806516"/>
+                <p14:modId xmlns:p14="http://schemas.microsoft.com/office/powerpoint/2010/main" val="774806516"/>
               </p:ext>
             </p:extLst>
           </p:nvPr>
@@ -9126,13 +9481,41 @@
           <a:p>
             <a:r>
               <a:rPr lang="de-DE" dirty="0" smtClean="0"/>
-              <a:t>ARM ist Energie-effizienter (Ausnahme MCL3)</a:t>
+              <a:t>ARM ist Energie-effizienter (Ausnahme MCL3</a:t>
             </a:r>
-          </a:p>
-          <a:p>
             <a:r>
               <a:rPr lang="de-DE" dirty="0" smtClean="0"/>
-              <a:t>Architektur muss hinsichtlich des Ziels gewählt werden</a:t>
+              <a:t>)</a:t>
+            </a:r>
+          </a:p>
+          <a:p>
+            <a:endParaRPr lang="de-DE" dirty="0" smtClean="0"/>
+          </a:p>
+          <a:p>
+            <a:pPr marL="0" indent="0">
+              <a:buNone/>
+            </a:pPr>
+            <a:r>
+              <a:rPr lang="de-DE" dirty="0" smtClean="0"/>
+              <a:t>Fazit:</a:t>
+            </a:r>
+            <a:endParaRPr lang="de-DE" dirty="0" smtClean="0"/>
+          </a:p>
+          <a:p>
+            <a:pPr marL="0" indent="0">
+              <a:buNone/>
+            </a:pPr>
+            <a:r>
+              <a:rPr lang="de-DE" dirty="0" smtClean="0"/>
+              <a:t>Architektur muss hinsichtlich </a:t>
+            </a:r>
+            <a:r>
+              <a:rPr lang="de-DE" dirty="0" smtClean="0"/>
+              <a:t>des benötigten </a:t>
+            </a:r>
+            <a:r>
+              <a:rPr lang="de-DE" dirty="0" smtClean="0"/>
+              <a:t>Ziels gewählt werden</a:t>
             </a:r>
             <a:endParaRPr lang="de-DE" dirty="0"/>
           </a:p>
@@ -9968,7 +10351,7 @@
           <a:blip r:embed="rId3" cstate="print">
             <a:extLst>
               <a:ext uri="{28A0092B-C50C-407E-A947-70E740481C1C}">
-                <a14:useLocalDpi xmlns:a14="http://schemas.microsoft.com/office/drawing/2010/main" xmlns="" val="0"/>
+                <a14:useLocalDpi xmlns:a14="http://schemas.microsoft.com/office/drawing/2010/main" val="0"/>
               </a:ext>
             </a:extLst>
           </a:blip>
@@ -22112,7 +22495,7 @@
           <p:nvPr>
             <p:extLst>
               <p:ext uri="{D42A27DB-BD31-4B8C-83A1-F6EECF244321}">
-                <p14:modId xmlns:p14="http://schemas.microsoft.com/office/powerpoint/2010/main" xmlns="" val="3096212140"/>
+                <p14:modId xmlns:p14="http://schemas.microsoft.com/office/powerpoint/2010/main" val="3096212140"/>
               </p:ext>
             </p:extLst>
           </p:nvPr>
@@ -22123,9 +22506,59 @@
         </p:xfrm>
         <a:graphic>
           <a:graphicData uri="http://schemas.openxmlformats.org/presentationml/2006/ole">
-            <p:oleObj spid="_x0000_s2051" name="Equation" r:id="rId4" imgW="2298600" imgH="711000" progId="">
-              <p:embed/>
-            </p:oleObj>
+            <mc:AlternateContent xmlns:mc="http://schemas.openxmlformats.org/markup-compatibility/2006">
+              <mc:Choice xmlns:v="urn:schemas-microsoft-com:vml" Requires="v">
+                <p:oleObj spid="_x0000_s2065" name="Equation" r:id="rId4" imgW="2298600" imgH="711000" progId="">
+                  <p:embed/>
+                </p:oleObj>
+              </mc:Choice>
+              <mc:Fallback>
+                <p:oleObj name="Equation" r:id="rId4" imgW="2298600" imgH="711000" progId="">
+                  <p:embed/>
+                  <p:pic>
+                    <p:nvPicPr>
+                      <p:cNvPr id="0" name="Picture 3"/>
+                      <p:cNvPicPr>
+                        <a:picLocks noChangeAspect="1" noChangeArrowheads="1"/>
+                      </p:cNvPicPr>
+                      <p:nvPr/>
+                    </p:nvPicPr>
+                    <p:blipFill>
+                      <a:blip r:embed="rId5">
+                        <a:extLst>
+                          <a:ext uri="{28A0092B-C50C-407E-A947-70E740481C1C}">
+                            <a14:useLocalDpi xmlns:a14="http://schemas.microsoft.com/office/drawing/2010/main" val="0"/>
+                          </a:ext>
+                        </a:extLst>
+                      </a:blip>
+                      <a:srcRect/>
+                      <a:stretch>
+                        <a:fillRect/>
+                      </a:stretch>
+                    </p:blipFill>
+                    <p:spPr bwMode="auto">
+                      <a:xfrm>
+                        <a:off x="1377611" y="2896237"/>
+                        <a:ext cx="5704777" cy="1765014"/>
+                      </a:xfrm>
+                      <a:prstGeom prst="rect">
+                        <a:avLst/>
+                      </a:prstGeom>
+                      <a:noFill/>
+                      <a:extLst>
+                        <a:ext uri="{909E8E84-426E-40DD-AFC4-6F175D3DCCD1}">
+                          <a14:hiddenFill xmlns:a14="http://schemas.microsoft.com/office/drawing/2010/main">
+                            <a:solidFill>
+                              <a:srgbClr val="FFFFFF"/>
+                            </a:solidFill>
+                          </a14:hiddenFill>
+                        </a:ext>
+                      </a:extLst>
+                    </p:spPr>
+                  </p:pic>
+                </p:oleObj>
+              </mc:Fallback>
+            </mc:AlternateContent>
           </a:graphicData>
         </a:graphic>
       </p:graphicFrame>
@@ -22138,7 +22571,7 @@
         <p:spPr>
           <a:xfrm>
             <a:off x="217686" y="4583385"/>
-            <a:ext cx="8674793" cy="1200329"/>
+            <a:ext cx="8674793" cy="830997"/>
           </a:xfrm>
           <a:prstGeom prst="rect">
             <a:avLst/>
@@ -22171,19 +22604,13 @@
               <a:rPr lang="de-DE" dirty="0" smtClean="0">
                 <a:latin typeface="+mn-lt"/>
               </a:rPr>
-              <a:t>Meist auf Basis von Mittelwert und Abweichung</a:t>
+              <a:t>Vorbereitung </a:t>
             </a:r>
-          </a:p>
-          <a:p>
-            <a:pPr marL="342900" indent="-342900">
-              <a:buFont typeface="Wingdings" pitchFamily="2" charset="2"/>
-              <a:buChar char="§"/>
-            </a:pPr>
             <a:r>
               <a:rPr lang="de-DE" dirty="0" smtClean="0">
                 <a:latin typeface="+mn-lt"/>
               </a:rPr>
-              <a:t>Vorbereitung der Daten zur Klassifikation </a:t>
+              <a:t>der Daten zur Klassifikation </a:t>
             </a:r>
             <a:endParaRPr lang="de-DE" dirty="0">
               <a:latin typeface="+mn-lt"/>
@@ -22200,7 +22627,7 @@
           <p:nvPr>
             <p:extLst>
               <p:ext uri="{D42A27DB-BD31-4B8C-83A1-F6EECF244321}">
-                <p14:modId xmlns:p14="http://schemas.microsoft.com/office/powerpoint/2010/main" xmlns="" val="1037958874"/>
+                <p14:modId xmlns:p14="http://schemas.microsoft.com/office/powerpoint/2010/main" val="1037958874"/>
               </p:ext>
             </p:extLst>
           </p:nvPr>
@@ -22211,9 +22638,59 @@
         </p:xfrm>
         <a:graphic>
           <a:graphicData uri="http://schemas.openxmlformats.org/presentationml/2006/ole">
-            <p:oleObj spid="_x0000_s2052" name="Visio" r:id="rId5" imgW="6827711" imgH="3228023" progId="Visio.Drawing.11">
-              <p:embed/>
-            </p:oleObj>
+            <mc:AlternateContent xmlns:mc="http://schemas.openxmlformats.org/markup-compatibility/2006">
+              <mc:Choice xmlns:v="urn:schemas-microsoft-com:vml" Requires="v">
+                <p:oleObj spid="_x0000_s2066" name="Visio" r:id="rId6" imgW="6827711" imgH="3228023" progId="Visio.Drawing.11">
+                  <p:embed/>
+                </p:oleObj>
+              </mc:Choice>
+              <mc:Fallback>
+                <p:oleObj name="Visio" r:id="rId6" imgW="6827711" imgH="3228023" progId="Visio.Drawing.11">
+                  <p:embed/>
+                  <p:pic>
+                    <p:nvPicPr>
+                      <p:cNvPr id="0" name="Picture 4"/>
+                      <p:cNvPicPr>
+                        <a:picLocks noChangeAspect="1" noChangeArrowheads="1"/>
+                      </p:cNvPicPr>
+                      <p:nvPr/>
+                    </p:nvPicPr>
+                    <p:blipFill>
+                      <a:blip r:embed="rId7">
+                        <a:extLst>
+                          <a:ext uri="{28A0092B-C50C-407E-A947-70E740481C1C}">
+                            <a14:useLocalDpi xmlns:a14="http://schemas.microsoft.com/office/drawing/2010/main" val="0"/>
+                          </a:ext>
+                        </a:extLst>
+                      </a:blip>
+                      <a:srcRect/>
+                      <a:stretch>
+                        <a:fillRect/>
+                      </a:stretch>
+                    </p:blipFill>
+                    <p:spPr bwMode="auto">
+                      <a:xfrm>
+                        <a:off x="1835133" y="2802003"/>
+                        <a:ext cx="5393892" cy="2550138"/>
+                      </a:xfrm>
+                      <a:prstGeom prst="rect">
+                        <a:avLst/>
+                      </a:prstGeom>
+                      <a:noFill/>
+                      <a:extLst>
+                        <a:ext uri="{909E8E84-426E-40DD-AFC4-6F175D3DCCD1}">
+                          <a14:hiddenFill xmlns:a14="http://schemas.microsoft.com/office/drawing/2010/main">
+                            <a:solidFill>
+                              <a:srgbClr val="FFFFFF"/>
+                            </a:solidFill>
+                          </a14:hiddenFill>
+                        </a:ext>
+                      </a:extLst>
+                    </p:spPr>
+                  </p:pic>
+                </p:oleObj>
+              </mc:Fallback>
+            </mc:AlternateContent>
           </a:graphicData>
         </a:graphic>
       </p:graphicFrame>
@@ -32168,37 +32645,6 @@
                                   </p:childTnLst>
                                 </p:cTn>
                               </p:par>
-                              <p:par>
-                                <p:cTn id="740" presetID="1" presetClass="entr" presetSubtype="0" fill="hold" nodeType="withEffect">
-                                  <p:stCondLst>
-                                    <p:cond delay="0"/>
-                                  </p:stCondLst>
-                                  <p:childTnLst>
-                                    <p:set>
-                                      <p:cBhvr>
-                                        <p:cTn id="741" dur="1" fill="hold">
-                                          <p:stCondLst>
-                                            <p:cond delay="0"/>
-                                          </p:stCondLst>
-                                        </p:cTn>
-                                        <p:tgtEl>
-                                          <p:spTgt spid="201">
-                                            <p:txEl>
-                                              <p:pRg st="2" end="2"/>
-                                            </p:txEl>
-                                          </p:spTgt>
-                                        </p:tgtEl>
-                                        <p:attrNameLst>
-                                          <p:attrName>style.visibility</p:attrName>
-                                        </p:attrNameLst>
-                                      </p:cBhvr>
-                                      <p:to>
-                                        <p:strVal val="visible"/>
-                                      </p:to>
-                                    </p:set>
-                                  </p:childTnLst>
-                                </p:cTn>
-                              </p:par>
                             </p:childTnLst>
                           </p:cTn>
                         </p:par>
@@ -32206,26 +32652,26 @@
                     </p:cTn>
                   </p:par>
                   <p:par>
-                    <p:cTn id="742" fill="hold">
+                    <p:cTn id="740" fill="hold">
                       <p:stCondLst>
                         <p:cond delay="indefinite"/>
                       </p:stCondLst>
                       <p:childTnLst>
                         <p:par>
-                          <p:cTn id="743" fill="hold">
+                          <p:cTn id="741" fill="hold">
                             <p:stCondLst>
                               <p:cond delay="0"/>
                             </p:stCondLst>
                             <p:childTnLst>
                               <p:par>
-                                <p:cTn id="744" presetID="7" presetClass="emph" presetSubtype="2" fill="hold" nodeType="clickEffect">
+                                <p:cTn id="742" presetID="7" presetClass="emph" presetSubtype="2" fill="hold" nodeType="clickEffect">
                                   <p:stCondLst>
                                     <p:cond delay="0"/>
                                   </p:stCondLst>
                                   <p:childTnLst>
                                     <p:animClr clrSpc="rgb" dir="cw">
                                       <p:cBhvr>
-                                        <p:cTn id="745" dur="10" fill="hold"/>
+                                        <p:cTn id="743" dur="10" fill="hold"/>
                                         <p:tgtEl>
                                           <p:spTgt spid="11"/>
                                         </p:tgtEl>
@@ -32239,7 +32685,7 @@
                                     </p:animClr>
                                     <p:set>
                                       <p:cBhvr>
-                                        <p:cTn id="746" dur="10" fill="hold"/>
+                                        <p:cTn id="744" dur="10" fill="hold"/>
                                         <p:tgtEl>
                                           <p:spTgt spid="11"/>
                                         </p:tgtEl>
@@ -32255,41 +32701,41 @@
                                 </p:cTn>
                               </p:par>
                               <p:par>
-                                <p:cTn id="747" presetID="1" presetClass="exit" presetSubtype="0" fill="hold" nodeType="withEffect">
+                                <p:cTn id="745" presetID="1" presetClass="exit" presetSubtype="0" fill="hold" nodeType="withEffect">
                                   <p:stCondLst>
                                     <p:cond delay="0"/>
                                   </p:stCondLst>
                                   <p:childTnLst>
                                     <p:set>
                                       <p:cBhvr>
+                                        <p:cTn id="746" dur="1" fill="hold">
+                                          <p:stCondLst>
+                                            <p:cond delay="0"/>
+                                          </p:stCondLst>
+                                        </p:cTn>
+                                        <p:tgtEl>
+                                          <p:spTgt spid="200"/>
+                                        </p:tgtEl>
+                                        <p:attrNameLst>
+                                          <p:attrName>style.visibility</p:attrName>
+                                        </p:attrNameLst>
+                                      </p:cBhvr>
+                                      <p:to>
+                                        <p:strVal val="hidden"/>
+                                      </p:to>
+                                    </p:set>
+                                  </p:childTnLst>
+                                </p:cTn>
+                              </p:par>
+                              <p:par>
+                                <p:cTn id="747" presetID="1" presetClass="exit" presetSubtype="0" fill="hold" grpId="0" nodeType="withEffect">
+                                  <p:stCondLst>
+                                    <p:cond delay="0"/>
+                                  </p:stCondLst>
+                                  <p:childTnLst>
+                                    <p:set>
+                                      <p:cBhvr>
                                         <p:cTn id="748" dur="1" fill="hold">
-                                          <p:stCondLst>
-                                            <p:cond delay="0"/>
-                                          </p:stCondLst>
-                                        </p:cTn>
-                                        <p:tgtEl>
-                                          <p:spTgt spid="200"/>
-                                        </p:tgtEl>
-                                        <p:attrNameLst>
-                                          <p:attrName>style.visibility</p:attrName>
-                                        </p:attrNameLst>
-                                      </p:cBhvr>
-                                      <p:to>
-                                        <p:strVal val="hidden"/>
-                                      </p:to>
-                                    </p:set>
-                                  </p:childTnLst>
-                                </p:cTn>
-                              </p:par>
-                              <p:par>
-                                <p:cTn id="749" presetID="1" presetClass="exit" presetSubtype="0" fill="hold" grpId="0" nodeType="withEffect">
-                                  <p:stCondLst>
-                                    <p:cond delay="0"/>
-                                  </p:stCondLst>
-                                  <p:childTnLst>
-                                    <p:set>
-                                      <p:cBhvr>
-                                        <p:cTn id="750" dur="1" fill="hold">
                                           <p:stCondLst>
                                             <p:cond delay="0"/>
                                           </p:stCondLst>
@@ -32313,14 +32759,14 @@
                                 </p:cTn>
                               </p:par>
                               <p:par>
-                                <p:cTn id="751" presetID="1" presetClass="exit" presetSubtype="0" fill="hold" grpId="0" nodeType="withEffect">
+                                <p:cTn id="749" presetID="1" presetClass="exit" presetSubtype="0" fill="hold" grpId="0" nodeType="withEffect">
                                   <p:stCondLst>
                                     <p:cond delay="0"/>
                                   </p:stCondLst>
                                   <p:childTnLst>
                                     <p:set>
                                       <p:cBhvr>
-                                        <p:cTn id="752" dur="1" fill="hold">
+                                        <p:cTn id="750" dur="1" fill="hold">
                                           <p:stCondLst>
                                             <p:cond delay="0"/>
                                           </p:stCondLst>
@@ -32329,37 +32775,6 @@
                                           <p:spTgt spid="201">
                                             <p:txEl>
                                               <p:pRg st="1" end="1"/>
-                                            </p:txEl>
-                                          </p:spTgt>
-                                        </p:tgtEl>
-                                        <p:attrNameLst>
-                                          <p:attrName>style.visibility</p:attrName>
-                                        </p:attrNameLst>
-                                      </p:cBhvr>
-                                      <p:to>
-                                        <p:strVal val="hidden"/>
-                                      </p:to>
-                                    </p:set>
-                                  </p:childTnLst>
-                                </p:cTn>
-                              </p:par>
-                              <p:par>
-                                <p:cTn id="753" presetID="1" presetClass="exit" presetSubtype="0" fill="hold" grpId="0" nodeType="withEffect">
-                                  <p:stCondLst>
-                                    <p:cond delay="0"/>
-                                  </p:stCondLst>
-                                  <p:childTnLst>
-                                    <p:set>
-                                      <p:cBhvr>
-                                        <p:cTn id="754" dur="1" fill="hold">
-                                          <p:stCondLst>
-                                            <p:cond delay="0"/>
-                                          </p:stCondLst>
-                                        </p:cTn>
-                                        <p:tgtEl>
-                                          <p:spTgt spid="201">
-                                            <p:txEl>
-                                              <p:pRg st="2" end="2"/>
                                             </p:txEl>
                                           </p:spTgt>
                                         </p:tgtEl>
@@ -32381,26 +32796,26 @@
                     </p:cTn>
                   </p:par>
                   <p:par>
-                    <p:cTn id="755" fill="hold">
+                    <p:cTn id="751" fill="hold">
                       <p:stCondLst>
                         <p:cond delay="indefinite"/>
                       </p:stCondLst>
                       <p:childTnLst>
                         <p:par>
-                          <p:cTn id="756" fill="hold">
+                          <p:cTn id="752" fill="hold">
                             <p:stCondLst>
                               <p:cond delay="0"/>
                             </p:stCondLst>
                             <p:childTnLst>
                               <p:par>
-                                <p:cTn id="757" presetID="7" presetClass="emph" presetSubtype="2" fill="hold" nodeType="clickEffect">
+                                <p:cTn id="753" presetID="7" presetClass="emph" presetSubtype="2" fill="hold" nodeType="clickEffect">
                                   <p:stCondLst>
                                     <p:cond delay="0"/>
                                   </p:stCondLst>
                                   <p:childTnLst>
                                     <p:animClr clrSpc="rgb" dir="cw">
                                       <p:cBhvr>
-                                        <p:cTn id="758" dur="10" fill="hold"/>
+                                        <p:cTn id="754" dur="10" fill="hold"/>
                                         <p:tgtEl>
                                           <p:spTgt spid="12"/>
                                         </p:tgtEl>
@@ -32414,7 +32829,7 @@
                                     </p:animClr>
                                     <p:set>
                                       <p:cBhvr>
-                                        <p:cTn id="759" dur="10" fill="hold"/>
+                                        <p:cTn id="755" dur="10" fill="hold"/>
                                         <p:tgtEl>
                                           <p:spTgt spid="12"/>
                                         </p:tgtEl>
@@ -32430,14 +32845,14 @@
                                 </p:cTn>
                               </p:par>
                               <p:par>
-                                <p:cTn id="760" presetID="1" presetClass="entr" presetSubtype="0" fill="hold" nodeType="withEffect">
+                                <p:cTn id="756" presetID="1" presetClass="entr" presetSubtype="0" fill="hold" nodeType="withEffect">
                                   <p:stCondLst>
                                     <p:cond delay="0"/>
                                   </p:stCondLst>
                                   <p:childTnLst>
                                     <p:set>
                                       <p:cBhvr>
-                                        <p:cTn id="761" dur="1" fill="hold">
+                                        <p:cTn id="757" dur="1" fill="hold">
                                           <p:stCondLst>
                                             <p:cond delay="0"/>
                                           </p:stCondLst>
@@ -32457,14 +32872,14 @@
                                 </p:cTn>
                               </p:par>
                               <p:par>
-                                <p:cTn id="762" presetID="1" presetClass="entr" presetSubtype="0" fill="hold" grpId="0" nodeType="withEffect">
+                                <p:cTn id="758" presetID="1" presetClass="entr" presetSubtype="0" fill="hold" grpId="0" nodeType="withEffect">
                                   <p:stCondLst>
                                     <p:cond delay="0"/>
                                   </p:stCondLst>
                                   <p:childTnLst>
                                     <p:set>
                                       <p:cBhvr>
-                                        <p:cTn id="763" dur="1" fill="hold">
+                                        <p:cTn id="759" dur="1" fill="hold">
                                           <p:stCondLst>
                                             <p:cond delay="0"/>
                                           </p:stCondLst>
@@ -32933,7 +33348,7 @@
         <p:spPr>
           <a:xfrm>
             <a:off x="539552" y="4941168"/>
-            <a:ext cx="8424936" cy="1569660"/>
+            <a:ext cx="8424936" cy="2308324"/>
           </a:xfrm>
           <a:prstGeom prst="rect">
             <a:avLst/>
@@ -32978,8 +33393,41 @@
               <a:rPr lang="de-DE" dirty="0" smtClean="0">
                 <a:latin typeface="+mn-lt"/>
               </a:rPr>
-              <a:t>3 min pro Lied</a:t>
+              <a:t>3 min pro </a:t>
             </a:r>
+            <a:r>
+              <a:rPr lang="de-DE" dirty="0" smtClean="0">
+                <a:latin typeface="+mn-lt"/>
+              </a:rPr>
+              <a:t>Lied</a:t>
+            </a:r>
+          </a:p>
+          <a:p>
+            <a:pPr>
+              <a:buFont typeface="Wingdings" pitchFamily="2" charset="2"/>
+              <a:buChar char="§"/>
+            </a:pPr>
+            <a:endParaRPr lang="de-DE" dirty="0" smtClean="0">
+              <a:latin typeface="+mn-lt"/>
+            </a:endParaRPr>
+          </a:p>
+          <a:p>
+            <a:pPr>
+              <a:buFont typeface="Wingdings" pitchFamily="2" charset="2"/>
+              <a:buChar char="§"/>
+            </a:pPr>
+            <a:endParaRPr lang="de-DE" dirty="0">
+              <a:latin typeface="+mn-lt"/>
+            </a:endParaRPr>
+          </a:p>
+          <a:p>
+            <a:pPr>
+              <a:buFont typeface="Wingdings" pitchFamily="2" charset="2"/>
+              <a:buChar char="§"/>
+            </a:pPr>
+            <a:endParaRPr lang="de-DE" b="1" dirty="0" smtClean="0">
+              <a:latin typeface="+mn-lt"/>
+            </a:endParaRPr>
           </a:p>
           <a:p>
             <a:pPr>
@@ -32987,10 +33435,28 @@
               <a:buChar char="§"/>
             </a:pPr>
             <a:r>
+              <a:rPr lang="de-DE" dirty="0">
+                <a:latin typeface="+mn-lt"/>
+              </a:rPr>
+              <a:t>Laufzeit </a:t>
+            </a:r>
+            <a:r>
               <a:rPr lang="de-DE" dirty="0" smtClean="0">
                 <a:latin typeface="+mn-lt"/>
               </a:rPr>
-              <a:t>Erhöht sich mit Merkmalen und Liedern</a:t>
+              <a:t>proportional zur </a:t>
+            </a:r>
+            <a:r>
+              <a:rPr lang="de-DE" dirty="0">
+                <a:latin typeface="+mn-lt"/>
+              </a:rPr>
+              <a:t>Anzahl der Merkmale und </a:t>
+            </a:r>
+            <a:r>
+              <a:rPr lang="de-DE" dirty="0" smtClean="0">
+                <a:latin typeface="+mn-lt"/>
+              </a:rPr>
+              <a:t>Lieder</a:t>
             </a:r>
           </a:p>
           <a:p>
@@ -33008,8 +33474,30 @@
               <a:rPr lang="de-DE" dirty="0" smtClean="0">
                 <a:latin typeface="+mn-lt"/>
               </a:rPr>
-              <a:t> und Klassifikation deutlich schneller</a:t>
+              <a:t> und Klassifikation geringere </a:t>
             </a:r>
+            <a:r>
+              <a:rPr lang="de-DE" dirty="0">
+                <a:latin typeface="+mn-lt"/>
+              </a:rPr>
+              <a:t>L</a:t>
+            </a:r>
+            <a:r>
+              <a:rPr lang="de-DE" dirty="0" smtClean="0">
+                <a:latin typeface="+mn-lt"/>
+              </a:rPr>
+              <a:t>aufzeit</a:t>
+            </a:r>
+          </a:p>
+          <a:p>
+            <a:endParaRPr lang="de-DE" dirty="0">
+              <a:latin typeface="+mn-lt"/>
+            </a:endParaRPr>
+          </a:p>
+          <a:p>
+            <a:endParaRPr lang="de-DE" dirty="0" smtClean="0">
+              <a:latin typeface="+mn-lt"/>
+            </a:endParaRPr>
           </a:p>
         </p:txBody>
       </p:sp>
@@ -33083,10 +33571,65 @@
           <a:bodyPr/>
           <a:lstStyle/>
           <a:p>
+            <a:pPr marL="0" indent="0">
+              <a:buNone/>
+            </a:pPr>
+            <a:r>
+              <a:rPr lang="de-DE" b="1" u="sng" dirty="0" smtClean="0"/>
+              <a:t>Vorgegeben:</a:t>
+            </a:r>
             <a:r>
               <a:rPr lang="de-DE" dirty="0" smtClean="0"/>
-              <a:t>Heterogenes System aus ARM Cortex A8 und TI C674x DSP</a:t>
+              <a:t> </a:t>
             </a:r>
+          </a:p>
+          <a:p>
+            <a:r>
+              <a:rPr lang="de-DE" dirty="0" smtClean="0"/>
+              <a:t>Heterogenes </a:t>
+            </a:r>
+            <a:r>
+              <a:rPr lang="de-DE" dirty="0" smtClean="0"/>
+              <a:t>System aus ARM Cortex A8 und TI C674x </a:t>
+            </a:r>
+            <a:r>
+              <a:rPr lang="de-DE" dirty="0" smtClean="0"/>
+              <a:t>DSP</a:t>
+            </a:r>
+          </a:p>
+          <a:p>
+            <a:r>
+              <a:rPr lang="de-DE" dirty="0" smtClean="0"/>
+              <a:t>Referenzimplementierung des MCL in C++</a:t>
+            </a:r>
+          </a:p>
+          <a:p>
+            <a:pPr marL="0" indent="0">
+              <a:buNone/>
+            </a:pPr>
+            <a:endParaRPr lang="de-DE" dirty="0"/>
+          </a:p>
+          <a:p>
+            <a:pPr marL="0" indent="0">
+              <a:buNone/>
+            </a:pPr>
+            <a:r>
+              <a:rPr lang="de-DE" b="1" u="sng" dirty="0" smtClean="0"/>
+              <a:t>Aufgaben:</a:t>
+            </a:r>
+          </a:p>
+          <a:p>
+            <a:r>
+              <a:rPr lang="de-DE" dirty="0" smtClean="0"/>
+              <a:t>Portierung des MCL auf den Cortex A8</a:t>
+            </a:r>
+          </a:p>
+          <a:p>
+            <a:r>
+              <a:rPr lang="de-DE" dirty="0" smtClean="0"/>
+              <a:t>Implementierung der Merkmalsextraktion auf dem C674x</a:t>
+            </a:r>
+            <a:endParaRPr lang="de-DE" dirty="0" smtClean="0"/>
           </a:p>
           <a:p>
             <a:r>
@@ -33143,76 +33686,6 @@
       </p:grpSpPr>
       <p:sp>
         <p:nvSpPr>
-          <p:cNvPr id="5" name="Inhaltsplatzhalter 4"/>
-          <p:cNvSpPr>
-            <a:spLocks noGrp="1"/>
-          </p:cNvSpPr>
-          <p:nvPr>
-            <p:ph idx="1"/>
-          </p:nvPr>
-        </p:nvSpPr>
-        <p:spPr>
-          <a:xfrm>
-            <a:off x="503238" y="4221088"/>
-            <a:ext cx="8245226" cy="2103512"/>
-          </a:xfrm>
-        </p:spPr>
-        <p:txBody>
-          <a:bodyPr numCol="2"/>
-          <a:lstStyle/>
-          <a:p>
-            <a:r>
-              <a:rPr lang="de-DE" dirty="0" smtClean="0"/>
-              <a:t>1 GHz Taktung</a:t>
-            </a:r>
-          </a:p>
-          <a:p>
-            <a:r>
-              <a:rPr lang="de-DE" dirty="0" smtClean="0"/>
-              <a:t>ARMv7 Architektur ohne </a:t>
-            </a:r>
-            <a:r>
-              <a:rPr lang="de-DE" dirty="0" err="1" smtClean="0"/>
-              <a:t>Float</a:t>
-            </a:r>
-            <a:r>
-              <a:rPr lang="de-DE" dirty="0" smtClean="0"/>
-              <a:t>-Berechnung</a:t>
-            </a:r>
-          </a:p>
-          <a:p>
-            <a:r>
-              <a:rPr lang="de-DE" dirty="0" smtClean="0"/>
-              <a:t>NEON-SIMD-Einheit zur </a:t>
-            </a:r>
-            <a:r>
-              <a:rPr lang="de-DE" dirty="0" err="1" smtClean="0"/>
-              <a:t>Float</a:t>
-            </a:r>
-            <a:r>
-              <a:rPr lang="de-DE" dirty="0" smtClean="0"/>
-              <a:t>-Berechnung</a:t>
-            </a:r>
-          </a:p>
-          <a:p>
-            <a:r>
-              <a:rPr lang="de-DE" dirty="0" smtClean="0"/>
-              <a:t>4 Operationen in 2 Takten oder 2 Operationen in 1 Takt</a:t>
-            </a:r>
-          </a:p>
-          <a:p>
-            <a:r>
-              <a:rPr lang="de-DE" dirty="0" smtClean="0"/>
-              <a:t>169 mW Leistungsverbrauch</a:t>
-            </a:r>
-          </a:p>
-          <a:p>
-            <a:endParaRPr lang="de-DE" dirty="0"/>
-          </a:p>
-        </p:txBody>
-      </p:sp>
-      <p:sp>
-        <p:nvSpPr>
           <p:cNvPr id="16" name="Inhaltsplatzhalter 4"/>
           <p:cNvSpPr txBox="1">
             <a:spLocks/>
@@ -33221,8 +33694,8 @@
         </p:nvSpPr>
         <p:spPr bwMode="auto">
           <a:xfrm>
-            <a:off x="467544" y="4221088"/>
-            <a:ext cx="8245226" cy="2103512"/>
+            <a:off x="467544" y="4107160"/>
+            <a:ext cx="8245226" cy="2304256"/>
           </a:xfrm>
           <a:prstGeom prst="rect">
             <a:avLst/>
@@ -33405,6 +33878,94 @@
               <a:tabLst/>
               <a:defRPr/>
             </a:pPr>
+            <a:r>
+              <a:rPr lang="de-DE" kern="0" dirty="0" smtClean="0">
+                <a:latin typeface="+mn-lt"/>
+              </a:rPr>
+              <a:t>Eigener interner Speicher</a:t>
+            </a:r>
+          </a:p>
+          <a:p>
+            <a:pPr marL="342900" indent="-342900" eaLnBrk="1" hangingPunct="1">
+              <a:spcBef>
+                <a:spcPct val="20000"/>
+              </a:spcBef>
+              <a:buClr>
+                <a:schemeClr val="bg2"/>
+              </a:buClr>
+              <a:buFont typeface="Wingdings" pitchFamily="2" charset="2"/>
+              <a:buChar char="§"/>
+              <a:defRPr/>
+            </a:pPr>
+            <a:r>
+              <a:rPr lang="de-DE" kern="0" dirty="0">
+                <a:latin typeface="+mn-lt"/>
+              </a:rPr>
+              <a:t>198 mW Leistungsaufnahme</a:t>
+            </a:r>
+          </a:p>
+          <a:p>
+            <a:pPr marL="342900" marR="0" lvl="0" indent="-342900" algn="l" defTabSz="914400" rtl="0" eaLnBrk="1" fontAlgn="base" latinLnBrk="0" hangingPunct="1">
+              <a:lnSpc>
+                <a:spcPct val="100000"/>
+              </a:lnSpc>
+              <a:spcBef>
+                <a:spcPct val="20000"/>
+              </a:spcBef>
+              <a:spcAft>
+                <a:spcPct val="0"/>
+              </a:spcAft>
+              <a:buClr>
+                <a:schemeClr val="bg2"/>
+              </a:buClr>
+              <a:buSzTx/>
+              <a:buFont typeface="Wingdings" pitchFamily="2" charset="2"/>
+              <a:buChar char="§"/>
+              <a:tabLst/>
+              <a:defRPr/>
+            </a:pPr>
+            <a:endParaRPr lang="de-DE" kern="0" dirty="0" smtClean="0">
+              <a:latin typeface="+mn-lt"/>
+            </a:endParaRPr>
+          </a:p>
+          <a:p>
+            <a:pPr marL="342900" marR="0" lvl="0" indent="-342900" algn="l" defTabSz="914400" rtl="0" eaLnBrk="1" fontAlgn="base" latinLnBrk="0" hangingPunct="1">
+              <a:lnSpc>
+                <a:spcPct val="100000"/>
+              </a:lnSpc>
+              <a:spcBef>
+                <a:spcPct val="20000"/>
+              </a:spcBef>
+              <a:spcAft>
+                <a:spcPct val="0"/>
+              </a:spcAft>
+              <a:buClr>
+                <a:schemeClr val="bg2"/>
+              </a:buClr>
+              <a:buSzTx/>
+              <a:buFont typeface="Wingdings" pitchFamily="2" charset="2"/>
+              <a:buChar char="§"/>
+              <a:tabLst/>
+              <a:defRPr/>
+            </a:pPr>
+            <a:r>
+              <a:rPr lang="de-DE" kern="0" dirty="0" smtClean="0">
+                <a:latin typeface="+mn-lt"/>
+              </a:rPr>
+              <a:t>L2-Cache nur über </a:t>
+            </a:r>
+            <a:r>
+              <a:rPr lang="de-DE" kern="0" dirty="0" err="1" smtClean="0">
+                <a:latin typeface="+mn-lt"/>
+              </a:rPr>
+              <a:t>Shared</a:t>
+            </a:r>
+            <a:r>
+              <a:rPr lang="de-DE" kern="0" dirty="0" smtClean="0">
+                <a:latin typeface="+mn-lt"/>
+              </a:rPr>
+              <a:t> Memory</a:t>
+            </a:r>
             <a:endParaRPr lang="de-DE" kern="0" dirty="0" smtClean="0">
               <a:latin typeface="+mn-lt"/>
             </a:endParaRPr>
@@ -33439,25 +34000,75 @@
               <a:rPr lang="de-DE" kern="0" dirty="0" err="1" smtClean="0">
                 <a:latin typeface="+mn-lt"/>
               </a:rPr>
-              <a:t>ünterstütze</a:t>
+              <a:t>ünterstüzte</a:t>
             </a:r>
             <a:r>
               <a:rPr lang="de-DE" kern="0" dirty="0" smtClean="0">
                 <a:latin typeface="+mn-lt"/>
               </a:rPr>
-              <a:t> Schleifen </a:t>
+              <a:t> </a:t>
             </a:r>
             <a:r>
               <a:rPr lang="de-DE" kern="0" dirty="0" err="1" smtClean="0">
                 <a:latin typeface="+mn-lt"/>
               </a:rPr>
-              <a:t>parallelisierung</a:t>
+              <a:t>Schleifenparallelisierung</a:t>
             </a:r>
             <a:r>
               <a:rPr lang="de-DE" kern="0" dirty="0" smtClean="0">
                 <a:latin typeface="+mn-lt"/>
               </a:rPr>
-              <a:t> (SPLOOP)</a:t>
+              <a:t> </a:t>
+            </a:r>
+            <a:r>
+              <a:rPr lang="de-DE" kern="0" dirty="0" smtClean="0">
+                <a:latin typeface="+mn-lt"/>
+              </a:rPr>
+              <a:t>(SPLOOP</a:t>
+            </a:r>
+            <a:r>
+              <a:rPr lang="de-DE" kern="0" dirty="0" smtClean="0">
+                <a:latin typeface="+mn-lt"/>
+              </a:rPr>
+              <a:t>)</a:t>
+            </a:r>
+          </a:p>
+          <a:p>
+            <a:pPr marL="342900" marR="0" lvl="0" indent="-342900" algn="l" defTabSz="914400" rtl="0" eaLnBrk="1" fontAlgn="base" latinLnBrk="0" hangingPunct="1">
+              <a:lnSpc>
+                <a:spcPct val="100000"/>
+              </a:lnSpc>
+              <a:spcBef>
+                <a:spcPct val="20000"/>
+              </a:spcBef>
+              <a:spcAft>
+                <a:spcPct val="0"/>
+              </a:spcAft>
+              <a:buClr>
+                <a:schemeClr val="bg2"/>
+              </a:buClr>
+              <a:buSzTx/>
+              <a:buFont typeface="Wingdings" pitchFamily="2" charset="2"/>
+              <a:buChar char="§"/>
+              <a:tabLst/>
+              <a:defRPr/>
+            </a:pPr>
+            <a:r>
+              <a:rPr kumimoji="0" lang="de-DE" sz="2400" b="0" i="0" u="none" strike="noStrike" kern="0" cap="none" spc="0" normalizeH="0" baseline="0" noProof="0" dirty="0" smtClean="0">
+                <a:ln>
+                  <a:noFill/>
+                </a:ln>
+                <a:solidFill>
+                  <a:schemeClr val="tx1"/>
+                </a:solidFill>
+                <a:effectLst/>
+                <a:uLnTx/>
+                <a:uFillTx/>
+                <a:latin typeface="+mn-lt"/>
+                <a:ea typeface="MS PGothic" pitchFamily="34" charset="-128"/>
+                <a:cs typeface="+mn-cs"/>
+              </a:rPr>
+              <a:t>C-fähig</a:t>
             </a:r>
             <a:endParaRPr kumimoji="0" lang="de-DE" sz="2400" b="0" i="0" u="none" strike="noStrike" kern="0" cap="none" spc="0" normalizeH="0" baseline="0" noProof="0" dirty="0" smtClean="0">
               <a:ln>
@@ -33474,46 +34085,95 @@
               <a:cs typeface="+mn-cs"/>
             </a:endParaRPr>
           </a:p>
-          <a:p>
-            <a:pPr marL="342900" marR="0" lvl="0" indent="-342900" algn="l" defTabSz="914400" rtl="0" eaLnBrk="1" fontAlgn="base" latinLnBrk="0" hangingPunct="1">
-              <a:lnSpc>
-                <a:spcPct val="100000"/>
-              </a:lnSpc>
-              <a:spcBef>
-                <a:spcPct val="20000"/>
-              </a:spcBef>
-              <a:spcAft>
-                <a:spcPct val="0"/>
-              </a:spcAft>
-              <a:buClr>
-                <a:schemeClr val="bg2"/>
-              </a:buClr>
-              <a:buSzTx/>
-              <a:buFont typeface="Wingdings" pitchFamily="2" charset="2"/>
-              <a:buChar char="§"/>
-              <a:tabLst/>
-              <a:defRPr/>
-            </a:pPr>
+        </p:txBody>
+      </p:sp>
+      <p:sp>
+        <p:nvSpPr>
+          <p:cNvPr id="5" name="Inhaltsplatzhalter 4"/>
+          <p:cNvSpPr>
+            <a:spLocks noGrp="1"/>
+          </p:cNvSpPr>
+          <p:nvPr>
+            <p:ph idx="1"/>
+          </p:nvPr>
+        </p:nvSpPr>
+        <p:spPr>
+          <a:xfrm>
+            <a:off x="496516" y="4207532"/>
+            <a:ext cx="8245226" cy="2103512"/>
+          </a:xfrm>
+        </p:spPr>
+        <p:txBody>
+          <a:bodyPr numCol="2"/>
+          <a:lstStyle/>
+          <a:p>
             <a:r>
-              <a:rPr lang="de-DE" kern="0" dirty="0" smtClean="0">
-                <a:latin typeface="+mn-lt"/>
-              </a:rPr>
-              <a:t>198 mW Leistungsverbrauch</a:t>
+              <a:rPr lang="de-DE" dirty="0" smtClean="0"/>
+              <a:t>1 GHz Taktung</a:t>
             </a:r>
-            <a:endParaRPr kumimoji="0" lang="de-DE" sz="2400" b="0" i="0" u="none" strike="noStrike" kern="0" cap="none" spc="0" normalizeH="0" baseline="0" noProof="0" dirty="0">
-              <a:ln>
-                <a:noFill/>
-              </a:ln>
-              <a:solidFill>
-                <a:schemeClr val="tx1"/>
-              </a:solidFill>
-              <a:effectLst/>
-              <a:uLnTx/>
-              <a:uFillTx/>
-              <a:latin typeface="+mn-lt"/>
-              <a:ea typeface="MS PGothic" pitchFamily="34" charset="-128"/>
-              <a:cs typeface="+mn-cs"/>
-            </a:endParaRPr>
+          </a:p>
+          <a:p>
+            <a:r>
+              <a:rPr lang="de-DE" dirty="0" smtClean="0"/>
+              <a:t>ARMv7 Architektur ohne </a:t>
+            </a:r>
+            <a:r>
+              <a:rPr lang="de-DE" dirty="0" err="1" smtClean="0"/>
+              <a:t>Float</a:t>
+            </a:r>
+            <a:r>
+              <a:rPr lang="de-DE" dirty="0" smtClean="0"/>
+              <a:t>-Berechnung</a:t>
+            </a:r>
+          </a:p>
+          <a:p>
+            <a:r>
+              <a:rPr lang="de-DE" dirty="0"/>
+              <a:t>C++-fähig</a:t>
+            </a:r>
+          </a:p>
+          <a:p>
+            <a:r>
+              <a:rPr lang="de-DE" dirty="0"/>
+              <a:t>169 mW Leistungsaufnahme</a:t>
+            </a:r>
+          </a:p>
+          <a:p>
+            <a:endParaRPr lang="de-DE" dirty="0" smtClean="0"/>
+          </a:p>
+          <a:p>
+            <a:endParaRPr lang="de-DE" dirty="0" smtClean="0"/>
+          </a:p>
+          <a:p>
+            <a:r>
+              <a:rPr lang="de-DE" dirty="0" smtClean="0"/>
+              <a:t>NEON-SIMD-Einheit zur </a:t>
+            </a:r>
+            <a:r>
+              <a:rPr lang="de-DE" dirty="0" err="1" smtClean="0"/>
+              <a:t>Float</a:t>
+            </a:r>
+            <a:r>
+              <a:rPr lang="de-DE" dirty="0" smtClean="0"/>
+              <a:t>-Berechnung mit maximal 4 </a:t>
+            </a:r>
+            <a:r>
+              <a:rPr lang="de-DE" dirty="0" err="1" smtClean="0"/>
+              <a:t>Operatioen</a:t>
+            </a:r>
+            <a:r>
+              <a:rPr lang="de-DE" dirty="0" smtClean="0"/>
+              <a:t> in 2 Takten parallel</a:t>
+            </a:r>
+          </a:p>
+          <a:p>
+            <a:r>
+              <a:rPr lang="de-DE" dirty="0" smtClean="0"/>
+              <a:t>Direkter Anschluss an L2-Cache</a:t>
+            </a:r>
+          </a:p>
+          <a:p>
+            <a:endParaRPr lang="de-DE" dirty="0"/>
           </a:p>
         </p:txBody>
       </p:sp>
@@ -34261,7 +34921,7 @@
                                         <p:tgtEl>
                                           <p:spTgt spid="5">
                                             <p:txEl>
-                                              <p:pRg st="4" end="4"/>
+                                              <p:pRg st="6" end="6"/>
                                             </p:txEl>
                                           </p:spTgt>
                                         </p:tgtEl>
@@ -34279,7 +34939,50 @@
                                         <p:tgtEl>
                                           <p:spTgt spid="5">
                                             <p:txEl>
-                                              <p:pRg st="4" end="4"/>
+                                              <p:pRg st="6" end="6"/>
+                                            </p:txEl>
+                                          </p:spTgt>
+                                        </p:tgtEl>
+                                      </p:cBhvr>
+                                    </p:animEffect>
+                                  </p:childTnLst>
+                                </p:cTn>
+                              </p:par>
+                              <p:par>
+                                <p:cTn id="23" presetID="3" presetClass="entr" presetSubtype="10" fill="hold" nodeType="withEffect">
+                                  <p:stCondLst>
+                                    <p:cond delay="0"/>
+                                  </p:stCondLst>
+                                  <p:childTnLst>
+                                    <p:set>
+                                      <p:cBhvr>
+                                        <p:cTn id="24" dur="1" fill="hold">
+                                          <p:stCondLst>
+                                            <p:cond delay="0"/>
+                                          </p:stCondLst>
+                                        </p:cTn>
+                                        <p:tgtEl>
+                                          <p:spTgt spid="5">
+                                            <p:txEl>
+                                              <p:pRg st="7" end="7"/>
+                                            </p:txEl>
+                                          </p:spTgt>
+                                        </p:tgtEl>
+                                        <p:attrNameLst>
+                                          <p:attrName>style.visibility</p:attrName>
+                                        </p:attrNameLst>
+                                      </p:cBhvr>
+                                      <p:to>
+                                        <p:strVal val="visible"/>
+                                      </p:to>
+                                    </p:set>
+                                    <p:animEffect transition="in" filter="blinds(horizontal)">
+                                      <p:cBhvr>
+                                        <p:cTn id="25" dur="500"/>
+                                        <p:tgtEl>
+                                          <p:spTgt spid="5">
+                                            <p:txEl>
+                                              <p:pRg st="7" end="7"/>
                                             </p:txEl>
                                           </p:spTgt>
                                         </p:tgtEl>
@@ -34295,26 +34998,26 @@
                     </p:cTn>
                   </p:par>
                   <p:par>
-                    <p:cTn id="23" fill="hold">
+                    <p:cTn id="26" fill="hold">
                       <p:stCondLst>
                         <p:cond delay="indefinite"/>
                       </p:stCondLst>
                       <p:childTnLst>
                         <p:par>
-                          <p:cTn id="24" fill="hold">
+                          <p:cTn id="27" fill="hold">
                             <p:stCondLst>
                               <p:cond delay="0"/>
                             </p:stCondLst>
                             <p:childTnLst>
                               <p:par>
-                                <p:cTn id="25" presetID="3" presetClass="exit" presetSubtype="10" fill="hold" nodeType="clickEffect">
+                                <p:cTn id="28" presetID="3" presetClass="exit" presetSubtype="10" fill="hold" nodeType="clickEffect">
                                   <p:stCondLst>
                                     <p:cond delay="0"/>
                                   </p:stCondLst>
                                   <p:childTnLst>
                                     <p:animEffect transition="out" filter="blinds(horizontal)">
                                       <p:cBhvr>
-                                        <p:cTn id="26" dur="500"/>
+                                        <p:cTn id="29" dur="500"/>
                                         <p:tgtEl>
                                           <p:spTgt spid="5">
                                             <p:txEl>
@@ -34326,7 +35029,7 @@
                                     </p:animEffect>
                                     <p:set>
                                       <p:cBhvr>
-                                        <p:cTn id="27" dur="1" fill="hold">
+                                        <p:cTn id="30" dur="1" fill="hold">
                                           <p:stCondLst>
                                             <p:cond delay="499"/>
                                           </p:stCondLst>
@@ -34350,14 +35053,14 @@
                                 </p:cTn>
                               </p:par>
                               <p:par>
-                                <p:cTn id="28" presetID="3" presetClass="exit" presetSubtype="10" fill="hold" nodeType="withEffect">
+                                <p:cTn id="31" presetID="3" presetClass="exit" presetSubtype="10" fill="hold" nodeType="withEffect">
                                   <p:stCondLst>
                                     <p:cond delay="0"/>
                                   </p:stCondLst>
                                   <p:childTnLst>
                                     <p:animEffect transition="out" filter="blinds(horizontal)">
                                       <p:cBhvr>
-                                        <p:cTn id="29" dur="500"/>
+                                        <p:cTn id="32" dur="500"/>
                                         <p:tgtEl>
                                           <p:spTgt spid="5">
                                             <p:txEl>
@@ -34369,7 +35072,7 @@
                                     </p:animEffect>
                                     <p:set>
                                       <p:cBhvr>
-                                        <p:cTn id="30" dur="1" fill="hold">
+                                        <p:cTn id="33" dur="1" fill="hold">
                                           <p:stCondLst>
                                             <p:cond delay="499"/>
                                           </p:stCondLst>
@@ -34393,14 +35096,14 @@
                                 </p:cTn>
                               </p:par>
                               <p:par>
-                                <p:cTn id="31" presetID="3" presetClass="exit" presetSubtype="10" fill="hold" nodeType="withEffect">
+                                <p:cTn id="34" presetID="3" presetClass="exit" presetSubtype="10" fill="hold" nodeType="withEffect">
                                   <p:stCondLst>
                                     <p:cond delay="0"/>
                                   </p:stCondLst>
                                   <p:childTnLst>
                                     <p:animEffect transition="out" filter="blinds(horizontal)">
                                       <p:cBhvr>
-                                        <p:cTn id="32" dur="500"/>
+                                        <p:cTn id="35" dur="500"/>
                                         <p:tgtEl>
                                           <p:spTgt spid="5">
                                             <p:txEl>
@@ -34412,7 +35115,7 @@
                                     </p:animEffect>
                                     <p:set>
                                       <p:cBhvr>
-                                        <p:cTn id="33" dur="1" fill="hold">
+                                        <p:cTn id="36" dur="1" fill="hold">
                                           <p:stCondLst>
                                             <p:cond delay="499"/>
                                           </p:stCondLst>
@@ -34436,14 +35139,14 @@
                                 </p:cTn>
                               </p:par>
                               <p:par>
-                                <p:cTn id="34" presetID="3" presetClass="exit" presetSubtype="10" fill="hold" nodeType="withEffect">
+                                <p:cTn id="37" presetID="3" presetClass="exit" presetSubtype="10" fill="hold" nodeType="withEffect">
                                   <p:stCondLst>
                                     <p:cond delay="0"/>
                                   </p:stCondLst>
                                   <p:childTnLst>
                                     <p:animEffect transition="out" filter="blinds(horizontal)">
                                       <p:cBhvr>
-                                        <p:cTn id="35" dur="500"/>
+                                        <p:cTn id="38" dur="500"/>
                                         <p:tgtEl>
                                           <p:spTgt spid="5">
                                             <p:txEl>
@@ -34455,7 +35158,7 @@
                                     </p:animEffect>
                                     <p:set>
                                       <p:cBhvr>
-                                        <p:cTn id="36" dur="1" fill="hold">
+                                        <p:cTn id="39" dur="1" fill="hold">
                                           <p:stCondLst>
                                             <p:cond delay="499"/>
                                           </p:stCondLst>
@@ -34479,18 +35182,18 @@
                                 </p:cTn>
                               </p:par>
                               <p:par>
-                                <p:cTn id="37" presetID="3" presetClass="exit" presetSubtype="10" fill="hold" nodeType="withEffect">
+                                <p:cTn id="40" presetID="3" presetClass="exit" presetSubtype="10" fill="hold" nodeType="withEffect">
                                   <p:stCondLst>
                                     <p:cond delay="0"/>
                                   </p:stCondLst>
                                   <p:childTnLst>
                                     <p:animEffect transition="out" filter="blinds(horizontal)">
                                       <p:cBhvr>
-                                        <p:cTn id="38" dur="500"/>
+                                        <p:cTn id="41" dur="500"/>
                                         <p:tgtEl>
                                           <p:spTgt spid="5">
                                             <p:txEl>
-                                              <p:pRg st="4" end="4"/>
+                                              <p:pRg st="6" end="6"/>
                                             </p:txEl>
                                           </p:spTgt>
                                         </p:tgtEl>
@@ -34498,7 +35201,7 @@
                                     </p:animEffect>
                                     <p:set>
                                       <p:cBhvr>
-                                        <p:cTn id="39" dur="1" fill="hold">
+                                        <p:cTn id="42" dur="1" fill="hold">
                                           <p:stCondLst>
                                             <p:cond delay="499"/>
                                           </p:stCondLst>
@@ -34506,7 +35209,7 @@
                                         <p:tgtEl>
                                           <p:spTgt spid="5">
                                             <p:txEl>
-                                              <p:pRg st="4" end="4"/>
+                                              <p:pRg st="6" end="6"/>
                                             </p:txEl>
                                           </p:spTgt>
                                         </p:tgtEl>
@@ -34522,14 +35225,57 @@
                                 </p:cTn>
                               </p:par>
                               <p:par>
-                                <p:cTn id="40" presetID="7" presetClass="emph" presetSubtype="2" fill="hold" nodeType="withEffect">
+                                <p:cTn id="43" presetID="3" presetClass="exit" presetSubtype="10" fill="hold" nodeType="withEffect">
                                   <p:stCondLst>
                                     <p:cond delay="0"/>
                                   </p:stCondLst>
                                   <p:childTnLst>
+                                    <p:animEffect transition="out" filter="blinds(horizontal)">
+                                      <p:cBhvr>
+                                        <p:cTn id="44" dur="500"/>
+                                        <p:tgtEl>
+                                          <p:spTgt spid="5">
+                                            <p:txEl>
+                                              <p:pRg st="7" end="7"/>
+                                            </p:txEl>
+                                          </p:spTgt>
+                                        </p:tgtEl>
+                                      </p:cBhvr>
+                                    </p:animEffect>
+                                    <p:set>
+                                      <p:cBhvr>
+                                        <p:cTn id="45" dur="1" fill="hold">
+                                          <p:stCondLst>
+                                            <p:cond delay="499"/>
+                                          </p:stCondLst>
+                                        </p:cTn>
+                                        <p:tgtEl>
+                                          <p:spTgt spid="5">
+                                            <p:txEl>
+                                              <p:pRg st="7" end="7"/>
+                                            </p:txEl>
+                                          </p:spTgt>
+                                        </p:tgtEl>
+                                        <p:attrNameLst>
+                                          <p:attrName>style.visibility</p:attrName>
+                                        </p:attrNameLst>
+                                      </p:cBhvr>
+                                      <p:to>
+                                        <p:strVal val="hidden"/>
+                                      </p:to>
+                                    </p:set>
+                                  </p:childTnLst>
+                                </p:cTn>
+                              </p:par>
+                              <p:par>
+                                <p:cTn id="46" presetID="7" presetClass="emph" presetSubtype="2" fill="hold" nodeType="withEffect">
+                                  <p:stCondLst>
+                                    <p:cond delay="0"/>
+                                  </p:stCondLst>
+                                  <p:childTnLst>
                                     <p:animClr clrSpc="rgb" dir="cw">
                                       <p:cBhvr>
-                                        <p:cTn id="41" dur="500" fill="hold"/>
+                                        <p:cTn id="47" dur="500" fill="hold"/>
                                         <p:tgtEl>
                                           <p:spTgt spid="4"/>
                                         </p:tgtEl>
@@ -34543,7 +35289,7 @@
                                     </p:animClr>
                                     <p:set>
                                       <p:cBhvr>
-                                        <p:cTn id="42" dur="500" fill="hold"/>
+                                        <p:cTn id="48" dur="500" fill="hold"/>
                                         <p:tgtEl>
                                           <p:spTgt spid="4"/>
                                         </p:tgtEl>
@@ -34565,26 +35311,26 @@
                     </p:cTn>
                   </p:par>
                   <p:par>
-                    <p:cTn id="43" fill="hold">
+                    <p:cTn id="49" fill="hold">
                       <p:stCondLst>
                         <p:cond delay="indefinite"/>
                       </p:stCondLst>
                       <p:childTnLst>
                         <p:par>
-                          <p:cTn id="44" fill="hold">
+                          <p:cTn id="50" fill="hold">
                             <p:stCondLst>
                               <p:cond delay="0"/>
                             </p:stCondLst>
                             <p:childTnLst>
                               <p:par>
-                                <p:cTn id="45" presetID="3" presetClass="entr" presetSubtype="10" fill="hold" nodeType="clickEffect">
+                                <p:cTn id="51" presetID="3" presetClass="entr" presetSubtype="10" fill="hold" nodeType="clickEffect">
                                   <p:stCondLst>
                                     <p:cond delay="0"/>
                                   </p:stCondLst>
                                   <p:childTnLst>
                                     <p:set>
                                       <p:cBhvr>
-                                        <p:cTn id="46" dur="1" fill="hold">
+                                        <p:cTn id="52" dur="1" fill="hold">
                                           <p:stCondLst>
                                             <p:cond delay="0"/>
                                           </p:stCondLst>
@@ -34606,7 +35352,7 @@
                                     </p:set>
                                     <p:animEffect transition="in" filter="blinds(horizontal)">
                                       <p:cBhvr>
-                                        <p:cTn id="47" dur="500"/>
+                                        <p:cTn id="53" dur="500"/>
                                         <p:tgtEl>
                                           <p:spTgt spid="16">
                                             <p:txEl>
@@ -34620,14 +35366,14 @@
                                 </p:cTn>
                               </p:par>
                               <p:par>
-                                <p:cTn id="48" presetID="7" presetClass="emph" presetSubtype="2" fill="hold" nodeType="withEffect">
+                                <p:cTn id="54" presetID="7" presetClass="emph" presetSubtype="2" fill="hold" nodeType="withEffect">
                                   <p:stCondLst>
                                     <p:cond delay="0"/>
                                   </p:stCondLst>
                                   <p:childTnLst>
                                     <p:animClr clrSpc="rgb" dir="cw">
                                       <p:cBhvr>
-                                        <p:cTn id="49" dur="500" fill="hold"/>
+                                        <p:cTn id="55" dur="500" fill="hold"/>
                                         <p:tgtEl>
                                           <p:spTgt spid="6"/>
                                         </p:tgtEl>
@@ -34641,7 +35387,7 @@
                                     </p:animClr>
                                     <p:set>
                                       <p:cBhvr>
-                                        <p:cTn id="50" dur="500" fill="hold"/>
+                                        <p:cTn id="56" dur="500" fill="hold"/>
                                         <p:tgtEl>
                                           <p:spTgt spid="6"/>
                                         </p:tgtEl>
@@ -34657,14 +35403,14 @@
                                 </p:cTn>
                               </p:par>
                               <p:par>
-                                <p:cTn id="51" presetID="3" presetClass="entr" presetSubtype="10" fill="hold" nodeType="withEffect">
+                                <p:cTn id="57" presetID="3" presetClass="entr" presetSubtype="10" fill="hold" nodeType="withEffect">
                                   <p:stCondLst>
                                     <p:cond delay="0"/>
                                   </p:stCondLst>
                                   <p:childTnLst>
                                     <p:set>
                                       <p:cBhvr>
-                                        <p:cTn id="52" dur="1" fill="hold">
+                                        <p:cTn id="58" dur="1" fill="hold">
                                           <p:stCondLst>
                                             <p:cond delay="0"/>
                                           </p:stCondLst>
@@ -34686,7 +35432,7 @@
                                     </p:set>
                                     <p:animEffect transition="in" filter="blinds(horizontal)">
                                       <p:cBhvr>
-                                        <p:cTn id="53" dur="500"/>
+                                        <p:cTn id="59" dur="500"/>
                                         <p:tgtEl>
                                           <p:spTgt spid="16">
                                             <p:txEl>
@@ -34700,14 +35446,14 @@
                                 </p:cTn>
                               </p:par>
                               <p:par>
-                                <p:cTn id="54" presetID="3" presetClass="entr" presetSubtype="10" fill="hold" nodeType="withEffect">
+                                <p:cTn id="60" presetID="3" presetClass="entr" presetSubtype="10" fill="hold" nodeType="withEffect">
                                   <p:stCondLst>
                                     <p:cond delay="0"/>
                                   </p:stCondLst>
                                   <p:childTnLst>
                                     <p:set>
                                       <p:cBhvr>
-                                        <p:cTn id="55" dur="1" fill="hold">
+                                        <p:cTn id="61" dur="1" fill="hold">
                                           <p:stCondLst>
                                             <p:cond delay="0"/>
                                           </p:stCondLst>
@@ -34729,7 +35475,7 @@
                                     </p:set>
                                     <p:animEffect transition="in" filter="blinds(horizontal)">
                                       <p:cBhvr>
-                                        <p:cTn id="56" dur="500"/>
+                                        <p:cTn id="62" dur="500"/>
                                         <p:tgtEl>
                                           <p:spTgt spid="16">
                                             <p:txEl>
@@ -34743,14 +35489,57 @@
                                 </p:cTn>
                               </p:par>
                               <p:par>
-                                <p:cTn id="57" presetID="3" presetClass="entr" presetSubtype="10" fill="hold" nodeType="withEffect">
+                                <p:cTn id="63" presetID="3" presetClass="entr" presetSubtype="10" fill="hold" nodeType="withEffect">
                                   <p:stCondLst>
                                     <p:cond delay="0"/>
                                   </p:stCondLst>
                                   <p:childTnLst>
                                     <p:set>
                                       <p:cBhvr>
-                                        <p:cTn id="58" dur="1" fill="hold">
+                                        <p:cTn id="64" dur="1" fill="hold">
+                                          <p:stCondLst>
+                                            <p:cond delay="0"/>
+                                          </p:stCondLst>
+                                        </p:cTn>
+                                        <p:tgtEl>
+                                          <p:spTgt spid="16">
+                                            <p:txEl>
+                                              <p:pRg st="3" end="3"/>
+                                            </p:txEl>
+                                          </p:spTgt>
+                                        </p:tgtEl>
+                                        <p:attrNameLst>
+                                          <p:attrName>style.visibility</p:attrName>
+                                        </p:attrNameLst>
+                                      </p:cBhvr>
+                                      <p:to>
+                                        <p:strVal val="visible"/>
+                                      </p:to>
+                                    </p:set>
+                                    <p:animEffect transition="in" filter="blinds(horizontal)">
+                                      <p:cBhvr>
+                                        <p:cTn id="65" dur="500"/>
+                                        <p:tgtEl>
+                                          <p:spTgt spid="16">
+                                            <p:txEl>
+                                              <p:pRg st="3" end="3"/>
+                                            </p:txEl>
+                                          </p:spTgt>
+                                        </p:tgtEl>
+                                      </p:cBhvr>
+                                    </p:animEffect>
+                                  </p:childTnLst>
+                                </p:cTn>
+                              </p:par>
+                              <p:par>
+                                <p:cTn id="66" presetID="3" presetClass="entr" presetSubtype="10" fill="hold" nodeType="withEffect">
+                                  <p:stCondLst>
+                                    <p:cond delay="0"/>
+                                  </p:stCondLst>
+                                  <p:childTnLst>
+                                    <p:set>
+                                      <p:cBhvr>
+                                        <p:cTn id="67" dur="1" fill="hold">
                                           <p:stCondLst>
                                             <p:cond delay="0"/>
                                           </p:stCondLst>
@@ -34772,7 +35561,7 @@
                                     </p:set>
                                     <p:animEffect transition="in" filter="blinds(horizontal)">
                                       <p:cBhvr>
-                                        <p:cTn id="59" dur="500"/>
+                                        <p:cTn id="68" dur="500"/>
                                         <p:tgtEl>
                                           <p:spTgt spid="16">
                                             <p:txEl>
@@ -34786,14 +35575,14 @@
                                 </p:cTn>
                               </p:par>
                               <p:par>
-                                <p:cTn id="60" presetID="3" presetClass="entr" presetSubtype="10" fill="hold" nodeType="withEffect">
+                                <p:cTn id="69" presetID="3" presetClass="entr" presetSubtype="10" fill="hold" nodeType="withEffect">
                                   <p:stCondLst>
                                     <p:cond delay="0"/>
                                   </p:stCondLst>
                                   <p:childTnLst>
                                     <p:set>
                                       <p:cBhvr>
-                                        <p:cTn id="61" dur="1" fill="hold">
+                                        <p:cTn id="70" dur="1" fill="hold">
                                           <p:stCondLst>
                                             <p:cond delay="0"/>
                                           </p:stCondLst>
@@ -34801,7 +35590,7 @@
                                         <p:tgtEl>
                                           <p:spTgt spid="16">
                                             <p:txEl>
-                                              <p:pRg st="5" end="5"/>
+                                              <p:pRg st="6" end="6"/>
                                             </p:txEl>
                                           </p:spTgt>
                                         </p:tgtEl>
@@ -34815,11 +35604,97 @@
                                     </p:set>
                                     <p:animEffect transition="in" filter="blinds(horizontal)">
                                       <p:cBhvr>
-                                        <p:cTn id="62" dur="500"/>
+                                        <p:cTn id="71" dur="500"/>
                                         <p:tgtEl>
                                           <p:spTgt spid="16">
                                             <p:txEl>
-                                              <p:pRg st="5" end="5"/>
+                                              <p:pRg st="6" end="6"/>
+                                            </p:txEl>
+                                          </p:spTgt>
+                                        </p:tgtEl>
+                                      </p:cBhvr>
+                                    </p:animEffect>
+                                  </p:childTnLst>
+                                </p:cTn>
+                              </p:par>
+                              <p:par>
+                                <p:cTn id="72" presetID="3" presetClass="entr" presetSubtype="10" fill="hold" nodeType="withEffect">
+                                  <p:stCondLst>
+                                    <p:cond delay="0"/>
+                                  </p:stCondLst>
+                                  <p:childTnLst>
+                                    <p:set>
+                                      <p:cBhvr>
+                                        <p:cTn id="73" dur="1" fill="hold">
+                                          <p:stCondLst>
+                                            <p:cond delay="0"/>
+                                          </p:stCondLst>
+                                        </p:cTn>
+                                        <p:tgtEl>
+                                          <p:spTgt spid="16">
+                                            <p:txEl>
+                                              <p:pRg st="7" end="7"/>
+                                            </p:txEl>
+                                          </p:spTgt>
+                                        </p:tgtEl>
+                                        <p:attrNameLst>
+                                          <p:attrName>style.visibility</p:attrName>
+                                        </p:attrNameLst>
+                                      </p:cBhvr>
+                                      <p:to>
+                                        <p:strVal val="visible"/>
+                                      </p:to>
+                                    </p:set>
+                                    <p:animEffect transition="in" filter="blinds(horizontal)">
+                                      <p:cBhvr>
+                                        <p:cTn id="74" dur="500"/>
+                                        <p:tgtEl>
+                                          <p:spTgt spid="16">
+                                            <p:txEl>
+                                              <p:pRg st="7" end="7"/>
+                                            </p:txEl>
+                                          </p:spTgt>
+                                        </p:tgtEl>
+                                      </p:cBhvr>
+                                    </p:animEffect>
+                                  </p:childTnLst>
+                                </p:cTn>
+                              </p:par>
+                              <p:par>
+                                <p:cTn id="75" presetID="3" presetClass="entr" presetSubtype="10" fill="hold" nodeType="withEffect">
+                                  <p:stCondLst>
+                                    <p:cond delay="0"/>
+                                  </p:stCondLst>
+                                  <p:childTnLst>
+                                    <p:set>
+                                      <p:cBhvr>
+                                        <p:cTn id="76" dur="1" fill="hold">
+                                          <p:stCondLst>
+                                            <p:cond delay="0"/>
+                                          </p:stCondLst>
+                                        </p:cTn>
+                                        <p:tgtEl>
+                                          <p:spTgt spid="16">
+                                            <p:txEl>
+                                              <p:pRg st="8" end="8"/>
+                                            </p:txEl>
+                                          </p:spTgt>
+                                        </p:tgtEl>
+                                        <p:attrNameLst>
+                                          <p:attrName>style.visibility</p:attrName>
+                                        </p:attrNameLst>
+                                      </p:cBhvr>
+                                      <p:to>
+                                        <p:strVal val="visible"/>
+                                      </p:to>
+                                    </p:set>
+                                    <p:animEffect transition="in" filter="blinds(horizontal)">
+                                      <p:cBhvr>
+                                        <p:cTn id="77" dur="500"/>
+                                        <p:tgtEl>
+                                          <p:spTgt spid="16">
+                                            <p:txEl>
+                                              <p:pRg st="8" end="8"/>
                                             </p:txEl>
                                           </p:spTgt>
                                         </p:tgtEl>
@@ -34835,26 +35710,26 @@
                     </p:cTn>
                   </p:par>
                   <p:par>
-                    <p:cTn id="63" fill="hold">
+                    <p:cTn id="78" fill="hold">
                       <p:stCondLst>
                         <p:cond delay="indefinite"/>
                       </p:stCondLst>
                       <p:childTnLst>
                         <p:par>
-                          <p:cTn id="64" fill="hold">
+                          <p:cTn id="79" fill="hold">
                             <p:stCondLst>
                               <p:cond delay="0"/>
                             </p:stCondLst>
                             <p:childTnLst>
                               <p:par>
-                                <p:cTn id="65" presetID="3" presetClass="exit" presetSubtype="10" fill="hold" nodeType="clickEffect">
+                                <p:cTn id="80" presetID="3" presetClass="exit" presetSubtype="10" fill="hold" nodeType="clickEffect">
                                   <p:stCondLst>
                                     <p:cond delay="0"/>
                                   </p:stCondLst>
                                   <p:childTnLst>
                                     <p:animEffect transition="out" filter="blinds(horizontal)">
                                       <p:cBhvr>
-                                        <p:cTn id="66" dur="500"/>
+                                        <p:cTn id="81" dur="500"/>
                                         <p:tgtEl>
                                           <p:spTgt spid="16">
                                             <p:txEl>
@@ -34866,7 +35741,7 @@
                                     </p:animEffect>
                                     <p:set>
                                       <p:cBhvr>
-                                        <p:cTn id="67" dur="1" fill="hold">
+                                        <p:cTn id="82" dur="1" fill="hold">
                                           <p:stCondLst>
                                             <p:cond delay="499"/>
                                           </p:stCondLst>
@@ -34890,14 +35765,14 @@
                                 </p:cTn>
                               </p:par>
                               <p:par>
-                                <p:cTn id="68" presetID="3" presetClass="exit" presetSubtype="10" fill="hold" nodeType="withEffect">
+                                <p:cTn id="83" presetID="3" presetClass="exit" presetSubtype="10" fill="hold" nodeType="withEffect">
                                   <p:stCondLst>
                                     <p:cond delay="0"/>
                                   </p:stCondLst>
                                   <p:childTnLst>
                                     <p:animEffect transition="out" filter="blinds(horizontal)">
                                       <p:cBhvr>
-                                        <p:cTn id="69" dur="500"/>
+                                        <p:cTn id="84" dur="500"/>
                                         <p:tgtEl>
                                           <p:spTgt spid="16">
                                             <p:txEl>
@@ -34909,7 +35784,7 @@
                                     </p:animEffect>
                                     <p:set>
                                       <p:cBhvr>
-                                        <p:cTn id="70" dur="1" fill="hold">
+                                        <p:cTn id="85" dur="1" fill="hold">
                                           <p:stCondLst>
                                             <p:cond delay="499"/>
                                           </p:stCondLst>
@@ -34933,14 +35808,14 @@
                                 </p:cTn>
                               </p:par>
                               <p:par>
-                                <p:cTn id="71" presetID="3" presetClass="exit" presetSubtype="10" fill="hold" nodeType="withEffect">
+                                <p:cTn id="86" presetID="3" presetClass="exit" presetSubtype="10" fill="hold" nodeType="withEffect">
                                   <p:stCondLst>
                                     <p:cond delay="0"/>
                                   </p:stCondLst>
                                   <p:childTnLst>
                                     <p:animEffect transition="out" filter="blinds(horizontal)">
                                       <p:cBhvr>
-                                        <p:cTn id="72" dur="500"/>
+                                        <p:cTn id="87" dur="500"/>
                                         <p:tgtEl>
                                           <p:spTgt spid="16">
                                             <p:txEl>
@@ -34952,7 +35827,7 @@
                                     </p:animEffect>
                                     <p:set>
                                       <p:cBhvr>
-                                        <p:cTn id="73" dur="1" fill="hold">
+                                        <p:cTn id="88" dur="1" fill="hold">
                                           <p:stCondLst>
                                             <p:cond delay="499"/>
                                           </p:stCondLst>
@@ -34976,14 +35851,57 @@
                                 </p:cTn>
                               </p:par>
                               <p:par>
-                                <p:cTn id="74" presetID="3" presetClass="exit" presetSubtype="10" fill="hold" nodeType="withEffect">
+                                <p:cTn id="89" presetID="3" presetClass="exit" presetSubtype="10" fill="hold" nodeType="withEffect">
                                   <p:stCondLst>
                                     <p:cond delay="0"/>
                                   </p:stCondLst>
                                   <p:childTnLst>
                                     <p:animEffect transition="out" filter="blinds(horizontal)">
                                       <p:cBhvr>
-                                        <p:cTn id="75" dur="500"/>
+                                        <p:cTn id="90" dur="500"/>
+                                        <p:tgtEl>
+                                          <p:spTgt spid="16">
+                                            <p:txEl>
+                                              <p:pRg st="3" end="3"/>
+                                            </p:txEl>
+                                          </p:spTgt>
+                                        </p:tgtEl>
+                                      </p:cBhvr>
+                                    </p:animEffect>
+                                    <p:set>
+                                      <p:cBhvr>
+                                        <p:cTn id="91" dur="1" fill="hold">
+                                          <p:stCondLst>
+                                            <p:cond delay="499"/>
+                                          </p:stCondLst>
+                                        </p:cTn>
+                                        <p:tgtEl>
+                                          <p:spTgt spid="16">
+                                            <p:txEl>
+                                              <p:pRg st="3" end="3"/>
+                                            </p:txEl>
+                                          </p:spTgt>
+                                        </p:tgtEl>
+                                        <p:attrNameLst>
+                                          <p:attrName>style.visibility</p:attrName>
+                                        </p:attrNameLst>
+                                      </p:cBhvr>
+                                      <p:to>
+                                        <p:strVal val="hidden"/>
+                                      </p:to>
+                                    </p:set>
+                                  </p:childTnLst>
+                                </p:cTn>
+                              </p:par>
+                              <p:par>
+                                <p:cTn id="92" presetID="3" presetClass="exit" presetSubtype="10" fill="hold" nodeType="withEffect">
+                                  <p:stCondLst>
+                                    <p:cond delay="0"/>
+                                  </p:stCondLst>
+                                  <p:childTnLst>
+                                    <p:animEffect transition="out" filter="blinds(horizontal)">
+                                      <p:cBhvr>
+                                        <p:cTn id="93" dur="500"/>
                                         <p:tgtEl>
                                           <p:spTgt spid="16">
                                             <p:txEl>
@@ -34995,7 +35913,7 @@
                                     </p:animEffect>
                                     <p:set>
                                       <p:cBhvr>
-                                        <p:cTn id="76" dur="1" fill="hold">
+                                        <p:cTn id="94" dur="1" fill="hold">
                                           <p:stCondLst>
                                             <p:cond delay="499"/>
                                           </p:stCondLst>
@@ -35019,18 +35937,18 @@
                                 </p:cTn>
                               </p:par>
                               <p:par>
-                                <p:cTn id="77" presetID="3" presetClass="exit" presetSubtype="10" fill="hold" nodeType="withEffect">
+                                <p:cTn id="95" presetID="3" presetClass="exit" presetSubtype="10" fill="hold" nodeType="withEffect">
                                   <p:stCondLst>
                                     <p:cond delay="0"/>
                                   </p:stCondLst>
                                   <p:childTnLst>
                                     <p:animEffect transition="out" filter="blinds(horizontal)">
                                       <p:cBhvr>
-                                        <p:cTn id="78" dur="500"/>
+                                        <p:cTn id="96" dur="500"/>
                                         <p:tgtEl>
                                           <p:spTgt spid="16">
                                             <p:txEl>
-                                              <p:pRg st="5" end="5"/>
+                                              <p:pRg st="6" end="6"/>
                                             </p:txEl>
                                           </p:spTgt>
                                         </p:tgtEl>
@@ -35038,7 +35956,7 @@
                                     </p:animEffect>
                                     <p:set>
                                       <p:cBhvr>
-                                        <p:cTn id="79" dur="1" fill="hold">
+                                        <p:cTn id="97" dur="1" fill="hold">
                                           <p:stCondLst>
                                             <p:cond delay="499"/>
                                           </p:stCondLst>
@@ -35046,7 +35964,7 @@
                                         <p:tgtEl>
                                           <p:spTgt spid="16">
                                             <p:txEl>
-                                              <p:pRg st="5" end="5"/>
+                                              <p:pRg st="6" end="6"/>
                                             </p:txEl>
                                           </p:spTgt>
                                         </p:tgtEl>
@@ -35062,14 +35980,100 @@
                                 </p:cTn>
                               </p:par>
                               <p:par>
-                                <p:cTn id="80" presetID="7" presetClass="emph" presetSubtype="2" fill="hold" nodeType="withEffect">
+                                <p:cTn id="98" presetID="3" presetClass="exit" presetSubtype="10" fill="hold" nodeType="withEffect">
                                   <p:stCondLst>
                                     <p:cond delay="0"/>
                                   </p:stCondLst>
                                   <p:childTnLst>
+                                    <p:animEffect transition="out" filter="blinds(horizontal)">
+                                      <p:cBhvr>
+                                        <p:cTn id="99" dur="500"/>
+                                        <p:tgtEl>
+                                          <p:spTgt spid="16">
+                                            <p:txEl>
+                                              <p:pRg st="7" end="7"/>
+                                            </p:txEl>
+                                          </p:spTgt>
+                                        </p:tgtEl>
+                                      </p:cBhvr>
+                                    </p:animEffect>
+                                    <p:set>
+                                      <p:cBhvr>
+                                        <p:cTn id="100" dur="1" fill="hold">
+                                          <p:stCondLst>
+                                            <p:cond delay="499"/>
+                                          </p:stCondLst>
+                                        </p:cTn>
+                                        <p:tgtEl>
+                                          <p:spTgt spid="16">
+                                            <p:txEl>
+                                              <p:pRg st="7" end="7"/>
+                                            </p:txEl>
+                                          </p:spTgt>
+                                        </p:tgtEl>
+                                        <p:attrNameLst>
+                                          <p:attrName>style.visibility</p:attrName>
+                                        </p:attrNameLst>
+                                      </p:cBhvr>
+                                      <p:to>
+                                        <p:strVal val="hidden"/>
+                                      </p:to>
+                                    </p:set>
+                                  </p:childTnLst>
+                                </p:cTn>
+                              </p:par>
+                              <p:par>
+                                <p:cTn id="101" presetID="3" presetClass="exit" presetSubtype="10" fill="hold" nodeType="withEffect">
+                                  <p:stCondLst>
+                                    <p:cond delay="0"/>
+                                  </p:stCondLst>
+                                  <p:childTnLst>
+                                    <p:animEffect transition="out" filter="blinds(horizontal)">
+                                      <p:cBhvr>
+                                        <p:cTn id="102" dur="500"/>
+                                        <p:tgtEl>
+                                          <p:spTgt spid="16">
+                                            <p:txEl>
+                                              <p:pRg st="8" end="8"/>
+                                            </p:txEl>
+                                          </p:spTgt>
+                                        </p:tgtEl>
+                                      </p:cBhvr>
+                                    </p:animEffect>
+                                    <p:set>
+                                      <p:cBhvr>
+                                        <p:cTn id="103" dur="1" fill="hold">
+                                          <p:stCondLst>
+                                            <p:cond delay="499"/>
+                                          </p:stCondLst>
+                                        </p:cTn>
+                                        <p:tgtEl>
+                                          <p:spTgt spid="16">
+                                            <p:txEl>
+                                              <p:pRg st="8" end="8"/>
+                                            </p:txEl>
+                                          </p:spTgt>
+                                        </p:tgtEl>
+                                        <p:attrNameLst>
+                                          <p:attrName>style.visibility</p:attrName>
+                                        </p:attrNameLst>
+                                      </p:cBhvr>
+                                      <p:to>
+                                        <p:strVal val="hidden"/>
+                                      </p:to>
+                                    </p:set>
+                                  </p:childTnLst>
+                                </p:cTn>
+                              </p:par>
+                              <p:par>
+                                <p:cTn id="104" presetID="7" presetClass="emph" presetSubtype="2" fill="hold" nodeType="withEffect">
+                                  <p:stCondLst>
+                                    <p:cond delay="0"/>
+                                  </p:stCondLst>
+                                  <p:childTnLst>
                                     <p:animClr clrSpc="rgb" dir="cw">
                                       <p:cBhvr>
-                                        <p:cTn id="81" dur="500" fill="hold"/>
+                                        <p:cTn id="105" dur="500" fill="hold"/>
                                         <p:tgtEl>
                                           <p:spTgt spid="6"/>
                                         </p:tgtEl>
@@ -35083,7 +36087,7 @@
                                     </p:animClr>
                                     <p:set>
                                       <p:cBhvr>
-                                        <p:cTn id="82" dur="500" fill="hold"/>
+                                        <p:cTn id="106" dur="500" fill="hold"/>
                                         <p:tgtEl>
                                           <p:spTgt spid="6"/>
                                         </p:tgtEl>
@@ -35287,7 +36291,15 @@
             </a:pPr>
             <a:r>
               <a:rPr lang="de-DE" dirty="0" smtClean="0"/>
-              <a:t>Ergebnisvektor mit n+1 Komponenten</a:t>
+              <a:t>Ergebnisvektor mit </a:t>
+            </a:r>
+            <a:r>
+              <a:rPr lang="de-DE" dirty="0" smtClean="0"/>
+              <a:t>n </a:t>
+            </a:r>
+            <a:r>
+              <a:rPr lang="de-DE" dirty="0" smtClean="0"/>
+              <a:t>Komponenten</a:t>
             </a:r>
           </a:p>
         </p:txBody>
@@ -35392,8 +36404,13 @@
             </a:pPr>
             <a:r>
               <a:rPr lang="de-DE" b="1" u="sng" dirty="0" smtClean="0"/>
-              <a:t>Problem:</a:t>
+              <a:t>Erschwernis</a:t>
             </a:r>
+            <a:r>
+              <a:rPr lang="de-DE" b="1" u="sng" dirty="0" smtClean="0"/>
+              <a:t>:</a:t>
+            </a:r>
+            <a:endParaRPr lang="de-DE" b="1" u="sng" dirty="0" smtClean="0"/>
           </a:p>
           <a:p>
             <a:r>
@@ -35443,7 +36460,7 @@
           <p:nvPr>
             <p:extLst>
               <p:ext uri="{D42A27DB-BD31-4B8C-83A1-F6EECF244321}">
-                <p14:modId xmlns:p14="http://schemas.microsoft.com/office/powerpoint/2010/main" xmlns="" val="691712731"/>
+                <p14:modId xmlns:p14="http://schemas.microsoft.com/office/powerpoint/2010/main" val="691712731"/>
               </p:ext>
             </p:extLst>
           </p:nvPr>

--- a/Speech/Praesentation1.pptx
+++ b/Speech/Praesentation1.pptx
@@ -5,7 +5,7 @@
     <p:sldMasterId id="2147483648" r:id="rId1"/>
   </p:sldMasterIdLst>
   <p:notesMasterIdLst>
-    <p:notesMasterId r:id="rId21"/>
+    <p:notesMasterId r:id="rId22"/>
   </p:notesMasterIdLst>
   <p:sldIdLst>
     <p:sldId id="267" r:id="rId2"/>
@@ -20,13 +20,14 @@
     <p:sldId id="276" r:id="rId11"/>
     <p:sldId id="284" r:id="rId12"/>
     <p:sldId id="277" r:id="rId13"/>
-    <p:sldId id="279" r:id="rId14"/>
-    <p:sldId id="285" r:id="rId15"/>
-    <p:sldId id="282" r:id="rId16"/>
-    <p:sldId id="283" r:id="rId17"/>
-    <p:sldId id="280" r:id="rId18"/>
-    <p:sldId id="281" r:id="rId19"/>
-    <p:sldId id="273" r:id="rId20"/>
+    <p:sldId id="287" r:id="rId14"/>
+    <p:sldId id="279" r:id="rId15"/>
+    <p:sldId id="285" r:id="rId16"/>
+    <p:sldId id="282" r:id="rId17"/>
+    <p:sldId id="283" r:id="rId18"/>
+    <p:sldId id="280" r:id="rId19"/>
+    <p:sldId id="281" r:id="rId20"/>
+    <p:sldId id="273" r:id="rId21"/>
   </p:sldIdLst>
   <p:sldSz cx="9144000" cy="6858000" type="screen4x3"/>
   <p:notesSz cx="6797675" cy="9926638"/>
@@ -160,17 +161,7 @@
 
 <file path=ppt/charts/chart1.xml><?xml version="1.0" encoding="utf-8"?>
 <c:chartSpace xmlns:c="http://schemas.openxmlformats.org/drawingml/2006/chart" xmlns:a="http://schemas.openxmlformats.org/drawingml/2006/main" xmlns:r="http://schemas.openxmlformats.org/officeDocument/2006/relationships">
-  <c:date1904 val="0"/>
   <c:lang val="de-DE"/>
-  <c:roundedCorners val="0"/>
-  <mc:AlternateContent xmlns:mc="http://schemas.openxmlformats.org/markup-compatibility/2006">
-    <mc:Choice xmlns:c14="http://schemas.microsoft.com/office/drawing/2007/8/2/chart" Requires="c14">
-      <c14:style val="102"/>
-    </mc:Choice>
-    <mc:Fallback>
-      <c:style val="2"/>
-    </mc:Fallback>
-  </mc:AlternateContent>
   <c:chart>
     <c:autoTitleDeleted val="1"/>
     <c:plotArea>
@@ -178,7 +169,6 @@
       <c:barChart>
         <c:barDir val="bar"/>
         <c:grouping val="clustered"/>
-        <c:varyColors val="0"/>
         <c:ser>
           <c:idx val="0"/>
           <c:order val="0"/>
@@ -193,16 +183,9 @@
               </c:strCache>
             </c:strRef>
           </c:tx>
-          <c:invertIfNegative val="0"/>
           <c:dLbls>
             <c:dLblPos val="outEnd"/>
-            <c:showLegendKey val="0"/>
             <c:showVal val="1"/>
-            <c:showCatName val="0"/>
-            <c:showSerName val="0"/>
-            <c:showPercent val="0"/>
-            <c:showBubbleSize val="0"/>
-            <c:showLeaderLines val="0"/>
           </c:dLbls>
           <c:cat>
             <c:strRef>
@@ -231,56 +214,43 @@
                 <c:formatCode>0.00</c:formatCode>
                 <c:ptCount val="4"/>
                 <c:pt idx="0">
-                  <c:v>87.433333333333323</c:v>
+                  <c:v>87.433333333333309</c:v>
                 </c:pt>
                 <c:pt idx="1">
-                  <c:v>72.433333333333323</c:v>
+                  <c:v>72.433333333333309</c:v>
                 </c:pt>
                 <c:pt idx="2">
                   <c:v>3.2666666666666666</c:v>
                 </c:pt>
                 <c:pt idx="3">
-                  <c:v>0.1166666666666667</c:v>
+                  <c:v>0.11666666666666679</c:v>
                 </c:pt>
               </c:numCache>
             </c:numRef>
           </c:val>
         </c:ser>
-        <c:dLbls>
-          <c:showLegendKey val="0"/>
-          <c:showVal val="0"/>
-          <c:showCatName val="0"/>
-          <c:showSerName val="0"/>
-          <c:showPercent val="0"/>
-          <c:showBubbleSize val="0"/>
-        </c:dLbls>
-        <c:gapWidth val="150"/>
-        <c:axId val="132555520"/>
-        <c:axId val="133282048"/>
+        <c:dLbls/>
+        <c:axId val="112888832"/>
+        <c:axId val="113447680"/>
       </c:barChart>
       <c:catAx>
-        <c:axId val="132555520"/>
+        <c:axId val="112888832"/>
         <c:scaling>
           <c:orientation val="minMax"/>
         </c:scaling>
-        <c:delete val="0"/>
         <c:axPos val="l"/>
-        <c:majorTickMark val="out"/>
-        <c:minorTickMark val="none"/>
         <c:tickLblPos val="nextTo"/>
-        <c:crossAx val="133282048"/>
+        <c:crossAx val="113447680"/>
         <c:crosses val="autoZero"/>
         <c:auto val="1"/>
         <c:lblAlgn val="ctr"/>
         <c:lblOffset val="100"/>
-        <c:noMultiLvlLbl val="0"/>
       </c:catAx>
       <c:valAx>
-        <c:axId val="133282048"/>
+        <c:axId val="113447680"/>
         <c:scaling>
           <c:orientation val="minMax"/>
         </c:scaling>
-        <c:delete val="0"/>
         <c:axPos val="b"/>
         <c:majorGridlines/>
         <c:title>
@@ -309,20 +279,16 @@
             </c:rich>
           </c:tx>
           <c:layout/>
-          <c:overlay val="0"/>
         </c:title>
         <c:numFmt formatCode="0.00" sourceLinked="1"/>
-        <c:majorTickMark val="out"/>
-        <c:minorTickMark val="none"/>
         <c:tickLblPos val="nextTo"/>
-        <c:crossAx val="132555520"/>
+        <c:crossAx val="112888832"/>
         <c:crosses val="autoZero"/>
         <c:crossBetween val="between"/>
       </c:valAx>
     </c:plotArea>
     <c:plotVisOnly val="1"/>
     <c:dispBlanksAs val="gap"/>
-    <c:showDLblsOverMax val="0"/>
   </c:chart>
   <c:txPr>
     <a:bodyPr/>
@@ -334,25 +300,13 @@
       <a:endParaRPr lang="de-DE"/>
     </a:p>
   </c:txPr>
-  <c:externalData r:id="rId1">
-    <c:autoUpdate val="0"/>
-  </c:externalData>
+  <c:externalData r:id="rId1"/>
 </c:chartSpace>
 </file>
 
 <file path=ppt/charts/chart2.xml><?xml version="1.0" encoding="utf-8"?>
 <c:chartSpace xmlns:c="http://schemas.openxmlformats.org/drawingml/2006/chart" xmlns:a="http://schemas.openxmlformats.org/drawingml/2006/main" xmlns:r="http://schemas.openxmlformats.org/officeDocument/2006/relationships">
-  <c:date1904 val="0"/>
   <c:lang val="de-DE"/>
-  <c:roundedCorners val="0"/>
-  <mc:AlternateContent xmlns:mc="http://schemas.openxmlformats.org/markup-compatibility/2006">
-    <mc:Choice xmlns:c14="http://schemas.microsoft.com/office/drawing/2007/8/2/chart" Requires="c14">
-      <c14:style val="102"/>
-    </mc:Choice>
-    <mc:Fallback>
-      <c:style val="2"/>
-    </mc:Fallback>
-  </mc:AlternateContent>
   <c:chart>
     <c:autoTitleDeleted val="1"/>
     <c:plotArea>
@@ -378,23 +332,15 @@
               <c:idx val="1"/>
               <c:layout>
                 <c:manualLayout>
-                  <c:x val="-0.14849375065218176"/>
+                  <c:x val="-0.14849375065218193"/>
                   <c:y val="-2.2062499999999988E-2"/>
                 </c:manualLayout>
               </c:layout>
-              <c:showLegendKey val="0"/>
-              <c:showVal val="0"/>
               <c:showCatName val="1"/>
-              <c:showSerName val="0"/>
               <c:showPercent val="1"/>
-              <c:showBubbleSize val="0"/>
             </c:dLbl>
-            <c:showLegendKey val="0"/>
-            <c:showVal val="0"/>
             <c:showCatName val="1"/>
-            <c:showSerName val="0"/>
             <c:showPercent val="1"/>
-            <c:showBubbleSize val="0"/>
             <c:showLeaderLines val="1"/>
           </c:dLbls>
           <c:cat>
@@ -434,20 +380,14 @@
           </c:val>
         </c:ser>
         <c:dLbls>
-          <c:showLegendKey val="0"/>
-          <c:showVal val="0"/>
           <c:showCatName val="1"/>
-          <c:showSerName val="0"/>
           <c:showPercent val="1"/>
-          <c:showBubbleSize val="0"/>
-          <c:showLeaderLines val="1"/>
         </c:dLbls>
         <c:firstSliceAng val="0"/>
       </c:pieChart>
     </c:plotArea>
     <c:plotVisOnly val="1"/>
     <c:dispBlanksAs val="zero"/>
-    <c:showDLblsOverMax val="0"/>
   </c:chart>
   <c:txPr>
     <a:bodyPr/>
@@ -459,33 +399,19 @@
       <a:endParaRPr lang="de-DE"/>
     </a:p>
   </c:txPr>
-  <c:externalData r:id="rId1">
-    <c:autoUpdate val="0"/>
-  </c:externalData>
+  <c:externalData r:id="rId1"/>
 </c:chartSpace>
 </file>
 
 <file path=ppt/charts/chart3.xml><?xml version="1.0" encoding="utf-8"?>
 <c:chartSpace xmlns:c="http://schemas.openxmlformats.org/drawingml/2006/chart" xmlns:a="http://schemas.openxmlformats.org/drawingml/2006/main" xmlns:r="http://schemas.openxmlformats.org/officeDocument/2006/relationships">
-  <c:date1904 val="0"/>
   <c:lang val="de-DE"/>
-  <c:roundedCorners val="0"/>
-  <mc:AlternateContent xmlns:mc="http://schemas.openxmlformats.org/markup-compatibility/2006">
-    <mc:Choice xmlns:c14="http://schemas.microsoft.com/office/drawing/2007/8/2/chart" Requires="c14">
-      <c14:style val="102"/>
-    </mc:Choice>
-    <mc:Fallback>
-      <c:style val="2"/>
-    </mc:Fallback>
-  </mc:AlternateContent>
   <c:chart>
-    <c:autoTitleDeleted val="0"/>
     <c:plotArea>
       <c:layout/>
       <c:barChart>
         <c:barDir val="bar"/>
         <c:grouping val="clustered"/>
-        <c:varyColors val="0"/>
         <c:ser>
           <c:idx val="0"/>
           <c:order val="0"/>
@@ -500,7 +426,6 @@
               </c:strCache>
             </c:strRef>
           </c:tx>
-          <c:invertIfNegative val="0"/>
           <c:cat>
             <c:strRef>
               <c:f>Tabelle1!$A$2:$A$5</c:f>
@@ -557,7 +482,6 @@
               </c:strCache>
             </c:strRef>
           </c:tx>
-          <c:invertIfNegative val="0"/>
           <c:cat>
             <c:strRef>
               <c:f>Tabelle1!$A$2:$A$5</c:f>
@@ -588,7 +512,7 @@
                   <c:v>20982.084900000005</c:v>
                 </c:pt>
                 <c:pt idx="1">
-                  <c:v>13029.03689999999</c:v>
+                  <c:v>13029.036899999985</c:v>
                 </c:pt>
                 <c:pt idx="2">
                   <c:v>165960.7249</c:v>
@@ -600,44 +524,31 @@
             </c:numRef>
           </c:val>
         </c:ser>
-        <c:dLbls>
-          <c:showLegendKey val="0"/>
-          <c:showVal val="0"/>
-          <c:showCatName val="0"/>
-          <c:showSerName val="0"/>
-          <c:showPercent val="0"/>
-          <c:showBubbleSize val="0"/>
-        </c:dLbls>
-        <c:gapWidth val="150"/>
-        <c:axId val="143832192"/>
-        <c:axId val="143834496"/>
+        <c:dLbls/>
+        <c:axId val="83295232"/>
+        <c:axId val="83666432"/>
       </c:barChart>
       <c:catAx>
-        <c:axId val="143832192"/>
+        <c:axId val="83295232"/>
         <c:scaling>
           <c:orientation val="minMax"/>
         </c:scaling>
-        <c:delete val="0"/>
         <c:axPos val="l"/>
         <c:numFmt formatCode="0.00E+00" sourceLinked="0"/>
-        <c:majorTickMark val="out"/>
-        <c:minorTickMark val="none"/>
         <c:tickLblPos val="nextTo"/>
-        <c:crossAx val="143834496"/>
+        <c:crossAx val="83666432"/>
         <c:crosses val="autoZero"/>
         <c:auto val="1"/>
         <c:lblAlgn val="ctr"/>
         <c:lblOffset val="100"/>
-        <c:noMultiLvlLbl val="0"/>
       </c:catAx>
       <c:valAx>
-        <c:axId val="143834496"/>
+        <c:axId val="83666432"/>
         <c:scaling>
           <c:orientation val="minMax"/>
           <c:max val="170000"/>
           <c:min val="0"/>
         </c:scaling>
-        <c:delete val="0"/>
         <c:axPos val="b"/>
         <c:majorGridlines/>
         <c:title>
@@ -658,13 +569,10 @@
             </c:rich>
           </c:tx>
           <c:layout/>
-          <c:overlay val="0"/>
         </c:title>
         <c:numFmt formatCode="General" sourceLinked="0"/>
-        <c:majorTickMark val="out"/>
-        <c:minorTickMark val="none"/>
         <c:tickLblPos val="nextTo"/>
-        <c:crossAx val="143832192"/>
+        <c:crossAx val="83295232"/>
         <c:crosses val="autoZero"/>
         <c:crossBetween val="between"/>
       </c:valAx>
@@ -672,11 +580,9 @@
     <c:legend>
       <c:legendPos val="t"/>
       <c:layout/>
-      <c:overlay val="0"/>
     </c:legend>
     <c:plotVisOnly val="1"/>
     <c:dispBlanksAs val="gap"/>
-    <c:showDLblsOverMax val="0"/>
   </c:chart>
   <c:txPr>
     <a:bodyPr/>
@@ -688,33 +594,19 @@
       <a:endParaRPr lang="de-DE"/>
     </a:p>
   </c:txPr>
-  <c:externalData r:id="rId1">
-    <c:autoUpdate val="0"/>
-  </c:externalData>
+  <c:externalData r:id="rId1"/>
 </c:chartSpace>
 </file>
 
 <file path=ppt/charts/chart4.xml><?xml version="1.0" encoding="utf-8"?>
 <c:chartSpace xmlns:c="http://schemas.openxmlformats.org/drawingml/2006/chart" xmlns:a="http://schemas.openxmlformats.org/drawingml/2006/main" xmlns:r="http://schemas.openxmlformats.org/officeDocument/2006/relationships">
-  <c:date1904 val="0"/>
   <c:lang val="de-DE"/>
-  <c:roundedCorners val="0"/>
-  <mc:AlternateContent xmlns:mc="http://schemas.openxmlformats.org/markup-compatibility/2006">
-    <mc:Choice xmlns:c14="http://schemas.microsoft.com/office/drawing/2007/8/2/chart" Requires="c14">
-      <c14:style val="102"/>
-    </mc:Choice>
-    <mc:Fallback>
-      <c:style val="2"/>
-    </mc:Fallback>
-  </mc:AlternateContent>
   <c:chart>
-    <c:autoTitleDeleted val="0"/>
     <c:plotArea>
       <c:layout/>
       <c:barChart>
         <c:barDir val="bar"/>
         <c:grouping val="clustered"/>
-        <c:varyColors val="0"/>
         <c:ser>
           <c:idx val="0"/>
           <c:order val="0"/>
@@ -729,7 +621,6 @@
               </c:strCache>
             </c:strRef>
           </c:tx>
-          <c:invertIfNegative val="0"/>
           <c:cat>
             <c:strRef>
               <c:f>Tabelle1!$A$2:$A$5</c:f>
@@ -786,7 +677,6 @@
               </c:strCache>
             </c:strRef>
           </c:tx>
-          <c:invertIfNegative val="0"/>
           <c:cat>
             <c:strRef>
               <c:f>Tabelle1!$A$2:$A$5</c:f>
@@ -829,42 +719,29 @@
             </c:numRef>
           </c:val>
         </c:ser>
-        <c:dLbls>
-          <c:showLegendKey val="0"/>
-          <c:showVal val="0"/>
-          <c:showCatName val="0"/>
-          <c:showSerName val="0"/>
-          <c:showPercent val="0"/>
-          <c:showBubbleSize val="0"/>
-        </c:dLbls>
-        <c:gapWidth val="150"/>
-        <c:axId val="145291520"/>
-        <c:axId val="145408000"/>
+        <c:dLbls/>
+        <c:axId val="84164608"/>
+        <c:axId val="84166144"/>
       </c:barChart>
       <c:catAx>
-        <c:axId val="145291520"/>
+        <c:axId val="84164608"/>
         <c:scaling>
           <c:orientation val="minMax"/>
         </c:scaling>
-        <c:delete val="0"/>
         <c:axPos val="l"/>
-        <c:majorTickMark val="out"/>
-        <c:minorTickMark val="none"/>
         <c:tickLblPos val="nextTo"/>
-        <c:crossAx val="145408000"/>
+        <c:crossAx val="84166144"/>
         <c:crosses val="autoZero"/>
         <c:auto val="1"/>
         <c:lblAlgn val="ctr"/>
         <c:lblOffset val="100"/>
-        <c:noMultiLvlLbl val="0"/>
       </c:catAx>
       <c:valAx>
-        <c:axId val="145408000"/>
+        <c:axId val="84166144"/>
         <c:scaling>
           <c:orientation val="minMax"/>
           <c:max val="700"/>
         </c:scaling>
-        <c:delete val="0"/>
         <c:axPos val="b"/>
         <c:majorGridlines/>
         <c:title>
@@ -893,13 +770,10 @@
             </c:rich>
           </c:tx>
           <c:layout/>
-          <c:overlay val="0"/>
         </c:title>
         <c:numFmt formatCode="General" sourceLinked="1"/>
-        <c:majorTickMark val="out"/>
-        <c:minorTickMark val="none"/>
         <c:tickLblPos val="nextTo"/>
-        <c:crossAx val="145291520"/>
+        <c:crossAx val="84164608"/>
         <c:crosses val="autoZero"/>
         <c:crossBetween val="between"/>
       </c:valAx>
@@ -907,11 +781,9 @@
     <c:legend>
       <c:legendPos val="t"/>
       <c:layout/>
-      <c:overlay val="0"/>
     </c:legend>
     <c:plotVisOnly val="1"/>
     <c:dispBlanksAs val="gap"/>
-    <c:showDLblsOverMax val="0"/>
   </c:chart>
   <c:txPr>
     <a:bodyPr/>
@@ -923,33 +795,19 @@
       <a:endParaRPr lang="de-DE"/>
     </a:p>
   </c:txPr>
-  <c:externalData r:id="rId1">
-    <c:autoUpdate val="0"/>
-  </c:externalData>
+  <c:externalData r:id="rId1"/>
 </c:chartSpace>
 </file>
 
 <file path=ppt/charts/chart5.xml><?xml version="1.0" encoding="utf-8"?>
 <c:chartSpace xmlns:c="http://schemas.openxmlformats.org/drawingml/2006/chart" xmlns:a="http://schemas.openxmlformats.org/drawingml/2006/main" xmlns:r="http://schemas.openxmlformats.org/officeDocument/2006/relationships">
-  <c:date1904 val="0"/>
   <c:lang val="de-DE"/>
-  <c:roundedCorners val="0"/>
-  <mc:AlternateContent xmlns:mc="http://schemas.openxmlformats.org/markup-compatibility/2006">
-    <mc:Choice xmlns:c14="http://schemas.microsoft.com/office/drawing/2007/8/2/chart" Requires="c14">
-      <c14:style val="102"/>
-    </mc:Choice>
-    <mc:Fallback>
-      <c:style val="2"/>
-    </mc:Fallback>
-  </mc:AlternateContent>
   <c:chart>
-    <c:autoTitleDeleted val="0"/>
     <c:plotArea>
       <c:layout/>
       <c:barChart>
         <c:barDir val="bar"/>
         <c:grouping val="clustered"/>
-        <c:varyColors val="0"/>
         <c:ser>
           <c:idx val="0"/>
           <c:order val="0"/>
@@ -964,7 +822,6 @@
               </c:strCache>
             </c:strRef>
           </c:tx>
-          <c:invertIfNegative val="0"/>
           <c:cat>
             <c:strRef>
               <c:f>Tabelle1!$A$2:$A$5</c:f>
@@ -992,7 +849,7 @@
                 <c:formatCode>General</c:formatCode>
                 <c:ptCount val="4"/>
                 <c:pt idx="0">
-                  <c:v>51.222000000000037</c:v>
+                  <c:v>51.222000000000072</c:v>
                 </c:pt>
                 <c:pt idx="1">
                   <c:v>8.782</c:v>
@@ -1021,7 +878,6 @@
               </c:strCache>
             </c:strRef>
           </c:tx>
-          <c:invertIfNegative val="0"/>
           <c:cat>
             <c:strRef>
               <c:f>Tabelle1!$A$2:$A$5</c:f>
@@ -1064,43 +920,30 @@
             </c:numRef>
           </c:val>
         </c:ser>
-        <c:dLbls>
-          <c:showLegendKey val="0"/>
-          <c:showVal val="0"/>
-          <c:showCatName val="0"/>
-          <c:showSerName val="0"/>
-          <c:showPercent val="0"/>
-          <c:showBubbleSize val="0"/>
-        </c:dLbls>
-        <c:gapWidth val="150"/>
-        <c:axId val="145517184"/>
-        <c:axId val="145535360"/>
+        <c:dLbls/>
+        <c:axId val="84630528"/>
+        <c:axId val="84636416"/>
       </c:barChart>
       <c:catAx>
-        <c:axId val="145517184"/>
+        <c:axId val="84630528"/>
         <c:scaling>
           <c:orientation val="minMax"/>
         </c:scaling>
-        <c:delete val="0"/>
         <c:axPos val="l"/>
-        <c:majorTickMark val="out"/>
-        <c:minorTickMark val="none"/>
         <c:tickLblPos val="nextTo"/>
-        <c:crossAx val="145535360"/>
+        <c:crossAx val="84636416"/>
         <c:crosses val="autoZero"/>
         <c:auto val="1"/>
         <c:lblAlgn val="ctr"/>
         <c:lblOffset val="100"/>
-        <c:noMultiLvlLbl val="0"/>
       </c:catAx>
       <c:valAx>
-        <c:axId val="145535360"/>
+        <c:axId val="84636416"/>
         <c:scaling>
           <c:orientation val="minMax"/>
           <c:max val="130"/>
           <c:min val="0"/>
         </c:scaling>
-        <c:delete val="0"/>
         <c:axPos val="b"/>
         <c:majorGridlines/>
         <c:title>
@@ -1124,26 +967,19 @@
               </a:p>
             </c:rich>
           </c:tx>
-          <c:layout/>
-          <c:overlay val="0"/>
         </c:title>
         <c:numFmt formatCode="General" sourceLinked="1"/>
-        <c:majorTickMark val="out"/>
-        <c:minorTickMark val="none"/>
         <c:tickLblPos val="nextTo"/>
-        <c:crossAx val="145517184"/>
+        <c:crossAx val="84630528"/>
         <c:crosses val="autoZero"/>
         <c:crossBetween val="between"/>
       </c:valAx>
     </c:plotArea>
     <c:legend>
       <c:legendPos val="t"/>
-      <c:layout/>
-      <c:overlay val="0"/>
     </c:legend>
     <c:plotVisOnly val="1"/>
     <c:dispBlanksAs val="gap"/>
-    <c:showDLblsOverMax val="0"/>
   </c:chart>
   <c:txPr>
     <a:bodyPr/>
@@ -1155,33 +991,19 @@
       <a:endParaRPr lang="de-DE"/>
     </a:p>
   </c:txPr>
-  <c:externalData r:id="rId1">
-    <c:autoUpdate val="0"/>
-  </c:externalData>
+  <c:externalData r:id="rId1"/>
 </c:chartSpace>
 </file>
 
 <file path=ppt/charts/chart6.xml><?xml version="1.0" encoding="utf-8"?>
 <c:chartSpace xmlns:c="http://schemas.openxmlformats.org/drawingml/2006/chart" xmlns:a="http://schemas.openxmlformats.org/drawingml/2006/main" xmlns:r="http://schemas.openxmlformats.org/officeDocument/2006/relationships">
-  <c:date1904 val="0"/>
   <c:lang val="de-DE"/>
-  <c:roundedCorners val="0"/>
-  <mc:AlternateContent xmlns:mc="http://schemas.openxmlformats.org/markup-compatibility/2006">
-    <mc:Choice xmlns:c14="http://schemas.microsoft.com/office/drawing/2007/8/2/chart" Requires="c14">
-      <c14:style val="102"/>
-    </mc:Choice>
-    <mc:Fallback>
-      <c:style val="2"/>
-    </mc:Fallback>
-  </mc:AlternateContent>
   <c:chart>
-    <c:autoTitleDeleted val="0"/>
     <c:plotArea>
       <c:layout/>
       <c:barChart>
         <c:barDir val="bar"/>
         <c:grouping val="clustered"/>
-        <c:varyColors val="0"/>
         <c:ser>
           <c:idx val="0"/>
           <c:order val="0"/>
@@ -1196,7 +1018,6 @@
               </c:strCache>
             </c:strRef>
           </c:tx>
-          <c:invertIfNegative val="0"/>
           <c:cat>
             <c:strRef>
               <c:f>Tabelle1!$A$2:$A$5</c:f>
@@ -1233,7 +1054,7 @@
                   <c:v>130762.0505</c:v>
                 </c:pt>
                 <c:pt idx="3">
-                  <c:v>109173.62410000007</c:v>
+                  <c:v>109173.62410000013</c:v>
                 </c:pt>
               </c:numCache>
             </c:numRef>
@@ -1253,7 +1074,6 @@
               </c:strCache>
             </c:strRef>
           </c:tx>
-          <c:invertIfNegative val="0"/>
           <c:cat>
             <c:strRef>
               <c:f>Tabelle1!$A$2:$A$5</c:f>
@@ -1284,10 +1104,10 @@
                   <c:v>105970.12580000002</c:v>
                 </c:pt>
                 <c:pt idx="1">
-                  <c:v>65803.216499999922</c:v>
+                  <c:v>65803.216499999908</c:v>
                 </c:pt>
                 <c:pt idx="2">
-                  <c:v>838185.47429999919</c:v>
+                  <c:v>838185.47429999872</c:v>
                 </c:pt>
                 <c:pt idx="3">
                   <c:v>126062.7588</c:v>
@@ -1296,61 +1116,43 @@
             </c:numRef>
           </c:val>
         </c:ser>
-        <c:dLbls>
-          <c:showLegendKey val="0"/>
-          <c:showVal val="0"/>
-          <c:showCatName val="0"/>
-          <c:showSerName val="0"/>
-          <c:showPercent val="0"/>
-          <c:showBubbleSize val="0"/>
-        </c:dLbls>
-        <c:gapWidth val="150"/>
-        <c:axId val="75650560"/>
-        <c:axId val="75653504"/>
+        <c:dLbls/>
+        <c:axId val="84707584"/>
+        <c:axId val="84717568"/>
       </c:barChart>
       <c:catAx>
-        <c:axId val="75650560"/>
+        <c:axId val="84707584"/>
         <c:scaling>
           <c:orientation val="minMax"/>
         </c:scaling>
-        <c:delete val="0"/>
         <c:axPos val="l"/>
-        <c:majorTickMark val="out"/>
-        <c:minorTickMark val="none"/>
         <c:tickLblPos val="nextTo"/>
-        <c:crossAx val="75653504"/>
+        <c:crossAx val="84717568"/>
         <c:crosses val="autoZero"/>
         <c:auto val="1"/>
         <c:lblAlgn val="ctr"/>
         <c:lblOffset val="100"/>
-        <c:noMultiLvlLbl val="0"/>
       </c:catAx>
       <c:valAx>
-        <c:axId val="75653504"/>
+        <c:axId val="84717568"/>
         <c:scaling>
           <c:orientation val="minMax"/>
           <c:max val="900000"/>
         </c:scaling>
-        <c:delete val="0"/>
         <c:axPos val="b"/>
         <c:majorGridlines/>
         <c:numFmt formatCode="General" sourceLinked="1"/>
-        <c:majorTickMark val="out"/>
-        <c:minorTickMark val="none"/>
         <c:tickLblPos val="nextTo"/>
-        <c:crossAx val="75650560"/>
+        <c:crossAx val="84707584"/>
         <c:crosses val="autoZero"/>
         <c:crossBetween val="between"/>
       </c:valAx>
     </c:plotArea>
     <c:legend>
       <c:legendPos val="t"/>
-      <c:layout/>
-      <c:overlay val="0"/>
     </c:legend>
     <c:plotVisOnly val="1"/>
     <c:dispBlanksAs val="gap"/>
-    <c:showDLblsOverMax val="0"/>
   </c:chart>
   <c:txPr>
     <a:bodyPr/>
@@ -1362,9 +1164,7 @@
       <a:endParaRPr lang="de-DE"/>
     </a:p>
   </c:txPr>
-  <c:externalData r:id="rId1">
-    <c:autoUpdate val="0"/>
-  </c:externalData>
+  <c:externalData r:id="rId1"/>
 </c:chartSpace>
 </file>
 
@@ -1690,7 +1490,7 @@
     </p:spTree>
     <p:extLst>
       <p:ext uri="{BB962C8B-B14F-4D97-AF65-F5344CB8AC3E}">
-        <p14:creationId xmlns:p14="http://schemas.microsoft.com/office/powerpoint/2010/main" val="4020156663"/>
+        <p14:creationId xmlns:p14="http://schemas.microsoft.com/office/powerpoint/2010/main" xmlns="" val="4020156663"/>
       </p:ext>
     </p:extLst>
   </p:cSld>
@@ -4807,7 +4607,7 @@
           <a:p>
             <a:r>
               <a:rPr lang="de-DE" dirty="0" smtClean="0"/>
-              <a:t>MFCC: ARM-Optimierung (1)</a:t>
+              <a:t>MFCC: Filterbank-Optimierung ARM (1)</a:t>
             </a:r>
             <a:endParaRPr lang="de-DE" dirty="0"/>
           </a:p>
@@ -4823,75 +4623,63 @@
             <p:ph idx="1"/>
           </p:nvPr>
         </p:nvSpPr>
-        <p:spPr/>
+        <p:spPr>
+          <a:xfrm>
+            <a:off x="503238" y="3284984"/>
+            <a:ext cx="8412162" cy="3039616"/>
+          </a:xfrm>
+        </p:spPr>
         <p:txBody>
           <a:bodyPr/>
           <a:lstStyle/>
           <a:p>
-            <a:r>
-              <a:rPr lang="de-DE" dirty="0" smtClean="0"/>
-              <a:t>Drei Schritte mit unterschiedlichen Laufzeitanteilen</a:t>
-            </a:r>
-            <a:endParaRPr lang="de-DE" dirty="0"/>
-          </a:p>
-          <a:p>
-            <a:r>
-              <a:rPr lang="de-DE" dirty="0" smtClean="0"/>
-              <a:t>Filterbank hat größten Anteil</a:t>
-            </a:r>
-          </a:p>
-          <a:p>
             <a:pPr marL="0" indent="0">
               <a:buNone/>
             </a:pPr>
-            <a:endParaRPr lang="de-DE" b="1" u="sng" dirty="0"/>
+            <a:r>
+              <a:rPr lang="de-DE" b="1" u="sng" dirty="0" smtClean="0"/>
+              <a:t>Herausforderung:</a:t>
+            </a:r>
+          </a:p>
+          <a:p>
+            <a:r>
+              <a:rPr lang="de-DE" dirty="0" smtClean="0"/>
+              <a:t>Verschachtelte Schleifen</a:t>
+            </a:r>
+          </a:p>
+          <a:p>
+            <a:r>
+              <a:rPr lang="de-DE" dirty="0" smtClean="0"/>
+              <a:t>Unterschiedliche Durchläufe je Filterbank-Element</a:t>
+            </a:r>
           </a:p>
           <a:p>
             <a:pPr marL="0" indent="0">
               <a:buNone/>
             </a:pPr>
-            <a:endParaRPr lang="de-DE" b="1" u="sng" dirty="0" smtClean="0"/>
-          </a:p>
-          <a:p>
-            <a:pPr marL="0" indent="0">
-              <a:buNone/>
-            </a:pPr>
             <a:r>
               <a:rPr lang="de-DE" b="1" u="sng" dirty="0" smtClean="0"/>
-              <a:t>Erschwernis:</a:t>
+              <a:t>Idee:</a:t>
             </a:r>
           </a:p>
           <a:p>
             <a:r>
               <a:rPr lang="de-DE" dirty="0" smtClean="0"/>
-              <a:t>Filterbank = Akkumulation mit verschachtelten Schleifen</a:t>
+              <a:t>Unterteilung der Durchläufe in Abschnitte mit bestimmten Eigenschaften (4 parallele, 2 parallele und 1 Operation) </a:t>
             </a:r>
           </a:p>
           <a:p>
             <a:r>
               <a:rPr lang="de-DE" dirty="0" smtClean="0"/>
-              <a:t>Schleifen werden pro Durchlauf unterschiedlich oft ausgeführt.</a:t>
-            </a:r>
-          </a:p>
-          <a:p>
-            <a:pPr marL="0" indent="0">
-              <a:buNone/>
-            </a:pPr>
-            <a:r>
-              <a:rPr lang="de-DE" b="1" u="sng" dirty="0" smtClean="0"/>
-              <a:t>Lösungsansatz:</a:t>
-            </a:r>
-          </a:p>
-          <a:p>
+              <a:t>Ausnutzung von SIMD-</a:t>
+            </a:r>
+            <a:r>
+              <a:rPr lang="de-DE" dirty="0" err="1" smtClean="0"/>
+              <a:t>Intrinsics</a:t>
+            </a:r>
             <a:r>
               <a:rPr lang="de-DE" dirty="0" smtClean="0"/>
-              <a:t>Aufteilung in Abschnitte mit 4, 2 und 1 Operation</a:t>
-            </a:r>
-          </a:p>
-          <a:p>
-            <a:r>
-              <a:rPr lang="de-DE" dirty="0" smtClean="0"/>
-              <a:t>Ausnutzung von SIMD zur Berechnung der Filterbank-Anwendung</a:t>
+              <a:t> und der NEON-SIMD-Einheit</a:t>
             </a:r>
           </a:p>
           <a:p>
@@ -4902,6 +4690,405 @@
           </a:p>
         </p:txBody>
       </p:sp>
+      <p:sp>
+        <p:nvSpPr>
+          <p:cNvPr id="2" name="Rechteck 1"/>
+          <p:cNvSpPr/>
+          <p:nvPr/>
+        </p:nvSpPr>
+        <p:spPr bwMode="auto">
+          <a:xfrm>
+            <a:off x="1619672" y="1620440"/>
+            <a:ext cx="720080" cy="584424"/>
+          </a:xfrm>
+          <a:prstGeom prst="rect">
+            <a:avLst/>
+          </a:prstGeom>
+          <a:solidFill>
+            <a:schemeClr val="accent2"/>
+          </a:solidFill>
+          <a:ln w="9525" cap="flat" cmpd="sng" algn="ctr">
+            <a:solidFill>
+              <a:schemeClr val="tx1"/>
+            </a:solidFill>
+            <a:prstDash val="solid"/>
+            <a:round/>
+            <a:headEnd type="none" w="med" len="med"/>
+            <a:tailEnd type="none" w="med" len="med"/>
+          </a:ln>
+          <a:effectLst/>
+        </p:spPr>
+        <p:txBody>
+          <a:bodyPr vert="horz" wrap="square" lIns="91440" tIns="45720" rIns="91440" bIns="45720" numCol="1" rtlCol="0" anchor="ctr" anchorCtr="0" compatLnSpc="1">
+            <a:prstTxWarp prst="textNoShape">
+              <a:avLst/>
+            </a:prstTxWarp>
+          </a:bodyPr>
+          <a:lstStyle/>
+          <a:p>
+            <a:pPr marL="0" marR="0" indent="0" algn="ctr" defTabSz="914400" rtl="0" eaLnBrk="0" fontAlgn="base" latinLnBrk="0" hangingPunct="0">
+              <a:lnSpc>
+                <a:spcPct val="100000"/>
+              </a:lnSpc>
+              <a:spcBef>
+                <a:spcPct val="0"/>
+              </a:spcBef>
+              <a:spcAft>
+                <a:spcPct val="0"/>
+              </a:spcAft>
+              <a:buClrTx/>
+              <a:buSzTx/>
+              <a:buFontTx/>
+              <a:buNone/>
+              <a:tabLst/>
+            </a:pPr>
+            <a:r>
+              <a:rPr kumimoji="0" lang="de-DE" sz="1600" b="0" i="0" u="none" strike="noStrike" cap="none" normalizeH="0" baseline="0" dirty="0" smtClean="0">
+                <a:ln>
+                  <a:noFill/>
+                </a:ln>
+                <a:solidFill>
+                  <a:schemeClr val="tx1"/>
+                </a:solidFill>
+                <a:effectLst/>
+                <a:latin typeface="+mn-lt"/>
+                <a:ea typeface="ＭＳ Ｐゴシック" pitchFamily="1" charset="-128"/>
+              </a:rPr>
+              <a:t>L1P-Cache</a:t>
+            </a:r>
+          </a:p>
+        </p:txBody>
+      </p:sp>
+      <p:sp>
+        <p:nvSpPr>
+          <p:cNvPr id="4" name="Rechteck 3"/>
+          <p:cNvSpPr/>
+          <p:nvPr/>
+        </p:nvSpPr>
+        <p:spPr bwMode="auto">
+          <a:xfrm>
+            <a:off x="2843808" y="1628800"/>
+            <a:ext cx="1296144" cy="792088"/>
+          </a:xfrm>
+          <a:prstGeom prst="rect">
+            <a:avLst/>
+          </a:prstGeom>
+          <a:solidFill>
+            <a:schemeClr val="accent2"/>
+          </a:solidFill>
+          <a:ln w="9525" cap="flat" cmpd="sng" algn="ctr">
+            <a:solidFill>
+              <a:schemeClr val="tx1"/>
+            </a:solidFill>
+            <a:prstDash val="solid"/>
+            <a:round/>
+            <a:headEnd type="none" w="med" len="med"/>
+            <a:tailEnd type="none" w="med" len="med"/>
+          </a:ln>
+          <a:effectLst/>
+        </p:spPr>
+        <p:txBody>
+          <a:bodyPr vert="horz" wrap="square" lIns="91440" tIns="45720" rIns="91440" bIns="45720" numCol="1" rtlCol="0" anchor="ctr" anchorCtr="0" compatLnSpc="1">
+            <a:prstTxWarp prst="textNoShape">
+              <a:avLst/>
+            </a:prstTxWarp>
+          </a:bodyPr>
+          <a:lstStyle/>
+          <a:p>
+            <a:pPr marL="0" marR="0" indent="0" algn="ctr" defTabSz="914400" rtl="0" eaLnBrk="0" fontAlgn="base" latinLnBrk="0" hangingPunct="0">
+              <a:lnSpc>
+                <a:spcPct val="100000"/>
+              </a:lnSpc>
+              <a:spcBef>
+                <a:spcPct val="0"/>
+              </a:spcBef>
+              <a:spcAft>
+                <a:spcPct val="0"/>
+              </a:spcAft>
+              <a:buClrTx/>
+              <a:buSzTx/>
+              <a:buFontTx/>
+              <a:buNone/>
+              <a:tabLst/>
+            </a:pPr>
+            <a:r>
+              <a:rPr kumimoji="0" lang="de-DE" sz="1600" b="0" i="0" u="none" strike="noStrike" cap="none" normalizeH="0" baseline="0" dirty="0" smtClean="0">
+                <a:ln>
+                  <a:noFill/>
+                </a:ln>
+                <a:solidFill>
+                  <a:schemeClr val="tx1"/>
+                </a:solidFill>
+                <a:effectLst/>
+                <a:latin typeface="+mn-lt"/>
+                <a:ea typeface="ＭＳ Ｐゴシック" pitchFamily="1" charset="-128"/>
+              </a:rPr>
+              <a:t>ARMv7-Kern</a:t>
+            </a:r>
+          </a:p>
+        </p:txBody>
+      </p:sp>
+      <p:sp>
+        <p:nvSpPr>
+          <p:cNvPr id="6" name="Rechteck 5"/>
+          <p:cNvSpPr/>
+          <p:nvPr/>
+        </p:nvSpPr>
+        <p:spPr bwMode="auto">
+          <a:xfrm>
+            <a:off x="5076056" y="1628800"/>
+            <a:ext cx="1296144" cy="792088"/>
+          </a:xfrm>
+          <a:prstGeom prst="rect">
+            <a:avLst/>
+          </a:prstGeom>
+          <a:solidFill>
+            <a:schemeClr val="accent2"/>
+          </a:solidFill>
+          <a:ln w="9525" cap="flat" cmpd="sng" algn="ctr">
+            <a:solidFill>
+              <a:schemeClr val="tx1"/>
+            </a:solidFill>
+            <a:prstDash val="solid"/>
+            <a:round/>
+            <a:headEnd type="none" w="med" len="med"/>
+            <a:tailEnd type="none" w="med" len="med"/>
+          </a:ln>
+          <a:effectLst/>
+        </p:spPr>
+        <p:txBody>
+          <a:bodyPr vert="horz" wrap="square" lIns="91440" tIns="45720" rIns="91440" bIns="45720" numCol="1" rtlCol="0" anchor="ctr" anchorCtr="0" compatLnSpc="1">
+            <a:prstTxWarp prst="textNoShape">
+              <a:avLst/>
+            </a:prstTxWarp>
+          </a:bodyPr>
+          <a:lstStyle/>
+          <a:p>
+            <a:pPr marL="0" marR="0" indent="0" algn="ctr" defTabSz="914400" rtl="0" eaLnBrk="0" fontAlgn="base" latinLnBrk="0" hangingPunct="0">
+              <a:lnSpc>
+                <a:spcPct val="100000"/>
+              </a:lnSpc>
+              <a:spcBef>
+                <a:spcPct val="0"/>
+              </a:spcBef>
+              <a:spcAft>
+                <a:spcPct val="0"/>
+              </a:spcAft>
+              <a:buClrTx/>
+              <a:buSzTx/>
+              <a:buFontTx/>
+              <a:buNone/>
+              <a:tabLst/>
+            </a:pPr>
+            <a:r>
+              <a:rPr kumimoji="0" lang="de-DE" sz="1600" b="0" i="0" u="none" strike="noStrike" cap="none" normalizeH="0" baseline="0" dirty="0" smtClean="0">
+                <a:ln>
+                  <a:noFill/>
+                </a:ln>
+                <a:solidFill>
+                  <a:schemeClr val="tx1"/>
+                </a:solidFill>
+                <a:effectLst/>
+                <a:latin typeface="+mn-lt"/>
+                <a:ea typeface="ＭＳ Ｐゴシック" pitchFamily="1" charset="-128"/>
+              </a:rPr>
+              <a:t>NEON-SIMD-Einheit</a:t>
+            </a:r>
+          </a:p>
+        </p:txBody>
+      </p:sp>
+      <p:sp>
+        <p:nvSpPr>
+          <p:cNvPr id="7" name="Rechteck 6"/>
+          <p:cNvSpPr/>
+          <p:nvPr/>
+        </p:nvSpPr>
+        <p:spPr bwMode="auto">
+          <a:xfrm>
+            <a:off x="2843808" y="2765698"/>
+            <a:ext cx="3528392" cy="495672"/>
+          </a:xfrm>
+          <a:prstGeom prst="rect">
+            <a:avLst/>
+          </a:prstGeom>
+          <a:solidFill>
+            <a:schemeClr val="accent2"/>
+          </a:solidFill>
+          <a:ln w="9525" cap="flat" cmpd="sng" algn="ctr">
+            <a:solidFill>
+              <a:schemeClr val="tx1"/>
+            </a:solidFill>
+            <a:prstDash val="solid"/>
+            <a:round/>
+            <a:headEnd type="none" w="med" len="med"/>
+            <a:tailEnd type="none" w="med" len="med"/>
+          </a:ln>
+          <a:effectLst/>
+        </p:spPr>
+        <p:txBody>
+          <a:bodyPr vert="horz" wrap="square" lIns="91440" tIns="45720" rIns="91440" bIns="45720" numCol="1" rtlCol="0" anchor="ctr" anchorCtr="0" compatLnSpc="1">
+            <a:prstTxWarp prst="textNoShape">
+              <a:avLst/>
+            </a:prstTxWarp>
+          </a:bodyPr>
+          <a:lstStyle/>
+          <a:p>
+            <a:pPr marL="0" marR="0" indent="0" algn="ctr" defTabSz="914400" rtl="0" eaLnBrk="0" fontAlgn="base" latinLnBrk="0" hangingPunct="0">
+              <a:lnSpc>
+                <a:spcPct val="100000"/>
+              </a:lnSpc>
+              <a:spcBef>
+                <a:spcPct val="0"/>
+              </a:spcBef>
+              <a:spcAft>
+                <a:spcPct val="0"/>
+              </a:spcAft>
+              <a:buClrTx/>
+              <a:buSzTx/>
+              <a:buFontTx/>
+              <a:buNone/>
+              <a:tabLst/>
+            </a:pPr>
+            <a:r>
+              <a:rPr kumimoji="0" lang="de-DE" sz="1600" b="0" i="0" u="none" strike="noStrike" cap="none" normalizeH="0" baseline="0" dirty="0" smtClean="0">
+                <a:ln>
+                  <a:noFill/>
+                </a:ln>
+                <a:solidFill>
+                  <a:schemeClr val="tx1"/>
+                </a:solidFill>
+                <a:effectLst/>
+                <a:latin typeface="+mn-lt"/>
+                <a:ea typeface="ＭＳ Ｐゴシック" pitchFamily="1" charset="-128"/>
+              </a:rPr>
+              <a:t>L2-Cache</a:t>
+            </a:r>
+          </a:p>
+        </p:txBody>
+      </p:sp>
+      <p:cxnSp>
+        <p:nvCxnSpPr>
+          <p:cNvPr id="9" name="Gerade Verbindung mit Pfeil 8"/>
+          <p:cNvCxnSpPr>
+            <a:stCxn id="2" idx="3"/>
+          </p:cNvCxnSpPr>
+          <p:nvPr/>
+        </p:nvCxnSpPr>
+        <p:spPr bwMode="auto">
+          <a:xfrm>
+            <a:off x="2339752" y="1912652"/>
+            <a:ext cx="504056" cy="0"/>
+          </a:xfrm>
+          <a:prstGeom prst="straightConnector1">
+            <a:avLst/>
+          </a:prstGeom>
+          <a:solidFill>
+            <a:schemeClr val="accent1"/>
+          </a:solidFill>
+          <a:ln w="9525" cap="flat" cmpd="sng" algn="ctr">
+            <a:solidFill>
+              <a:schemeClr val="tx1"/>
+            </a:solidFill>
+            <a:prstDash val="solid"/>
+            <a:round/>
+            <a:headEnd type="none" w="med" len="med"/>
+            <a:tailEnd type="triangle"/>
+          </a:ln>
+          <a:effectLst/>
+        </p:spPr>
+      </p:cxnSp>
+      <p:cxnSp>
+        <p:nvCxnSpPr>
+          <p:cNvPr id="11" name="Gerade Verbindung mit Pfeil 10"/>
+          <p:cNvCxnSpPr>
+            <a:stCxn id="4" idx="2"/>
+          </p:cNvCxnSpPr>
+          <p:nvPr/>
+        </p:nvCxnSpPr>
+        <p:spPr bwMode="auto">
+          <a:xfrm>
+            <a:off x="3491880" y="2420888"/>
+            <a:ext cx="0" cy="344810"/>
+          </a:xfrm>
+          <a:prstGeom prst="straightConnector1">
+            <a:avLst/>
+          </a:prstGeom>
+          <a:solidFill>
+            <a:schemeClr val="accent1"/>
+          </a:solidFill>
+          <a:ln w="9525" cap="flat" cmpd="sng" algn="ctr">
+            <a:solidFill>
+              <a:schemeClr val="tx1"/>
+            </a:solidFill>
+            <a:prstDash val="solid"/>
+            <a:round/>
+            <a:headEnd type="triangle" w="med" len="med"/>
+            <a:tailEnd type="triangle"/>
+          </a:ln>
+          <a:effectLst/>
+        </p:spPr>
+      </p:cxnSp>
+      <p:cxnSp>
+        <p:nvCxnSpPr>
+          <p:cNvPr id="12" name="Gerade Verbindung mit Pfeil 11"/>
+          <p:cNvCxnSpPr/>
+          <p:nvPr/>
+        </p:nvCxnSpPr>
+        <p:spPr bwMode="auto">
+          <a:xfrm>
+            <a:off x="5724128" y="2420888"/>
+            <a:ext cx="0" cy="344810"/>
+          </a:xfrm>
+          <a:prstGeom prst="straightConnector1">
+            <a:avLst/>
+          </a:prstGeom>
+          <a:solidFill>
+            <a:schemeClr val="accent1"/>
+          </a:solidFill>
+          <a:ln w="9525" cap="flat" cmpd="sng" algn="ctr">
+            <a:solidFill>
+              <a:schemeClr val="tx1"/>
+            </a:solidFill>
+            <a:prstDash val="solid"/>
+            <a:round/>
+            <a:headEnd type="triangle" w="med" len="med"/>
+            <a:tailEnd type="triangle"/>
+          </a:ln>
+          <a:effectLst/>
+        </p:spPr>
+      </p:cxnSp>
+      <p:cxnSp>
+        <p:nvCxnSpPr>
+          <p:cNvPr id="13" name="Gerade Verbindung mit Pfeil 12"/>
+          <p:cNvCxnSpPr>
+            <a:stCxn id="4" idx="3"/>
+            <a:endCxn id="6" idx="1"/>
+          </p:cNvCxnSpPr>
+          <p:nvPr/>
+        </p:nvCxnSpPr>
+        <p:spPr bwMode="auto">
+          <a:xfrm>
+            <a:off x="4139952" y="2024844"/>
+            <a:ext cx="936104" cy="0"/>
+          </a:xfrm>
+          <a:prstGeom prst="straightConnector1">
+            <a:avLst/>
+          </a:prstGeom>
+          <a:solidFill>
+            <a:schemeClr val="accent1"/>
+          </a:solidFill>
+          <a:ln w="9525" cap="flat" cmpd="sng" algn="ctr">
+            <a:solidFill>
+              <a:schemeClr val="tx1"/>
+            </a:solidFill>
+            <a:prstDash val="solid"/>
+            <a:round/>
+            <a:headEnd type="none" w="med" len="med"/>
+            <a:tailEnd type="triangle"/>
+          </a:ln>
+          <a:effectLst/>
+        </p:spPr>
+      </p:cxnSp>
     </p:spTree>
   </p:cSld>
   <p:clrMapOvr>
@@ -4936,215 +5123,661 @@
       </p:grpSpPr>
       <p:sp>
         <p:nvSpPr>
-          <p:cNvPr id="2" name="Inhaltsplatzhalter 1"/>
-          <p:cNvSpPr>
-            <a:spLocks noGrp="1"/>
-          </p:cNvSpPr>
-          <p:nvPr>
-            <p:ph idx="1"/>
-          </p:nvPr>
+          <p:cNvPr id="6" name="Textfeld 5"/>
+          <p:cNvSpPr txBox="1"/>
+          <p:nvPr/>
         </p:nvSpPr>
-        <p:spPr/>
+        <p:spPr>
+          <a:xfrm>
+            <a:off x="4211960" y="1700808"/>
+            <a:ext cx="4932040" cy="4832092"/>
+          </a:xfrm>
+          <a:prstGeom prst="rect">
+            <a:avLst/>
+          </a:prstGeom>
+          <a:noFill/>
+        </p:spPr>
         <p:txBody>
-          <a:bodyPr/>
+          <a:bodyPr wrap="square" rtlCol="0">
+            <a:spAutoFit/>
+          </a:bodyPr>
           <a:lstStyle/>
           <a:p>
-            <a:pPr marL="0" indent="0">
-              <a:buNone/>
-            </a:pPr>
-            <a:r>
-              <a:rPr lang="de-DE" b="1" u="sng" dirty="0" smtClean="0"/>
-              <a:t>Prinzip der Optimierung:</a:t>
-            </a:r>
-          </a:p>
-          <a:p>
-            <a:r>
-              <a:rPr lang="de-DE" dirty="0" smtClean="0"/>
-              <a:t>Anzahl von 4 parallelen Operationen berechnen</a:t>
-            </a:r>
-          </a:p>
-          <a:p>
-            <a:r>
-              <a:rPr lang="de-DE" dirty="0" smtClean="0"/>
-              <a:t>Sooft 4 Operationen parallel ausführen</a:t>
-            </a:r>
-          </a:p>
-          <a:p>
-            <a:r>
-              <a:rPr lang="de-DE" dirty="0" err="1" smtClean="0"/>
-              <a:t>Opt</a:t>
-            </a:r>
-            <a:r>
-              <a:rPr lang="de-DE" dirty="0" smtClean="0"/>
-              <a:t>. 2 Operationen parallel ausführen</a:t>
-            </a:r>
-          </a:p>
-          <a:p>
-            <a:r>
-              <a:rPr lang="de-DE" dirty="0" err="1" smtClean="0"/>
-              <a:t>Opt</a:t>
-            </a:r>
-            <a:r>
-              <a:rPr lang="de-DE" dirty="0" smtClean="0"/>
-              <a:t>. 1 Operation ausführen</a:t>
-            </a:r>
-          </a:p>
-          <a:p>
-            <a:r>
-              <a:rPr lang="de-DE" dirty="0" smtClean="0"/>
-              <a:t>Teilergebnisse aufsummieren</a:t>
-            </a:r>
-          </a:p>
-          <a:p>
-            <a:pPr marL="0" indent="0">
-              <a:buNone/>
-            </a:pPr>
-            <a:endParaRPr lang="de-DE" dirty="0" smtClean="0"/>
-          </a:p>
-          <a:p>
-            <a:pPr marL="0" indent="0">
-              <a:buNone/>
-            </a:pPr>
-            <a:r>
-              <a:rPr lang="de-DE" b="1" u="sng" dirty="0" smtClean="0"/>
-              <a:t>Ergebnis:</a:t>
-            </a:r>
-          </a:p>
-          <a:p>
-            <a:pPr marL="0" indent="0">
-              <a:buNone/>
-            </a:pPr>
-            <a:r>
-              <a:rPr lang="de-DE" dirty="0" smtClean="0"/>
-              <a:t>Beschleunigung der MFCC-Extraktion um den</a:t>
-            </a:r>
-          </a:p>
-          <a:p>
-            <a:pPr marL="0" indent="0">
-              <a:buNone/>
-            </a:pPr>
-            <a:r>
-              <a:rPr lang="de-DE" dirty="0" smtClean="0"/>
-              <a:t>Faktor 1,9</a:t>
-            </a:r>
-          </a:p>
-          <a:p>
-            <a:endParaRPr lang="de-DE" dirty="0"/>
+            <a:r>
+              <a:rPr lang="de-DE" sz="1400" dirty="0" err="1" smtClean="0">
+                <a:latin typeface="+mn-lt"/>
+                <a:cs typeface="Times New Roman" panose="02020603050405020304" pitchFamily="18" charset="0"/>
+              </a:rPr>
+              <a:t>for</a:t>
+            </a:r>
+            <a:r>
+              <a:rPr lang="de-DE" sz="1400" dirty="0" smtClean="0">
+                <a:latin typeface="+mn-lt"/>
+                <a:cs typeface="Times New Roman" panose="02020603050405020304" pitchFamily="18" charset="0"/>
+              </a:rPr>
+              <a:t> (</a:t>
+            </a:r>
+            <a:r>
+              <a:rPr lang="de-DE" sz="1400" dirty="0" err="1" smtClean="0">
+                <a:latin typeface="+mn-lt"/>
+                <a:cs typeface="Times New Roman" panose="02020603050405020304" pitchFamily="18" charset="0"/>
+              </a:rPr>
+              <a:t>unsigned</a:t>
+            </a:r>
+            <a:r>
+              <a:rPr lang="de-DE" sz="1400" dirty="0" smtClean="0">
+                <a:latin typeface="+mn-lt"/>
+                <a:cs typeface="Times New Roman" panose="02020603050405020304" pitchFamily="18" charset="0"/>
+              </a:rPr>
+              <a:t> </a:t>
+            </a:r>
+            <a:r>
+              <a:rPr lang="de-DE" sz="1400" dirty="0" err="1" smtClean="0">
+                <a:latin typeface="+mn-lt"/>
+                <a:cs typeface="Times New Roman" panose="02020603050405020304" pitchFamily="18" charset="0"/>
+              </a:rPr>
+              <a:t>int</a:t>
+            </a:r>
+            <a:r>
+              <a:rPr lang="de-DE" sz="1400" dirty="0" smtClean="0">
+                <a:latin typeface="+mn-lt"/>
+                <a:cs typeface="Times New Roman" panose="02020603050405020304" pitchFamily="18" charset="0"/>
+              </a:rPr>
+              <a:t> m = 1; m &lt;= M; m++) {</a:t>
+            </a:r>
+          </a:p>
+          <a:p>
+            <a:r>
+              <a:rPr lang="de-DE" sz="1400" dirty="0" smtClean="0">
+                <a:latin typeface="+mn-lt"/>
+                <a:cs typeface="Times New Roman" panose="02020603050405020304" pitchFamily="18" charset="0"/>
+              </a:rPr>
+              <a:t>       </a:t>
+            </a:r>
+            <a:r>
+              <a:rPr lang="de-DE" sz="1400" dirty="0" err="1" smtClean="0">
+                <a:latin typeface="+mn-lt"/>
+                <a:cs typeface="Times New Roman" panose="02020603050405020304" pitchFamily="18" charset="0"/>
+              </a:rPr>
+              <a:t>mod</a:t>
+            </a:r>
+            <a:r>
+              <a:rPr lang="de-DE" sz="1400" dirty="0" smtClean="0">
+                <a:latin typeface="+mn-lt"/>
+                <a:cs typeface="Times New Roman" panose="02020603050405020304" pitchFamily="18" charset="0"/>
+              </a:rPr>
+              <a:t> = (</a:t>
+            </a:r>
+            <a:r>
+              <a:rPr lang="de-DE" sz="1400" dirty="0" err="1" smtClean="0">
+                <a:latin typeface="+mn-lt"/>
+                <a:cs typeface="Times New Roman" panose="02020603050405020304" pitchFamily="18" charset="0"/>
+              </a:rPr>
+              <a:t>AnfangFiler</a:t>
+            </a:r>
+            <a:r>
+              <a:rPr lang="de-DE" sz="1400" dirty="0" smtClean="0">
+                <a:latin typeface="+mn-lt"/>
+                <a:cs typeface="Times New Roman" panose="02020603050405020304" pitchFamily="18" charset="0"/>
+              </a:rPr>
+              <a:t> - EndeFilter+1) % 4;</a:t>
+            </a:r>
+          </a:p>
+          <a:p>
+            <a:r>
+              <a:rPr lang="de-DE" sz="1400" dirty="0" smtClean="0">
+                <a:latin typeface="+mn-lt"/>
+                <a:cs typeface="Times New Roman" panose="02020603050405020304" pitchFamily="18" charset="0"/>
+              </a:rPr>
+              <a:t>       </a:t>
+            </a:r>
+            <a:r>
+              <a:rPr lang="de-DE" sz="1400" dirty="0" err="1" smtClean="0">
+                <a:latin typeface="+mn-lt"/>
+                <a:cs typeface="Times New Roman" panose="02020603050405020304" pitchFamily="18" charset="0"/>
+              </a:rPr>
+              <a:t>fedtbd</a:t>
+            </a:r>
+            <a:r>
+              <a:rPr lang="de-DE" sz="1400" dirty="0" smtClean="0">
+                <a:latin typeface="+mn-lt"/>
+                <a:cs typeface="Times New Roman" panose="02020603050405020304" pitchFamily="18" charset="0"/>
+              </a:rPr>
+              <a:t> = </a:t>
+            </a:r>
+            <a:r>
+              <a:rPr lang="de-DE" sz="1400" dirty="0" err="1" smtClean="0">
+                <a:latin typeface="+mn-lt"/>
+                <a:cs typeface="Times New Roman" panose="02020603050405020304" pitchFamily="18" charset="0"/>
+              </a:rPr>
+              <a:t>EndeFilter</a:t>
+            </a:r>
+            <a:r>
+              <a:rPr lang="de-DE" sz="1400" dirty="0" smtClean="0">
+                <a:latin typeface="+mn-lt"/>
+                <a:cs typeface="Times New Roman" panose="02020603050405020304" pitchFamily="18" charset="0"/>
+              </a:rPr>
+              <a:t>[m]-mod+1;</a:t>
+            </a:r>
+          </a:p>
+          <a:p>
+            <a:endParaRPr lang="de-DE" sz="1400" dirty="0" smtClean="0">
+              <a:latin typeface="+mn-lt"/>
+              <a:cs typeface="Times New Roman" panose="02020603050405020304" pitchFamily="18" charset="0"/>
+            </a:endParaRPr>
+          </a:p>
+          <a:p>
+            <a:r>
+              <a:rPr lang="de-DE" sz="1400" dirty="0" smtClean="0">
+                <a:latin typeface="+mn-lt"/>
+                <a:cs typeface="Times New Roman" panose="02020603050405020304" pitchFamily="18" charset="0"/>
+              </a:rPr>
+              <a:t>       r4 = vld1q_f32(</a:t>
+            </a:r>
+            <a:r>
+              <a:rPr lang="de-DE" sz="1400" dirty="0" err="1" smtClean="0">
+                <a:latin typeface="+mn-lt"/>
+                <a:cs typeface="Times New Roman" panose="02020603050405020304" pitchFamily="18" charset="0"/>
+              </a:rPr>
+              <a:t>temp</a:t>
+            </a:r>
+            <a:r>
+              <a:rPr lang="de-DE" sz="1400" dirty="0" smtClean="0">
+                <a:latin typeface="+mn-lt"/>
+                <a:cs typeface="Times New Roman" panose="02020603050405020304" pitchFamily="18" charset="0"/>
+              </a:rPr>
+              <a:t>[0]);</a:t>
+            </a:r>
+          </a:p>
+          <a:p>
+            <a:r>
+              <a:rPr lang="de-DE" sz="1400" dirty="0" smtClean="0">
+                <a:latin typeface="+mn-lt"/>
+                <a:cs typeface="Times New Roman" panose="02020603050405020304" pitchFamily="18" charset="0"/>
+              </a:rPr>
+              <a:t>       </a:t>
+            </a:r>
+            <a:r>
+              <a:rPr lang="de-DE" sz="1400" dirty="0" err="1" smtClean="0">
+                <a:latin typeface="+mn-lt"/>
+                <a:cs typeface="Times New Roman" panose="02020603050405020304" pitchFamily="18" charset="0"/>
+              </a:rPr>
+              <a:t>for</a:t>
+            </a:r>
+            <a:r>
+              <a:rPr lang="de-DE" sz="1400" dirty="0" smtClean="0">
+                <a:latin typeface="+mn-lt"/>
+                <a:cs typeface="Times New Roman" panose="02020603050405020304" pitchFamily="18" charset="0"/>
+              </a:rPr>
+              <a:t> (</a:t>
+            </a:r>
+            <a:r>
+              <a:rPr lang="de-DE" sz="1400" dirty="0" err="1" smtClean="0">
+                <a:latin typeface="+mn-lt"/>
+                <a:cs typeface="Times New Roman" panose="02020603050405020304" pitchFamily="18" charset="0"/>
+              </a:rPr>
+              <a:t>unsigned</a:t>
+            </a:r>
+            <a:r>
+              <a:rPr lang="de-DE" sz="1400" dirty="0" smtClean="0">
+                <a:latin typeface="+mn-lt"/>
+                <a:cs typeface="Times New Roman" panose="02020603050405020304" pitchFamily="18" charset="0"/>
+              </a:rPr>
+              <a:t> </a:t>
+            </a:r>
+            <a:r>
+              <a:rPr lang="de-DE" sz="1400" dirty="0" err="1" smtClean="0">
+                <a:latin typeface="+mn-lt"/>
+                <a:cs typeface="Times New Roman" panose="02020603050405020304" pitchFamily="18" charset="0"/>
+              </a:rPr>
+              <a:t>int</a:t>
+            </a:r>
+            <a:r>
+              <a:rPr lang="de-DE" sz="1400" dirty="0" smtClean="0">
+                <a:latin typeface="+mn-lt"/>
+                <a:cs typeface="Times New Roman" panose="02020603050405020304" pitchFamily="18" charset="0"/>
+              </a:rPr>
+              <a:t> k = </a:t>
+            </a:r>
+            <a:r>
+              <a:rPr lang="de-DE" sz="1400" dirty="0" err="1" smtClean="0">
+                <a:latin typeface="+mn-lt"/>
+                <a:cs typeface="Times New Roman" panose="02020603050405020304" pitchFamily="18" charset="0"/>
+              </a:rPr>
+              <a:t>AnfangFilter</a:t>
+            </a:r>
+            <a:r>
+              <a:rPr lang="de-DE" sz="1400" dirty="0" smtClean="0">
+                <a:latin typeface="+mn-lt"/>
+                <a:cs typeface="Times New Roman" panose="02020603050405020304" pitchFamily="18" charset="0"/>
+              </a:rPr>
+              <a:t>[m]; k &lt; (</a:t>
+            </a:r>
+            <a:r>
+              <a:rPr lang="de-DE" sz="1400" dirty="0" err="1" smtClean="0">
+                <a:latin typeface="+mn-lt"/>
+                <a:cs typeface="Times New Roman" panose="02020603050405020304" pitchFamily="18" charset="0"/>
+              </a:rPr>
+              <a:t>fedtbd</a:t>
+            </a:r>
+            <a:r>
+              <a:rPr lang="de-DE" sz="1400" dirty="0" smtClean="0">
+                <a:latin typeface="+mn-lt"/>
+                <a:cs typeface="Times New Roman" panose="02020603050405020304" pitchFamily="18" charset="0"/>
+              </a:rPr>
+              <a:t> – 1); k +4) {</a:t>
+            </a:r>
+          </a:p>
+          <a:p>
+            <a:r>
+              <a:rPr lang="de-DE" sz="1400" dirty="0" smtClean="0">
+                <a:latin typeface="+mn-lt"/>
+                <a:cs typeface="Times New Roman" panose="02020603050405020304" pitchFamily="18" charset="0"/>
+              </a:rPr>
+              <a:t>	w4 und s4 laden	</a:t>
+            </a:r>
+          </a:p>
+          <a:p>
+            <a:r>
+              <a:rPr lang="de-DE" sz="1400" dirty="0" smtClean="0">
+                <a:latin typeface="+mn-lt"/>
+                <a:cs typeface="Times New Roman" panose="02020603050405020304" pitchFamily="18" charset="0"/>
+              </a:rPr>
+              <a:t>	r4 = vmlaq_f32(r4, s4, w4);</a:t>
+            </a:r>
+          </a:p>
+          <a:p>
+            <a:r>
+              <a:rPr lang="de-DE" sz="1400" dirty="0" smtClean="0">
+                <a:latin typeface="+mn-lt"/>
+                <a:cs typeface="Times New Roman" panose="02020603050405020304" pitchFamily="18" charset="0"/>
+              </a:rPr>
+              <a:t>       }</a:t>
+            </a:r>
+          </a:p>
+          <a:p>
+            <a:r>
+              <a:rPr lang="de-DE" sz="1400" dirty="0" smtClean="0">
+                <a:latin typeface="+mn-lt"/>
+                <a:cs typeface="Times New Roman" panose="02020603050405020304" pitchFamily="18" charset="0"/>
+              </a:rPr>
+              <a:t>      vst1q_f32(</a:t>
+            </a:r>
+            <a:r>
+              <a:rPr lang="de-DE" sz="1400" dirty="0" err="1" smtClean="0">
+                <a:latin typeface="+mn-lt"/>
+                <a:cs typeface="Times New Roman" panose="02020603050405020304" pitchFamily="18" charset="0"/>
+              </a:rPr>
+              <a:t>temp</a:t>
+            </a:r>
+            <a:r>
+              <a:rPr lang="de-DE" sz="1400" dirty="0" smtClean="0">
+                <a:latin typeface="+mn-lt"/>
+                <a:cs typeface="Times New Roman" panose="02020603050405020304" pitchFamily="18" charset="0"/>
+              </a:rPr>
+              <a:t>[0], r4);</a:t>
+            </a:r>
+          </a:p>
+          <a:p>
+            <a:endParaRPr lang="de-DE" sz="1400" dirty="0" smtClean="0">
+              <a:latin typeface="+mn-lt"/>
+              <a:cs typeface="Times New Roman" panose="02020603050405020304" pitchFamily="18" charset="0"/>
+            </a:endParaRPr>
+          </a:p>
+          <a:p>
+            <a:r>
+              <a:rPr lang="de-DE" sz="1400" dirty="0" smtClean="0">
+                <a:latin typeface="+mn-lt"/>
+                <a:cs typeface="Times New Roman" panose="02020603050405020304" pitchFamily="18" charset="0"/>
+              </a:rPr>
+              <a:t>      </a:t>
+            </a:r>
+            <a:r>
+              <a:rPr lang="de-DE" sz="1400" dirty="0" err="1" smtClean="0">
+                <a:latin typeface="+mn-lt"/>
+                <a:cs typeface="Times New Roman" panose="02020603050405020304" pitchFamily="18" charset="0"/>
+              </a:rPr>
+              <a:t>if</a:t>
+            </a:r>
+            <a:r>
+              <a:rPr lang="de-DE" sz="1400" dirty="0" smtClean="0">
+                <a:latin typeface="+mn-lt"/>
+                <a:cs typeface="Times New Roman" panose="02020603050405020304" pitchFamily="18" charset="0"/>
+              </a:rPr>
+              <a:t> (</a:t>
+            </a:r>
+            <a:r>
+              <a:rPr lang="de-DE" sz="1400" dirty="0" err="1" smtClean="0">
+                <a:latin typeface="+mn-lt"/>
+                <a:cs typeface="Times New Roman" panose="02020603050405020304" pitchFamily="18" charset="0"/>
+              </a:rPr>
+              <a:t>mod</a:t>
+            </a:r>
+            <a:r>
+              <a:rPr lang="de-DE" sz="1400" dirty="0" smtClean="0">
+                <a:latin typeface="+mn-lt"/>
+                <a:cs typeface="Times New Roman" panose="02020603050405020304" pitchFamily="18" charset="0"/>
+              </a:rPr>
+              <a:t> &gt; 1) {</a:t>
+            </a:r>
+          </a:p>
+          <a:p>
+            <a:r>
+              <a:rPr lang="de-DE" sz="1400" dirty="0">
+                <a:latin typeface="+mn-lt"/>
+                <a:cs typeface="Times New Roman" panose="02020603050405020304" pitchFamily="18" charset="0"/>
+              </a:rPr>
+              <a:t>	</a:t>
+            </a:r>
+            <a:r>
+              <a:rPr lang="de-DE" sz="1400" dirty="0" smtClean="0">
+                <a:latin typeface="+mn-lt"/>
+                <a:cs typeface="Times New Roman" panose="02020603050405020304" pitchFamily="18" charset="0"/>
+              </a:rPr>
+              <a:t>w2, r2 und s2 laden</a:t>
+            </a:r>
+          </a:p>
+          <a:p>
+            <a:r>
+              <a:rPr lang="de-DE" sz="1400" dirty="0" smtClean="0">
+                <a:latin typeface="+mn-lt"/>
+                <a:cs typeface="Times New Roman" panose="02020603050405020304" pitchFamily="18" charset="0"/>
+              </a:rPr>
+              <a:t>	t2 = vmla_f32(r2, s2, w2);</a:t>
+            </a:r>
+          </a:p>
+          <a:p>
+            <a:r>
+              <a:rPr lang="de-DE" sz="1400" dirty="0" smtClean="0">
+                <a:latin typeface="+mn-lt"/>
+                <a:cs typeface="Times New Roman" panose="02020603050405020304" pitchFamily="18" charset="0"/>
+              </a:rPr>
+              <a:t>	vst1_f32(</a:t>
+            </a:r>
+            <a:r>
+              <a:rPr lang="de-DE" sz="1400" dirty="0" err="1" smtClean="0">
+                <a:latin typeface="+mn-lt"/>
+                <a:cs typeface="Times New Roman" panose="02020603050405020304" pitchFamily="18" charset="0"/>
+              </a:rPr>
+              <a:t>temp</a:t>
+            </a:r>
+            <a:r>
+              <a:rPr lang="de-DE" sz="1400" dirty="0" smtClean="0">
+                <a:latin typeface="+mn-lt"/>
+                <a:cs typeface="Times New Roman" panose="02020603050405020304" pitchFamily="18" charset="0"/>
+              </a:rPr>
+              <a:t>[0], t2);</a:t>
+            </a:r>
+          </a:p>
+          <a:p>
+            <a:r>
+              <a:rPr lang="de-DE" sz="1400" dirty="0" smtClean="0">
+                <a:latin typeface="+mn-lt"/>
+                <a:cs typeface="Times New Roman" panose="02020603050405020304" pitchFamily="18" charset="0"/>
+              </a:rPr>
+              <a:t>	</a:t>
+            </a:r>
+            <a:r>
+              <a:rPr lang="de-DE" sz="1400" dirty="0" err="1" smtClean="0">
+                <a:latin typeface="+mn-lt"/>
+                <a:cs typeface="Times New Roman" panose="02020603050405020304" pitchFamily="18" charset="0"/>
+              </a:rPr>
+              <a:t>fedtbd</a:t>
+            </a:r>
+            <a:r>
+              <a:rPr lang="de-DE" sz="1400" dirty="0" smtClean="0">
+                <a:latin typeface="+mn-lt"/>
+                <a:cs typeface="Times New Roman" panose="02020603050405020304" pitchFamily="18" charset="0"/>
+              </a:rPr>
+              <a:t> += 2;</a:t>
+            </a:r>
+          </a:p>
+          <a:p>
+            <a:r>
+              <a:rPr lang="de-DE" sz="1400" dirty="0" smtClean="0">
+                <a:latin typeface="+mn-lt"/>
+                <a:cs typeface="Times New Roman" panose="02020603050405020304" pitchFamily="18" charset="0"/>
+              </a:rPr>
+              <a:t>      }</a:t>
+            </a:r>
+          </a:p>
+          <a:p>
+            <a:r>
+              <a:rPr lang="de-DE" sz="1400" dirty="0" smtClean="0">
+                <a:latin typeface="+mn-lt"/>
+                <a:cs typeface="Times New Roman" panose="02020603050405020304" pitchFamily="18" charset="0"/>
+              </a:rPr>
+              <a:t>      </a:t>
+            </a:r>
+            <a:r>
+              <a:rPr lang="de-DE" sz="1400" dirty="0" err="1" smtClean="0">
+                <a:latin typeface="+mn-lt"/>
+                <a:cs typeface="Times New Roman" panose="02020603050405020304" pitchFamily="18" charset="0"/>
+              </a:rPr>
+              <a:t>if</a:t>
+            </a:r>
+            <a:r>
+              <a:rPr lang="de-DE" sz="1400" dirty="0" smtClean="0">
+                <a:latin typeface="+mn-lt"/>
+                <a:cs typeface="Times New Roman" panose="02020603050405020304" pitchFamily="18" charset="0"/>
+              </a:rPr>
+              <a:t> (</a:t>
+            </a:r>
+            <a:r>
+              <a:rPr lang="de-DE" sz="1400" dirty="0" err="1" smtClean="0">
+                <a:latin typeface="+mn-lt"/>
+                <a:cs typeface="Times New Roman" panose="02020603050405020304" pitchFamily="18" charset="0"/>
+              </a:rPr>
+              <a:t>mod</a:t>
+            </a:r>
+            <a:r>
+              <a:rPr lang="de-DE" sz="1400" dirty="0" smtClean="0">
+                <a:latin typeface="+mn-lt"/>
+                <a:cs typeface="Times New Roman" panose="02020603050405020304" pitchFamily="18" charset="0"/>
+              </a:rPr>
+              <a:t> == 1) {</a:t>
+            </a:r>
+          </a:p>
+          <a:p>
+            <a:r>
+              <a:rPr lang="de-DE" sz="1400" dirty="0" smtClean="0">
+                <a:latin typeface="+mn-lt"/>
+                <a:cs typeface="Times New Roman" panose="02020603050405020304" pitchFamily="18" charset="0"/>
+              </a:rPr>
+              <a:t>	</a:t>
+            </a:r>
+            <a:r>
+              <a:rPr lang="de-DE" sz="1400" dirty="0" err="1" smtClean="0">
+                <a:latin typeface="+mn-lt"/>
+                <a:cs typeface="Times New Roman" panose="02020603050405020304" pitchFamily="18" charset="0"/>
+              </a:rPr>
+              <a:t>log_M</a:t>
+            </a:r>
+            <a:r>
+              <a:rPr lang="de-DE" sz="1400" dirty="0" smtClean="0">
+                <a:latin typeface="+mn-lt"/>
+                <a:cs typeface="Times New Roman" panose="02020603050405020304" pitchFamily="18" charset="0"/>
+              </a:rPr>
+              <a:t>[m - 1] = </a:t>
+            </a:r>
+            <a:r>
+              <a:rPr lang="de-DE" sz="1400" dirty="0" err="1" smtClean="0">
+                <a:latin typeface="+mn-lt"/>
+                <a:cs typeface="Times New Roman" panose="02020603050405020304" pitchFamily="18" charset="0"/>
+              </a:rPr>
+              <a:t>signal</a:t>
+            </a:r>
+            <a:r>
+              <a:rPr lang="de-DE" sz="1400" dirty="0" smtClean="0">
+                <a:latin typeface="+mn-lt"/>
+                <a:cs typeface="Times New Roman" panose="02020603050405020304" pitchFamily="18" charset="0"/>
+              </a:rPr>
+              <a:t>[</a:t>
+            </a:r>
+            <a:r>
+              <a:rPr lang="de-DE" sz="1400" dirty="0" err="1" smtClean="0">
+                <a:latin typeface="+mn-lt"/>
+                <a:cs typeface="Times New Roman" panose="02020603050405020304" pitchFamily="18" charset="0"/>
+              </a:rPr>
+              <a:t>fedtbd</a:t>
+            </a:r>
+            <a:r>
+              <a:rPr lang="de-DE" sz="1400" dirty="0" smtClean="0">
+                <a:latin typeface="+mn-lt"/>
+                <a:cs typeface="Times New Roman" panose="02020603050405020304" pitchFamily="18" charset="0"/>
+              </a:rPr>
+              <a:t>] * </a:t>
+            </a:r>
+            <a:r>
+              <a:rPr lang="de-DE" sz="1400" dirty="0" err="1" smtClean="0">
+                <a:latin typeface="+mn-lt"/>
+                <a:cs typeface="Times New Roman" panose="02020603050405020304" pitchFamily="18" charset="0"/>
+              </a:rPr>
+              <a:t>wk</a:t>
+            </a:r>
+            <a:r>
+              <a:rPr lang="de-DE" sz="1400" dirty="0" smtClean="0">
+                <a:latin typeface="+mn-lt"/>
+                <a:cs typeface="Times New Roman" panose="02020603050405020304" pitchFamily="18" charset="0"/>
+              </a:rPr>
+              <a:t>[m - 1][</a:t>
+            </a:r>
+            <a:r>
+              <a:rPr lang="de-DE" sz="1400" dirty="0" err="1" smtClean="0">
+                <a:latin typeface="+mn-lt"/>
+                <a:cs typeface="Times New Roman" panose="02020603050405020304" pitchFamily="18" charset="0"/>
+              </a:rPr>
+              <a:t>fedtbd</a:t>
+            </a:r>
+            <a:r>
+              <a:rPr lang="de-DE" sz="1400" dirty="0" smtClean="0">
+                <a:latin typeface="+mn-lt"/>
+                <a:cs typeface="Times New Roman" panose="02020603050405020304" pitchFamily="18" charset="0"/>
+              </a:rPr>
+              <a:t>];</a:t>
+            </a:r>
+          </a:p>
+          <a:p>
+            <a:r>
+              <a:rPr lang="de-DE" sz="1400" dirty="0" smtClean="0">
+                <a:latin typeface="+mn-lt"/>
+                <a:cs typeface="Times New Roman" panose="02020603050405020304" pitchFamily="18" charset="0"/>
+              </a:rPr>
+              <a:t>      }</a:t>
+            </a:r>
+          </a:p>
+          <a:p>
+            <a:r>
+              <a:rPr lang="de-DE" sz="1400" dirty="0" smtClean="0">
+                <a:latin typeface="+mn-lt"/>
+                <a:cs typeface="Times New Roman" panose="02020603050405020304" pitchFamily="18" charset="0"/>
+              </a:rPr>
+              <a:t>      </a:t>
+            </a:r>
+            <a:r>
+              <a:rPr lang="de-DE" sz="1400" dirty="0" err="1" smtClean="0">
+                <a:latin typeface="+mn-lt"/>
+                <a:cs typeface="Times New Roman" panose="02020603050405020304" pitchFamily="18" charset="0"/>
+              </a:rPr>
+              <a:t>log_M</a:t>
+            </a:r>
+            <a:r>
+              <a:rPr lang="de-DE" sz="1400" dirty="0" smtClean="0">
+                <a:latin typeface="+mn-lt"/>
+                <a:cs typeface="Times New Roman" panose="02020603050405020304" pitchFamily="18" charset="0"/>
+              </a:rPr>
+              <a:t>[m - 1] += </a:t>
+            </a:r>
+            <a:r>
+              <a:rPr lang="de-DE" sz="1400" dirty="0" err="1" smtClean="0">
+                <a:latin typeface="+mn-lt"/>
+                <a:cs typeface="Times New Roman" panose="02020603050405020304" pitchFamily="18" charset="0"/>
+              </a:rPr>
+              <a:t>temp</a:t>
+            </a:r>
+            <a:r>
+              <a:rPr lang="de-DE" sz="1400" dirty="0" smtClean="0">
+                <a:latin typeface="+mn-lt"/>
+                <a:cs typeface="Times New Roman" panose="02020603050405020304" pitchFamily="18" charset="0"/>
+              </a:rPr>
+              <a:t>[0] + </a:t>
+            </a:r>
+            <a:r>
+              <a:rPr lang="de-DE" sz="1400" dirty="0" err="1" smtClean="0">
+                <a:latin typeface="+mn-lt"/>
+                <a:cs typeface="Times New Roman" panose="02020603050405020304" pitchFamily="18" charset="0"/>
+              </a:rPr>
+              <a:t>temp</a:t>
+            </a:r>
+            <a:r>
+              <a:rPr lang="de-DE" sz="1400" dirty="0" smtClean="0">
+                <a:latin typeface="+mn-lt"/>
+                <a:cs typeface="Times New Roman" panose="02020603050405020304" pitchFamily="18" charset="0"/>
+              </a:rPr>
+              <a:t>[1] + </a:t>
+            </a:r>
+            <a:r>
+              <a:rPr lang="de-DE" sz="1400" dirty="0" err="1" smtClean="0">
+                <a:latin typeface="+mn-lt"/>
+                <a:cs typeface="Times New Roman" panose="02020603050405020304" pitchFamily="18" charset="0"/>
+              </a:rPr>
+              <a:t>temp</a:t>
+            </a:r>
+            <a:r>
+              <a:rPr lang="de-DE" sz="1400" dirty="0" smtClean="0">
+                <a:latin typeface="+mn-lt"/>
+                <a:cs typeface="Times New Roman" panose="02020603050405020304" pitchFamily="18" charset="0"/>
+              </a:rPr>
+              <a:t>[2] + </a:t>
+            </a:r>
+            <a:r>
+              <a:rPr lang="de-DE" sz="1400" dirty="0" err="1" smtClean="0">
+                <a:latin typeface="+mn-lt"/>
+                <a:cs typeface="Times New Roman" panose="02020603050405020304" pitchFamily="18" charset="0"/>
+              </a:rPr>
+              <a:t>temp</a:t>
+            </a:r>
+            <a:r>
+              <a:rPr lang="de-DE" sz="1400" dirty="0" smtClean="0">
+                <a:latin typeface="+mn-lt"/>
+                <a:cs typeface="Times New Roman" panose="02020603050405020304" pitchFamily="18" charset="0"/>
+              </a:rPr>
+              <a:t>[3]+1;</a:t>
+            </a:r>
+          </a:p>
+          <a:p>
+            <a:r>
+              <a:rPr lang="de-DE" sz="1400" dirty="0" smtClean="0">
+                <a:latin typeface="+mn-lt"/>
+                <a:cs typeface="Times New Roman" panose="02020603050405020304" pitchFamily="18" charset="0"/>
+              </a:rPr>
+              <a:t>}</a:t>
+            </a:r>
+            <a:endParaRPr lang="de-DE" sz="1400" dirty="0">
+              <a:latin typeface="+mn-lt"/>
+              <a:cs typeface="Times New Roman" panose="02020603050405020304" pitchFamily="18" charset="0"/>
+            </a:endParaRPr>
           </a:p>
         </p:txBody>
       </p:sp>
       <p:sp>
         <p:nvSpPr>
-          <p:cNvPr id="3" name="Titel 2"/>
-          <p:cNvSpPr>
-            <a:spLocks noGrp="1"/>
-          </p:cNvSpPr>
-          <p:nvPr>
-            <p:ph type="title"/>
-          </p:nvPr>
-        </p:nvSpPr>
-        <p:spPr/>
-        <p:txBody>
-          <a:bodyPr/>
-          <a:lstStyle/>
-          <a:p>
-            <a:r>
-              <a:rPr lang="de-DE" dirty="0"/>
-              <a:t>MFCC: ARM-Optimierung </a:t>
-            </a:r>
-            <a:r>
-              <a:rPr lang="de-DE" dirty="0" smtClean="0"/>
-              <a:t>(2)</a:t>
-            </a:r>
-            <a:endParaRPr lang="de-DE" dirty="0"/>
-          </a:p>
-        </p:txBody>
-      </p:sp>
-      <p:sp>
-        <p:nvSpPr>
-          <p:cNvPr id="4" name="Ellipse 3"/>
+          <p:cNvPr id="5" name="Rechteck 4"/>
           <p:cNvSpPr/>
           <p:nvPr/>
         </p:nvSpPr>
         <p:spPr bwMode="auto">
           <a:xfrm>
-            <a:off x="7308304" y="1160748"/>
-            <a:ext cx="864096" cy="252028"/>
+            <a:off x="251520" y="1700808"/>
+            <a:ext cx="3888432" cy="1728192"/>
           </a:xfrm>
-          <a:prstGeom prst="ellipse">
+          <a:prstGeom prst="rect">
             <a:avLst/>
           </a:prstGeom>
           <a:solidFill>
-            <a:schemeClr val="accent2"/>
-          </a:solidFill>
-          <a:ln w="9525" cap="flat" cmpd="sng" algn="ctr">
-            <a:solidFill>
-              <a:schemeClr val="tx1"/>
-            </a:solidFill>
-            <a:prstDash val="solid"/>
-            <a:round/>
-            <a:headEnd type="none" w="med" len="med"/>
-            <a:tailEnd type="none" w="med" len="med"/>
-          </a:ln>
-          <a:effectLst/>
-        </p:spPr>
-        <p:txBody>
-          <a:bodyPr vert="horz" wrap="square" lIns="91440" tIns="45720" rIns="91440" bIns="45720" numCol="1" rtlCol="0" anchor="ctr" anchorCtr="0" compatLnSpc="1">
-            <a:prstTxWarp prst="textNoShape">
-              <a:avLst/>
-            </a:prstTxWarp>
-          </a:bodyPr>
-          <a:lstStyle/>
-          <a:p>
-            <a:pPr marL="0" marR="0" indent="0" algn="ctr" defTabSz="914400" rtl="0" eaLnBrk="0" fontAlgn="base" latinLnBrk="0" hangingPunct="0">
-              <a:lnSpc>
-                <a:spcPct val="100000"/>
-              </a:lnSpc>
-              <a:spcBef>
-                <a:spcPct val="0"/>
-              </a:spcBef>
-              <a:spcAft>
-                <a:spcPct val="0"/>
-              </a:spcAft>
-              <a:buClrTx/>
-              <a:buSzTx/>
-              <a:buFontTx/>
-              <a:buNone/>
-              <a:tabLst/>
-            </a:pPr>
-            <a:r>
-              <a:rPr kumimoji="0" lang="de-DE" sz="1600" b="0" i="0" u="none" strike="noStrike" cap="none" normalizeH="0" baseline="0" dirty="0" smtClean="0">
-                <a:ln>
-                  <a:noFill/>
-                </a:ln>
-                <a:solidFill>
-                  <a:schemeClr val="tx1"/>
-                </a:solidFill>
-                <a:effectLst/>
-                <a:latin typeface="+mn-lt"/>
-                <a:ea typeface="ＭＳ Ｐゴシック" pitchFamily="1" charset="-128"/>
-              </a:rPr>
-              <a:t>Start</a:t>
-            </a:r>
-          </a:p>
-        </p:txBody>
-      </p:sp>
-      <p:sp>
-        <p:nvSpPr>
-          <p:cNvPr id="5" name="Flussdiagramm: Daten 4"/>
-          <p:cNvSpPr/>
-          <p:nvPr/>
-        </p:nvSpPr>
-        <p:spPr bwMode="auto">
-          <a:xfrm>
-            <a:off x="7115912" y="1706166"/>
-            <a:ext cx="1224136" cy="288032"/>
-          </a:xfrm>
-          <a:prstGeom prst="flowChartInputOutput">
-            <a:avLst/>
-          </a:prstGeom>
-          <a:solidFill>
-            <a:srgbClr val="FF7D7D"/>
+            <a:schemeClr val="accent1">
+              <a:alpha val="0"/>
+            </a:schemeClr>
           </a:solidFill>
           <a:ln w="9525" cap="flat" cmpd="sng" algn="ctr">
             <a:solidFill>
@@ -5165,7 +5798,7 @@
           </a:bodyPr>
           <a:lstStyle/>
           <a:p>
-            <a:pPr marL="0" marR="0" indent="0" algn="ctr" defTabSz="914400" rtl="0" eaLnBrk="0" fontAlgn="base" latinLnBrk="0" hangingPunct="0">
+            <a:pPr marL="0" marR="0" indent="0" algn="l" defTabSz="914400" rtl="0" eaLnBrk="0" fontAlgn="base" latinLnBrk="0" hangingPunct="0">
               <a:lnSpc>
                 <a:spcPct val="100000"/>
               </a:lnSpc>
@@ -5181,53 +5814,246 @@
               <a:buNone/>
               <a:tabLst/>
             </a:pPr>
-            <a:r>
-              <a:rPr lang="de-DE" sz="1600" dirty="0" smtClean="0">
-                <a:latin typeface="+mn-lt"/>
-                <a:ea typeface="ＭＳ Ｐゴシック" pitchFamily="1" charset="-128"/>
-              </a:rPr>
-              <a:t>n:=</a:t>
-            </a:r>
-            <a:r>
-              <a:rPr lang="de-DE" sz="1600" dirty="0">
-                <a:latin typeface="+mn-lt"/>
-                <a:ea typeface="ＭＳ Ｐゴシック" pitchFamily="1" charset="-128"/>
-              </a:rPr>
-              <a:t>%</a:t>
-            </a:r>
-            <a:r>
-              <a:rPr kumimoji="0" lang="de-DE" sz="1600" b="0" i="0" u="none" strike="noStrike" cap="none" normalizeH="0" baseline="0" dirty="0" smtClean="0">
-                <a:ln>
-                  <a:noFill/>
-                </a:ln>
-                <a:effectLst/>
-                <a:latin typeface="+mn-lt"/>
-                <a:ea typeface="ＭＳ Ｐゴシック" pitchFamily="1" charset="-128"/>
-              </a:rPr>
-              <a:t>4</a:t>
-            </a:r>
+            <a:endParaRPr kumimoji="0" lang="de-DE" sz="2400" b="0" i="0" u="none" strike="noStrike" cap="none" normalizeH="0" baseline="0" smtClean="0">
+              <a:ln>
+                <a:noFill/>
+              </a:ln>
+              <a:solidFill>
+                <a:schemeClr val="tx1"/>
+              </a:solidFill>
+              <a:effectLst/>
+              <a:latin typeface="Arial" charset="0"/>
+              <a:ea typeface="ＭＳ Ｐゴシック" pitchFamily="1" charset="-128"/>
+            </a:endParaRPr>
           </a:p>
         </p:txBody>
       </p:sp>
       <p:sp>
         <p:nvSpPr>
-          <p:cNvPr id="6" name="Ecken des Rechtecks auf der gleichen Seite schneiden 5"/>
+          <p:cNvPr id="2" name="Inhaltsplatzhalter 1"/>
+          <p:cNvSpPr>
+            <a:spLocks noGrp="1"/>
+          </p:cNvSpPr>
+          <p:nvPr>
+            <p:ph idx="1"/>
+          </p:nvPr>
+        </p:nvSpPr>
+        <p:spPr>
+          <a:xfrm>
+            <a:off x="179512" y="1700808"/>
+            <a:ext cx="3924746" cy="1656184"/>
+          </a:xfrm>
+        </p:spPr>
+        <p:txBody>
+          <a:bodyPr/>
+          <a:lstStyle/>
+          <a:p>
+            <a:pPr>
+              <a:buNone/>
+            </a:pPr>
+            <a:r>
+              <a:rPr lang="de-DE" sz="1400" dirty="0" err="1" smtClean="0">
+                <a:cs typeface="Times New Roman" panose="02020603050405020304" pitchFamily="18" charset="0"/>
+              </a:rPr>
+              <a:t>for</a:t>
+            </a:r>
+            <a:r>
+              <a:rPr lang="de-DE" sz="1400" dirty="0" smtClean="0">
+                <a:cs typeface="Times New Roman" panose="02020603050405020304" pitchFamily="18" charset="0"/>
+              </a:rPr>
+              <a:t> (</a:t>
+            </a:r>
+            <a:r>
+              <a:rPr lang="de-DE" sz="1400" dirty="0" err="1" smtClean="0">
+                <a:cs typeface="Times New Roman" panose="02020603050405020304" pitchFamily="18" charset="0"/>
+              </a:rPr>
+              <a:t>unsigned</a:t>
+            </a:r>
+            <a:r>
+              <a:rPr lang="de-DE" sz="1400" dirty="0" smtClean="0">
+                <a:cs typeface="Times New Roman" panose="02020603050405020304" pitchFamily="18" charset="0"/>
+              </a:rPr>
+              <a:t> </a:t>
+            </a:r>
+            <a:r>
+              <a:rPr lang="de-DE" sz="1400" dirty="0" err="1" smtClean="0">
+                <a:cs typeface="Times New Roman" panose="02020603050405020304" pitchFamily="18" charset="0"/>
+              </a:rPr>
+              <a:t>int</a:t>
+            </a:r>
+            <a:r>
+              <a:rPr lang="de-DE" sz="1400" dirty="0" smtClean="0">
+                <a:cs typeface="Times New Roman" panose="02020603050405020304" pitchFamily="18" charset="0"/>
+              </a:rPr>
+              <a:t> m = 1; m &lt;= M; m++) {</a:t>
+            </a:r>
+          </a:p>
+          <a:p>
+            <a:pPr>
+              <a:buNone/>
+            </a:pPr>
+            <a:r>
+              <a:rPr lang="de-DE" sz="1400" dirty="0" smtClean="0">
+                <a:cs typeface="Times New Roman" panose="02020603050405020304" pitchFamily="18" charset="0"/>
+              </a:rPr>
+              <a:t>	</a:t>
+            </a:r>
+            <a:r>
+              <a:rPr lang="de-DE" sz="1400" dirty="0" err="1" smtClean="0">
+                <a:cs typeface="Times New Roman" panose="02020603050405020304" pitchFamily="18" charset="0"/>
+              </a:rPr>
+              <a:t>for</a:t>
+            </a:r>
+            <a:r>
+              <a:rPr lang="de-DE" sz="1400" dirty="0" smtClean="0">
+                <a:cs typeface="Times New Roman" panose="02020603050405020304" pitchFamily="18" charset="0"/>
+              </a:rPr>
+              <a:t> (</a:t>
+            </a:r>
+            <a:r>
+              <a:rPr lang="de-DE" sz="1400" dirty="0" err="1" smtClean="0">
+                <a:cs typeface="Times New Roman" panose="02020603050405020304" pitchFamily="18" charset="0"/>
+              </a:rPr>
+              <a:t>unsigned</a:t>
+            </a:r>
+            <a:r>
+              <a:rPr lang="de-DE" sz="1400" dirty="0" smtClean="0">
+                <a:cs typeface="Times New Roman" panose="02020603050405020304" pitchFamily="18" charset="0"/>
+              </a:rPr>
+              <a:t> </a:t>
+            </a:r>
+            <a:r>
+              <a:rPr lang="de-DE" sz="1400" dirty="0" err="1" smtClean="0">
+                <a:cs typeface="Times New Roman" panose="02020603050405020304" pitchFamily="18" charset="0"/>
+              </a:rPr>
+              <a:t>int</a:t>
+            </a:r>
+            <a:r>
+              <a:rPr lang="de-DE" sz="1400" dirty="0" smtClean="0">
+                <a:cs typeface="Times New Roman" panose="02020603050405020304" pitchFamily="18" charset="0"/>
+              </a:rPr>
+              <a:t> k = </a:t>
+            </a:r>
+            <a:r>
+              <a:rPr lang="de-DE" sz="1400" dirty="0" err="1" smtClean="0">
+                <a:cs typeface="Times New Roman" panose="02020603050405020304" pitchFamily="18" charset="0"/>
+              </a:rPr>
+              <a:t>AnfangFilter</a:t>
+            </a:r>
+            <a:r>
+              <a:rPr lang="de-DE" sz="1400" dirty="0" smtClean="0">
+                <a:cs typeface="Times New Roman" panose="02020603050405020304" pitchFamily="18" charset="0"/>
+              </a:rPr>
+              <a:t>[m]; k &lt;=</a:t>
+            </a:r>
+            <a:r>
+              <a:rPr lang="de-DE" sz="1400" dirty="0" err="1" smtClean="0">
+                <a:cs typeface="Times New Roman" panose="02020603050405020304" pitchFamily="18" charset="0"/>
+              </a:rPr>
+              <a:t>EndeFilter</a:t>
+            </a:r>
+            <a:r>
+              <a:rPr lang="de-DE" sz="1400" dirty="0" smtClean="0">
+                <a:cs typeface="Times New Roman" panose="02020603050405020304" pitchFamily="18" charset="0"/>
+              </a:rPr>
+              <a:t>[m]; k++) {</a:t>
+            </a:r>
+          </a:p>
+          <a:p>
+            <a:pPr>
+              <a:buNone/>
+            </a:pPr>
+            <a:r>
+              <a:rPr lang="de-DE" sz="1400" dirty="0" smtClean="0">
+                <a:cs typeface="Times New Roman" panose="02020603050405020304" pitchFamily="18" charset="0"/>
+              </a:rPr>
+              <a:t>		</a:t>
+            </a:r>
+            <a:r>
+              <a:rPr lang="de-DE" sz="1400" dirty="0" err="1" smtClean="0">
+                <a:cs typeface="Times New Roman" panose="02020603050405020304" pitchFamily="18" charset="0"/>
+              </a:rPr>
+              <a:t>log_M</a:t>
+            </a:r>
+            <a:r>
+              <a:rPr lang="de-DE" sz="1400" dirty="0" smtClean="0">
+                <a:cs typeface="Times New Roman" panose="02020603050405020304" pitchFamily="18" charset="0"/>
+              </a:rPr>
+              <a:t>[m - 1] += </a:t>
+            </a:r>
+            <a:r>
+              <a:rPr lang="de-DE" sz="1400" dirty="0" err="1" smtClean="0">
+                <a:cs typeface="Times New Roman" panose="02020603050405020304" pitchFamily="18" charset="0"/>
+              </a:rPr>
+              <a:t>signal</a:t>
+            </a:r>
+            <a:r>
+              <a:rPr lang="de-DE" sz="1400" dirty="0" smtClean="0">
+                <a:cs typeface="Times New Roman" panose="02020603050405020304" pitchFamily="18" charset="0"/>
+              </a:rPr>
+              <a:t>[k] * </a:t>
+            </a:r>
+            <a:r>
+              <a:rPr lang="de-DE" sz="1400" dirty="0" err="1" smtClean="0">
+                <a:cs typeface="Times New Roman" panose="02020603050405020304" pitchFamily="18" charset="0"/>
+              </a:rPr>
+              <a:t>wk</a:t>
+            </a:r>
+            <a:r>
+              <a:rPr lang="de-DE" sz="1400" dirty="0" smtClean="0">
+                <a:cs typeface="Times New Roman" panose="02020603050405020304" pitchFamily="18" charset="0"/>
+              </a:rPr>
+              <a:t>[m - 1][k];</a:t>
+            </a:r>
+          </a:p>
+          <a:p>
+            <a:pPr>
+              <a:buNone/>
+            </a:pPr>
+            <a:r>
+              <a:rPr lang="de-DE" sz="1400" dirty="0" smtClean="0">
+                <a:cs typeface="Times New Roman" panose="02020603050405020304" pitchFamily="18" charset="0"/>
+              </a:rPr>
+              <a:t>	}</a:t>
+            </a:r>
+          </a:p>
+          <a:p>
+            <a:pPr>
+              <a:buNone/>
+            </a:pPr>
+            <a:r>
+              <a:rPr lang="de-DE" sz="1400" dirty="0" smtClean="0">
+                <a:cs typeface="Times New Roman" panose="02020603050405020304" pitchFamily="18" charset="0"/>
+              </a:rPr>
+              <a:t>}</a:t>
+            </a:r>
+          </a:p>
+          <a:p>
+            <a:pPr>
+              <a:buNone/>
+            </a:pPr>
+            <a:endParaRPr lang="de-DE" sz="1400" dirty="0"/>
+          </a:p>
+        </p:txBody>
+      </p:sp>
+      <p:sp>
+        <p:nvSpPr>
+          <p:cNvPr id="8" name="Rechteck 7"/>
           <p:cNvSpPr/>
           <p:nvPr/>
         </p:nvSpPr>
         <p:spPr bwMode="auto">
           <a:xfrm>
-            <a:off x="7092280" y="2326035"/>
-            <a:ext cx="1296144" cy="504056"/>
+            <a:off x="4283968" y="1700808"/>
+            <a:ext cx="4680520" cy="4775180"/>
           </a:xfrm>
-          <a:prstGeom prst="snip2SameRect">
-            <a:avLst>
-              <a:gd name="adj1" fmla="val 132"/>
-              <a:gd name="adj2" fmla="val 21495"/>
-            </a:avLst>
+          <a:prstGeom prst="rect">
+            <a:avLst/>
           </a:prstGeom>
           <a:solidFill>
-            <a:srgbClr val="FFC000"/>
+            <a:schemeClr val="accent1">
+              <a:alpha val="0"/>
+            </a:schemeClr>
           </a:solidFill>
           <a:ln w="9525" cap="flat" cmpd="sng" algn="ctr">
             <a:solidFill>
@@ -5248,7 +6074,7 @@
           </a:bodyPr>
           <a:lstStyle/>
           <a:p>
-            <a:pPr marL="0" marR="0" indent="0" algn="ctr" defTabSz="914400" rtl="0" eaLnBrk="0" fontAlgn="base" latinLnBrk="0" hangingPunct="0">
+            <a:pPr marL="0" marR="0" indent="0" algn="l" defTabSz="914400" rtl="0" eaLnBrk="0" fontAlgn="base" latinLnBrk="0" hangingPunct="0">
               <a:lnSpc>
                 <a:spcPct val="100000"/>
               </a:lnSpc>
@@ -5264,46 +6090,7 @@
               <a:buNone/>
               <a:tabLst/>
             </a:pPr>
-            <a:r>
-              <a:rPr kumimoji="0" lang="de-DE" sz="1600" b="0" i="0" u="none" strike="noStrike" cap="none" normalizeH="0" baseline="0" dirty="0" smtClean="0">
-                <a:ln>
-                  <a:noFill/>
-                </a:ln>
-                <a:solidFill>
-                  <a:schemeClr val="tx1"/>
-                </a:solidFill>
-                <a:effectLst/>
-                <a:latin typeface="+mn-lt"/>
-                <a:ea typeface="ＭＳ Ｐゴシック" pitchFamily="1" charset="-128"/>
-              </a:rPr>
-              <a:t>4 parallele</a:t>
-            </a:r>
-          </a:p>
-          <a:p>
-            <a:pPr marL="0" marR="0" indent="0" algn="ctr" defTabSz="914400" rtl="0" eaLnBrk="0" fontAlgn="base" latinLnBrk="0" hangingPunct="0">
-              <a:lnSpc>
-                <a:spcPct val="100000"/>
-              </a:lnSpc>
-              <a:spcBef>
-                <a:spcPct val="0"/>
-              </a:spcBef>
-              <a:spcAft>
-                <a:spcPct val="0"/>
-              </a:spcAft>
-              <a:buClrTx/>
-              <a:buSzTx/>
-              <a:buFontTx/>
-              <a:buNone/>
-              <a:tabLst/>
-            </a:pPr>
-            <a:r>
-              <a:rPr lang="de-DE" sz="1600" dirty="0" smtClean="0">
-                <a:latin typeface="+mn-lt"/>
-                <a:ea typeface="ＭＳ Ｐゴシック" pitchFamily="1" charset="-128"/>
-              </a:rPr>
-              <a:t>Operationen</a:t>
-            </a:r>
-            <a:endParaRPr kumimoji="0" lang="de-DE" sz="1600" b="0" i="0" u="none" strike="noStrike" cap="none" normalizeH="0" baseline="0" dirty="0" smtClean="0">
+            <a:endParaRPr kumimoji="0" lang="de-DE" sz="2400" b="0" i="0" u="none" strike="noStrike" cap="none" normalizeH="0" baseline="0" smtClean="0">
               <a:ln>
                 <a:noFill/>
               </a:ln>
@@ -5311,7 +6098,7 @@
                 <a:schemeClr val="tx1"/>
               </a:solidFill>
               <a:effectLst/>
-              <a:latin typeface="+mn-lt"/>
+              <a:latin typeface="Arial" charset="0"/>
               <a:ea typeface="ＭＳ Ｐゴシック" pitchFamily="1" charset="-128"/>
             </a:endParaRPr>
           </a:p>
@@ -5319,698 +6106,217 @@
       </p:sp>
       <p:sp>
         <p:nvSpPr>
-          <p:cNvPr id="7" name="Raute 6"/>
-          <p:cNvSpPr/>
-          <p:nvPr/>
+          <p:cNvPr id="3" name="Titel 2"/>
+          <p:cNvSpPr>
+            <a:spLocks noGrp="1"/>
+          </p:cNvSpPr>
+          <p:nvPr>
+            <p:ph type="title"/>
+          </p:nvPr>
         </p:nvSpPr>
-        <p:spPr bwMode="auto">
-          <a:xfrm>
-            <a:off x="7182290" y="3068960"/>
-            <a:ext cx="1116124" cy="504056"/>
-          </a:xfrm>
-          <a:prstGeom prst="diamond">
-            <a:avLst/>
-          </a:prstGeom>
-          <a:solidFill>
-            <a:srgbClr val="FFC000"/>
-          </a:solidFill>
-          <a:ln w="9525" cap="flat" cmpd="sng" algn="ctr">
-            <a:solidFill>
-              <a:schemeClr val="tx1"/>
-            </a:solidFill>
-            <a:prstDash val="solid"/>
-            <a:round/>
-            <a:headEnd type="none" w="med" len="med"/>
-            <a:tailEnd type="none" w="med" len="med"/>
-          </a:ln>
-          <a:effectLst/>
-        </p:spPr>
+        <p:spPr/>
         <p:txBody>
-          <a:bodyPr vert="horz" wrap="square" lIns="91440" tIns="45720" rIns="91440" bIns="45720" numCol="1" rtlCol="0" anchor="t" anchorCtr="0" compatLnSpc="1">
-            <a:prstTxWarp prst="textNoShape">
-              <a:avLst/>
-            </a:prstTxWarp>
-          </a:bodyPr>
+          <a:bodyPr/>
           <a:lstStyle/>
           <a:p>
-            <a:pPr marL="0" marR="0" indent="0" algn="ctr" defTabSz="914400" rtl="0" eaLnBrk="0" fontAlgn="base" latinLnBrk="0" hangingPunct="0">
-              <a:lnSpc>
-                <a:spcPct val="100000"/>
-              </a:lnSpc>
-              <a:spcBef>
-                <a:spcPct val="0"/>
-              </a:spcBef>
-              <a:spcAft>
-                <a:spcPct val="0"/>
-              </a:spcAft>
-              <a:buClrTx/>
-              <a:buSzTx/>
-              <a:buFontTx/>
-              <a:buNone/>
-              <a:tabLst/>
-            </a:pPr>
-            <a:r>
-              <a:rPr kumimoji="0" lang="de-DE" sz="1600" b="0" i="0" u="none" strike="noStrike" cap="none" normalizeH="0" baseline="0" dirty="0" smtClean="0">
-                <a:ln>
-                  <a:noFill/>
-                </a:ln>
-                <a:solidFill>
-                  <a:schemeClr val="tx1"/>
-                </a:solidFill>
-                <a:effectLst/>
-                <a:latin typeface="+mn-lt"/>
-                <a:ea typeface="ＭＳ Ｐゴシック" pitchFamily="1" charset="-128"/>
-              </a:rPr>
-              <a:t>&gt;=2</a:t>
-            </a:r>
+            <a:r>
+              <a:rPr lang="de-DE" dirty="0"/>
+              <a:t>MFCC: Filterbank-Optimierung </a:t>
+            </a:r>
+            <a:r>
+              <a:rPr lang="de-DE" dirty="0" smtClean="0"/>
+              <a:t>ARM (2)</a:t>
+            </a:r>
+            <a:endParaRPr lang="de-DE" dirty="0"/>
           </a:p>
         </p:txBody>
       </p:sp>
       <p:sp>
         <p:nvSpPr>
-          <p:cNvPr id="8" name="Ecken des Rechtecks auf der gleichen Seite schneiden 7"/>
-          <p:cNvSpPr/>
+          <p:cNvPr id="9" name="Textfeld 8"/>
+          <p:cNvSpPr txBox="1"/>
           <p:nvPr/>
         </p:nvSpPr>
-        <p:spPr bwMode="auto">
+        <p:spPr>
           <a:xfrm>
-            <a:off x="7092280" y="3717032"/>
-            <a:ext cx="1296144" cy="504056"/>
+            <a:off x="683568" y="1268760"/>
+            <a:ext cx="2880320" cy="461665"/>
           </a:xfrm>
-          <a:prstGeom prst="snip2SameRect">
-            <a:avLst>
-              <a:gd name="adj1" fmla="val 132"/>
-              <a:gd name="adj2" fmla="val 21495"/>
-            </a:avLst>
+          <a:prstGeom prst="rect">
+            <a:avLst/>
           </a:prstGeom>
-          <a:solidFill>
-            <a:srgbClr val="FFC000"/>
-          </a:solidFill>
-          <a:ln w="9525" cap="flat" cmpd="sng" algn="ctr">
-            <a:solidFill>
-              <a:schemeClr val="tx1"/>
-            </a:solidFill>
-            <a:prstDash val="solid"/>
-            <a:round/>
-            <a:headEnd type="none" w="med" len="med"/>
-            <a:tailEnd type="none" w="med" len="med"/>
-          </a:ln>
-          <a:effectLst/>
+          <a:noFill/>
         </p:spPr>
         <p:txBody>
-          <a:bodyPr vert="horz" wrap="square" lIns="91440" tIns="45720" rIns="91440" bIns="45720" numCol="1" rtlCol="0" anchor="t" anchorCtr="0" compatLnSpc="1">
-            <a:prstTxWarp prst="textNoShape">
-              <a:avLst/>
-            </a:prstTxWarp>
+          <a:bodyPr wrap="square" rtlCol="0">
+            <a:spAutoFit/>
           </a:bodyPr>
           <a:lstStyle/>
           <a:p>
-            <a:pPr marL="0" marR="0" indent="0" algn="ctr" defTabSz="914400" rtl="0" eaLnBrk="0" fontAlgn="base" latinLnBrk="0" hangingPunct="0">
-              <a:lnSpc>
-                <a:spcPct val="100000"/>
-              </a:lnSpc>
-              <a:spcBef>
-                <a:spcPct val="0"/>
-              </a:spcBef>
-              <a:spcAft>
-                <a:spcPct val="0"/>
-              </a:spcAft>
-              <a:buClrTx/>
-              <a:buSzTx/>
-              <a:buFontTx/>
-              <a:buNone/>
-              <a:tabLst/>
-            </a:pPr>
-            <a:r>
-              <a:rPr lang="de-DE" sz="1600" dirty="0">
+            <a:pPr algn="ctr"/>
+            <a:r>
+              <a:rPr lang="de-DE" dirty="0" smtClean="0">
                 <a:latin typeface="+mn-lt"/>
-                <a:ea typeface="ＭＳ Ｐゴシック" pitchFamily="1" charset="-128"/>
-              </a:rPr>
-              <a:t>2</a:t>
-            </a:r>
-            <a:r>
-              <a:rPr kumimoji="0" lang="de-DE" sz="1600" b="0" i="0" u="none" strike="noStrike" cap="none" normalizeH="0" baseline="0" dirty="0" smtClean="0">
-                <a:ln>
-                  <a:noFill/>
-                </a:ln>
-                <a:solidFill>
-                  <a:schemeClr val="tx1"/>
-                </a:solidFill>
-                <a:effectLst/>
-                <a:latin typeface="+mn-lt"/>
-                <a:ea typeface="ＭＳ Ｐゴシック" pitchFamily="1" charset="-128"/>
-              </a:rPr>
-              <a:t> parallele</a:t>
-            </a:r>
-          </a:p>
-          <a:p>
-            <a:pPr marL="0" marR="0" indent="0" algn="ctr" defTabSz="914400" rtl="0" eaLnBrk="0" fontAlgn="base" latinLnBrk="0" hangingPunct="0">
-              <a:lnSpc>
-                <a:spcPct val="100000"/>
-              </a:lnSpc>
-              <a:spcBef>
-                <a:spcPct val="0"/>
-              </a:spcBef>
-              <a:spcAft>
-                <a:spcPct val="0"/>
-              </a:spcAft>
-              <a:buClrTx/>
-              <a:buSzTx/>
-              <a:buFontTx/>
-              <a:buNone/>
-              <a:tabLst/>
-            </a:pPr>
-            <a:r>
-              <a:rPr lang="de-DE" sz="1600" dirty="0" smtClean="0">
-                <a:latin typeface="+mn-lt"/>
-                <a:ea typeface="ＭＳ Ｐゴシック" pitchFamily="1" charset="-128"/>
-              </a:rPr>
-              <a:t>Operationen</a:t>
-            </a:r>
-            <a:endParaRPr kumimoji="0" lang="de-DE" sz="1600" b="0" i="0" u="none" strike="noStrike" cap="none" normalizeH="0" baseline="0" dirty="0" smtClean="0">
-              <a:ln>
-                <a:noFill/>
-              </a:ln>
-              <a:solidFill>
-                <a:schemeClr val="tx1"/>
-              </a:solidFill>
-              <a:effectLst/>
+              </a:rPr>
+              <a:t>Referenz-Code</a:t>
+            </a:r>
+            <a:endParaRPr lang="de-DE" dirty="0">
               <a:latin typeface="+mn-lt"/>
-              <a:ea typeface="ＭＳ Ｐゴシック" pitchFamily="1" charset="-128"/>
             </a:endParaRPr>
           </a:p>
         </p:txBody>
       </p:sp>
       <p:sp>
         <p:nvSpPr>
-          <p:cNvPr id="10" name="Ecken des Rechtecks auf der gleichen Seite schneiden 9"/>
-          <p:cNvSpPr/>
+          <p:cNvPr id="10" name="Textfeld 9"/>
+          <p:cNvSpPr txBox="1"/>
           <p:nvPr/>
         </p:nvSpPr>
-        <p:spPr bwMode="auto">
+        <p:spPr>
           <a:xfrm>
-            <a:off x="7080330" y="5301208"/>
-            <a:ext cx="1296144" cy="360040"/>
+            <a:off x="5076056" y="1196752"/>
+            <a:ext cx="2880320" cy="461665"/>
           </a:xfrm>
-          <a:prstGeom prst="snip2SameRect">
-            <a:avLst>
-              <a:gd name="adj1" fmla="val 132"/>
-              <a:gd name="adj2" fmla="val 21495"/>
-            </a:avLst>
+          <a:prstGeom prst="rect">
+            <a:avLst/>
           </a:prstGeom>
-          <a:solidFill>
-            <a:srgbClr val="FFC000"/>
-          </a:solidFill>
-          <a:ln w="9525" cap="flat" cmpd="sng" algn="ctr">
-            <a:solidFill>
-              <a:schemeClr val="tx1"/>
-            </a:solidFill>
-            <a:prstDash val="solid"/>
-            <a:round/>
-            <a:headEnd type="none" w="med" len="med"/>
-            <a:tailEnd type="none" w="med" len="med"/>
-          </a:ln>
-          <a:effectLst/>
+          <a:noFill/>
         </p:spPr>
         <p:txBody>
-          <a:bodyPr vert="horz" wrap="square" lIns="91440" tIns="45720" rIns="91440" bIns="45720" numCol="1" rtlCol="0" anchor="t" anchorCtr="0" compatLnSpc="1">
-            <a:prstTxWarp prst="textNoShape">
-              <a:avLst/>
-            </a:prstTxWarp>
+          <a:bodyPr wrap="square" rtlCol="0">
+            <a:spAutoFit/>
           </a:bodyPr>
           <a:lstStyle/>
           <a:p>
-            <a:pPr marL="0" marR="0" indent="0" algn="ctr" defTabSz="914400" rtl="0" eaLnBrk="0" fontAlgn="base" latinLnBrk="0" hangingPunct="0">
-              <a:lnSpc>
-                <a:spcPct val="100000"/>
-              </a:lnSpc>
-              <a:spcBef>
-                <a:spcPct val="0"/>
-              </a:spcBef>
-              <a:spcAft>
-                <a:spcPct val="0"/>
-              </a:spcAft>
-              <a:buClrTx/>
-              <a:buSzTx/>
-              <a:buFontTx/>
-              <a:buNone/>
-              <a:tabLst/>
-            </a:pPr>
-            <a:r>
-              <a:rPr lang="de-DE" sz="1600" dirty="0" smtClean="0">
+            <a:pPr algn="ctr"/>
+            <a:r>
+              <a:rPr lang="de-DE" dirty="0" smtClean="0">
                 <a:latin typeface="+mn-lt"/>
-                <a:ea typeface="ＭＳ Ｐゴシック" pitchFamily="1" charset="-128"/>
-              </a:rPr>
-              <a:t>1Operation</a:t>
-            </a:r>
-            <a:endParaRPr kumimoji="0" lang="de-DE" sz="1600" b="0" i="0" u="none" strike="noStrike" cap="none" normalizeH="0" baseline="0" dirty="0" smtClean="0">
-              <a:ln>
-                <a:noFill/>
-              </a:ln>
-              <a:solidFill>
-                <a:schemeClr val="tx1"/>
-              </a:solidFill>
-              <a:effectLst/>
+              </a:rPr>
+              <a:t>Optimierter Code</a:t>
+            </a:r>
+            <a:endParaRPr lang="de-DE" dirty="0">
               <a:latin typeface="+mn-lt"/>
-              <a:ea typeface="ＭＳ Ｐゴシック" pitchFamily="1" charset="-128"/>
             </a:endParaRPr>
           </a:p>
         </p:txBody>
       </p:sp>
       <p:sp>
         <p:nvSpPr>
-          <p:cNvPr id="12" name="Raute 11"/>
-          <p:cNvSpPr/>
+          <p:cNvPr id="4" name="Textfeld 3"/>
+          <p:cNvSpPr txBox="1"/>
           <p:nvPr/>
         </p:nvSpPr>
-        <p:spPr bwMode="auto">
+        <p:spPr>
           <a:xfrm>
-            <a:off x="7170340" y="4437112"/>
-            <a:ext cx="1116124" cy="504056"/>
+            <a:off x="251520" y="3429000"/>
+            <a:ext cx="3888432" cy="3170099"/>
           </a:xfrm>
-          <a:prstGeom prst="diamond">
+          <a:prstGeom prst="rect">
             <a:avLst/>
           </a:prstGeom>
-          <a:solidFill>
-            <a:srgbClr val="FFC000"/>
-          </a:solidFill>
-          <a:ln w="9525" cap="flat" cmpd="sng" algn="ctr">
-            <a:solidFill>
-              <a:schemeClr val="tx1"/>
-            </a:solidFill>
-            <a:prstDash val="solid"/>
-            <a:round/>
-            <a:headEnd type="none" w="med" len="med"/>
-            <a:tailEnd type="none" w="med" len="med"/>
-          </a:ln>
-          <a:effectLst/>
+          <a:noFill/>
         </p:spPr>
         <p:txBody>
-          <a:bodyPr vert="horz" wrap="square" lIns="91440" tIns="45720" rIns="91440" bIns="45720" numCol="1" rtlCol="0" anchor="t" anchorCtr="0" compatLnSpc="1">
-            <a:prstTxWarp prst="textNoShape">
-              <a:avLst/>
-            </a:prstTxWarp>
+          <a:bodyPr wrap="square" rtlCol="0">
+            <a:spAutoFit/>
           </a:bodyPr>
           <a:lstStyle/>
           <a:p>
-            <a:pPr marL="0" marR="0" indent="0" algn="ctr" defTabSz="914400" rtl="0" eaLnBrk="0" fontAlgn="base" latinLnBrk="0" hangingPunct="0">
-              <a:lnSpc>
-                <a:spcPct val="100000"/>
-              </a:lnSpc>
-              <a:spcBef>
-                <a:spcPct val="0"/>
-              </a:spcBef>
-              <a:spcAft>
-                <a:spcPct val="0"/>
-              </a:spcAft>
-              <a:buClrTx/>
-              <a:buSzTx/>
-              <a:buFontTx/>
-              <a:buNone/>
-              <a:tabLst/>
+            <a:pPr marL="342900" indent="-342900">
+              <a:buFont typeface="Wingdings" panose="05000000000000000000" pitchFamily="2" charset="2"/>
+              <a:buChar char="§"/>
             </a:pPr>
             <a:r>
-              <a:rPr kumimoji="0" lang="de-DE" sz="1600" b="0" i="0" u="none" strike="noStrike" cap="none" normalizeH="0" baseline="0" dirty="0" smtClean="0">
-                <a:ln>
-                  <a:noFill/>
-                </a:ln>
-                <a:solidFill>
-                  <a:schemeClr val="tx1"/>
-                </a:solidFill>
-                <a:effectLst/>
+              <a:rPr lang="de-DE" dirty="0">
                 <a:latin typeface="+mn-lt"/>
-                <a:ea typeface="ＭＳ Ｐゴシック" pitchFamily="1" charset="-128"/>
-              </a:rPr>
-              <a:t>=1</a:t>
-            </a:r>
+              </a:rPr>
+              <a:t>D</a:t>
+            </a:r>
+            <a:r>
+              <a:rPr lang="de-DE" dirty="0" smtClean="0">
+                <a:latin typeface="+mn-lt"/>
+              </a:rPr>
+              <a:t>rei Abschnitte:</a:t>
+            </a:r>
+          </a:p>
+          <a:p>
+            <a:pPr marL="914400" lvl="1" indent="-457200">
+              <a:buFont typeface="+mj-lt"/>
+              <a:buAutoNum type="arabicPeriod"/>
+            </a:pPr>
+            <a:r>
+              <a:rPr lang="de-DE" dirty="0" smtClean="0">
+                <a:latin typeface="+mn-lt"/>
+              </a:rPr>
+              <a:t>4 Parallele Operationen</a:t>
+            </a:r>
+          </a:p>
+          <a:p>
+            <a:pPr marL="914400" lvl="1" indent="-457200">
+              <a:buFont typeface="+mj-lt"/>
+              <a:buAutoNum type="arabicPeriod"/>
+            </a:pPr>
+            <a:r>
+              <a:rPr lang="de-DE" dirty="0" smtClean="0">
+                <a:latin typeface="+mn-lt"/>
+              </a:rPr>
+              <a:t>2 Parallele Operationen</a:t>
+            </a:r>
+          </a:p>
+          <a:p>
+            <a:pPr marL="914400" lvl="1" indent="-457200">
+              <a:buFont typeface="+mj-lt"/>
+              <a:buAutoNum type="arabicPeriod"/>
+            </a:pPr>
+            <a:r>
+              <a:rPr lang="de-DE" dirty="0" smtClean="0">
+                <a:latin typeface="+mn-lt"/>
+              </a:rPr>
+              <a:t>1 Operation</a:t>
+            </a:r>
+          </a:p>
+          <a:p>
+            <a:pPr marL="342900" indent="-342900">
+              <a:buFont typeface="Wingdings" panose="05000000000000000000" pitchFamily="2" charset="2"/>
+              <a:buChar char="§"/>
+            </a:pPr>
+            <a:r>
+              <a:rPr lang="de-DE" dirty="0" smtClean="0">
+                <a:latin typeface="+mn-lt"/>
+              </a:rPr>
+              <a:t>Aufsummierung der Einzelergebnisse</a:t>
+            </a:r>
+          </a:p>
+          <a:p>
+            <a:endParaRPr lang="de-DE" sz="800" dirty="0" smtClean="0">
+              <a:latin typeface="+mn-lt"/>
+            </a:endParaRPr>
+          </a:p>
+          <a:p>
+            <a:r>
+              <a:rPr lang="de-DE" dirty="0" smtClean="0">
+                <a:latin typeface="+mn-lt"/>
+                <a:sym typeface="Wingdings" panose="05000000000000000000" pitchFamily="2" charset="2"/>
+              </a:rPr>
+              <a:t></a:t>
+            </a:r>
+            <a:r>
+              <a:rPr lang="de-DE" dirty="0" smtClean="0">
+                <a:latin typeface="+mn-lt"/>
+              </a:rPr>
+              <a:t>Beschleunigung um Faktor 1,9</a:t>
+            </a:r>
+            <a:endParaRPr lang="de-DE" dirty="0">
+              <a:latin typeface="+mn-lt"/>
+            </a:endParaRPr>
           </a:p>
         </p:txBody>
       </p:sp>
-      <p:sp>
-        <p:nvSpPr>
-          <p:cNvPr id="13" name="Ellipse 12"/>
-          <p:cNvSpPr/>
-          <p:nvPr/>
-        </p:nvSpPr>
-        <p:spPr bwMode="auto">
-          <a:xfrm>
-            <a:off x="7296354" y="6021288"/>
-            <a:ext cx="864096" cy="252028"/>
-          </a:xfrm>
-          <a:prstGeom prst="ellipse">
-            <a:avLst/>
-          </a:prstGeom>
-          <a:solidFill>
-            <a:schemeClr val="accent2"/>
-          </a:solidFill>
-          <a:ln w="9525" cap="flat" cmpd="sng" algn="ctr">
-            <a:solidFill>
-              <a:schemeClr val="tx1"/>
-            </a:solidFill>
-            <a:prstDash val="solid"/>
-            <a:round/>
-            <a:headEnd type="none" w="med" len="med"/>
-            <a:tailEnd type="none" w="med" len="med"/>
-          </a:ln>
-          <a:effectLst/>
-        </p:spPr>
-        <p:txBody>
-          <a:bodyPr vert="horz" wrap="square" lIns="91440" tIns="45720" rIns="91440" bIns="45720" numCol="1" rtlCol="0" anchor="ctr" anchorCtr="0" compatLnSpc="1">
-            <a:prstTxWarp prst="textNoShape">
-              <a:avLst/>
-            </a:prstTxWarp>
-          </a:bodyPr>
-          <a:lstStyle/>
-          <a:p>
-            <a:pPr marL="0" marR="0" indent="0" algn="ctr" defTabSz="914400" rtl="0" eaLnBrk="0" fontAlgn="base" latinLnBrk="0" hangingPunct="0">
-              <a:lnSpc>
-                <a:spcPct val="100000"/>
-              </a:lnSpc>
-              <a:spcBef>
-                <a:spcPct val="0"/>
-              </a:spcBef>
-              <a:spcAft>
-                <a:spcPct val="0"/>
-              </a:spcAft>
-              <a:buClrTx/>
-              <a:buSzTx/>
-              <a:buFontTx/>
-              <a:buNone/>
-              <a:tabLst/>
-            </a:pPr>
-            <a:r>
-              <a:rPr kumimoji="0" lang="de-DE" sz="1600" b="0" i="0" u="none" strike="noStrike" cap="none" normalizeH="0" baseline="0" dirty="0" smtClean="0">
-                <a:ln>
-                  <a:noFill/>
-                </a:ln>
-                <a:solidFill>
-                  <a:schemeClr val="tx1"/>
-                </a:solidFill>
-                <a:effectLst/>
-                <a:latin typeface="+mn-lt"/>
-                <a:ea typeface="ＭＳ Ｐゴシック" pitchFamily="1" charset="-128"/>
-              </a:rPr>
-              <a:t>Ende</a:t>
-            </a:r>
-          </a:p>
-        </p:txBody>
-      </p:sp>
-      <p:cxnSp>
-        <p:nvCxnSpPr>
-          <p:cNvPr id="15" name="Gerade Verbindung mit Pfeil 14"/>
-          <p:cNvCxnSpPr>
-            <a:stCxn id="4" idx="4"/>
-            <a:endCxn id="5" idx="1"/>
-          </p:cNvCxnSpPr>
-          <p:nvPr/>
-        </p:nvCxnSpPr>
-        <p:spPr bwMode="auto">
-          <a:xfrm flipH="1">
-            <a:off x="7727980" y="1412776"/>
-            <a:ext cx="12372" cy="293390"/>
-          </a:xfrm>
-          <a:prstGeom prst="straightConnector1">
-            <a:avLst/>
-          </a:prstGeom>
-          <a:solidFill>
-            <a:schemeClr val="accent1"/>
-          </a:solidFill>
-          <a:ln w="9525" cap="flat" cmpd="sng" algn="ctr">
-            <a:solidFill>
-              <a:schemeClr val="tx1"/>
-            </a:solidFill>
-            <a:prstDash val="solid"/>
-            <a:round/>
-            <a:headEnd type="none" w="med" len="med"/>
-            <a:tailEnd type="arrow"/>
-          </a:ln>
-          <a:effectLst/>
-        </p:spPr>
-      </p:cxnSp>
-      <p:cxnSp>
-        <p:nvCxnSpPr>
-          <p:cNvPr id="18" name="Gerade Verbindung mit Pfeil 17"/>
-          <p:cNvCxnSpPr>
-            <a:stCxn id="5" idx="4"/>
-            <a:endCxn id="6" idx="3"/>
-          </p:cNvCxnSpPr>
-          <p:nvPr/>
-        </p:nvCxnSpPr>
-        <p:spPr bwMode="auto">
-          <a:xfrm>
-            <a:off x="7727980" y="1994198"/>
-            <a:ext cx="12372" cy="331837"/>
-          </a:xfrm>
-          <a:prstGeom prst="straightConnector1">
-            <a:avLst/>
-          </a:prstGeom>
-          <a:solidFill>
-            <a:schemeClr val="accent1"/>
-          </a:solidFill>
-          <a:ln w="9525" cap="flat" cmpd="sng" algn="ctr">
-            <a:solidFill>
-              <a:schemeClr val="tx1"/>
-            </a:solidFill>
-            <a:prstDash val="solid"/>
-            <a:round/>
-            <a:headEnd type="none" w="med" len="med"/>
-            <a:tailEnd type="arrow"/>
-          </a:ln>
-          <a:effectLst/>
-        </p:spPr>
-      </p:cxnSp>
-      <p:cxnSp>
-        <p:nvCxnSpPr>
-          <p:cNvPr id="21" name="Gerade Verbindung mit Pfeil 20"/>
-          <p:cNvCxnSpPr>
-            <a:stCxn id="6" idx="1"/>
-            <a:endCxn id="7" idx="0"/>
-          </p:cNvCxnSpPr>
-          <p:nvPr/>
-        </p:nvCxnSpPr>
-        <p:spPr bwMode="auto">
-          <a:xfrm>
-            <a:off x="7740352" y="2830091"/>
-            <a:ext cx="0" cy="238869"/>
-          </a:xfrm>
-          <a:prstGeom prst="straightConnector1">
-            <a:avLst/>
-          </a:prstGeom>
-          <a:solidFill>
-            <a:schemeClr val="accent1"/>
-          </a:solidFill>
-          <a:ln w="9525" cap="flat" cmpd="sng" algn="ctr">
-            <a:solidFill>
-              <a:schemeClr val="tx1"/>
-            </a:solidFill>
-            <a:prstDash val="solid"/>
-            <a:round/>
-            <a:headEnd type="none" w="med" len="med"/>
-            <a:tailEnd type="arrow"/>
-          </a:ln>
-          <a:effectLst/>
-        </p:spPr>
-      </p:cxnSp>
-      <p:cxnSp>
-        <p:nvCxnSpPr>
-          <p:cNvPr id="24" name="Gerade Verbindung mit Pfeil 23"/>
-          <p:cNvCxnSpPr>
-            <a:stCxn id="7" idx="2"/>
-            <a:endCxn id="8" idx="3"/>
-          </p:cNvCxnSpPr>
-          <p:nvPr/>
-        </p:nvCxnSpPr>
-        <p:spPr bwMode="auto">
-          <a:xfrm>
-            <a:off x="7740352" y="3573016"/>
-            <a:ext cx="0" cy="144016"/>
-          </a:xfrm>
-          <a:prstGeom prst="straightConnector1">
-            <a:avLst/>
-          </a:prstGeom>
-          <a:solidFill>
-            <a:schemeClr val="accent1"/>
-          </a:solidFill>
-          <a:ln w="9525" cap="flat" cmpd="sng" algn="ctr">
-            <a:solidFill>
-              <a:schemeClr val="tx1"/>
-            </a:solidFill>
-            <a:prstDash val="solid"/>
-            <a:round/>
-            <a:headEnd type="none" w="med" len="med"/>
-            <a:tailEnd type="arrow"/>
-          </a:ln>
-          <a:effectLst/>
-        </p:spPr>
-      </p:cxnSp>
-      <p:cxnSp>
-        <p:nvCxnSpPr>
-          <p:cNvPr id="27" name="Gerade Verbindung mit Pfeil 26"/>
-          <p:cNvCxnSpPr>
-            <a:stCxn id="8" idx="1"/>
-            <a:endCxn id="12" idx="0"/>
-          </p:cNvCxnSpPr>
-          <p:nvPr/>
-        </p:nvCxnSpPr>
-        <p:spPr bwMode="auto">
-          <a:xfrm flipH="1">
-            <a:off x="7728402" y="4221088"/>
-            <a:ext cx="11950" cy="216024"/>
-          </a:xfrm>
-          <a:prstGeom prst="straightConnector1">
-            <a:avLst/>
-          </a:prstGeom>
-          <a:solidFill>
-            <a:schemeClr val="accent1"/>
-          </a:solidFill>
-          <a:ln w="9525" cap="flat" cmpd="sng" algn="ctr">
-            <a:solidFill>
-              <a:schemeClr val="tx1"/>
-            </a:solidFill>
-            <a:prstDash val="solid"/>
-            <a:round/>
-            <a:headEnd type="none" w="med" len="med"/>
-            <a:tailEnd type="arrow"/>
-          </a:ln>
-          <a:effectLst/>
-        </p:spPr>
-      </p:cxnSp>
-      <p:cxnSp>
-        <p:nvCxnSpPr>
-          <p:cNvPr id="30" name="Gerade Verbindung mit Pfeil 29"/>
-          <p:cNvCxnSpPr>
-            <a:stCxn id="12" idx="2"/>
-            <a:endCxn id="10" idx="3"/>
-          </p:cNvCxnSpPr>
-          <p:nvPr/>
-        </p:nvCxnSpPr>
-        <p:spPr bwMode="auto">
-          <a:xfrm>
-            <a:off x="7728402" y="4941168"/>
-            <a:ext cx="0" cy="360040"/>
-          </a:xfrm>
-          <a:prstGeom prst="straightConnector1">
-            <a:avLst/>
-          </a:prstGeom>
-          <a:solidFill>
-            <a:schemeClr val="accent1"/>
-          </a:solidFill>
-          <a:ln w="9525" cap="flat" cmpd="sng" algn="ctr">
-            <a:solidFill>
-              <a:schemeClr val="tx1"/>
-            </a:solidFill>
-            <a:prstDash val="solid"/>
-            <a:round/>
-            <a:headEnd type="none" w="med" len="med"/>
-            <a:tailEnd type="arrow"/>
-          </a:ln>
-          <a:effectLst/>
-        </p:spPr>
-      </p:cxnSp>
-      <p:cxnSp>
-        <p:nvCxnSpPr>
-          <p:cNvPr id="33" name="Gerade Verbindung mit Pfeil 32"/>
-          <p:cNvCxnSpPr>
-            <a:stCxn id="10" idx="1"/>
-            <a:endCxn id="13" idx="0"/>
-          </p:cNvCxnSpPr>
-          <p:nvPr/>
-        </p:nvCxnSpPr>
-        <p:spPr bwMode="auto">
-          <a:xfrm>
-            <a:off x="7728402" y="5661248"/>
-            <a:ext cx="0" cy="360040"/>
-          </a:xfrm>
-          <a:prstGeom prst="straightConnector1">
-            <a:avLst/>
-          </a:prstGeom>
-          <a:solidFill>
-            <a:schemeClr val="accent1"/>
-          </a:solidFill>
-          <a:ln w="9525" cap="flat" cmpd="sng" algn="ctr">
-            <a:solidFill>
-              <a:schemeClr val="tx1"/>
-            </a:solidFill>
-            <a:prstDash val="solid"/>
-            <a:round/>
-            <a:headEnd type="none" w="med" len="med"/>
-            <a:tailEnd type="arrow"/>
-          </a:ln>
-          <a:effectLst/>
-        </p:spPr>
-      </p:cxnSp>
-      <p:cxnSp>
-        <p:nvCxnSpPr>
-          <p:cNvPr id="37" name="Gewinkelte Verbindung 36"/>
-          <p:cNvCxnSpPr>
-            <a:stCxn id="7" idx="3"/>
-          </p:cNvCxnSpPr>
-          <p:nvPr/>
-        </p:nvCxnSpPr>
-        <p:spPr bwMode="auto">
-          <a:xfrm flipH="1">
-            <a:off x="7740352" y="3320988"/>
-            <a:ext cx="558062" cy="1116124"/>
-          </a:xfrm>
-          <a:prstGeom prst="bentConnector4">
-            <a:avLst>
-              <a:gd name="adj1" fmla="val -40963"/>
-              <a:gd name="adj2" fmla="val 95426"/>
-            </a:avLst>
-          </a:prstGeom>
-          <a:solidFill>
-            <a:schemeClr val="accent1"/>
-          </a:solidFill>
-          <a:ln w="9525" cap="flat" cmpd="sng" algn="ctr">
-            <a:solidFill>
-              <a:schemeClr val="tx1"/>
-            </a:solidFill>
-            <a:prstDash val="solid"/>
-            <a:round/>
-            <a:headEnd type="none" w="med" len="med"/>
-            <a:tailEnd type="arrow"/>
-          </a:ln>
-          <a:effectLst/>
-        </p:spPr>
-      </p:cxnSp>
-      <p:cxnSp>
-        <p:nvCxnSpPr>
-          <p:cNvPr id="40" name="Gewinkelte Verbindung 39"/>
-          <p:cNvCxnSpPr>
-            <a:stCxn id="12" idx="3"/>
-          </p:cNvCxnSpPr>
-          <p:nvPr/>
-        </p:nvCxnSpPr>
-        <p:spPr bwMode="auto">
-          <a:xfrm flipH="1">
-            <a:off x="7727980" y="4689140"/>
-            <a:ext cx="558484" cy="1260140"/>
-          </a:xfrm>
-          <a:prstGeom prst="bentConnector4">
-            <a:avLst>
-              <a:gd name="adj1" fmla="val -40932"/>
-              <a:gd name="adj2" fmla="val 99305"/>
-            </a:avLst>
-          </a:prstGeom>
-          <a:solidFill>
-            <a:schemeClr val="accent1"/>
-          </a:solidFill>
-          <a:ln w="9525" cap="flat" cmpd="sng" algn="ctr">
-            <a:solidFill>
-              <a:schemeClr val="tx1"/>
-            </a:solidFill>
-            <a:prstDash val="solid"/>
-            <a:round/>
-            <a:headEnd type="none" w="med" len="med"/>
-            <a:tailEnd type="arrow"/>
-          </a:ln>
-          <a:effectLst/>
-        </p:spPr>
-      </p:cxnSp>
     </p:spTree>
     <p:extLst>
       <p:ext uri="{BB962C8B-B14F-4D97-AF65-F5344CB8AC3E}">
-        <p14:creationId xmlns:p14="http://schemas.microsoft.com/office/powerpoint/2010/main" val="1423733875"/>
+        <p14:creationId xmlns:p14="http://schemas.microsoft.com/office/powerpoint/2010/main" xmlns="" val="1423733875"/>
       </p:ext>
     </p:extLst>
   </p:cSld>
@@ -6038,163 +6344,164 @@
                             </p:stCondLst>
                             <p:childTnLst>
                               <p:par>
-                                <p:cTn id="5" presetID="1" presetClass="entr" presetSubtype="0" fill="hold" nodeType="clickEffect">
+                                <p:cTn id="5" presetID="3" presetClass="emph" presetSubtype="2" fill="hold" nodeType="clickEffect">
                                   <p:stCondLst>
                                     <p:cond delay="0"/>
                                   </p:stCondLst>
                                   <p:childTnLst>
-                                    <p:set>
-                                      <p:cBhvr>
-                                        <p:cTn id="6" dur="1" fill="hold">
-                                          <p:stCondLst>
-                                            <p:cond delay="0"/>
-                                          </p:stCondLst>
-                                        </p:cTn>
+                                    <p:animClr clrSpc="rgb" dir="cw">
+                                      <p:cBhvr override="childStyle">
+                                        <p:cTn id="6" dur="10" fill="hold"/>
                                         <p:tgtEl>
-                                          <p:spTgt spid="2">
+                                          <p:spTgt spid="6">
                                             <p:txEl>
-                                              <p:pRg st="1" end="1"/>
+                                              <p:pRg st="4" end="4"/>
                                             </p:txEl>
                                           </p:spTgt>
                                         </p:tgtEl>
                                         <p:attrNameLst>
-                                          <p:attrName>style.visibility</p:attrName>
+                                          <p:attrName>style.color</p:attrName>
                                         </p:attrNameLst>
                                       </p:cBhvr>
                                       <p:to>
-                                        <p:strVal val="visible"/>
+                                        <a:srgbClr val="7030A0"/>
                                       </p:to>
-                                    </p:set>
+                                    </p:animClr>
                                   </p:childTnLst>
                                 </p:cTn>
                               </p:par>
                               <p:par>
-                                <p:cTn id="7" presetID="1" presetClass="entr" presetSubtype="0" fill="hold" nodeType="withEffect">
+                                <p:cTn id="7" presetID="3" presetClass="emph" presetSubtype="2" fill="hold" nodeType="withEffect">
                                   <p:stCondLst>
                                     <p:cond delay="0"/>
                                   </p:stCondLst>
                                   <p:childTnLst>
-                                    <p:set>
-                                      <p:cBhvr>
-                                        <p:cTn id="8" dur="1" fill="hold">
-                                          <p:stCondLst>
-                                            <p:cond delay="0"/>
-                                          </p:stCondLst>
-                                        </p:cTn>
+                                    <p:animClr clrSpc="rgb" dir="cw">
+                                      <p:cBhvr override="childStyle">
+                                        <p:cTn id="8" dur="10" fill="hold"/>
                                         <p:tgtEl>
-                                          <p:spTgt spid="15"/>
+                                          <p:spTgt spid="6">
+                                            <p:txEl>
+                                              <p:pRg st="5" end="5"/>
+                                            </p:txEl>
+                                          </p:spTgt>
                                         </p:tgtEl>
                                         <p:attrNameLst>
-                                          <p:attrName>style.visibility</p:attrName>
+                                          <p:attrName>style.color</p:attrName>
                                         </p:attrNameLst>
                                       </p:cBhvr>
                                       <p:to>
-                                        <p:strVal val="visible"/>
+                                        <a:srgbClr val="7030A0"/>
                                       </p:to>
-                                    </p:set>
+                                    </p:animClr>
                                   </p:childTnLst>
                                 </p:cTn>
                               </p:par>
                               <p:par>
-                                <p:cTn id="9" presetID="1" presetClass="entr" presetSubtype="0" fill="hold" grpId="0" nodeType="withEffect">
+                                <p:cTn id="9" presetID="3" presetClass="emph" presetSubtype="2" fill="hold" nodeType="withEffect">
                                   <p:stCondLst>
                                     <p:cond delay="0"/>
                                   </p:stCondLst>
                                   <p:childTnLst>
-                                    <p:set>
-                                      <p:cBhvr>
-                                        <p:cTn id="10" dur="1" fill="hold">
-                                          <p:stCondLst>
-                                            <p:cond delay="0"/>
-                                          </p:stCondLst>
-                                        </p:cTn>
+                                    <p:animClr clrSpc="rgb" dir="cw">
+                                      <p:cBhvr override="childStyle">
+                                        <p:cTn id="10" dur="10" fill="hold"/>
                                         <p:tgtEl>
-                                          <p:spTgt spid="5"/>
+                                          <p:spTgt spid="6">
+                                            <p:txEl>
+                                              <p:pRg st="6" end="6"/>
+                                            </p:txEl>
+                                          </p:spTgt>
                                         </p:tgtEl>
                                         <p:attrNameLst>
-                                          <p:attrName>style.visibility</p:attrName>
+                                          <p:attrName>style.color</p:attrName>
                                         </p:attrNameLst>
                                       </p:cBhvr>
                                       <p:to>
-                                        <p:strVal val="visible"/>
+                                        <a:srgbClr val="7030A0"/>
                                       </p:to>
-                                    </p:set>
+                                    </p:animClr>
                                   </p:childTnLst>
                                 </p:cTn>
                               </p:par>
-                            </p:childTnLst>
-                          </p:cTn>
-                        </p:par>
-                      </p:childTnLst>
-                    </p:cTn>
-                  </p:par>
-                  <p:par>
-                    <p:cTn id="11" fill="hold">
-                      <p:stCondLst>
-                        <p:cond delay="indefinite"/>
-                      </p:stCondLst>
-                      <p:childTnLst>
-                        <p:par>
-                          <p:cTn id="12" fill="hold">
-                            <p:stCondLst>
-                              <p:cond delay="0"/>
-                            </p:stCondLst>
-                            <p:childTnLst>
                               <p:par>
-                                <p:cTn id="13" presetID="1" presetClass="entr" presetSubtype="0" fill="hold" nodeType="clickEffect">
+                                <p:cTn id="11" presetID="3" presetClass="emph" presetSubtype="2" fill="hold" nodeType="withEffect">
                                   <p:stCondLst>
                                     <p:cond delay="0"/>
                                   </p:stCondLst>
                                   <p:childTnLst>
-                                    <p:set>
-                                      <p:cBhvr>
-                                        <p:cTn id="14" dur="1" fill="hold">
-                                          <p:stCondLst>
-                                            <p:cond delay="0"/>
-                                          </p:stCondLst>
-                                        </p:cTn>
+                                    <p:animClr clrSpc="rgb" dir="cw">
+                                      <p:cBhvr override="childStyle">
+                                        <p:cTn id="12" dur="10" fill="hold"/>
                                         <p:tgtEl>
-                                          <p:spTgt spid="2">
+                                          <p:spTgt spid="6">
                                             <p:txEl>
-                                              <p:pRg st="2" end="2"/>
+                                              <p:pRg st="7" end="7"/>
                                             </p:txEl>
                                           </p:spTgt>
                                         </p:tgtEl>
                                         <p:attrNameLst>
-                                          <p:attrName>style.visibility</p:attrName>
+                                          <p:attrName>style.color</p:attrName>
                                         </p:attrNameLst>
                                       </p:cBhvr>
                                       <p:to>
-                                        <p:strVal val="visible"/>
+                                        <a:srgbClr val="7030A0"/>
                                       </p:to>
-                                    </p:set>
+                                    </p:animClr>
                                   </p:childTnLst>
                                 </p:cTn>
                               </p:par>
                               <p:par>
-                                <p:cTn id="15" presetID="1" presetClass="entr" presetSubtype="0" fill="hold" grpId="0" nodeType="withEffect">
+                                <p:cTn id="13" presetID="3" presetClass="emph" presetSubtype="2" fill="hold" nodeType="withEffect">
                                   <p:stCondLst>
                                     <p:cond delay="0"/>
                                   </p:stCondLst>
                                   <p:childTnLst>
-                                    <p:set>
-                                      <p:cBhvr>
-                                        <p:cTn id="16" dur="1" fill="hold">
-                                          <p:stCondLst>
-                                            <p:cond delay="0"/>
-                                          </p:stCondLst>
-                                        </p:cTn>
+                                    <p:animClr clrSpc="rgb" dir="cw">
+                                      <p:cBhvr override="childStyle">
+                                        <p:cTn id="14" dur="10" fill="hold"/>
                                         <p:tgtEl>
-                                          <p:spTgt spid="6"/>
+                                          <p:spTgt spid="6">
+                                            <p:txEl>
+                                              <p:pRg st="8" end="8"/>
+                                            </p:txEl>
+                                          </p:spTgt>
                                         </p:tgtEl>
                                         <p:attrNameLst>
-                                          <p:attrName>style.visibility</p:attrName>
+                                          <p:attrName>style.color</p:attrName>
                                         </p:attrNameLst>
                                       </p:cBhvr>
                                       <p:to>
-                                        <p:strVal val="visible"/>
+                                        <a:srgbClr val="7030A0"/>
                                       </p:to>
-                                    </p:set>
+                                    </p:animClr>
+                                  </p:childTnLst>
+                                </p:cTn>
+                              </p:par>
+                              <p:par>
+                                <p:cTn id="15" presetID="3" presetClass="emph" presetSubtype="2" fill="hold" nodeType="withEffect">
+                                  <p:stCondLst>
+                                    <p:cond delay="0"/>
+                                  </p:stCondLst>
+                                  <p:childTnLst>
+                                    <p:animClr clrSpc="rgb" dir="cw">
+                                      <p:cBhvr override="childStyle">
+                                        <p:cTn id="16" dur="10" fill="hold"/>
+                                        <p:tgtEl>
+                                          <p:spTgt spid="6">
+                                            <p:txEl>
+                                              <p:pRg st="9" end="9"/>
+                                            </p:txEl>
+                                          </p:spTgt>
+                                        </p:tgtEl>
+                                        <p:attrNameLst>
+                                          <p:attrName>style.color</p:attrName>
+                                        </p:attrNameLst>
+                                      </p:cBhvr>
+                                      <p:to>
+                                        <a:srgbClr val="7030A0"/>
+                                      </p:to>
+                                    </p:animClr>
                                   </p:childTnLst>
                                 </p:cTn>
                               </p:par>
@@ -6212,7 +6519,11 @@
                                           </p:stCondLst>
                                         </p:cTn>
                                         <p:tgtEl>
-                                          <p:spTgt spid="18"/>
+                                          <p:spTgt spid="4">
+                                            <p:txEl>
+                                              <p:pRg st="1" end="1"/>
+                                            </p:txEl>
+                                          </p:spTgt>
                                         </p:tgtEl>
                                         <p:attrNameLst>
                                           <p:attrName>style.visibility</p:attrName>
@@ -6244,186 +6555,348 @@
                             </p:stCondLst>
                             <p:childTnLst>
                               <p:par>
-                                <p:cTn id="21" presetID="1" presetClass="entr" presetSubtype="0" fill="hold" nodeType="clickEffect">
+                                <p:cTn id="21" presetID="3" presetClass="emph" presetSubtype="2" fill="hold" nodeType="clickEffect">
+                                  <p:stCondLst>
+                                    <p:cond delay="0"/>
+                                  </p:stCondLst>
+                                  <p:childTnLst>
+                                    <p:animClr clrSpc="rgb" dir="cw">
+                                      <p:cBhvr override="childStyle">
+                                        <p:cTn id="22" dur="10" fill="hold"/>
+                                        <p:tgtEl>
+                                          <p:spTgt spid="6">
+                                            <p:txEl>
+                                              <p:pRg st="4" end="4"/>
+                                            </p:txEl>
+                                          </p:spTgt>
+                                        </p:tgtEl>
+                                        <p:attrNameLst>
+                                          <p:attrName>style.color</p:attrName>
+                                        </p:attrNameLst>
+                                      </p:cBhvr>
+                                      <p:to>
+                                        <a:srgbClr val="000000"/>
+                                      </p:to>
+                                    </p:animClr>
+                                  </p:childTnLst>
+                                </p:cTn>
+                              </p:par>
+                              <p:par>
+                                <p:cTn id="23" presetID="3" presetClass="emph" presetSubtype="2" fill="hold" nodeType="withEffect">
+                                  <p:stCondLst>
+                                    <p:cond delay="0"/>
+                                  </p:stCondLst>
+                                  <p:childTnLst>
+                                    <p:animClr clrSpc="rgb" dir="cw">
+                                      <p:cBhvr override="childStyle">
+                                        <p:cTn id="24" dur="10" fill="hold"/>
+                                        <p:tgtEl>
+                                          <p:spTgt spid="6">
+                                            <p:txEl>
+                                              <p:pRg st="5" end="5"/>
+                                            </p:txEl>
+                                          </p:spTgt>
+                                        </p:tgtEl>
+                                        <p:attrNameLst>
+                                          <p:attrName>style.color</p:attrName>
+                                        </p:attrNameLst>
+                                      </p:cBhvr>
+                                      <p:to>
+                                        <a:srgbClr val="000000"/>
+                                      </p:to>
+                                    </p:animClr>
+                                  </p:childTnLst>
+                                </p:cTn>
+                              </p:par>
+                              <p:par>
+                                <p:cTn id="25" presetID="3" presetClass="emph" presetSubtype="2" fill="hold" nodeType="withEffect">
+                                  <p:stCondLst>
+                                    <p:cond delay="0"/>
+                                  </p:stCondLst>
+                                  <p:childTnLst>
+                                    <p:animClr clrSpc="rgb" dir="cw">
+                                      <p:cBhvr override="childStyle">
+                                        <p:cTn id="26" dur="10" fill="hold"/>
+                                        <p:tgtEl>
+                                          <p:spTgt spid="6">
+                                            <p:txEl>
+                                              <p:pRg st="6" end="6"/>
+                                            </p:txEl>
+                                          </p:spTgt>
+                                        </p:tgtEl>
+                                        <p:attrNameLst>
+                                          <p:attrName>style.color</p:attrName>
+                                        </p:attrNameLst>
+                                      </p:cBhvr>
+                                      <p:to>
+                                        <a:srgbClr val="000000"/>
+                                      </p:to>
+                                    </p:animClr>
+                                  </p:childTnLst>
+                                </p:cTn>
+                              </p:par>
+                              <p:par>
+                                <p:cTn id="27" presetID="3" presetClass="emph" presetSubtype="2" fill="hold" nodeType="withEffect">
+                                  <p:stCondLst>
+                                    <p:cond delay="0"/>
+                                  </p:stCondLst>
+                                  <p:childTnLst>
+                                    <p:animClr clrSpc="rgb" dir="cw">
+                                      <p:cBhvr override="childStyle">
+                                        <p:cTn id="28" dur="10" fill="hold"/>
+                                        <p:tgtEl>
+                                          <p:spTgt spid="6">
+                                            <p:txEl>
+                                              <p:pRg st="7" end="7"/>
+                                            </p:txEl>
+                                          </p:spTgt>
+                                        </p:tgtEl>
+                                        <p:attrNameLst>
+                                          <p:attrName>style.color</p:attrName>
+                                        </p:attrNameLst>
+                                      </p:cBhvr>
+                                      <p:to>
+                                        <a:srgbClr val="000000"/>
+                                      </p:to>
+                                    </p:animClr>
+                                  </p:childTnLst>
+                                </p:cTn>
+                              </p:par>
+                              <p:par>
+                                <p:cTn id="29" presetID="3" presetClass="emph" presetSubtype="2" fill="hold" nodeType="withEffect">
+                                  <p:stCondLst>
+                                    <p:cond delay="0"/>
+                                  </p:stCondLst>
+                                  <p:childTnLst>
+                                    <p:animClr clrSpc="rgb" dir="cw">
+                                      <p:cBhvr override="childStyle">
+                                        <p:cTn id="30" dur="10" fill="hold"/>
+                                        <p:tgtEl>
+                                          <p:spTgt spid="6">
+                                            <p:txEl>
+                                              <p:pRg st="8" end="8"/>
+                                            </p:txEl>
+                                          </p:spTgt>
+                                        </p:tgtEl>
+                                        <p:attrNameLst>
+                                          <p:attrName>style.color</p:attrName>
+                                        </p:attrNameLst>
+                                      </p:cBhvr>
+                                      <p:to>
+                                        <a:srgbClr val="000000"/>
+                                      </p:to>
+                                    </p:animClr>
+                                  </p:childTnLst>
+                                </p:cTn>
+                              </p:par>
+                              <p:par>
+                                <p:cTn id="31" presetID="3" presetClass="emph" presetSubtype="2" fill="hold" nodeType="withEffect">
+                                  <p:stCondLst>
+                                    <p:cond delay="0"/>
+                                  </p:stCondLst>
+                                  <p:childTnLst>
+                                    <p:animClr clrSpc="rgb" dir="cw">
+                                      <p:cBhvr override="childStyle">
+                                        <p:cTn id="32" dur="10" fill="hold"/>
+                                        <p:tgtEl>
+                                          <p:spTgt spid="6">
+                                            <p:txEl>
+                                              <p:pRg st="9" end="9"/>
+                                            </p:txEl>
+                                          </p:spTgt>
+                                        </p:tgtEl>
+                                        <p:attrNameLst>
+                                          <p:attrName>style.color</p:attrName>
+                                        </p:attrNameLst>
+                                      </p:cBhvr>
+                                      <p:to>
+                                        <a:srgbClr val="000000"/>
+                                      </p:to>
+                                    </p:animClr>
+                                  </p:childTnLst>
+                                </p:cTn>
+                              </p:par>
+                              <p:par>
+                                <p:cTn id="33" presetID="3" presetClass="emph" presetSubtype="2" fill="hold" nodeType="withEffect">
+                                  <p:stCondLst>
+                                    <p:cond delay="0"/>
+                                  </p:stCondLst>
+                                  <p:childTnLst>
+                                    <p:animClr clrSpc="rgb" dir="cw">
+                                      <p:cBhvr override="childStyle">
+                                        <p:cTn id="34" dur="10" fill="hold"/>
+                                        <p:tgtEl>
+                                          <p:spTgt spid="6">
+                                            <p:txEl>
+                                              <p:pRg st="11" end="11"/>
+                                            </p:txEl>
+                                          </p:spTgt>
+                                        </p:tgtEl>
+                                        <p:attrNameLst>
+                                          <p:attrName>style.color</p:attrName>
+                                        </p:attrNameLst>
+                                      </p:cBhvr>
+                                      <p:to>
+                                        <a:srgbClr val="7030A0"/>
+                                      </p:to>
+                                    </p:animClr>
+                                  </p:childTnLst>
+                                </p:cTn>
+                              </p:par>
+                              <p:par>
+                                <p:cTn id="35" presetID="3" presetClass="emph" presetSubtype="2" fill="hold" nodeType="withEffect">
+                                  <p:stCondLst>
+                                    <p:cond delay="0"/>
+                                  </p:stCondLst>
+                                  <p:childTnLst>
+                                    <p:animClr clrSpc="rgb" dir="cw">
+                                      <p:cBhvr override="childStyle">
+                                        <p:cTn id="36" dur="10" fill="hold"/>
+                                        <p:tgtEl>
+                                          <p:spTgt spid="6">
+                                            <p:txEl>
+                                              <p:pRg st="12" end="12"/>
+                                            </p:txEl>
+                                          </p:spTgt>
+                                        </p:tgtEl>
+                                        <p:attrNameLst>
+                                          <p:attrName>style.color</p:attrName>
+                                        </p:attrNameLst>
+                                      </p:cBhvr>
+                                      <p:to>
+                                        <a:srgbClr val="7030A0"/>
+                                      </p:to>
+                                    </p:animClr>
+                                  </p:childTnLst>
+                                </p:cTn>
+                              </p:par>
+                              <p:par>
+                                <p:cTn id="37" presetID="3" presetClass="emph" presetSubtype="2" fill="hold" nodeType="withEffect">
+                                  <p:stCondLst>
+                                    <p:cond delay="0"/>
+                                  </p:stCondLst>
+                                  <p:childTnLst>
+                                    <p:animClr clrSpc="rgb" dir="cw">
+                                      <p:cBhvr override="childStyle">
+                                        <p:cTn id="38" dur="10" fill="hold"/>
+                                        <p:tgtEl>
+                                          <p:spTgt spid="6">
+                                            <p:txEl>
+                                              <p:pRg st="13" end="13"/>
+                                            </p:txEl>
+                                          </p:spTgt>
+                                        </p:tgtEl>
+                                        <p:attrNameLst>
+                                          <p:attrName>style.color</p:attrName>
+                                        </p:attrNameLst>
+                                      </p:cBhvr>
+                                      <p:to>
+                                        <a:srgbClr val="7030A0"/>
+                                      </p:to>
+                                    </p:animClr>
+                                  </p:childTnLst>
+                                </p:cTn>
+                              </p:par>
+                              <p:par>
+                                <p:cTn id="39" presetID="3" presetClass="emph" presetSubtype="2" fill="hold" nodeType="withEffect">
+                                  <p:stCondLst>
+                                    <p:cond delay="0"/>
+                                  </p:stCondLst>
+                                  <p:childTnLst>
+                                    <p:animClr clrSpc="rgb" dir="cw">
+                                      <p:cBhvr override="childStyle">
+                                        <p:cTn id="40" dur="10" fill="hold"/>
+                                        <p:tgtEl>
+                                          <p:spTgt spid="6">
+                                            <p:txEl>
+                                              <p:pRg st="14" end="14"/>
+                                            </p:txEl>
+                                          </p:spTgt>
+                                        </p:tgtEl>
+                                        <p:attrNameLst>
+                                          <p:attrName>style.color</p:attrName>
+                                        </p:attrNameLst>
+                                      </p:cBhvr>
+                                      <p:to>
+                                        <a:srgbClr val="7030A0"/>
+                                      </p:to>
+                                    </p:animClr>
+                                  </p:childTnLst>
+                                </p:cTn>
+                              </p:par>
+                              <p:par>
+                                <p:cTn id="41" presetID="3" presetClass="emph" presetSubtype="2" fill="hold" nodeType="withEffect">
+                                  <p:stCondLst>
+                                    <p:cond delay="0"/>
+                                  </p:stCondLst>
+                                  <p:childTnLst>
+                                    <p:animClr clrSpc="rgb" dir="cw">
+                                      <p:cBhvr override="childStyle">
+                                        <p:cTn id="42" dur="10" fill="hold"/>
+                                        <p:tgtEl>
+                                          <p:spTgt spid="6">
+                                            <p:txEl>
+                                              <p:pRg st="15" end="15"/>
+                                            </p:txEl>
+                                          </p:spTgt>
+                                        </p:tgtEl>
+                                        <p:attrNameLst>
+                                          <p:attrName>style.color</p:attrName>
+                                        </p:attrNameLst>
+                                      </p:cBhvr>
+                                      <p:to>
+                                        <a:srgbClr val="7030A0"/>
+                                      </p:to>
+                                    </p:animClr>
+                                  </p:childTnLst>
+                                </p:cTn>
+                              </p:par>
+                              <p:par>
+                                <p:cTn id="43" presetID="3" presetClass="emph" presetSubtype="2" fill="hold" nodeType="withEffect">
+                                  <p:stCondLst>
+                                    <p:cond delay="0"/>
+                                  </p:stCondLst>
+                                  <p:childTnLst>
+                                    <p:animClr clrSpc="rgb" dir="cw">
+                                      <p:cBhvr override="childStyle">
+                                        <p:cTn id="44" dur="10" fill="hold"/>
+                                        <p:tgtEl>
+                                          <p:spTgt spid="6">
+                                            <p:txEl>
+                                              <p:pRg st="16" end="16"/>
+                                            </p:txEl>
+                                          </p:spTgt>
+                                        </p:tgtEl>
+                                        <p:attrNameLst>
+                                          <p:attrName>style.color</p:attrName>
+                                        </p:attrNameLst>
+                                      </p:cBhvr>
+                                      <p:to>
+                                        <a:srgbClr val="7030A0"/>
+                                      </p:to>
+                                    </p:animClr>
+                                  </p:childTnLst>
+                                </p:cTn>
+                              </p:par>
+                              <p:par>
+                                <p:cTn id="45" presetID="1" presetClass="entr" presetSubtype="0" fill="hold" nodeType="withEffect">
                                   <p:stCondLst>
                                     <p:cond delay="0"/>
                                   </p:stCondLst>
                                   <p:childTnLst>
                                     <p:set>
                                       <p:cBhvr>
-                                        <p:cTn id="22" dur="1" fill="hold">
+                                        <p:cTn id="46" dur="1" fill="hold">
                                           <p:stCondLst>
                                             <p:cond delay="0"/>
                                           </p:stCondLst>
                                         </p:cTn>
                                         <p:tgtEl>
-                                          <p:spTgt spid="2">
+                                          <p:spTgt spid="4">
                                             <p:txEl>
-                                              <p:pRg st="3" end="3"/>
+                                              <p:pRg st="2" end="2"/>
                                             </p:txEl>
                                           </p:spTgt>
-                                        </p:tgtEl>
-                                        <p:attrNameLst>
-                                          <p:attrName>style.visibility</p:attrName>
-                                        </p:attrNameLst>
-                                      </p:cBhvr>
-                                      <p:to>
-                                        <p:strVal val="visible"/>
-                                      </p:to>
-                                    </p:set>
-                                  </p:childTnLst>
-                                </p:cTn>
-                              </p:par>
-                              <p:par>
-                                <p:cTn id="23" presetID="1" presetClass="entr" presetSubtype="0" fill="hold" grpId="0" nodeType="withEffect">
-                                  <p:stCondLst>
-                                    <p:cond delay="0"/>
-                                  </p:stCondLst>
-                                  <p:childTnLst>
-                                    <p:set>
-                                      <p:cBhvr>
-                                        <p:cTn id="24" dur="1" fill="hold">
-                                          <p:stCondLst>
-                                            <p:cond delay="0"/>
-                                          </p:stCondLst>
-                                        </p:cTn>
-                                        <p:tgtEl>
-                                          <p:spTgt spid="7"/>
-                                        </p:tgtEl>
-                                        <p:attrNameLst>
-                                          <p:attrName>style.visibility</p:attrName>
-                                        </p:attrNameLst>
-                                      </p:cBhvr>
-                                      <p:to>
-                                        <p:strVal val="visible"/>
-                                      </p:to>
-                                    </p:set>
-                                  </p:childTnLst>
-                                </p:cTn>
-                              </p:par>
-                              <p:par>
-                                <p:cTn id="25" presetID="1" presetClass="entr" presetSubtype="0" fill="hold" nodeType="withEffect">
-                                  <p:stCondLst>
-                                    <p:cond delay="0"/>
-                                  </p:stCondLst>
-                                  <p:childTnLst>
-                                    <p:set>
-                                      <p:cBhvr>
-                                        <p:cTn id="26" dur="1" fill="hold">
-                                          <p:stCondLst>
-                                            <p:cond delay="0"/>
-                                          </p:stCondLst>
-                                        </p:cTn>
-                                        <p:tgtEl>
-                                          <p:spTgt spid="24"/>
-                                        </p:tgtEl>
-                                        <p:attrNameLst>
-                                          <p:attrName>style.visibility</p:attrName>
-                                        </p:attrNameLst>
-                                      </p:cBhvr>
-                                      <p:to>
-                                        <p:strVal val="visible"/>
-                                      </p:to>
-                                    </p:set>
-                                  </p:childTnLst>
-                                </p:cTn>
-                              </p:par>
-                              <p:par>
-                                <p:cTn id="27" presetID="1" presetClass="entr" presetSubtype="0" fill="hold" nodeType="withEffect">
-                                  <p:stCondLst>
-                                    <p:cond delay="0"/>
-                                  </p:stCondLst>
-                                  <p:childTnLst>
-                                    <p:set>
-                                      <p:cBhvr>
-                                        <p:cTn id="28" dur="1" fill="hold">
-                                          <p:stCondLst>
-                                            <p:cond delay="0"/>
-                                          </p:stCondLst>
-                                        </p:cTn>
-                                        <p:tgtEl>
-                                          <p:spTgt spid="37"/>
-                                        </p:tgtEl>
-                                        <p:attrNameLst>
-                                          <p:attrName>style.visibility</p:attrName>
-                                        </p:attrNameLst>
-                                      </p:cBhvr>
-                                      <p:to>
-                                        <p:strVal val="visible"/>
-                                      </p:to>
-                                    </p:set>
-                                  </p:childTnLst>
-                                </p:cTn>
-                              </p:par>
-                              <p:par>
-                                <p:cTn id="29" presetID="1" presetClass="entr" presetSubtype="0" fill="hold" grpId="0" nodeType="withEffect">
-                                  <p:stCondLst>
-                                    <p:cond delay="0"/>
-                                  </p:stCondLst>
-                                  <p:childTnLst>
-                                    <p:set>
-                                      <p:cBhvr>
-                                        <p:cTn id="30" dur="1" fill="hold">
-                                          <p:stCondLst>
-                                            <p:cond delay="0"/>
-                                          </p:stCondLst>
-                                        </p:cTn>
-                                        <p:tgtEl>
-                                          <p:spTgt spid="8"/>
-                                        </p:tgtEl>
-                                        <p:attrNameLst>
-                                          <p:attrName>style.visibility</p:attrName>
-                                        </p:attrNameLst>
-                                      </p:cBhvr>
-                                      <p:to>
-                                        <p:strVal val="visible"/>
-                                      </p:to>
-                                    </p:set>
-                                  </p:childTnLst>
-                                </p:cTn>
-                              </p:par>
-                              <p:par>
-                                <p:cTn id="31" presetID="1" presetClass="entr" presetSubtype="0" fill="hold" nodeType="withEffect">
-                                  <p:stCondLst>
-                                    <p:cond delay="0"/>
-                                  </p:stCondLst>
-                                  <p:childTnLst>
-                                    <p:set>
-                                      <p:cBhvr>
-                                        <p:cTn id="32" dur="1" fill="hold">
-                                          <p:stCondLst>
-                                            <p:cond delay="0"/>
-                                          </p:stCondLst>
-                                        </p:cTn>
-                                        <p:tgtEl>
-                                          <p:spTgt spid="27"/>
-                                        </p:tgtEl>
-                                        <p:attrNameLst>
-                                          <p:attrName>style.visibility</p:attrName>
-                                        </p:attrNameLst>
-                                      </p:cBhvr>
-                                      <p:to>
-                                        <p:strVal val="visible"/>
-                                      </p:to>
-                                    </p:set>
-                                  </p:childTnLst>
-                                </p:cTn>
-                              </p:par>
-                              <p:par>
-                                <p:cTn id="33" presetID="1" presetClass="entr" presetSubtype="0" fill="hold" nodeType="withEffect">
-                                  <p:stCondLst>
-                                    <p:cond delay="0"/>
-                                  </p:stCondLst>
-                                  <p:childTnLst>
-                                    <p:set>
-                                      <p:cBhvr>
-                                        <p:cTn id="34" dur="1" fill="hold">
-                                          <p:stCondLst>
-                                            <p:cond delay="0"/>
-                                          </p:stCondLst>
-                                        </p:cTn>
-                                        <p:tgtEl>
-                                          <p:spTgt spid="21"/>
                                         </p:tgtEl>
                                         <p:attrNameLst>
                                           <p:attrName>style.visibility</p:attrName>
@@ -6443,171 +6916,297 @@
                     </p:cTn>
                   </p:par>
                   <p:par>
-                    <p:cTn id="35" fill="hold">
+                    <p:cTn id="47" fill="hold">
                       <p:stCondLst>
                         <p:cond delay="indefinite"/>
                       </p:stCondLst>
                       <p:childTnLst>
                         <p:par>
-                          <p:cTn id="36" fill="hold">
+                          <p:cTn id="48" fill="hold">
                             <p:stCondLst>
                               <p:cond delay="0"/>
                             </p:stCondLst>
                             <p:childTnLst>
                               <p:par>
-                                <p:cTn id="37" presetID="1" presetClass="entr" presetSubtype="0" fill="hold" nodeType="clickEffect">
+                                <p:cTn id="49" presetID="3" presetClass="emph" presetSubtype="2" fill="hold" nodeType="clickEffect">
+                                  <p:stCondLst>
+                                    <p:cond delay="0"/>
+                                  </p:stCondLst>
+                                  <p:childTnLst>
+                                    <p:animClr clrSpc="rgb" dir="cw">
+                                      <p:cBhvr override="childStyle">
+                                        <p:cTn id="50" dur="10" fill="hold"/>
+                                        <p:tgtEl>
+                                          <p:spTgt spid="6">
+                                            <p:txEl>
+                                              <p:pRg st="11" end="11"/>
+                                            </p:txEl>
+                                          </p:spTgt>
+                                        </p:tgtEl>
+                                        <p:attrNameLst>
+                                          <p:attrName>style.color</p:attrName>
+                                        </p:attrNameLst>
+                                      </p:cBhvr>
+                                      <p:to>
+                                        <a:srgbClr val="000000"/>
+                                      </p:to>
+                                    </p:animClr>
+                                  </p:childTnLst>
+                                </p:cTn>
+                              </p:par>
+                            </p:childTnLst>
+                          </p:cTn>
+                        </p:par>
+                      </p:childTnLst>
+                    </p:cTn>
+                  </p:par>
+                  <p:par>
+                    <p:cTn id="51" fill="hold">
+                      <p:stCondLst>
+                        <p:cond delay="indefinite"/>
+                      </p:stCondLst>
+                      <p:childTnLst>
+                        <p:par>
+                          <p:cTn id="52" fill="hold">
+                            <p:stCondLst>
+                              <p:cond delay="0"/>
+                            </p:stCondLst>
+                            <p:childTnLst>
+                              <p:par>
+                                <p:cTn id="53" presetID="3" presetClass="emph" presetSubtype="2" fill="hold" nodeType="clickEffect">
+                                  <p:stCondLst>
+                                    <p:cond delay="0"/>
+                                  </p:stCondLst>
+                                  <p:childTnLst>
+                                    <p:animClr clrSpc="rgb" dir="cw">
+                                      <p:cBhvr override="childStyle">
+                                        <p:cTn id="54" dur="10" fill="hold"/>
+                                        <p:tgtEl>
+                                          <p:spTgt spid="6">
+                                            <p:txEl>
+                                              <p:pRg st="12" end="12"/>
+                                            </p:txEl>
+                                          </p:spTgt>
+                                        </p:tgtEl>
+                                        <p:attrNameLst>
+                                          <p:attrName>style.color</p:attrName>
+                                        </p:attrNameLst>
+                                      </p:cBhvr>
+                                      <p:to>
+                                        <a:srgbClr val="000000"/>
+                                      </p:to>
+                                    </p:animClr>
+                                  </p:childTnLst>
+                                </p:cTn>
+                              </p:par>
+                              <p:par>
+                                <p:cTn id="55" presetID="3" presetClass="emph" presetSubtype="2" fill="hold" nodeType="withEffect">
+                                  <p:stCondLst>
+                                    <p:cond delay="0"/>
+                                  </p:stCondLst>
+                                  <p:childTnLst>
+                                    <p:animClr clrSpc="rgb" dir="cw">
+                                      <p:cBhvr override="childStyle">
+                                        <p:cTn id="56" dur="10" fill="hold"/>
+                                        <p:tgtEl>
+                                          <p:spTgt spid="6">
+                                            <p:txEl>
+                                              <p:pRg st="13" end="13"/>
+                                            </p:txEl>
+                                          </p:spTgt>
+                                        </p:tgtEl>
+                                        <p:attrNameLst>
+                                          <p:attrName>style.color</p:attrName>
+                                        </p:attrNameLst>
+                                      </p:cBhvr>
+                                      <p:to>
+                                        <a:srgbClr val="000000"/>
+                                      </p:to>
+                                    </p:animClr>
+                                  </p:childTnLst>
+                                </p:cTn>
+                              </p:par>
+                              <p:par>
+                                <p:cTn id="57" presetID="3" presetClass="emph" presetSubtype="2" fill="hold" nodeType="withEffect">
+                                  <p:stCondLst>
+                                    <p:cond delay="0"/>
+                                  </p:stCondLst>
+                                  <p:childTnLst>
+                                    <p:animClr clrSpc="rgb" dir="cw">
+                                      <p:cBhvr override="childStyle">
+                                        <p:cTn id="58" dur="10" fill="hold"/>
+                                        <p:tgtEl>
+                                          <p:spTgt spid="6">
+                                            <p:txEl>
+                                              <p:pRg st="14" end="14"/>
+                                            </p:txEl>
+                                          </p:spTgt>
+                                        </p:tgtEl>
+                                        <p:attrNameLst>
+                                          <p:attrName>style.color</p:attrName>
+                                        </p:attrNameLst>
+                                      </p:cBhvr>
+                                      <p:to>
+                                        <a:srgbClr val="000000"/>
+                                      </p:to>
+                                    </p:animClr>
+                                  </p:childTnLst>
+                                </p:cTn>
+                              </p:par>
+                              <p:par>
+                                <p:cTn id="59" presetID="3" presetClass="emph" presetSubtype="2" fill="hold" nodeType="withEffect">
+                                  <p:stCondLst>
+                                    <p:cond delay="0"/>
+                                  </p:stCondLst>
+                                  <p:childTnLst>
+                                    <p:animClr clrSpc="rgb" dir="cw">
+                                      <p:cBhvr override="childStyle">
+                                        <p:cTn id="60" dur="10" fill="hold"/>
+                                        <p:tgtEl>
+                                          <p:spTgt spid="6">
+                                            <p:txEl>
+                                              <p:pRg st="15" end="15"/>
+                                            </p:txEl>
+                                          </p:spTgt>
+                                        </p:tgtEl>
+                                        <p:attrNameLst>
+                                          <p:attrName>style.color</p:attrName>
+                                        </p:attrNameLst>
+                                      </p:cBhvr>
+                                      <p:to>
+                                        <a:srgbClr val="000000"/>
+                                      </p:to>
+                                    </p:animClr>
+                                  </p:childTnLst>
+                                </p:cTn>
+                              </p:par>
+                              <p:par>
+                                <p:cTn id="61" presetID="3" presetClass="emph" presetSubtype="2" fill="hold" nodeType="withEffect">
+                                  <p:stCondLst>
+                                    <p:cond delay="0"/>
+                                  </p:stCondLst>
+                                  <p:childTnLst>
+                                    <p:animClr clrSpc="rgb" dir="cw">
+                                      <p:cBhvr override="childStyle">
+                                        <p:cTn id="62" dur="10" fill="hold"/>
+                                        <p:tgtEl>
+                                          <p:spTgt spid="6">
+                                            <p:txEl>
+                                              <p:pRg st="16" end="16"/>
+                                            </p:txEl>
+                                          </p:spTgt>
+                                        </p:tgtEl>
+                                        <p:attrNameLst>
+                                          <p:attrName>style.color</p:attrName>
+                                        </p:attrNameLst>
+                                      </p:cBhvr>
+                                      <p:to>
+                                        <a:srgbClr val="000000"/>
+                                      </p:to>
+                                    </p:animClr>
+                                  </p:childTnLst>
+                                </p:cTn>
+                              </p:par>
+                              <p:par>
+                                <p:cTn id="63" presetID="3" presetClass="emph" presetSubtype="2" fill="hold" nodeType="withEffect">
+                                  <p:stCondLst>
+                                    <p:cond delay="0"/>
+                                  </p:stCondLst>
+                                  <p:childTnLst>
+                                    <p:animClr clrSpc="rgb" dir="cw">
+                                      <p:cBhvr override="childStyle">
+                                        <p:cTn id="64" dur="10" fill="hold"/>
+                                        <p:tgtEl>
+                                          <p:spTgt spid="6">
+                                            <p:txEl>
+                                              <p:pRg st="17" end="17"/>
+                                            </p:txEl>
+                                          </p:spTgt>
+                                        </p:tgtEl>
+                                        <p:attrNameLst>
+                                          <p:attrName>style.color</p:attrName>
+                                        </p:attrNameLst>
+                                      </p:cBhvr>
+                                      <p:to>
+                                        <a:srgbClr val="7030A0"/>
+                                      </p:to>
+                                    </p:animClr>
+                                  </p:childTnLst>
+                                </p:cTn>
+                              </p:par>
+                              <p:par>
+                                <p:cTn id="65" presetID="3" presetClass="emph" presetSubtype="2" fill="hold" nodeType="withEffect">
+                                  <p:stCondLst>
+                                    <p:cond delay="0"/>
+                                  </p:stCondLst>
+                                  <p:childTnLst>
+                                    <p:animClr clrSpc="rgb" dir="cw">
+                                      <p:cBhvr override="childStyle">
+                                        <p:cTn id="66" dur="10" fill="hold"/>
+                                        <p:tgtEl>
+                                          <p:spTgt spid="6">
+                                            <p:txEl>
+                                              <p:pRg st="18" end="18"/>
+                                            </p:txEl>
+                                          </p:spTgt>
+                                        </p:tgtEl>
+                                        <p:attrNameLst>
+                                          <p:attrName>style.color</p:attrName>
+                                        </p:attrNameLst>
+                                      </p:cBhvr>
+                                      <p:to>
+                                        <a:srgbClr val="7030A0"/>
+                                      </p:to>
+                                    </p:animClr>
+                                  </p:childTnLst>
+                                </p:cTn>
+                              </p:par>
+                              <p:par>
+                                <p:cTn id="67" presetID="3" presetClass="emph" presetSubtype="2" fill="hold" nodeType="withEffect">
+                                  <p:stCondLst>
+                                    <p:cond delay="0"/>
+                                  </p:stCondLst>
+                                  <p:childTnLst>
+                                    <p:animClr clrSpc="rgb" dir="cw">
+                                      <p:cBhvr override="childStyle">
+                                        <p:cTn id="68" dur="10" fill="hold"/>
+                                        <p:tgtEl>
+                                          <p:spTgt spid="6">
+                                            <p:txEl>
+                                              <p:pRg st="19" end="19"/>
+                                            </p:txEl>
+                                          </p:spTgt>
+                                        </p:tgtEl>
+                                        <p:attrNameLst>
+                                          <p:attrName>style.color</p:attrName>
+                                        </p:attrNameLst>
+                                      </p:cBhvr>
+                                      <p:to>
+                                        <a:srgbClr val="7030A0"/>
+                                      </p:to>
+                                    </p:animClr>
+                                  </p:childTnLst>
+                                </p:cTn>
+                              </p:par>
+                              <p:par>
+                                <p:cTn id="69" presetID="1" presetClass="entr" presetSubtype="0" fill="hold" nodeType="withEffect">
                                   <p:stCondLst>
                                     <p:cond delay="0"/>
                                   </p:stCondLst>
                                   <p:childTnLst>
                                     <p:set>
                                       <p:cBhvr>
-                                        <p:cTn id="38" dur="1" fill="hold">
+                                        <p:cTn id="70" dur="1" fill="hold">
                                           <p:stCondLst>
                                             <p:cond delay="0"/>
                                           </p:stCondLst>
                                         </p:cTn>
                                         <p:tgtEl>
-                                          <p:spTgt spid="2">
+                                          <p:spTgt spid="4">
                                             <p:txEl>
-                                              <p:pRg st="4" end="4"/>
+                                              <p:pRg st="3" end="3"/>
                                             </p:txEl>
                                           </p:spTgt>
-                                        </p:tgtEl>
-                                        <p:attrNameLst>
-                                          <p:attrName>style.visibility</p:attrName>
-                                        </p:attrNameLst>
-                                      </p:cBhvr>
-                                      <p:to>
-                                        <p:strVal val="visible"/>
-                                      </p:to>
-                                    </p:set>
-                                  </p:childTnLst>
-                                </p:cTn>
-                              </p:par>
-                              <p:par>
-                                <p:cTn id="39" presetID="1" presetClass="entr" presetSubtype="0" fill="hold" grpId="0" nodeType="withEffect">
-                                  <p:stCondLst>
-                                    <p:cond delay="0"/>
-                                  </p:stCondLst>
-                                  <p:childTnLst>
-                                    <p:set>
-                                      <p:cBhvr>
-                                        <p:cTn id="40" dur="1" fill="hold">
-                                          <p:stCondLst>
-                                            <p:cond delay="0"/>
-                                          </p:stCondLst>
-                                        </p:cTn>
-                                        <p:tgtEl>
-                                          <p:spTgt spid="12"/>
-                                        </p:tgtEl>
-                                        <p:attrNameLst>
-                                          <p:attrName>style.visibility</p:attrName>
-                                        </p:attrNameLst>
-                                      </p:cBhvr>
-                                      <p:to>
-                                        <p:strVal val="visible"/>
-                                      </p:to>
-                                    </p:set>
-                                  </p:childTnLst>
-                                </p:cTn>
-                              </p:par>
-                              <p:par>
-                                <p:cTn id="41" presetID="1" presetClass="entr" presetSubtype="0" fill="hold" nodeType="withEffect">
-                                  <p:stCondLst>
-                                    <p:cond delay="0"/>
-                                  </p:stCondLst>
-                                  <p:childTnLst>
-                                    <p:set>
-                                      <p:cBhvr>
-                                        <p:cTn id="42" dur="1" fill="hold">
-                                          <p:stCondLst>
-                                            <p:cond delay="0"/>
-                                          </p:stCondLst>
-                                        </p:cTn>
-                                        <p:tgtEl>
-                                          <p:spTgt spid="40"/>
-                                        </p:tgtEl>
-                                        <p:attrNameLst>
-                                          <p:attrName>style.visibility</p:attrName>
-                                        </p:attrNameLst>
-                                      </p:cBhvr>
-                                      <p:to>
-                                        <p:strVal val="visible"/>
-                                      </p:to>
-                                    </p:set>
-                                  </p:childTnLst>
-                                </p:cTn>
-                              </p:par>
-                              <p:par>
-                                <p:cTn id="43" presetID="1" presetClass="entr" presetSubtype="0" fill="hold" nodeType="withEffect">
-                                  <p:stCondLst>
-                                    <p:cond delay="0"/>
-                                  </p:stCondLst>
-                                  <p:childTnLst>
-                                    <p:set>
-                                      <p:cBhvr>
-                                        <p:cTn id="44" dur="1" fill="hold">
-                                          <p:stCondLst>
-                                            <p:cond delay="0"/>
-                                          </p:stCondLst>
-                                        </p:cTn>
-                                        <p:tgtEl>
-                                          <p:spTgt spid="30"/>
-                                        </p:tgtEl>
-                                        <p:attrNameLst>
-                                          <p:attrName>style.visibility</p:attrName>
-                                        </p:attrNameLst>
-                                      </p:cBhvr>
-                                      <p:to>
-                                        <p:strVal val="visible"/>
-                                      </p:to>
-                                    </p:set>
-                                  </p:childTnLst>
-                                </p:cTn>
-                              </p:par>
-                              <p:par>
-                                <p:cTn id="45" presetID="1" presetClass="entr" presetSubtype="0" fill="hold" nodeType="withEffect">
-                                  <p:stCondLst>
-                                    <p:cond delay="0"/>
-                                  </p:stCondLst>
-                                  <p:childTnLst>
-                                    <p:set>
-                                      <p:cBhvr>
-                                        <p:cTn id="46" dur="1" fill="hold">
-                                          <p:stCondLst>
-                                            <p:cond delay="0"/>
-                                          </p:stCondLst>
-                                        </p:cTn>
-                                        <p:tgtEl>
-                                          <p:spTgt spid="33"/>
-                                        </p:tgtEl>
-                                        <p:attrNameLst>
-                                          <p:attrName>style.visibility</p:attrName>
-                                        </p:attrNameLst>
-                                      </p:cBhvr>
-                                      <p:to>
-                                        <p:strVal val="visible"/>
-                                      </p:to>
-                                    </p:set>
-                                  </p:childTnLst>
-                                </p:cTn>
-                              </p:par>
-                              <p:par>
-                                <p:cTn id="47" presetID="1" presetClass="entr" presetSubtype="0" fill="hold" grpId="0" nodeType="withEffect">
-                                  <p:stCondLst>
-                                    <p:cond delay="0"/>
-                                  </p:stCondLst>
-                                  <p:childTnLst>
-                                    <p:set>
-                                      <p:cBhvr>
-                                        <p:cTn id="48" dur="1" fill="hold">
-                                          <p:stCondLst>
-                                            <p:cond delay="0"/>
-                                          </p:stCondLst>
-                                        </p:cTn>
-                                        <p:tgtEl>
-                                          <p:spTgt spid="10"/>
                                         </p:tgtEl>
                                         <p:attrNameLst>
                                           <p:attrName>style.visibility</p:attrName>
@@ -6627,63 +7226,144 @@
                     </p:cTn>
                   </p:par>
                   <p:par>
-                    <p:cTn id="49" fill="hold">
+                    <p:cTn id="71" fill="hold">
                       <p:stCondLst>
                         <p:cond delay="indefinite"/>
                       </p:stCondLst>
                       <p:childTnLst>
                         <p:par>
-                          <p:cTn id="50" fill="hold">
+                          <p:cTn id="72" fill="hold">
                             <p:stCondLst>
                               <p:cond delay="0"/>
                             </p:stCondLst>
                             <p:childTnLst>
                               <p:par>
-                                <p:cTn id="51" presetID="1" presetClass="entr" presetSubtype="0" fill="hold" nodeType="clickEffect">
+                                <p:cTn id="73" presetID="3" presetClass="emph" presetSubtype="2" fill="hold" nodeType="clickEffect">
+                                  <p:stCondLst>
+                                    <p:cond delay="0"/>
+                                  </p:stCondLst>
+                                  <p:childTnLst>
+                                    <p:animClr clrSpc="rgb" dir="cw">
+                                      <p:cBhvr override="childStyle">
+                                        <p:cTn id="74" dur="10" fill="hold"/>
+                                        <p:tgtEl>
+                                          <p:spTgt spid="6">
+                                            <p:txEl>
+                                              <p:pRg st="17" end="17"/>
+                                            </p:txEl>
+                                          </p:spTgt>
+                                        </p:tgtEl>
+                                        <p:attrNameLst>
+                                          <p:attrName>style.color</p:attrName>
+                                        </p:attrNameLst>
+                                      </p:cBhvr>
+                                      <p:to>
+                                        <a:srgbClr val="000000"/>
+                                      </p:to>
+                                    </p:animClr>
+                                  </p:childTnLst>
+                                </p:cTn>
+                              </p:par>
+                              <p:par>
+                                <p:cTn id="75" presetID="3" presetClass="emph" presetSubtype="2" fill="hold" nodeType="withEffect">
+                                  <p:stCondLst>
+                                    <p:cond delay="0"/>
+                                  </p:stCondLst>
+                                  <p:childTnLst>
+                                    <p:animClr clrSpc="rgb" dir="cw">
+                                      <p:cBhvr override="childStyle">
+                                        <p:cTn id="76" dur="10" fill="hold"/>
+                                        <p:tgtEl>
+                                          <p:spTgt spid="6">
+                                            <p:txEl>
+                                              <p:pRg st="18" end="18"/>
+                                            </p:txEl>
+                                          </p:spTgt>
+                                        </p:tgtEl>
+                                        <p:attrNameLst>
+                                          <p:attrName>style.color</p:attrName>
+                                        </p:attrNameLst>
+                                      </p:cBhvr>
+                                      <p:to>
+                                        <a:srgbClr val="000000"/>
+                                      </p:to>
+                                    </p:animClr>
+                                  </p:childTnLst>
+                                </p:cTn>
+                              </p:par>
+                              <p:par>
+                                <p:cTn id="77" presetID="3" presetClass="emph" presetSubtype="2" fill="hold" nodeType="withEffect">
+                                  <p:stCondLst>
+                                    <p:cond delay="0"/>
+                                  </p:stCondLst>
+                                  <p:childTnLst>
+                                    <p:animClr clrSpc="rgb" dir="cw">
+                                      <p:cBhvr override="childStyle">
+                                        <p:cTn id="78" dur="10" fill="hold"/>
+                                        <p:tgtEl>
+                                          <p:spTgt spid="6">
+                                            <p:txEl>
+                                              <p:pRg st="19" end="19"/>
+                                            </p:txEl>
+                                          </p:spTgt>
+                                        </p:tgtEl>
+                                        <p:attrNameLst>
+                                          <p:attrName>style.color</p:attrName>
+                                        </p:attrNameLst>
+                                      </p:cBhvr>
+                                      <p:to>
+                                        <a:srgbClr val="000000"/>
+                                      </p:to>
+                                    </p:animClr>
+                                  </p:childTnLst>
+                                </p:cTn>
+                              </p:par>
+                              <p:par>
+                                <p:cTn id="79" presetID="3" presetClass="emph" presetSubtype="2" fill="hold" nodeType="withEffect">
+                                  <p:stCondLst>
+                                    <p:cond delay="0"/>
+                                  </p:stCondLst>
+                                  <p:childTnLst>
+                                    <p:animClr clrSpc="rgb" dir="cw">
+                                      <p:cBhvr override="childStyle">
+                                        <p:cTn id="80" dur="10" fill="hold"/>
+                                        <p:tgtEl>
+                                          <p:spTgt spid="6">
+                                            <p:txEl>
+                                              <p:pRg st="20" end="20"/>
+                                            </p:txEl>
+                                          </p:spTgt>
+                                        </p:tgtEl>
+                                        <p:attrNameLst>
+                                          <p:attrName>style.color</p:attrName>
+                                        </p:attrNameLst>
+                                      </p:cBhvr>
+                                      <p:to>
+                                        <a:srgbClr val="7030A0"/>
+                                      </p:to>
+                                    </p:animClr>
+                                  </p:childTnLst>
+                                </p:cTn>
+                              </p:par>
+                              <p:par>
+                                <p:cTn id="81" presetID="1" presetClass="entr" presetSubtype="0" fill="hold" nodeType="withEffect">
                                   <p:stCondLst>
                                     <p:cond delay="0"/>
                                   </p:stCondLst>
                                   <p:childTnLst>
                                     <p:set>
                                       <p:cBhvr>
-                                        <p:cTn id="52" dur="1" fill="hold">
+                                        <p:cTn id="82" dur="1" fill="hold">
                                           <p:stCondLst>
                                             <p:cond delay="0"/>
                                           </p:stCondLst>
                                         </p:cTn>
                                         <p:tgtEl>
-                                          <p:spTgt spid="2">
+                                          <p:spTgt spid="4">
                                             <p:txEl>
-                                              <p:pRg st="5" end="5"/>
+                                              <p:pRg st="4" end="4"/>
                                             </p:txEl>
                                           </p:spTgt>
-                                        </p:tgtEl>
-                                        <p:attrNameLst>
-                                          <p:attrName>style.visibility</p:attrName>
-                                        </p:attrNameLst>
-                                      </p:cBhvr>
-                                      <p:to>
-                                        <p:strVal val="visible"/>
-                                      </p:to>
-                                    </p:set>
-                                  </p:childTnLst>
-                                </p:cTn>
-                              </p:par>
-                              <p:par>
-                                <p:cTn id="53" presetID="1" presetClass="entr" presetSubtype="0" fill="hold" grpId="0" nodeType="withEffect">
-                                  <p:stCondLst>
-                                    <p:cond delay="0"/>
-                                  </p:stCondLst>
-                                  <p:childTnLst>
-                                    <p:set>
-                                      <p:cBhvr>
-                                        <p:cTn id="54" dur="1" fill="hold">
-                                          <p:stCondLst>
-                                            <p:cond delay="0"/>
-                                          </p:stCondLst>
-                                        </p:cTn>
-                                        <p:tgtEl>
-                                          <p:spTgt spid="13"/>
                                         </p:tgtEl>
                                         <p:attrNameLst>
                                           <p:attrName>style.visibility</p:attrName>
@@ -6703,96 +7383,34 @@
                     </p:cTn>
                   </p:par>
                   <p:par>
-                    <p:cTn id="55" fill="hold">
+                    <p:cTn id="83" fill="hold">
                       <p:stCondLst>
                         <p:cond delay="indefinite"/>
                       </p:stCondLst>
                       <p:childTnLst>
                         <p:par>
-                          <p:cTn id="56" fill="hold">
+                          <p:cTn id="84" fill="hold">
                             <p:stCondLst>
                               <p:cond delay="0"/>
                             </p:stCondLst>
                             <p:childTnLst>
                               <p:par>
-                                <p:cTn id="57" presetID="1" presetClass="entr" presetSubtype="0" fill="hold" nodeType="clickEffect">
+                                <p:cTn id="85" presetID="1" presetClass="entr" presetSubtype="0" fill="hold" nodeType="clickEffect">
                                   <p:stCondLst>
                                     <p:cond delay="0"/>
                                   </p:stCondLst>
                                   <p:childTnLst>
                                     <p:set>
                                       <p:cBhvr>
-                                        <p:cTn id="58" dur="1" fill="hold">
+                                        <p:cTn id="86" dur="1" fill="hold">
                                           <p:stCondLst>
                                             <p:cond delay="0"/>
                                           </p:stCondLst>
                                         </p:cTn>
                                         <p:tgtEl>
-                                          <p:spTgt spid="2">
+                                          <p:spTgt spid="4">
                                             <p:txEl>
-                                              <p:pRg st="7" end="7"/>
-                                            </p:txEl>
-                                          </p:spTgt>
-                                        </p:tgtEl>
-                                        <p:attrNameLst>
-                                          <p:attrName>style.visibility</p:attrName>
-                                        </p:attrNameLst>
-                                      </p:cBhvr>
-                                      <p:to>
-                                        <p:strVal val="visible"/>
-                                      </p:to>
-                                    </p:set>
-                                  </p:childTnLst>
-                                </p:cTn>
-                              </p:par>
-                              <p:par>
-                                <p:cTn id="59" presetID="1" presetClass="entr" presetSubtype="0" fill="hold" nodeType="withEffect">
-                                  <p:stCondLst>
-                                    <p:cond delay="0"/>
-                                  </p:stCondLst>
-                                  <p:childTnLst>
-                                    <p:set>
-                                      <p:cBhvr>
-                                        <p:cTn id="60" dur="1" fill="hold">
-                                          <p:stCondLst>
-                                            <p:cond delay="0"/>
-                                          </p:stCondLst>
-                                        </p:cTn>
-                                        <p:tgtEl>
-                                          <p:spTgt spid="2">
-                                            <p:txEl>
-                                              <p:pRg st="8" end="8"/>
-                                            </p:txEl>
-                                          </p:spTgt>
-                                        </p:tgtEl>
-                                        <p:attrNameLst>
-                                          <p:attrName>style.visibility</p:attrName>
-                                        </p:attrNameLst>
-                                      </p:cBhvr>
-                                      <p:to>
-                                        <p:strVal val="visible"/>
-                                      </p:to>
-                                    </p:set>
-                                  </p:childTnLst>
-                                </p:cTn>
-                              </p:par>
-                              <p:par>
-                                <p:cTn id="61" presetID="1" presetClass="entr" presetSubtype="0" fill="hold" nodeType="withEffect">
-                                  <p:stCondLst>
-                                    <p:cond delay="0"/>
-                                  </p:stCondLst>
-                                  <p:childTnLst>
-                                    <p:set>
-                                      <p:cBhvr>
-                                        <p:cTn id="62" dur="1" fill="hold">
-                                          <p:stCondLst>
-                                            <p:cond delay="0"/>
-                                          </p:stCondLst>
-                                        </p:cTn>
-                                        <p:tgtEl>
-                                          <p:spTgt spid="2">
-                                            <p:txEl>
-                                              <p:pRg st="9" end="9"/>
+                                              <p:pRg st="6" end="6"/>
                                             </p:txEl>
                                           </p:spTgt>
                                         </p:tgtEl>
@@ -6834,15 +7452,6 @@
         </p:cTn>
       </p:par>
     </p:tnLst>
-    <p:bldLst>
-      <p:bldP spid="5" grpId="0" animBg="1"/>
-      <p:bldP spid="6" grpId="0" animBg="1"/>
-      <p:bldP spid="7" grpId="0" animBg="1"/>
-      <p:bldP spid="8" grpId="0" animBg="1"/>
-      <p:bldP spid="10" grpId="0" animBg="1"/>
-      <p:bldP spid="12" grpId="0" animBg="1"/>
-      <p:bldP spid="13" grpId="0" animBg="1"/>
-    </p:bldLst>
   </p:timing>
 </p:sld>
 </file>
@@ -6874,73 +7483,38 @@
             <p:ph idx="1"/>
           </p:nvPr>
         </p:nvSpPr>
-        <p:spPr/>
+        <p:spPr>
+          <a:xfrm>
+            <a:off x="503238" y="4293096"/>
+            <a:ext cx="8412162" cy="2031504"/>
+          </a:xfrm>
+        </p:spPr>
         <p:txBody>
           <a:bodyPr/>
           <a:lstStyle/>
           <a:p>
             <a:r>
               <a:rPr lang="de-DE" dirty="0" smtClean="0"/>
-              <a:t>Ebenfalls drei Schritte mit unterschiedlichen Laufzeitanteilen</a:t>
+              <a:t>Hardware-unterstützte Schleifen Beschleunigung (SPLOOP)</a:t>
             </a:r>
           </a:p>
           <a:p>
             <a:r>
               <a:rPr lang="de-DE" dirty="0" smtClean="0"/>
-              <a:t>Anwendung der Filterbank bereits mit SPLOOP beschleunigt</a:t>
+              <a:t>Ausnutzung der 8 Ausführungseinheiten</a:t>
             </a:r>
           </a:p>
           <a:p>
             <a:r>
               <a:rPr lang="de-DE" dirty="0" smtClean="0"/>
-              <a:t>Optimierte Logarithmusberechnung auf Vektorbasis von MATHLIB bereitgestellt</a:t>
-            </a:r>
-          </a:p>
-          <a:p>
-            <a:pPr marL="0" indent="0">
-              <a:buNone/>
-            </a:pPr>
-            <a:r>
-              <a:rPr lang="de-DE" b="1" u="sng" dirty="0" smtClean="0"/>
-              <a:t>Lösung:</a:t>
+              <a:t>Aufteilung in Iterationsintervalle fester Länge</a:t>
             </a:r>
           </a:p>
           <a:p>
             <a:r>
               <a:rPr lang="de-DE" dirty="0" smtClean="0"/>
-              <a:t>Vektorversion des Logarithmus aus der MATHLIB verwenden</a:t>
-            </a:r>
-          </a:p>
-          <a:p>
-            <a:r>
-              <a:rPr lang="de-DE" dirty="0" smtClean="0"/>
-              <a:t>Hierbei werden jeweils zwei Logarithmen parallel berechnet</a:t>
-            </a:r>
-          </a:p>
-          <a:p>
-            <a:r>
-              <a:rPr lang="de-DE" dirty="0" smtClean="0"/>
-              <a:t>Berechnung ebenfalls hinsichtlich des C674x optimiert</a:t>
-            </a:r>
-          </a:p>
-          <a:p>
-            <a:pPr marL="0" indent="0">
-              <a:buNone/>
-            </a:pPr>
-            <a:r>
-              <a:rPr lang="de-DE" b="1" u="sng" dirty="0" smtClean="0"/>
-              <a:t>Ergebnis:</a:t>
-            </a:r>
-          </a:p>
-          <a:p>
-            <a:pPr marL="0" indent="0">
-              <a:buNone/>
-            </a:pPr>
-            <a:r>
-              <a:rPr lang="de-DE" dirty="0" smtClean="0"/>
-              <a:t>Beschleunigung der MFCC-Extraktion um den Faktor 3</a:t>
-            </a:r>
-            <a:endParaRPr lang="de-DE" dirty="0"/>
+              <a:t>Einfügen von Spezialoperationen zur Steuerung durch den Compiler</a:t>
+            </a:r>
           </a:p>
         </p:txBody>
       </p:sp>
@@ -6961,16 +7535,1591 @@
           <a:p>
             <a:r>
               <a:rPr lang="de-DE" dirty="0" smtClean="0"/>
-              <a:t>MFCC</a:t>
-            </a:r>
-            <a:r>
-              <a:rPr lang="de-DE" smtClean="0"/>
-              <a:t>: DSP-Optimierung</a:t>
-            </a:r>
-            <a:endParaRPr lang="de-DE" dirty="0"/>
+              <a:t>MFCC: </a:t>
+            </a:r>
+            <a:r>
+              <a:rPr lang="de-DE" dirty="0"/>
+              <a:t>Filterbank-Optimierung </a:t>
+            </a:r>
+            <a:r>
+              <a:rPr lang="de-DE" dirty="0" smtClean="0"/>
+              <a:t>DSP </a:t>
+            </a:r>
+            <a:r>
+              <a:rPr lang="de-DE" dirty="0"/>
+              <a:t>(1)</a:t>
+            </a:r>
           </a:p>
         </p:txBody>
       </p:sp>
+      <p:sp>
+        <p:nvSpPr>
+          <p:cNvPr id="2" name="Rechteck 1"/>
+          <p:cNvSpPr/>
+          <p:nvPr/>
+        </p:nvSpPr>
+        <p:spPr bwMode="auto">
+          <a:xfrm>
+            <a:off x="3203848" y="1412776"/>
+            <a:ext cx="3096344" cy="2880320"/>
+          </a:xfrm>
+          <a:prstGeom prst="rect">
+            <a:avLst/>
+          </a:prstGeom>
+          <a:solidFill>
+            <a:schemeClr val="accent3"/>
+          </a:solidFill>
+          <a:ln w="9525" cap="flat" cmpd="sng" algn="ctr">
+            <a:solidFill>
+              <a:schemeClr val="tx1"/>
+            </a:solidFill>
+            <a:prstDash val="solid"/>
+            <a:round/>
+            <a:headEnd type="none" w="med" len="med"/>
+            <a:tailEnd type="none" w="med" len="med"/>
+          </a:ln>
+          <a:effectLst/>
+        </p:spPr>
+        <p:txBody>
+          <a:bodyPr vert="horz" wrap="square" lIns="91440" tIns="45720" rIns="91440" bIns="45720" numCol="1" rtlCol="0" anchor="t" anchorCtr="0" compatLnSpc="1">
+            <a:prstTxWarp prst="textNoShape">
+              <a:avLst/>
+            </a:prstTxWarp>
+          </a:bodyPr>
+          <a:lstStyle/>
+          <a:p>
+            <a:pPr marL="0" marR="0" indent="0" algn="l" defTabSz="914400" rtl="0" eaLnBrk="0" fontAlgn="base" latinLnBrk="0" hangingPunct="0">
+              <a:lnSpc>
+                <a:spcPct val="100000"/>
+              </a:lnSpc>
+              <a:spcBef>
+                <a:spcPct val="0"/>
+              </a:spcBef>
+              <a:spcAft>
+                <a:spcPct val="0"/>
+              </a:spcAft>
+              <a:buClrTx/>
+              <a:buSzTx/>
+              <a:buFontTx/>
+              <a:buNone/>
+              <a:tabLst/>
+            </a:pPr>
+            <a:endParaRPr kumimoji="0" lang="de-DE" sz="2400" b="0" i="0" u="none" strike="noStrike" cap="none" normalizeH="0" baseline="0" dirty="0" smtClean="0">
+              <a:ln>
+                <a:noFill/>
+              </a:ln>
+              <a:solidFill>
+                <a:schemeClr val="tx1"/>
+              </a:solidFill>
+              <a:effectLst/>
+              <a:latin typeface="+mn-lt"/>
+              <a:ea typeface="ＭＳ Ｐゴシック" pitchFamily="1" charset="-128"/>
+            </a:endParaRPr>
+          </a:p>
+        </p:txBody>
+      </p:sp>
+      <p:sp>
+        <p:nvSpPr>
+          <p:cNvPr id="6" name="Rechteck 5"/>
+          <p:cNvSpPr/>
+          <p:nvPr/>
+        </p:nvSpPr>
+        <p:spPr bwMode="auto">
+          <a:xfrm>
+            <a:off x="3203848" y="1412776"/>
+            <a:ext cx="3096344" cy="360040"/>
+          </a:xfrm>
+          <a:prstGeom prst="rect">
+            <a:avLst/>
+          </a:prstGeom>
+          <a:solidFill>
+            <a:schemeClr val="accent3"/>
+          </a:solidFill>
+          <a:ln w="9525" cap="flat" cmpd="sng" algn="ctr">
+            <a:solidFill>
+              <a:schemeClr val="tx1"/>
+            </a:solidFill>
+            <a:prstDash val="solid"/>
+            <a:round/>
+            <a:headEnd type="none" w="med" len="med"/>
+            <a:tailEnd type="none" w="med" len="med"/>
+          </a:ln>
+          <a:effectLst/>
+        </p:spPr>
+        <p:txBody>
+          <a:bodyPr vert="horz" wrap="square" lIns="91440" tIns="45720" rIns="91440" bIns="45720" numCol="1" rtlCol="0" anchor="ctr" anchorCtr="0" compatLnSpc="1">
+            <a:prstTxWarp prst="textNoShape">
+              <a:avLst/>
+            </a:prstTxWarp>
+          </a:bodyPr>
+          <a:lstStyle/>
+          <a:p>
+            <a:pPr marL="0" marR="0" indent="0" algn="ctr" defTabSz="914400" rtl="0" eaLnBrk="0" fontAlgn="base" latinLnBrk="0" hangingPunct="0">
+              <a:lnSpc>
+                <a:spcPct val="100000"/>
+              </a:lnSpc>
+              <a:spcBef>
+                <a:spcPct val="0"/>
+              </a:spcBef>
+              <a:spcAft>
+                <a:spcPct val="0"/>
+              </a:spcAft>
+              <a:buClrTx/>
+              <a:buSzTx/>
+              <a:buFontTx/>
+              <a:buNone/>
+              <a:tabLst/>
+            </a:pPr>
+            <a:r>
+              <a:rPr kumimoji="0" lang="de-DE" sz="2400" b="0" i="0" u="none" strike="noStrike" cap="none" normalizeH="0" baseline="0" dirty="0" err="1" smtClean="0">
+                <a:ln>
+                  <a:noFill/>
+                </a:ln>
+                <a:solidFill>
+                  <a:schemeClr val="tx1"/>
+                </a:solidFill>
+                <a:effectLst/>
+                <a:latin typeface="+mn-lt"/>
+                <a:ea typeface="ＭＳ Ｐゴシック" pitchFamily="1" charset="-128"/>
+              </a:rPr>
+              <a:t>Instruction</a:t>
+            </a:r>
+            <a:r>
+              <a:rPr kumimoji="0" lang="de-DE" sz="2400" b="0" i="0" u="none" strike="noStrike" cap="none" normalizeH="0" baseline="0" dirty="0" smtClean="0">
+                <a:ln>
+                  <a:noFill/>
+                </a:ln>
+                <a:solidFill>
+                  <a:schemeClr val="tx1"/>
+                </a:solidFill>
+                <a:effectLst/>
+                <a:latin typeface="+mn-lt"/>
+                <a:ea typeface="ＭＳ Ｐゴシック" pitchFamily="1" charset="-128"/>
+              </a:rPr>
+              <a:t> </a:t>
+            </a:r>
+            <a:r>
+              <a:rPr kumimoji="0" lang="de-DE" sz="2400" b="0" i="0" u="none" strike="noStrike" cap="none" normalizeH="0" baseline="0" dirty="0" err="1" smtClean="0">
+                <a:ln>
+                  <a:noFill/>
+                </a:ln>
+                <a:solidFill>
+                  <a:schemeClr val="tx1"/>
+                </a:solidFill>
+                <a:effectLst/>
+                <a:latin typeface="+mn-lt"/>
+                <a:ea typeface="ＭＳ Ｐゴシック" pitchFamily="1" charset="-128"/>
+              </a:rPr>
+              <a:t>Fetch</a:t>
+            </a:r>
+            <a:endParaRPr kumimoji="0" lang="de-DE" sz="2400" b="0" i="0" u="none" strike="noStrike" cap="none" normalizeH="0" baseline="0" dirty="0" smtClean="0">
+              <a:ln>
+                <a:noFill/>
+              </a:ln>
+              <a:solidFill>
+                <a:schemeClr val="tx1"/>
+              </a:solidFill>
+              <a:effectLst/>
+              <a:latin typeface="+mn-lt"/>
+              <a:ea typeface="ＭＳ Ｐゴシック" pitchFamily="1" charset="-128"/>
+            </a:endParaRPr>
+          </a:p>
+        </p:txBody>
+      </p:sp>
+      <p:sp>
+        <p:nvSpPr>
+          <p:cNvPr id="7" name="Rechteck 6"/>
+          <p:cNvSpPr/>
+          <p:nvPr/>
+        </p:nvSpPr>
+        <p:spPr bwMode="auto">
+          <a:xfrm>
+            <a:off x="3203848" y="1772816"/>
+            <a:ext cx="3096344" cy="360040"/>
+          </a:xfrm>
+          <a:prstGeom prst="rect">
+            <a:avLst/>
+          </a:prstGeom>
+          <a:solidFill>
+            <a:schemeClr val="accent3"/>
+          </a:solidFill>
+          <a:ln w="9525" cap="flat" cmpd="sng" algn="ctr">
+            <a:solidFill>
+              <a:schemeClr val="tx1"/>
+            </a:solidFill>
+            <a:prstDash val="solid"/>
+            <a:round/>
+            <a:headEnd type="none" w="med" len="med"/>
+            <a:tailEnd type="none" w="med" len="med"/>
+          </a:ln>
+          <a:effectLst/>
+        </p:spPr>
+        <p:txBody>
+          <a:bodyPr vert="horz" wrap="square" lIns="91440" tIns="45720" rIns="91440" bIns="45720" numCol="1" rtlCol="0" anchor="ctr" anchorCtr="0" compatLnSpc="1">
+            <a:prstTxWarp prst="textNoShape">
+              <a:avLst/>
+            </a:prstTxWarp>
+          </a:bodyPr>
+          <a:lstStyle/>
+          <a:p>
+            <a:pPr marL="0" marR="0" indent="0" algn="ctr" defTabSz="914400" rtl="0" eaLnBrk="0" fontAlgn="base" latinLnBrk="0" hangingPunct="0">
+              <a:lnSpc>
+                <a:spcPct val="100000"/>
+              </a:lnSpc>
+              <a:spcBef>
+                <a:spcPct val="0"/>
+              </a:spcBef>
+              <a:spcAft>
+                <a:spcPct val="0"/>
+              </a:spcAft>
+              <a:buClrTx/>
+              <a:buSzTx/>
+              <a:buFontTx/>
+              <a:buNone/>
+              <a:tabLst/>
+            </a:pPr>
+            <a:r>
+              <a:rPr kumimoji="0" lang="de-DE" sz="2400" b="0" i="0" u="none" strike="noStrike" cap="none" normalizeH="0" baseline="0" dirty="0" smtClean="0">
+                <a:ln>
+                  <a:noFill/>
+                </a:ln>
+                <a:solidFill>
+                  <a:schemeClr val="tx1"/>
+                </a:solidFill>
+                <a:effectLst/>
+                <a:latin typeface="+mn-lt"/>
+                <a:ea typeface="ＭＳ Ｐゴシック" pitchFamily="1" charset="-128"/>
+              </a:rPr>
+              <a:t>SPLOOP</a:t>
+            </a:r>
+            <a:r>
+              <a:rPr kumimoji="0" lang="de-DE" sz="2400" b="0" i="0" u="none" strike="noStrike" cap="none" normalizeH="0" dirty="0" smtClean="0">
+                <a:ln>
+                  <a:noFill/>
+                </a:ln>
+                <a:solidFill>
+                  <a:schemeClr val="tx1"/>
+                </a:solidFill>
+                <a:effectLst/>
+                <a:latin typeface="+mn-lt"/>
+                <a:ea typeface="ＭＳ Ｐゴシック" pitchFamily="1" charset="-128"/>
+              </a:rPr>
+              <a:t> </a:t>
+            </a:r>
+            <a:r>
+              <a:rPr kumimoji="0" lang="de-DE" sz="2400" b="0" i="0" u="none" strike="noStrike" cap="none" normalizeH="0" dirty="0" err="1" smtClean="0">
+                <a:ln>
+                  <a:noFill/>
+                </a:ln>
+                <a:solidFill>
+                  <a:schemeClr val="tx1"/>
+                </a:solidFill>
+                <a:effectLst/>
+                <a:latin typeface="+mn-lt"/>
+                <a:ea typeface="ＭＳ Ｐゴシック" pitchFamily="1" charset="-128"/>
+              </a:rPr>
+              <a:t>Buffer</a:t>
+            </a:r>
+            <a:endParaRPr kumimoji="0" lang="de-DE" sz="2400" b="0" i="0" u="none" strike="noStrike" cap="none" normalizeH="0" baseline="0" dirty="0" smtClean="0">
+              <a:ln>
+                <a:noFill/>
+              </a:ln>
+              <a:solidFill>
+                <a:schemeClr val="tx1"/>
+              </a:solidFill>
+              <a:effectLst/>
+              <a:latin typeface="+mn-lt"/>
+              <a:ea typeface="ＭＳ Ｐゴシック" pitchFamily="1" charset="-128"/>
+            </a:endParaRPr>
+          </a:p>
+        </p:txBody>
+      </p:sp>
+      <p:sp>
+        <p:nvSpPr>
+          <p:cNvPr id="8" name="Rechteck 7"/>
+          <p:cNvSpPr/>
+          <p:nvPr/>
+        </p:nvSpPr>
+        <p:spPr bwMode="auto">
+          <a:xfrm>
+            <a:off x="3203848" y="2132856"/>
+            <a:ext cx="3096344" cy="396044"/>
+          </a:xfrm>
+          <a:prstGeom prst="rect">
+            <a:avLst/>
+          </a:prstGeom>
+          <a:solidFill>
+            <a:schemeClr val="accent3"/>
+          </a:solidFill>
+          <a:ln w="9525" cap="flat" cmpd="sng" algn="ctr">
+            <a:solidFill>
+              <a:schemeClr val="tx1"/>
+            </a:solidFill>
+            <a:prstDash val="solid"/>
+            <a:round/>
+            <a:headEnd type="none" w="med" len="med"/>
+            <a:tailEnd type="none" w="med" len="med"/>
+          </a:ln>
+          <a:effectLst/>
+        </p:spPr>
+        <p:txBody>
+          <a:bodyPr vert="horz" wrap="square" lIns="91440" tIns="45720" rIns="91440" bIns="45720" numCol="1" rtlCol="0" anchor="ctr" anchorCtr="0" compatLnSpc="1">
+            <a:prstTxWarp prst="textNoShape">
+              <a:avLst/>
+            </a:prstTxWarp>
+          </a:bodyPr>
+          <a:lstStyle/>
+          <a:p>
+            <a:pPr marL="0" marR="0" indent="0" algn="ctr" defTabSz="914400" rtl="0" eaLnBrk="0" fontAlgn="base" latinLnBrk="0" hangingPunct="0">
+              <a:lnSpc>
+                <a:spcPct val="100000"/>
+              </a:lnSpc>
+              <a:spcBef>
+                <a:spcPct val="0"/>
+              </a:spcBef>
+              <a:spcAft>
+                <a:spcPct val="0"/>
+              </a:spcAft>
+              <a:buClrTx/>
+              <a:buSzTx/>
+              <a:buFontTx/>
+              <a:buNone/>
+              <a:tabLst/>
+            </a:pPr>
+            <a:r>
+              <a:rPr kumimoji="0" lang="de-DE" sz="2400" b="0" i="0" u="none" strike="noStrike" cap="none" normalizeH="0" baseline="0" dirty="0" err="1" smtClean="0">
+                <a:ln>
+                  <a:noFill/>
+                </a:ln>
+                <a:solidFill>
+                  <a:schemeClr val="tx1"/>
+                </a:solidFill>
+                <a:effectLst/>
+                <a:latin typeface="+mn-lt"/>
+                <a:ea typeface="ＭＳ Ｐゴシック" pitchFamily="1" charset="-128"/>
+              </a:rPr>
+              <a:t>Instruction</a:t>
+            </a:r>
+            <a:r>
+              <a:rPr kumimoji="0" lang="de-DE" sz="2400" b="0" i="0" u="none" strike="noStrike" cap="none" normalizeH="0" baseline="0" dirty="0" smtClean="0">
+                <a:ln>
+                  <a:noFill/>
+                </a:ln>
+                <a:solidFill>
+                  <a:schemeClr val="tx1"/>
+                </a:solidFill>
+                <a:effectLst/>
+                <a:latin typeface="+mn-lt"/>
+                <a:ea typeface="ＭＳ Ｐゴシック" pitchFamily="1" charset="-128"/>
+              </a:rPr>
+              <a:t> </a:t>
+            </a:r>
+            <a:r>
+              <a:rPr kumimoji="0" lang="de-DE" sz="2400" b="0" i="0" u="none" strike="noStrike" cap="none" normalizeH="0" baseline="0" dirty="0" err="1" smtClean="0">
+                <a:ln>
+                  <a:noFill/>
+                </a:ln>
+                <a:solidFill>
+                  <a:schemeClr val="tx1"/>
+                </a:solidFill>
+                <a:effectLst/>
+                <a:latin typeface="+mn-lt"/>
+                <a:ea typeface="ＭＳ Ｐゴシック" pitchFamily="1" charset="-128"/>
+              </a:rPr>
+              <a:t>dispatch</a:t>
+            </a:r>
+            <a:endParaRPr kumimoji="0" lang="de-DE" sz="2400" b="0" i="0" u="none" strike="noStrike" cap="none" normalizeH="0" baseline="0" dirty="0" smtClean="0">
+              <a:ln>
+                <a:noFill/>
+              </a:ln>
+              <a:solidFill>
+                <a:schemeClr val="tx1"/>
+              </a:solidFill>
+              <a:effectLst/>
+              <a:latin typeface="+mn-lt"/>
+              <a:ea typeface="ＭＳ Ｐゴシック" pitchFamily="1" charset="-128"/>
+            </a:endParaRPr>
+          </a:p>
+        </p:txBody>
+      </p:sp>
+      <p:sp>
+        <p:nvSpPr>
+          <p:cNvPr id="9" name="Rechteck 8"/>
+          <p:cNvSpPr/>
+          <p:nvPr/>
+        </p:nvSpPr>
+        <p:spPr bwMode="auto">
+          <a:xfrm>
+            <a:off x="3203848" y="2528900"/>
+            <a:ext cx="3096344" cy="396044"/>
+          </a:xfrm>
+          <a:prstGeom prst="rect">
+            <a:avLst/>
+          </a:prstGeom>
+          <a:solidFill>
+            <a:schemeClr val="accent3"/>
+          </a:solidFill>
+          <a:ln w="9525" cap="flat" cmpd="sng" algn="ctr">
+            <a:solidFill>
+              <a:schemeClr val="tx1"/>
+            </a:solidFill>
+            <a:prstDash val="solid"/>
+            <a:round/>
+            <a:headEnd type="none" w="med" len="med"/>
+            <a:tailEnd type="none" w="med" len="med"/>
+          </a:ln>
+          <a:effectLst/>
+        </p:spPr>
+        <p:txBody>
+          <a:bodyPr vert="horz" wrap="square" lIns="91440" tIns="45720" rIns="91440" bIns="45720" numCol="1" rtlCol="0" anchor="ctr" anchorCtr="0" compatLnSpc="1">
+            <a:prstTxWarp prst="textNoShape">
+              <a:avLst/>
+            </a:prstTxWarp>
+          </a:bodyPr>
+          <a:lstStyle/>
+          <a:p>
+            <a:pPr marL="0" marR="0" indent="0" algn="ctr" defTabSz="914400" rtl="0" eaLnBrk="0" fontAlgn="base" latinLnBrk="0" hangingPunct="0">
+              <a:lnSpc>
+                <a:spcPct val="100000"/>
+              </a:lnSpc>
+              <a:spcBef>
+                <a:spcPct val="0"/>
+              </a:spcBef>
+              <a:spcAft>
+                <a:spcPct val="0"/>
+              </a:spcAft>
+              <a:buClrTx/>
+              <a:buSzTx/>
+              <a:buFontTx/>
+              <a:buNone/>
+              <a:tabLst/>
+            </a:pPr>
+            <a:r>
+              <a:rPr kumimoji="0" lang="de-DE" sz="2400" b="0" i="0" u="none" strike="noStrike" cap="none" normalizeH="0" baseline="0" dirty="0" err="1" smtClean="0">
+                <a:ln>
+                  <a:noFill/>
+                </a:ln>
+                <a:solidFill>
+                  <a:schemeClr val="tx1"/>
+                </a:solidFill>
+                <a:effectLst/>
+                <a:latin typeface="+mn-lt"/>
+                <a:ea typeface="ＭＳ Ｐゴシック" pitchFamily="1" charset="-128"/>
+              </a:rPr>
+              <a:t>Instruction</a:t>
+            </a:r>
+            <a:r>
+              <a:rPr kumimoji="0" lang="de-DE" sz="2400" b="0" i="0" u="none" strike="noStrike" cap="none" normalizeH="0" baseline="0" dirty="0" smtClean="0">
+                <a:ln>
+                  <a:noFill/>
+                </a:ln>
+                <a:solidFill>
+                  <a:schemeClr val="tx1"/>
+                </a:solidFill>
+                <a:effectLst/>
+                <a:latin typeface="+mn-lt"/>
+                <a:ea typeface="ＭＳ Ｐゴシック" pitchFamily="1" charset="-128"/>
+              </a:rPr>
+              <a:t> </a:t>
+            </a:r>
+            <a:r>
+              <a:rPr kumimoji="0" lang="de-DE" sz="2400" b="0" i="0" u="none" strike="noStrike" cap="none" normalizeH="0" baseline="0" dirty="0" err="1" smtClean="0">
+                <a:ln>
+                  <a:noFill/>
+                </a:ln>
+                <a:solidFill>
+                  <a:schemeClr val="tx1"/>
+                </a:solidFill>
+                <a:effectLst/>
+                <a:latin typeface="+mn-lt"/>
+                <a:ea typeface="ＭＳ Ｐゴシック" pitchFamily="1" charset="-128"/>
+              </a:rPr>
+              <a:t>decode</a:t>
+            </a:r>
+            <a:endParaRPr kumimoji="0" lang="de-DE" sz="2400" b="0" i="0" u="none" strike="noStrike" cap="none" normalizeH="0" baseline="0" dirty="0" smtClean="0">
+              <a:ln>
+                <a:noFill/>
+              </a:ln>
+              <a:solidFill>
+                <a:schemeClr val="tx1"/>
+              </a:solidFill>
+              <a:effectLst/>
+              <a:latin typeface="+mn-lt"/>
+              <a:ea typeface="ＭＳ Ｐゴシック" pitchFamily="1" charset="-128"/>
+            </a:endParaRPr>
+          </a:p>
+        </p:txBody>
+      </p:sp>
+      <p:sp>
+        <p:nvSpPr>
+          <p:cNvPr id="10" name="Rechteck 9"/>
+          <p:cNvSpPr/>
+          <p:nvPr/>
+        </p:nvSpPr>
+        <p:spPr bwMode="auto">
+          <a:xfrm>
+            <a:off x="3203848" y="2924944"/>
+            <a:ext cx="1548172" cy="1368152"/>
+          </a:xfrm>
+          <a:prstGeom prst="rect">
+            <a:avLst/>
+          </a:prstGeom>
+          <a:solidFill>
+            <a:schemeClr val="accent3"/>
+          </a:solidFill>
+          <a:ln w="9525" cap="flat" cmpd="sng" algn="ctr">
+            <a:solidFill>
+              <a:schemeClr val="tx1"/>
+            </a:solidFill>
+            <a:prstDash val="solid"/>
+            <a:round/>
+            <a:headEnd type="none" w="med" len="med"/>
+            <a:tailEnd type="none" w="med" len="med"/>
+          </a:ln>
+          <a:effectLst/>
+        </p:spPr>
+        <p:txBody>
+          <a:bodyPr vert="horz" wrap="square" lIns="91440" tIns="45720" rIns="91440" bIns="45720" numCol="1" rtlCol="0" anchor="ctr" anchorCtr="0" compatLnSpc="1">
+            <a:prstTxWarp prst="textNoShape">
+              <a:avLst/>
+            </a:prstTxWarp>
+          </a:bodyPr>
+          <a:lstStyle/>
+          <a:p>
+            <a:pPr marL="0" marR="0" indent="0" algn="ctr" defTabSz="914400" rtl="0" eaLnBrk="0" fontAlgn="base" latinLnBrk="0" hangingPunct="0">
+              <a:lnSpc>
+                <a:spcPct val="100000"/>
+              </a:lnSpc>
+              <a:spcBef>
+                <a:spcPct val="0"/>
+              </a:spcBef>
+              <a:spcAft>
+                <a:spcPct val="0"/>
+              </a:spcAft>
+              <a:buClrTx/>
+              <a:buSzTx/>
+              <a:buFontTx/>
+              <a:buNone/>
+              <a:tabLst/>
+            </a:pPr>
+            <a:endParaRPr kumimoji="0" lang="de-DE" sz="2400" b="0" i="0" u="none" strike="noStrike" cap="none" normalizeH="0" baseline="0" dirty="0" smtClean="0">
+              <a:ln>
+                <a:noFill/>
+              </a:ln>
+              <a:solidFill>
+                <a:schemeClr val="tx1"/>
+              </a:solidFill>
+              <a:effectLst/>
+              <a:latin typeface="+mn-lt"/>
+              <a:ea typeface="ＭＳ Ｐゴシック" pitchFamily="1" charset="-128"/>
+            </a:endParaRPr>
+          </a:p>
+        </p:txBody>
+      </p:sp>
+      <p:sp>
+        <p:nvSpPr>
+          <p:cNvPr id="11" name="Rechteck 10"/>
+          <p:cNvSpPr/>
+          <p:nvPr/>
+        </p:nvSpPr>
+        <p:spPr bwMode="auto">
+          <a:xfrm>
+            <a:off x="4752020" y="2924944"/>
+            <a:ext cx="1548172" cy="1368152"/>
+          </a:xfrm>
+          <a:prstGeom prst="rect">
+            <a:avLst/>
+          </a:prstGeom>
+          <a:solidFill>
+            <a:schemeClr val="accent3"/>
+          </a:solidFill>
+          <a:ln w="9525" cap="flat" cmpd="sng" algn="ctr">
+            <a:solidFill>
+              <a:schemeClr val="tx1"/>
+            </a:solidFill>
+            <a:prstDash val="solid"/>
+            <a:round/>
+            <a:headEnd type="none" w="med" len="med"/>
+            <a:tailEnd type="none" w="med" len="med"/>
+          </a:ln>
+          <a:effectLst/>
+        </p:spPr>
+        <p:txBody>
+          <a:bodyPr vert="horz" wrap="square" lIns="91440" tIns="45720" rIns="91440" bIns="45720" numCol="1" rtlCol="0" anchor="ctr" anchorCtr="0" compatLnSpc="1">
+            <a:prstTxWarp prst="textNoShape">
+              <a:avLst/>
+            </a:prstTxWarp>
+          </a:bodyPr>
+          <a:lstStyle/>
+          <a:p>
+            <a:pPr marL="0" marR="0" indent="0" algn="ctr" defTabSz="914400" rtl="0" eaLnBrk="0" fontAlgn="base" latinLnBrk="0" hangingPunct="0">
+              <a:lnSpc>
+                <a:spcPct val="100000"/>
+              </a:lnSpc>
+              <a:spcBef>
+                <a:spcPct val="0"/>
+              </a:spcBef>
+              <a:spcAft>
+                <a:spcPct val="0"/>
+              </a:spcAft>
+              <a:buClrTx/>
+              <a:buSzTx/>
+              <a:buFontTx/>
+              <a:buNone/>
+              <a:tabLst/>
+            </a:pPr>
+            <a:endParaRPr kumimoji="0" lang="de-DE" sz="2400" b="0" i="0" u="none" strike="noStrike" cap="none" normalizeH="0" baseline="0" dirty="0" smtClean="0">
+              <a:ln>
+                <a:noFill/>
+              </a:ln>
+              <a:solidFill>
+                <a:schemeClr val="tx1"/>
+              </a:solidFill>
+              <a:effectLst/>
+              <a:latin typeface="+mn-lt"/>
+              <a:ea typeface="ＭＳ Ｐゴシック" pitchFamily="1" charset="-128"/>
+            </a:endParaRPr>
+          </a:p>
+        </p:txBody>
+      </p:sp>
+      <p:sp>
+        <p:nvSpPr>
+          <p:cNvPr id="12" name="Rechteck 11"/>
+          <p:cNvSpPr/>
+          <p:nvPr/>
+        </p:nvSpPr>
+        <p:spPr bwMode="auto">
+          <a:xfrm>
+            <a:off x="3279286" y="3068960"/>
+            <a:ext cx="349324" cy="454149"/>
+          </a:xfrm>
+          <a:prstGeom prst="rect">
+            <a:avLst/>
+          </a:prstGeom>
+          <a:solidFill>
+            <a:schemeClr val="accent3"/>
+          </a:solidFill>
+          <a:ln w="9525" cap="flat" cmpd="sng" algn="ctr">
+            <a:solidFill>
+              <a:schemeClr val="tx1"/>
+            </a:solidFill>
+            <a:prstDash val="solid"/>
+            <a:round/>
+            <a:headEnd type="none" w="med" len="med"/>
+            <a:tailEnd type="none" w="med" len="med"/>
+          </a:ln>
+          <a:effectLst/>
+        </p:spPr>
+        <p:txBody>
+          <a:bodyPr vert="horz" wrap="square" lIns="0" tIns="45720" rIns="0" bIns="45720" numCol="1" rtlCol="0" anchor="ctr" anchorCtr="0" compatLnSpc="1">
+            <a:prstTxWarp prst="textNoShape">
+              <a:avLst/>
+            </a:prstTxWarp>
+          </a:bodyPr>
+          <a:lstStyle/>
+          <a:p>
+            <a:pPr marL="0" marR="0" indent="0" algn="ctr" defTabSz="914400" rtl="0" eaLnBrk="0" fontAlgn="base" latinLnBrk="0" hangingPunct="0">
+              <a:lnSpc>
+                <a:spcPct val="100000"/>
+              </a:lnSpc>
+              <a:spcBef>
+                <a:spcPct val="0"/>
+              </a:spcBef>
+              <a:spcAft>
+                <a:spcPct val="0"/>
+              </a:spcAft>
+              <a:buClrTx/>
+              <a:buSzTx/>
+              <a:buFontTx/>
+              <a:buNone/>
+              <a:tabLst/>
+            </a:pPr>
+            <a:r>
+              <a:rPr kumimoji="0" lang="de-DE" sz="1600" b="0" i="0" u="none" strike="noStrike" cap="none" normalizeH="0" baseline="0" dirty="0" smtClean="0">
+                <a:ln>
+                  <a:noFill/>
+                </a:ln>
+                <a:solidFill>
+                  <a:schemeClr val="tx1"/>
+                </a:solidFill>
+                <a:effectLst/>
+                <a:latin typeface="+mn-lt"/>
+                <a:ea typeface="ＭＳ Ｐゴシック" pitchFamily="1" charset="-128"/>
+              </a:rPr>
+              <a:t>.L1</a:t>
+            </a:r>
+          </a:p>
+        </p:txBody>
+      </p:sp>
+      <p:sp>
+        <p:nvSpPr>
+          <p:cNvPr id="15" name="Rechteck 14"/>
+          <p:cNvSpPr/>
+          <p:nvPr/>
+        </p:nvSpPr>
+        <p:spPr bwMode="auto">
+          <a:xfrm>
+            <a:off x="3628610" y="3068960"/>
+            <a:ext cx="349324" cy="454149"/>
+          </a:xfrm>
+          <a:prstGeom prst="rect">
+            <a:avLst/>
+          </a:prstGeom>
+          <a:solidFill>
+            <a:schemeClr val="accent3"/>
+          </a:solidFill>
+          <a:ln w="9525" cap="flat" cmpd="sng" algn="ctr">
+            <a:solidFill>
+              <a:schemeClr val="tx1"/>
+            </a:solidFill>
+            <a:prstDash val="solid"/>
+            <a:round/>
+            <a:headEnd type="none" w="med" len="med"/>
+            <a:tailEnd type="none" w="med" len="med"/>
+          </a:ln>
+          <a:effectLst/>
+        </p:spPr>
+        <p:txBody>
+          <a:bodyPr vert="horz" wrap="square" lIns="0" tIns="45720" rIns="0" bIns="45720" numCol="1" rtlCol="0" anchor="ctr" anchorCtr="0" compatLnSpc="1">
+            <a:prstTxWarp prst="textNoShape">
+              <a:avLst/>
+            </a:prstTxWarp>
+          </a:bodyPr>
+          <a:lstStyle/>
+          <a:p>
+            <a:pPr marL="0" marR="0" indent="0" algn="ctr" defTabSz="914400" rtl="0" eaLnBrk="0" fontAlgn="base" latinLnBrk="0" hangingPunct="0">
+              <a:lnSpc>
+                <a:spcPct val="100000"/>
+              </a:lnSpc>
+              <a:spcBef>
+                <a:spcPct val="0"/>
+              </a:spcBef>
+              <a:spcAft>
+                <a:spcPct val="0"/>
+              </a:spcAft>
+              <a:buClrTx/>
+              <a:buSzTx/>
+              <a:buFontTx/>
+              <a:buNone/>
+              <a:tabLst/>
+            </a:pPr>
+            <a:r>
+              <a:rPr kumimoji="0" lang="de-DE" sz="1600" b="0" i="0" u="none" strike="noStrike" cap="none" normalizeH="0" baseline="0" dirty="0" smtClean="0">
+                <a:ln>
+                  <a:noFill/>
+                </a:ln>
+                <a:solidFill>
+                  <a:schemeClr val="tx1"/>
+                </a:solidFill>
+                <a:effectLst/>
+                <a:latin typeface="+mn-lt"/>
+                <a:ea typeface="ＭＳ Ｐゴシック" pitchFamily="1" charset="-128"/>
+              </a:rPr>
+              <a:t>.S1</a:t>
+            </a:r>
+          </a:p>
+        </p:txBody>
+      </p:sp>
+      <p:sp>
+        <p:nvSpPr>
+          <p:cNvPr id="16" name="Rechteck 15"/>
+          <p:cNvSpPr/>
+          <p:nvPr/>
+        </p:nvSpPr>
+        <p:spPr bwMode="auto">
+          <a:xfrm>
+            <a:off x="3977934" y="3068960"/>
+            <a:ext cx="349324" cy="454149"/>
+          </a:xfrm>
+          <a:prstGeom prst="rect">
+            <a:avLst/>
+          </a:prstGeom>
+          <a:solidFill>
+            <a:schemeClr val="accent3"/>
+          </a:solidFill>
+          <a:ln w="9525" cap="flat" cmpd="sng" algn="ctr">
+            <a:solidFill>
+              <a:schemeClr val="tx1"/>
+            </a:solidFill>
+            <a:prstDash val="solid"/>
+            <a:round/>
+            <a:headEnd type="none" w="med" len="med"/>
+            <a:tailEnd type="none" w="med" len="med"/>
+          </a:ln>
+          <a:effectLst/>
+        </p:spPr>
+        <p:txBody>
+          <a:bodyPr vert="horz" wrap="square" lIns="0" tIns="45720" rIns="0" bIns="45720" numCol="1" rtlCol="0" anchor="ctr" anchorCtr="0" compatLnSpc="1">
+            <a:prstTxWarp prst="textNoShape">
+              <a:avLst/>
+            </a:prstTxWarp>
+          </a:bodyPr>
+          <a:lstStyle/>
+          <a:p>
+            <a:pPr marL="0" marR="0" indent="0" algn="ctr" defTabSz="914400" rtl="0" eaLnBrk="0" fontAlgn="base" latinLnBrk="0" hangingPunct="0">
+              <a:lnSpc>
+                <a:spcPct val="100000"/>
+              </a:lnSpc>
+              <a:spcBef>
+                <a:spcPct val="0"/>
+              </a:spcBef>
+              <a:spcAft>
+                <a:spcPct val="0"/>
+              </a:spcAft>
+              <a:buClrTx/>
+              <a:buSzTx/>
+              <a:buFontTx/>
+              <a:buNone/>
+              <a:tabLst/>
+            </a:pPr>
+            <a:r>
+              <a:rPr kumimoji="0" lang="de-DE" sz="1600" b="0" i="0" u="none" strike="noStrike" cap="none" normalizeH="0" baseline="0" dirty="0" smtClean="0">
+                <a:ln>
+                  <a:noFill/>
+                </a:ln>
+                <a:solidFill>
+                  <a:schemeClr val="tx1"/>
+                </a:solidFill>
+                <a:effectLst/>
+                <a:latin typeface="+mn-lt"/>
+                <a:ea typeface="ＭＳ Ｐゴシック" pitchFamily="1" charset="-128"/>
+              </a:rPr>
+              <a:t>.M1</a:t>
+            </a:r>
+          </a:p>
+        </p:txBody>
+      </p:sp>
+      <p:sp>
+        <p:nvSpPr>
+          <p:cNvPr id="17" name="Rechteck 16"/>
+          <p:cNvSpPr/>
+          <p:nvPr/>
+        </p:nvSpPr>
+        <p:spPr bwMode="auto">
+          <a:xfrm>
+            <a:off x="4327258" y="3068960"/>
+            <a:ext cx="349324" cy="454149"/>
+          </a:xfrm>
+          <a:prstGeom prst="rect">
+            <a:avLst/>
+          </a:prstGeom>
+          <a:solidFill>
+            <a:schemeClr val="accent3"/>
+          </a:solidFill>
+          <a:ln w="9525" cap="flat" cmpd="sng" algn="ctr">
+            <a:solidFill>
+              <a:schemeClr val="tx1"/>
+            </a:solidFill>
+            <a:prstDash val="solid"/>
+            <a:round/>
+            <a:headEnd type="none" w="med" len="med"/>
+            <a:tailEnd type="none" w="med" len="med"/>
+          </a:ln>
+          <a:effectLst/>
+        </p:spPr>
+        <p:txBody>
+          <a:bodyPr vert="horz" wrap="square" lIns="0" tIns="45720" rIns="0" bIns="45720" numCol="1" rtlCol="0" anchor="ctr" anchorCtr="0" compatLnSpc="1">
+            <a:prstTxWarp prst="textNoShape">
+              <a:avLst/>
+            </a:prstTxWarp>
+          </a:bodyPr>
+          <a:lstStyle/>
+          <a:p>
+            <a:pPr marL="0" marR="0" indent="0" algn="ctr" defTabSz="914400" rtl="0" eaLnBrk="0" fontAlgn="base" latinLnBrk="0" hangingPunct="0">
+              <a:lnSpc>
+                <a:spcPct val="100000"/>
+              </a:lnSpc>
+              <a:spcBef>
+                <a:spcPct val="0"/>
+              </a:spcBef>
+              <a:spcAft>
+                <a:spcPct val="0"/>
+              </a:spcAft>
+              <a:buClrTx/>
+              <a:buSzTx/>
+              <a:buFontTx/>
+              <a:buNone/>
+              <a:tabLst/>
+            </a:pPr>
+            <a:r>
+              <a:rPr kumimoji="0" lang="de-DE" sz="1600" b="0" i="0" u="none" strike="noStrike" cap="none" normalizeH="0" baseline="0" dirty="0" smtClean="0">
+                <a:ln>
+                  <a:noFill/>
+                </a:ln>
+                <a:solidFill>
+                  <a:schemeClr val="tx1"/>
+                </a:solidFill>
+                <a:effectLst/>
+                <a:latin typeface="+mn-lt"/>
+                <a:ea typeface="ＭＳ Ｐゴシック" pitchFamily="1" charset="-128"/>
+              </a:rPr>
+              <a:t>.D1</a:t>
+            </a:r>
+          </a:p>
+        </p:txBody>
+      </p:sp>
+      <p:sp>
+        <p:nvSpPr>
+          <p:cNvPr id="18" name="Rechteck 17"/>
+          <p:cNvSpPr/>
+          <p:nvPr/>
+        </p:nvSpPr>
+        <p:spPr bwMode="auto">
+          <a:xfrm>
+            <a:off x="4827458" y="3068960"/>
+            <a:ext cx="349324" cy="454149"/>
+          </a:xfrm>
+          <a:prstGeom prst="rect">
+            <a:avLst/>
+          </a:prstGeom>
+          <a:solidFill>
+            <a:schemeClr val="accent3"/>
+          </a:solidFill>
+          <a:ln w="9525" cap="flat" cmpd="sng" algn="ctr">
+            <a:solidFill>
+              <a:schemeClr val="tx1"/>
+            </a:solidFill>
+            <a:prstDash val="solid"/>
+            <a:round/>
+            <a:headEnd type="none" w="med" len="med"/>
+            <a:tailEnd type="none" w="med" len="med"/>
+          </a:ln>
+          <a:effectLst/>
+        </p:spPr>
+        <p:txBody>
+          <a:bodyPr vert="horz" wrap="square" lIns="0" tIns="45720" rIns="0" bIns="45720" numCol="1" rtlCol="0" anchor="ctr" anchorCtr="0" compatLnSpc="1">
+            <a:prstTxWarp prst="textNoShape">
+              <a:avLst/>
+            </a:prstTxWarp>
+          </a:bodyPr>
+          <a:lstStyle/>
+          <a:p>
+            <a:pPr marL="0" marR="0" indent="0" algn="ctr" defTabSz="914400" rtl="0" eaLnBrk="0" fontAlgn="base" latinLnBrk="0" hangingPunct="0">
+              <a:lnSpc>
+                <a:spcPct val="100000"/>
+              </a:lnSpc>
+              <a:spcBef>
+                <a:spcPct val="0"/>
+              </a:spcBef>
+              <a:spcAft>
+                <a:spcPct val="0"/>
+              </a:spcAft>
+              <a:buClrTx/>
+              <a:buSzTx/>
+              <a:buFontTx/>
+              <a:buNone/>
+              <a:tabLst/>
+            </a:pPr>
+            <a:r>
+              <a:rPr kumimoji="0" lang="de-DE" sz="1600" b="0" i="0" u="none" strike="noStrike" cap="none" normalizeH="0" baseline="0" dirty="0" smtClean="0">
+                <a:ln>
+                  <a:noFill/>
+                </a:ln>
+                <a:solidFill>
+                  <a:schemeClr val="tx1"/>
+                </a:solidFill>
+                <a:effectLst/>
+                <a:latin typeface="+mn-lt"/>
+                <a:ea typeface="ＭＳ Ｐゴシック" pitchFamily="1" charset="-128"/>
+              </a:rPr>
+              <a:t>.L2</a:t>
+            </a:r>
+          </a:p>
+        </p:txBody>
+      </p:sp>
+      <p:sp>
+        <p:nvSpPr>
+          <p:cNvPr id="19" name="Rechteck 18"/>
+          <p:cNvSpPr/>
+          <p:nvPr/>
+        </p:nvSpPr>
+        <p:spPr bwMode="auto">
+          <a:xfrm>
+            <a:off x="5176782" y="3068960"/>
+            <a:ext cx="349324" cy="454149"/>
+          </a:xfrm>
+          <a:prstGeom prst="rect">
+            <a:avLst/>
+          </a:prstGeom>
+          <a:solidFill>
+            <a:schemeClr val="accent3"/>
+          </a:solidFill>
+          <a:ln w="9525" cap="flat" cmpd="sng" algn="ctr">
+            <a:solidFill>
+              <a:schemeClr val="tx1"/>
+            </a:solidFill>
+            <a:prstDash val="solid"/>
+            <a:round/>
+            <a:headEnd type="none" w="med" len="med"/>
+            <a:tailEnd type="none" w="med" len="med"/>
+          </a:ln>
+          <a:effectLst/>
+        </p:spPr>
+        <p:txBody>
+          <a:bodyPr vert="horz" wrap="square" lIns="0" tIns="45720" rIns="0" bIns="45720" numCol="1" rtlCol="0" anchor="ctr" anchorCtr="0" compatLnSpc="1">
+            <a:prstTxWarp prst="textNoShape">
+              <a:avLst/>
+            </a:prstTxWarp>
+          </a:bodyPr>
+          <a:lstStyle/>
+          <a:p>
+            <a:pPr marL="0" marR="0" indent="0" algn="ctr" defTabSz="914400" rtl="0" eaLnBrk="0" fontAlgn="base" latinLnBrk="0" hangingPunct="0">
+              <a:lnSpc>
+                <a:spcPct val="100000"/>
+              </a:lnSpc>
+              <a:spcBef>
+                <a:spcPct val="0"/>
+              </a:spcBef>
+              <a:spcAft>
+                <a:spcPct val="0"/>
+              </a:spcAft>
+              <a:buClrTx/>
+              <a:buSzTx/>
+              <a:buFontTx/>
+              <a:buNone/>
+              <a:tabLst/>
+            </a:pPr>
+            <a:r>
+              <a:rPr kumimoji="0" lang="de-DE" sz="1600" b="0" i="0" u="none" strike="noStrike" cap="none" normalizeH="0" baseline="0" dirty="0" smtClean="0">
+                <a:ln>
+                  <a:noFill/>
+                </a:ln>
+                <a:solidFill>
+                  <a:schemeClr val="tx1"/>
+                </a:solidFill>
+                <a:effectLst/>
+                <a:latin typeface="+mn-lt"/>
+                <a:ea typeface="ＭＳ Ｐゴシック" pitchFamily="1" charset="-128"/>
+              </a:rPr>
+              <a:t>.S2</a:t>
+            </a:r>
+          </a:p>
+        </p:txBody>
+      </p:sp>
+      <p:sp>
+        <p:nvSpPr>
+          <p:cNvPr id="20" name="Rechteck 19"/>
+          <p:cNvSpPr/>
+          <p:nvPr/>
+        </p:nvSpPr>
+        <p:spPr bwMode="auto">
+          <a:xfrm>
+            <a:off x="5526106" y="3068960"/>
+            <a:ext cx="349324" cy="454149"/>
+          </a:xfrm>
+          <a:prstGeom prst="rect">
+            <a:avLst/>
+          </a:prstGeom>
+          <a:solidFill>
+            <a:schemeClr val="accent3"/>
+          </a:solidFill>
+          <a:ln w="9525" cap="flat" cmpd="sng" algn="ctr">
+            <a:solidFill>
+              <a:schemeClr val="tx1"/>
+            </a:solidFill>
+            <a:prstDash val="solid"/>
+            <a:round/>
+            <a:headEnd type="none" w="med" len="med"/>
+            <a:tailEnd type="none" w="med" len="med"/>
+          </a:ln>
+          <a:effectLst/>
+        </p:spPr>
+        <p:txBody>
+          <a:bodyPr vert="horz" wrap="square" lIns="0" tIns="45720" rIns="0" bIns="45720" numCol="1" rtlCol="0" anchor="ctr" anchorCtr="0" compatLnSpc="1">
+            <a:prstTxWarp prst="textNoShape">
+              <a:avLst/>
+            </a:prstTxWarp>
+          </a:bodyPr>
+          <a:lstStyle/>
+          <a:p>
+            <a:pPr marL="0" marR="0" indent="0" algn="ctr" defTabSz="914400" rtl="0" eaLnBrk="0" fontAlgn="base" latinLnBrk="0" hangingPunct="0">
+              <a:lnSpc>
+                <a:spcPct val="100000"/>
+              </a:lnSpc>
+              <a:spcBef>
+                <a:spcPct val="0"/>
+              </a:spcBef>
+              <a:spcAft>
+                <a:spcPct val="0"/>
+              </a:spcAft>
+              <a:buClrTx/>
+              <a:buSzTx/>
+              <a:buFontTx/>
+              <a:buNone/>
+              <a:tabLst/>
+            </a:pPr>
+            <a:r>
+              <a:rPr kumimoji="0" lang="de-DE" sz="1600" b="0" i="0" u="none" strike="noStrike" cap="none" normalizeH="0" baseline="0" dirty="0" smtClean="0">
+                <a:ln>
+                  <a:noFill/>
+                </a:ln>
+                <a:solidFill>
+                  <a:schemeClr val="tx1"/>
+                </a:solidFill>
+                <a:effectLst/>
+                <a:latin typeface="+mn-lt"/>
+                <a:ea typeface="ＭＳ Ｐゴシック" pitchFamily="1" charset="-128"/>
+              </a:rPr>
+              <a:t>.M2</a:t>
+            </a:r>
+          </a:p>
+        </p:txBody>
+      </p:sp>
+      <p:sp>
+        <p:nvSpPr>
+          <p:cNvPr id="21" name="Rechteck 20"/>
+          <p:cNvSpPr/>
+          <p:nvPr/>
+        </p:nvSpPr>
+        <p:spPr bwMode="auto">
+          <a:xfrm>
+            <a:off x="5875430" y="3068960"/>
+            <a:ext cx="349324" cy="454149"/>
+          </a:xfrm>
+          <a:prstGeom prst="rect">
+            <a:avLst/>
+          </a:prstGeom>
+          <a:solidFill>
+            <a:schemeClr val="accent3"/>
+          </a:solidFill>
+          <a:ln w="9525" cap="flat" cmpd="sng" algn="ctr">
+            <a:solidFill>
+              <a:schemeClr val="tx1"/>
+            </a:solidFill>
+            <a:prstDash val="solid"/>
+            <a:round/>
+            <a:headEnd type="none" w="med" len="med"/>
+            <a:tailEnd type="none" w="med" len="med"/>
+          </a:ln>
+          <a:effectLst/>
+        </p:spPr>
+        <p:txBody>
+          <a:bodyPr vert="horz" wrap="square" lIns="0" tIns="45720" rIns="0" bIns="45720" numCol="1" rtlCol="0" anchor="ctr" anchorCtr="0" compatLnSpc="1">
+            <a:prstTxWarp prst="textNoShape">
+              <a:avLst/>
+            </a:prstTxWarp>
+          </a:bodyPr>
+          <a:lstStyle/>
+          <a:p>
+            <a:pPr marL="0" marR="0" indent="0" algn="ctr" defTabSz="914400" rtl="0" eaLnBrk="0" fontAlgn="base" latinLnBrk="0" hangingPunct="0">
+              <a:lnSpc>
+                <a:spcPct val="100000"/>
+              </a:lnSpc>
+              <a:spcBef>
+                <a:spcPct val="0"/>
+              </a:spcBef>
+              <a:spcAft>
+                <a:spcPct val="0"/>
+              </a:spcAft>
+              <a:buClrTx/>
+              <a:buSzTx/>
+              <a:buFontTx/>
+              <a:buNone/>
+              <a:tabLst/>
+            </a:pPr>
+            <a:r>
+              <a:rPr kumimoji="0" lang="de-DE" sz="1600" b="0" i="0" u="none" strike="noStrike" cap="none" normalizeH="0" baseline="0" dirty="0" smtClean="0">
+                <a:ln>
+                  <a:noFill/>
+                </a:ln>
+                <a:solidFill>
+                  <a:schemeClr val="tx1"/>
+                </a:solidFill>
+                <a:effectLst/>
+                <a:latin typeface="+mn-lt"/>
+                <a:ea typeface="ＭＳ Ｐゴシック" pitchFamily="1" charset="-128"/>
+              </a:rPr>
+              <a:t>.D2</a:t>
+            </a:r>
+          </a:p>
+        </p:txBody>
+      </p:sp>
+      <p:sp>
+        <p:nvSpPr>
+          <p:cNvPr id="22" name="Rechteck 21"/>
+          <p:cNvSpPr/>
+          <p:nvPr/>
+        </p:nvSpPr>
+        <p:spPr bwMode="auto">
+          <a:xfrm>
+            <a:off x="3203848" y="3897052"/>
+            <a:ext cx="1548172" cy="396044"/>
+          </a:xfrm>
+          <a:prstGeom prst="rect">
+            <a:avLst/>
+          </a:prstGeom>
+          <a:solidFill>
+            <a:schemeClr val="accent3"/>
+          </a:solidFill>
+          <a:ln w="9525" cap="flat" cmpd="sng" algn="ctr">
+            <a:solidFill>
+              <a:schemeClr val="tx1"/>
+            </a:solidFill>
+            <a:prstDash val="solid"/>
+            <a:round/>
+            <a:headEnd type="none" w="med" len="med"/>
+            <a:tailEnd type="none" w="med" len="med"/>
+          </a:ln>
+          <a:effectLst/>
+        </p:spPr>
+        <p:txBody>
+          <a:bodyPr vert="horz" wrap="square" lIns="0" tIns="45720" rIns="0" bIns="45720" numCol="1" rtlCol="0" anchor="ctr" anchorCtr="0" compatLnSpc="1">
+            <a:prstTxWarp prst="textNoShape">
+              <a:avLst/>
+            </a:prstTxWarp>
+          </a:bodyPr>
+          <a:lstStyle/>
+          <a:p>
+            <a:pPr marL="0" marR="0" indent="0" algn="ctr" defTabSz="914400" rtl="0" eaLnBrk="0" fontAlgn="base" latinLnBrk="0" hangingPunct="0">
+              <a:lnSpc>
+                <a:spcPct val="100000"/>
+              </a:lnSpc>
+              <a:spcBef>
+                <a:spcPct val="0"/>
+              </a:spcBef>
+              <a:spcAft>
+                <a:spcPct val="0"/>
+              </a:spcAft>
+              <a:buClrTx/>
+              <a:buSzTx/>
+              <a:buFontTx/>
+              <a:buNone/>
+              <a:tabLst/>
+            </a:pPr>
+            <a:r>
+              <a:rPr kumimoji="0" lang="de-DE" sz="1800" b="0" i="0" u="none" strike="noStrike" cap="none" normalizeH="0" baseline="0" dirty="0" smtClean="0">
+                <a:ln>
+                  <a:noFill/>
+                </a:ln>
+                <a:solidFill>
+                  <a:schemeClr val="tx1"/>
+                </a:solidFill>
+                <a:effectLst/>
+                <a:latin typeface="+mn-lt"/>
+                <a:ea typeface="ＭＳ Ｐゴシック" pitchFamily="1" charset="-128"/>
+              </a:rPr>
+              <a:t>Registerfile A</a:t>
+            </a:r>
+          </a:p>
+        </p:txBody>
+      </p:sp>
+      <p:sp>
+        <p:nvSpPr>
+          <p:cNvPr id="23" name="Rechteck 22"/>
+          <p:cNvSpPr/>
+          <p:nvPr/>
+        </p:nvSpPr>
+        <p:spPr bwMode="auto">
+          <a:xfrm>
+            <a:off x="4752020" y="3897052"/>
+            <a:ext cx="1548172" cy="396044"/>
+          </a:xfrm>
+          <a:prstGeom prst="rect">
+            <a:avLst/>
+          </a:prstGeom>
+          <a:solidFill>
+            <a:schemeClr val="accent3"/>
+          </a:solidFill>
+          <a:ln w="9525" cap="flat" cmpd="sng" algn="ctr">
+            <a:solidFill>
+              <a:schemeClr val="tx1"/>
+            </a:solidFill>
+            <a:prstDash val="solid"/>
+            <a:round/>
+            <a:headEnd type="none" w="med" len="med"/>
+            <a:tailEnd type="none" w="med" len="med"/>
+          </a:ln>
+          <a:effectLst/>
+        </p:spPr>
+        <p:txBody>
+          <a:bodyPr vert="horz" wrap="square" lIns="0" tIns="45720" rIns="0" bIns="45720" numCol="1" rtlCol="0" anchor="ctr" anchorCtr="0" compatLnSpc="1">
+            <a:prstTxWarp prst="textNoShape">
+              <a:avLst/>
+            </a:prstTxWarp>
+          </a:bodyPr>
+          <a:lstStyle/>
+          <a:p>
+            <a:pPr marL="0" marR="0" indent="0" algn="ctr" defTabSz="914400" rtl="0" eaLnBrk="0" fontAlgn="base" latinLnBrk="0" hangingPunct="0">
+              <a:lnSpc>
+                <a:spcPct val="100000"/>
+              </a:lnSpc>
+              <a:spcBef>
+                <a:spcPct val="0"/>
+              </a:spcBef>
+              <a:spcAft>
+                <a:spcPct val="0"/>
+              </a:spcAft>
+              <a:buClrTx/>
+              <a:buSzTx/>
+              <a:buFontTx/>
+              <a:buNone/>
+              <a:tabLst/>
+            </a:pPr>
+            <a:r>
+              <a:rPr kumimoji="0" lang="de-DE" sz="1800" b="0" i="0" u="none" strike="noStrike" cap="none" normalizeH="0" baseline="0" dirty="0" smtClean="0">
+                <a:ln>
+                  <a:noFill/>
+                </a:ln>
+                <a:solidFill>
+                  <a:schemeClr val="tx1"/>
+                </a:solidFill>
+                <a:effectLst/>
+                <a:latin typeface="+mn-lt"/>
+                <a:ea typeface="ＭＳ Ｐゴシック" pitchFamily="1" charset="-128"/>
+              </a:rPr>
+              <a:t>Registerfile B</a:t>
+            </a:r>
+          </a:p>
+        </p:txBody>
+      </p:sp>
+      <p:cxnSp>
+        <p:nvCxnSpPr>
+          <p:cNvPr id="24" name="Gerade Verbindung mit Pfeil 23"/>
+          <p:cNvCxnSpPr>
+            <a:stCxn id="12" idx="2"/>
+          </p:cNvCxnSpPr>
+          <p:nvPr/>
+        </p:nvCxnSpPr>
+        <p:spPr bwMode="auto">
+          <a:xfrm>
+            <a:off x="3453948" y="3523109"/>
+            <a:ext cx="0" cy="373943"/>
+          </a:xfrm>
+          <a:prstGeom prst="straightConnector1">
+            <a:avLst/>
+          </a:prstGeom>
+          <a:solidFill>
+            <a:schemeClr val="accent1"/>
+          </a:solidFill>
+          <a:ln w="9525" cap="flat" cmpd="sng" algn="ctr">
+            <a:solidFill>
+              <a:schemeClr val="tx1"/>
+            </a:solidFill>
+            <a:prstDash val="solid"/>
+            <a:round/>
+            <a:headEnd type="triangle"/>
+            <a:tailEnd type="triangle"/>
+          </a:ln>
+          <a:effectLst/>
+        </p:spPr>
+      </p:cxnSp>
+      <p:cxnSp>
+        <p:nvCxnSpPr>
+          <p:cNvPr id="25" name="Gerade Verbindung mit Pfeil 24"/>
+          <p:cNvCxnSpPr>
+            <a:stCxn id="15" idx="2"/>
+          </p:cNvCxnSpPr>
+          <p:nvPr/>
+        </p:nvCxnSpPr>
+        <p:spPr bwMode="auto">
+          <a:xfrm>
+            <a:off x="3803272" y="3523109"/>
+            <a:ext cx="0" cy="373943"/>
+          </a:xfrm>
+          <a:prstGeom prst="straightConnector1">
+            <a:avLst/>
+          </a:prstGeom>
+          <a:solidFill>
+            <a:schemeClr val="accent1"/>
+          </a:solidFill>
+          <a:ln w="9525" cap="flat" cmpd="sng" algn="ctr">
+            <a:solidFill>
+              <a:schemeClr val="tx1"/>
+            </a:solidFill>
+            <a:prstDash val="solid"/>
+            <a:round/>
+            <a:headEnd type="triangle"/>
+            <a:tailEnd type="triangle"/>
+          </a:ln>
+          <a:effectLst/>
+        </p:spPr>
+      </p:cxnSp>
+      <p:cxnSp>
+        <p:nvCxnSpPr>
+          <p:cNvPr id="26" name="Gerade Verbindung mit Pfeil 25"/>
+          <p:cNvCxnSpPr>
+            <a:stCxn id="16" idx="2"/>
+          </p:cNvCxnSpPr>
+          <p:nvPr/>
+        </p:nvCxnSpPr>
+        <p:spPr bwMode="auto">
+          <a:xfrm>
+            <a:off x="4152596" y="3523109"/>
+            <a:ext cx="0" cy="359748"/>
+          </a:xfrm>
+          <a:prstGeom prst="straightConnector1">
+            <a:avLst/>
+          </a:prstGeom>
+          <a:solidFill>
+            <a:schemeClr val="accent1"/>
+          </a:solidFill>
+          <a:ln w="9525" cap="flat" cmpd="sng" algn="ctr">
+            <a:solidFill>
+              <a:schemeClr val="tx1"/>
+            </a:solidFill>
+            <a:prstDash val="solid"/>
+            <a:round/>
+            <a:headEnd type="triangle"/>
+            <a:tailEnd type="triangle"/>
+          </a:ln>
+          <a:effectLst/>
+        </p:spPr>
+      </p:cxnSp>
+      <p:cxnSp>
+        <p:nvCxnSpPr>
+          <p:cNvPr id="27" name="Gerade Verbindung mit Pfeil 26"/>
+          <p:cNvCxnSpPr>
+            <a:stCxn id="17" idx="2"/>
+          </p:cNvCxnSpPr>
+          <p:nvPr/>
+        </p:nvCxnSpPr>
+        <p:spPr bwMode="auto">
+          <a:xfrm flipH="1">
+            <a:off x="4498293" y="3523109"/>
+            <a:ext cx="3627" cy="373943"/>
+          </a:xfrm>
+          <a:prstGeom prst="straightConnector1">
+            <a:avLst/>
+          </a:prstGeom>
+          <a:solidFill>
+            <a:schemeClr val="accent1"/>
+          </a:solidFill>
+          <a:ln w="9525" cap="flat" cmpd="sng" algn="ctr">
+            <a:solidFill>
+              <a:schemeClr val="tx1"/>
+            </a:solidFill>
+            <a:prstDash val="solid"/>
+            <a:round/>
+            <a:headEnd type="triangle"/>
+            <a:tailEnd type="triangle"/>
+          </a:ln>
+          <a:effectLst/>
+        </p:spPr>
+      </p:cxnSp>
+      <p:cxnSp>
+        <p:nvCxnSpPr>
+          <p:cNvPr id="28" name="Gerade Verbindung mit Pfeil 27"/>
+          <p:cNvCxnSpPr>
+            <a:stCxn id="18" idx="2"/>
+          </p:cNvCxnSpPr>
+          <p:nvPr/>
+        </p:nvCxnSpPr>
+        <p:spPr bwMode="auto">
+          <a:xfrm>
+            <a:off x="5002120" y="3523109"/>
+            <a:ext cx="0" cy="373943"/>
+          </a:xfrm>
+          <a:prstGeom prst="straightConnector1">
+            <a:avLst/>
+          </a:prstGeom>
+          <a:solidFill>
+            <a:schemeClr val="accent1"/>
+          </a:solidFill>
+          <a:ln w="9525" cap="flat" cmpd="sng" algn="ctr">
+            <a:solidFill>
+              <a:schemeClr val="tx1"/>
+            </a:solidFill>
+            <a:prstDash val="solid"/>
+            <a:round/>
+            <a:headEnd type="triangle"/>
+            <a:tailEnd type="triangle"/>
+          </a:ln>
+          <a:effectLst/>
+        </p:spPr>
+      </p:cxnSp>
+      <p:cxnSp>
+        <p:nvCxnSpPr>
+          <p:cNvPr id="29" name="Gerade Verbindung mit Pfeil 28"/>
+          <p:cNvCxnSpPr>
+            <a:stCxn id="19" idx="2"/>
+          </p:cNvCxnSpPr>
+          <p:nvPr/>
+        </p:nvCxnSpPr>
+        <p:spPr bwMode="auto">
+          <a:xfrm flipH="1">
+            <a:off x="5347817" y="3523109"/>
+            <a:ext cx="3627" cy="373943"/>
+          </a:xfrm>
+          <a:prstGeom prst="straightConnector1">
+            <a:avLst/>
+          </a:prstGeom>
+          <a:solidFill>
+            <a:schemeClr val="accent1"/>
+          </a:solidFill>
+          <a:ln w="9525" cap="flat" cmpd="sng" algn="ctr">
+            <a:solidFill>
+              <a:schemeClr val="tx1"/>
+            </a:solidFill>
+            <a:prstDash val="solid"/>
+            <a:round/>
+            <a:headEnd type="triangle"/>
+            <a:tailEnd type="triangle"/>
+          </a:ln>
+          <a:effectLst/>
+        </p:spPr>
+      </p:cxnSp>
+      <p:cxnSp>
+        <p:nvCxnSpPr>
+          <p:cNvPr id="30" name="Gerade Verbindung mit Pfeil 29"/>
+          <p:cNvCxnSpPr>
+            <a:stCxn id="20" idx="2"/>
+          </p:cNvCxnSpPr>
+          <p:nvPr/>
+        </p:nvCxnSpPr>
+        <p:spPr bwMode="auto">
+          <a:xfrm>
+            <a:off x="5700768" y="3523109"/>
+            <a:ext cx="0" cy="373943"/>
+          </a:xfrm>
+          <a:prstGeom prst="straightConnector1">
+            <a:avLst/>
+          </a:prstGeom>
+          <a:solidFill>
+            <a:schemeClr val="accent1"/>
+          </a:solidFill>
+          <a:ln w="9525" cap="flat" cmpd="sng" algn="ctr">
+            <a:solidFill>
+              <a:schemeClr val="tx1"/>
+            </a:solidFill>
+            <a:prstDash val="solid"/>
+            <a:round/>
+            <a:headEnd type="triangle"/>
+            <a:tailEnd type="triangle"/>
+          </a:ln>
+          <a:effectLst/>
+        </p:spPr>
+      </p:cxnSp>
+      <p:cxnSp>
+        <p:nvCxnSpPr>
+          <p:cNvPr id="31" name="Gerade Verbindung mit Pfeil 30"/>
+          <p:cNvCxnSpPr>
+            <a:stCxn id="21" idx="2"/>
+          </p:cNvCxnSpPr>
+          <p:nvPr/>
+        </p:nvCxnSpPr>
+        <p:spPr bwMode="auto">
+          <a:xfrm>
+            <a:off x="6050092" y="3523109"/>
+            <a:ext cx="0" cy="373943"/>
+          </a:xfrm>
+          <a:prstGeom prst="straightConnector1">
+            <a:avLst/>
+          </a:prstGeom>
+          <a:solidFill>
+            <a:schemeClr val="accent1"/>
+          </a:solidFill>
+          <a:ln w="9525" cap="flat" cmpd="sng" algn="ctr">
+            <a:solidFill>
+              <a:schemeClr val="tx1"/>
+            </a:solidFill>
+            <a:prstDash val="solid"/>
+            <a:round/>
+            <a:headEnd type="triangle"/>
+            <a:tailEnd type="triangle"/>
+          </a:ln>
+          <a:effectLst/>
+        </p:spPr>
+      </p:cxnSp>
     </p:spTree>
   </p:cSld>
   <p:clrMapOvr>
@@ -7003,31 +9152,261 @@
           <a:chExt cx="0" cy="0"/>
         </a:xfrm>
       </p:grpSpPr>
-      <p:graphicFrame>
-        <p:nvGraphicFramePr>
+      <p:sp>
+        <p:nvSpPr>
+          <p:cNvPr id="4" name="Rechteck 3"/>
+          <p:cNvSpPr/>
+          <p:nvPr/>
+        </p:nvSpPr>
+        <p:spPr bwMode="auto">
+          <a:xfrm>
+            <a:off x="539552" y="1268760"/>
+            <a:ext cx="2592288" cy="5184576"/>
+          </a:xfrm>
+          <a:prstGeom prst="rect">
+            <a:avLst/>
+          </a:prstGeom>
+          <a:solidFill>
+            <a:schemeClr val="accent1">
+              <a:alpha val="0"/>
+            </a:schemeClr>
+          </a:solidFill>
+          <a:ln w="9525" cap="flat" cmpd="sng" algn="ctr">
+            <a:solidFill>
+              <a:schemeClr val="tx1"/>
+            </a:solidFill>
+            <a:prstDash val="solid"/>
+            <a:round/>
+            <a:headEnd type="none" w="med" len="med"/>
+            <a:tailEnd type="none" w="med" len="med"/>
+          </a:ln>
+          <a:effectLst/>
+        </p:spPr>
+        <p:txBody>
+          <a:bodyPr vert="horz" wrap="square" lIns="91440" tIns="45720" rIns="91440" bIns="45720" numCol="1" rtlCol="0" anchor="t" anchorCtr="0" compatLnSpc="1">
+            <a:prstTxWarp prst="textNoShape">
+              <a:avLst/>
+            </a:prstTxWarp>
+          </a:bodyPr>
+          <a:lstStyle/>
+          <a:p>
+            <a:pPr marL="0" marR="0" indent="0" algn="l" defTabSz="914400" rtl="0" eaLnBrk="0" fontAlgn="base" latinLnBrk="0" hangingPunct="0">
+              <a:lnSpc>
+                <a:spcPct val="100000"/>
+              </a:lnSpc>
+              <a:spcBef>
+                <a:spcPct val="0"/>
+              </a:spcBef>
+              <a:spcAft>
+                <a:spcPct val="0"/>
+              </a:spcAft>
+              <a:buClrTx/>
+              <a:buSzTx/>
+              <a:buFontTx/>
+              <a:buNone/>
+              <a:tabLst/>
+            </a:pPr>
+            <a:endParaRPr kumimoji="0" lang="de-DE" sz="2400" b="0" i="0" u="none" strike="noStrike" cap="none" normalizeH="0" baseline="0" smtClean="0">
+              <a:ln>
+                <a:noFill/>
+              </a:ln>
+              <a:solidFill>
+                <a:schemeClr val="tx1"/>
+              </a:solidFill>
+              <a:effectLst/>
+              <a:latin typeface="Arial" charset="0"/>
+              <a:ea typeface="ＭＳ Ｐゴシック" pitchFamily="1" charset="-128"/>
+            </a:endParaRPr>
+          </a:p>
+        </p:txBody>
+      </p:sp>
+      <p:sp>
+        <p:nvSpPr>
           <p:cNvPr id="2" name="Inhaltsplatzhalter 1"/>
-          <p:cNvGraphicFramePr>
-            <a:graphicFrameLocks noGrp="1"/>
-          </p:cNvGraphicFramePr>
+          <p:cNvSpPr>
+            <a:spLocks noGrp="1"/>
+          </p:cNvSpPr>
           <p:nvPr>
             <p:ph idx="1"/>
-            <p:extLst>
-              <p:ext uri="{D42A27DB-BD31-4B8C-83A1-F6EECF244321}">
-                <p14:modId xmlns:p14="http://schemas.microsoft.com/office/powerpoint/2010/main" val="2558019255"/>
-              </p:ext>
-            </p:extLst>
           </p:nvPr>
-        </p:nvGraphicFramePr>
-        <p:xfrm>
-          <a:off x="467544" y="1484784"/>
-          <a:ext cx="8412162" cy="3312368"/>
-        </p:xfrm>
-        <a:graphic>
-          <a:graphicData uri="http://schemas.openxmlformats.org/drawingml/2006/chart">
-            <c:chart xmlns:c="http://schemas.openxmlformats.org/drawingml/2006/chart" xmlns:r="http://schemas.openxmlformats.org/officeDocument/2006/relationships" r:id="rId2"/>
-          </a:graphicData>
-        </a:graphic>
-      </p:graphicFrame>
+        </p:nvSpPr>
+        <p:spPr>
+          <a:xfrm>
+            <a:off x="539552" y="1268760"/>
+            <a:ext cx="2592288" cy="5184576"/>
+          </a:xfrm>
+        </p:spPr>
+        <p:txBody>
+          <a:bodyPr/>
+          <a:lstStyle/>
+          <a:p>
+            <a:pPr>
+              <a:buNone/>
+            </a:pPr>
+            <a:r>
+              <a:rPr lang="de-DE" sz="1400" dirty="0" smtClean="0"/>
+              <a:t>SPLOOPD 14</a:t>
+            </a:r>
+          </a:p>
+          <a:p>
+            <a:pPr>
+              <a:buNone/>
+            </a:pPr>
+            <a:r>
+              <a:rPr lang="de-DE" sz="1400" dirty="0" smtClean="0"/>
+              <a:t>||         ADDAW   .D1     A15,A3,A6</a:t>
+            </a:r>
+          </a:p>
+          <a:p>
+            <a:pPr>
+              <a:buNone/>
+            </a:pPr>
+            <a:r>
+              <a:rPr lang="de-DE" sz="1400" dirty="0" smtClean="0"/>
+              <a:t>||         MV      .L2X    A4,B5</a:t>
+            </a:r>
+          </a:p>
+          <a:p>
+            <a:pPr>
+              <a:buNone/>
+            </a:pPr>
+            <a:endParaRPr lang="de-DE" sz="1400" dirty="0" smtClean="0"/>
+          </a:p>
+          <a:p>
+            <a:pPr>
+              <a:buNone/>
+            </a:pPr>
+            <a:r>
+              <a:rPr lang="de-DE" sz="1400" dirty="0" smtClean="0"/>
+              <a:t>LDW     .D1T1   *A6++,A3 </a:t>
+            </a:r>
+          </a:p>
+          <a:p>
+            <a:pPr>
+              <a:buNone/>
+            </a:pPr>
+            <a:r>
+              <a:rPr lang="de-DE" sz="1400" dirty="0" smtClean="0"/>
+              <a:t>||	   LDW     .D2T2   *B5++,B4 </a:t>
+            </a:r>
+          </a:p>
+          <a:p>
+            <a:pPr>
+              <a:buNone/>
+            </a:pPr>
+            <a:endParaRPr lang="de-DE" sz="1400" dirty="0" smtClean="0"/>
+          </a:p>
+          <a:p>
+            <a:pPr>
+              <a:buNone/>
+            </a:pPr>
+            <a:r>
+              <a:rPr lang="de-DE" sz="1400" dirty="0" smtClean="0"/>
+              <a:t>NOP             2</a:t>
+            </a:r>
+          </a:p>
+          <a:p>
+            <a:pPr>
+              <a:buNone/>
+            </a:pPr>
+            <a:endParaRPr lang="de-DE" sz="1400" dirty="0" smtClean="0"/>
+          </a:p>
+          <a:p>
+            <a:pPr>
+              <a:buNone/>
+            </a:pPr>
+            <a:r>
+              <a:rPr lang="de-DE" sz="1400" dirty="0" smtClean="0"/>
+              <a:t>SPMASK          L1</a:t>
+            </a:r>
+          </a:p>
+          <a:p>
+            <a:pPr>
+              <a:buNone/>
+            </a:pPr>
+            <a:r>
+              <a:rPr lang="de-DE" sz="1400" dirty="0" smtClean="0"/>
+              <a:t>||         ADD     .L1     A11,A10,A5 </a:t>
+            </a:r>
+          </a:p>
+          <a:p>
+            <a:pPr>
+              <a:buNone/>
+            </a:pPr>
+            <a:endParaRPr lang="de-DE" sz="1400" dirty="0" smtClean="0"/>
+          </a:p>
+          <a:p>
+            <a:pPr>
+              <a:buNone/>
+            </a:pPr>
+            <a:r>
+              <a:rPr lang="de-DE" sz="1400" dirty="0" smtClean="0"/>
+              <a:t>SPMASK          D1</a:t>
+            </a:r>
+          </a:p>
+          <a:p>
+            <a:pPr>
+              <a:buNone/>
+            </a:pPr>
+            <a:r>
+              <a:rPr lang="de-DE" sz="1400" dirty="0" smtClean="0"/>
+              <a:t>||         LDW     .D1T1   *A5,A4 </a:t>
+            </a:r>
+          </a:p>
+          <a:p>
+            <a:pPr>
+              <a:buNone/>
+            </a:pPr>
+            <a:endParaRPr lang="de-DE" sz="1400" dirty="0" smtClean="0"/>
+          </a:p>
+          <a:p>
+            <a:pPr>
+              <a:buNone/>
+            </a:pPr>
+            <a:r>
+              <a:rPr lang="de-DE" sz="1400" dirty="0" smtClean="0"/>
+              <a:t>MPYSP   .M1X    B4,A3,A3 </a:t>
+            </a:r>
+          </a:p>
+          <a:p>
+            <a:pPr>
+              <a:buNone/>
+            </a:pPr>
+            <a:r>
+              <a:rPr lang="de-DE" sz="1400" dirty="0" smtClean="0"/>
+              <a:t>NOP             3</a:t>
+            </a:r>
+          </a:p>
+          <a:p>
+            <a:pPr>
+              <a:buNone/>
+            </a:pPr>
+            <a:r>
+              <a:rPr lang="de-DE" sz="1400" dirty="0" smtClean="0"/>
+              <a:t>ADDSP   .L1     A3,A4,A4 </a:t>
+            </a:r>
+          </a:p>
+          <a:p>
+            <a:pPr>
+              <a:buNone/>
+            </a:pPr>
+            <a:r>
+              <a:rPr lang="de-DE" sz="1400" dirty="0" smtClean="0"/>
+              <a:t>NOP             3</a:t>
+            </a:r>
+          </a:p>
+          <a:p>
+            <a:pPr>
+              <a:buNone/>
+            </a:pPr>
+            <a:r>
+              <a:rPr lang="de-DE" sz="1400" dirty="0" smtClean="0"/>
+              <a:t>STW     .D1T1   A4,*A5</a:t>
+            </a:r>
+            <a:endParaRPr lang="de-DE" sz="1400" dirty="0"/>
+          </a:p>
+        </p:txBody>
+      </p:sp>
       <p:sp>
         <p:nvSpPr>
           <p:cNvPr id="3" name="Titel 2"/>
@@ -7044,8 +9423,12 @@
           <a:lstStyle/>
           <a:p>
             <a:r>
+              <a:rPr lang="de-DE" dirty="0"/>
+              <a:t>MFCC: Filterbank-Optimierung DSP </a:t>
+            </a:r>
+            <a:r>
               <a:rPr lang="de-DE" dirty="0" smtClean="0"/>
-              <a:t>Vergleich ARM und DSP (Extraktionsrate)</a:t>
+              <a:t>(2)</a:t>
             </a:r>
             <a:endParaRPr lang="de-DE" dirty="0"/>
           </a:p>
@@ -7053,14 +9436,14 @@
       </p:sp>
       <p:sp>
         <p:nvSpPr>
-          <p:cNvPr id="7" name="Textfeld 6"/>
+          <p:cNvPr id="6" name="Textfeld 5"/>
           <p:cNvSpPr txBox="1"/>
           <p:nvPr/>
         </p:nvSpPr>
         <p:spPr>
           <a:xfrm>
-            <a:off x="467544" y="4725144"/>
-            <a:ext cx="8136904" cy="1938992"/>
+            <a:off x="3131840" y="1268760"/>
+            <a:ext cx="5688632" cy="3416320"/>
           </a:xfrm>
           <a:prstGeom prst="rect">
             <a:avLst/>
@@ -7073,7 +9456,7 @@
           </a:bodyPr>
           <a:lstStyle/>
           <a:p>
-            <a:pPr marL="342900" indent="-342900">
+            <a:pPr>
               <a:buFont typeface="Wingdings" pitchFamily="2" charset="2"/>
               <a:buChar char="§"/>
             </a:pPr>
@@ -7081,11 +9464,11 @@
               <a:rPr lang="de-DE" dirty="0" smtClean="0">
                 <a:latin typeface="+mn-lt"/>
               </a:rPr>
-              <a:t>Extraktionsrate des DSP höher</a:t>
-            </a:r>
-          </a:p>
-          <a:p>
-            <a:pPr marL="342900" indent="-342900">
+              <a:t>Unterteilung eines Schleifendurchlaufs in   Intervalle gleicher Länge (Leerzeilen)</a:t>
+            </a:r>
+          </a:p>
+          <a:p>
+            <a:pPr>
               <a:buFont typeface="Wingdings" pitchFamily="2" charset="2"/>
               <a:buChar char="§"/>
             </a:pPr>
@@ -7093,45 +9476,72 @@
               <a:rPr lang="de-DE" dirty="0" smtClean="0">
                 <a:latin typeface="+mn-lt"/>
               </a:rPr>
-              <a:t>Größter Unterschied bei FSet3 (Faktor 7,5)</a:t>
-            </a:r>
-          </a:p>
-          <a:p>
-            <a:pPr marL="342900" indent="-342900">
+              <a:t>Ausführen aller Intervalle aus unterschiedlichen Iterationen parallel</a:t>
+            </a:r>
+          </a:p>
+          <a:p>
+            <a:pPr>
               <a:buFont typeface="Wingdings" pitchFamily="2" charset="2"/>
               <a:buChar char="§"/>
             </a:pPr>
+            <a:r>
+              <a:rPr lang="de-DE" dirty="0" smtClean="0">
+                <a:latin typeface="+mn-lt"/>
+              </a:rPr>
+              <a:t>Sonderbefehle zur Steuerung der SPLOOP</a:t>
+            </a:r>
+          </a:p>
+          <a:p>
+            <a:pPr>
+              <a:buFont typeface="Wingdings" pitchFamily="2" charset="2"/>
+              <a:buChar char="§"/>
+            </a:pPr>
+            <a:r>
+              <a:rPr lang="de-DE" dirty="0" smtClean="0">
+                <a:latin typeface="+mn-lt"/>
+              </a:rPr>
+              <a:t>Zusätzliche Optimierung des Logarithmus</a:t>
+            </a:r>
+          </a:p>
+          <a:p>
+            <a:endParaRPr lang="de-DE" dirty="0" smtClean="0">
+              <a:latin typeface="+mn-lt"/>
+            </a:endParaRPr>
+          </a:p>
+          <a:p>
+            <a:r>
+              <a:rPr lang="de-DE" dirty="0" smtClean="0">
+                <a:latin typeface="+mn-lt"/>
+                <a:sym typeface="Wingdings" panose="05000000000000000000" pitchFamily="2" charset="2"/>
+              </a:rPr>
+              <a:t></a:t>
+            </a:r>
+            <a:r>
+              <a:rPr lang="de-DE" dirty="0" err="1" smtClean="0">
+                <a:latin typeface="+mn-lt"/>
+              </a:rPr>
+              <a:t>Insgesammte</a:t>
+            </a:r>
+            <a:r>
+              <a:rPr lang="de-DE" dirty="0" smtClean="0">
+                <a:latin typeface="+mn-lt"/>
+              </a:rPr>
+              <a:t> Beschleunigung um Faktor 3</a:t>
+            </a:r>
+          </a:p>
+          <a:p>
             <a:endParaRPr lang="de-DE" dirty="0">
               <a:latin typeface="+mn-lt"/>
             </a:endParaRPr>
           </a:p>
-          <a:p>
-            <a:r>
-              <a:rPr lang="de-DE" dirty="0" smtClean="0">
-                <a:latin typeface="+mn-lt"/>
-                <a:sym typeface="Wingdings" pitchFamily="2" charset="2"/>
-              </a:rPr>
-              <a:t></a:t>
-            </a:r>
-            <a:r>
-              <a:rPr lang="de-DE" dirty="0" smtClean="0">
-                <a:latin typeface="+mn-lt"/>
-              </a:rPr>
-              <a:t> DSP besser für die Merkmalsextraktion geeignet</a:t>
-            </a:r>
-          </a:p>
-          <a:p>
-            <a:pPr marL="342900" indent="-342900">
-              <a:buFont typeface="Wingdings" pitchFamily="2" charset="2"/>
-              <a:buChar char="§"/>
-            </a:pPr>
-            <a:endParaRPr lang="de-DE" dirty="0">
-              <a:latin typeface="+mn-lt"/>
-            </a:endParaRPr>
-          </a:p>
         </p:txBody>
       </p:sp>
     </p:spTree>
+    <p:extLst>
+      <p:ext uri="{BB962C8B-B14F-4D97-AF65-F5344CB8AC3E}">
+        <p14:creationId xmlns:p14="http://schemas.microsoft.com/office/powerpoint/2010/main" xmlns="" val="1806618595"/>
+      </p:ext>
+    </p:extLst>
   </p:cSld>
   <p:clrMapOvr>
     <a:masterClrMapping/>
@@ -7165,6 +9575,166 @@
       </p:grpSpPr>
       <p:graphicFrame>
         <p:nvGraphicFramePr>
+          <p:cNvPr id="2" name="Inhaltsplatzhalter 1"/>
+          <p:cNvGraphicFramePr>
+            <a:graphicFrameLocks noGrp="1"/>
+          </p:cNvGraphicFramePr>
+          <p:nvPr>
+            <p:ph idx="1"/>
+            <p:extLst>
+              <p:ext uri="{D42A27DB-BD31-4B8C-83A1-F6EECF244321}">
+                <p14:modId xmlns:p14="http://schemas.microsoft.com/office/powerpoint/2010/main" xmlns="" val="2558019255"/>
+              </p:ext>
+            </p:extLst>
+          </p:nvPr>
+        </p:nvGraphicFramePr>
+        <p:xfrm>
+          <a:off x="467544" y="1484784"/>
+          <a:ext cx="8412162" cy="3312368"/>
+        </p:xfrm>
+        <a:graphic>
+          <a:graphicData uri="http://schemas.openxmlformats.org/drawingml/2006/chart">
+            <c:chart xmlns:c="http://schemas.openxmlformats.org/drawingml/2006/chart" xmlns:r="http://schemas.openxmlformats.org/officeDocument/2006/relationships" r:id="rId2"/>
+          </a:graphicData>
+        </a:graphic>
+      </p:graphicFrame>
+      <p:sp>
+        <p:nvSpPr>
+          <p:cNvPr id="3" name="Titel 2"/>
+          <p:cNvSpPr>
+            <a:spLocks noGrp="1"/>
+          </p:cNvSpPr>
+          <p:nvPr>
+            <p:ph type="title"/>
+          </p:nvPr>
+        </p:nvSpPr>
+        <p:spPr/>
+        <p:txBody>
+          <a:bodyPr/>
+          <a:lstStyle/>
+          <a:p>
+            <a:r>
+              <a:rPr lang="de-DE" dirty="0" smtClean="0"/>
+              <a:t>Vergleich ARM und DSP (Extraktionsrate)</a:t>
+            </a:r>
+            <a:endParaRPr lang="de-DE" dirty="0"/>
+          </a:p>
+        </p:txBody>
+      </p:sp>
+      <p:sp>
+        <p:nvSpPr>
+          <p:cNvPr id="7" name="Textfeld 6"/>
+          <p:cNvSpPr txBox="1"/>
+          <p:nvPr/>
+        </p:nvSpPr>
+        <p:spPr>
+          <a:xfrm>
+            <a:off x="467544" y="4725144"/>
+            <a:ext cx="8136904" cy="1938992"/>
+          </a:xfrm>
+          <a:prstGeom prst="rect">
+            <a:avLst/>
+          </a:prstGeom>
+          <a:noFill/>
+        </p:spPr>
+        <p:txBody>
+          <a:bodyPr wrap="square" rtlCol="0">
+            <a:spAutoFit/>
+          </a:bodyPr>
+          <a:lstStyle/>
+          <a:p>
+            <a:pPr marL="342900" indent="-342900">
+              <a:buFont typeface="Wingdings" pitchFamily="2" charset="2"/>
+              <a:buChar char="§"/>
+            </a:pPr>
+            <a:r>
+              <a:rPr lang="de-DE" dirty="0" smtClean="0">
+                <a:latin typeface="+mn-lt"/>
+              </a:rPr>
+              <a:t>Extraktionsrate des DSP höher</a:t>
+            </a:r>
+          </a:p>
+          <a:p>
+            <a:pPr marL="342900" indent="-342900">
+              <a:buFont typeface="Wingdings" pitchFamily="2" charset="2"/>
+              <a:buChar char="§"/>
+            </a:pPr>
+            <a:r>
+              <a:rPr lang="de-DE" dirty="0" smtClean="0">
+                <a:latin typeface="+mn-lt"/>
+              </a:rPr>
+              <a:t>Größter Unterschied bei FSet3 (Faktor 7,5)</a:t>
+            </a:r>
+          </a:p>
+          <a:p>
+            <a:pPr marL="342900" indent="-342900">
+              <a:buFont typeface="Wingdings" pitchFamily="2" charset="2"/>
+              <a:buChar char="§"/>
+            </a:pPr>
+            <a:endParaRPr lang="de-DE" dirty="0">
+              <a:latin typeface="+mn-lt"/>
+            </a:endParaRPr>
+          </a:p>
+          <a:p>
+            <a:r>
+              <a:rPr lang="de-DE" dirty="0" smtClean="0">
+                <a:latin typeface="+mn-lt"/>
+                <a:sym typeface="Wingdings" pitchFamily="2" charset="2"/>
+              </a:rPr>
+              <a:t></a:t>
+            </a:r>
+            <a:r>
+              <a:rPr lang="de-DE" dirty="0" smtClean="0">
+                <a:latin typeface="+mn-lt"/>
+              </a:rPr>
+              <a:t> DSP besser für die Merkmalsextraktion geeignet</a:t>
+            </a:r>
+          </a:p>
+          <a:p>
+            <a:pPr marL="342900" indent="-342900">
+              <a:buFont typeface="Wingdings" pitchFamily="2" charset="2"/>
+              <a:buChar char="§"/>
+            </a:pPr>
+            <a:endParaRPr lang="de-DE" dirty="0">
+              <a:latin typeface="+mn-lt"/>
+            </a:endParaRPr>
+          </a:p>
+        </p:txBody>
+      </p:sp>
+    </p:spTree>
+  </p:cSld>
+  <p:clrMapOvr>
+    <a:masterClrMapping/>
+  </p:clrMapOvr>
+  <p:timing>
+    <p:tnLst>
+      <p:par>
+        <p:cTn id="1" dur="indefinite" restart="never" nodeType="tmRoot"/>
+      </p:par>
+    </p:tnLst>
+  </p:timing>
+</p:sld>
+</file>
+
+<file path=ppt/slides/slide15.xml><?xml version="1.0" encoding="utf-8"?>
+<p:sld xmlns:a="http://schemas.openxmlformats.org/drawingml/2006/main" xmlns:r="http://schemas.openxmlformats.org/officeDocument/2006/relationships" xmlns:p="http://schemas.openxmlformats.org/presentationml/2006/main">
+  <p:cSld>
+    <p:spTree>
+      <p:nvGrpSpPr>
+        <p:cNvPr id="1" name=""/>
+        <p:cNvGrpSpPr/>
+        <p:nvPr/>
+      </p:nvGrpSpPr>
+      <p:grpSpPr>
+        <a:xfrm>
+          <a:off x="0" y="0"/>
+          <a:ext cx="0" cy="0"/>
+          <a:chOff x="0" y="0"/>
+          <a:chExt cx="0" cy="0"/>
+        </a:xfrm>
+      </p:grpSpPr>
+      <p:graphicFrame>
+        <p:nvGraphicFramePr>
           <p:cNvPr id="4" name="Inhaltsplatzhalter 3"/>
           <p:cNvGraphicFramePr>
             <a:graphicFrameLocks noGrp="1"/>
@@ -7173,7 +9743,7 @@
             <p:ph idx="1"/>
             <p:extLst>
               <p:ext uri="{D42A27DB-BD31-4B8C-83A1-F6EECF244321}">
-                <p14:modId xmlns:p14="http://schemas.microsoft.com/office/powerpoint/2010/main" val="654578910"/>
+                <p14:modId xmlns:p14="http://schemas.microsoft.com/office/powerpoint/2010/main" xmlns="" val="654578910"/>
               </p:ext>
             </p:extLst>
           </p:nvPr>
@@ -7742,7 +10312,7 @@
           <p:nvPr>
             <p:extLst>
               <p:ext uri="{D42A27DB-BD31-4B8C-83A1-F6EECF244321}">
-                <p14:modId xmlns:p14="http://schemas.microsoft.com/office/powerpoint/2010/main" val="2048067718"/>
+                <p14:modId xmlns:p14="http://schemas.microsoft.com/office/powerpoint/2010/main" xmlns="" val="2048067718"/>
               </p:ext>
             </p:extLst>
           </p:nvPr>
@@ -7753,40 +10323,9 @@
         </p:xfrm>
         <a:graphic>
           <a:graphicData uri="http://schemas.openxmlformats.org/presentationml/2006/ole">
-            <mc:AlternateContent xmlns:mc="http://schemas.openxmlformats.org/markup-compatibility/2006">
-              <mc:Choice xmlns:v="urn:schemas-microsoft-com:vml" Requires="v">
-                <p:oleObj spid="_x0000_s20496" name="Equation" r:id="rId3" imgW="1143000" imgH="431640" progId="Equation.DSMT4">
-                  <p:embed/>
-                </p:oleObj>
-              </mc:Choice>
-              <mc:Fallback>
-                <p:oleObj name="Equation" r:id="rId3" imgW="1143000" imgH="431640" progId="Equation.DSMT4">
-                  <p:embed/>
-                  <p:pic>
-                    <p:nvPicPr>
-                      <p:cNvPr id="0" name=""/>
-                      <p:cNvPicPr/>
-                      <p:nvPr/>
-                    </p:nvPicPr>
-                    <p:blipFill>
-                      <a:blip r:embed="rId4"/>
-                      <a:stretch>
-                        <a:fillRect/>
-                      </a:stretch>
-                    </p:blipFill>
-                    <p:spPr>
-                      <a:xfrm>
-                        <a:off x="179512" y="4364524"/>
-                        <a:ext cx="2232248" cy="843294"/>
-                      </a:xfrm>
-                      <a:prstGeom prst="rect">
-                        <a:avLst/>
-                      </a:prstGeom>
-                    </p:spPr>
-                  </p:pic>
-                </p:oleObj>
-              </mc:Fallback>
-            </mc:AlternateContent>
+            <p:oleObj spid="_x0000_s20523" name="Equation" r:id="rId3" imgW="1143000" imgH="431800" progId="">
+              <p:embed/>
+            </p:oleObj>
           </a:graphicData>
         </a:graphic>
       </p:graphicFrame>
@@ -7799,51 +10338,20 @@
           <p:nvPr>
             <p:extLst>
               <p:ext uri="{D42A27DB-BD31-4B8C-83A1-F6EECF244321}">
-                <p14:modId xmlns:p14="http://schemas.microsoft.com/office/powerpoint/2010/main" val="3727018914"/>
+                <p14:modId xmlns:p14="http://schemas.microsoft.com/office/powerpoint/2010/main" xmlns="" val="2087392482"/>
               </p:ext>
             </p:extLst>
           </p:nvPr>
         </p:nvGraphicFramePr>
         <p:xfrm>
-          <a:off x="2483768" y="4436532"/>
-          <a:ext cx="2736304" cy="750277"/>
+          <a:off x="2473325" y="4437063"/>
+          <a:ext cx="2757488" cy="749300"/>
         </p:xfrm>
         <a:graphic>
           <a:graphicData uri="http://schemas.openxmlformats.org/presentationml/2006/ole">
-            <mc:AlternateContent xmlns:mc="http://schemas.openxmlformats.org/markup-compatibility/2006">
-              <mc:Choice xmlns:v="urn:schemas-microsoft-com:vml" Requires="v">
-                <p:oleObj spid="_x0000_s20497" name="Equation" r:id="rId5" imgW="1574640" imgH="431640" progId="Equation.DSMT4">
-                  <p:embed/>
-                </p:oleObj>
-              </mc:Choice>
-              <mc:Fallback>
-                <p:oleObj name="Equation" r:id="rId5" imgW="1574640" imgH="431640" progId="Equation.DSMT4">
-                  <p:embed/>
-                  <p:pic>
-                    <p:nvPicPr>
-                      <p:cNvPr id="0" name=""/>
-                      <p:cNvPicPr/>
-                      <p:nvPr/>
-                    </p:nvPicPr>
-                    <p:blipFill>
-                      <a:blip r:embed="rId6"/>
-                      <a:stretch>
-                        <a:fillRect/>
-                      </a:stretch>
-                    </p:blipFill>
-                    <p:spPr>
-                      <a:xfrm>
-                        <a:off x="2483768" y="4436532"/>
-                        <a:ext cx="2736304" cy="750277"/>
-                      </a:xfrm>
-                      <a:prstGeom prst="rect">
-                        <a:avLst/>
-                      </a:prstGeom>
-                    </p:spPr>
-                  </p:pic>
-                </p:oleObj>
-              </mc:Fallback>
-            </mc:AlternateContent>
+            <p:oleObj spid="_x0000_s20524" name="Equation" r:id="rId4" imgW="1587240" imgH="431640" progId="">
+              <p:embed/>
+            </p:oleObj>
           </a:graphicData>
         </a:graphic>
       </p:graphicFrame>
@@ -7856,7 +10364,7 @@
           <p:nvPr>
             <p:extLst>
               <p:ext uri="{D42A27DB-BD31-4B8C-83A1-F6EECF244321}">
-                <p14:modId xmlns:p14="http://schemas.microsoft.com/office/powerpoint/2010/main" val="2490061991"/>
+                <p14:modId xmlns:p14="http://schemas.microsoft.com/office/powerpoint/2010/main" xmlns="" val="2490061991"/>
               </p:ext>
             </p:extLst>
           </p:nvPr>
@@ -7867,40 +10375,9 @@
         </p:xfrm>
         <a:graphic>
           <a:graphicData uri="http://schemas.openxmlformats.org/presentationml/2006/ole">
-            <mc:AlternateContent xmlns:mc="http://schemas.openxmlformats.org/markup-compatibility/2006">
-              <mc:Choice xmlns:v="urn:schemas-microsoft-com:vml" Requires="v">
-                <p:oleObj spid="_x0000_s20498" name="Equation" r:id="rId7" imgW="1765080" imgH="241200" progId="Equation.DSMT4">
-                  <p:embed/>
-                </p:oleObj>
-              </mc:Choice>
-              <mc:Fallback>
-                <p:oleObj name="Equation" r:id="rId7" imgW="1765080" imgH="241200" progId="Equation.DSMT4">
-                  <p:embed/>
-                  <p:pic>
-                    <p:nvPicPr>
-                      <p:cNvPr id="0" name=""/>
-                      <p:cNvPicPr/>
-                      <p:nvPr/>
-                    </p:nvPicPr>
-                    <p:blipFill>
-                      <a:blip r:embed="rId8"/>
-                      <a:stretch>
-                        <a:fillRect/>
-                      </a:stretch>
-                    </p:blipFill>
-                    <p:spPr>
-                      <a:xfrm>
-                        <a:off x="5292080" y="4580548"/>
-                        <a:ext cx="3600400" cy="492141"/>
-                      </a:xfrm>
-                      <a:prstGeom prst="rect">
-                        <a:avLst/>
-                      </a:prstGeom>
-                    </p:spPr>
-                  </p:pic>
-                </p:oleObj>
-              </mc:Fallback>
-            </mc:AlternateContent>
+            <p:oleObj spid="_x0000_s20525" name="Equation" r:id="rId5" imgW="1765300" imgH="241300" progId="">
+              <p:embed/>
+            </p:oleObj>
           </a:graphicData>
         </a:graphic>
       </p:graphicFrame>
@@ -8010,161 +10487,6 @@
   <p:clrMapOvr>
     <a:masterClrMapping/>
   </p:clrMapOvr>
-  <p:timing>
-    <p:tnLst>
-      <p:par>
-        <p:cTn id="1" dur="indefinite" restart="never" nodeType="tmRoot"/>
-      </p:par>
-    </p:tnLst>
-  </p:timing>
-</p:sld>
-</file>
-
-<file path=ppt/slides/slide15.xml><?xml version="1.0" encoding="utf-8"?>
-<p:sld xmlns:a="http://schemas.openxmlformats.org/drawingml/2006/main" xmlns:r="http://schemas.openxmlformats.org/officeDocument/2006/relationships" xmlns:p="http://schemas.openxmlformats.org/presentationml/2006/main">
-  <p:cSld>
-    <p:spTree>
-      <p:nvGrpSpPr>
-        <p:cNvPr id="1" name=""/>
-        <p:cNvGrpSpPr/>
-        <p:nvPr/>
-      </p:nvGrpSpPr>
-      <p:grpSpPr>
-        <a:xfrm>
-          <a:off x="0" y="0"/>
-          <a:ext cx="0" cy="0"/>
-          <a:chOff x="0" y="0"/>
-          <a:chExt cx="0" cy="0"/>
-        </a:xfrm>
-      </p:grpSpPr>
-      <p:graphicFrame>
-        <p:nvGraphicFramePr>
-          <p:cNvPr id="4" name="Inhaltsplatzhalter 3"/>
-          <p:cNvGraphicFramePr>
-            <a:graphicFrameLocks noGrp="1"/>
-          </p:cNvGraphicFramePr>
-          <p:nvPr>
-            <p:ph idx="1"/>
-            <p:extLst>
-              <p:ext uri="{D42A27DB-BD31-4B8C-83A1-F6EECF244321}">
-                <p14:modId xmlns:p14="http://schemas.microsoft.com/office/powerpoint/2010/main" val="2896852188"/>
-              </p:ext>
-            </p:extLst>
-          </p:nvPr>
-        </p:nvGraphicFramePr>
-        <p:xfrm>
-          <a:off x="467544" y="1412776"/>
-          <a:ext cx="8412162" cy="3168352"/>
-        </p:xfrm>
-        <a:graphic>
-          <a:graphicData uri="http://schemas.openxmlformats.org/drawingml/2006/chart">
-            <c:chart xmlns:c="http://schemas.openxmlformats.org/drawingml/2006/chart" xmlns:r="http://schemas.openxmlformats.org/officeDocument/2006/relationships" r:id="rId2"/>
-          </a:graphicData>
-        </a:graphic>
-      </p:graphicFrame>
-      <p:sp>
-        <p:nvSpPr>
-          <p:cNvPr id="3" name="Titel 2"/>
-          <p:cNvSpPr>
-            <a:spLocks noGrp="1"/>
-          </p:cNvSpPr>
-          <p:nvPr>
-            <p:ph type="title"/>
-          </p:nvPr>
-        </p:nvSpPr>
-        <p:spPr/>
-        <p:txBody>
-          <a:bodyPr/>
-          <a:lstStyle/>
-          <a:p>
-            <a:r>
-              <a:rPr lang="de-DE" dirty="0" smtClean="0"/>
-              <a:t>Vergleich ARM und heterogenes System (Laufzeit)</a:t>
-            </a:r>
-            <a:endParaRPr lang="de-DE" dirty="0"/>
-          </a:p>
-        </p:txBody>
-      </p:sp>
-      <p:sp>
-        <p:nvSpPr>
-          <p:cNvPr id="5" name="Textfeld 4"/>
-          <p:cNvSpPr txBox="1"/>
-          <p:nvPr/>
-        </p:nvSpPr>
-        <p:spPr>
-          <a:xfrm>
-            <a:off x="539552" y="4653136"/>
-            <a:ext cx="8064896" cy="1569660"/>
-          </a:xfrm>
-          <a:prstGeom prst="rect">
-            <a:avLst/>
-          </a:prstGeom>
-          <a:noFill/>
-        </p:spPr>
-        <p:txBody>
-          <a:bodyPr wrap="square" rtlCol="0">
-            <a:spAutoFit/>
-          </a:bodyPr>
-          <a:lstStyle/>
-          <a:p>
-            <a:pPr marL="342900" indent="-342900">
-              <a:buFont typeface="Wingdings" pitchFamily="2" charset="2"/>
-              <a:buChar char="§"/>
-            </a:pPr>
-            <a:r>
-              <a:rPr lang="de-DE" dirty="0" smtClean="0">
-                <a:latin typeface="+mn-lt"/>
-              </a:rPr>
-              <a:t>Musikklassifikation auf dem heterogenen System schneller</a:t>
-            </a:r>
-          </a:p>
-          <a:p>
-            <a:pPr marL="342900" indent="-342900">
-              <a:buFont typeface="Wingdings" pitchFamily="2" charset="2"/>
-              <a:buChar char="§"/>
-            </a:pPr>
-            <a:r>
-              <a:rPr lang="de-DE" dirty="0" smtClean="0">
-                <a:latin typeface="+mn-lt"/>
-              </a:rPr>
-              <a:t>Größter Unterschied MCL3 (Faktor 3)</a:t>
-            </a:r>
-          </a:p>
-          <a:p>
-            <a:pPr marL="342900" indent="-342900">
-              <a:buFont typeface="Wingdings" pitchFamily="2" charset="2"/>
-              <a:buChar char="§"/>
-            </a:pPr>
-            <a:endParaRPr lang="de-DE" dirty="0">
-              <a:latin typeface="+mn-lt"/>
-            </a:endParaRPr>
-          </a:p>
-          <a:p>
-            <a:r>
-              <a:rPr lang="de-DE" dirty="0" smtClean="0">
-                <a:latin typeface="+mn-lt"/>
-                <a:sym typeface="Wingdings" pitchFamily="2" charset="2"/>
-              </a:rPr>
-              <a:t></a:t>
-            </a:r>
-            <a:r>
-              <a:rPr lang="de-DE" dirty="0" smtClean="0">
-                <a:latin typeface="+mn-lt"/>
-              </a:rPr>
-              <a:t> Heterogenes System aus Sicht der Laufzeit besser geeignet</a:t>
-            </a:r>
-            <a:endParaRPr lang="de-DE" dirty="0">
-              <a:latin typeface="+mn-lt"/>
-            </a:endParaRPr>
-          </a:p>
-        </p:txBody>
-      </p:sp>
-    </p:spTree>
-  </p:cSld>
-  <p:clrMapOvr>
-    <a:masterClrMapping/>
-  </p:clrMapOvr>
-  <p:transition/>
   <p:timing>
     <p:tnLst>
       <p:par>
@@ -8202,7 +10524,162 @@
             <p:ph idx="1"/>
             <p:extLst>
               <p:ext uri="{D42A27DB-BD31-4B8C-83A1-F6EECF244321}">
-                <p14:modId xmlns:p14="http://schemas.microsoft.com/office/powerpoint/2010/main" val="774806516"/>
+                <p14:modId xmlns:p14="http://schemas.microsoft.com/office/powerpoint/2010/main" xmlns="" val="2896852188"/>
+              </p:ext>
+            </p:extLst>
+          </p:nvPr>
+        </p:nvGraphicFramePr>
+        <p:xfrm>
+          <a:off x="467544" y="1412776"/>
+          <a:ext cx="8412162" cy="3168352"/>
+        </p:xfrm>
+        <a:graphic>
+          <a:graphicData uri="http://schemas.openxmlformats.org/drawingml/2006/chart">
+            <c:chart xmlns:c="http://schemas.openxmlformats.org/drawingml/2006/chart" xmlns:r="http://schemas.openxmlformats.org/officeDocument/2006/relationships" r:id="rId2"/>
+          </a:graphicData>
+        </a:graphic>
+      </p:graphicFrame>
+      <p:sp>
+        <p:nvSpPr>
+          <p:cNvPr id="3" name="Titel 2"/>
+          <p:cNvSpPr>
+            <a:spLocks noGrp="1"/>
+          </p:cNvSpPr>
+          <p:nvPr>
+            <p:ph type="title"/>
+          </p:nvPr>
+        </p:nvSpPr>
+        <p:spPr/>
+        <p:txBody>
+          <a:bodyPr/>
+          <a:lstStyle/>
+          <a:p>
+            <a:r>
+              <a:rPr lang="de-DE" dirty="0" smtClean="0"/>
+              <a:t>Vergleich ARM und heterogenes System (Laufzeit)</a:t>
+            </a:r>
+            <a:endParaRPr lang="de-DE" dirty="0"/>
+          </a:p>
+        </p:txBody>
+      </p:sp>
+      <p:sp>
+        <p:nvSpPr>
+          <p:cNvPr id="5" name="Textfeld 4"/>
+          <p:cNvSpPr txBox="1"/>
+          <p:nvPr/>
+        </p:nvSpPr>
+        <p:spPr>
+          <a:xfrm>
+            <a:off x="539552" y="4653136"/>
+            <a:ext cx="8064896" cy="1569660"/>
+          </a:xfrm>
+          <a:prstGeom prst="rect">
+            <a:avLst/>
+          </a:prstGeom>
+          <a:noFill/>
+        </p:spPr>
+        <p:txBody>
+          <a:bodyPr wrap="square" rtlCol="0">
+            <a:spAutoFit/>
+          </a:bodyPr>
+          <a:lstStyle/>
+          <a:p>
+            <a:pPr marL="342900" indent="-342900">
+              <a:buFont typeface="Wingdings" pitchFamily="2" charset="2"/>
+              <a:buChar char="§"/>
+            </a:pPr>
+            <a:r>
+              <a:rPr lang="de-DE" dirty="0" smtClean="0">
+                <a:latin typeface="+mn-lt"/>
+              </a:rPr>
+              <a:t>Musikklassifikation auf dem heterogenen System schneller</a:t>
+            </a:r>
+          </a:p>
+          <a:p>
+            <a:pPr marL="342900" indent="-342900">
+              <a:buFont typeface="Wingdings" pitchFamily="2" charset="2"/>
+              <a:buChar char="§"/>
+            </a:pPr>
+            <a:r>
+              <a:rPr lang="de-DE" dirty="0" smtClean="0">
+                <a:latin typeface="+mn-lt"/>
+              </a:rPr>
+              <a:t>Größter Unterschied MCL3 (Faktor 3)</a:t>
+            </a:r>
+          </a:p>
+          <a:p>
+            <a:pPr marL="342900" indent="-342900">
+              <a:buFont typeface="Wingdings" pitchFamily="2" charset="2"/>
+              <a:buChar char="§"/>
+            </a:pPr>
+            <a:endParaRPr lang="de-DE" dirty="0">
+              <a:latin typeface="+mn-lt"/>
+            </a:endParaRPr>
+          </a:p>
+          <a:p>
+            <a:r>
+              <a:rPr lang="de-DE" dirty="0" smtClean="0">
+                <a:latin typeface="+mn-lt"/>
+                <a:sym typeface="Wingdings" pitchFamily="2" charset="2"/>
+              </a:rPr>
+              <a:t></a:t>
+            </a:r>
+            <a:r>
+              <a:rPr lang="de-DE" dirty="0" smtClean="0">
+                <a:latin typeface="+mn-lt"/>
+              </a:rPr>
+              <a:t> Laufzeit: Heterogenes System &lt; ARM</a:t>
+            </a:r>
+            <a:endParaRPr lang="de-DE" dirty="0">
+              <a:latin typeface="+mn-lt"/>
+            </a:endParaRPr>
+          </a:p>
+        </p:txBody>
+      </p:sp>
+    </p:spTree>
+  </p:cSld>
+  <p:clrMapOvr>
+    <a:masterClrMapping/>
+  </p:clrMapOvr>
+  <p:transition/>
+  <p:timing>
+    <p:tnLst>
+      <p:par>
+        <p:cTn id="1" dur="indefinite" restart="never" nodeType="tmRoot"/>
+      </p:par>
+    </p:tnLst>
+  </p:timing>
+</p:sld>
+</file>
+
+<file path=ppt/slides/slide17.xml><?xml version="1.0" encoding="utf-8"?>
+<p:sld xmlns:a="http://schemas.openxmlformats.org/drawingml/2006/main" xmlns:r="http://schemas.openxmlformats.org/officeDocument/2006/relationships" xmlns:p="http://schemas.openxmlformats.org/presentationml/2006/main">
+  <p:cSld>
+    <p:spTree>
+      <p:nvGrpSpPr>
+        <p:cNvPr id="1" name=""/>
+        <p:cNvGrpSpPr/>
+        <p:nvPr/>
+      </p:nvGrpSpPr>
+      <p:grpSpPr>
+        <a:xfrm>
+          <a:off x="0" y="0"/>
+          <a:ext cx="0" cy="0"/>
+          <a:chOff x="0" y="0"/>
+          <a:chExt cx="0" cy="0"/>
+        </a:xfrm>
+      </p:grpSpPr>
+      <p:graphicFrame>
+        <p:nvGraphicFramePr>
+          <p:cNvPr id="4" name="Inhaltsplatzhalter 3"/>
+          <p:cNvGraphicFramePr>
+            <a:graphicFrameLocks noGrp="1"/>
+          </p:cNvGraphicFramePr>
+          <p:nvPr>
+            <p:ph idx="1"/>
+            <p:extLst>
+              <p:ext uri="{D42A27DB-BD31-4B8C-83A1-F6EECF244321}">
+                <p14:modId xmlns:p14="http://schemas.microsoft.com/office/powerpoint/2010/main" xmlns="" val="774806516"/>
               </p:ext>
             </p:extLst>
           </p:nvPr>
@@ -8300,13 +10777,14 @@
                 <a:latin typeface="+mn-lt"/>
                 <a:sym typeface="Wingdings" pitchFamily="2" charset="2"/>
               </a:rPr>
-              <a:t></a:t>
-            </a:r>
-            <a:r>
-              <a:rPr lang="de-DE" dirty="0" smtClean="0">
+              <a:t>Energie-Effizienz: ARM &gt; </a:t>
+            </a:r>
+            <a:r>
+              <a:rPr lang="de-DE" smtClean="0">
                 <a:latin typeface="+mn-lt"/>
-              </a:rPr>
-              <a:t> ARM aus Sicht der Energie-Effizienz vorzuziehen</a:t>
+                <a:sym typeface="Wingdings" pitchFamily="2" charset="2"/>
+              </a:rPr>
+              <a:t>Heterogenes System</a:t>
             </a:r>
             <a:endParaRPr lang="de-DE" dirty="0">
               <a:latin typeface="+mn-lt"/>
@@ -8329,7 +10807,7 @@
 </p:sld>
 </file>
 
-<file path=ppt/slides/slide17.xml><?xml version="1.0" encoding="utf-8"?>
+<file path=ppt/slides/slide18.xml><?xml version="1.0" encoding="utf-8"?>
 <p:sld xmlns:a="http://schemas.openxmlformats.org/drawingml/2006/main" xmlns:r="http://schemas.openxmlformats.org/officeDocument/2006/relationships" xmlns:p="http://schemas.openxmlformats.org/presentationml/2006/main">
   <p:cSld>
     <p:spTree>
@@ -8578,7 +11056,15 @@
                 <a:ea typeface="ＭＳ Ｐゴシック" pitchFamily="1" charset="-128"/>
                 <a:sym typeface="Wingdings" pitchFamily="2" charset="2"/>
               </a:rPr>
-              <a:t></a:t>
+              <a:t>Applikations</a:t>
+            </a:r>
+            <a:r>
+              <a:rPr lang="de-DE" dirty="0" smtClean="0">
+                <a:latin typeface="+mn-lt"/>
+                <a:ea typeface="ＭＳ Ｐゴシック" pitchFamily="1" charset="-128"/>
+                <a:sym typeface="Wingdings" pitchFamily="2" charset="2"/>
+              </a:rPr>
+              <a:t>spezifische </a:t>
             </a:r>
             <a:r>
               <a:rPr kumimoji="0" lang="de-DE" sz="2400" b="0" i="0" u="none" strike="noStrike" cap="none" normalizeH="0" baseline="0" dirty="0" smtClean="0">
@@ -8606,7 +11092,7 @@
                 <a:latin typeface="+mn-lt"/>
                 <a:ea typeface="ＭＳ Ｐゴシック" pitchFamily="1" charset="-128"/>
               </a:rPr>
-              <a:t> der Architektur</a:t>
+              <a:t> der Architekturen</a:t>
             </a:r>
             <a:endParaRPr kumimoji="0" lang="de-DE" sz="2400" b="0" i="0" u="none" strike="noStrike" cap="none" normalizeH="0" baseline="0" dirty="0" smtClean="0">
               <a:ln>
@@ -8637,7 +11123,7 @@
 </p:sld>
 </file>
 
-<file path=ppt/slides/slide18.xml><?xml version="1.0" encoding="utf-8"?>
+<file path=ppt/slides/slide19.xml><?xml version="1.0" encoding="utf-8"?>
 <p:sld xmlns:a="http://schemas.openxmlformats.org/drawingml/2006/main" xmlns:r="http://schemas.openxmlformats.org/officeDocument/2006/relationships" xmlns:p="http://schemas.openxmlformats.org/presentationml/2006/main" show="0">
   <p:cSld>
     <p:spTree>
@@ -8664,7 +11150,7 @@
             <p:ph idx="1"/>
             <p:extLst>
               <p:ext uri="{D42A27DB-BD31-4B8C-83A1-F6EECF244321}">
-                <p14:modId xmlns:p14="http://schemas.microsoft.com/office/powerpoint/2010/main" val="2551806399"/>
+                <p14:modId xmlns:p14="http://schemas.microsoft.com/office/powerpoint/2010/main" xmlns="" val="2551806399"/>
               </p:ext>
             </p:extLst>
           </p:nvPr>
@@ -8774,123 +11260,6 @@
             <a:endParaRPr lang="de-DE" dirty="0">
               <a:latin typeface="+mn-lt"/>
             </a:endParaRPr>
-          </a:p>
-        </p:txBody>
-      </p:sp>
-    </p:spTree>
-  </p:cSld>
-  <p:clrMapOvr>
-    <a:masterClrMapping/>
-  </p:clrMapOvr>
-  <p:transition/>
-  <p:timing>
-    <p:tnLst>
-      <p:par>
-        <p:cTn id="1" dur="indefinite" restart="never" nodeType="tmRoot"/>
-      </p:par>
-    </p:tnLst>
-  </p:timing>
-</p:sld>
-</file>
-
-<file path=ppt/slides/slide19.xml><?xml version="1.0" encoding="utf-8"?>
-<p:sld xmlns:a="http://schemas.openxmlformats.org/drawingml/2006/main" xmlns:r="http://schemas.openxmlformats.org/officeDocument/2006/relationships" xmlns:p="http://schemas.openxmlformats.org/presentationml/2006/main" show="0">
-  <p:cSld>
-    <p:spTree>
-      <p:nvGrpSpPr>
-        <p:cNvPr id="1" name=""/>
-        <p:cNvGrpSpPr/>
-        <p:nvPr/>
-      </p:nvGrpSpPr>
-      <p:grpSpPr>
-        <a:xfrm>
-          <a:off x="0" y="0"/>
-          <a:ext cx="0" cy="0"/>
-          <a:chOff x="0" y="0"/>
-          <a:chExt cx="0" cy="0"/>
-        </a:xfrm>
-      </p:grpSpPr>
-      <p:sp>
-        <p:nvSpPr>
-          <p:cNvPr id="3" name="Titel 2"/>
-          <p:cNvSpPr>
-            <a:spLocks noGrp="1"/>
-          </p:cNvSpPr>
-          <p:nvPr>
-            <p:ph type="title"/>
-          </p:nvPr>
-        </p:nvSpPr>
-        <p:spPr/>
-        <p:txBody>
-          <a:bodyPr/>
-          <a:lstStyle/>
-          <a:p>
-            <a:r>
-              <a:rPr lang="de-DE" dirty="0" smtClean="0"/>
-              <a:t>Aufgabenstellung</a:t>
-            </a:r>
-            <a:endParaRPr lang="de-DE" dirty="0"/>
-          </a:p>
-        </p:txBody>
-      </p:sp>
-      <p:sp>
-        <p:nvSpPr>
-          <p:cNvPr id="5" name="Inhaltsplatzhalter 4"/>
-          <p:cNvSpPr>
-            <a:spLocks noGrp="1"/>
-          </p:cNvSpPr>
-          <p:nvPr>
-            <p:ph idx="1"/>
-          </p:nvPr>
-        </p:nvSpPr>
-        <p:spPr/>
-        <p:txBody>
-          <a:bodyPr/>
-          <a:lstStyle/>
-          <a:p>
-            <a:pPr marL="0" indent="0">
-              <a:buNone/>
-            </a:pPr>
-            <a:r>
-              <a:rPr lang="de-DE" b="1" u="sng" dirty="0" smtClean="0"/>
-              <a:t>Vorgegeben:</a:t>
-            </a:r>
-            <a:r>
-              <a:rPr lang="de-DE" dirty="0" smtClean="0"/>
-              <a:t> </a:t>
-            </a:r>
-          </a:p>
-          <a:p>
-            <a:r>
-              <a:rPr lang="de-DE" dirty="0" smtClean="0"/>
-              <a:t>Heterogenes System aus ARM Cortex A8 und TI C674x DSP</a:t>
-            </a:r>
-          </a:p>
-          <a:p>
-            <a:r>
-              <a:rPr lang="de-DE" dirty="0" smtClean="0"/>
-              <a:t>Referenzimplementierung des MCL in C++</a:t>
-            </a:r>
-          </a:p>
-          <a:p>
-            <a:pPr marL="0" indent="0">
-              <a:buNone/>
-            </a:pPr>
-            <a:endParaRPr lang="de-DE" dirty="0"/>
-          </a:p>
-          <a:p>
-            <a:pPr marL="0" indent="0">
-              <a:buNone/>
-            </a:pPr>
-            <a:r>
-              <a:rPr lang="de-DE" b="1" u="sng" dirty="0" smtClean="0"/>
-              <a:t>Aufgaben</a:t>
-            </a:r>
-            <a:r>
-              <a:rPr lang="de-DE" b="1" u="sng" dirty="0" smtClean="0"/>
-              <a:t>:</a:t>
-            </a:r>
-            <a:endParaRPr lang="de-DE" b="1" u="sng" dirty="0" smtClean="0"/>
           </a:p>
         </p:txBody>
       </p:sp>
@@ -9024,6 +11393,118 @@
 </p:sld>
 </file>
 
+<file path=ppt/slides/slide20.xml><?xml version="1.0" encoding="utf-8"?>
+<p:sld xmlns:a="http://schemas.openxmlformats.org/drawingml/2006/main" xmlns:r="http://schemas.openxmlformats.org/officeDocument/2006/relationships" xmlns:p="http://schemas.openxmlformats.org/presentationml/2006/main" show="0">
+  <p:cSld>
+    <p:spTree>
+      <p:nvGrpSpPr>
+        <p:cNvPr id="1" name=""/>
+        <p:cNvGrpSpPr/>
+        <p:nvPr/>
+      </p:nvGrpSpPr>
+      <p:grpSpPr>
+        <a:xfrm>
+          <a:off x="0" y="0"/>
+          <a:ext cx="0" cy="0"/>
+          <a:chOff x="0" y="0"/>
+          <a:chExt cx="0" cy="0"/>
+        </a:xfrm>
+      </p:grpSpPr>
+      <p:sp>
+        <p:nvSpPr>
+          <p:cNvPr id="3" name="Titel 2"/>
+          <p:cNvSpPr>
+            <a:spLocks noGrp="1"/>
+          </p:cNvSpPr>
+          <p:nvPr>
+            <p:ph type="title"/>
+          </p:nvPr>
+        </p:nvSpPr>
+        <p:spPr/>
+        <p:txBody>
+          <a:bodyPr/>
+          <a:lstStyle/>
+          <a:p>
+            <a:r>
+              <a:rPr lang="de-DE" dirty="0" smtClean="0"/>
+              <a:t>Aufgabenstellung</a:t>
+            </a:r>
+            <a:endParaRPr lang="de-DE" dirty="0"/>
+          </a:p>
+        </p:txBody>
+      </p:sp>
+      <p:sp>
+        <p:nvSpPr>
+          <p:cNvPr id="5" name="Inhaltsplatzhalter 4"/>
+          <p:cNvSpPr>
+            <a:spLocks noGrp="1"/>
+          </p:cNvSpPr>
+          <p:nvPr>
+            <p:ph idx="1"/>
+          </p:nvPr>
+        </p:nvSpPr>
+        <p:spPr/>
+        <p:txBody>
+          <a:bodyPr/>
+          <a:lstStyle/>
+          <a:p>
+            <a:pPr marL="0" indent="0">
+              <a:buNone/>
+            </a:pPr>
+            <a:r>
+              <a:rPr lang="de-DE" b="1" u="sng" dirty="0" smtClean="0"/>
+              <a:t>Vorgegeben:</a:t>
+            </a:r>
+            <a:r>
+              <a:rPr lang="de-DE" dirty="0" smtClean="0"/>
+              <a:t> </a:t>
+            </a:r>
+          </a:p>
+          <a:p>
+            <a:r>
+              <a:rPr lang="de-DE" dirty="0" smtClean="0"/>
+              <a:t>Heterogenes System aus ARM Cortex A8 und TI C674x DSP</a:t>
+            </a:r>
+          </a:p>
+          <a:p>
+            <a:r>
+              <a:rPr lang="de-DE" dirty="0" smtClean="0"/>
+              <a:t>Referenzimplementierung des MCL in C++</a:t>
+            </a:r>
+          </a:p>
+          <a:p>
+            <a:pPr marL="0" indent="0">
+              <a:buNone/>
+            </a:pPr>
+            <a:endParaRPr lang="de-DE" dirty="0"/>
+          </a:p>
+          <a:p>
+            <a:pPr marL="0" indent="0">
+              <a:buNone/>
+            </a:pPr>
+            <a:r>
+              <a:rPr lang="de-DE" b="1" u="sng" dirty="0" smtClean="0"/>
+              <a:t>Aufgaben:</a:t>
+            </a:r>
+          </a:p>
+        </p:txBody>
+      </p:sp>
+    </p:spTree>
+  </p:cSld>
+  <p:clrMapOvr>
+    <a:masterClrMapping/>
+  </p:clrMapOvr>
+  <p:transition/>
+  <p:timing>
+    <p:tnLst>
+      <p:par>
+        <p:cTn id="1" dur="indefinite" restart="never" nodeType="tmRoot"/>
+      </p:par>
+    </p:tnLst>
+  </p:timing>
+</p:sld>
+</file>
+
 <file path=ppt/slides/slide3.xml><?xml version="1.0" encoding="utf-8"?>
 <p:sld xmlns:a="http://schemas.openxmlformats.org/drawingml/2006/main" xmlns:r="http://schemas.openxmlformats.org/officeDocument/2006/relationships" xmlns:p="http://schemas.openxmlformats.org/presentationml/2006/main">
   <p:cSld>
@@ -9073,29 +11554,28 @@
             </a:r>
           </a:p>
           <a:p>
-            <a:r>
-              <a:rPr lang="de-DE" dirty="0" smtClean="0"/>
-              <a:t>Manuelle Verwaltung der Datenbanken schwer </a:t>
-            </a:r>
-          </a:p>
-          <a:p>
             <a:pPr marL="0" indent="0">
               <a:buNone/>
             </a:pPr>
-            <a:r>
-              <a:rPr lang="de-DE" b="1" u="sng" dirty="0" smtClean="0"/>
-              <a:t>Idee:</a:t>
-            </a:r>
+            <a:endParaRPr lang="de-DE" dirty="0" smtClean="0"/>
           </a:p>
           <a:p>
             <a:pPr marL="0" indent="0">
               <a:buNone/>
             </a:pPr>
             <a:r>
+              <a:rPr lang="de-DE" b="1" u="sng" dirty="0" smtClean="0"/>
+              <a:t>Idee:</a:t>
+            </a:r>
+          </a:p>
+          <a:p>
+            <a:pPr marL="0" indent="0">
+              <a:buNone/>
+            </a:pPr>
+            <a:r>
               <a:rPr lang="de-DE" dirty="0" smtClean="0"/>
               <a:t>Einsatz von automatischer Musikklassifikation</a:t>
             </a:r>
-            <a:endParaRPr lang="de-DE" dirty="0" smtClean="0"/>
           </a:p>
           <a:p>
             <a:pPr>
@@ -9103,17 +11583,7 @@
             </a:pPr>
             <a:r>
               <a:rPr lang="de-DE" b="1" u="sng" dirty="0" smtClean="0"/>
-              <a:t>Herausforderungen</a:t>
-            </a:r>
-            <a:r>
-              <a:rPr lang="de-DE" b="1" u="sng" dirty="0" smtClean="0"/>
-              <a:t>:</a:t>
-            </a:r>
-          </a:p>
-          <a:p>
-            <a:r>
-              <a:rPr lang="de-DE" dirty="0" smtClean="0"/>
-              <a:t>Geringe Nachfrage </a:t>
+              <a:t>Herausforderungen:</a:t>
             </a:r>
           </a:p>
           <a:p>
@@ -9212,6 +11682,184 @@
       </p:grpSpPr>
       <p:sp>
         <p:nvSpPr>
+          <p:cNvPr id="4" name="Textfeld 3"/>
+          <p:cNvSpPr txBox="1"/>
+          <p:nvPr/>
+        </p:nvSpPr>
+        <p:spPr>
+          <a:xfrm>
+            <a:off x="179512" y="4581128"/>
+            <a:ext cx="8784976" cy="1569660"/>
+          </a:xfrm>
+          <a:prstGeom prst="rect">
+            <a:avLst/>
+          </a:prstGeom>
+          <a:noFill/>
+        </p:spPr>
+        <p:txBody>
+          <a:bodyPr wrap="square" rtlCol="0">
+            <a:spAutoFit/>
+          </a:bodyPr>
+          <a:lstStyle/>
+          <a:p>
+            <a:pPr marL="342900" indent="-342900">
+              <a:buFont typeface="Wingdings" pitchFamily="2" charset="2"/>
+              <a:buChar char="§"/>
+            </a:pPr>
+            <a:r>
+              <a:rPr lang="de-DE" dirty="0" smtClean="0">
+                <a:latin typeface="+mn-lt"/>
+              </a:rPr>
+              <a:t>Fensterung des Signals</a:t>
+            </a:r>
+          </a:p>
+          <a:p>
+            <a:pPr marL="342900" indent="-342900">
+              <a:buFont typeface="Wingdings" pitchFamily="2" charset="2"/>
+              <a:buChar char="§"/>
+            </a:pPr>
+            <a:r>
+              <a:rPr lang="de-DE" dirty="0" smtClean="0">
+                <a:latin typeface="+mn-lt"/>
+              </a:rPr>
+              <a:t>Merkmalsextraktion pro Fenster durchführen (z.B. Zero </a:t>
+            </a:r>
+            <a:r>
+              <a:rPr lang="de-DE" dirty="0" err="1" smtClean="0">
+                <a:latin typeface="+mn-lt"/>
+              </a:rPr>
+              <a:t>Crossing</a:t>
+            </a:r>
+            <a:r>
+              <a:rPr lang="de-DE" dirty="0" smtClean="0">
+                <a:latin typeface="+mn-lt"/>
+              </a:rPr>
+              <a:t> Rate)</a:t>
+            </a:r>
+          </a:p>
+          <a:p>
+            <a:pPr marL="342900" indent="-342900">
+              <a:buFont typeface="Wingdings" pitchFamily="2" charset="2"/>
+              <a:buChar char="§"/>
+            </a:pPr>
+            <a:r>
+              <a:rPr lang="de-DE" dirty="0" smtClean="0">
+                <a:latin typeface="+mn-lt"/>
+              </a:rPr>
+              <a:t>Erstellen von Merkmalsreihen </a:t>
+            </a:r>
+            <a:r>
+              <a:rPr lang="de-DE" dirty="0" err="1" smtClean="0">
+                <a:latin typeface="+mn-lt"/>
+              </a:rPr>
+              <a:t>M</a:t>
+            </a:r>
+            <a:r>
+              <a:rPr lang="de-DE" baseline="-25000" dirty="0" err="1" smtClean="0">
+                <a:latin typeface="+mn-lt"/>
+              </a:rPr>
+              <a:t>n</a:t>
+            </a:r>
+            <a:endParaRPr lang="de-DE" dirty="0">
+              <a:latin typeface="+mn-lt"/>
+            </a:endParaRPr>
+          </a:p>
+        </p:txBody>
+      </p:sp>
+      <p:sp>
+        <p:nvSpPr>
+          <p:cNvPr id="272" name="Textfeld 271"/>
+          <p:cNvSpPr txBox="1"/>
+          <p:nvPr/>
+        </p:nvSpPr>
+        <p:spPr>
+          <a:xfrm>
+            <a:off x="4153284" y="2844000"/>
+            <a:ext cx="4811204" cy="3416320"/>
+          </a:xfrm>
+          <a:prstGeom prst="rect">
+            <a:avLst/>
+          </a:prstGeom>
+          <a:noFill/>
+        </p:spPr>
+        <p:txBody>
+          <a:bodyPr wrap="square" rtlCol="0">
+            <a:spAutoFit/>
+          </a:bodyPr>
+          <a:lstStyle/>
+          <a:p>
+            <a:pPr marL="342900" indent="-342900">
+              <a:buFont typeface="Wingdings" pitchFamily="2" charset="2"/>
+              <a:buChar char="§"/>
+            </a:pPr>
+            <a:r>
+              <a:rPr lang="de-DE" dirty="0" smtClean="0">
+                <a:latin typeface="+mn-lt"/>
+              </a:rPr>
+              <a:t>Am Beispiel SVM</a:t>
+            </a:r>
+          </a:p>
+          <a:p>
+            <a:pPr marL="342900" indent="-342900">
+              <a:buFont typeface="Wingdings" pitchFamily="2" charset="2"/>
+              <a:buChar char="§"/>
+            </a:pPr>
+            <a:r>
+              <a:rPr lang="de-DE" dirty="0" smtClean="0">
+                <a:latin typeface="+mn-lt"/>
+              </a:rPr>
+              <a:t>Zwei Merkmale</a:t>
+            </a:r>
+          </a:p>
+          <a:p>
+            <a:pPr marL="342900" indent="-342900">
+              <a:buFont typeface="Wingdings" pitchFamily="2" charset="2"/>
+              <a:buChar char="§"/>
+            </a:pPr>
+            <a:r>
+              <a:rPr lang="de-DE" dirty="0" smtClean="0">
+                <a:latin typeface="+mn-lt"/>
+              </a:rPr>
+              <a:t>Zwei Klassen ( blaue Quadrate/rote Kreise)</a:t>
+            </a:r>
+          </a:p>
+          <a:p>
+            <a:pPr marL="342900" indent="-342900">
+              <a:buFont typeface="Wingdings" pitchFamily="2" charset="2"/>
+              <a:buChar char="§"/>
+            </a:pPr>
+            <a:r>
+              <a:rPr lang="de-DE" dirty="0" smtClean="0">
+                <a:latin typeface="+mn-lt"/>
+              </a:rPr>
+              <a:t>Hyperebene trennt Klassen</a:t>
+            </a:r>
+          </a:p>
+          <a:p>
+            <a:pPr marL="342900" indent="-342900">
+              <a:buFont typeface="Wingdings" pitchFamily="2" charset="2"/>
+              <a:buChar char="§"/>
+            </a:pPr>
+            <a:r>
+              <a:rPr lang="de-DE" dirty="0" smtClean="0">
+                <a:latin typeface="+mn-lt"/>
+              </a:rPr>
+              <a:t>Neuer Vektor (grünes Dreieck) wird durch Lage zur Hyperebene klassifiziert</a:t>
+            </a:r>
+          </a:p>
+          <a:p>
+            <a:pPr marL="342900" indent="-342900">
+              <a:buFont typeface="Wingdings" pitchFamily="2" charset="2"/>
+              <a:buChar char="§"/>
+            </a:pPr>
+            <a:endParaRPr lang="de-DE" dirty="0">
+              <a:latin typeface="+mn-lt"/>
+            </a:endParaRPr>
+          </a:p>
+        </p:txBody>
+      </p:sp>
+      <p:sp>
+        <p:nvSpPr>
           <p:cNvPr id="201" name="Textfeld 200"/>
           <p:cNvSpPr txBox="1"/>
           <p:nvPr/>
@@ -9267,13 +11915,7 @@
               <a:rPr lang="de-DE" dirty="0" smtClean="0">
                 <a:latin typeface="+mn-lt"/>
               </a:rPr>
-              <a:t>Minimierung </a:t>
-            </a:r>
-            <a:r>
-              <a:rPr lang="de-DE" dirty="0" smtClean="0">
-                <a:latin typeface="+mn-lt"/>
-              </a:rPr>
-              <a:t>der Daten auf eine feste Anzahl</a:t>
+              <a:t>Minimierung der Daten auf eine feste Anzahl</a:t>
             </a:r>
           </a:p>
           <a:p>
@@ -9287,9 +11929,6 @@
               </a:rPr>
               <a:t>Vorbereitung der Daten zur Klassifikation </a:t>
             </a:r>
-            <a:endParaRPr lang="de-DE" dirty="0" smtClean="0">
-              <a:latin typeface="+mn-lt"/>
-            </a:endParaRPr>
           </a:p>
           <a:p>
             <a:pPr marL="342900" indent="-342900">
@@ -9300,7 +11939,7 @@
               <a:rPr lang="de-DE" dirty="0" smtClean="0">
                 <a:latin typeface="+mn-lt"/>
               </a:rPr>
-              <a:t>Erstellen eines Merkmalsvektors MV</a:t>
+              <a:t>Erstellen eines Merkmalsvektors MV pro Musikstück</a:t>
             </a:r>
             <a:endParaRPr lang="de-DE" dirty="0">
               <a:latin typeface="+mn-lt"/>
@@ -9317,7 +11956,7 @@
           <p:nvPr>
             <p:extLst>
               <p:ext uri="{D42A27DB-BD31-4B8C-83A1-F6EECF244321}">
-                <p14:modId xmlns:p14="http://schemas.microsoft.com/office/powerpoint/2010/main" val="1147201468"/>
+                <p14:modId xmlns:p14="http://schemas.microsoft.com/office/powerpoint/2010/main" xmlns="" val="1147201468"/>
               </p:ext>
             </p:extLst>
           </p:nvPr>
@@ -9328,53 +11967,9 @@
         </p:xfrm>
         <a:graphic>
           <a:graphicData uri="http://schemas.openxmlformats.org/presentationml/2006/ole">
-            <mc:AlternateContent xmlns:mc="http://schemas.openxmlformats.org/markup-compatibility/2006">
-              <mc:Choice xmlns:v="urn:schemas-microsoft-com:vml" Requires="v">
-                <p:oleObj spid="_x0000_s2080" name="Equation" r:id="rId3" imgW="2882880" imgH="711000" progId="Equation.DSMT4">
-                  <p:embed/>
-                </p:oleObj>
-              </mc:Choice>
-              <mc:Fallback>
-                <p:oleObj name="Equation" r:id="rId3" imgW="2882880" imgH="711000" progId="Equation.DSMT4">
-                  <p:embed/>
-                  <p:pic>
-                    <p:nvPicPr>
-                      <p:cNvPr id="0" name="Picture 19"/>
-                      <p:cNvPicPr>
-                        <a:picLocks noChangeAspect="1" noChangeArrowheads="1"/>
-                      </p:cNvPicPr>
-                      <p:nvPr/>
-                    </p:nvPicPr>
-                    <p:blipFill>
-                      <a:blip r:embed="rId4"/>
-                      <a:srcRect/>
-                      <a:stretch>
-                        <a:fillRect/>
-                      </a:stretch>
-                    </p:blipFill>
-                    <p:spPr bwMode="auto">
-                      <a:xfrm>
-                        <a:off x="654050" y="2895600"/>
-                        <a:ext cx="7153275" cy="1765300"/>
-                      </a:xfrm>
-                      <a:prstGeom prst="rect">
-                        <a:avLst/>
-                      </a:prstGeom>
-                      <a:noFill/>
-                      <a:extLst>
-                        <a:ext uri="{909E8E84-426E-40DD-AFC4-6F175D3DCCD1}">
-                          <a14:hiddenFill xmlns:a14="http://schemas.microsoft.com/office/drawing/2010/main">
-                            <a:solidFill>
-                              <a:srgbClr val="FFFFFF"/>
-                            </a:solidFill>
-                          </a14:hiddenFill>
-                        </a:ext>
-                      </a:extLst>
-                    </p:spPr>
-                  </p:pic>
-                </p:oleObj>
-              </mc:Fallback>
-            </mc:AlternateContent>
+            <p:oleObj spid="_x0000_s2089" name="Equation" r:id="rId3" imgW="2882900" imgH="711200" progId="">
+              <p:embed/>
+            </p:oleObj>
           </a:graphicData>
         </a:graphic>
       </p:graphicFrame>
@@ -9387,10 +11982,10 @@
           <p:nvPr/>
         </p:nvPicPr>
         <p:blipFill>
-          <a:blip r:embed="rId5" cstate="print">
+          <a:blip r:embed="rId4" cstate="print">
             <a:extLst>
               <a:ext uri="{28A0092B-C50C-407E-A947-70E740481C1C}">
-                <a14:useLocalDpi xmlns:a14="http://schemas.microsoft.com/office/drawing/2010/main" val="0"/>
+                <a14:useLocalDpi xmlns:a14="http://schemas.microsoft.com/office/drawing/2010/main" xmlns="" val="0"/>
               </a:ext>
             </a:extLst>
           </a:blip>
@@ -11565,98 +14160,6 @@
           </a:fontRef>
         </p:style>
       </p:cxnSp>
-      <p:sp>
-        <p:nvSpPr>
-          <p:cNvPr id="4" name="Textfeld 3"/>
-          <p:cNvSpPr txBox="1"/>
-          <p:nvPr/>
-        </p:nvSpPr>
-        <p:spPr>
-          <a:xfrm>
-            <a:off x="179512" y="4581128"/>
-            <a:ext cx="8784976" cy="1569660"/>
-          </a:xfrm>
-          <a:prstGeom prst="rect">
-            <a:avLst/>
-          </a:prstGeom>
-          <a:noFill/>
-        </p:spPr>
-        <p:txBody>
-          <a:bodyPr wrap="square" rtlCol="0">
-            <a:spAutoFit/>
-          </a:bodyPr>
-          <a:lstStyle/>
-          <a:p>
-            <a:pPr marL="342900" indent="-342900">
-              <a:buFont typeface="Wingdings" pitchFamily="2" charset="2"/>
-              <a:buChar char="§"/>
-            </a:pPr>
-            <a:r>
-              <a:rPr lang="de-DE" dirty="0" smtClean="0">
-                <a:latin typeface="+mn-lt"/>
-              </a:rPr>
-              <a:t>Fensterung des Signals</a:t>
-            </a:r>
-          </a:p>
-          <a:p>
-            <a:pPr marL="342900" indent="-342900">
-              <a:buFont typeface="Wingdings" pitchFamily="2" charset="2"/>
-              <a:buChar char="§"/>
-            </a:pPr>
-            <a:r>
-              <a:rPr lang="de-DE" dirty="0" smtClean="0">
-                <a:latin typeface="+mn-lt"/>
-              </a:rPr>
-              <a:t>Merkmalsextraktion pro Fenster </a:t>
-            </a:r>
-            <a:r>
-              <a:rPr lang="de-DE" dirty="0" smtClean="0">
-                <a:latin typeface="+mn-lt"/>
-              </a:rPr>
-              <a:t>durchführen (z.B. Zero </a:t>
-            </a:r>
-            <a:r>
-              <a:rPr lang="de-DE" dirty="0" err="1" smtClean="0">
-                <a:latin typeface="+mn-lt"/>
-              </a:rPr>
-              <a:t>Crossing</a:t>
-            </a:r>
-            <a:r>
-              <a:rPr lang="de-DE" dirty="0" smtClean="0">
-                <a:latin typeface="+mn-lt"/>
-              </a:rPr>
-              <a:t> Rate)</a:t>
-            </a:r>
-          </a:p>
-          <a:p>
-            <a:pPr marL="342900" indent="-342900">
-              <a:buFont typeface="Wingdings" pitchFamily="2" charset="2"/>
-              <a:buChar char="§"/>
-            </a:pPr>
-            <a:r>
-              <a:rPr lang="de-DE" dirty="0" smtClean="0">
-                <a:latin typeface="+mn-lt"/>
-              </a:rPr>
-              <a:t>Erstellen von Merkmalsreihen </a:t>
-            </a:r>
-            <a:r>
-              <a:rPr lang="de-DE" dirty="0" err="1" smtClean="0">
-                <a:latin typeface="+mn-lt"/>
-              </a:rPr>
-              <a:t>M</a:t>
-            </a:r>
-            <a:r>
-              <a:rPr lang="de-DE" baseline="-25000" dirty="0" err="1" smtClean="0">
-                <a:latin typeface="+mn-lt"/>
-              </a:rPr>
-              <a:t>n</a:t>
-            </a:r>
-            <a:endParaRPr lang="de-DE" dirty="0">
-              <a:latin typeface="+mn-lt"/>
-            </a:endParaRPr>
-          </a:p>
-        </p:txBody>
-      </p:sp>
       <p:sp>
         <p:nvSpPr>
           <p:cNvPr id="202" name="Textfeld 201"/>
@@ -12953,86 +15456,6 @@
           </p:txBody>
         </p:sp>
       </p:grpSp>
-      <p:sp>
-        <p:nvSpPr>
-          <p:cNvPr id="272" name="Textfeld 271"/>
-          <p:cNvSpPr txBox="1"/>
-          <p:nvPr/>
-        </p:nvSpPr>
-        <p:spPr>
-          <a:xfrm>
-            <a:off x="4153284" y="2844000"/>
-            <a:ext cx="4811204" cy="3046988"/>
-          </a:xfrm>
-          <a:prstGeom prst="rect">
-            <a:avLst/>
-          </a:prstGeom>
-          <a:noFill/>
-        </p:spPr>
-        <p:txBody>
-          <a:bodyPr wrap="square" rtlCol="0">
-            <a:spAutoFit/>
-          </a:bodyPr>
-          <a:lstStyle/>
-          <a:p>
-            <a:pPr marL="342900" indent="-342900">
-              <a:buFont typeface="Wingdings" pitchFamily="2" charset="2"/>
-              <a:buChar char="§"/>
-            </a:pPr>
-            <a:r>
-              <a:rPr lang="de-DE" dirty="0" smtClean="0">
-                <a:latin typeface="+mn-lt"/>
-              </a:rPr>
-              <a:t>Zwei Merkmale</a:t>
-            </a:r>
-          </a:p>
-          <a:p>
-            <a:pPr marL="342900" indent="-342900">
-              <a:buFont typeface="Wingdings" pitchFamily="2" charset="2"/>
-              <a:buChar char="§"/>
-            </a:pPr>
-            <a:r>
-              <a:rPr lang="de-DE" dirty="0" smtClean="0">
-                <a:latin typeface="+mn-lt"/>
-              </a:rPr>
-              <a:t>Zwei Klassen ( blaue Quadrate/rote Kreise)</a:t>
-            </a:r>
-          </a:p>
-          <a:p>
-            <a:pPr marL="342900" indent="-342900">
-              <a:buFont typeface="Wingdings" pitchFamily="2" charset="2"/>
-              <a:buChar char="§"/>
-            </a:pPr>
-            <a:r>
-              <a:rPr lang="de-DE" dirty="0" smtClean="0">
-                <a:latin typeface="+mn-lt"/>
-              </a:rPr>
-              <a:t>Hyperebene trennt Klassen</a:t>
-            </a:r>
-          </a:p>
-          <a:p>
-            <a:pPr marL="342900" indent="-342900">
-              <a:buFont typeface="Wingdings" pitchFamily="2" charset="2"/>
-              <a:buChar char="§"/>
-            </a:pPr>
-            <a:r>
-              <a:rPr lang="de-DE" dirty="0" smtClean="0">
-                <a:latin typeface="+mn-lt"/>
-              </a:rPr>
-              <a:t>Neuer Vektor (grünes Dreieck) wird durch Lage zur Hyperebene klassifiziert</a:t>
-            </a:r>
-          </a:p>
-          <a:p>
-            <a:pPr marL="342900" indent="-342900">
-              <a:buFont typeface="Wingdings" pitchFamily="2" charset="2"/>
-              <a:buChar char="§"/>
-            </a:pPr>
-            <a:endParaRPr lang="de-DE" dirty="0">
-              <a:latin typeface="+mn-lt"/>
-            </a:endParaRPr>
-          </a:p>
-        </p:txBody>
-      </p:sp>
     </p:spTree>
   </p:cSld>
   <p:clrMapOvr>
@@ -14632,33 +17055,15 @@
                                   </p:childTnLst>
                                 </p:cTn>
                               </p:par>
-                            </p:childTnLst>
-                          </p:cTn>
-                        </p:par>
-                      </p:childTnLst>
-                    </p:cTn>
-                  </p:par>
-                  <p:par>
-                    <p:cTn id="123" fill="hold">
-                      <p:stCondLst>
-                        <p:cond delay="indefinite"/>
-                      </p:stCondLst>
-                      <p:childTnLst>
-                        <p:par>
-                          <p:cTn id="124" fill="hold">
-                            <p:stCondLst>
-                              <p:cond delay="0"/>
-                            </p:stCondLst>
-                            <p:childTnLst>
                               <p:par>
-                                <p:cTn id="125" presetID="1" presetClass="entr" presetSubtype="0" fill="hold" nodeType="clickEffect">
+                                <p:cTn id="123" presetID="1" presetClass="entr" presetSubtype="0" fill="hold" nodeType="withEffect">
                                   <p:stCondLst>
                                     <p:cond delay="0"/>
                                   </p:stCondLst>
                                   <p:childTnLst>
                                     <p:set>
                                       <p:cBhvr>
-                                        <p:cTn id="126" dur="1" fill="hold">
+                                        <p:cTn id="124" dur="1" fill="hold">
                                           <p:stCondLst>
                                             <p:cond delay="0"/>
                                           </p:stCondLst>
@@ -14678,14 +17083,14 @@
                                 </p:cTn>
                               </p:par>
                               <p:par>
-                                <p:cTn id="127" presetID="7" presetClass="emph" presetSubtype="2" fill="hold" nodeType="withEffect">
+                                <p:cTn id="125" presetID="7" presetClass="emph" presetSubtype="2" fill="hold" nodeType="withEffect">
                                   <p:stCondLst>
                                     <p:cond delay="0"/>
                                   </p:stCondLst>
                                   <p:childTnLst>
                                     <p:animClr clrSpc="rgb" dir="cw">
                                       <p:cBhvr>
-                                        <p:cTn id="128" dur="10" fill="hold"/>
+                                        <p:cTn id="126" dur="10" fill="hold"/>
                                         <p:tgtEl>
                                           <p:spTgt spid="11"/>
                                         </p:tgtEl>
@@ -14699,7 +17104,7 @@
                                     </p:animClr>
                                     <p:set>
                                       <p:cBhvr>
-                                        <p:cTn id="129" dur="10" fill="hold"/>
+                                        <p:cTn id="127" dur="10" fill="hold"/>
                                         <p:tgtEl>
                                           <p:spTgt spid="11"/>
                                         </p:tgtEl>
@@ -14709,6 +17114,37 @@
                                       </p:cBhvr>
                                       <p:to>
                                         <p:strVal val="true"/>
+                                      </p:to>
+                                    </p:set>
+                                  </p:childTnLst>
+                                </p:cTn>
+                              </p:par>
+                              <p:par>
+                                <p:cTn id="128" presetID="1" presetClass="entr" presetSubtype="0" fill="hold" nodeType="withEffect">
+                                  <p:stCondLst>
+                                    <p:cond delay="0"/>
+                                  </p:stCondLst>
+                                  <p:childTnLst>
+                                    <p:set>
+                                      <p:cBhvr>
+                                        <p:cTn id="129" dur="1" fill="hold">
+                                          <p:stCondLst>
+                                            <p:cond delay="0"/>
+                                          </p:stCondLst>
+                                        </p:cTn>
+                                        <p:tgtEl>
+                                          <p:spTgt spid="201">
+                                            <p:txEl>
+                                              <p:pRg st="1" end="1"/>
+                                            </p:txEl>
+                                          </p:spTgt>
+                                        </p:tgtEl>
+                                        <p:attrNameLst>
+                                          <p:attrName>style.visibility</p:attrName>
+                                        </p:attrNameLst>
+                                      </p:cBhvr>
+                                      <p:to>
+                                        <p:strVal val="visible"/>
                                       </p:to>
                                     </p:set>
                                   </p:childTnLst>
@@ -14730,7 +17166,7 @@
                                         <p:tgtEl>
                                           <p:spTgt spid="201">
                                             <p:txEl>
-                                              <p:pRg st="1" end="1"/>
+                                              <p:pRg st="0" end="0"/>
                                             </p:txEl>
                                           </p:spTgt>
                                         </p:tgtEl>
@@ -14761,7 +17197,7 @@
                                         <p:tgtEl>
                                           <p:spTgt spid="201">
                                             <p:txEl>
-                                              <p:pRg st="0" end="0"/>
+                                              <p:pRg st="2" end="2"/>
                                             </p:txEl>
                                           </p:spTgt>
                                         </p:tgtEl>
@@ -14792,37 +17228,6 @@
                                         <p:tgtEl>
                                           <p:spTgt spid="201">
                                             <p:txEl>
-                                              <p:pRg st="2" end="2"/>
-                                            </p:txEl>
-                                          </p:spTgt>
-                                        </p:tgtEl>
-                                        <p:attrNameLst>
-                                          <p:attrName>style.visibility</p:attrName>
-                                        </p:attrNameLst>
-                                      </p:cBhvr>
-                                      <p:to>
-                                        <p:strVal val="visible"/>
-                                      </p:to>
-                                    </p:set>
-                                  </p:childTnLst>
-                                </p:cTn>
-                              </p:par>
-                              <p:par>
-                                <p:cTn id="136" presetID="1" presetClass="entr" presetSubtype="0" fill="hold" nodeType="withEffect">
-                                  <p:stCondLst>
-                                    <p:cond delay="0"/>
-                                  </p:stCondLst>
-                                  <p:childTnLst>
-                                    <p:set>
-                                      <p:cBhvr>
-                                        <p:cTn id="137" dur="1" fill="hold">
-                                          <p:stCondLst>
-                                            <p:cond delay="0"/>
-                                          </p:stCondLst>
-                                        </p:cTn>
-                                        <p:tgtEl>
-                                          <p:spTgt spid="201">
-                                            <p:txEl>
                                               <p:pRg st="3" end="3"/>
                                             </p:txEl>
                                           </p:spTgt>
@@ -14845,26 +17250,26 @@
                     </p:cTn>
                   </p:par>
                   <p:par>
-                    <p:cTn id="138" fill="hold">
+                    <p:cTn id="136" fill="hold">
                       <p:stCondLst>
                         <p:cond delay="indefinite"/>
                       </p:stCondLst>
                       <p:childTnLst>
                         <p:par>
-                          <p:cTn id="139" fill="hold">
+                          <p:cTn id="137" fill="hold">
                             <p:stCondLst>
                               <p:cond delay="0"/>
                             </p:stCondLst>
                             <p:childTnLst>
                               <p:par>
-                                <p:cTn id="140" presetID="7" presetClass="emph" presetSubtype="2" fill="hold" nodeType="clickEffect">
+                                <p:cTn id="138" presetID="7" presetClass="emph" presetSubtype="2" fill="hold" nodeType="clickEffect">
                                   <p:stCondLst>
                                     <p:cond delay="0"/>
                                   </p:stCondLst>
                                   <p:childTnLst>
                                     <p:animClr clrSpc="rgb" dir="cw">
                                       <p:cBhvr>
-                                        <p:cTn id="141" dur="10" fill="hold"/>
+                                        <p:cTn id="139" dur="10" fill="hold"/>
                                         <p:tgtEl>
                                           <p:spTgt spid="11"/>
                                         </p:tgtEl>
@@ -14878,7 +17283,7 @@
                                     </p:animClr>
                                     <p:set>
                                       <p:cBhvr>
-                                        <p:cTn id="142" dur="10" fill="hold"/>
+                                        <p:cTn id="140" dur="10" fill="hold"/>
                                         <p:tgtEl>
                                           <p:spTgt spid="11"/>
                                         </p:tgtEl>
@@ -14894,7 +17299,34 @@
                                 </p:cTn>
                               </p:par>
                               <p:par>
-                                <p:cTn id="143" presetID="1" presetClass="exit" presetSubtype="0" fill="hold" nodeType="withEffect">
+                                <p:cTn id="141" presetID="1" presetClass="exit" presetSubtype="0" fill="hold" nodeType="withEffect">
+                                  <p:stCondLst>
+                                    <p:cond delay="0"/>
+                                  </p:stCondLst>
+                                  <p:childTnLst>
+                                    <p:set>
+                                      <p:cBhvr>
+                                        <p:cTn id="142" dur="1" fill="hold">
+                                          <p:stCondLst>
+                                            <p:cond delay="0"/>
+                                          </p:stCondLst>
+                                        </p:cTn>
+                                        <p:tgtEl>
+                                          <p:spTgt spid="200"/>
+                                        </p:tgtEl>
+                                        <p:attrNameLst>
+                                          <p:attrName>style.visibility</p:attrName>
+                                        </p:attrNameLst>
+                                      </p:cBhvr>
+                                      <p:to>
+                                        <p:strVal val="hidden"/>
+                                      </p:to>
+                                    </p:set>
+                                  </p:childTnLst>
+                                </p:cTn>
+                              </p:par>
+                              <p:par>
+                                <p:cTn id="143" presetID="1" presetClass="exit" presetSubtype="0" fill="hold" grpId="0" nodeType="withEffect">
                                   <p:stCondLst>
                                     <p:cond delay="0"/>
                                   </p:stCondLst>
@@ -14907,7 +17339,11 @@
                                           </p:stCondLst>
                                         </p:cTn>
                                         <p:tgtEl>
-                                          <p:spTgt spid="200"/>
+                                          <p:spTgt spid="201">
+                                            <p:txEl>
+                                              <p:pRg st="0" end="0"/>
+                                            </p:txEl>
+                                          </p:spTgt>
                                         </p:tgtEl>
                                         <p:attrNameLst>
                                           <p:attrName>style.visibility</p:attrName>
@@ -14936,7 +17372,7 @@
                                         <p:tgtEl>
                                           <p:spTgt spid="201">
                                             <p:txEl>
-                                              <p:pRg st="0" end="0"/>
+                                              <p:pRg st="1" end="1"/>
                                             </p:txEl>
                                           </p:spTgt>
                                         </p:tgtEl>
@@ -14967,7 +17403,7 @@
                                         <p:tgtEl>
                                           <p:spTgt spid="201">
                                             <p:txEl>
-                                              <p:pRg st="1" end="1"/>
+                                              <p:pRg st="2" end="2"/>
                                             </p:txEl>
                                           </p:spTgt>
                                         </p:tgtEl>
@@ -14998,7 +17434,7 @@
                                         <p:tgtEl>
                                           <p:spTgt spid="201">
                                             <p:txEl>
-                                              <p:pRg st="2" end="2"/>
+                                              <p:pRg st="3" end="3"/>
                                             </p:txEl>
                                           </p:spTgt>
                                         </p:tgtEl>
@@ -15014,63 +17450,14 @@
                                 </p:cTn>
                               </p:par>
                               <p:par>
-                                <p:cTn id="151" presetID="1" presetClass="exit" presetSubtype="0" fill="hold" grpId="0" nodeType="withEffect">
-                                  <p:stCondLst>
-                                    <p:cond delay="0"/>
-                                  </p:stCondLst>
-                                  <p:childTnLst>
-                                    <p:set>
-                                      <p:cBhvr>
-                                        <p:cTn id="152" dur="1" fill="hold">
-                                          <p:stCondLst>
-                                            <p:cond delay="0"/>
-                                          </p:stCondLst>
-                                        </p:cTn>
-                                        <p:tgtEl>
-                                          <p:spTgt spid="201">
-                                            <p:txEl>
-                                              <p:pRg st="3" end="3"/>
-                                            </p:txEl>
-                                          </p:spTgt>
-                                        </p:tgtEl>
-                                        <p:attrNameLst>
-                                          <p:attrName>style.visibility</p:attrName>
-                                        </p:attrNameLst>
-                                      </p:cBhvr>
-                                      <p:to>
-                                        <p:strVal val="hidden"/>
-                                      </p:to>
-                                    </p:set>
-                                  </p:childTnLst>
-                                </p:cTn>
-                              </p:par>
-                            </p:childTnLst>
-                          </p:cTn>
-                        </p:par>
-                      </p:childTnLst>
-                    </p:cTn>
-                  </p:par>
-                  <p:par>
-                    <p:cTn id="153" fill="hold">
-                      <p:stCondLst>
-                        <p:cond delay="indefinite"/>
-                      </p:stCondLst>
-                      <p:childTnLst>
-                        <p:par>
-                          <p:cTn id="154" fill="hold">
-                            <p:stCondLst>
-                              <p:cond delay="0"/>
-                            </p:stCondLst>
-                            <p:childTnLst>
-                              <p:par>
-                                <p:cTn id="155" presetID="7" presetClass="emph" presetSubtype="2" fill="hold" nodeType="clickEffect">
+                                <p:cTn id="151" presetID="7" presetClass="emph" presetSubtype="2" fill="hold" nodeType="withEffect">
                                   <p:stCondLst>
                                     <p:cond delay="0"/>
                                   </p:stCondLst>
                                   <p:childTnLst>
                                     <p:animClr clrSpc="rgb" dir="cw">
                                       <p:cBhvr>
-                                        <p:cTn id="156" dur="10" fill="hold"/>
+                                        <p:cTn id="152" dur="10" fill="hold"/>
                                         <p:tgtEl>
                                           <p:spTgt spid="12"/>
                                         </p:tgtEl>
@@ -15084,7 +17471,7 @@
                                     </p:animClr>
                                     <p:set>
                                       <p:cBhvr>
-                                        <p:cTn id="157" dur="10" fill="hold"/>
+                                        <p:cTn id="153" dur="10" fill="hold"/>
                                         <p:tgtEl>
                                           <p:spTgt spid="12"/>
                                         </p:tgtEl>
@@ -15100,14 +17487,14 @@
                                 </p:cTn>
                               </p:par>
                               <p:par>
-                                <p:cTn id="158" presetID="1" presetClass="entr" presetSubtype="0" fill="hold" nodeType="withEffect">
+                                <p:cTn id="154" presetID="1" presetClass="entr" presetSubtype="0" fill="hold" nodeType="withEffect">
                                   <p:stCondLst>
                                     <p:cond delay="0"/>
                                   </p:stCondLst>
                                   <p:childTnLst>
                                     <p:set>
                                       <p:cBhvr>
-                                        <p:cTn id="159" dur="1" fill="hold">
+                                        <p:cTn id="155" dur="1" fill="hold">
                                           <p:stCondLst>
                                             <p:cond delay="0"/>
                                           </p:stCondLst>
@@ -15127,14 +17514,14 @@
                                 </p:cTn>
                               </p:par>
                               <p:par>
-                                <p:cTn id="160" presetID="1" presetClass="entr" presetSubtype="0" fill="hold" grpId="0" nodeType="withEffect">
+                                <p:cTn id="156" presetID="1" presetClass="entr" presetSubtype="0" fill="hold" grpId="0" nodeType="withEffect">
                                   <p:stCondLst>
                                     <p:cond delay="0"/>
                                   </p:stCondLst>
                                   <p:childTnLst>
                                     <p:set>
                                       <p:cBhvr>
-                                        <p:cTn id="161" dur="1" fill="hold">
+                                        <p:cTn id="157" dur="1" fill="hold">
                                           <p:stCondLst>
                                             <p:cond delay="0"/>
                                           </p:stCondLst>
@@ -15181,6 +17568,8 @@
       </p:par>
     </p:tnLst>
     <p:bldLst>
+      <p:bldP spid="4" grpId="0" uiExpand="1" build="allAtOnce"/>
+      <p:bldP spid="272" grpId="0"/>
       <p:bldP spid="201" grpId="0" uiExpand="1" build="allAtOnce"/>
       <p:bldP spid="231" grpId="0" animBg="1"/>
       <p:bldP spid="231" grpId="1" animBg="1"/>
@@ -15203,8 +17592,6 @@
       <p:bldP spid="241" grpId="0" animBg="1"/>
       <p:bldP spid="241" grpId="1" animBg="1"/>
       <p:bldP spid="6" grpId="0" animBg="1"/>
-      <p:bldP spid="4" grpId="0" uiExpand="1" build="allAtOnce"/>
-      <p:bldP spid="272" grpId="0"/>
     </p:bldLst>
   </p:timing>
 </p:sld>
@@ -15399,17 +17786,17 @@
               <a:t>Prozessierung</a:t>
             </a:r>
             <a:r>
+              <a:rPr lang="de-DE" dirty="0">
+                <a:latin typeface="+mn-lt"/>
+              </a:rPr>
+              <a:t> </a:t>
+            </a:r>
+            <a:r>
               <a:rPr lang="de-DE" dirty="0" smtClean="0">
                 <a:latin typeface="+mn-lt"/>
               </a:rPr>
-              <a:t> je ca. 1/1000 der Extraktionszeit</a:t>
-            </a:r>
-          </a:p>
-          <a:p>
-            <a:pPr algn="ctr"/>
-            <a:endParaRPr lang="de-DE" dirty="0" smtClean="0">
-              <a:latin typeface="+mn-lt"/>
-            </a:endParaRPr>
+              <a:t>signifikant schneller</a:t>
+            </a:r>
           </a:p>
         </p:txBody>
       </p:sp>
@@ -16657,31 +19044,13 @@
               <a:rPr lang="de-DE" sz="2000" b="1" u="sng" dirty="0" smtClean="0">
                 <a:latin typeface="+mn-lt"/>
               </a:rPr>
-              <a:t>Ziel</a:t>
-            </a:r>
-            <a:r>
-              <a:rPr lang="de-DE" sz="2000" b="1" u="sng" dirty="0" smtClean="0">
-                <a:latin typeface="+mn-lt"/>
-              </a:rPr>
-              <a:t>: </a:t>
+              <a:t>Ziel: </a:t>
             </a:r>
             <a:r>
               <a:rPr lang="de-DE" sz="2000" dirty="0" smtClean="0">
                 <a:latin typeface="+mn-lt"/>
               </a:rPr>
-              <a:t>	Applikationsspezifische Bewertung </a:t>
-            </a:r>
-            <a:r>
-              <a:rPr lang="de-DE" sz="2000" dirty="0" smtClean="0">
-                <a:latin typeface="+mn-lt"/>
-              </a:rPr>
-              <a:t>der heterogenen Architektur nach Laufzeit </a:t>
-            </a:r>
-            <a:r>
-              <a:rPr lang="de-DE" sz="2000" dirty="0" smtClean="0">
-                <a:latin typeface="+mn-lt"/>
-              </a:rPr>
-              <a:t>	und Energie-Effizienz</a:t>
+              <a:t>	Applikationsspezifische Bewertung der heterogenen Architektur nach Laufzeit 	und Energie-Effizienz</a:t>
             </a:r>
             <a:endParaRPr lang="de-DE" sz="2000" dirty="0">
               <a:latin typeface="+mn-lt"/>
@@ -17566,11 +19935,11 @@
       <p:bldP spid="15" grpId="0" animBg="1"/>
       <p:bldP spid="17" grpId="0" animBg="1"/>
       <p:bldP spid="20" grpId="0" animBg="1"/>
-      <p:bldP spid="20" grpId="1"/>
+      <p:bldP spid="20" grpId="1" animBg="1"/>
       <p:bldP spid="14" grpId="0" animBg="1"/>
       <p:bldP spid="14" grpId="1" animBg="1"/>
       <p:bldP spid="14" grpId="2" animBg="1"/>
-      <p:bldP spid="14" grpId="3"/>
+      <p:bldP spid="14" grpId="3" animBg="1"/>
     </p:bldLst>
   </p:timing>
 </p:sld>
@@ -17601,11 +19970,16 @@
           </p:cNvGraphicFramePr>
           <p:nvPr>
             <p:ph idx="1"/>
+            <p:extLst>
+              <p:ext uri="{D42A27DB-BD31-4B8C-83A1-F6EECF244321}">
+                <p14:modId xmlns:p14="http://schemas.microsoft.com/office/powerpoint/2010/main" xmlns="" val="699170767"/>
+              </p:ext>
+            </p:extLst>
           </p:nvPr>
         </p:nvGraphicFramePr>
         <p:xfrm>
           <a:off x="503238" y="1665288"/>
-          <a:ext cx="8412162" cy="2225040"/>
+          <a:ext cx="8412162" cy="2595880"/>
         </p:xfrm>
         <a:graphic>
           <a:graphicData uri="http://schemas.openxmlformats.org/drawingml/2006/table">
@@ -17890,6 +20264,50 @@
                   <a:tcPr/>
                 </a:tc>
               </a:tr>
+              <a:tr h="370840">
+                <a:tc>
+                  <a:txBody>
+                    <a:bodyPr/>
+                    <a:lstStyle/>
+                    <a:p>
+                      <a:r>
+                        <a:rPr lang="de-DE" dirty="0" smtClean="0"/>
+                        <a:t>L2-Cache</a:t>
+                      </a:r>
+                      <a:endParaRPr lang="de-DE" dirty="0"/>
+                    </a:p>
+                  </a:txBody>
+                  <a:tcPr/>
+                </a:tc>
+                <a:tc>
+                  <a:txBody>
+                    <a:bodyPr/>
+                    <a:lstStyle/>
+                    <a:p>
+                      <a:r>
+                        <a:rPr lang="de-DE" dirty="0" smtClean="0"/>
+                        <a:t>256 KB</a:t>
+                      </a:r>
+                      <a:endParaRPr lang="de-DE" dirty="0"/>
+                    </a:p>
+                  </a:txBody>
+                  <a:tcPr/>
+                </a:tc>
+                <a:tc>
+                  <a:txBody>
+                    <a:bodyPr/>
+                    <a:lstStyle/>
+                    <a:p>
+                      <a:r>
+                        <a:rPr lang="de-DE" dirty="0" smtClean="0"/>
+                        <a:t>256 KB</a:t>
+                      </a:r>
+                      <a:endParaRPr lang="de-DE" dirty="0"/>
+                    </a:p>
+                  </a:txBody>
+                  <a:tcPr/>
+                </a:tc>
+              </a:tr>
             </a:tbl>
           </a:graphicData>
         </a:graphic>
@@ -17925,7 +20343,7 @@
         </p:nvSpPr>
         <p:spPr>
           <a:xfrm>
-            <a:off x="467544" y="3789040"/>
+            <a:off x="467544" y="4293096"/>
             <a:ext cx="8424936" cy="1569660"/>
           </a:xfrm>
           <a:prstGeom prst="rect">
@@ -20047,7 +22465,7 @@
           <p:nvPr>
             <p:extLst>
               <p:ext uri="{D42A27DB-BD31-4B8C-83A1-F6EECF244321}">
-                <p14:modId xmlns:p14="http://schemas.microsoft.com/office/powerpoint/2010/main" val="691712731"/>
+                <p14:modId xmlns:p14="http://schemas.microsoft.com/office/powerpoint/2010/main" xmlns="" val="691712731"/>
               </p:ext>
             </p:extLst>
           </p:nvPr>

--- a/Speech/Praesentation1.pptx
+++ b/Speech/Praesentation1.pptx
@@ -161,6 +161,7 @@
 
 <file path=ppt/charts/chart1.xml><?xml version="1.0" encoding="utf-8"?>
 <c:chartSpace xmlns:c="http://schemas.openxmlformats.org/drawingml/2006/chart" xmlns:a="http://schemas.openxmlformats.org/drawingml/2006/main" xmlns:r="http://schemas.openxmlformats.org/officeDocument/2006/relationships">
+  <c:date1904 val="1"/>
   <c:lang val="de-DE"/>
   <c:chart>
     <c:autoTitleDeleted val="1"/>
@@ -223,31 +224,30 @@
                   <c:v>3.2666666666666666</c:v>
                 </c:pt>
                 <c:pt idx="3">
-                  <c:v>0.11666666666666679</c:v>
+                  <c:v>0.11666666666666681</c:v>
                 </c:pt>
               </c:numCache>
             </c:numRef>
           </c:val>
         </c:ser>
-        <c:dLbls/>
-        <c:axId val="112888832"/>
-        <c:axId val="113447680"/>
+        <c:axId val="87049344"/>
+        <c:axId val="87050880"/>
       </c:barChart>
       <c:catAx>
-        <c:axId val="112888832"/>
+        <c:axId val="87049344"/>
         <c:scaling>
           <c:orientation val="minMax"/>
         </c:scaling>
         <c:axPos val="l"/>
         <c:tickLblPos val="nextTo"/>
-        <c:crossAx val="113447680"/>
+        <c:crossAx val="87050880"/>
         <c:crosses val="autoZero"/>
         <c:auto val="1"/>
         <c:lblAlgn val="ctr"/>
         <c:lblOffset val="100"/>
       </c:catAx>
       <c:valAx>
-        <c:axId val="113447680"/>
+        <c:axId val="87050880"/>
         <c:scaling>
           <c:orientation val="minMax"/>
         </c:scaling>
@@ -282,7 +282,7 @@
         </c:title>
         <c:numFmt formatCode="0.00" sourceLinked="1"/>
         <c:tickLblPos val="nextTo"/>
-        <c:crossAx val="112888832"/>
+        <c:crossAx val="87049344"/>
         <c:crosses val="autoZero"/>
         <c:crossBetween val="between"/>
       </c:valAx>
@@ -306,6 +306,7 @@
 
 <file path=ppt/charts/chart2.xml><?xml version="1.0" encoding="utf-8"?>
 <c:chartSpace xmlns:c="http://schemas.openxmlformats.org/drawingml/2006/chart" xmlns:a="http://schemas.openxmlformats.org/drawingml/2006/main" xmlns:r="http://schemas.openxmlformats.org/officeDocument/2006/relationships">
+  <c:date1904 val="1"/>
   <c:lang val="de-DE"/>
   <c:chart>
     <c:autoTitleDeleted val="1"/>
@@ -332,7 +333,7 @@
               <c:idx val="1"/>
               <c:layout>
                 <c:manualLayout>
-                  <c:x val="-0.14849375065218193"/>
+                  <c:x val="-0.14849375065218196"/>
                   <c:y val="-2.2062499999999988E-2"/>
                 </c:manualLayout>
               </c:layout>
@@ -405,6 +406,7 @@
 
 <file path=ppt/charts/chart3.xml><?xml version="1.0" encoding="utf-8"?>
 <c:chartSpace xmlns:c="http://schemas.openxmlformats.org/drawingml/2006/chart" xmlns:a="http://schemas.openxmlformats.org/drawingml/2006/main" xmlns:r="http://schemas.openxmlformats.org/officeDocument/2006/relationships">
+  <c:date1904 val="1"/>
   <c:lang val="de-DE"/>
   <c:chart>
     <c:plotArea>
@@ -524,26 +526,25 @@
             </c:numRef>
           </c:val>
         </c:ser>
-        <c:dLbls/>
-        <c:axId val="83295232"/>
-        <c:axId val="83666432"/>
+        <c:axId val="46408064"/>
+        <c:axId val="46409600"/>
       </c:barChart>
       <c:catAx>
-        <c:axId val="83295232"/>
+        <c:axId val="46408064"/>
         <c:scaling>
           <c:orientation val="minMax"/>
         </c:scaling>
         <c:axPos val="l"/>
         <c:numFmt formatCode="0.00E+00" sourceLinked="0"/>
         <c:tickLblPos val="nextTo"/>
-        <c:crossAx val="83666432"/>
+        <c:crossAx val="46409600"/>
         <c:crosses val="autoZero"/>
         <c:auto val="1"/>
         <c:lblAlgn val="ctr"/>
         <c:lblOffset val="100"/>
       </c:catAx>
       <c:valAx>
-        <c:axId val="83666432"/>
+        <c:axId val="46409600"/>
         <c:scaling>
           <c:orientation val="minMax"/>
           <c:max val="170000"/>
@@ -562,7 +563,19 @@
                 </a:pPr>
                 <a:r>
                   <a:rPr lang="de-DE" dirty="0" smtClean="0"/>
-                  <a:t>Extraktionsrate in [1/s]</a:t>
+                  <a:t>R</a:t>
+                </a:r>
+                <a:r>
+                  <a:rPr lang="de-DE" baseline="-25000" dirty="0" smtClean="0"/>
+                  <a:t>ex</a:t>
+                </a:r>
+                <a:r>
+                  <a:rPr lang="de-DE" dirty="0" smtClean="0"/>
+                  <a:t> </a:t>
+                </a:r>
+                <a:r>
+                  <a:rPr lang="de-DE" dirty="0" smtClean="0"/>
+                  <a:t>in [1/s]</a:t>
                 </a:r>
                 <a:endParaRPr lang="de-DE" dirty="0"/>
               </a:p>
@@ -572,7 +585,7 @@
         </c:title>
         <c:numFmt formatCode="General" sourceLinked="0"/>
         <c:tickLblPos val="nextTo"/>
-        <c:crossAx val="83295232"/>
+        <c:crossAx val="46408064"/>
         <c:crosses val="autoZero"/>
         <c:crossBetween val="between"/>
       </c:valAx>
@@ -651,7 +664,7 @@
                   <c:v>115.52</c:v>
                 </c:pt>
                 <c:pt idx="1">
-                  <c:v>673.77000000000055</c:v>
+                  <c:v>673.77</c:v>
                 </c:pt>
                 <c:pt idx="2">
                   <c:v>69.08</c:v>
@@ -713,31 +726,30 @@
                   <c:v>22.361000000000001</c:v>
                 </c:pt>
                 <c:pt idx="3">
-                  <c:v>79.551999999999992</c:v>
+                  <c:v>79.552000000000007</c:v>
                 </c:pt>
               </c:numCache>
             </c:numRef>
           </c:val>
         </c:ser>
-        <c:dLbls/>
-        <c:axId val="84164608"/>
-        <c:axId val="84166144"/>
+        <c:axId val="46805760"/>
+        <c:axId val="46807296"/>
       </c:barChart>
       <c:catAx>
-        <c:axId val="84164608"/>
+        <c:axId val="46805760"/>
         <c:scaling>
           <c:orientation val="minMax"/>
         </c:scaling>
         <c:axPos val="l"/>
         <c:tickLblPos val="nextTo"/>
-        <c:crossAx val="84166144"/>
+        <c:crossAx val="46807296"/>
         <c:crosses val="autoZero"/>
         <c:auto val="1"/>
         <c:lblAlgn val="ctr"/>
         <c:lblOffset val="100"/>
       </c:catAx>
       <c:valAx>
-        <c:axId val="84166144"/>
+        <c:axId val="46807296"/>
         <c:scaling>
           <c:orientation val="minMax"/>
           <c:max val="700"/>
@@ -754,8 +766,20 @@
                   <a:defRPr/>
                 </a:pPr>
                 <a:r>
+                  <a:rPr lang="de-DE" dirty="0" err="1" smtClean="0"/>
+                  <a:t>T</a:t>
+                </a:r>
+                <a:r>
+                  <a:rPr lang="de-DE" baseline="-25000" dirty="0" err="1" smtClean="0"/>
+                  <a:t>ges</a:t>
+                </a:r>
+                <a:r>
                   <a:rPr lang="de-DE" dirty="0" smtClean="0"/>
-                  <a:t>Laufzeit in [</a:t>
+                  <a:t> </a:t>
+                </a:r>
+                <a:r>
+                  <a:rPr lang="de-DE" dirty="0" smtClean="0"/>
+                  <a:t>in [</a:t>
                 </a:r>
                 <a:r>
                   <a:rPr lang="de-DE" dirty="0" err="1" smtClean="0"/>
@@ -773,7 +797,7 @@
         </c:title>
         <c:numFmt formatCode="General" sourceLinked="1"/>
         <c:tickLblPos val="nextTo"/>
-        <c:crossAx val="84164608"/>
+        <c:crossAx val="46805760"/>
         <c:crosses val="autoZero"/>
         <c:crossBetween val="between"/>
       </c:valAx>
@@ -849,7 +873,7 @@
                 <c:formatCode>General</c:formatCode>
                 <c:ptCount val="4"/>
                 <c:pt idx="0">
-                  <c:v>51.222000000000072</c:v>
+                  <c:v>51.222000000000079</c:v>
                 </c:pt>
                 <c:pt idx="1">
                   <c:v>8.782</c:v>
@@ -920,25 +944,24 @@
             </c:numRef>
           </c:val>
         </c:ser>
-        <c:dLbls/>
-        <c:axId val="84630528"/>
-        <c:axId val="84636416"/>
+        <c:axId val="47082880"/>
+        <c:axId val="47088768"/>
       </c:barChart>
       <c:catAx>
-        <c:axId val="84630528"/>
+        <c:axId val="47082880"/>
         <c:scaling>
           <c:orientation val="minMax"/>
         </c:scaling>
         <c:axPos val="l"/>
         <c:tickLblPos val="nextTo"/>
-        <c:crossAx val="84636416"/>
+        <c:crossAx val="47088768"/>
         <c:crosses val="autoZero"/>
         <c:auto val="1"/>
         <c:lblAlgn val="ctr"/>
         <c:lblOffset val="100"/>
       </c:catAx>
       <c:valAx>
-        <c:axId val="84636416"/>
+        <c:axId val="47088768"/>
         <c:scaling>
           <c:orientation val="minMax"/>
           <c:max val="130"/>
@@ -956,27 +979,37 @@
                   <a:defRPr/>
                 </a:pPr>
                 <a:r>
-                  <a:rPr lang="de-DE" dirty="0" smtClean="0"/>
-                  <a:t>Energie-Effizienz</a:t>
+                  <a:rPr lang="de-DE" dirty="0" err="1" smtClean="0"/>
+                  <a:t>E</a:t>
+                </a:r>
+                <a:r>
+                  <a:rPr lang="de-DE" baseline="-25000" dirty="0" err="1" smtClean="0"/>
+                  <a:t>eff</a:t>
                 </a:r>
                 <a:r>
                   <a:rPr lang="de-DE" baseline="0" dirty="0" smtClean="0"/>
-                  <a:t> in [1/J]</a:t>
+                  <a:t> </a:t>
+                </a:r>
+                <a:r>
+                  <a:rPr lang="de-DE" baseline="0" dirty="0" smtClean="0"/>
+                  <a:t>in [1/J]</a:t>
                 </a:r>
                 <a:endParaRPr lang="de-DE" dirty="0"/>
               </a:p>
             </c:rich>
           </c:tx>
+          <c:layout/>
         </c:title>
         <c:numFmt formatCode="General" sourceLinked="1"/>
         <c:tickLblPos val="nextTo"/>
-        <c:crossAx val="84630528"/>
+        <c:crossAx val="47082880"/>
         <c:crosses val="autoZero"/>
         <c:crossBetween val="between"/>
       </c:valAx>
     </c:plotArea>
     <c:legend>
       <c:legendPos val="t"/>
+      <c:layout/>
     </c:legend>
     <c:plotVisOnly val="1"/>
     <c:dispBlanksAs val="gap"/>
@@ -997,6 +1030,7 @@
 
 <file path=ppt/charts/chart6.xml><?xml version="1.0" encoding="utf-8"?>
 <c:chartSpace xmlns:c="http://schemas.openxmlformats.org/drawingml/2006/chart" xmlns:a="http://schemas.openxmlformats.org/drawingml/2006/main" xmlns:r="http://schemas.openxmlformats.org/officeDocument/2006/relationships">
+  <c:date1904 val="1"/>
   <c:lang val="de-DE"/>
   <c:chart>
     <c:plotArea>
@@ -1054,7 +1088,7 @@
                   <c:v>130762.0505</c:v>
                 </c:pt>
                 <c:pt idx="3">
-                  <c:v>109173.62410000013</c:v>
+                  <c:v>109173.62410000015</c:v>
                 </c:pt>
               </c:numCache>
             </c:numRef>
@@ -1107,7 +1141,7 @@
                   <c:v>65803.216499999908</c:v>
                 </c:pt>
                 <c:pt idx="2">
-                  <c:v>838185.47429999872</c:v>
+                  <c:v>838185.4742999986</c:v>
                 </c:pt>
                 <c:pt idx="3">
                   <c:v>126062.7588</c:v>
@@ -1116,25 +1150,24 @@
             </c:numRef>
           </c:val>
         </c:ser>
-        <c:dLbls/>
-        <c:axId val="84707584"/>
-        <c:axId val="84717568"/>
+        <c:axId val="47213184"/>
+        <c:axId val="47227264"/>
       </c:barChart>
       <c:catAx>
-        <c:axId val="84707584"/>
+        <c:axId val="47213184"/>
         <c:scaling>
           <c:orientation val="minMax"/>
         </c:scaling>
         <c:axPos val="l"/>
         <c:tickLblPos val="nextTo"/>
-        <c:crossAx val="84717568"/>
+        <c:crossAx val="47227264"/>
         <c:crosses val="autoZero"/>
         <c:auto val="1"/>
         <c:lblAlgn val="ctr"/>
         <c:lblOffset val="100"/>
       </c:catAx>
       <c:valAx>
-        <c:axId val="84717568"/>
+        <c:axId val="47227264"/>
         <c:scaling>
           <c:orientation val="minMax"/>
           <c:max val="900000"/>
@@ -1143,13 +1176,14 @@
         <c:majorGridlines/>
         <c:numFmt formatCode="General" sourceLinked="1"/>
         <c:tickLblPos val="nextTo"/>
-        <c:crossAx val="84707584"/>
+        <c:crossAx val="47213184"/>
         <c:crosses val="autoZero"/>
         <c:crossBetween val="between"/>
       </c:valAx>
     </c:plotArea>
     <c:legend>
       <c:legendPos val="t"/>
+      <c:layout/>
     </c:legend>
     <c:plotVisOnly val="1"/>
     <c:dispBlanksAs val="gap"/>
@@ -1490,7 +1524,7 @@
     </p:spTree>
     <p:extLst>
       <p:ext uri="{BB962C8B-B14F-4D97-AF65-F5344CB8AC3E}">
-        <p14:creationId xmlns:p14="http://schemas.microsoft.com/office/powerpoint/2010/main" xmlns="" val="4020156663"/>
+        <p14:creationId xmlns="" xmlns:p14="http://schemas.microsoft.com/office/powerpoint/2010/main" val="4020156663"/>
       </p:ext>
     </p:extLst>
   </p:cSld>
@@ -4626,60 +4660,35 @@
         <p:spPr>
           <a:xfrm>
             <a:off x="503238" y="3284984"/>
-            <a:ext cx="8412162" cy="3039616"/>
+            <a:ext cx="8412162" cy="1728192"/>
           </a:xfrm>
         </p:spPr>
         <p:txBody>
           <a:bodyPr/>
           <a:lstStyle/>
           <a:p>
-            <a:pPr marL="0" indent="0">
+            <a:pPr>
               <a:buNone/>
             </a:pPr>
             <a:r>
-              <a:rPr lang="de-DE" b="1" u="sng" dirty="0" smtClean="0"/>
-              <a:t>Herausforderung:</a:t>
-            </a:r>
-          </a:p>
-          <a:p>
-            <a:r>
               <a:rPr lang="de-DE" dirty="0" smtClean="0"/>
-              <a:t>Verschachtelte Schleifen</a:t>
+              <a:t>Compiler kann keinen optimalen SIMD-Code erstellen, wegen:</a:t>
+            </a:r>
+          </a:p>
+          <a:p>
+            <a:r>
+              <a:rPr lang="de-DE" dirty="0" smtClean="0"/>
+              <a:t>Verschachtelten </a:t>
+            </a:r>
+            <a:r>
+              <a:rPr lang="de-DE" dirty="0" smtClean="0"/>
+              <a:t>Schleifen</a:t>
             </a:r>
           </a:p>
           <a:p>
             <a:r>
               <a:rPr lang="de-DE" dirty="0" smtClean="0"/>
               <a:t>Unterschiedliche Durchläufe je Filterbank-Element</a:t>
-            </a:r>
-          </a:p>
-          <a:p>
-            <a:pPr marL="0" indent="0">
-              <a:buNone/>
-            </a:pPr>
-            <a:r>
-              <a:rPr lang="de-DE" b="1" u="sng" dirty="0" smtClean="0"/>
-              <a:t>Idee:</a:t>
-            </a:r>
-          </a:p>
-          <a:p>
-            <a:r>
-              <a:rPr lang="de-DE" dirty="0" smtClean="0"/>
-              <a:t>Unterteilung der Durchläufe in Abschnitte mit bestimmten Eigenschaften (4 parallele, 2 parallele und 1 Operation) </a:t>
-            </a:r>
-          </a:p>
-          <a:p>
-            <a:r>
-              <a:rPr lang="de-DE" dirty="0" smtClean="0"/>
-              <a:t>Ausnutzung von SIMD-</a:t>
-            </a:r>
-            <a:r>
-              <a:rPr lang="de-DE" dirty="0" err="1" smtClean="0"/>
-              <a:t>Intrinsics</a:t>
-            </a:r>
-            <a:r>
-              <a:rPr lang="de-DE" dirty="0" smtClean="0"/>
-              <a:t> und der NEON-SIMD-Einheit</a:t>
             </a:r>
           </a:p>
           <a:p>
@@ -5089,6 +5098,519 @@
           <a:effectLst/>
         </p:spPr>
       </p:cxnSp>
+      <p:sp>
+        <p:nvSpPr>
+          <p:cNvPr id="14" name="Rechteck 13"/>
+          <p:cNvSpPr/>
+          <p:nvPr/>
+        </p:nvSpPr>
+        <p:spPr bwMode="auto">
+          <a:xfrm>
+            <a:off x="1763688" y="5013176"/>
+            <a:ext cx="5760640" cy="1368152"/>
+          </a:xfrm>
+          <a:prstGeom prst="rect">
+            <a:avLst/>
+          </a:prstGeom>
+          <a:solidFill>
+            <a:schemeClr val="accent1">
+              <a:alpha val="0"/>
+            </a:schemeClr>
+          </a:solidFill>
+          <a:ln w="9525" cap="flat" cmpd="sng" algn="ctr">
+            <a:solidFill>
+              <a:schemeClr val="tx1"/>
+            </a:solidFill>
+            <a:prstDash val="solid"/>
+            <a:round/>
+            <a:headEnd type="none" w="med" len="med"/>
+            <a:tailEnd type="none" w="med" len="med"/>
+          </a:ln>
+          <a:effectLst/>
+        </p:spPr>
+        <p:txBody>
+          <a:bodyPr vert="horz" wrap="square" lIns="91440" tIns="45720" rIns="91440" bIns="45720" numCol="1" rtlCol="0" anchor="t" anchorCtr="0" compatLnSpc="1">
+            <a:prstTxWarp prst="textNoShape">
+              <a:avLst/>
+            </a:prstTxWarp>
+          </a:bodyPr>
+          <a:lstStyle/>
+          <a:p>
+            <a:pPr marL="0" marR="0" indent="0" algn="l" defTabSz="914400" rtl="0" eaLnBrk="0" fontAlgn="base" latinLnBrk="0" hangingPunct="0">
+              <a:lnSpc>
+                <a:spcPct val="100000"/>
+              </a:lnSpc>
+              <a:spcBef>
+                <a:spcPct val="0"/>
+              </a:spcBef>
+              <a:spcAft>
+                <a:spcPct val="0"/>
+              </a:spcAft>
+              <a:buClrTx/>
+              <a:buSzTx/>
+              <a:buFontTx/>
+              <a:buNone/>
+              <a:tabLst/>
+            </a:pPr>
+            <a:endParaRPr kumimoji="0" lang="de-DE" sz="2400" b="0" i="0" u="none" strike="noStrike" cap="none" normalizeH="0" baseline="0" smtClean="0">
+              <a:ln>
+                <a:noFill/>
+              </a:ln>
+              <a:solidFill>
+                <a:schemeClr val="tx1"/>
+              </a:solidFill>
+              <a:effectLst/>
+              <a:latin typeface="Arial" charset="0"/>
+              <a:ea typeface="ＭＳ Ｐゴシック" pitchFamily="1" charset="-128"/>
+            </a:endParaRPr>
+          </a:p>
+        </p:txBody>
+      </p:sp>
+      <p:sp>
+        <p:nvSpPr>
+          <p:cNvPr id="15" name="Inhaltsplatzhalter 1"/>
+          <p:cNvSpPr txBox="1">
+            <a:spLocks/>
+          </p:cNvSpPr>
+          <p:nvPr/>
+        </p:nvSpPr>
+        <p:spPr bwMode="auto">
+          <a:xfrm>
+            <a:off x="2411760" y="5013176"/>
+            <a:ext cx="5832648" cy="1656184"/>
+          </a:xfrm>
+          <a:prstGeom prst="rect">
+            <a:avLst/>
+          </a:prstGeom>
+          <a:noFill/>
+          <a:ln w="9525">
+            <a:noFill/>
+            <a:miter lim="800000"/>
+            <a:headEnd/>
+            <a:tailEnd/>
+          </a:ln>
+        </p:spPr>
+        <p:txBody>
+          <a:bodyPr vert="horz" wrap="square" lIns="91440" tIns="45720" rIns="91440" bIns="45720" numCol="1" anchor="t" anchorCtr="0" compatLnSpc="1">
+            <a:prstTxWarp prst="textNoShape">
+              <a:avLst/>
+            </a:prstTxWarp>
+          </a:bodyPr>
+          <a:lstStyle/>
+          <a:p>
+            <a:pPr marL="342900" marR="0" lvl="0" indent="-342900" algn="l" defTabSz="914400" rtl="0" eaLnBrk="1" fontAlgn="base" latinLnBrk="0" hangingPunct="1">
+              <a:lnSpc>
+                <a:spcPct val="100000"/>
+              </a:lnSpc>
+              <a:spcBef>
+                <a:spcPct val="20000"/>
+              </a:spcBef>
+              <a:spcAft>
+                <a:spcPct val="0"/>
+              </a:spcAft>
+              <a:buClr>
+                <a:schemeClr val="bg2"/>
+              </a:buClr>
+              <a:buSzTx/>
+              <a:buFont typeface="Wingdings" pitchFamily="2" charset="2"/>
+              <a:buNone/>
+              <a:tabLst/>
+              <a:defRPr/>
+            </a:pPr>
+            <a:r>
+              <a:rPr kumimoji="0" lang="de-DE" sz="1400" b="0" i="0" u="none" strike="noStrike" kern="0" cap="none" spc="0" normalizeH="0" baseline="0" noProof="0" dirty="0" err="1" smtClean="0">
+                <a:ln>
+                  <a:noFill/>
+                </a:ln>
+                <a:solidFill>
+                  <a:schemeClr val="tx1"/>
+                </a:solidFill>
+                <a:effectLst/>
+                <a:uLnTx/>
+                <a:uFillTx/>
+                <a:latin typeface="+mn-lt"/>
+                <a:ea typeface="MS PGothic" pitchFamily="34" charset="-128"/>
+                <a:cs typeface="Times New Roman" panose="02020603050405020304" pitchFamily="18" charset="0"/>
+              </a:rPr>
+              <a:t>for</a:t>
+            </a:r>
+            <a:r>
+              <a:rPr kumimoji="0" lang="de-DE" sz="1400" b="0" i="0" u="none" strike="noStrike" kern="0" cap="none" spc="0" normalizeH="0" baseline="0" noProof="0" dirty="0" smtClean="0">
+                <a:ln>
+                  <a:noFill/>
+                </a:ln>
+                <a:solidFill>
+                  <a:schemeClr val="tx1"/>
+                </a:solidFill>
+                <a:effectLst/>
+                <a:uLnTx/>
+                <a:uFillTx/>
+                <a:latin typeface="+mn-lt"/>
+                <a:ea typeface="MS PGothic" pitchFamily="34" charset="-128"/>
+                <a:cs typeface="Times New Roman" panose="02020603050405020304" pitchFamily="18" charset="0"/>
+              </a:rPr>
+              <a:t> (m = 1; m &lt;= M; m++) {</a:t>
+            </a:r>
+          </a:p>
+          <a:p>
+            <a:pPr marL="342900" marR="0" lvl="0" indent="-342900" algn="l" defTabSz="914400" rtl="0" eaLnBrk="1" fontAlgn="base" latinLnBrk="0" hangingPunct="1">
+              <a:lnSpc>
+                <a:spcPct val="100000"/>
+              </a:lnSpc>
+              <a:spcBef>
+                <a:spcPct val="20000"/>
+              </a:spcBef>
+              <a:spcAft>
+                <a:spcPct val="0"/>
+              </a:spcAft>
+              <a:buClr>
+                <a:schemeClr val="bg2"/>
+              </a:buClr>
+              <a:buSzTx/>
+              <a:buFont typeface="Wingdings" pitchFamily="2" charset="2"/>
+              <a:buNone/>
+              <a:tabLst/>
+              <a:defRPr/>
+            </a:pPr>
+            <a:r>
+              <a:rPr kumimoji="0" lang="de-DE" sz="1400" b="0" i="0" u="none" strike="noStrike" kern="0" cap="none" spc="0" normalizeH="0" baseline="0" noProof="0" dirty="0" smtClean="0">
+                <a:ln>
+                  <a:noFill/>
+                </a:ln>
+                <a:solidFill>
+                  <a:schemeClr val="tx1"/>
+                </a:solidFill>
+                <a:effectLst/>
+                <a:uLnTx/>
+                <a:uFillTx/>
+                <a:latin typeface="+mn-lt"/>
+                <a:ea typeface="MS PGothic" pitchFamily="34" charset="-128"/>
+                <a:cs typeface="Times New Roman" panose="02020603050405020304" pitchFamily="18" charset="0"/>
+              </a:rPr>
+              <a:t>	</a:t>
+            </a:r>
+            <a:r>
+              <a:rPr kumimoji="0" lang="de-DE" sz="1400" b="0" i="0" u="none" strike="noStrike" kern="0" cap="none" spc="0" normalizeH="0" baseline="0" noProof="0" dirty="0" err="1" smtClean="0">
+                <a:ln>
+                  <a:noFill/>
+                </a:ln>
+                <a:solidFill>
+                  <a:schemeClr val="tx1"/>
+                </a:solidFill>
+                <a:effectLst/>
+                <a:uLnTx/>
+                <a:uFillTx/>
+                <a:latin typeface="+mn-lt"/>
+                <a:ea typeface="MS PGothic" pitchFamily="34" charset="-128"/>
+                <a:cs typeface="Times New Roman" panose="02020603050405020304" pitchFamily="18" charset="0"/>
+              </a:rPr>
+              <a:t>for</a:t>
+            </a:r>
+            <a:r>
+              <a:rPr kumimoji="0" lang="de-DE" sz="1400" b="0" i="0" u="none" strike="noStrike" kern="0" cap="none" spc="0" normalizeH="0" baseline="0" noProof="0" dirty="0" smtClean="0">
+                <a:ln>
+                  <a:noFill/>
+                </a:ln>
+                <a:solidFill>
+                  <a:schemeClr val="tx1"/>
+                </a:solidFill>
+                <a:effectLst/>
+                <a:uLnTx/>
+                <a:uFillTx/>
+                <a:latin typeface="+mn-lt"/>
+                <a:ea typeface="MS PGothic" pitchFamily="34" charset="-128"/>
+                <a:cs typeface="Times New Roman" panose="02020603050405020304" pitchFamily="18" charset="0"/>
+              </a:rPr>
+              <a:t> (k = </a:t>
+            </a:r>
+            <a:r>
+              <a:rPr kumimoji="0" lang="de-DE" sz="1400" b="0" i="0" u="none" strike="noStrike" kern="0" cap="none" spc="0" normalizeH="0" baseline="0" noProof="0" dirty="0" err="1" smtClean="0">
+                <a:ln>
+                  <a:noFill/>
+                </a:ln>
+                <a:solidFill>
+                  <a:schemeClr val="tx1"/>
+                </a:solidFill>
+                <a:effectLst/>
+                <a:uLnTx/>
+                <a:uFillTx/>
+                <a:latin typeface="+mn-lt"/>
+                <a:ea typeface="MS PGothic" pitchFamily="34" charset="-128"/>
+                <a:cs typeface="Times New Roman" panose="02020603050405020304" pitchFamily="18" charset="0"/>
+              </a:rPr>
+              <a:t>AnfangFilter</a:t>
+            </a:r>
+            <a:r>
+              <a:rPr kumimoji="0" lang="de-DE" sz="1400" b="0" i="0" u="none" strike="noStrike" kern="0" cap="none" spc="0" normalizeH="0" baseline="0" noProof="0" dirty="0" smtClean="0">
+                <a:ln>
+                  <a:noFill/>
+                </a:ln>
+                <a:solidFill>
+                  <a:schemeClr val="tx1"/>
+                </a:solidFill>
+                <a:effectLst/>
+                <a:uLnTx/>
+                <a:uFillTx/>
+                <a:latin typeface="+mn-lt"/>
+                <a:ea typeface="MS PGothic" pitchFamily="34" charset="-128"/>
+                <a:cs typeface="Times New Roman" panose="02020603050405020304" pitchFamily="18" charset="0"/>
+              </a:rPr>
+              <a:t>[m]; k &lt;=EndeFilter[m]; k++) {</a:t>
+            </a:r>
+          </a:p>
+          <a:p>
+            <a:pPr marL="342900" marR="0" lvl="0" indent="-342900" algn="l" defTabSz="914400" rtl="0" eaLnBrk="1" fontAlgn="base" latinLnBrk="0" hangingPunct="1">
+              <a:lnSpc>
+                <a:spcPct val="100000"/>
+              </a:lnSpc>
+              <a:spcBef>
+                <a:spcPct val="20000"/>
+              </a:spcBef>
+              <a:spcAft>
+                <a:spcPct val="0"/>
+              </a:spcAft>
+              <a:buClr>
+                <a:schemeClr val="bg2"/>
+              </a:buClr>
+              <a:buSzTx/>
+              <a:buFont typeface="Wingdings" pitchFamily="2" charset="2"/>
+              <a:buNone/>
+              <a:tabLst/>
+              <a:defRPr/>
+            </a:pPr>
+            <a:r>
+              <a:rPr kumimoji="0" lang="de-DE" sz="1400" b="0" i="0" u="none" strike="noStrike" kern="0" cap="none" spc="0" normalizeH="0" baseline="0" noProof="0" dirty="0" smtClean="0">
+                <a:ln>
+                  <a:noFill/>
+                </a:ln>
+                <a:solidFill>
+                  <a:schemeClr val="tx1"/>
+                </a:solidFill>
+                <a:effectLst/>
+                <a:uLnTx/>
+                <a:uFillTx/>
+                <a:latin typeface="+mn-lt"/>
+                <a:ea typeface="MS PGothic" pitchFamily="34" charset="-128"/>
+                <a:cs typeface="Times New Roman" panose="02020603050405020304" pitchFamily="18" charset="0"/>
+              </a:rPr>
+              <a:t>		</a:t>
+            </a:r>
+            <a:r>
+              <a:rPr kumimoji="0" lang="de-DE" sz="1400" b="0" i="0" u="none" strike="noStrike" kern="0" cap="none" spc="0" normalizeH="0" baseline="0" noProof="0" dirty="0" err="1" smtClean="0">
+                <a:ln>
+                  <a:noFill/>
+                </a:ln>
+                <a:solidFill>
+                  <a:schemeClr val="tx1"/>
+                </a:solidFill>
+                <a:effectLst/>
+                <a:uLnTx/>
+                <a:uFillTx/>
+                <a:latin typeface="+mn-lt"/>
+                <a:ea typeface="MS PGothic" pitchFamily="34" charset="-128"/>
+                <a:cs typeface="Times New Roman" panose="02020603050405020304" pitchFamily="18" charset="0"/>
+              </a:rPr>
+              <a:t>log_M</a:t>
+            </a:r>
+            <a:r>
+              <a:rPr kumimoji="0" lang="de-DE" sz="1400" b="0" i="0" u="none" strike="noStrike" kern="0" cap="none" spc="0" normalizeH="0" baseline="0" noProof="0" dirty="0" smtClean="0">
+                <a:ln>
+                  <a:noFill/>
+                </a:ln>
+                <a:solidFill>
+                  <a:schemeClr val="tx1"/>
+                </a:solidFill>
+                <a:effectLst/>
+                <a:uLnTx/>
+                <a:uFillTx/>
+                <a:latin typeface="+mn-lt"/>
+                <a:ea typeface="MS PGothic" pitchFamily="34" charset="-128"/>
+                <a:cs typeface="Times New Roman" panose="02020603050405020304" pitchFamily="18" charset="0"/>
+              </a:rPr>
+              <a:t>[m - 1] += </a:t>
+            </a:r>
+            <a:r>
+              <a:rPr kumimoji="0" lang="de-DE" sz="1400" b="0" i="0" u="none" strike="noStrike" kern="0" cap="none" spc="0" normalizeH="0" baseline="0" noProof="0" dirty="0" err="1" smtClean="0">
+                <a:ln>
+                  <a:noFill/>
+                </a:ln>
+                <a:solidFill>
+                  <a:schemeClr val="tx1"/>
+                </a:solidFill>
+                <a:effectLst/>
+                <a:uLnTx/>
+                <a:uFillTx/>
+                <a:latin typeface="+mn-lt"/>
+                <a:ea typeface="MS PGothic" pitchFamily="34" charset="-128"/>
+                <a:cs typeface="Times New Roman" panose="02020603050405020304" pitchFamily="18" charset="0"/>
+              </a:rPr>
+              <a:t>signal</a:t>
+            </a:r>
+            <a:r>
+              <a:rPr kumimoji="0" lang="de-DE" sz="1400" b="0" i="0" u="none" strike="noStrike" kern="0" cap="none" spc="0" normalizeH="0" baseline="0" noProof="0" dirty="0" smtClean="0">
+                <a:ln>
+                  <a:noFill/>
+                </a:ln>
+                <a:solidFill>
+                  <a:schemeClr val="tx1"/>
+                </a:solidFill>
+                <a:effectLst/>
+                <a:uLnTx/>
+                <a:uFillTx/>
+                <a:latin typeface="+mn-lt"/>
+                <a:ea typeface="MS PGothic" pitchFamily="34" charset="-128"/>
+                <a:cs typeface="Times New Roman" panose="02020603050405020304" pitchFamily="18" charset="0"/>
+              </a:rPr>
+              <a:t>[k] * </a:t>
+            </a:r>
+            <a:r>
+              <a:rPr kumimoji="0" lang="de-DE" sz="1400" b="0" i="0" u="none" strike="noStrike" kern="0" cap="none" spc="0" normalizeH="0" baseline="0" noProof="0" dirty="0" err="1" smtClean="0">
+                <a:ln>
+                  <a:noFill/>
+                </a:ln>
+                <a:solidFill>
+                  <a:schemeClr val="tx1"/>
+                </a:solidFill>
+                <a:effectLst/>
+                <a:uLnTx/>
+                <a:uFillTx/>
+                <a:latin typeface="+mn-lt"/>
+                <a:ea typeface="MS PGothic" pitchFamily="34" charset="-128"/>
+                <a:cs typeface="Times New Roman" panose="02020603050405020304" pitchFamily="18" charset="0"/>
+              </a:rPr>
+              <a:t>wk</a:t>
+            </a:r>
+            <a:r>
+              <a:rPr kumimoji="0" lang="de-DE" sz="1400" b="0" i="0" u="none" strike="noStrike" kern="0" cap="none" spc="0" normalizeH="0" baseline="0" noProof="0" dirty="0" smtClean="0">
+                <a:ln>
+                  <a:noFill/>
+                </a:ln>
+                <a:solidFill>
+                  <a:schemeClr val="tx1"/>
+                </a:solidFill>
+                <a:effectLst/>
+                <a:uLnTx/>
+                <a:uFillTx/>
+                <a:latin typeface="+mn-lt"/>
+                <a:ea typeface="MS PGothic" pitchFamily="34" charset="-128"/>
+                <a:cs typeface="Times New Roman" panose="02020603050405020304" pitchFamily="18" charset="0"/>
+              </a:rPr>
+              <a:t>[m - 1][k];</a:t>
+            </a:r>
+          </a:p>
+          <a:p>
+            <a:pPr marL="342900" marR="0" lvl="0" indent="-342900" algn="l" defTabSz="914400" rtl="0" eaLnBrk="1" fontAlgn="base" latinLnBrk="0" hangingPunct="1">
+              <a:lnSpc>
+                <a:spcPct val="100000"/>
+              </a:lnSpc>
+              <a:spcBef>
+                <a:spcPct val="20000"/>
+              </a:spcBef>
+              <a:spcAft>
+                <a:spcPct val="0"/>
+              </a:spcAft>
+              <a:buClr>
+                <a:schemeClr val="bg2"/>
+              </a:buClr>
+              <a:buSzTx/>
+              <a:buFont typeface="Wingdings" pitchFamily="2" charset="2"/>
+              <a:buNone/>
+              <a:tabLst/>
+              <a:defRPr/>
+            </a:pPr>
+            <a:r>
+              <a:rPr kumimoji="0" lang="de-DE" sz="1400" b="0" i="0" u="none" strike="noStrike" kern="0" cap="none" spc="0" normalizeH="0" baseline="0" noProof="0" dirty="0" smtClean="0">
+                <a:ln>
+                  <a:noFill/>
+                </a:ln>
+                <a:solidFill>
+                  <a:schemeClr val="tx1"/>
+                </a:solidFill>
+                <a:effectLst/>
+                <a:uLnTx/>
+                <a:uFillTx/>
+                <a:latin typeface="+mn-lt"/>
+                <a:ea typeface="MS PGothic" pitchFamily="34" charset="-128"/>
+                <a:cs typeface="Times New Roman" panose="02020603050405020304" pitchFamily="18" charset="0"/>
+              </a:rPr>
+              <a:t>	}</a:t>
+            </a:r>
+          </a:p>
+          <a:p>
+            <a:pPr marL="342900" marR="0" lvl="0" indent="-342900" algn="l" defTabSz="914400" rtl="0" eaLnBrk="1" fontAlgn="base" latinLnBrk="0" hangingPunct="1">
+              <a:lnSpc>
+                <a:spcPct val="100000"/>
+              </a:lnSpc>
+              <a:spcBef>
+                <a:spcPct val="20000"/>
+              </a:spcBef>
+              <a:spcAft>
+                <a:spcPct val="0"/>
+              </a:spcAft>
+              <a:buClr>
+                <a:schemeClr val="bg2"/>
+              </a:buClr>
+              <a:buSzTx/>
+              <a:buFont typeface="Wingdings" pitchFamily="2" charset="2"/>
+              <a:buNone/>
+              <a:tabLst/>
+              <a:defRPr/>
+            </a:pPr>
+            <a:r>
+              <a:rPr kumimoji="0" lang="de-DE" sz="1400" b="0" i="0" u="none" strike="noStrike" kern="0" cap="none" spc="0" normalizeH="0" baseline="0" noProof="0" dirty="0" smtClean="0">
+                <a:ln>
+                  <a:noFill/>
+                </a:ln>
+                <a:solidFill>
+                  <a:schemeClr val="tx1"/>
+                </a:solidFill>
+                <a:effectLst/>
+                <a:uLnTx/>
+                <a:uFillTx/>
+                <a:latin typeface="+mn-lt"/>
+                <a:ea typeface="MS PGothic" pitchFamily="34" charset="-128"/>
+                <a:cs typeface="Times New Roman" panose="02020603050405020304" pitchFamily="18" charset="0"/>
+              </a:rPr>
+              <a:t>}</a:t>
+            </a:r>
+          </a:p>
+          <a:p>
+            <a:pPr marL="342900" marR="0" lvl="0" indent="-342900" algn="l" defTabSz="914400" rtl="0" eaLnBrk="1" fontAlgn="base" latinLnBrk="0" hangingPunct="1">
+              <a:lnSpc>
+                <a:spcPct val="100000"/>
+              </a:lnSpc>
+              <a:spcBef>
+                <a:spcPct val="20000"/>
+              </a:spcBef>
+              <a:spcAft>
+                <a:spcPct val="0"/>
+              </a:spcAft>
+              <a:buClr>
+                <a:schemeClr val="bg2"/>
+              </a:buClr>
+              <a:buSzTx/>
+              <a:buFont typeface="Wingdings" pitchFamily="2" charset="2"/>
+              <a:buNone/>
+              <a:tabLst/>
+              <a:defRPr/>
+            </a:pPr>
+            <a:endParaRPr kumimoji="0" lang="de-DE" sz="1400" b="0" i="0" u="none" strike="noStrike" kern="0" cap="none" spc="0" normalizeH="0" baseline="0" noProof="0" dirty="0">
+              <a:ln>
+                <a:noFill/>
+              </a:ln>
+              <a:solidFill>
+                <a:schemeClr val="tx1"/>
+              </a:solidFill>
+              <a:effectLst/>
+              <a:uLnTx/>
+              <a:uFillTx/>
+              <a:latin typeface="+mn-lt"/>
+              <a:ea typeface="MS PGothic" pitchFamily="34" charset="-128"/>
+              <a:cs typeface="+mn-cs"/>
+            </a:endParaRPr>
+          </a:p>
+        </p:txBody>
+      </p:sp>
     </p:spTree>
   </p:cSld>
   <p:clrMapOvr>
@@ -5129,7 +5651,7 @@
         </p:nvSpPr>
         <p:spPr>
           <a:xfrm>
-            <a:off x="4211960" y="1700808"/>
+            <a:off x="0" y="1628800"/>
             <a:ext cx="4932040" cy="4832092"/>
           </a:xfrm>
           <a:prstGeom prst="rect">
@@ -5155,109 +5677,95 @@
                 <a:latin typeface="+mn-lt"/>
                 <a:cs typeface="Times New Roman" panose="02020603050405020304" pitchFamily="18" charset="0"/>
               </a:rPr>
-              <a:t> (</a:t>
+              <a:t> </a:t>
+            </a:r>
+            <a:r>
+              <a:rPr lang="de-DE" sz="1400" dirty="0" smtClean="0">
+                <a:latin typeface="+mn-lt"/>
+                <a:cs typeface="Times New Roman" panose="02020603050405020304" pitchFamily="18" charset="0"/>
+              </a:rPr>
+              <a:t>(m </a:t>
+            </a:r>
+            <a:r>
+              <a:rPr lang="de-DE" sz="1400" dirty="0" smtClean="0">
+                <a:latin typeface="+mn-lt"/>
+                <a:cs typeface="Times New Roman" panose="02020603050405020304" pitchFamily="18" charset="0"/>
+              </a:rPr>
+              <a:t>= 1; m &lt;= M; m++) {</a:t>
+            </a:r>
+          </a:p>
+          <a:p>
+            <a:r>
+              <a:rPr lang="de-DE" sz="1400" dirty="0" smtClean="0">
+                <a:latin typeface="+mn-lt"/>
+                <a:cs typeface="Times New Roman" panose="02020603050405020304" pitchFamily="18" charset="0"/>
+              </a:rPr>
+              <a:t>       </a:t>
             </a:r>
             <a:r>
               <a:rPr lang="de-DE" sz="1400" dirty="0" err="1" smtClean="0">
                 <a:latin typeface="+mn-lt"/>
                 <a:cs typeface="Times New Roman" panose="02020603050405020304" pitchFamily="18" charset="0"/>
               </a:rPr>
-              <a:t>unsigned</a:t>
+              <a:t>mod</a:t>
             </a:r>
             <a:r>
               <a:rPr lang="de-DE" sz="1400" dirty="0" smtClean="0">
                 <a:latin typeface="+mn-lt"/>
                 <a:cs typeface="Times New Roman" panose="02020603050405020304" pitchFamily="18" charset="0"/>
               </a:rPr>
-              <a:t> </a:t>
+              <a:t> = (</a:t>
             </a:r>
             <a:r>
               <a:rPr lang="de-DE" sz="1400" dirty="0" err="1" smtClean="0">
                 <a:latin typeface="+mn-lt"/>
                 <a:cs typeface="Times New Roman" panose="02020603050405020304" pitchFamily="18" charset="0"/>
               </a:rPr>
-              <a:t>int</a:t>
+              <a:t>AnfangFilter</a:t>
             </a:r>
             <a:r>
               <a:rPr lang="de-DE" sz="1400" dirty="0" smtClean="0">
                 <a:latin typeface="+mn-lt"/>
                 <a:cs typeface="Times New Roman" panose="02020603050405020304" pitchFamily="18" charset="0"/>
               </a:rPr>
-              <a:t> m = 1; m &lt;= M; m++) {</a:t>
-            </a:r>
-          </a:p>
-          <a:p>
+              <a:t>[m] – EndeFilter[m]+1</a:t>
+            </a:r>
             <a:r>
               <a:rPr lang="de-DE" sz="1400" dirty="0" smtClean="0">
                 <a:latin typeface="+mn-lt"/>
                 <a:cs typeface="Times New Roman" panose="02020603050405020304" pitchFamily="18" charset="0"/>
               </a:rPr>
-              <a:t>       </a:t>
-            </a:r>
-            <a:r>
-              <a:rPr lang="de-DE" sz="1400" dirty="0" err="1" smtClean="0">
-                <a:latin typeface="+mn-lt"/>
-                <a:cs typeface="Times New Roman" panose="02020603050405020304" pitchFamily="18" charset="0"/>
-              </a:rPr>
-              <a:t>mod</a:t>
-            </a:r>
+              <a:t>) % 4;</a:t>
+            </a:r>
+          </a:p>
+          <a:p>
             <a:r>
               <a:rPr lang="de-DE" sz="1400" dirty="0" smtClean="0">
                 <a:latin typeface="+mn-lt"/>
                 <a:cs typeface="Times New Roman" panose="02020603050405020304" pitchFamily="18" charset="0"/>
               </a:rPr>
-              <a:t> = (</a:t>
-            </a:r>
-            <a:r>
-              <a:rPr lang="de-DE" sz="1400" dirty="0" err="1" smtClean="0">
-                <a:latin typeface="+mn-lt"/>
-                <a:cs typeface="Times New Roman" panose="02020603050405020304" pitchFamily="18" charset="0"/>
-              </a:rPr>
-              <a:t>AnfangFiler</a:t>
+              <a:t>       </a:t>
             </a:r>
             <a:r>
               <a:rPr lang="de-DE" sz="1400" dirty="0" smtClean="0">
                 <a:latin typeface="+mn-lt"/>
                 <a:cs typeface="Times New Roman" panose="02020603050405020304" pitchFamily="18" charset="0"/>
               </a:rPr>
-              <a:t> - EndeFilter+1) % 4;</a:t>
-            </a:r>
-          </a:p>
-          <a:p>
+              <a:t>last</a:t>
+            </a:r>
             <a:r>
               <a:rPr lang="de-DE" sz="1400" dirty="0" smtClean="0">
                 <a:latin typeface="+mn-lt"/>
                 <a:cs typeface="Times New Roman" panose="02020603050405020304" pitchFamily="18" charset="0"/>
               </a:rPr>
-              <a:t>       </a:t>
-            </a:r>
-            <a:r>
-              <a:rPr lang="de-DE" sz="1400" dirty="0" err="1" smtClean="0">
-                <a:latin typeface="+mn-lt"/>
-                <a:cs typeface="Times New Roman" panose="02020603050405020304" pitchFamily="18" charset="0"/>
-              </a:rPr>
-              <a:t>fedtbd</a:t>
+              <a:t> </a:t>
             </a:r>
             <a:r>
               <a:rPr lang="de-DE" sz="1400" dirty="0" smtClean="0">
                 <a:latin typeface="+mn-lt"/>
                 <a:cs typeface="Times New Roman" panose="02020603050405020304" pitchFamily="18" charset="0"/>
               </a:rPr>
-              <a:t> = </a:t>
-            </a:r>
-            <a:r>
-              <a:rPr lang="de-DE" sz="1400" dirty="0" err="1" smtClean="0">
-                <a:latin typeface="+mn-lt"/>
-                <a:cs typeface="Times New Roman" panose="02020603050405020304" pitchFamily="18" charset="0"/>
-              </a:rPr>
-              <a:t>EndeFilter</a:t>
-            </a:r>
-            <a:r>
-              <a:rPr lang="de-DE" sz="1400" dirty="0" smtClean="0">
-                <a:latin typeface="+mn-lt"/>
-                <a:cs typeface="Times New Roman" panose="02020603050405020304" pitchFamily="18" charset="0"/>
-              </a:rPr>
-              <a:t>[m]-mod+1;</a:t>
+              <a:t>= EndeFilter[m]-mod+1;</a:t>
             </a:r>
           </a:p>
           <a:p>
@@ -5309,113 +5817,127 @@
                 <a:latin typeface="+mn-lt"/>
                 <a:cs typeface="Times New Roman" panose="02020603050405020304" pitchFamily="18" charset="0"/>
               </a:rPr>
-              <a:t> (</a:t>
+              <a:t> </a:t>
+            </a:r>
+            <a:r>
+              <a:rPr lang="de-DE" sz="1400" dirty="0" smtClean="0">
+                <a:latin typeface="+mn-lt"/>
+                <a:cs typeface="Times New Roman" panose="02020603050405020304" pitchFamily="18" charset="0"/>
+              </a:rPr>
+              <a:t>(k </a:t>
+            </a:r>
+            <a:r>
+              <a:rPr lang="de-DE" sz="1400" dirty="0" smtClean="0">
+                <a:latin typeface="+mn-lt"/>
+                <a:cs typeface="Times New Roman" panose="02020603050405020304" pitchFamily="18" charset="0"/>
+              </a:rPr>
+              <a:t>= </a:t>
             </a:r>
             <a:r>
               <a:rPr lang="de-DE" sz="1400" dirty="0" err="1" smtClean="0">
                 <a:latin typeface="+mn-lt"/>
                 <a:cs typeface="Times New Roman" panose="02020603050405020304" pitchFamily="18" charset="0"/>
               </a:rPr>
-              <a:t>unsigned</a:t>
+              <a:t>AnfangFilter</a:t>
             </a:r>
             <a:r>
               <a:rPr lang="de-DE" sz="1400" dirty="0" smtClean="0">
                 <a:latin typeface="+mn-lt"/>
                 <a:cs typeface="Times New Roman" panose="02020603050405020304" pitchFamily="18" charset="0"/>
               </a:rPr>
+              <a:t>[m]; k &lt; </a:t>
+            </a:r>
+            <a:r>
+              <a:rPr lang="de-DE" sz="1400" dirty="0" smtClean="0">
+                <a:latin typeface="+mn-lt"/>
+                <a:cs typeface="Times New Roman" panose="02020603050405020304" pitchFamily="18" charset="0"/>
+              </a:rPr>
+              <a:t>(</a:t>
+            </a:r>
+            <a:r>
+              <a:rPr lang="de-DE" sz="1400" dirty="0" smtClean="0">
+                <a:latin typeface="+mn-lt"/>
+                <a:cs typeface="Times New Roman" panose="02020603050405020304" pitchFamily="18" charset="0"/>
+              </a:rPr>
+              <a:t>last</a:t>
+            </a:r>
+            <a:r>
+              <a:rPr lang="de-DE" sz="1400" dirty="0" smtClean="0">
+                <a:latin typeface="+mn-lt"/>
+                <a:cs typeface="Times New Roman" panose="02020603050405020304" pitchFamily="18" charset="0"/>
+              </a:rPr>
               <a:t> </a:t>
+            </a:r>
+            <a:r>
+              <a:rPr lang="de-DE" sz="1400" dirty="0" smtClean="0">
+                <a:latin typeface="+mn-lt"/>
+                <a:cs typeface="Times New Roman" panose="02020603050405020304" pitchFamily="18" charset="0"/>
+              </a:rPr>
+              <a:t>– 1); k +4) {</a:t>
+            </a:r>
+          </a:p>
+          <a:p>
+            <a:r>
+              <a:rPr lang="de-DE" sz="1400" dirty="0" smtClean="0">
+                <a:latin typeface="+mn-lt"/>
+                <a:cs typeface="Times New Roman" panose="02020603050405020304" pitchFamily="18" charset="0"/>
+              </a:rPr>
+              <a:t>	w4 und s4 laden	</a:t>
+            </a:r>
+          </a:p>
+          <a:p>
+            <a:r>
+              <a:rPr lang="de-DE" sz="1400" dirty="0" smtClean="0">
+                <a:latin typeface="+mn-lt"/>
+                <a:cs typeface="Times New Roman" panose="02020603050405020304" pitchFamily="18" charset="0"/>
+              </a:rPr>
+              <a:t>	r4 = vmlaq_f32(r4, s4, w4);</a:t>
+            </a:r>
+          </a:p>
+          <a:p>
+            <a:r>
+              <a:rPr lang="de-DE" sz="1400" dirty="0" smtClean="0">
+                <a:latin typeface="+mn-lt"/>
+                <a:cs typeface="Times New Roman" panose="02020603050405020304" pitchFamily="18" charset="0"/>
+              </a:rPr>
+              <a:t>       }</a:t>
+            </a:r>
+          </a:p>
+          <a:p>
+            <a:r>
+              <a:rPr lang="de-DE" sz="1400" dirty="0" smtClean="0">
+                <a:latin typeface="+mn-lt"/>
+                <a:cs typeface="Times New Roman" panose="02020603050405020304" pitchFamily="18" charset="0"/>
+              </a:rPr>
+              <a:t>      </a:t>
+            </a:r>
+            <a:r>
+              <a:rPr lang="de-DE" sz="1400" dirty="0" smtClean="0">
+                <a:latin typeface="+mn-lt"/>
+                <a:cs typeface="Times New Roman" panose="02020603050405020304" pitchFamily="18" charset="0"/>
+              </a:rPr>
+              <a:t>vst1q_f32(</a:t>
             </a:r>
             <a:r>
               <a:rPr lang="de-DE" sz="1400" dirty="0" err="1" smtClean="0">
                 <a:latin typeface="+mn-lt"/>
                 <a:cs typeface="Times New Roman" panose="02020603050405020304" pitchFamily="18" charset="0"/>
               </a:rPr>
-              <a:t>int</a:t>
+              <a:t>tmp</a:t>
             </a:r>
             <a:r>
               <a:rPr lang="de-DE" sz="1400" dirty="0" smtClean="0">
                 <a:latin typeface="+mn-lt"/>
                 <a:cs typeface="Times New Roman" panose="02020603050405020304" pitchFamily="18" charset="0"/>
               </a:rPr>
-              <a:t> k = </a:t>
-            </a:r>
-            <a:r>
-              <a:rPr lang="de-DE" sz="1400" dirty="0" err="1" smtClean="0">
-                <a:latin typeface="+mn-lt"/>
-                <a:cs typeface="Times New Roman" panose="02020603050405020304" pitchFamily="18" charset="0"/>
-              </a:rPr>
-              <a:t>AnfangFilter</a:t>
+              <a:t>[0</a:t>
             </a:r>
             <a:r>
               <a:rPr lang="de-DE" sz="1400" dirty="0" smtClean="0">
                 <a:latin typeface="+mn-lt"/>
                 <a:cs typeface="Times New Roman" panose="02020603050405020304" pitchFamily="18" charset="0"/>
               </a:rPr>
-              <a:t>[m]; k &lt; (</a:t>
-            </a:r>
-            <a:r>
-              <a:rPr lang="de-DE" sz="1400" dirty="0" err="1" smtClean="0">
-                <a:latin typeface="+mn-lt"/>
-                <a:cs typeface="Times New Roman" panose="02020603050405020304" pitchFamily="18" charset="0"/>
-              </a:rPr>
-              <a:t>fedtbd</a:t>
-            </a:r>
-            <a:r>
-              <a:rPr lang="de-DE" sz="1400" dirty="0" smtClean="0">
-                <a:latin typeface="+mn-lt"/>
-                <a:cs typeface="Times New Roman" panose="02020603050405020304" pitchFamily="18" charset="0"/>
-              </a:rPr>
-              <a:t> – 1); k +4) {</a:t>
-            </a:r>
-          </a:p>
-          <a:p>
-            <a:r>
-              <a:rPr lang="de-DE" sz="1400" dirty="0" smtClean="0">
-                <a:latin typeface="+mn-lt"/>
-                <a:cs typeface="Times New Roman" panose="02020603050405020304" pitchFamily="18" charset="0"/>
-              </a:rPr>
-              <a:t>	w4 und s4 laden	</a:t>
-            </a:r>
-          </a:p>
-          <a:p>
-            <a:r>
-              <a:rPr lang="de-DE" sz="1400" dirty="0" smtClean="0">
-                <a:latin typeface="+mn-lt"/>
-                <a:cs typeface="Times New Roman" panose="02020603050405020304" pitchFamily="18" charset="0"/>
-              </a:rPr>
-              <a:t>	r4 = vmlaq_f32(r4, s4, w4);</a:t>
-            </a:r>
-          </a:p>
-          <a:p>
-            <a:r>
-              <a:rPr lang="de-DE" sz="1400" dirty="0" smtClean="0">
-                <a:latin typeface="+mn-lt"/>
-                <a:cs typeface="Times New Roman" panose="02020603050405020304" pitchFamily="18" charset="0"/>
-              </a:rPr>
-              <a:t>       }</a:t>
-            </a:r>
-          </a:p>
-          <a:p>
-            <a:r>
-              <a:rPr lang="de-DE" sz="1400" dirty="0" smtClean="0">
-                <a:latin typeface="+mn-lt"/>
-                <a:cs typeface="Times New Roman" panose="02020603050405020304" pitchFamily="18" charset="0"/>
-              </a:rPr>
-              <a:t>      vst1q_f32(</a:t>
-            </a:r>
-            <a:r>
-              <a:rPr lang="de-DE" sz="1400" dirty="0" err="1" smtClean="0">
-                <a:latin typeface="+mn-lt"/>
-                <a:cs typeface="Times New Roman" panose="02020603050405020304" pitchFamily="18" charset="0"/>
-              </a:rPr>
-              <a:t>temp</a:t>
-            </a:r>
-            <a:r>
-              <a:rPr lang="de-DE" sz="1400" dirty="0" smtClean="0">
-                <a:latin typeface="+mn-lt"/>
-                <a:cs typeface="Times New Roman" panose="02020603050405020304" pitchFamily="18" charset="0"/>
-              </a:rPr>
-              <a:t>[0], r4);</a:t>
+              <a:t>], r4);</a:t>
             </a:r>
           </a:p>
           <a:p>
@@ -5518,27 +6040,64 @@
               <a:t>	</a:t>
             </a:r>
             <a:r>
+              <a:rPr lang="de-DE" sz="1400" dirty="0" smtClean="0">
+                <a:latin typeface="+mn-lt"/>
+                <a:cs typeface="Times New Roman" panose="02020603050405020304" pitchFamily="18" charset="0"/>
+              </a:rPr>
+              <a:t>last </a:t>
+            </a:r>
+            <a:r>
+              <a:rPr lang="de-DE" sz="1400" dirty="0" smtClean="0">
+                <a:latin typeface="+mn-lt"/>
+                <a:cs typeface="Times New Roman" panose="02020603050405020304" pitchFamily="18" charset="0"/>
+              </a:rPr>
+              <a:t>+= 2;</a:t>
+            </a:r>
+          </a:p>
+          <a:p>
+            <a:r>
+              <a:rPr lang="de-DE" sz="1400" dirty="0" smtClean="0">
+                <a:latin typeface="+mn-lt"/>
+                <a:cs typeface="Times New Roman" panose="02020603050405020304" pitchFamily="18" charset="0"/>
+              </a:rPr>
+              <a:t>      }</a:t>
+            </a:r>
+          </a:p>
+          <a:p>
+            <a:r>
+              <a:rPr lang="de-DE" sz="1400" dirty="0" smtClean="0">
+                <a:latin typeface="+mn-lt"/>
+                <a:cs typeface="Times New Roman" panose="02020603050405020304" pitchFamily="18" charset="0"/>
+              </a:rPr>
+              <a:t>      </a:t>
+            </a:r>
+            <a:r>
               <a:rPr lang="de-DE" sz="1400" dirty="0" err="1" smtClean="0">
                 <a:latin typeface="+mn-lt"/>
                 <a:cs typeface="Times New Roman" panose="02020603050405020304" pitchFamily="18" charset="0"/>
               </a:rPr>
-              <a:t>fedtbd</a:t>
+              <a:t>if</a:t>
             </a:r>
             <a:r>
               <a:rPr lang="de-DE" sz="1400" dirty="0" smtClean="0">
                 <a:latin typeface="+mn-lt"/>
                 <a:cs typeface="Times New Roman" panose="02020603050405020304" pitchFamily="18" charset="0"/>
               </a:rPr>
-              <a:t> += 2;</a:t>
-            </a:r>
-          </a:p>
-          <a:p>
+              <a:t> (</a:t>
+            </a:r>
+            <a:r>
+              <a:rPr lang="de-DE" sz="1400" dirty="0" err="1" smtClean="0">
+                <a:latin typeface="+mn-lt"/>
+                <a:cs typeface="Times New Roman" panose="02020603050405020304" pitchFamily="18" charset="0"/>
+              </a:rPr>
+              <a:t>mod</a:t>
+            </a:r>
             <a:r>
               <a:rPr lang="de-DE" sz="1400" dirty="0" smtClean="0">
                 <a:latin typeface="+mn-lt"/>
                 <a:cs typeface="Times New Roman" panose="02020603050405020304" pitchFamily="18" charset="0"/>
               </a:rPr>
-              <a:t>      }</a:t>
+              <a:t> == 1) {</a:t>
             </a:r>
           </a:p>
           <a:p>
@@ -5547,202 +6106,183 @@
                 <a:latin typeface="+mn-lt"/>
                 <a:cs typeface="Times New Roman" panose="02020603050405020304" pitchFamily="18" charset="0"/>
               </a:rPr>
-              <a:t>      </a:t>
+              <a:t>	</a:t>
             </a:r>
             <a:r>
               <a:rPr lang="de-DE" sz="1400" dirty="0" err="1" smtClean="0">
                 <a:latin typeface="+mn-lt"/>
                 <a:cs typeface="Times New Roman" panose="02020603050405020304" pitchFamily="18" charset="0"/>
               </a:rPr>
-              <a:t>if</a:t>
+              <a:t>log_M</a:t>
             </a:r>
             <a:r>
               <a:rPr lang="de-DE" sz="1400" dirty="0" smtClean="0">
                 <a:latin typeface="+mn-lt"/>
                 <a:cs typeface="Times New Roman" panose="02020603050405020304" pitchFamily="18" charset="0"/>
               </a:rPr>
-              <a:t> (</a:t>
+              <a:t>[m - 1] = </a:t>
             </a:r>
             <a:r>
               <a:rPr lang="de-DE" sz="1400" dirty="0" err="1" smtClean="0">
                 <a:latin typeface="+mn-lt"/>
                 <a:cs typeface="Times New Roman" panose="02020603050405020304" pitchFamily="18" charset="0"/>
               </a:rPr>
-              <a:t>mod</a:t>
+              <a:t>signal</a:t>
             </a:r>
             <a:r>
               <a:rPr lang="de-DE" sz="1400" dirty="0" smtClean="0">
                 <a:latin typeface="+mn-lt"/>
                 <a:cs typeface="Times New Roman" panose="02020603050405020304" pitchFamily="18" charset="0"/>
               </a:rPr>
-              <a:t> == 1) {</a:t>
-            </a:r>
-          </a:p>
-          <a:p>
+              <a:t>[last] </a:t>
+            </a:r>
             <a:r>
               <a:rPr lang="de-DE" sz="1400" dirty="0" smtClean="0">
                 <a:latin typeface="+mn-lt"/>
                 <a:cs typeface="Times New Roman" panose="02020603050405020304" pitchFamily="18" charset="0"/>
               </a:rPr>
-              <a:t>	</a:t>
+              <a:t>* </a:t>
             </a:r>
             <a:r>
               <a:rPr lang="de-DE" sz="1400" dirty="0" err="1" smtClean="0">
                 <a:latin typeface="+mn-lt"/>
                 <a:cs typeface="Times New Roman" panose="02020603050405020304" pitchFamily="18" charset="0"/>
               </a:rPr>
-              <a:t>log_M</a:t>
+              <a:t>wk</a:t>
             </a:r>
             <a:r>
               <a:rPr lang="de-DE" sz="1400" dirty="0" smtClean="0">
                 <a:latin typeface="+mn-lt"/>
                 <a:cs typeface="Times New Roman" panose="02020603050405020304" pitchFamily="18" charset="0"/>
               </a:rPr>
-              <a:t>[m - 1] = </a:t>
+              <a:t>[m - 1</a:t>
+            </a:r>
+            <a:r>
+              <a:rPr lang="de-DE" sz="1400" dirty="0" smtClean="0">
+                <a:latin typeface="+mn-lt"/>
+                <a:cs typeface="Times New Roman" panose="02020603050405020304" pitchFamily="18" charset="0"/>
+              </a:rPr>
+              <a:t>][last];</a:t>
+            </a:r>
+            <a:endParaRPr lang="de-DE" sz="1400" dirty="0" smtClean="0">
+              <a:latin typeface="+mn-lt"/>
+              <a:cs typeface="Times New Roman" panose="02020603050405020304" pitchFamily="18" charset="0"/>
+            </a:endParaRPr>
+          </a:p>
+          <a:p>
+            <a:r>
+              <a:rPr lang="de-DE" sz="1400" dirty="0" smtClean="0">
+                <a:latin typeface="+mn-lt"/>
+                <a:cs typeface="Times New Roman" panose="02020603050405020304" pitchFamily="18" charset="0"/>
+              </a:rPr>
+              <a:t>      }</a:t>
+            </a:r>
+          </a:p>
+          <a:p>
+            <a:r>
+              <a:rPr lang="de-DE" sz="1400" dirty="0" smtClean="0">
+                <a:latin typeface="+mn-lt"/>
+                <a:cs typeface="Times New Roman" panose="02020603050405020304" pitchFamily="18" charset="0"/>
+              </a:rPr>
+              <a:t>      </a:t>
             </a:r>
             <a:r>
               <a:rPr lang="de-DE" sz="1400" dirty="0" err="1" smtClean="0">
                 <a:latin typeface="+mn-lt"/>
                 <a:cs typeface="Times New Roman" panose="02020603050405020304" pitchFamily="18" charset="0"/>
               </a:rPr>
-              <a:t>signal</a:t>
+              <a:t>log_M</a:t>
             </a:r>
             <a:r>
               <a:rPr lang="de-DE" sz="1400" dirty="0" smtClean="0">
                 <a:latin typeface="+mn-lt"/>
                 <a:cs typeface="Times New Roman" panose="02020603050405020304" pitchFamily="18" charset="0"/>
               </a:rPr>
-              <a:t>[</a:t>
+              <a:t>[m - 1] += </a:t>
             </a:r>
             <a:r>
               <a:rPr lang="de-DE" sz="1400" dirty="0" err="1" smtClean="0">
                 <a:latin typeface="+mn-lt"/>
                 <a:cs typeface="Times New Roman" panose="02020603050405020304" pitchFamily="18" charset="0"/>
               </a:rPr>
-              <a:t>fedtbd</a:t>
+              <a:t>tmp</a:t>
             </a:r>
             <a:r>
               <a:rPr lang="de-DE" sz="1400" dirty="0" smtClean="0">
                 <a:latin typeface="+mn-lt"/>
                 <a:cs typeface="Times New Roman" panose="02020603050405020304" pitchFamily="18" charset="0"/>
               </a:rPr>
-              <a:t>] * </a:t>
+              <a:t>[0</a:t>
+            </a:r>
+            <a:r>
+              <a:rPr lang="de-DE" sz="1400" dirty="0" smtClean="0">
+                <a:latin typeface="+mn-lt"/>
+                <a:cs typeface="Times New Roman" panose="02020603050405020304" pitchFamily="18" charset="0"/>
+              </a:rPr>
+              <a:t>] + </a:t>
             </a:r>
             <a:r>
               <a:rPr lang="de-DE" sz="1400" dirty="0" err="1" smtClean="0">
                 <a:latin typeface="+mn-lt"/>
                 <a:cs typeface="Times New Roman" panose="02020603050405020304" pitchFamily="18" charset="0"/>
               </a:rPr>
-              <a:t>wk</a:t>
+              <a:t>tmp</a:t>
             </a:r>
             <a:r>
               <a:rPr lang="de-DE" sz="1400" dirty="0" smtClean="0">
                 <a:latin typeface="+mn-lt"/>
                 <a:cs typeface="Times New Roman" panose="02020603050405020304" pitchFamily="18" charset="0"/>
               </a:rPr>
-              <a:t>[m - 1][</a:t>
+              <a:t>[1</a:t>
+            </a:r>
+            <a:r>
+              <a:rPr lang="de-DE" sz="1400" dirty="0" smtClean="0">
+                <a:latin typeface="+mn-lt"/>
+                <a:cs typeface="Times New Roman" panose="02020603050405020304" pitchFamily="18" charset="0"/>
+              </a:rPr>
+              <a:t>] + </a:t>
             </a:r>
             <a:r>
               <a:rPr lang="de-DE" sz="1400" dirty="0" err="1" smtClean="0">
                 <a:latin typeface="+mn-lt"/>
                 <a:cs typeface="Times New Roman" panose="02020603050405020304" pitchFamily="18" charset="0"/>
               </a:rPr>
-              <a:t>fedtbd</a:t>
+              <a:t>tmp</a:t>
             </a:r>
             <a:r>
               <a:rPr lang="de-DE" sz="1400" dirty="0" smtClean="0">
                 <a:latin typeface="+mn-lt"/>
                 <a:cs typeface="Times New Roman" panose="02020603050405020304" pitchFamily="18" charset="0"/>
               </a:rPr>
-              <a:t>];</a:t>
-            </a:r>
-          </a:p>
-          <a:p>
+              <a:t>[2</a:t>
+            </a:r>
             <a:r>
               <a:rPr lang="de-DE" sz="1400" dirty="0" smtClean="0">
                 <a:latin typeface="+mn-lt"/>
                 <a:cs typeface="Times New Roman" panose="02020603050405020304" pitchFamily="18" charset="0"/>
               </a:rPr>
-              <a:t>      }</a:t>
-            </a:r>
-          </a:p>
-          <a:p>
+              <a:t>] + </a:t>
+            </a:r>
+            <a:r>
+              <a:rPr lang="de-DE" sz="1400" dirty="0" err="1" smtClean="0">
+                <a:latin typeface="+mn-lt"/>
+                <a:cs typeface="Times New Roman" panose="02020603050405020304" pitchFamily="18" charset="0"/>
+              </a:rPr>
+              <a:t>tmp</a:t>
+            </a:r>
             <a:r>
               <a:rPr lang="de-DE" sz="1400" dirty="0" smtClean="0">
                 <a:latin typeface="+mn-lt"/>
                 <a:cs typeface="Times New Roman" panose="02020603050405020304" pitchFamily="18" charset="0"/>
               </a:rPr>
-              <a:t>      </a:t>
-            </a:r>
-            <a:r>
-              <a:rPr lang="de-DE" sz="1400" dirty="0" err="1" smtClean="0">
-                <a:latin typeface="+mn-lt"/>
-                <a:cs typeface="Times New Roman" panose="02020603050405020304" pitchFamily="18" charset="0"/>
-              </a:rPr>
-              <a:t>log_M</a:t>
+              <a:t>[3</a:t>
             </a:r>
             <a:r>
               <a:rPr lang="de-DE" sz="1400" dirty="0" smtClean="0">
                 <a:latin typeface="+mn-lt"/>
                 <a:cs typeface="Times New Roman" panose="02020603050405020304" pitchFamily="18" charset="0"/>
               </a:rPr>
-              <a:t>[m - 1] += </a:t>
-            </a:r>
-            <a:r>
-              <a:rPr lang="de-DE" sz="1400" dirty="0" err="1" smtClean="0">
-                <a:latin typeface="+mn-lt"/>
-                <a:cs typeface="Times New Roman" panose="02020603050405020304" pitchFamily="18" charset="0"/>
-              </a:rPr>
-              <a:t>temp</a:t>
-            </a:r>
-            <a:r>
-              <a:rPr lang="de-DE" sz="1400" dirty="0" smtClean="0">
-                <a:latin typeface="+mn-lt"/>
-                <a:cs typeface="Times New Roman" panose="02020603050405020304" pitchFamily="18" charset="0"/>
-              </a:rPr>
-              <a:t>[0] + </a:t>
-            </a:r>
-            <a:r>
-              <a:rPr lang="de-DE" sz="1400" dirty="0" err="1" smtClean="0">
-                <a:latin typeface="+mn-lt"/>
-                <a:cs typeface="Times New Roman" panose="02020603050405020304" pitchFamily="18" charset="0"/>
-              </a:rPr>
-              <a:t>temp</a:t>
-            </a:r>
-            <a:r>
-              <a:rPr lang="de-DE" sz="1400" dirty="0" smtClean="0">
-                <a:latin typeface="+mn-lt"/>
-                <a:cs typeface="Times New Roman" panose="02020603050405020304" pitchFamily="18" charset="0"/>
-              </a:rPr>
-              <a:t>[1] + </a:t>
-            </a:r>
-            <a:r>
-              <a:rPr lang="de-DE" sz="1400" dirty="0" err="1" smtClean="0">
-                <a:latin typeface="+mn-lt"/>
-                <a:cs typeface="Times New Roman" panose="02020603050405020304" pitchFamily="18" charset="0"/>
-              </a:rPr>
-              <a:t>temp</a:t>
-            </a:r>
-            <a:r>
-              <a:rPr lang="de-DE" sz="1400" dirty="0" smtClean="0">
-                <a:latin typeface="+mn-lt"/>
-                <a:cs typeface="Times New Roman" panose="02020603050405020304" pitchFamily="18" charset="0"/>
-              </a:rPr>
-              <a:t>[2] + </a:t>
-            </a:r>
-            <a:r>
-              <a:rPr lang="de-DE" sz="1400" dirty="0" err="1" smtClean="0">
-                <a:latin typeface="+mn-lt"/>
-                <a:cs typeface="Times New Roman" panose="02020603050405020304" pitchFamily="18" charset="0"/>
-              </a:rPr>
-              <a:t>temp</a:t>
-            </a:r>
-            <a:r>
-              <a:rPr lang="de-DE" sz="1400" dirty="0" smtClean="0">
-                <a:latin typeface="+mn-lt"/>
-                <a:cs typeface="Times New Roman" panose="02020603050405020304" pitchFamily="18" charset="0"/>
-              </a:rPr>
-              <a:t>[3]+1;</a:t>
+              <a:t>]+1;</a:t>
             </a:r>
           </a:p>
           <a:p>
@@ -5762,14 +6302,14 @@
       </p:sp>
       <p:sp>
         <p:nvSpPr>
-          <p:cNvPr id="5" name="Rechteck 4"/>
+          <p:cNvPr id="8" name="Rechteck 7"/>
           <p:cNvSpPr/>
           <p:nvPr/>
         </p:nvSpPr>
         <p:spPr bwMode="auto">
           <a:xfrm>
-            <a:off x="251520" y="1700808"/>
-            <a:ext cx="3888432" cy="1728192"/>
+            <a:off x="72008" y="1628800"/>
+            <a:ext cx="4283968" cy="4775180"/>
           </a:xfrm>
           <a:prstGeom prst="rect">
             <a:avLst/>
@@ -5830,282 +6370,6 @@
       </p:sp>
       <p:sp>
         <p:nvSpPr>
-          <p:cNvPr id="2" name="Inhaltsplatzhalter 1"/>
-          <p:cNvSpPr>
-            <a:spLocks noGrp="1"/>
-          </p:cNvSpPr>
-          <p:nvPr>
-            <p:ph idx="1"/>
-          </p:nvPr>
-        </p:nvSpPr>
-        <p:spPr>
-          <a:xfrm>
-            <a:off x="179512" y="1700808"/>
-            <a:ext cx="3924746" cy="1656184"/>
-          </a:xfrm>
-        </p:spPr>
-        <p:txBody>
-          <a:bodyPr/>
-          <a:lstStyle/>
-          <a:p>
-            <a:pPr>
-              <a:buNone/>
-            </a:pPr>
-            <a:r>
-              <a:rPr lang="de-DE" sz="1400" dirty="0" err="1" smtClean="0">
-                <a:cs typeface="Times New Roman" panose="02020603050405020304" pitchFamily="18" charset="0"/>
-              </a:rPr>
-              <a:t>for</a:t>
-            </a:r>
-            <a:r>
-              <a:rPr lang="de-DE" sz="1400" dirty="0" smtClean="0">
-                <a:cs typeface="Times New Roman" panose="02020603050405020304" pitchFamily="18" charset="0"/>
-              </a:rPr>
-              <a:t> (</a:t>
-            </a:r>
-            <a:r>
-              <a:rPr lang="de-DE" sz="1400" dirty="0" err="1" smtClean="0">
-                <a:cs typeface="Times New Roman" panose="02020603050405020304" pitchFamily="18" charset="0"/>
-              </a:rPr>
-              <a:t>unsigned</a:t>
-            </a:r>
-            <a:r>
-              <a:rPr lang="de-DE" sz="1400" dirty="0" smtClean="0">
-                <a:cs typeface="Times New Roman" panose="02020603050405020304" pitchFamily="18" charset="0"/>
-              </a:rPr>
-              <a:t> </a:t>
-            </a:r>
-            <a:r>
-              <a:rPr lang="de-DE" sz="1400" dirty="0" err="1" smtClean="0">
-                <a:cs typeface="Times New Roman" panose="02020603050405020304" pitchFamily="18" charset="0"/>
-              </a:rPr>
-              <a:t>int</a:t>
-            </a:r>
-            <a:r>
-              <a:rPr lang="de-DE" sz="1400" dirty="0" smtClean="0">
-                <a:cs typeface="Times New Roman" panose="02020603050405020304" pitchFamily="18" charset="0"/>
-              </a:rPr>
-              <a:t> m = 1; m &lt;= M; m++) {</a:t>
-            </a:r>
-          </a:p>
-          <a:p>
-            <a:pPr>
-              <a:buNone/>
-            </a:pPr>
-            <a:r>
-              <a:rPr lang="de-DE" sz="1400" dirty="0" smtClean="0">
-                <a:cs typeface="Times New Roman" panose="02020603050405020304" pitchFamily="18" charset="0"/>
-              </a:rPr>
-              <a:t>	</a:t>
-            </a:r>
-            <a:r>
-              <a:rPr lang="de-DE" sz="1400" dirty="0" err="1" smtClean="0">
-                <a:cs typeface="Times New Roman" panose="02020603050405020304" pitchFamily="18" charset="0"/>
-              </a:rPr>
-              <a:t>for</a:t>
-            </a:r>
-            <a:r>
-              <a:rPr lang="de-DE" sz="1400" dirty="0" smtClean="0">
-                <a:cs typeface="Times New Roman" panose="02020603050405020304" pitchFamily="18" charset="0"/>
-              </a:rPr>
-              <a:t> (</a:t>
-            </a:r>
-            <a:r>
-              <a:rPr lang="de-DE" sz="1400" dirty="0" err="1" smtClean="0">
-                <a:cs typeface="Times New Roman" panose="02020603050405020304" pitchFamily="18" charset="0"/>
-              </a:rPr>
-              <a:t>unsigned</a:t>
-            </a:r>
-            <a:r>
-              <a:rPr lang="de-DE" sz="1400" dirty="0" smtClean="0">
-                <a:cs typeface="Times New Roman" panose="02020603050405020304" pitchFamily="18" charset="0"/>
-              </a:rPr>
-              <a:t> </a:t>
-            </a:r>
-            <a:r>
-              <a:rPr lang="de-DE" sz="1400" dirty="0" err="1" smtClean="0">
-                <a:cs typeface="Times New Roman" panose="02020603050405020304" pitchFamily="18" charset="0"/>
-              </a:rPr>
-              <a:t>int</a:t>
-            </a:r>
-            <a:r>
-              <a:rPr lang="de-DE" sz="1400" dirty="0" smtClean="0">
-                <a:cs typeface="Times New Roman" panose="02020603050405020304" pitchFamily="18" charset="0"/>
-              </a:rPr>
-              <a:t> k = </a:t>
-            </a:r>
-            <a:r>
-              <a:rPr lang="de-DE" sz="1400" dirty="0" err="1" smtClean="0">
-                <a:cs typeface="Times New Roman" panose="02020603050405020304" pitchFamily="18" charset="0"/>
-              </a:rPr>
-              <a:t>AnfangFilter</a:t>
-            </a:r>
-            <a:r>
-              <a:rPr lang="de-DE" sz="1400" dirty="0" smtClean="0">
-                <a:cs typeface="Times New Roman" panose="02020603050405020304" pitchFamily="18" charset="0"/>
-              </a:rPr>
-              <a:t>[m]; k &lt;=</a:t>
-            </a:r>
-            <a:r>
-              <a:rPr lang="de-DE" sz="1400" dirty="0" err="1" smtClean="0">
-                <a:cs typeface="Times New Roman" panose="02020603050405020304" pitchFamily="18" charset="0"/>
-              </a:rPr>
-              <a:t>EndeFilter</a:t>
-            </a:r>
-            <a:r>
-              <a:rPr lang="de-DE" sz="1400" dirty="0" smtClean="0">
-                <a:cs typeface="Times New Roman" panose="02020603050405020304" pitchFamily="18" charset="0"/>
-              </a:rPr>
-              <a:t>[m]; k++) {</a:t>
-            </a:r>
-          </a:p>
-          <a:p>
-            <a:pPr>
-              <a:buNone/>
-            </a:pPr>
-            <a:r>
-              <a:rPr lang="de-DE" sz="1400" dirty="0" smtClean="0">
-                <a:cs typeface="Times New Roman" panose="02020603050405020304" pitchFamily="18" charset="0"/>
-              </a:rPr>
-              <a:t>		</a:t>
-            </a:r>
-            <a:r>
-              <a:rPr lang="de-DE" sz="1400" dirty="0" err="1" smtClean="0">
-                <a:cs typeface="Times New Roman" panose="02020603050405020304" pitchFamily="18" charset="0"/>
-              </a:rPr>
-              <a:t>log_M</a:t>
-            </a:r>
-            <a:r>
-              <a:rPr lang="de-DE" sz="1400" dirty="0" smtClean="0">
-                <a:cs typeface="Times New Roman" panose="02020603050405020304" pitchFamily="18" charset="0"/>
-              </a:rPr>
-              <a:t>[m - 1] += </a:t>
-            </a:r>
-            <a:r>
-              <a:rPr lang="de-DE" sz="1400" dirty="0" err="1" smtClean="0">
-                <a:cs typeface="Times New Roman" panose="02020603050405020304" pitchFamily="18" charset="0"/>
-              </a:rPr>
-              <a:t>signal</a:t>
-            </a:r>
-            <a:r>
-              <a:rPr lang="de-DE" sz="1400" dirty="0" smtClean="0">
-                <a:cs typeface="Times New Roman" panose="02020603050405020304" pitchFamily="18" charset="0"/>
-              </a:rPr>
-              <a:t>[k] * </a:t>
-            </a:r>
-            <a:r>
-              <a:rPr lang="de-DE" sz="1400" dirty="0" err="1" smtClean="0">
-                <a:cs typeface="Times New Roman" panose="02020603050405020304" pitchFamily="18" charset="0"/>
-              </a:rPr>
-              <a:t>wk</a:t>
-            </a:r>
-            <a:r>
-              <a:rPr lang="de-DE" sz="1400" dirty="0" smtClean="0">
-                <a:cs typeface="Times New Roman" panose="02020603050405020304" pitchFamily="18" charset="0"/>
-              </a:rPr>
-              <a:t>[m - 1][k];</a:t>
-            </a:r>
-          </a:p>
-          <a:p>
-            <a:pPr>
-              <a:buNone/>
-            </a:pPr>
-            <a:r>
-              <a:rPr lang="de-DE" sz="1400" dirty="0" smtClean="0">
-                <a:cs typeface="Times New Roman" panose="02020603050405020304" pitchFamily="18" charset="0"/>
-              </a:rPr>
-              <a:t>	}</a:t>
-            </a:r>
-          </a:p>
-          <a:p>
-            <a:pPr>
-              <a:buNone/>
-            </a:pPr>
-            <a:r>
-              <a:rPr lang="de-DE" sz="1400" dirty="0" smtClean="0">
-                <a:cs typeface="Times New Roman" panose="02020603050405020304" pitchFamily="18" charset="0"/>
-              </a:rPr>
-              <a:t>}</a:t>
-            </a:r>
-          </a:p>
-          <a:p>
-            <a:pPr>
-              <a:buNone/>
-            </a:pPr>
-            <a:endParaRPr lang="de-DE" sz="1400" dirty="0"/>
-          </a:p>
-        </p:txBody>
-      </p:sp>
-      <p:sp>
-        <p:nvSpPr>
-          <p:cNvPr id="8" name="Rechteck 7"/>
-          <p:cNvSpPr/>
-          <p:nvPr/>
-        </p:nvSpPr>
-        <p:spPr bwMode="auto">
-          <a:xfrm>
-            <a:off x="4283968" y="1700808"/>
-            <a:ext cx="4680520" cy="4775180"/>
-          </a:xfrm>
-          <a:prstGeom prst="rect">
-            <a:avLst/>
-          </a:prstGeom>
-          <a:solidFill>
-            <a:schemeClr val="accent1">
-              <a:alpha val="0"/>
-            </a:schemeClr>
-          </a:solidFill>
-          <a:ln w="9525" cap="flat" cmpd="sng" algn="ctr">
-            <a:solidFill>
-              <a:schemeClr val="tx1"/>
-            </a:solidFill>
-            <a:prstDash val="solid"/>
-            <a:round/>
-            <a:headEnd type="none" w="med" len="med"/>
-            <a:tailEnd type="none" w="med" len="med"/>
-          </a:ln>
-          <a:effectLst/>
-        </p:spPr>
-        <p:txBody>
-          <a:bodyPr vert="horz" wrap="square" lIns="91440" tIns="45720" rIns="91440" bIns="45720" numCol="1" rtlCol="0" anchor="t" anchorCtr="0" compatLnSpc="1">
-            <a:prstTxWarp prst="textNoShape">
-              <a:avLst/>
-            </a:prstTxWarp>
-          </a:bodyPr>
-          <a:lstStyle/>
-          <a:p>
-            <a:pPr marL="0" marR="0" indent="0" algn="l" defTabSz="914400" rtl="0" eaLnBrk="0" fontAlgn="base" latinLnBrk="0" hangingPunct="0">
-              <a:lnSpc>
-                <a:spcPct val="100000"/>
-              </a:lnSpc>
-              <a:spcBef>
-                <a:spcPct val="0"/>
-              </a:spcBef>
-              <a:spcAft>
-                <a:spcPct val="0"/>
-              </a:spcAft>
-              <a:buClrTx/>
-              <a:buSzTx/>
-              <a:buFontTx/>
-              <a:buNone/>
-              <a:tabLst/>
-            </a:pPr>
-            <a:endParaRPr kumimoji="0" lang="de-DE" sz="2400" b="0" i="0" u="none" strike="noStrike" cap="none" normalizeH="0" baseline="0" smtClean="0">
-              <a:ln>
-                <a:noFill/>
-              </a:ln>
-              <a:solidFill>
-                <a:schemeClr val="tx1"/>
-              </a:solidFill>
-              <a:effectLst/>
-              <a:latin typeface="Arial" charset="0"/>
-              <a:ea typeface="ＭＳ Ｐゴシック" pitchFamily="1" charset="-128"/>
-            </a:endParaRPr>
-          </a:p>
-        </p:txBody>
-      </p:sp>
-      <p:sp>
-        <p:nvSpPr>
           <p:cNvPr id="3" name="Titel 2"/>
           <p:cNvSpPr>
             <a:spLocks noGrp="1"/>
@@ -6133,13 +6397,13 @@
       </p:sp>
       <p:sp>
         <p:nvSpPr>
-          <p:cNvPr id="9" name="Textfeld 8"/>
+          <p:cNvPr id="10" name="Textfeld 9"/>
           <p:cNvSpPr txBox="1"/>
           <p:nvPr/>
         </p:nvSpPr>
         <p:spPr>
           <a:xfrm>
-            <a:off x="683568" y="1268760"/>
+            <a:off x="864096" y="1124744"/>
             <a:ext cx="2880320" cy="461665"/>
           </a:xfrm>
           <a:prstGeom prst="rect">
@@ -6158,7 +6422,7 @@
               <a:rPr lang="de-DE" dirty="0" smtClean="0">
                 <a:latin typeface="+mn-lt"/>
               </a:rPr>
-              <a:t>Referenz-Code</a:t>
+              <a:t>Optimierter Code</a:t>
             </a:r>
             <a:endParaRPr lang="de-DE" dirty="0">
               <a:latin typeface="+mn-lt"/>
@@ -6168,14 +6432,14 @@
       </p:sp>
       <p:sp>
         <p:nvSpPr>
-          <p:cNvPr id="10" name="Textfeld 9"/>
+          <p:cNvPr id="4" name="Textfeld 3"/>
           <p:cNvSpPr txBox="1"/>
           <p:nvPr/>
         </p:nvSpPr>
         <p:spPr>
           <a:xfrm>
-            <a:off x="5076056" y="1196752"/>
-            <a:ext cx="2880320" cy="461665"/>
+            <a:off x="4355976" y="1628800"/>
+            <a:ext cx="4788024" cy="3785652"/>
           </a:xfrm>
           <a:prstGeom prst="rect">
             <a:avLst/>
@@ -6188,12 +6452,190 @@
           </a:bodyPr>
           <a:lstStyle/>
           <a:p>
-            <a:pPr algn="ctr"/>
+            <a:pPr marL="342900" indent="-342900">
+              <a:buFont typeface="Wingdings" panose="05000000000000000000" pitchFamily="2" charset="2"/>
+              <a:buChar char="§"/>
+            </a:pPr>
+            <a:r>
+              <a:rPr lang="de-DE" dirty="0" err="1" smtClean="0">
+                <a:latin typeface="+mn-lt"/>
+              </a:rPr>
+              <a:t>wn</a:t>
+            </a:r>
             <a:r>
               <a:rPr lang="de-DE" dirty="0" smtClean="0">
                 <a:latin typeface="+mn-lt"/>
               </a:rPr>
-              <a:t>Optimierter Code</a:t>
+              <a:t> = n Werte aus </a:t>
+            </a:r>
+            <a:r>
+              <a:rPr lang="de-DE" dirty="0" err="1" smtClean="0">
+                <a:latin typeface="+mn-lt"/>
+              </a:rPr>
+              <a:t>wk</a:t>
+            </a:r>
+            <a:r>
+              <a:rPr lang="de-DE" dirty="0" smtClean="0">
+                <a:latin typeface="+mn-lt"/>
+              </a:rPr>
+              <a:t>[m-1][n]</a:t>
+            </a:r>
+          </a:p>
+          <a:p>
+            <a:pPr marL="342900" indent="-342900">
+              <a:buFont typeface="Wingdings" panose="05000000000000000000" pitchFamily="2" charset="2"/>
+              <a:buChar char="§"/>
+            </a:pPr>
+            <a:r>
+              <a:rPr lang="de-DE" dirty="0" err="1" smtClean="0">
+                <a:latin typeface="+mn-lt"/>
+              </a:rPr>
+              <a:t>s</a:t>
+            </a:r>
+            <a:r>
+              <a:rPr lang="de-DE" dirty="0" err="1" smtClean="0">
+                <a:latin typeface="+mn-lt"/>
+              </a:rPr>
+              <a:t>n</a:t>
+            </a:r>
+            <a:r>
+              <a:rPr lang="de-DE" dirty="0" smtClean="0">
+                <a:latin typeface="+mn-lt"/>
+              </a:rPr>
+              <a:t> =</a:t>
+            </a:r>
+            <a:r>
+              <a:rPr lang="de-DE" dirty="0" smtClean="0">
+                <a:latin typeface="+mn-lt"/>
+              </a:rPr>
+              <a:t> n Werte aus </a:t>
+            </a:r>
+            <a:r>
+              <a:rPr lang="de-DE" dirty="0" err="1" smtClean="0">
+                <a:latin typeface="+mn-lt"/>
+              </a:rPr>
+              <a:t>signal</a:t>
+            </a:r>
+            <a:r>
+              <a:rPr lang="de-DE" dirty="0" smtClean="0">
+                <a:latin typeface="+mn-lt"/>
+              </a:rPr>
+              <a:t>[n]</a:t>
+            </a:r>
+          </a:p>
+          <a:p>
+            <a:pPr marL="342900" indent="-342900">
+              <a:buFont typeface="Wingdings" panose="05000000000000000000" pitchFamily="2" charset="2"/>
+              <a:buChar char="§"/>
+            </a:pPr>
+            <a:r>
+              <a:rPr lang="de-DE" dirty="0" err="1" smtClean="0">
+                <a:latin typeface="+mn-lt"/>
+              </a:rPr>
+              <a:t>r</a:t>
+            </a:r>
+            <a:r>
+              <a:rPr lang="de-DE" dirty="0" err="1" smtClean="0">
+                <a:latin typeface="+mn-lt"/>
+              </a:rPr>
+              <a:t>n</a:t>
+            </a:r>
+            <a:r>
+              <a:rPr lang="de-DE" dirty="0" smtClean="0">
+                <a:latin typeface="+mn-lt"/>
+              </a:rPr>
+              <a:t> = n Ergebniswerte</a:t>
+            </a:r>
+          </a:p>
+          <a:p>
+            <a:pPr marL="342900" indent="-342900">
+              <a:buFont typeface="Wingdings" panose="05000000000000000000" pitchFamily="2" charset="2"/>
+              <a:buChar char="§"/>
+            </a:pPr>
+            <a:r>
+              <a:rPr lang="de-DE" dirty="0" smtClean="0">
+                <a:latin typeface="+mn-lt"/>
+              </a:rPr>
+              <a:t>t</a:t>
+            </a:r>
+            <a:r>
+              <a:rPr lang="de-DE" dirty="0" smtClean="0">
+                <a:latin typeface="+mn-lt"/>
+              </a:rPr>
+              <a:t>2 = 2 Werte aus </a:t>
+            </a:r>
+            <a:r>
+              <a:rPr lang="de-DE" dirty="0" err="1" smtClean="0">
+                <a:latin typeface="+mn-lt"/>
+              </a:rPr>
+              <a:t>tmp</a:t>
+            </a:r>
+            <a:r>
+              <a:rPr lang="de-DE" dirty="0" smtClean="0">
+                <a:latin typeface="+mn-lt"/>
+              </a:rPr>
+              <a:t>[n]</a:t>
+            </a:r>
+          </a:p>
+          <a:p>
+            <a:pPr marL="342900" indent="-342900">
+              <a:buFont typeface="Wingdings" panose="05000000000000000000" pitchFamily="2" charset="2"/>
+              <a:buChar char="§"/>
+            </a:pPr>
+            <a:endParaRPr lang="de-DE" dirty="0" smtClean="0">
+              <a:latin typeface="+mn-lt"/>
+            </a:endParaRPr>
+          </a:p>
+          <a:p>
+            <a:pPr marL="342900" indent="-342900">
+              <a:buFont typeface="Wingdings" panose="05000000000000000000" pitchFamily="2" charset="2"/>
+              <a:buChar char="§"/>
+            </a:pPr>
+            <a:r>
+              <a:rPr lang="de-DE" dirty="0" smtClean="0">
+                <a:latin typeface="+mn-lt"/>
+              </a:rPr>
+              <a:t>Verwendung von SIMD-</a:t>
+            </a:r>
+            <a:r>
+              <a:rPr lang="de-DE" dirty="0" err="1" smtClean="0">
+                <a:latin typeface="+mn-lt"/>
+              </a:rPr>
+              <a:t>Instrinsics</a:t>
+            </a:r>
+            <a:endParaRPr lang="de-DE" dirty="0" smtClean="0">
+              <a:latin typeface="+mn-lt"/>
+            </a:endParaRPr>
+          </a:p>
+          <a:p>
+            <a:pPr marL="342900" indent="-342900">
+              <a:buFont typeface="Wingdings" panose="05000000000000000000" pitchFamily="2" charset="2"/>
+              <a:buChar char="§"/>
+            </a:pPr>
+            <a:r>
+              <a:rPr lang="de-DE" dirty="0" smtClean="0">
+                <a:latin typeface="+mn-lt"/>
+              </a:rPr>
+              <a:t>Aufbrechen der Schleife in drei Teile</a:t>
+            </a:r>
+          </a:p>
+          <a:p>
+            <a:pPr marL="342900" indent="-342900">
+              <a:buFont typeface="Wingdings" panose="05000000000000000000" pitchFamily="2" charset="2"/>
+              <a:buChar char="§"/>
+            </a:pPr>
+            <a:endParaRPr lang="de-DE" dirty="0" smtClean="0">
+              <a:latin typeface="+mn-lt"/>
+            </a:endParaRPr>
+          </a:p>
+          <a:p>
+            <a:pPr marL="342900" indent="-342900"/>
+            <a:r>
+              <a:rPr lang="de-DE" dirty="0" smtClean="0">
+                <a:latin typeface="+mn-lt"/>
+                <a:sym typeface="Wingdings" pitchFamily="2" charset="2"/>
+              </a:rPr>
+              <a:t> Beschleunigung um den Faktor 1,9</a:t>
             </a:r>
             <a:endParaRPr lang="de-DE" dirty="0">
               <a:latin typeface="+mn-lt"/>
@@ -6203,120 +6645,27 @@
       </p:sp>
       <p:sp>
         <p:nvSpPr>
-          <p:cNvPr id="4" name="Textfeld 3"/>
-          <p:cNvSpPr txBox="1"/>
-          <p:nvPr/>
+          <p:cNvPr id="11" name="Inhaltsplatzhalter 10" hidden="1"/>
+          <p:cNvSpPr>
+            <a:spLocks noGrp="1"/>
+          </p:cNvSpPr>
+          <p:nvPr>
+            <p:ph idx="1"/>
+          </p:nvPr>
         </p:nvSpPr>
-        <p:spPr>
-          <a:xfrm>
-            <a:off x="251520" y="3429000"/>
-            <a:ext cx="3888432" cy="3170099"/>
-          </a:xfrm>
-          <a:prstGeom prst="rect">
-            <a:avLst/>
-          </a:prstGeom>
-          <a:noFill/>
-        </p:spPr>
+        <p:spPr/>
         <p:txBody>
-          <a:bodyPr wrap="square" rtlCol="0">
-            <a:spAutoFit/>
-          </a:bodyPr>
+          <a:bodyPr/>
           <a:lstStyle/>
           <a:p>
-            <a:pPr marL="342900" indent="-342900">
-              <a:buFont typeface="Wingdings" panose="05000000000000000000" pitchFamily="2" charset="2"/>
-              <a:buChar char="§"/>
-            </a:pPr>
-            <a:r>
-              <a:rPr lang="de-DE" dirty="0">
-                <a:latin typeface="+mn-lt"/>
-              </a:rPr>
-              <a:t>D</a:t>
-            </a:r>
-            <a:r>
-              <a:rPr lang="de-DE" dirty="0" smtClean="0">
-                <a:latin typeface="+mn-lt"/>
-              </a:rPr>
-              <a:t>rei Abschnitte:</a:t>
-            </a:r>
-          </a:p>
-          <a:p>
-            <a:pPr marL="914400" lvl="1" indent="-457200">
-              <a:buFont typeface="+mj-lt"/>
-              <a:buAutoNum type="arabicPeriod"/>
-            </a:pPr>
-            <a:r>
-              <a:rPr lang="de-DE" dirty="0" smtClean="0">
-                <a:latin typeface="+mn-lt"/>
-              </a:rPr>
-              <a:t>4 Parallele Operationen</a:t>
-            </a:r>
-          </a:p>
-          <a:p>
-            <a:pPr marL="914400" lvl="1" indent="-457200">
-              <a:buFont typeface="+mj-lt"/>
-              <a:buAutoNum type="arabicPeriod"/>
-            </a:pPr>
-            <a:r>
-              <a:rPr lang="de-DE" dirty="0" smtClean="0">
-                <a:latin typeface="+mn-lt"/>
-              </a:rPr>
-              <a:t>2 Parallele Operationen</a:t>
-            </a:r>
-          </a:p>
-          <a:p>
-            <a:pPr marL="914400" lvl="1" indent="-457200">
-              <a:buFont typeface="+mj-lt"/>
-              <a:buAutoNum type="arabicPeriod"/>
-            </a:pPr>
-            <a:r>
-              <a:rPr lang="de-DE" dirty="0" smtClean="0">
-                <a:latin typeface="+mn-lt"/>
-              </a:rPr>
-              <a:t>1 Operation</a:t>
-            </a:r>
-          </a:p>
-          <a:p>
-            <a:pPr marL="342900" indent="-342900">
-              <a:buFont typeface="Wingdings" panose="05000000000000000000" pitchFamily="2" charset="2"/>
-              <a:buChar char="§"/>
-            </a:pPr>
-            <a:r>
-              <a:rPr lang="de-DE" dirty="0" smtClean="0">
-                <a:latin typeface="+mn-lt"/>
-              </a:rPr>
-              <a:t>Aufsummierung der Einzelergebnisse</a:t>
-            </a:r>
-          </a:p>
-          <a:p>
-            <a:endParaRPr lang="de-DE" sz="800" dirty="0" smtClean="0">
-              <a:latin typeface="+mn-lt"/>
-            </a:endParaRPr>
-          </a:p>
-          <a:p>
-            <a:r>
-              <a:rPr lang="de-DE" dirty="0" smtClean="0">
-                <a:latin typeface="+mn-lt"/>
-                <a:sym typeface="Wingdings" panose="05000000000000000000" pitchFamily="2" charset="2"/>
-              </a:rPr>
-              <a:t></a:t>
-            </a:r>
-            <a:r>
-              <a:rPr lang="de-DE" dirty="0" smtClean="0">
-                <a:latin typeface="+mn-lt"/>
-              </a:rPr>
-              <a:t>Beschleunigung um Faktor 1,9</a:t>
-            </a:r>
-            <a:endParaRPr lang="de-DE" dirty="0">
-              <a:latin typeface="+mn-lt"/>
-            </a:endParaRPr>
+            <a:endParaRPr lang="de-DE" dirty="0"/>
           </a:p>
         </p:txBody>
       </p:sp>
     </p:spTree>
     <p:extLst>
       <p:ext uri="{BB962C8B-B14F-4D97-AF65-F5344CB8AC3E}">
-        <p14:creationId xmlns:p14="http://schemas.microsoft.com/office/powerpoint/2010/main" xmlns="" val="1423733875"/>
+        <p14:creationId xmlns="" xmlns:p14="http://schemas.microsoft.com/office/powerpoint/2010/main" val="1423733875"/>
       </p:ext>
     </p:extLst>
   </p:cSld>
@@ -6505,37 +6854,6 @@
                                   </p:childTnLst>
                                 </p:cTn>
                               </p:par>
-                              <p:par>
-                                <p:cTn id="17" presetID="1" presetClass="entr" presetSubtype="0" fill="hold" nodeType="withEffect">
-                                  <p:stCondLst>
-                                    <p:cond delay="0"/>
-                                  </p:stCondLst>
-                                  <p:childTnLst>
-                                    <p:set>
-                                      <p:cBhvr>
-                                        <p:cTn id="18" dur="1" fill="hold">
-                                          <p:stCondLst>
-                                            <p:cond delay="0"/>
-                                          </p:stCondLst>
-                                        </p:cTn>
-                                        <p:tgtEl>
-                                          <p:spTgt spid="4">
-                                            <p:txEl>
-                                              <p:pRg st="1" end="1"/>
-                                            </p:txEl>
-                                          </p:spTgt>
-                                        </p:tgtEl>
-                                        <p:attrNameLst>
-                                          <p:attrName>style.visibility</p:attrName>
-                                        </p:attrNameLst>
-                                      </p:cBhvr>
-                                      <p:to>
-                                        <p:strVal val="visible"/>
-                                      </p:to>
-                                    </p:set>
-                                  </p:childTnLst>
-                                </p:cTn>
-                              </p:par>
                             </p:childTnLst>
                           </p:cTn>
                         </p:par>
@@ -6543,19 +6861,46 @@
                     </p:cTn>
                   </p:par>
                   <p:par>
-                    <p:cTn id="19" fill="hold">
+                    <p:cTn id="17" fill="hold">
                       <p:stCondLst>
                         <p:cond delay="indefinite"/>
                       </p:stCondLst>
                       <p:childTnLst>
                         <p:par>
-                          <p:cTn id="20" fill="hold">
+                          <p:cTn id="18" fill="hold">
                             <p:stCondLst>
                               <p:cond delay="0"/>
                             </p:stCondLst>
                             <p:childTnLst>
                               <p:par>
-                                <p:cTn id="21" presetID="3" presetClass="emph" presetSubtype="2" fill="hold" nodeType="clickEffect">
+                                <p:cTn id="19" presetID="3" presetClass="emph" presetSubtype="2" fill="hold" nodeType="clickEffect">
+                                  <p:stCondLst>
+                                    <p:cond delay="0"/>
+                                  </p:stCondLst>
+                                  <p:childTnLst>
+                                    <p:animClr clrSpc="rgb" dir="cw">
+                                      <p:cBhvr override="childStyle">
+                                        <p:cTn id="20" dur="10" fill="hold"/>
+                                        <p:tgtEl>
+                                          <p:spTgt spid="6">
+                                            <p:txEl>
+                                              <p:pRg st="4" end="4"/>
+                                            </p:txEl>
+                                          </p:spTgt>
+                                        </p:tgtEl>
+                                        <p:attrNameLst>
+                                          <p:attrName>style.color</p:attrName>
+                                        </p:attrNameLst>
+                                      </p:cBhvr>
+                                      <p:to>
+                                        <a:srgbClr val="000000"/>
+                                      </p:to>
+                                    </p:animClr>
+                                  </p:childTnLst>
+                                </p:cTn>
+                              </p:par>
+                              <p:par>
+                                <p:cTn id="21" presetID="3" presetClass="emph" presetSubtype="2" fill="hold" nodeType="withEffect">
                                   <p:stCondLst>
                                     <p:cond delay="0"/>
                                   </p:stCondLst>
@@ -6566,7 +6911,7 @@
                                         <p:tgtEl>
                                           <p:spTgt spid="6">
                                             <p:txEl>
-                                              <p:pRg st="4" end="4"/>
+                                              <p:pRg st="5" end="5"/>
                                             </p:txEl>
                                           </p:spTgt>
                                         </p:tgtEl>
@@ -6593,7 +6938,7 @@
                                         <p:tgtEl>
                                           <p:spTgt spid="6">
                                             <p:txEl>
-                                              <p:pRg st="5" end="5"/>
+                                              <p:pRg st="6" end="6"/>
                                             </p:txEl>
                                           </p:spTgt>
                                         </p:tgtEl>
@@ -6620,7 +6965,7 @@
                                         <p:tgtEl>
                                           <p:spTgt spid="6">
                                             <p:txEl>
-                                              <p:pRg st="6" end="6"/>
+                                              <p:pRg st="7" end="7"/>
                                             </p:txEl>
                                           </p:spTgt>
                                         </p:tgtEl>
@@ -6647,7 +6992,7 @@
                                         <p:tgtEl>
                                           <p:spTgt spid="6">
                                             <p:txEl>
-                                              <p:pRg st="7" end="7"/>
+                                              <p:pRg st="8" end="8"/>
                                             </p:txEl>
                                           </p:spTgt>
                                         </p:tgtEl>
@@ -6674,7 +7019,7 @@
                                         <p:tgtEl>
                                           <p:spTgt spid="6">
                                             <p:txEl>
-                                              <p:pRg st="8" end="8"/>
+                                              <p:pRg st="9" end="9"/>
                                             </p:txEl>
                                           </p:spTgt>
                                         </p:tgtEl>
@@ -6701,7 +7046,7 @@
                                         <p:tgtEl>
                                           <p:spTgt spid="6">
                                             <p:txEl>
-                                              <p:pRg st="9" end="9"/>
+                                              <p:pRg st="11" end="11"/>
                                             </p:txEl>
                                           </p:spTgt>
                                         </p:tgtEl>
@@ -6710,7 +7055,7 @@
                                         </p:attrNameLst>
                                       </p:cBhvr>
                                       <p:to>
-                                        <a:srgbClr val="000000"/>
+                                        <a:srgbClr val="7030A0"/>
                                       </p:to>
                                     </p:animClr>
                                   </p:childTnLst>
@@ -6728,7 +7073,7 @@
                                         <p:tgtEl>
                                           <p:spTgt spid="6">
                                             <p:txEl>
-                                              <p:pRg st="11" end="11"/>
+                                              <p:pRg st="12" end="12"/>
                                             </p:txEl>
                                           </p:spTgt>
                                         </p:tgtEl>
@@ -6755,7 +7100,7 @@
                                         <p:tgtEl>
                                           <p:spTgt spid="6">
                                             <p:txEl>
-                                              <p:pRg st="12" end="12"/>
+                                              <p:pRg st="13" end="13"/>
                                             </p:txEl>
                                           </p:spTgt>
                                         </p:tgtEl>
@@ -6782,7 +7127,7 @@
                                         <p:tgtEl>
                                           <p:spTgt spid="6">
                                             <p:txEl>
-                                              <p:pRg st="13" end="13"/>
+                                              <p:pRg st="14" end="14"/>
                                             </p:txEl>
                                           </p:spTgt>
                                         </p:tgtEl>
@@ -6809,7 +7154,7 @@
                                         <p:tgtEl>
                                           <p:spTgt spid="6">
                                             <p:txEl>
-                                              <p:pRg st="14" end="14"/>
+                                              <p:pRg st="15" end="15"/>
                                             </p:txEl>
                                           </p:spTgt>
                                         </p:tgtEl>
@@ -6836,33 +7181,6 @@
                                         <p:tgtEl>
                                           <p:spTgt spid="6">
                                             <p:txEl>
-                                              <p:pRg st="15" end="15"/>
-                                            </p:txEl>
-                                          </p:spTgt>
-                                        </p:tgtEl>
-                                        <p:attrNameLst>
-                                          <p:attrName>style.color</p:attrName>
-                                        </p:attrNameLst>
-                                      </p:cBhvr>
-                                      <p:to>
-                                        <a:srgbClr val="7030A0"/>
-                                      </p:to>
-                                    </p:animClr>
-                                  </p:childTnLst>
-                                </p:cTn>
-                              </p:par>
-                              <p:par>
-                                <p:cTn id="43" presetID="3" presetClass="emph" presetSubtype="2" fill="hold" nodeType="withEffect">
-                                  <p:stCondLst>
-                                    <p:cond delay="0"/>
-                                  </p:stCondLst>
-                                  <p:childTnLst>
-                                    <p:animClr clrSpc="rgb" dir="cw">
-                                      <p:cBhvr override="childStyle">
-                                        <p:cTn id="44" dur="10" fill="hold"/>
-                                        <p:tgtEl>
-                                          <p:spTgt spid="6">
-                                            <p:txEl>
                                               <p:pRg st="16" end="16"/>
                                             </p:txEl>
                                           </p:spTgt>
@@ -6878,34 +7196,48 @@
                                   </p:childTnLst>
                                 </p:cTn>
                               </p:par>
+                            </p:childTnLst>
+                          </p:cTn>
+                        </p:par>
+                      </p:childTnLst>
+                    </p:cTn>
+                  </p:par>
+                  <p:par>
+                    <p:cTn id="43" fill="hold">
+                      <p:stCondLst>
+                        <p:cond delay="indefinite"/>
+                      </p:stCondLst>
+                      <p:childTnLst>
+                        <p:par>
+                          <p:cTn id="44" fill="hold">
+                            <p:stCondLst>
+                              <p:cond delay="0"/>
+                            </p:stCondLst>
+                            <p:childTnLst>
                               <p:par>
-                                <p:cTn id="45" presetID="1" presetClass="entr" presetSubtype="0" fill="hold" nodeType="withEffect">
+                                <p:cTn id="45" presetID="3" presetClass="emph" presetSubtype="2" fill="hold" nodeType="clickEffect">
                                   <p:stCondLst>
                                     <p:cond delay="0"/>
                                   </p:stCondLst>
                                   <p:childTnLst>
-                                    <p:set>
-                                      <p:cBhvr>
-                                        <p:cTn id="46" dur="1" fill="hold">
-                                          <p:stCondLst>
-                                            <p:cond delay="0"/>
-                                          </p:stCondLst>
-                                        </p:cTn>
+                                    <p:animClr clrSpc="rgb" dir="cw">
+                                      <p:cBhvr override="childStyle">
+                                        <p:cTn id="46" dur="10" fill="hold"/>
                                         <p:tgtEl>
-                                          <p:spTgt spid="4">
+                                          <p:spTgt spid="6">
                                             <p:txEl>
-                                              <p:pRg st="2" end="2"/>
+                                              <p:pRg st="11" end="11"/>
                                             </p:txEl>
                                           </p:spTgt>
                                         </p:tgtEl>
                                         <p:attrNameLst>
-                                          <p:attrName>style.visibility</p:attrName>
+                                          <p:attrName>style.color</p:attrName>
                                         </p:attrNameLst>
                                       </p:cBhvr>
                                       <p:to>
-                                        <p:strVal val="visible"/>
+                                        <a:srgbClr val="000000"/>
                                       </p:to>
-                                    </p:set>
+                                    </p:animClr>
                                   </p:childTnLst>
                                 </p:cTn>
                               </p:par>
@@ -6939,7 +7271,7 @@
                                         <p:tgtEl>
                                           <p:spTgt spid="6">
                                             <p:txEl>
-                                              <p:pRg st="11" end="11"/>
+                                              <p:pRg st="12" end="12"/>
                                             </p:txEl>
                                           </p:spTgt>
                                         </p:tgtEl>
@@ -6954,26 +7286,35 @@
                                   </p:childTnLst>
                                 </p:cTn>
                               </p:par>
-                            </p:childTnLst>
-                          </p:cTn>
-                        </p:par>
-                      </p:childTnLst>
-                    </p:cTn>
-                  </p:par>
-                  <p:par>
-                    <p:cTn id="51" fill="hold">
-                      <p:stCondLst>
-                        <p:cond delay="indefinite"/>
-                      </p:stCondLst>
-                      <p:childTnLst>
-                        <p:par>
-                          <p:cTn id="52" fill="hold">
-                            <p:stCondLst>
-                              <p:cond delay="0"/>
-                            </p:stCondLst>
-                            <p:childTnLst>
                               <p:par>
-                                <p:cTn id="53" presetID="3" presetClass="emph" presetSubtype="2" fill="hold" nodeType="clickEffect">
+                                <p:cTn id="51" presetID="3" presetClass="emph" presetSubtype="2" fill="hold" nodeType="withEffect">
+                                  <p:stCondLst>
+                                    <p:cond delay="0"/>
+                                  </p:stCondLst>
+                                  <p:childTnLst>
+                                    <p:animClr clrSpc="rgb" dir="cw">
+                                      <p:cBhvr override="childStyle">
+                                        <p:cTn id="52" dur="10" fill="hold"/>
+                                        <p:tgtEl>
+                                          <p:spTgt spid="6">
+                                            <p:txEl>
+                                              <p:pRg st="13" end="13"/>
+                                            </p:txEl>
+                                          </p:spTgt>
+                                        </p:tgtEl>
+                                        <p:attrNameLst>
+                                          <p:attrName>style.color</p:attrName>
+                                        </p:attrNameLst>
+                                      </p:cBhvr>
+                                      <p:to>
+                                        <a:srgbClr val="000000"/>
+                                      </p:to>
+                                    </p:animClr>
+                                  </p:childTnLst>
+                                </p:cTn>
+                              </p:par>
+                              <p:par>
+                                <p:cTn id="53" presetID="3" presetClass="emph" presetSubtype="2" fill="hold" nodeType="withEffect">
                                   <p:stCondLst>
                                     <p:cond delay="0"/>
                                   </p:stCondLst>
@@ -6984,7 +7325,7 @@
                                         <p:tgtEl>
                                           <p:spTgt spid="6">
                                             <p:txEl>
-                                              <p:pRg st="12" end="12"/>
+                                              <p:pRg st="14" end="14"/>
                                             </p:txEl>
                                           </p:spTgt>
                                         </p:tgtEl>
@@ -7011,7 +7352,7 @@
                                         <p:tgtEl>
                                           <p:spTgt spid="6">
                                             <p:txEl>
-                                              <p:pRg st="13" end="13"/>
+                                              <p:pRg st="15" end="15"/>
                                             </p:txEl>
                                           </p:spTgt>
                                         </p:tgtEl>
@@ -7038,7 +7379,7 @@
                                         <p:tgtEl>
                                           <p:spTgt spid="6">
                                             <p:txEl>
-                                              <p:pRg st="14" end="14"/>
+                                              <p:pRg st="16" end="16"/>
                                             </p:txEl>
                                           </p:spTgt>
                                         </p:tgtEl>
@@ -7065,60 +7406,6 @@
                                         <p:tgtEl>
                                           <p:spTgt spid="6">
                                             <p:txEl>
-                                              <p:pRg st="15" end="15"/>
-                                            </p:txEl>
-                                          </p:spTgt>
-                                        </p:tgtEl>
-                                        <p:attrNameLst>
-                                          <p:attrName>style.color</p:attrName>
-                                        </p:attrNameLst>
-                                      </p:cBhvr>
-                                      <p:to>
-                                        <a:srgbClr val="000000"/>
-                                      </p:to>
-                                    </p:animClr>
-                                  </p:childTnLst>
-                                </p:cTn>
-                              </p:par>
-                              <p:par>
-                                <p:cTn id="61" presetID="3" presetClass="emph" presetSubtype="2" fill="hold" nodeType="withEffect">
-                                  <p:stCondLst>
-                                    <p:cond delay="0"/>
-                                  </p:stCondLst>
-                                  <p:childTnLst>
-                                    <p:animClr clrSpc="rgb" dir="cw">
-                                      <p:cBhvr override="childStyle">
-                                        <p:cTn id="62" dur="10" fill="hold"/>
-                                        <p:tgtEl>
-                                          <p:spTgt spid="6">
-                                            <p:txEl>
-                                              <p:pRg st="16" end="16"/>
-                                            </p:txEl>
-                                          </p:spTgt>
-                                        </p:tgtEl>
-                                        <p:attrNameLst>
-                                          <p:attrName>style.color</p:attrName>
-                                        </p:attrNameLst>
-                                      </p:cBhvr>
-                                      <p:to>
-                                        <a:srgbClr val="000000"/>
-                                      </p:to>
-                                    </p:animClr>
-                                  </p:childTnLst>
-                                </p:cTn>
-                              </p:par>
-                              <p:par>
-                                <p:cTn id="63" presetID="3" presetClass="emph" presetSubtype="2" fill="hold" nodeType="withEffect">
-                                  <p:stCondLst>
-                                    <p:cond delay="0"/>
-                                  </p:stCondLst>
-                                  <p:childTnLst>
-                                    <p:animClr clrSpc="rgb" dir="cw">
-                                      <p:cBhvr override="childStyle">
-                                        <p:cTn id="64" dur="10" fill="hold"/>
-                                        <p:tgtEl>
-                                          <p:spTgt spid="6">
-                                            <p:txEl>
                                               <p:pRg st="17" end="17"/>
                                             </p:txEl>
                                           </p:spTgt>
@@ -7135,14 +7422,14 @@
                                 </p:cTn>
                               </p:par>
                               <p:par>
-                                <p:cTn id="65" presetID="3" presetClass="emph" presetSubtype="2" fill="hold" nodeType="withEffect">
+                                <p:cTn id="61" presetID="3" presetClass="emph" presetSubtype="2" fill="hold" nodeType="withEffect">
                                   <p:stCondLst>
                                     <p:cond delay="0"/>
                                   </p:stCondLst>
                                   <p:childTnLst>
                                     <p:animClr clrSpc="rgb" dir="cw">
                                       <p:cBhvr override="childStyle">
-                                        <p:cTn id="66" dur="10" fill="hold"/>
+                                        <p:cTn id="62" dur="10" fill="hold"/>
                                         <p:tgtEl>
                                           <p:spTgt spid="6">
                                             <p:txEl>
@@ -7162,14 +7449,14 @@
                                 </p:cTn>
                               </p:par>
                               <p:par>
-                                <p:cTn id="67" presetID="3" presetClass="emph" presetSubtype="2" fill="hold" nodeType="withEffect">
+                                <p:cTn id="63" presetID="3" presetClass="emph" presetSubtype="2" fill="hold" nodeType="withEffect">
                                   <p:stCondLst>
                                     <p:cond delay="0"/>
                                   </p:stCondLst>
                                   <p:childTnLst>
                                     <p:animClr clrSpc="rgb" dir="cw">
                                       <p:cBhvr override="childStyle">
-                                        <p:cTn id="68" dur="10" fill="hold"/>
+                                        <p:cTn id="64" dur="10" fill="hold"/>
                                         <p:tgtEl>
                                           <p:spTgt spid="6">
                                             <p:txEl>
@@ -7188,37 +7475,6 @@
                                   </p:childTnLst>
                                 </p:cTn>
                               </p:par>
-                              <p:par>
-                                <p:cTn id="69" presetID="1" presetClass="entr" presetSubtype="0" fill="hold" nodeType="withEffect">
-                                  <p:stCondLst>
-                                    <p:cond delay="0"/>
-                                  </p:stCondLst>
-                                  <p:childTnLst>
-                                    <p:set>
-                                      <p:cBhvr>
-                                        <p:cTn id="70" dur="1" fill="hold">
-                                          <p:stCondLst>
-                                            <p:cond delay="0"/>
-                                          </p:stCondLst>
-                                        </p:cTn>
-                                        <p:tgtEl>
-                                          <p:spTgt spid="4">
-                                            <p:txEl>
-                                              <p:pRg st="3" end="3"/>
-                                            </p:txEl>
-                                          </p:spTgt>
-                                        </p:tgtEl>
-                                        <p:attrNameLst>
-                                          <p:attrName>style.visibility</p:attrName>
-                                        </p:attrNameLst>
-                                      </p:cBhvr>
-                                      <p:to>
-                                        <p:strVal val="visible"/>
-                                      </p:to>
-                                    </p:set>
-                                  </p:childTnLst>
-                                </p:cTn>
-                              </p:par>
                             </p:childTnLst>
                           </p:cTn>
                         </p:par>
@@ -7226,26 +7482,26 @@
                     </p:cTn>
                   </p:par>
                   <p:par>
-                    <p:cTn id="71" fill="hold">
+                    <p:cTn id="65" fill="hold">
                       <p:stCondLst>
                         <p:cond delay="indefinite"/>
                       </p:stCondLst>
                       <p:childTnLst>
                         <p:par>
-                          <p:cTn id="72" fill="hold">
+                          <p:cTn id="66" fill="hold">
                             <p:stCondLst>
                               <p:cond delay="0"/>
                             </p:stCondLst>
                             <p:childTnLst>
                               <p:par>
-                                <p:cTn id="73" presetID="3" presetClass="emph" presetSubtype="2" fill="hold" nodeType="clickEffect">
+                                <p:cTn id="67" presetID="3" presetClass="emph" presetSubtype="2" fill="hold" nodeType="clickEffect">
                                   <p:stCondLst>
                                     <p:cond delay="0"/>
                                   </p:stCondLst>
                                   <p:childTnLst>
                                     <p:animClr clrSpc="rgb" dir="cw">
                                       <p:cBhvr override="childStyle">
-                                        <p:cTn id="74" dur="10" fill="hold"/>
+                                        <p:cTn id="68" dur="10" fill="hold"/>
                                         <p:tgtEl>
                                           <p:spTgt spid="6">
                                             <p:txEl>
@@ -7265,14 +7521,14 @@
                                 </p:cTn>
                               </p:par>
                               <p:par>
-                                <p:cTn id="75" presetID="3" presetClass="emph" presetSubtype="2" fill="hold" nodeType="withEffect">
+                                <p:cTn id="69" presetID="3" presetClass="emph" presetSubtype="2" fill="hold" nodeType="withEffect">
                                   <p:stCondLst>
                                     <p:cond delay="0"/>
                                   </p:stCondLst>
                                   <p:childTnLst>
                                     <p:animClr clrSpc="rgb" dir="cw">
                                       <p:cBhvr override="childStyle">
-                                        <p:cTn id="76" dur="10" fill="hold"/>
+                                        <p:cTn id="70" dur="10" fill="hold"/>
                                         <p:tgtEl>
                                           <p:spTgt spid="6">
                                             <p:txEl>
@@ -7292,14 +7548,14 @@
                                 </p:cTn>
                               </p:par>
                               <p:par>
-                                <p:cTn id="77" presetID="3" presetClass="emph" presetSubtype="2" fill="hold" nodeType="withEffect">
+                                <p:cTn id="71" presetID="3" presetClass="emph" presetSubtype="2" fill="hold" nodeType="withEffect">
                                   <p:stCondLst>
                                     <p:cond delay="0"/>
                                   </p:stCondLst>
                                   <p:childTnLst>
                                     <p:animClr clrSpc="rgb" dir="cw">
                                       <p:cBhvr override="childStyle">
-                                        <p:cTn id="78" dur="10" fill="hold"/>
+                                        <p:cTn id="72" dur="10" fill="hold"/>
                                         <p:tgtEl>
                                           <p:spTgt spid="6">
                                             <p:txEl>
@@ -7319,14 +7575,14 @@
                                 </p:cTn>
                               </p:par>
                               <p:par>
-                                <p:cTn id="79" presetID="3" presetClass="emph" presetSubtype="2" fill="hold" nodeType="withEffect">
+                                <p:cTn id="73" presetID="3" presetClass="emph" presetSubtype="2" fill="hold" nodeType="withEffect">
                                   <p:stCondLst>
                                     <p:cond delay="0"/>
                                   </p:stCondLst>
                                   <p:childTnLst>
                                     <p:animClr clrSpc="rgb" dir="cw">
                                       <p:cBhvr override="childStyle">
-                                        <p:cTn id="80" dur="10" fill="hold"/>
+                                        <p:cTn id="74" dur="10" fill="hold"/>
                                         <p:tgtEl>
                                           <p:spTgt spid="6">
                                             <p:txEl>
@@ -7342,86 +7598,6 @@
                                         <a:srgbClr val="7030A0"/>
                                       </p:to>
                                     </p:animClr>
-                                  </p:childTnLst>
-                                </p:cTn>
-                              </p:par>
-                              <p:par>
-                                <p:cTn id="81" presetID="1" presetClass="entr" presetSubtype="0" fill="hold" nodeType="withEffect">
-                                  <p:stCondLst>
-                                    <p:cond delay="0"/>
-                                  </p:stCondLst>
-                                  <p:childTnLst>
-                                    <p:set>
-                                      <p:cBhvr>
-                                        <p:cTn id="82" dur="1" fill="hold">
-                                          <p:stCondLst>
-                                            <p:cond delay="0"/>
-                                          </p:stCondLst>
-                                        </p:cTn>
-                                        <p:tgtEl>
-                                          <p:spTgt spid="4">
-                                            <p:txEl>
-                                              <p:pRg st="4" end="4"/>
-                                            </p:txEl>
-                                          </p:spTgt>
-                                        </p:tgtEl>
-                                        <p:attrNameLst>
-                                          <p:attrName>style.visibility</p:attrName>
-                                        </p:attrNameLst>
-                                      </p:cBhvr>
-                                      <p:to>
-                                        <p:strVal val="visible"/>
-                                      </p:to>
-                                    </p:set>
-                                  </p:childTnLst>
-                                </p:cTn>
-                              </p:par>
-                            </p:childTnLst>
-                          </p:cTn>
-                        </p:par>
-                      </p:childTnLst>
-                    </p:cTn>
-                  </p:par>
-                  <p:par>
-                    <p:cTn id="83" fill="hold">
-                      <p:stCondLst>
-                        <p:cond delay="indefinite"/>
-                      </p:stCondLst>
-                      <p:childTnLst>
-                        <p:par>
-                          <p:cTn id="84" fill="hold">
-                            <p:stCondLst>
-                              <p:cond delay="0"/>
-                            </p:stCondLst>
-                            <p:childTnLst>
-                              <p:par>
-                                <p:cTn id="85" presetID="1" presetClass="entr" presetSubtype="0" fill="hold" nodeType="clickEffect">
-                                  <p:stCondLst>
-                                    <p:cond delay="0"/>
-                                  </p:stCondLst>
-                                  <p:childTnLst>
-                                    <p:set>
-                                      <p:cBhvr>
-                                        <p:cTn id="86" dur="1" fill="hold">
-                                          <p:stCondLst>
-                                            <p:cond delay="0"/>
-                                          </p:stCondLst>
-                                        </p:cTn>
-                                        <p:tgtEl>
-                                          <p:spTgt spid="4">
-                                            <p:txEl>
-                                              <p:pRg st="6" end="6"/>
-                                            </p:txEl>
-                                          </p:spTgt>
-                                        </p:tgtEl>
-                                        <p:attrNameLst>
-                                          <p:attrName>style.visibility</p:attrName>
-                                        </p:attrNameLst>
-                                      </p:cBhvr>
-                                      <p:to>
-                                        <p:strVal val="visible"/>
-                                      </p:to>
-                                    </p:set>
                                   </p:childTnLst>
                                 </p:cTn>
                               </p:par>
@@ -7560,7 +7736,7 @@
         </p:nvSpPr>
         <p:spPr bwMode="auto">
           <a:xfrm>
-            <a:off x="3203848" y="1412776"/>
+            <a:off x="467544" y="1412776"/>
             <a:ext cx="3096344" cy="2880320"/>
           </a:xfrm>
           <a:prstGeom prst="rect">
@@ -7626,7 +7802,7 @@
         </p:nvSpPr>
         <p:spPr bwMode="auto">
           <a:xfrm>
-            <a:off x="3203848" y="1412776"/>
+            <a:off x="467544" y="1412776"/>
             <a:ext cx="3096344" cy="360040"/>
           </a:xfrm>
           <a:prstGeom prst="rect">
@@ -7734,7 +7910,7 @@
         </p:nvSpPr>
         <p:spPr bwMode="auto">
           <a:xfrm>
-            <a:off x="3203848" y="1772816"/>
+            <a:off x="467544" y="1772816"/>
             <a:ext cx="3096344" cy="360040"/>
           </a:xfrm>
           <a:prstGeom prst="rect">
@@ -7842,7 +8018,7 @@
         </p:nvSpPr>
         <p:spPr bwMode="auto">
           <a:xfrm>
-            <a:off x="3203848" y="2132856"/>
+            <a:off x="467544" y="2132856"/>
             <a:ext cx="3096344" cy="396044"/>
           </a:xfrm>
           <a:prstGeom prst="rect">
@@ -7950,7 +8126,7 @@
         </p:nvSpPr>
         <p:spPr bwMode="auto">
           <a:xfrm>
-            <a:off x="3203848" y="2528900"/>
+            <a:off x="467544" y="2528900"/>
             <a:ext cx="3096344" cy="396044"/>
           </a:xfrm>
           <a:prstGeom prst="rect">
@@ -8058,7 +8234,7 @@
         </p:nvSpPr>
         <p:spPr bwMode="auto">
           <a:xfrm>
-            <a:off x="3203848" y="2924944"/>
+            <a:off x="467544" y="2924944"/>
             <a:ext cx="1548172" cy="1368152"/>
           </a:xfrm>
           <a:prstGeom prst="rect">
@@ -8124,7 +8300,7 @@
         </p:nvSpPr>
         <p:spPr bwMode="auto">
           <a:xfrm>
-            <a:off x="4752020" y="2924944"/>
+            <a:off x="2015716" y="2924944"/>
             <a:ext cx="1548172" cy="1368152"/>
           </a:xfrm>
           <a:prstGeom prst="rect">
@@ -8190,7 +8366,7 @@
         </p:nvSpPr>
         <p:spPr bwMode="auto">
           <a:xfrm>
-            <a:off x="3279286" y="3068960"/>
+            <a:off x="542982" y="3068960"/>
             <a:ext cx="349324" cy="454149"/>
           </a:xfrm>
           <a:prstGeom prst="rect">
@@ -8259,7 +8435,7 @@
         </p:nvSpPr>
         <p:spPr bwMode="auto">
           <a:xfrm>
-            <a:off x="3628610" y="3068960"/>
+            <a:off x="892306" y="3068960"/>
             <a:ext cx="349324" cy="454149"/>
           </a:xfrm>
           <a:prstGeom prst="rect">
@@ -8328,7 +8504,7 @@
         </p:nvSpPr>
         <p:spPr bwMode="auto">
           <a:xfrm>
-            <a:off x="3977934" y="3068960"/>
+            <a:off x="1241630" y="3068960"/>
             <a:ext cx="349324" cy="454149"/>
           </a:xfrm>
           <a:prstGeom prst="rect">
@@ -8397,7 +8573,7 @@
         </p:nvSpPr>
         <p:spPr bwMode="auto">
           <a:xfrm>
-            <a:off x="4327258" y="3068960"/>
+            <a:off x="1590954" y="3068960"/>
             <a:ext cx="349324" cy="454149"/>
           </a:xfrm>
           <a:prstGeom prst="rect">
@@ -8466,7 +8642,7 @@
         </p:nvSpPr>
         <p:spPr bwMode="auto">
           <a:xfrm>
-            <a:off x="4827458" y="3068960"/>
+            <a:off x="2091154" y="3068960"/>
             <a:ext cx="349324" cy="454149"/>
           </a:xfrm>
           <a:prstGeom prst="rect">
@@ -8535,7 +8711,7 @@
         </p:nvSpPr>
         <p:spPr bwMode="auto">
           <a:xfrm>
-            <a:off x="5176782" y="3068960"/>
+            <a:off x="2440478" y="3068960"/>
             <a:ext cx="349324" cy="454149"/>
           </a:xfrm>
           <a:prstGeom prst="rect">
@@ -8604,7 +8780,7 @@
         </p:nvSpPr>
         <p:spPr bwMode="auto">
           <a:xfrm>
-            <a:off x="5526106" y="3068960"/>
+            <a:off x="2789802" y="3068960"/>
             <a:ext cx="349324" cy="454149"/>
           </a:xfrm>
           <a:prstGeom prst="rect">
@@ -8673,7 +8849,7 @@
         </p:nvSpPr>
         <p:spPr bwMode="auto">
           <a:xfrm>
-            <a:off x="5875430" y="3068960"/>
+            <a:off x="3139126" y="3068960"/>
             <a:ext cx="349324" cy="454149"/>
           </a:xfrm>
           <a:prstGeom prst="rect">
@@ -8742,7 +8918,7 @@
         </p:nvSpPr>
         <p:spPr bwMode="auto">
           <a:xfrm>
-            <a:off x="3203848" y="3897052"/>
+            <a:off x="467544" y="3897052"/>
             <a:ext cx="1548172" cy="396044"/>
           </a:xfrm>
           <a:prstGeom prst="rect">
@@ -8811,7 +8987,7 @@
         </p:nvSpPr>
         <p:spPr bwMode="auto">
           <a:xfrm>
-            <a:off x="4752020" y="3897052"/>
+            <a:off x="2015716" y="3897052"/>
             <a:ext cx="1548172" cy="396044"/>
           </a:xfrm>
           <a:prstGeom prst="rect">
@@ -8882,7 +9058,7 @@
         </p:nvCxnSpPr>
         <p:spPr bwMode="auto">
           <a:xfrm>
-            <a:off x="3453948" y="3523109"/>
+            <a:off x="717644" y="3523109"/>
             <a:ext cx="0" cy="373943"/>
           </a:xfrm>
           <a:prstGeom prst="straightConnector1">
@@ -8913,7 +9089,7 @@
         </p:nvCxnSpPr>
         <p:spPr bwMode="auto">
           <a:xfrm>
-            <a:off x="3803272" y="3523109"/>
+            <a:off x="1066968" y="3523109"/>
             <a:ext cx="0" cy="373943"/>
           </a:xfrm>
           <a:prstGeom prst="straightConnector1">
@@ -8944,7 +9120,7 @@
         </p:nvCxnSpPr>
         <p:spPr bwMode="auto">
           <a:xfrm>
-            <a:off x="4152596" y="3523109"/>
+            <a:off x="1416292" y="3523109"/>
             <a:ext cx="0" cy="359748"/>
           </a:xfrm>
           <a:prstGeom prst="straightConnector1">
@@ -8975,7 +9151,7 @@
         </p:nvCxnSpPr>
         <p:spPr bwMode="auto">
           <a:xfrm flipH="1">
-            <a:off x="4498293" y="3523109"/>
+            <a:off x="1761989" y="3523109"/>
             <a:ext cx="3627" cy="373943"/>
           </a:xfrm>
           <a:prstGeom prst="straightConnector1">
@@ -9006,7 +9182,7 @@
         </p:nvCxnSpPr>
         <p:spPr bwMode="auto">
           <a:xfrm>
-            <a:off x="5002120" y="3523109"/>
+            <a:off x="2265816" y="3523109"/>
             <a:ext cx="0" cy="373943"/>
           </a:xfrm>
           <a:prstGeom prst="straightConnector1">
@@ -9037,7 +9213,7 @@
         </p:nvCxnSpPr>
         <p:spPr bwMode="auto">
           <a:xfrm flipH="1">
-            <a:off x="5347817" y="3523109"/>
+            <a:off x="2611513" y="3523109"/>
             <a:ext cx="3627" cy="373943"/>
           </a:xfrm>
           <a:prstGeom prst="straightConnector1">
@@ -9068,7 +9244,7 @@
         </p:nvCxnSpPr>
         <p:spPr bwMode="auto">
           <a:xfrm>
-            <a:off x="5700768" y="3523109"/>
+            <a:off x="2964464" y="3523109"/>
             <a:ext cx="0" cy="373943"/>
           </a:xfrm>
           <a:prstGeom prst="straightConnector1">
@@ -9099,7 +9275,7 @@
         </p:nvCxnSpPr>
         <p:spPr bwMode="auto">
           <a:xfrm>
-            <a:off x="6050092" y="3523109"/>
+            <a:off x="3313788" y="3523109"/>
             <a:ext cx="0" cy="373943"/>
           </a:xfrm>
           <a:prstGeom prst="straightConnector1">
@@ -9116,6 +9292,1142 @@
             <a:round/>
             <a:headEnd type="triangle"/>
             <a:tailEnd type="triangle"/>
+          </a:ln>
+          <a:effectLst/>
+        </p:spPr>
+      </p:cxnSp>
+      <p:sp>
+        <p:nvSpPr>
+          <p:cNvPr id="33" name="Rechteck 32"/>
+          <p:cNvSpPr/>
+          <p:nvPr/>
+        </p:nvSpPr>
+        <p:spPr bwMode="auto">
+          <a:xfrm>
+            <a:off x="4716016" y="2132856"/>
+            <a:ext cx="1224136" cy="360040"/>
+          </a:xfrm>
+          <a:prstGeom prst="rect">
+            <a:avLst/>
+          </a:prstGeom>
+          <a:solidFill>
+            <a:schemeClr val="accent3"/>
+          </a:solidFill>
+          <a:ln w="9525" cap="flat" cmpd="sng" algn="ctr">
+            <a:solidFill>
+              <a:schemeClr val="tx1"/>
+            </a:solidFill>
+            <a:prstDash val="solid"/>
+            <a:round/>
+            <a:headEnd type="none" w="med" len="med"/>
+            <a:tailEnd type="none" w="med" len="med"/>
+          </a:ln>
+          <a:effectLst/>
+        </p:spPr>
+        <p:txBody>
+          <a:bodyPr vert="horz" wrap="square" lIns="0" tIns="45720" rIns="0" bIns="45720" numCol="1" rtlCol="0" anchor="ctr" anchorCtr="0" compatLnSpc="1">
+            <a:prstTxWarp prst="textNoShape">
+              <a:avLst/>
+            </a:prstTxWarp>
+          </a:bodyPr>
+          <a:lstStyle/>
+          <a:p>
+            <a:pPr marL="0" marR="0" indent="0" algn="ctr" defTabSz="914400" rtl="0" eaLnBrk="0" fontAlgn="base" latinLnBrk="0" hangingPunct="0">
+              <a:lnSpc>
+                <a:spcPct val="100000"/>
+              </a:lnSpc>
+              <a:spcBef>
+                <a:spcPct val="0"/>
+              </a:spcBef>
+              <a:spcAft>
+                <a:spcPct val="0"/>
+              </a:spcAft>
+              <a:buClrTx/>
+              <a:buSzTx/>
+              <a:buFontTx/>
+              <a:buNone/>
+              <a:tabLst/>
+            </a:pPr>
+            <a:r>
+              <a:rPr kumimoji="0" lang="de-DE" sz="2400" b="0" i="0" u="none" strike="noStrike" cap="none" normalizeH="0" baseline="0" dirty="0" smtClean="0">
+                <a:ln>
+                  <a:noFill/>
+                </a:ln>
+                <a:solidFill>
+                  <a:schemeClr val="tx1"/>
+                </a:solidFill>
+                <a:effectLst/>
+                <a:latin typeface="Arial" charset="0"/>
+                <a:ea typeface="ＭＳ Ｐゴシック" pitchFamily="1" charset="-128"/>
+              </a:rPr>
+              <a:t>Stage 0</a:t>
+            </a:r>
+            <a:endParaRPr kumimoji="0" lang="de-DE" sz="2400" b="0" i="0" u="none" strike="noStrike" cap="none" normalizeH="0" baseline="0" dirty="0" smtClean="0">
+              <a:ln>
+                <a:noFill/>
+              </a:ln>
+              <a:solidFill>
+                <a:schemeClr val="tx1"/>
+              </a:solidFill>
+              <a:effectLst/>
+              <a:latin typeface="Arial" charset="0"/>
+              <a:ea typeface="ＭＳ Ｐゴシック" pitchFamily="1" charset="-128"/>
+            </a:endParaRPr>
+          </a:p>
+        </p:txBody>
+      </p:sp>
+      <p:sp>
+        <p:nvSpPr>
+          <p:cNvPr id="34" name="Rechteck 33"/>
+          <p:cNvSpPr/>
+          <p:nvPr/>
+        </p:nvSpPr>
+        <p:spPr bwMode="auto">
+          <a:xfrm>
+            <a:off x="4716016" y="2492896"/>
+            <a:ext cx="1224136" cy="360040"/>
+          </a:xfrm>
+          <a:prstGeom prst="rect">
+            <a:avLst/>
+          </a:prstGeom>
+          <a:solidFill>
+            <a:schemeClr val="accent3"/>
+          </a:solidFill>
+          <a:ln w="9525" cap="flat" cmpd="sng" algn="ctr">
+            <a:solidFill>
+              <a:schemeClr val="tx1"/>
+            </a:solidFill>
+            <a:prstDash val="solid"/>
+            <a:round/>
+            <a:headEnd type="none" w="med" len="med"/>
+            <a:tailEnd type="none" w="med" len="med"/>
+          </a:ln>
+          <a:effectLst/>
+        </p:spPr>
+        <p:txBody>
+          <a:bodyPr vert="horz" wrap="square" lIns="0" tIns="45720" rIns="0" bIns="45720" numCol="1" rtlCol="0" anchor="ctr" anchorCtr="0" compatLnSpc="1">
+            <a:prstTxWarp prst="textNoShape">
+              <a:avLst/>
+            </a:prstTxWarp>
+          </a:bodyPr>
+          <a:lstStyle/>
+          <a:p>
+            <a:pPr marL="0" marR="0" indent="0" algn="ctr" defTabSz="914400" rtl="0" eaLnBrk="0" fontAlgn="base" latinLnBrk="0" hangingPunct="0">
+              <a:lnSpc>
+                <a:spcPct val="100000"/>
+              </a:lnSpc>
+              <a:spcBef>
+                <a:spcPct val="0"/>
+              </a:spcBef>
+              <a:spcAft>
+                <a:spcPct val="0"/>
+              </a:spcAft>
+              <a:buClrTx/>
+              <a:buSzTx/>
+              <a:buFontTx/>
+              <a:buNone/>
+              <a:tabLst/>
+            </a:pPr>
+            <a:r>
+              <a:rPr kumimoji="0" lang="de-DE" sz="2400" b="0" i="0" u="none" strike="noStrike" cap="none" normalizeH="0" baseline="0" dirty="0" smtClean="0">
+                <a:ln>
+                  <a:noFill/>
+                </a:ln>
+                <a:solidFill>
+                  <a:schemeClr val="tx1"/>
+                </a:solidFill>
+                <a:effectLst/>
+                <a:latin typeface="Arial" charset="0"/>
+                <a:ea typeface="ＭＳ Ｐゴシック" pitchFamily="1" charset="-128"/>
+              </a:rPr>
+              <a:t>Stage 1</a:t>
+            </a:r>
+            <a:endParaRPr kumimoji="0" lang="de-DE" sz="2400" b="0" i="0" u="none" strike="noStrike" cap="none" normalizeH="0" baseline="0" dirty="0" smtClean="0">
+              <a:ln>
+                <a:noFill/>
+              </a:ln>
+              <a:solidFill>
+                <a:schemeClr val="tx1"/>
+              </a:solidFill>
+              <a:effectLst/>
+              <a:latin typeface="Arial" charset="0"/>
+              <a:ea typeface="ＭＳ Ｐゴシック" pitchFamily="1" charset="-128"/>
+            </a:endParaRPr>
+          </a:p>
+        </p:txBody>
+      </p:sp>
+      <p:sp>
+        <p:nvSpPr>
+          <p:cNvPr id="35" name="Rechteck 34"/>
+          <p:cNvSpPr/>
+          <p:nvPr/>
+        </p:nvSpPr>
+        <p:spPr bwMode="auto">
+          <a:xfrm>
+            <a:off x="5940152" y="2492896"/>
+            <a:ext cx="1224136" cy="360040"/>
+          </a:xfrm>
+          <a:prstGeom prst="rect">
+            <a:avLst/>
+          </a:prstGeom>
+          <a:solidFill>
+            <a:schemeClr val="accent3"/>
+          </a:solidFill>
+          <a:ln w="9525" cap="flat" cmpd="sng" algn="ctr">
+            <a:solidFill>
+              <a:schemeClr val="tx1"/>
+            </a:solidFill>
+            <a:prstDash val="solid"/>
+            <a:round/>
+            <a:headEnd type="none" w="med" len="med"/>
+            <a:tailEnd type="none" w="med" len="med"/>
+          </a:ln>
+          <a:effectLst/>
+        </p:spPr>
+        <p:txBody>
+          <a:bodyPr vert="horz" wrap="square" lIns="0" tIns="45720" rIns="0" bIns="45720" numCol="1" rtlCol="0" anchor="ctr" anchorCtr="0" compatLnSpc="1">
+            <a:prstTxWarp prst="textNoShape">
+              <a:avLst/>
+            </a:prstTxWarp>
+          </a:bodyPr>
+          <a:lstStyle/>
+          <a:p>
+            <a:pPr marL="0" marR="0" indent="0" algn="ctr" defTabSz="914400" rtl="0" eaLnBrk="0" fontAlgn="base" latinLnBrk="0" hangingPunct="0">
+              <a:lnSpc>
+                <a:spcPct val="100000"/>
+              </a:lnSpc>
+              <a:spcBef>
+                <a:spcPct val="0"/>
+              </a:spcBef>
+              <a:spcAft>
+                <a:spcPct val="0"/>
+              </a:spcAft>
+              <a:buClrTx/>
+              <a:buSzTx/>
+              <a:buFontTx/>
+              <a:buNone/>
+              <a:tabLst/>
+            </a:pPr>
+            <a:r>
+              <a:rPr kumimoji="0" lang="de-DE" sz="2400" b="0" i="0" u="none" strike="noStrike" cap="none" normalizeH="0" baseline="0" dirty="0" smtClean="0">
+                <a:ln>
+                  <a:noFill/>
+                </a:ln>
+                <a:solidFill>
+                  <a:schemeClr val="tx1"/>
+                </a:solidFill>
+                <a:effectLst/>
+                <a:latin typeface="Arial" charset="0"/>
+                <a:ea typeface="ＭＳ Ｐゴシック" pitchFamily="1" charset="-128"/>
+              </a:rPr>
+              <a:t>Stage 0</a:t>
+            </a:r>
+            <a:endParaRPr kumimoji="0" lang="de-DE" sz="2400" b="0" i="0" u="none" strike="noStrike" cap="none" normalizeH="0" baseline="0" dirty="0" smtClean="0">
+              <a:ln>
+                <a:noFill/>
+              </a:ln>
+              <a:solidFill>
+                <a:schemeClr val="tx1"/>
+              </a:solidFill>
+              <a:effectLst/>
+              <a:latin typeface="Arial" charset="0"/>
+              <a:ea typeface="ＭＳ Ｐゴシック" pitchFamily="1" charset="-128"/>
+            </a:endParaRPr>
+          </a:p>
+        </p:txBody>
+      </p:sp>
+      <p:sp>
+        <p:nvSpPr>
+          <p:cNvPr id="36" name="Rechteck 35"/>
+          <p:cNvSpPr/>
+          <p:nvPr/>
+        </p:nvSpPr>
+        <p:spPr bwMode="auto">
+          <a:xfrm>
+            <a:off x="4716016" y="2852936"/>
+            <a:ext cx="1224136" cy="360040"/>
+          </a:xfrm>
+          <a:prstGeom prst="rect">
+            <a:avLst/>
+          </a:prstGeom>
+          <a:solidFill>
+            <a:schemeClr val="bg1">
+              <a:lumMod val="75000"/>
+            </a:schemeClr>
+          </a:solidFill>
+          <a:ln w="9525" cap="flat" cmpd="sng" algn="ctr">
+            <a:solidFill>
+              <a:schemeClr val="tx1"/>
+            </a:solidFill>
+            <a:prstDash val="solid"/>
+            <a:round/>
+            <a:headEnd type="none" w="med" len="med"/>
+            <a:tailEnd type="none" w="med" len="med"/>
+          </a:ln>
+          <a:effectLst/>
+        </p:spPr>
+        <p:txBody>
+          <a:bodyPr vert="horz" wrap="square" lIns="0" tIns="45720" rIns="0" bIns="45720" numCol="1" rtlCol="0" anchor="ctr" anchorCtr="0" compatLnSpc="1">
+            <a:prstTxWarp prst="textNoShape">
+              <a:avLst/>
+            </a:prstTxWarp>
+          </a:bodyPr>
+          <a:lstStyle/>
+          <a:p>
+            <a:pPr marL="0" marR="0" indent="0" algn="ctr" defTabSz="914400" rtl="0" eaLnBrk="0" fontAlgn="base" latinLnBrk="0" hangingPunct="0">
+              <a:lnSpc>
+                <a:spcPct val="100000"/>
+              </a:lnSpc>
+              <a:spcBef>
+                <a:spcPct val="0"/>
+              </a:spcBef>
+              <a:spcAft>
+                <a:spcPct val="0"/>
+              </a:spcAft>
+              <a:buClrTx/>
+              <a:buSzTx/>
+              <a:buFontTx/>
+              <a:buNone/>
+              <a:tabLst/>
+            </a:pPr>
+            <a:r>
+              <a:rPr kumimoji="0" lang="de-DE" sz="2400" b="0" i="0" u="none" strike="noStrike" cap="none" normalizeH="0" baseline="0" dirty="0" smtClean="0">
+                <a:ln>
+                  <a:noFill/>
+                </a:ln>
+                <a:solidFill>
+                  <a:schemeClr val="tx1"/>
+                </a:solidFill>
+                <a:effectLst/>
+                <a:latin typeface="Arial" charset="0"/>
+                <a:ea typeface="ＭＳ Ｐゴシック" pitchFamily="1" charset="-128"/>
+              </a:rPr>
+              <a:t>Stage 2</a:t>
+            </a:r>
+            <a:endParaRPr kumimoji="0" lang="de-DE" sz="2400" b="0" i="0" u="none" strike="noStrike" cap="none" normalizeH="0" baseline="0" dirty="0" smtClean="0">
+              <a:ln>
+                <a:noFill/>
+              </a:ln>
+              <a:solidFill>
+                <a:schemeClr val="tx1"/>
+              </a:solidFill>
+              <a:effectLst/>
+              <a:latin typeface="Arial" charset="0"/>
+              <a:ea typeface="ＭＳ Ｐゴシック" pitchFamily="1" charset="-128"/>
+            </a:endParaRPr>
+          </a:p>
+        </p:txBody>
+      </p:sp>
+      <p:sp>
+        <p:nvSpPr>
+          <p:cNvPr id="37" name="Rechteck 36"/>
+          <p:cNvSpPr/>
+          <p:nvPr/>
+        </p:nvSpPr>
+        <p:spPr bwMode="auto">
+          <a:xfrm>
+            <a:off x="5940152" y="2852936"/>
+            <a:ext cx="1224136" cy="360040"/>
+          </a:xfrm>
+          <a:prstGeom prst="rect">
+            <a:avLst/>
+          </a:prstGeom>
+          <a:solidFill>
+            <a:schemeClr val="bg1">
+              <a:lumMod val="75000"/>
+            </a:schemeClr>
+          </a:solidFill>
+          <a:ln w="9525" cap="flat" cmpd="sng" algn="ctr">
+            <a:solidFill>
+              <a:schemeClr val="tx1"/>
+            </a:solidFill>
+            <a:prstDash val="solid"/>
+            <a:round/>
+            <a:headEnd type="none" w="med" len="med"/>
+            <a:tailEnd type="none" w="med" len="med"/>
+          </a:ln>
+          <a:effectLst/>
+        </p:spPr>
+        <p:txBody>
+          <a:bodyPr vert="horz" wrap="square" lIns="0" tIns="45720" rIns="0" bIns="45720" numCol="1" rtlCol="0" anchor="ctr" anchorCtr="0" compatLnSpc="1">
+            <a:prstTxWarp prst="textNoShape">
+              <a:avLst/>
+            </a:prstTxWarp>
+          </a:bodyPr>
+          <a:lstStyle/>
+          <a:p>
+            <a:pPr marL="0" marR="0" indent="0" algn="ctr" defTabSz="914400" rtl="0" eaLnBrk="0" fontAlgn="base" latinLnBrk="0" hangingPunct="0">
+              <a:lnSpc>
+                <a:spcPct val="100000"/>
+              </a:lnSpc>
+              <a:spcBef>
+                <a:spcPct val="0"/>
+              </a:spcBef>
+              <a:spcAft>
+                <a:spcPct val="0"/>
+              </a:spcAft>
+              <a:buClrTx/>
+              <a:buSzTx/>
+              <a:buFontTx/>
+              <a:buNone/>
+              <a:tabLst/>
+            </a:pPr>
+            <a:r>
+              <a:rPr kumimoji="0" lang="de-DE" sz="2400" b="0" i="0" u="none" strike="noStrike" cap="none" normalizeH="0" baseline="0" dirty="0" smtClean="0">
+                <a:ln>
+                  <a:noFill/>
+                </a:ln>
+                <a:solidFill>
+                  <a:schemeClr val="tx1"/>
+                </a:solidFill>
+                <a:effectLst/>
+                <a:latin typeface="Arial" charset="0"/>
+                <a:ea typeface="ＭＳ Ｐゴシック" pitchFamily="1" charset="-128"/>
+              </a:rPr>
+              <a:t>Stage 1</a:t>
+            </a:r>
+            <a:endParaRPr kumimoji="0" lang="de-DE" sz="2400" b="0" i="0" u="none" strike="noStrike" cap="none" normalizeH="0" baseline="0" dirty="0" smtClean="0">
+              <a:ln>
+                <a:noFill/>
+              </a:ln>
+              <a:solidFill>
+                <a:schemeClr val="tx1"/>
+              </a:solidFill>
+              <a:effectLst/>
+              <a:latin typeface="Arial" charset="0"/>
+              <a:ea typeface="ＭＳ Ｐゴシック" pitchFamily="1" charset="-128"/>
+            </a:endParaRPr>
+          </a:p>
+        </p:txBody>
+      </p:sp>
+      <p:sp>
+        <p:nvSpPr>
+          <p:cNvPr id="38" name="Rechteck 37"/>
+          <p:cNvSpPr/>
+          <p:nvPr/>
+        </p:nvSpPr>
+        <p:spPr bwMode="auto">
+          <a:xfrm>
+            <a:off x="7164288" y="2852936"/>
+            <a:ext cx="1224136" cy="360040"/>
+          </a:xfrm>
+          <a:prstGeom prst="rect">
+            <a:avLst/>
+          </a:prstGeom>
+          <a:solidFill>
+            <a:schemeClr val="bg1">
+              <a:lumMod val="75000"/>
+            </a:schemeClr>
+          </a:solidFill>
+          <a:ln w="9525" cap="flat" cmpd="sng" algn="ctr">
+            <a:solidFill>
+              <a:schemeClr val="tx1"/>
+            </a:solidFill>
+            <a:prstDash val="solid"/>
+            <a:round/>
+            <a:headEnd type="none" w="med" len="med"/>
+            <a:tailEnd type="none" w="med" len="med"/>
+          </a:ln>
+          <a:effectLst/>
+        </p:spPr>
+        <p:txBody>
+          <a:bodyPr vert="horz" wrap="square" lIns="0" tIns="45720" rIns="0" bIns="45720" numCol="1" rtlCol="0" anchor="ctr" anchorCtr="0" compatLnSpc="1">
+            <a:prstTxWarp prst="textNoShape">
+              <a:avLst/>
+            </a:prstTxWarp>
+          </a:bodyPr>
+          <a:lstStyle/>
+          <a:p>
+            <a:pPr marL="0" marR="0" indent="0" algn="ctr" defTabSz="914400" rtl="0" eaLnBrk="0" fontAlgn="base" latinLnBrk="0" hangingPunct="0">
+              <a:lnSpc>
+                <a:spcPct val="100000"/>
+              </a:lnSpc>
+              <a:spcBef>
+                <a:spcPct val="0"/>
+              </a:spcBef>
+              <a:spcAft>
+                <a:spcPct val="0"/>
+              </a:spcAft>
+              <a:buClrTx/>
+              <a:buSzTx/>
+              <a:buFontTx/>
+              <a:buNone/>
+              <a:tabLst/>
+            </a:pPr>
+            <a:r>
+              <a:rPr kumimoji="0" lang="de-DE" sz="2400" b="0" i="0" u="none" strike="noStrike" cap="none" normalizeH="0" baseline="0" dirty="0" smtClean="0">
+                <a:ln>
+                  <a:noFill/>
+                </a:ln>
+                <a:solidFill>
+                  <a:schemeClr val="tx1"/>
+                </a:solidFill>
+                <a:effectLst/>
+                <a:latin typeface="Arial" charset="0"/>
+                <a:ea typeface="ＭＳ Ｐゴシック" pitchFamily="1" charset="-128"/>
+              </a:rPr>
+              <a:t>Stage 0</a:t>
+            </a:r>
+            <a:endParaRPr kumimoji="0" lang="de-DE" sz="2400" b="0" i="0" u="none" strike="noStrike" cap="none" normalizeH="0" baseline="0" dirty="0" smtClean="0">
+              <a:ln>
+                <a:noFill/>
+              </a:ln>
+              <a:solidFill>
+                <a:schemeClr val="tx1"/>
+              </a:solidFill>
+              <a:effectLst/>
+              <a:latin typeface="Arial" charset="0"/>
+              <a:ea typeface="ＭＳ Ｐゴシック" pitchFamily="1" charset="-128"/>
+            </a:endParaRPr>
+          </a:p>
+        </p:txBody>
+      </p:sp>
+      <p:sp>
+        <p:nvSpPr>
+          <p:cNvPr id="39" name="Rechteck 38"/>
+          <p:cNvSpPr/>
+          <p:nvPr/>
+        </p:nvSpPr>
+        <p:spPr bwMode="auto">
+          <a:xfrm>
+            <a:off x="5940152" y="3212976"/>
+            <a:ext cx="1224136" cy="360040"/>
+          </a:xfrm>
+          <a:prstGeom prst="rect">
+            <a:avLst/>
+          </a:prstGeom>
+          <a:solidFill>
+            <a:schemeClr val="accent3"/>
+          </a:solidFill>
+          <a:ln w="9525" cap="flat" cmpd="sng" algn="ctr">
+            <a:solidFill>
+              <a:schemeClr val="tx1"/>
+            </a:solidFill>
+            <a:prstDash val="solid"/>
+            <a:round/>
+            <a:headEnd type="none" w="med" len="med"/>
+            <a:tailEnd type="none" w="med" len="med"/>
+          </a:ln>
+          <a:effectLst/>
+        </p:spPr>
+        <p:txBody>
+          <a:bodyPr vert="horz" wrap="square" lIns="0" tIns="45720" rIns="0" bIns="45720" numCol="1" rtlCol="0" anchor="ctr" anchorCtr="0" compatLnSpc="1">
+            <a:prstTxWarp prst="textNoShape">
+              <a:avLst/>
+            </a:prstTxWarp>
+          </a:bodyPr>
+          <a:lstStyle/>
+          <a:p>
+            <a:pPr marL="0" marR="0" indent="0" algn="ctr" defTabSz="914400" rtl="0" eaLnBrk="0" fontAlgn="base" latinLnBrk="0" hangingPunct="0">
+              <a:lnSpc>
+                <a:spcPct val="100000"/>
+              </a:lnSpc>
+              <a:spcBef>
+                <a:spcPct val="0"/>
+              </a:spcBef>
+              <a:spcAft>
+                <a:spcPct val="0"/>
+              </a:spcAft>
+              <a:buClrTx/>
+              <a:buSzTx/>
+              <a:buFontTx/>
+              <a:buNone/>
+              <a:tabLst/>
+            </a:pPr>
+            <a:r>
+              <a:rPr kumimoji="0" lang="de-DE" sz="2400" b="0" i="0" u="none" strike="noStrike" cap="none" normalizeH="0" baseline="0" dirty="0" smtClean="0">
+                <a:ln>
+                  <a:noFill/>
+                </a:ln>
+                <a:solidFill>
+                  <a:schemeClr val="tx1"/>
+                </a:solidFill>
+                <a:effectLst/>
+                <a:latin typeface="Arial" charset="0"/>
+                <a:ea typeface="ＭＳ Ｐゴシック" pitchFamily="1" charset="-128"/>
+              </a:rPr>
+              <a:t>Stage 2</a:t>
+            </a:r>
+            <a:endParaRPr kumimoji="0" lang="de-DE" sz="2400" b="0" i="0" u="none" strike="noStrike" cap="none" normalizeH="0" baseline="0" dirty="0" smtClean="0">
+              <a:ln>
+                <a:noFill/>
+              </a:ln>
+              <a:solidFill>
+                <a:schemeClr val="tx1"/>
+              </a:solidFill>
+              <a:effectLst/>
+              <a:latin typeface="Arial" charset="0"/>
+              <a:ea typeface="ＭＳ Ｐゴシック" pitchFamily="1" charset="-128"/>
+            </a:endParaRPr>
+          </a:p>
+        </p:txBody>
+      </p:sp>
+      <p:sp>
+        <p:nvSpPr>
+          <p:cNvPr id="40" name="Rechteck 39"/>
+          <p:cNvSpPr/>
+          <p:nvPr/>
+        </p:nvSpPr>
+        <p:spPr bwMode="auto">
+          <a:xfrm>
+            <a:off x="7164288" y="3212976"/>
+            <a:ext cx="1224136" cy="360040"/>
+          </a:xfrm>
+          <a:prstGeom prst="rect">
+            <a:avLst/>
+          </a:prstGeom>
+          <a:solidFill>
+            <a:schemeClr val="accent3"/>
+          </a:solidFill>
+          <a:ln w="9525" cap="flat" cmpd="sng" algn="ctr">
+            <a:solidFill>
+              <a:schemeClr val="tx1"/>
+            </a:solidFill>
+            <a:prstDash val="solid"/>
+            <a:round/>
+            <a:headEnd type="none" w="med" len="med"/>
+            <a:tailEnd type="none" w="med" len="med"/>
+          </a:ln>
+          <a:effectLst/>
+        </p:spPr>
+        <p:txBody>
+          <a:bodyPr vert="horz" wrap="square" lIns="0" tIns="45720" rIns="0" bIns="45720" numCol="1" rtlCol="0" anchor="ctr" anchorCtr="0" compatLnSpc="1">
+            <a:prstTxWarp prst="textNoShape">
+              <a:avLst/>
+            </a:prstTxWarp>
+          </a:bodyPr>
+          <a:lstStyle/>
+          <a:p>
+            <a:pPr marL="0" marR="0" indent="0" algn="ctr" defTabSz="914400" rtl="0" eaLnBrk="0" fontAlgn="base" latinLnBrk="0" hangingPunct="0">
+              <a:lnSpc>
+                <a:spcPct val="100000"/>
+              </a:lnSpc>
+              <a:spcBef>
+                <a:spcPct val="0"/>
+              </a:spcBef>
+              <a:spcAft>
+                <a:spcPct val="0"/>
+              </a:spcAft>
+              <a:buClrTx/>
+              <a:buSzTx/>
+              <a:buFontTx/>
+              <a:buNone/>
+              <a:tabLst/>
+            </a:pPr>
+            <a:r>
+              <a:rPr kumimoji="0" lang="de-DE" sz="2400" b="0" i="0" u="none" strike="noStrike" cap="none" normalizeH="0" baseline="0" dirty="0" smtClean="0">
+                <a:ln>
+                  <a:noFill/>
+                </a:ln>
+                <a:solidFill>
+                  <a:schemeClr val="tx1"/>
+                </a:solidFill>
+                <a:effectLst/>
+                <a:latin typeface="Arial" charset="0"/>
+                <a:ea typeface="ＭＳ Ｐゴシック" pitchFamily="1" charset="-128"/>
+              </a:rPr>
+              <a:t>Stage 1</a:t>
+            </a:r>
+            <a:endParaRPr kumimoji="0" lang="de-DE" sz="2400" b="0" i="0" u="none" strike="noStrike" cap="none" normalizeH="0" baseline="0" dirty="0" smtClean="0">
+              <a:ln>
+                <a:noFill/>
+              </a:ln>
+              <a:solidFill>
+                <a:schemeClr val="tx1"/>
+              </a:solidFill>
+              <a:effectLst/>
+              <a:latin typeface="Arial" charset="0"/>
+              <a:ea typeface="ＭＳ Ｐゴシック" pitchFamily="1" charset="-128"/>
+            </a:endParaRPr>
+          </a:p>
+        </p:txBody>
+      </p:sp>
+      <p:sp>
+        <p:nvSpPr>
+          <p:cNvPr id="41" name="Rechteck 40"/>
+          <p:cNvSpPr/>
+          <p:nvPr/>
+        </p:nvSpPr>
+        <p:spPr bwMode="auto">
+          <a:xfrm>
+            <a:off x="7164288" y="3573016"/>
+            <a:ext cx="1224136" cy="360040"/>
+          </a:xfrm>
+          <a:prstGeom prst="rect">
+            <a:avLst/>
+          </a:prstGeom>
+          <a:solidFill>
+            <a:schemeClr val="accent3"/>
+          </a:solidFill>
+          <a:ln w="9525" cap="flat" cmpd="sng" algn="ctr">
+            <a:solidFill>
+              <a:schemeClr val="tx1"/>
+            </a:solidFill>
+            <a:prstDash val="solid"/>
+            <a:round/>
+            <a:headEnd type="none" w="med" len="med"/>
+            <a:tailEnd type="none" w="med" len="med"/>
+          </a:ln>
+          <a:effectLst/>
+        </p:spPr>
+        <p:txBody>
+          <a:bodyPr vert="horz" wrap="square" lIns="0" tIns="45720" rIns="0" bIns="45720" numCol="1" rtlCol="0" anchor="ctr" anchorCtr="0" compatLnSpc="1">
+            <a:prstTxWarp prst="textNoShape">
+              <a:avLst/>
+            </a:prstTxWarp>
+          </a:bodyPr>
+          <a:lstStyle/>
+          <a:p>
+            <a:pPr marL="0" marR="0" indent="0" algn="ctr" defTabSz="914400" rtl="0" eaLnBrk="0" fontAlgn="base" latinLnBrk="0" hangingPunct="0">
+              <a:lnSpc>
+                <a:spcPct val="100000"/>
+              </a:lnSpc>
+              <a:spcBef>
+                <a:spcPct val="0"/>
+              </a:spcBef>
+              <a:spcAft>
+                <a:spcPct val="0"/>
+              </a:spcAft>
+              <a:buClrTx/>
+              <a:buSzTx/>
+              <a:buFontTx/>
+              <a:buNone/>
+              <a:tabLst/>
+            </a:pPr>
+            <a:r>
+              <a:rPr kumimoji="0" lang="de-DE" sz="2400" b="0" i="0" u="none" strike="noStrike" cap="none" normalizeH="0" baseline="0" dirty="0" smtClean="0">
+                <a:ln>
+                  <a:noFill/>
+                </a:ln>
+                <a:solidFill>
+                  <a:schemeClr val="tx1"/>
+                </a:solidFill>
+                <a:effectLst/>
+                <a:latin typeface="Arial" charset="0"/>
+                <a:ea typeface="ＭＳ Ｐゴシック" pitchFamily="1" charset="-128"/>
+              </a:rPr>
+              <a:t>Stage 2</a:t>
+            </a:r>
+            <a:endParaRPr kumimoji="0" lang="de-DE" sz="2400" b="0" i="0" u="none" strike="noStrike" cap="none" normalizeH="0" baseline="0" dirty="0" smtClean="0">
+              <a:ln>
+                <a:noFill/>
+              </a:ln>
+              <a:solidFill>
+                <a:schemeClr val="tx1"/>
+              </a:solidFill>
+              <a:effectLst/>
+              <a:latin typeface="Arial" charset="0"/>
+              <a:ea typeface="ＭＳ Ｐゴシック" pitchFamily="1" charset="-128"/>
+            </a:endParaRPr>
+          </a:p>
+        </p:txBody>
+      </p:sp>
+      <p:sp>
+        <p:nvSpPr>
+          <p:cNvPr id="42" name="Textfeld 41"/>
+          <p:cNvSpPr txBox="1"/>
+          <p:nvPr/>
+        </p:nvSpPr>
+        <p:spPr>
+          <a:xfrm>
+            <a:off x="4716016" y="1700808"/>
+            <a:ext cx="1224136" cy="461665"/>
+          </a:xfrm>
+          <a:prstGeom prst="rect">
+            <a:avLst/>
+          </a:prstGeom>
+          <a:noFill/>
+        </p:spPr>
+        <p:txBody>
+          <a:bodyPr wrap="square" rtlCol="0">
+            <a:spAutoFit/>
+          </a:bodyPr>
+          <a:lstStyle/>
+          <a:p>
+            <a:pPr algn="ctr"/>
+            <a:r>
+              <a:rPr lang="de-DE" dirty="0" err="1" smtClean="0"/>
+              <a:t>Iter</a:t>
+            </a:r>
+            <a:r>
+              <a:rPr lang="de-DE" dirty="0" smtClean="0"/>
+              <a:t> 0</a:t>
+            </a:r>
+            <a:endParaRPr lang="de-DE" dirty="0"/>
+          </a:p>
+        </p:txBody>
+      </p:sp>
+      <p:sp>
+        <p:nvSpPr>
+          <p:cNvPr id="44" name="Textfeld 43"/>
+          <p:cNvSpPr txBox="1"/>
+          <p:nvPr/>
+        </p:nvSpPr>
+        <p:spPr>
+          <a:xfrm>
+            <a:off x="5940152" y="2060848"/>
+            <a:ext cx="1224136" cy="461665"/>
+          </a:xfrm>
+          <a:prstGeom prst="rect">
+            <a:avLst/>
+          </a:prstGeom>
+          <a:noFill/>
+        </p:spPr>
+        <p:txBody>
+          <a:bodyPr wrap="square" rtlCol="0">
+            <a:spAutoFit/>
+          </a:bodyPr>
+          <a:lstStyle/>
+          <a:p>
+            <a:pPr algn="ctr"/>
+            <a:r>
+              <a:rPr lang="de-DE" dirty="0" err="1" smtClean="0"/>
+              <a:t>Iter</a:t>
+            </a:r>
+            <a:r>
+              <a:rPr lang="de-DE" dirty="0" smtClean="0"/>
+              <a:t> 1</a:t>
+            </a:r>
+            <a:endParaRPr lang="de-DE" dirty="0"/>
+          </a:p>
+        </p:txBody>
+      </p:sp>
+      <p:sp>
+        <p:nvSpPr>
+          <p:cNvPr id="45" name="Textfeld 44"/>
+          <p:cNvSpPr txBox="1"/>
+          <p:nvPr/>
+        </p:nvSpPr>
+        <p:spPr>
+          <a:xfrm>
+            <a:off x="7164288" y="2420888"/>
+            <a:ext cx="1224136" cy="461665"/>
+          </a:xfrm>
+          <a:prstGeom prst="rect">
+            <a:avLst/>
+          </a:prstGeom>
+          <a:noFill/>
+        </p:spPr>
+        <p:txBody>
+          <a:bodyPr wrap="square" rtlCol="0">
+            <a:spAutoFit/>
+          </a:bodyPr>
+          <a:lstStyle/>
+          <a:p>
+            <a:pPr algn="ctr"/>
+            <a:r>
+              <a:rPr lang="de-DE" dirty="0" err="1" smtClean="0"/>
+              <a:t>Iter</a:t>
+            </a:r>
+            <a:r>
+              <a:rPr lang="de-DE" dirty="0" smtClean="0"/>
+              <a:t> n</a:t>
+            </a:r>
+            <a:endParaRPr lang="de-DE" dirty="0"/>
+          </a:p>
+        </p:txBody>
+      </p:sp>
+      <p:cxnSp>
+        <p:nvCxnSpPr>
+          <p:cNvPr id="47" name="Gerade Verbindung mit Pfeil 46"/>
+          <p:cNvCxnSpPr/>
+          <p:nvPr/>
+        </p:nvCxnSpPr>
+        <p:spPr bwMode="auto">
+          <a:xfrm>
+            <a:off x="4067944" y="2132856"/>
+            <a:ext cx="0" cy="720080"/>
+          </a:xfrm>
+          <a:prstGeom prst="straightConnector1">
+            <a:avLst/>
+          </a:prstGeom>
+          <a:solidFill>
+            <a:schemeClr val="accent1"/>
+          </a:solidFill>
+          <a:ln w="9525" cap="flat" cmpd="sng" algn="ctr">
+            <a:solidFill>
+              <a:schemeClr val="tx1"/>
+            </a:solidFill>
+            <a:prstDash val="solid"/>
+            <a:round/>
+            <a:headEnd type="none" w="med" len="med"/>
+            <a:tailEnd type="arrow"/>
+          </a:ln>
+          <a:effectLst/>
+        </p:spPr>
+      </p:cxnSp>
+      <p:cxnSp>
+        <p:nvCxnSpPr>
+          <p:cNvPr id="48" name="Gerade Verbindung mit Pfeil 47"/>
+          <p:cNvCxnSpPr/>
+          <p:nvPr/>
+        </p:nvCxnSpPr>
+        <p:spPr bwMode="auto">
+          <a:xfrm>
+            <a:off x="4067944" y="2852936"/>
+            <a:ext cx="0" cy="360040"/>
+          </a:xfrm>
+          <a:prstGeom prst="straightConnector1">
+            <a:avLst/>
+          </a:prstGeom>
+          <a:solidFill>
+            <a:schemeClr val="accent1"/>
+          </a:solidFill>
+          <a:ln w="9525" cap="flat" cmpd="sng" algn="ctr">
+            <a:solidFill>
+              <a:schemeClr val="tx1"/>
+            </a:solidFill>
+            <a:prstDash val="solid"/>
+            <a:round/>
+            <a:headEnd type="none" w="med" len="med"/>
+            <a:tailEnd type="arrow"/>
+          </a:ln>
+          <a:effectLst/>
+        </p:spPr>
+      </p:cxnSp>
+      <p:cxnSp>
+        <p:nvCxnSpPr>
+          <p:cNvPr id="50" name="Gerade Verbindung mit Pfeil 49"/>
+          <p:cNvCxnSpPr/>
+          <p:nvPr/>
+        </p:nvCxnSpPr>
+        <p:spPr bwMode="auto">
+          <a:xfrm>
+            <a:off x="4067944" y="3212976"/>
+            <a:ext cx="0" cy="720080"/>
+          </a:xfrm>
+          <a:prstGeom prst="straightConnector1">
+            <a:avLst/>
+          </a:prstGeom>
+          <a:solidFill>
+            <a:schemeClr val="accent1"/>
+          </a:solidFill>
+          <a:ln w="9525" cap="flat" cmpd="sng" algn="ctr">
+            <a:solidFill>
+              <a:schemeClr val="tx1"/>
+            </a:solidFill>
+            <a:prstDash val="solid"/>
+            <a:round/>
+            <a:headEnd type="none" w="med" len="med"/>
+            <a:tailEnd type="arrow"/>
+          </a:ln>
+          <a:effectLst/>
+        </p:spPr>
+      </p:cxnSp>
+      <p:sp>
+        <p:nvSpPr>
+          <p:cNvPr id="51" name="Textfeld 50"/>
+          <p:cNvSpPr txBox="1"/>
+          <p:nvPr/>
+        </p:nvSpPr>
+        <p:spPr>
+          <a:xfrm>
+            <a:off x="4211960" y="2132856"/>
+            <a:ext cx="432048" cy="338554"/>
+          </a:xfrm>
+          <a:prstGeom prst="rect">
+            <a:avLst/>
+          </a:prstGeom>
+          <a:noFill/>
+        </p:spPr>
+        <p:txBody>
+          <a:bodyPr wrap="square" rtlCol="0">
+            <a:spAutoFit/>
+          </a:bodyPr>
+          <a:lstStyle/>
+          <a:p>
+            <a:r>
+              <a:rPr lang="de-DE" sz="1600" dirty="0" smtClean="0"/>
+              <a:t>P0</a:t>
+            </a:r>
+            <a:endParaRPr lang="de-DE" sz="1600" dirty="0"/>
+          </a:p>
+        </p:txBody>
+      </p:sp>
+      <p:sp>
+        <p:nvSpPr>
+          <p:cNvPr id="54" name="Textfeld 53"/>
+          <p:cNvSpPr txBox="1"/>
+          <p:nvPr/>
+        </p:nvSpPr>
+        <p:spPr>
+          <a:xfrm>
+            <a:off x="4211960" y="2492896"/>
+            <a:ext cx="432048" cy="338554"/>
+          </a:xfrm>
+          <a:prstGeom prst="rect">
+            <a:avLst/>
+          </a:prstGeom>
+          <a:noFill/>
+        </p:spPr>
+        <p:txBody>
+          <a:bodyPr wrap="square" rtlCol="0">
+            <a:spAutoFit/>
+          </a:bodyPr>
+          <a:lstStyle/>
+          <a:p>
+            <a:r>
+              <a:rPr lang="de-DE" sz="1600" dirty="0" smtClean="0"/>
+              <a:t>P1</a:t>
+            </a:r>
+            <a:endParaRPr lang="de-DE" sz="1600" dirty="0"/>
+          </a:p>
+        </p:txBody>
+      </p:sp>
+      <p:sp>
+        <p:nvSpPr>
+          <p:cNvPr id="55" name="Textfeld 54"/>
+          <p:cNvSpPr txBox="1"/>
+          <p:nvPr/>
+        </p:nvSpPr>
+        <p:spPr>
+          <a:xfrm>
+            <a:off x="4211960" y="2852936"/>
+            <a:ext cx="432048" cy="338554"/>
+          </a:xfrm>
+          <a:prstGeom prst="rect">
+            <a:avLst/>
+          </a:prstGeom>
+          <a:noFill/>
+        </p:spPr>
+        <p:txBody>
+          <a:bodyPr wrap="square" rtlCol="0">
+            <a:spAutoFit/>
+          </a:bodyPr>
+          <a:lstStyle/>
+          <a:p>
+            <a:r>
+              <a:rPr lang="de-DE" sz="1600" dirty="0" err="1" smtClean="0"/>
+              <a:t>Kn</a:t>
+            </a:r>
+            <a:endParaRPr lang="de-DE" sz="1600" dirty="0"/>
+          </a:p>
+        </p:txBody>
+      </p:sp>
+      <p:sp>
+        <p:nvSpPr>
+          <p:cNvPr id="56" name="Textfeld 55"/>
+          <p:cNvSpPr txBox="1"/>
+          <p:nvPr/>
+        </p:nvSpPr>
+        <p:spPr>
+          <a:xfrm>
+            <a:off x="4211960" y="3212976"/>
+            <a:ext cx="432048" cy="338554"/>
+          </a:xfrm>
+          <a:prstGeom prst="rect">
+            <a:avLst/>
+          </a:prstGeom>
+          <a:noFill/>
+        </p:spPr>
+        <p:txBody>
+          <a:bodyPr wrap="square" rtlCol="0">
+            <a:spAutoFit/>
+          </a:bodyPr>
+          <a:lstStyle/>
+          <a:p>
+            <a:r>
+              <a:rPr lang="de-DE" sz="1600" dirty="0" smtClean="0"/>
+              <a:t>E</a:t>
+            </a:r>
+            <a:r>
+              <a:rPr lang="de-DE" sz="1600" dirty="0" smtClean="0"/>
+              <a:t>0</a:t>
+            </a:r>
+            <a:endParaRPr lang="de-DE" sz="1600" dirty="0"/>
+          </a:p>
+        </p:txBody>
+      </p:sp>
+      <p:sp>
+        <p:nvSpPr>
+          <p:cNvPr id="57" name="Textfeld 56"/>
+          <p:cNvSpPr txBox="1"/>
+          <p:nvPr/>
+        </p:nvSpPr>
+        <p:spPr>
+          <a:xfrm>
+            <a:off x="4211960" y="3501008"/>
+            <a:ext cx="432048" cy="338554"/>
+          </a:xfrm>
+          <a:prstGeom prst="rect">
+            <a:avLst/>
+          </a:prstGeom>
+          <a:noFill/>
+        </p:spPr>
+        <p:txBody>
+          <a:bodyPr wrap="square" rtlCol="0">
+            <a:spAutoFit/>
+          </a:bodyPr>
+          <a:lstStyle/>
+          <a:p>
+            <a:r>
+              <a:rPr lang="de-DE" sz="1600" dirty="0" smtClean="0"/>
+              <a:t>E</a:t>
+            </a:r>
+            <a:r>
+              <a:rPr lang="de-DE" sz="1600" dirty="0" smtClean="0"/>
+              <a:t>1</a:t>
+            </a:r>
+            <a:endParaRPr lang="de-DE" sz="1600" dirty="0"/>
+          </a:p>
+        </p:txBody>
+      </p:sp>
+      <p:cxnSp>
+        <p:nvCxnSpPr>
+          <p:cNvPr id="67" name="Gewinkelte Verbindung 66"/>
+          <p:cNvCxnSpPr/>
+          <p:nvPr/>
+        </p:nvCxnSpPr>
+        <p:spPr bwMode="auto">
+          <a:xfrm rot="16200000" flipV="1">
+            <a:off x="3743908" y="2816932"/>
+            <a:ext cx="360040" cy="288032"/>
+          </a:xfrm>
+          <a:prstGeom prst="bentConnector3">
+            <a:avLst>
+              <a:gd name="adj1" fmla="val 1159"/>
+            </a:avLst>
+          </a:prstGeom>
+          <a:solidFill>
+            <a:schemeClr val="accent1"/>
+          </a:solidFill>
+          <a:ln w="9525" cap="flat" cmpd="sng" algn="ctr">
+            <a:solidFill>
+              <a:schemeClr val="tx1"/>
+            </a:solidFill>
+            <a:prstDash val="solid"/>
+            <a:round/>
+            <a:headEnd type="none" w="med" len="med"/>
+            <a:tailEnd type="none"/>
+          </a:ln>
+          <a:effectLst/>
+        </p:spPr>
+      </p:cxnSp>
+      <p:cxnSp>
+        <p:nvCxnSpPr>
+          <p:cNvPr id="80" name="Gerade Verbindung mit Pfeil 79"/>
+          <p:cNvCxnSpPr/>
+          <p:nvPr/>
+        </p:nvCxnSpPr>
+        <p:spPr bwMode="auto">
+          <a:xfrm>
+            <a:off x="3779912" y="2780928"/>
+            <a:ext cx="288032" cy="0"/>
+          </a:xfrm>
+          <a:prstGeom prst="straightConnector1">
+            <a:avLst/>
+          </a:prstGeom>
+          <a:solidFill>
+            <a:schemeClr val="accent1"/>
+          </a:solidFill>
+          <a:ln w="9525" cap="flat" cmpd="sng" algn="ctr">
+            <a:solidFill>
+              <a:schemeClr val="tx1"/>
+            </a:solidFill>
+            <a:prstDash val="solid"/>
+            <a:round/>
+            <a:headEnd type="none" w="med" len="med"/>
+            <a:tailEnd type="arrow"/>
           </a:ln>
           <a:effectLst/>
         </p:spPr>
@@ -9443,7 +10755,7 @@
         <p:spPr>
           <a:xfrm>
             <a:off x="3131840" y="1268760"/>
-            <a:ext cx="5688632" cy="3416320"/>
+            <a:ext cx="5688632" cy="3046988"/>
           </a:xfrm>
           <a:prstGeom prst="rect">
             <a:avLst/>
@@ -9492,18 +10804,6 @@
             </a:r>
           </a:p>
           <a:p>
-            <a:pPr>
-              <a:buFont typeface="Wingdings" pitchFamily="2" charset="2"/>
-              <a:buChar char="§"/>
-            </a:pPr>
-            <a:r>
-              <a:rPr lang="de-DE" dirty="0" smtClean="0">
-                <a:latin typeface="+mn-lt"/>
-              </a:rPr>
-              <a:t>Zusätzliche Optimierung des Logarithmus</a:t>
-            </a:r>
-          </a:p>
-          <a:p>
             <a:endParaRPr lang="de-DE" dirty="0" smtClean="0">
               <a:latin typeface="+mn-lt"/>
             </a:endParaRPr>
@@ -9520,13 +10820,19 @@
               <a:rPr lang="de-DE" dirty="0" err="1" smtClean="0">
                 <a:latin typeface="+mn-lt"/>
               </a:rPr>
-              <a:t>Insgesammte</a:t>
+              <a:t>Insgesamte</a:t>
             </a:r>
             <a:r>
               <a:rPr lang="de-DE" dirty="0" smtClean="0">
                 <a:latin typeface="+mn-lt"/>
               </a:rPr>
-              <a:t> Beschleunigung um Faktor 3</a:t>
+              <a:t> </a:t>
+            </a:r>
+            <a:r>
+              <a:rPr lang="de-DE" dirty="0" smtClean="0">
+                <a:latin typeface="+mn-lt"/>
+              </a:rPr>
+              <a:t>Beschleunigung um Faktor 3</a:t>
             </a:r>
           </a:p>
           <a:p>
@@ -9539,7 +10845,7 @@
     </p:spTree>
     <p:extLst>
       <p:ext uri="{BB962C8B-B14F-4D97-AF65-F5344CB8AC3E}">
-        <p14:creationId xmlns:p14="http://schemas.microsoft.com/office/powerpoint/2010/main" xmlns="" val="1806618595"/>
+        <p14:creationId xmlns="" xmlns:p14="http://schemas.microsoft.com/office/powerpoint/2010/main" val="1806618595"/>
       </p:ext>
     </p:extLst>
   </p:cSld>
@@ -9583,7 +10889,7 @@
             <p:ph idx="1"/>
             <p:extLst>
               <p:ext uri="{D42A27DB-BD31-4B8C-83A1-F6EECF244321}">
-                <p14:modId xmlns:p14="http://schemas.microsoft.com/office/powerpoint/2010/main" xmlns="" val="2558019255"/>
+                <p14:modId xmlns="" xmlns:p14="http://schemas.microsoft.com/office/powerpoint/2010/main" val="2558019255"/>
               </p:ext>
             </p:extLst>
           </p:nvPr>
@@ -9594,7 +10900,7 @@
         </p:xfrm>
         <a:graphic>
           <a:graphicData uri="http://schemas.openxmlformats.org/drawingml/2006/chart">
-            <c:chart xmlns:c="http://schemas.openxmlformats.org/drawingml/2006/chart" xmlns:r="http://schemas.openxmlformats.org/officeDocument/2006/relationships" r:id="rId2"/>
+            <c:chart xmlns:c="http://schemas.openxmlformats.org/drawingml/2006/chart" xmlns:r="http://schemas.openxmlformats.org/officeDocument/2006/relationships" r:id="rId3"/>
           </a:graphicData>
         </a:graphic>
       </p:graphicFrame>
@@ -9701,6 +11007,26 @@
           </a:p>
         </p:txBody>
       </p:sp>
+      <p:graphicFrame>
+        <p:nvGraphicFramePr>
+          <p:cNvPr id="21505" name="Object 1"/>
+          <p:cNvGraphicFramePr>
+            <a:graphicFrameLocks noChangeAspect="1"/>
+          </p:cNvGraphicFramePr>
+          <p:nvPr/>
+        </p:nvGraphicFramePr>
+        <p:xfrm>
+          <a:off x="6372200" y="4797152"/>
+          <a:ext cx="2222500" cy="838200"/>
+        </p:xfrm>
+        <a:graphic>
+          <a:graphicData uri="http://schemas.openxmlformats.org/presentationml/2006/ole">
+            <p:oleObj spid="_x0000_s21505" name="Equation" r:id="rId4" imgW="1143000" imgH="431800" progId="">
+              <p:embed/>
+            </p:oleObj>
+          </a:graphicData>
+        </a:graphic>
+      </p:graphicFrame>
     </p:spTree>
   </p:cSld>
   <p:clrMapOvr>
@@ -9743,7 +11069,7 @@
             <p:ph idx="1"/>
             <p:extLst>
               <p:ext uri="{D42A27DB-BD31-4B8C-83A1-F6EECF244321}">
-                <p14:modId xmlns:p14="http://schemas.microsoft.com/office/powerpoint/2010/main" xmlns="" val="654578910"/>
+                <p14:modId xmlns="" xmlns:p14="http://schemas.microsoft.com/office/powerpoint/2010/main" val="654578910"/>
               </p:ext>
             </p:extLst>
           </p:nvPr>
@@ -10207,8 +11533,12 @@
                     <a:lstStyle/>
                     <a:p>
                       <a:r>
+                        <a:rPr lang="de-DE" dirty="0" err="1" smtClean="0"/>
+                        <a:t>Klassifikator</a:t>
+                      </a:r>
+                      <a:r>
                         <a:rPr lang="de-DE" dirty="0" smtClean="0"/>
-                        <a:t>Klassifikation:</a:t>
+                        <a:t>:</a:t>
                       </a:r>
                       <a:endParaRPr lang="de-DE" dirty="0"/>
                     </a:p>
@@ -10305,58 +11635,6 @@
       </p:sp>
       <p:graphicFrame>
         <p:nvGraphicFramePr>
-          <p:cNvPr id="2" name="Objekt 1"/>
-          <p:cNvGraphicFramePr>
-            <a:graphicFrameLocks noChangeAspect="1"/>
-          </p:cNvGraphicFramePr>
-          <p:nvPr>
-            <p:extLst>
-              <p:ext uri="{D42A27DB-BD31-4B8C-83A1-F6EECF244321}">
-                <p14:modId xmlns:p14="http://schemas.microsoft.com/office/powerpoint/2010/main" xmlns="" val="2048067718"/>
-              </p:ext>
-            </p:extLst>
-          </p:nvPr>
-        </p:nvGraphicFramePr>
-        <p:xfrm>
-          <a:off x="179512" y="4364524"/>
-          <a:ext cx="2232248" cy="843294"/>
-        </p:xfrm>
-        <a:graphic>
-          <a:graphicData uri="http://schemas.openxmlformats.org/presentationml/2006/ole">
-            <p:oleObj spid="_x0000_s20523" name="Equation" r:id="rId3" imgW="1143000" imgH="431800" progId="">
-              <p:embed/>
-            </p:oleObj>
-          </a:graphicData>
-        </a:graphic>
-      </p:graphicFrame>
-      <p:graphicFrame>
-        <p:nvGraphicFramePr>
-          <p:cNvPr id="6" name="Objekt 5"/>
-          <p:cNvGraphicFramePr>
-            <a:graphicFrameLocks noChangeAspect="1"/>
-          </p:cNvGraphicFramePr>
-          <p:nvPr>
-            <p:extLst>
-              <p:ext uri="{D42A27DB-BD31-4B8C-83A1-F6EECF244321}">
-                <p14:modId xmlns:p14="http://schemas.microsoft.com/office/powerpoint/2010/main" xmlns="" val="2087392482"/>
-              </p:ext>
-            </p:extLst>
-          </p:nvPr>
-        </p:nvGraphicFramePr>
-        <p:xfrm>
-          <a:off x="2473325" y="4437063"/>
-          <a:ext cx="2757488" cy="749300"/>
-        </p:xfrm>
-        <a:graphic>
-          <a:graphicData uri="http://schemas.openxmlformats.org/presentationml/2006/ole">
-            <p:oleObj spid="_x0000_s20524" name="Equation" r:id="rId4" imgW="1587240" imgH="431640" progId="">
-              <p:embed/>
-            </p:oleObj>
-          </a:graphicData>
-        </a:graphic>
-      </p:graphicFrame>
-      <p:graphicFrame>
-        <p:nvGraphicFramePr>
           <p:cNvPr id="7" name="Objekt 6"/>
           <p:cNvGraphicFramePr>
             <a:graphicFrameLocks noChangeAspect="1"/>
@@ -10364,18 +11642,18 @@
           <p:nvPr>
             <p:extLst>
               <p:ext uri="{D42A27DB-BD31-4B8C-83A1-F6EECF244321}">
-                <p14:modId xmlns:p14="http://schemas.microsoft.com/office/powerpoint/2010/main" xmlns="" val="2490061991"/>
+                <p14:modId xmlns="" xmlns:p14="http://schemas.microsoft.com/office/powerpoint/2010/main" val="2490061991"/>
               </p:ext>
             </p:extLst>
           </p:nvPr>
         </p:nvGraphicFramePr>
         <p:xfrm>
-          <a:off x="5292080" y="4580548"/>
+          <a:off x="1907704" y="4365104"/>
           <a:ext cx="3600400" cy="492141"/>
         </p:xfrm>
         <a:graphic>
           <a:graphicData uri="http://schemas.openxmlformats.org/presentationml/2006/ole">
-            <p:oleObj spid="_x0000_s20525" name="Equation" r:id="rId5" imgW="1765300" imgH="241300" progId="">
+            <p:oleObj spid="_x0000_s20525" name="Equation" r:id="rId3" imgW="1765300" imgH="241300" progId="">
               <p:embed/>
             </p:oleObj>
           </a:graphicData>
@@ -10389,8 +11667,8 @@
         </p:nvSpPr>
         <p:spPr>
           <a:xfrm>
-            <a:off x="323528" y="5373216"/>
-            <a:ext cx="8568952" cy="1200329"/>
+            <a:off x="323528" y="4365104"/>
+            <a:ext cx="8568952" cy="2554545"/>
           </a:xfrm>
           <a:prstGeom prst="rect">
             <a:avLst/>
@@ -10411,64 +11689,64 @@
               <a:rPr lang="de-DE" dirty="0" smtClean="0">
                 <a:latin typeface="+mn-lt"/>
               </a:rPr>
-              <a:t>Extraktionsrate R</a:t>
-            </a:r>
-            <a:r>
-              <a:rPr lang="de-DE" baseline="-25000" dirty="0" smtClean="0">
-                <a:latin typeface="+mn-lt"/>
-              </a:rPr>
-              <a:t>ex</a:t>
-            </a:r>
-            <a:r>
-              <a:rPr lang="de-DE" dirty="0" smtClean="0">
-                <a:latin typeface="+mn-lt"/>
-              </a:rPr>
-              <a:t>, Energie-Effizienz </a:t>
-            </a:r>
-            <a:r>
-              <a:rPr lang="de-DE" dirty="0" err="1" smtClean="0">
-                <a:latin typeface="+mn-lt"/>
-              </a:rPr>
-              <a:t>E</a:t>
-            </a:r>
-            <a:r>
-              <a:rPr lang="de-DE" baseline="-25000" dirty="0" err="1" smtClean="0">
-                <a:latin typeface="+mn-lt"/>
-              </a:rPr>
-              <a:t>eff</a:t>
-            </a:r>
-            <a:r>
-              <a:rPr lang="de-DE" dirty="0" smtClean="0">
-                <a:latin typeface="+mn-lt"/>
-              </a:rPr>
-              <a:t>, Laufzeit </a:t>
-            </a:r>
-            <a:r>
-              <a:rPr lang="de-DE" dirty="0" err="1" smtClean="0">
-                <a:latin typeface="+mn-lt"/>
-              </a:rPr>
-              <a:t>T</a:t>
-            </a:r>
-            <a:r>
-              <a:rPr lang="de-DE" baseline="-25000" dirty="0" err="1" smtClean="0">
-                <a:latin typeface="+mn-lt"/>
-              </a:rPr>
-              <a:t>ges</a:t>
-            </a:r>
-            <a:endParaRPr lang="de-DE" baseline="-25000" dirty="0" smtClean="0">
-              <a:latin typeface="+mn-lt"/>
-            </a:endParaRPr>
+              <a:t>Laufzeit:</a:t>
+            </a:r>
           </a:p>
           <a:p>
             <a:pPr marL="342900" indent="-342900">
               <a:buFont typeface="Wingdings" pitchFamily="2" charset="2"/>
               <a:buChar char="§"/>
             </a:pPr>
+            <a:endParaRPr lang="de-DE" dirty="0" smtClean="0">
+              <a:latin typeface="+mn-lt"/>
+            </a:endParaRPr>
+          </a:p>
+          <a:p>
+            <a:pPr marL="342900" indent="-342900">
+              <a:buFont typeface="Wingdings" pitchFamily="2" charset="2"/>
+              <a:buChar char="§"/>
+            </a:pPr>
+            <a:endParaRPr lang="de-DE" dirty="0" smtClean="0">
+              <a:latin typeface="+mn-lt"/>
+            </a:endParaRPr>
+          </a:p>
+          <a:p>
+            <a:pPr marL="342900" indent="-342900">
+              <a:buFont typeface="Wingdings" pitchFamily="2" charset="2"/>
+              <a:buChar char="§"/>
+            </a:pPr>
             <a:r>
               <a:rPr lang="de-DE" dirty="0" smtClean="0">
                 <a:latin typeface="+mn-lt"/>
               </a:rPr>
-              <a:t>Leistungsaufnahmen von Texas Instruments geschätzt</a:t>
+              <a:t>Energie-Effizienz: </a:t>
+            </a:r>
+          </a:p>
+          <a:p>
+            <a:pPr marL="342900" indent="-342900">
+              <a:buFont typeface="Wingdings" pitchFamily="2" charset="2"/>
+              <a:buChar char="§"/>
+            </a:pPr>
+            <a:endParaRPr lang="de-DE" sz="1600" dirty="0" smtClean="0">
+              <a:latin typeface="+mn-lt"/>
+            </a:endParaRPr>
+          </a:p>
+          <a:p>
+            <a:pPr marL="342900" indent="-342900">
+              <a:buFont typeface="Wingdings" pitchFamily="2" charset="2"/>
+              <a:buChar char="§"/>
+            </a:pPr>
+            <a:r>
+              <a:rPr lang="de-DE" dirty="0" smtClean="0">
+                <a:latin typeface="+mn-lt"/>
+              </a:rPr>
+              <a:t>Leistungsaufnahmen </a:t>
+            </a:r>
+            <a:r>
+              <a:rPr lang="de-DE" dirty="0" smtClean="0">
+                <a:latin typeface="+mn-lt"/>
+              </a:rPr>
+              <a:t>von Texas Instruments geschätzt</a:t>
             </a:r>
           </a:p>
           <a:p>
@@ -10482,6 +11760,26 @@
           </a:p>
         </p:txBody>
       </p:sp>
+      <p:graphicFrame>
+        <p:nvGraphicFramePr>
+          <p:cNvPr id="8" name="Objekt 7"/>
+          <p:cNvGraphicFramePr>
+            <a:graphicFrameLocks noChangeAspect="1"/>
+          </p:cNvGraphicFramePr>
+          <p:nvPr/>
+        </p:nvGraphicFramePr>
+        <p:xfrm>
+          <a:off x="2987824" y="4869160"/>
+          <a:ext cx="3823484" cy="1234162"/>
+        </p:xfrm>
+        <a:graphic>
+          <a:graphicData uri="http://schemas.openxmlformats.org/presentationml/2006/ole">
+            <p:oleObj spid="_x0000_s20526" name="Formel" r:id="rId4" imgW="2006280" imgH="647640" progId="Equation.3">
+              <p:embed/>
+            </p:oleObj>
+          </a:graphicData>
+        </a:graphic>
+      </p:graphicFrame>
     </p:spTree>
   </p:cSld>
   <p:clrMapOvr>
@@ -10524,7 +11822,7 @@
             <p:ph idx="1"/>
             <p:extLst>
               <p:ext uri="{D42A27DB-BD31-4B8C-83A1-F6EECF244321}">
-                <p14:modId xmlns:p14="http://schemas.microsoft.com/office/powerpoint/2010/main" xmlns="" val="2896852188"/>
+                <p14:modId xmlns="" xmlns:p14="http://schemas.microsoft.com/office/powerpoint/2010/main" val="2896852188"/>
               </p:ext>
             </p:extLst>
           </p:nvPr>
@@ -10679,7 +11977,7 @@
             <p:ph idx="1"/>
             <p:extLst>
               <p:ext uri="{D42A27DB-BD31-4B8C-83A1-F6EECF244321}">
-                <p14:modId xmlns:p14="http://schemas.microsoft.com/office/powerpoint/2010/main" xmlns="" val="774806516"/>
+                <p14:modId xmlns="" xmlns:p14="http://schemas.microsoft.com/office/powerpoint/2010/main" val="774806516"/>
               </p:ext>
             </p:extLst>
           </p:nvPr>
@@ -10861,26 +12159,51 @@
             </a:r>
             <a:r>
               <a:rPr lang="de-DE" dirty="0"/>
-              <a:t>auf Cortex A8 und C674x</a:t>
-            </a:r>
-          </a:p>
-          <a:p>
-            <a:r>
-              <a:rPr lang="de-DE" dirty="0"/>
-              <a:t>Untersuchung der Rechenzeit und Energie-Effizienz von Cortex A8 und heterogenen Systems zur Musikklassifikation</a:t>
-            </a:r>
-          </a:p>
-          <a:p>
-            <a:r>
-              <a:rPr lang="de-DE" dirty="0"/>
-              <a:t>Vergleich der beiden Systeme</a:t>
-            </a:r>
+              <a:t>auf Cortex A8 und </a:t>
+            </a:r>
+            <a:r>
+              <a:rPr lang="de-DE" dirty="0" smtClean="0"/>
+              <a:t>C674x</a:t>
+            </a:r>
+          </a:p>
+          <a:p>
+            <a:r>
+              <a:rPr lang="de-DE" dirty="0" smtClean="0"/>
+              <a:t>Verbesserte Extraktionsraten:</a:t>
+            </a:r>
+          </a:p>
+          <a:p>
+            <a:pPr lvl="1"/>
+            <a:r>
+              <a:rPr lang="de-DE" dirty="0" smtClean="0"/>
+              <a:t>ARM: bis zu 95%</a:t>
+            </a:r>
+          </a:p>
+          <a:p>
+            <a:pPr lvl="1"/>
+            <a:r>
+              <a:rPr lang="de-DE" dirty="0" smtClean="0"/>
+              <a:t>DSP: bis zu 90%</a:t>
+            </a:r>
+          </a:p>
+          <a:p>
+            <a:r>
+              <a:rPr lang="de-DE" dirty="0" smtClean="0"/>
+              <a:t>Heterogenes System bis zu 200% schnellere Laufzeit</a:t>
+            </a:r>
+          </a:p>
+          <a:p>
+            <a:r>
+              <a:rPr lang="de-DE" dirty="0" smtClean="0"/>
+              <a:t>ARM bis zu 80% Energie-effizienter</a:t>
+            </a:r>
+            <a:endParaRPr lang="de-DE" dirty="0"/>
           </a:p>
           <a:p>
             <a:pPr marL="0" indent="0">
               <a:buNone/>
             </a:pPr>
-            <a:endParaRPr lang="de-DE" dirty="0"/>
+            <a:endParaRPr lang="de-DE" dirty="0" smtClean="0"/>
           </a:p>
         </p:txBody>
       </p:sp>
@@ -10915,7 +12238,7 @@
         </p:nvSpPr>
         <p:spPr bwMode="auto">
           <a:xfrm>
-            <a:off x="611560" y="4437112"/>
+            <a:off x="611560" y="5229200"/>
             <a:ext cx="8136904" cy="1152128"/>
           </a:xfrm>
           <a:prstGeom prst="rect">
@@ -10956,7 +12279,7 @@
               <a:tabLst/>
             </a:pPr>
             <a:r>
-              <a:rPr kumimoji="0" lang="de-DE" sz="2400" b="0" i="0" u="none" strike="noStrike" cap="none" normalizeH="0" baseline="0" dirty="0" smtClean="0">
+              <a:rPr kumimoji="0" lang="de-DE" sz="2400" b="1" i="0" u="sng" strike="noStrike" cap="none" normalizeH="0" baseline="0" dirty="0" smtClean="0">
                 <a:ln>
                   <a:noFill/>
                 </a:ln>
@@ -10966,12 +12289,11 @@
                 <a:effectLst/>
                 <a:latin typeface="+mn-lt"/>
                 <a:ea typeface="ＭＳ Ｐゴシック" pitchFamily="1" charset="-128"/>
-                <a:sym typeface="Wingdings" pitchFamily="2" charset="2"/>
-              </a:rPr>
-              <a:t></a:t>
-            </a:r>
-            <a:r>
-              <a:rPr kumimoji="0" lang="de-DE" sz="2400" b="0" i="0" u="none" strike="noStrike" cap="none" normalizeH="0" baseline="0" dirty="0" smtClean="0">
+              </a:rPr>
+              <a:t>Jetzt</a:t>
+            </a:r>
+            <a:r>
+              <a:rPr kumimoji="0" lang="de-DE" sz="2400" b="1" i="0" u="sng" strike="noStrike" cap="none" normalizeH="0" dirty="0" smtClean="0">
                 <a:ln>
                   <a:noFill/>
                 </a:ln>
@@ -10982,50 +12304,7 @@
                 <a:latin typeface="+mn-lt"/>
                 <a:ea typeface="ＭＳ Ｐゴシック" pitchFamily="1" charset="-128"/>
               </a:rPr>
-              <a:t>Optimierte</a:t>
-            </a:r>
-            <a:r>
-              <a:rPr kumimoji="0" lang="de-DE" sz="2400" b="0" i="0" u="none" strike="noStrike" cap="none" normalizeH="0" dirty="0" smtClean="0">
-                <a:ln>
-                  <a:noFill/>
-                </a:ln>
-                <a:solidFill>
-                  <a:schemeClr val="tx1"/>
-                </a:solidFill>
-                <a:effectLst/>
-                <a:latin typeface="+mn-lt"/>
-                <a:ea typeface="ＭＳ Ｐゴシック" pitchFamily="1" charset="-128"/>
-              </a:rPr>
-              <a:t> Versionen der Merkmalsextraktion auf ARM und DSP </a:t>
-            </a:r>
-            <a:r>
-              <a:rPr kumimoji="0" lang="de-DE" sz="2400" b="0" i="0" u="none" strike="noStrike" cap="none" normalizeH="0" dirty="0" smtClean="0">
-                <a:ln>
-                  <a:noFill/>
-                </a:ln>
-                <a:solidFill>
-                  <a:schemeClr val="tx1"/>
-                </a:solidFill>
-                <a:effectLst/>
-                <a:latin typeface="+mn-lt"/>
-                <a:ea typeface="ＭＳ Ｐゴシック" pitchFamily="1" charset="-128"/>
-                <a:sym typeface="Wingdings" pitchFamily="2" charset="2"/>
-              </a:rPr>
-              <a:t></a:t>
-            </a:r>
-            <a:r>
-              <a:rPr lang="de-DE" baseline="0" dirty="0" smtClean="0">
-                <a:latin typeface="+mn-lt"/>
-                <a:ea typeface="ＭＳ Ｐゴシック" pitchFamily="1" charset="-128"/>
-              </a:rPr>
-              <a:t>Optimierungsbeispiele</a:t>
-            </a:r>
-            <a:r>
-              <a:rPr lang="de-DE" dirty="0" smtClean="0">
-                <a:latin typeface="+mn-lt"/>
-                <a:ea typeface="ＭＳ Ｐゴシック" pitchFamily="1" charset="-128"/>
-              </a:rPr>
-              <a:t> für ARM und DSP</a:t>
+              <a:t> steht zur Verfügung:</a:t>
             </a:r>
           </a:p>
           <a:p>
@@ -11044,67 +12323,12 @@
               <a:tabLst/>
             </a:pPr>
             <a:r>
-              <a:rPr kumimoji="0" lang="de-DE" sz="2400" b="0" i="0" u="none" strike="noStrike" cap="none" normalizeH="0" baseline="0" dirty="0" smtClean="0">
-                <a:ln>
-                  <a:noFill/>
-                </a:ln>
-                <a:solidFill>
-                  <a:schemeClr val="tx1"/>
-                </a:solidFill>
-                <a:effectLst/>
-                <a:latin typeface="+mn-lt"/>
-                <a:ea typeface="ＭＳ Ｐゴシック" pitchFamily="1" charset="-128"/>
-                <a:sym typeface="Wingdings" pitchFamily="2" charset="2"/>
-              </a:rPr>
-              <a:t>Applikations</a:t>
-            </a:r>
-            <a:r>
               <a:rPr lang="de-DE" dirty="0" smtClean="0">
                 <a:latin typeface="+mn-lt"/>
                 <a:ea typeface="ＭＳ Ｐゴシック" pitchFamily="1" charset="-128"/>
-                <a:sym typeface="Wingdings" pitchFamily="2" charset="2"/>
-              </a:rPr>
-              <a:t>spezifische </a:t>
-            </a:r>
-            <a:r>
-              <a:rPr kumimoji="0" lang="de-DE" sz="2400" b="0" i="0" u="none" strike="noStrike" cap="none" normalizeH="0" baseline="0" dirty="0" smtClean="0">
-                <a:ln>
-                  <a:noFill/>
-                </a:ln>
-                <a:solidFill>
-                  <a:schemeClr val="tx1"/>
-                </a:solidFill>
-                <a:effectLst/>
-                <a:latin typeface="+mn-lt"/>
-                <a:ea typeface="ＭＳ Ｐゴシック" pitchFamily="1" charset="-128"/>
-              </a:rPr>
-              <a:t>Bewertung</a:t>
-            </a:r>
-            <a:r>
-              <a:rPr kumimoji="0" lang="de-DE" sz="2400" b="0" i="0" u="none" strike="noStrike" cap="none" normalizeH="0" dirty="0" smtClean="0">
-                <a:ln>
-                  <a:noFill/>
-                </a:ln>
-                <a:solidFill>
-                  <a:schemeClr val="tx1"/>
-                </a:solidFill>
-                <a:effectLst/>
-                <a:latin typeface="+mn-lt"/>
-                <a:ea typeface="ＭＳ Ｐゴシック" pitchFamily="1" charset="-128"/>
-              </a:rPr>
-              <a:t> der Architekturen</a:t>
-            </a:r>
-            <a:endParaRPr kumimoji="0" lang="de-DE" sz="2400" b="0" i="0" u="none" strike="noStrike" cap="none" normalizeH="0" baseline="0" dirty="0" smtClean="0">
-              <a:ln>
-                <a:noFill/>
-              </a:ln>
-              <a:solidFill>
-                <a:schemeClr val="tx1"/>
-              </a:solidFill>
-              <a:effectLst/>
-              <a:latin typeface="+mn-lt"/>
-              <a:ea typeface="ＭＳ Ｐゴシック" pitchFamily="1" charset="-128"/>
-            </a:endParaRPr>
+              </a:rPr>
+              <a:t>Eine portierter und optimierte Musikklassifikation für ein heterogenes System aus ARM Cortex A8 und TI C674x DSP</a:t>
+            </a:r>
           </a:p>
         </p:txBody>
       </p:sp>
@@ -11150,7 +12374,7 @@
             <p:ph idx="1"/>
             <p:extLst>
               <p:ext uri="{D42A27DB-BD31-4B8C-83A1-F6EECF244321}">
-                <p14:modId xmlns:p14="http://schemas.microsoft.com/office/powerpoint/2010/main" xmlns="" val="2551806399"/>
+                <p14:modId xmlns="" xmlns:p14="http://schemas.microsoft.com/office/powerpoint/2010/main" val="2551806399"/>
               </p:ext>
             </p:extLst>
           </p:nvPr>
@@ -11574,8 +12798,18 @@
             </a:pPr>
             <a:r>
               <a:rPr lang="de-DE" dirty="0" smtClean="0"/>
-              <a:t>Einsatz von automatischer Musikklassifikation</a:t>
-            </a:r>
+              <a:t>Einsatz von automatischer </a:t>
+            </a:r>
+            <a:r>
+              <a:rPr lang="de-DE" dirty="0" smtClean="0"/>
+              <a:t>Musikklassifikation</a:t>
+            </a:r>
+          </a:p>
+          <a:p>
+            <a:pPr marL="0" indent="0">
+              <a:buNone/>
+            </a:pPr>
+            <a:endParaRPr lang="de-DE" dirty="0" smtClean="0"/>
           </a:p>
           <a:p>
             <a:pPr>
@@ -11867,7 +13101,7 @@
         <p:spPr>
           <a:xfrm>
             <a:off x="217686" y="4583385"/>
-            <a:ext cx="8674793" cy="1569660"/>
+            <a:ext cx="8674793" cy="1200329"/>
           </a:xfrm>
           <a:prstGeom prst="rect">
             <a:avLst/>
@@ -11888,34 +13122,13 @@
               <a:rPr lang="de-DE" dirty="0" smtClean="0">
                 <a:latin typeface="+mn-lt"/>
               </a:rPr>
-              <a:t>Merkmalsreihen </a:t>
-            </a:r>
-            <a:r>
-              <a:rPr lang="de-DE" dirty="0" err="1" smtClean="0">
-                <a:latin typeface="+mn-lt"/>
-              </a:rPr>
-              <a:t>M</a:t>
-            </a:r>
-            <a:r>
-              <a:rPr lang="de-DE" baseline="-25000" dirty="0" err="1" smtClean="0">
-                <a:latin typeface="+mn-lt"/>
-              </a:rPr>
-              <a:t>n</a:t>
-            </a:r>
-            <a:endParaRPr lang="de-DE" dirty="0" smtClean="0">
-              <a:latin typeface="+mn-lt"/>
-            </a:endParaRPr>
-          </a:p>
-          <a:p>
-            <a:pPr marL="342900" indent="-342900">
-              <a:buFont typeface="Wingdings" pitchFamily="2" charset="2"/>
-              <a:buChar char="§"/>
-            </a:pPr>
+              <a:t>Minimierung </a:t>
+            </a:r>
             <a:r>
               <a:rPr lang="de-DE" dirty="0" smtClean="0">
                 <a:latin typeface="+mn-lt"/>
               </a:rPr>
-              <a:t>Minimierung der Daten auf eine feste Anzahl</a:t>
+              <a:t>der Daten auf eine feste Anzahl</a:t>
             </a:r>
           </a:p>
           <a:p>
@@ -11956,7 +13169,7 @@
           <p:nvPr>
             <p:extLst>
               <p:ext uri="{D42A27DB-BD31-4B8C-83A1-F6EECF244321}">
-                <p14:modId xmlns:p14="http://schemas.microsoft.com/office/powerpoint/2010/main" xmlns="" val="1147201468"/>
+                <p14:modId xmlns="" xmlns:p14="http://schemas.microsoft.com/office/powerpoint/2010/main" val="1147201468"/>
               </p:ext>
             </p:extLst>
           </p:nvPr>
@@ -11985,7 +13198,7 @@
           <a:blip r:embed="rId4" cstate="print">
             <a:extLst>
               <a:ext uri="{28A0092B-C50C-407E-A947-70E740481C1C}">
-                <a14:useLocalDpi xmlns:a14="http://schemas.microsoft.com/office/drawing/2010/main" xmlns="" val="0"/>
+                <a14:useLocalDpi xmlns="" xmlns:a14="http://schemas.microsoft.com/office/drawing/2010/main" val="0"/>
               </a:ext>
             </a:extLst>
           </a:blip>
@@ -14726,7 +15939,7 @@
             </p:nvSpPr>
             <p:spPr bwMode="auto">
               <a:xfrm>
-                <a:off x="-1088354" y="7431971"/>
+                <a:off x="-1323015" y="7071144"/>
                 <a:ext cx="144016" cy="156275"/>
               </a:xfrm>
               <a:prstGeom prst="rect">
@@ -14792,7 +16005,7 @@
             </p:nvSpPr>
             <p:spPr bwMode="auto">
               <a:xfrm>
-                <a:off x="-314175" y="6530298"/>
+                <a:off x="-543959" y="6277866"/>
                 <a:ext cx="144016" cy="156275"/>
               </a:xfrm>
               <a:prstGeom prst="rect">
@@ -15188,7 +16401,7 @@
             </p:nvSpPr>
             <p:spPr bwMode="auto">
               <a:xfrm>
-                <a:off x="-1326939" y="7165176"/>
+                <a:off x="-864747" y="7219884"/>
                 <a:ext cx="132582" cy="144016"/>
               </a:xfrm>
               <a:prstGeom prst="ellipse">
@@ -15254,7 +16467,7 @@
             </p:nvSpPr>
             <p:spPr bwMode="auto">
               <a:xfrm>
-                <a:off x="-678409" y="6530298"/>
+                <a:off x="-360652" y="6724085"/>
                 <a:ext cx="132582" cy="144016"/>
               </a:xfrm>
               <a:prstGeom prst="ellipse">
@@ -17135,7 +18348,7 @@
                                         <p:tgtEl>
                                           <p:spTgt spid="201">
                                             <p:txEl>
-                                              <p:pRg st="1" end="1"/>
+                                              <p:pRg st="0" end="0"/>
                                             </p:txEl>
                                           </p:spTgt>
                                         </p:tgtEl>
@@ -17166,7 +18379,7 @@
                                         <p:tgtEl>
                                           <p:spTgt spid="201">
                                             <p:txEl>
-                                              <p:pRg st="0" end="0"/>
+                                              <p:pRg st="1" end="1"/>
                                             </p:txEl>
                                           </p:spTgt>
                                         </p:tgtEl>
@@ -17212,37 +18425,6 @@
                                   </p:childTnLst>
                                 </p:cTn>
                               </p:par>
-                              <p:par>
-                                <p:cTn id="134" presetID="1" presetClass="entr" presetSubtype="0" fill="hold" nodeType="withEffect">
-                                  <p:stCondLst>
-                                    <p:cond delay="0"/>
-                                  </p:stCondLst>
-                                  <p:childTnLst>
-                                    <p:set>
-                                      <p:cBhvr>
-                                        <p:cTn id="135" dur="1" fill="hold">
-                                          <p:stCondLst>
-                                            <p:cond delay="0"/>
-                                          </p:stCondLst>
-                                        </p:cTn>
-                                        <p:tgtEl>
-                                          <p:spTgt spid="201">
-                                            <p:txEl>
-                                              <p:pRg st="3" end="3"/>
-                                            </p:txEl>
-                                          </p:spTgt>
-                                        </p:tgtEl>
-                                        <p:attrNameLst>
-                                          <p:attrName>style.visibility</p:attrName>
-                                        </p:attrNameLst>
-                                      </p:cBhvr>
-                                      <p:to>
-                                        <p:strVal val="visible"/>
-                                      </p:to>
-                                    </p:set>
-                                  </p:childTnLst>
-                                </p:cTn>
-                              </p:par>
                             </p:childTnLst>
                           </p:cTn>
                         </p:par>
@@ -17250,26 +18432,26 @@
                     </p:cTn>
                   </p:par>
                   <p:par>
-                    <p:cTn id="136" fill="hold">
+                    <p:cTn id="134" fill="hold">
                       <p:stCondLst>
                         <p:cond delay="indefinite"/>
                       </p:stCondLst>
                       <p:childTnLst>
                         <p:par>
-                          <p:cTn id="137" fill="hold">
+                          <p:cTn id="135" fill="hold">
                             <p:stCondLst>
                               <p:cond delay="0"/>
                             </p:stCondLst>
                             <p:childTnLst>
                               <p:par>
-                                <p:cTn id="138" presetID="7" presetClass="emph" presetSubtype="2" fill="hold" nodeType="clickEffect">
+                                <p:cTn id="136" presetID="7" presetClass="emph" presetSubtype="2" fill="hold" nodeType="clickEffect">
                                   <p:stCondLst>
                                     <p:cond delay="0"/>
                                   </p:stCondLst>
                                   <p:childTnLst>
                                     <p:animClr clrSpc="rgb" dir="cw">
                                       <p:cBhvr>
-                                        <p:cTn id="139" dur="10" fill="hold"/>
+                                        <p:cTn id="137" dur="10" fill="hold"/>
                                         <p:tgtEl>
                                           <p:spTgt spid="11"/>
                                         </p:tgtEl>
@@ -17283,7 +18465,7 @@
                                     </p:animClr>
                                     <p:set>
                                       <p:cBhvr>
-                                        <p:cTn id="140" dur="10" fill="hold"/>
+                                        <p:cTn id="138" dur="10" fill="hold"/>
                                         <p:tgtEl>
                                           <p:spTgt spid="11"/>
                                         </p:tgtEl>
@@ -17299,7 +18481,34 @@
                                 </p:cTn>
                               </p:par>
                               <p:par>
-                                <p:cTn id="141" presetID="1" presetClass="exit" presetSubtype="0" fill="hold" nodeType="withEffect">
+                                <p:cTn id="139" presetID="1" presetClass="exit" presetSubtype="0" fill="hold" nodeType="withEffect">
+                                  <p:stCondLst>
+                                    <p:cond delay="0"/>
+                                  </p:stCondLst>
+                                  <p:childTnLst>
+                                    <p:set>
+                                      <p:cBhvr>
+                                        <p:cTn id="140" dur="1" fill="hold">
+                                          <p:stCondLst>
+                                            <p:cond delay="0"/>
+                                          </p:stCondLst>
+                                        </p:cTn>
+                                        <p:tgtEl>
+                                          <p:spTgt spid="200"/>
+                                        </p:tgtEl>
+                                        <p:attrNameLst>
+                                          <p:attrName>style.visibility</p:attrName>
+                                        </p:attrNameLst>
+                                      </p:cBhvr>
+                                      <p:to>
+                                        <p:strVal val="hidden"/>
+                                      </p:to>
+                                    </p:set>
+                                  </p:childTnLst>
+                                </p:cTn>
+                              </p:par>
+                              <p:par>
+                                <p:cTn id="141" presetID="1" presetClass="exit" presetSubtype="0" fill="hold" grpId="0" nodeType="withEffect">
                                   <p:stCondLst>
                                     <p:cond delay="0"/>
                                   </p:stCondLst>
@@ -17312,7 +18521,11 @@
                                           </p:stCondLst>
                                         </p:cTn>
                                         <p:tgtEl>
-                                          <p:spTgt spid="200"/>
+                                          <p:spTgt spid="201">
+                                            <p:txEl>
+                                              <p:pRg st="0" end="0"/>
+                                            </p:txEl>
+                                          </p:spTgt>
                                         </p:tgtEl>
                                         <p:attrNameLst>
                                           <p:attrName>style.visibility</p:attrName>
@@ -17341,7 +18554,7 @@
                                         <p:tgtEl>
                                           <p:spTgt spid="201">
                                             <p:txEl>
-                                              <p:pRg st="0" end="0"/>
+                                              <p:pRg st="1" end="1"/>
                                             </p:txEl>
                                           </p:spTgt>
                                         </p:tgtEl>
@@ -17372,37 +18585,6 @@
                                         <p:tgtEl>
                                           <p:spTgt spid="201">
                                             <p:txEl>
-                                              <p:pRg st="1" end="1"/>
-                                            </p:txEl>
-                                          </p:spTgt>
-                                        </p:tgtEl>
-                                        <p:attrNameLst>
-                                          <p:attrName>style.visibility</p:attrName>
-                                        </p:attrNameLst>
-                                      </p:cBhvr>
-                                      <p:to>
-                                        <p:strVal val="hidden"/>
-                                      </p:to>
-                                    </p:set>
-                                  </p:childTnLst>
-                                </p:cTn>
-                              </p:par>
-                              <p:par>
-                                <p:cTn id="147" presetID="1" presetClass="exit" presetSubtype="0" fill="hold" grpId="0" nodeType="withEffect">
-                                  <p:stCondLst>
-                                    <p:cond delay="0"/>
-                                  </p:stCondLst>
-                                  <p:childTnLst>
-                                    <p:set>
-                                      <p:cBhvr>
-                                        <p:cTn id="148" dur="1" fill="hold">
-                                          <p:stCondLst>
-                                            <p:cond delay="0"/>
-                                          </p:stCondLst>
-                                        </p:cTn>
-                                        <p:tgtEl>
-                                          <p:spTgt spid="201">
-                                            <p:txEl>
                                               <p:pRg st="2" end="2"/>
                                             </p:txEl>
                                           </p:spTgt>
@@ -17419,45 +18601,14 @@
                                 </p:cTn>
                               </p:par>
                               <p:par>
-                                <p:cTn id="149" presetID="1" presetClass="exit" presetSubtype="0" fill="hold" grpId="0" nodeType="withEffect">
-                                  <p:stCondLst>
-                                    <p:cond delay="0"/>
-                                  </p:stCondLst>
-                                  <p:childTnLst>
-                                    <p:set>
-                                      <p:cBhvr>
-                                        <p:cTn id="150" dur="1" fill="hold">
-                                          <p:stCondLst>
-                                            <p:cond delay="0"/>
-                                          </p:stCondLst>
-                                        </p:cTn>
-                                        <p:tgtEl>
-                                          <p:spTgt spid="201">
-                                            <p:txEl>
-                                              <p:pRg st="3" end="3"/>
-                                            </p:txEl>
-                                          </p:spTgt>
-                                        </p:tgtEl>
-                                        <p:attrNameLst>
-                                          <p:attrName>style.visibility</p:attrName>
-                                        </p:attrNameLst>
-                                      </p:cBhvr>
-                                      <p:to>
-                                        <p:strVal val="hidden"/>
-                                      </p:to>
-                                    </p:set>
-                                  </p:childTnLst>
-                                </p:cTn>
-                              </p:par>
-                              <p:par>
-                                <p:cTn id="151" presetID="7" presetClass="emph" presetSubtype="2" fill="hold" nodeType="withEffect">
+                                <p:cTn id="147" presetID="7" presetClass="emph" presetSubtype="2" fill="hold" nodeType="withEffect">
                                   <p:stCondLst>
                                     <p:cond delay="0"/>
                                   </p:stCondLst>
                                   <p:childTnLst>
                                     <p:animClr clrSpc="rgb" dir="cw">
                                       <p:cBhvr>
-                                        <p:cTn id="152" dur="10" fill="hold"/>
+                                        <p:cTn id="148" dur="10" fill="hold"/>
                                         <p:tgtEl>
                                           <p:spTgt spid="12"/>
                                         </p:tgtEl>
@@ -17471,7 +18622,7 @@
                                     </p:animClr>
                                     <p:set>
                                       <p:cBhvr>
-                                        <p:cTn id="153" dur="10" fill="hold"/>
+                                        <p:cTn id="149" dur="10" fill="hold"/>
                                         <p:tgtEl>
                                           <p:spTgt spid="12"/>
                                         </p:tgtEl>
@@ -17487,14 +18638,14 @@
                                 </p:cTn>
                               </p:par>
                               <p:par>
-                                <p:cTn id="154" presetID="1" presetClass="entr" presetSubtype="0" fill="hold" nodeType="withEffect">
+                                <p:cTn id="150" presetID="1" presetClass="entr" presetSubtype="0" fill="hold" nodeType="withEffect">
                                   <p:stCondLst>
                                     <p:cond delay="0"/>
                                   </p:stCondLst>
                                   <p:childTnLst>
                                     <p:set>
                                       <p:cBhvr>
-                                        <p:cTn id="155" dur="1" fill="hold">
+                                        <p:cTn id="151" dur="1" fill="hold">
                                           <p:stCondLst>
                                             <p:cond delay="0"/>
                                           </p:stCondLst>
@@ -17514,14 +18665,14 @@
                                 </p:cTn>
                               </p:par>
                               <p:par>
-                                <p:cTn id="156" presetID="1" presetClass="entr" presetSubtype="0" fill="hold" grpId="0" nodeType="withEffect">
+                                <p:cTn id="152" presetID="1" presetClass="entr" presetSubtype="0" fill="hold" grpId="0" nodeType="withEffect">
                                   <p:stCondLst>
                                     <p:cond delay="0"/>
                                   </p:stCondLst>
                                   <p:childTnLst>
                                     <p:set>
                                       <p:cBhvr>
-                                        <p:cTn id="157" dur="1" fill="hold">
+                                        <p:cTn id="153" dur="1" fill="hold">
                                           <p:stCondLst>
                                             <p:cond delay="0"/>
                                           </p:stCondLst>
@@ -17795,8 +18946,32 @@
               <a:rPr lang="de-DE" dirty="0" smtClean="0">
                 <a:latin typeface="+mn-lt"/>
               </a:rPr>
-              <a:t>signifikant schneller</a:t>
-            </a:r>
+              <a:t>signifikant </a:t>
+            </a:r>
+            <a:r>
+              <a:rPr lang="de-DE" dirty="0" smtClean="0">
+                <a:latin typeface="+mn-lt"/>
+              </a:rPr>
+              <a:t>schneller</a:t>
+            </a:r>
+          </a:p>
+          <a:p>
+            <a:r>
+              <a:rPr lang="de-DE" dirty="0" smtClean="0">
+                <a:latin typeface="+mn-lt"/>
+                <a:sym typeface="Wingdings" pitchFamily="2" charset="2"/>
+              </a:rPr>
+              <a:t></a:t>
+            </a:r>
+            <a:r>
+              <a:rPr lang="de-DE" dirty="0" smtClean="0">
+                <a:latin typeface="+mn-lt"/>
+              </a:rPr>
+              <a:t>Hohe Belastung des Akkus</a:t>
+            </a:r>
+            <a:endParaRPr lang="de-DE" dirty="0" smtClean="0">
+              <a:latin typeface="+mn-lt"/>
+            </a:endParaRPr>
           </a:p>
         </p:txBody>
       </p:sp>
@@ -19972,14 +21147,14 @@
             <p:ph idx="1"/>
             <p:extLst>
               <p:ext uri="{D42A27DB-BD31-4B8C-83A1-F6EECF244321}">
-                <p14:modId xmlns:p14="http://schemas.microsoft.com/office/powerpoint/2010/main" xmlns="" val="699170767"/>
+                <p14:modId xmlns="" xmlns:p14="http://schemas.microsoft.com/office/powerpoint/2010/main" val="699170767"/>
               </p:ext>
             </p:extLst>
           </p:nvPr>
         </p:nvGraphicFramePr>
         <p:xfrm>
           <a:off x="503238" y="1665288"/>
-          <a:ext cx="8412162" cy="2595880"/>
+          <a:ext cx="8412162" cy="3235960"/>
         </p:xfrm>
         <a:graphic>
           <a:graphicData uri="http://schemas.openxmlformats.org/drawingml/2006/table">
@@ -20135,6 +21310,10 @@
                     <a:lstStyle/>
                     <a:p>
                       <a:r>
+                        <a:rPr lang="de-DE" dirty="0" smtClean="0"/>
+                        <a:t>(parallele) </a:t>
+                      </a:r>
+                      <a:r>
                         <a:rPr lang="de-DE" dirty="0" err="1" smtClean="0"/>
                         <a:t>Floatberechnung</a:t>
                       </a:r>
@@ -20164,7 +21343,51 @@
                     <a:p>
                       <a:r>
                         <a:rPr lang="de-DE" dirty="0" smtClean="0"/>
-                        <a:t>Intern</a:t>
+                        <a:t>8 heterogene Funktionseinheiten</a:t>
+                      </a:r>
+                      <a:endParaRPr lang="de-DE" dirty="0"/>
+                    </a:p>
+                  </a:txBody>
+                  <a:tcPr/>
+                </a:tc>
+              </a:tr>
+              <a:tr h="370840">
+                <a:tc>
+                  <a:txBody>
+                    <a:bodyPr/>
+                    <a:lstStyle/>
+                    <a:p>
+                      <a:r>
+                        <a:rPr lang="de-DE" dirty="0" smtClean="0"/>
+                        <a:t>Pipeline-Stufen</a:t>
+                      </a:r>
+                      <a:endParaRPr lang="de-DE" dirty="0"/>
+                    </a:p>
+                  </a:txBody>
+                  <a:tcPr/>
+                </a:tc>
+                <a:tc>
+                  <a:txBody>
+                    <a:bodyPr/>
+                    <a:lstStyle/>
+                    <a:p>
+                      <a:r>
+                        <a:rPr lang="de-DE" dirty="0" smtClean="0"/>
+                        <a:t>13/10</a:t>
+                      </a:r>
+                      <a:endParaRPr lang="de-DE" dirty="0"/>
+                    </a:p>
+                  </a:txBody>
+                  <a:tcPr/>
+                </a:tc>
+                <a:tc>
+                  <a:txBody>
+                    <a:bodyPr/>
+                    <a:lstStyle/>
+                    <a:p>
+                      <a:r>
+                        <a:rPr lang="de-DE" dirty="0" smtClean="0"/>
+                        <a:t>max. 16</a:t>
                       </a:r>
                       <a:endParaRPr lang="de-DE" dirty="0"/>
                     </a:p>
@@ -20343,8 +21566,8 @@
         </p:nvSpPr>
         <p:spPr>
           <a:xfrm>
-            <a:off x="467544" y="4293096"/>
-            <a:ext cx="8424936" cy="1569660"/>
+            <a:off x="395536" y="4941168"/>
+            <a:ext cx="8424936" cy="1938992"/>
           </a:xfrm>
           <a:prstGeom prst="rect">
             <a:avLst/>
@@ -20361,9 +21584,18 @@
               <a:buFont typeface="Wingdings" pitchFamily="2" charset="2"/>
               <a:buChar char="§"/>
             </a:pPr>
-            <a:endParaRPr lang="de-DE" dirty="0" smtClean="0">
-              <a:latin typeface="+mn-lt"/>
-            </a:endParaRPr>
+            <a:r>
+              <a:rPr lang="de-DE" dirty="0" smtClean="0">
+                <a:latin typeface="+mn-lt"/>
+              </a:rPr>
+              <a:t>Eigene </a:t>
+            </a:r>
+            <a:r>
+              <a:rPr lang="de-DE" dirty="0" smtClean="0">
+                <a:latin typeface="+mn-lt"/>
+              </a:rPr>
+              <a:t>Speicherbereiche im RAM</a:t>
+            </a:r>
           </a:p>
           <a:p>
             <a:pPr>
@@ -20374,7 +21606,25 @@
               <a:rPr lang="de-DE" dirty="0" smtClean="0">
                 <a:latin typeface="+mn-lt"/>
               </a:rPr>
-              <a:t>Eigene Speicherbereiche im RAM</a:t>
+              <a:t>Kommunikation über </a:t>
+            </a:r>
+            <a:r>
+              <a:rPr lang="de-DE" dirty="0" err="1" smtClean="0">
+                <a:latin typeface="+mn-lt"/>
+              </a:rPr>
+              <a:t>Shared</a:t>
+            </a:r>
+            <a:r>
+              <a:rPr lang="de-DE" dirty="0" smtClean="0">
+                <a:latin typeface="+mn-lt"/>
+              </a:rPr>
+              <a:t> </a:t>
+            </a:r>
+            <a:r>
+              <a:rPr lang="de-DE" dirty="0" smtClean="0">
+                <a:latin typeface="+mn-lt"/>
+              </a:rPr>
+              <a:t>Memory</a:t>
             </a:r>
           </a:p>
           <a:p>
@@ -20386,20 +21636,29 @@
               <a:rPr lang="de-DE" dirty="0" smtClean="0">
                 <a:latin typeface="+mn-lt"/>
               </a:rPr>
-              <a:t>Kommunikation über </a:t>
+              <a:t>Floating-Point Berechnung im Software-Referenz-Code</a:t>
+            </a:r>
+          </a:p>
+          <a:p>
+            <a:pPr>
+              <a:buFont typeface="Wingdings" pitchFamily="2" charset="2"/>
+              <a:buChar char="§"/>
+            </a:pPr>
+            <a:r>
+              <a:rPr lang="de-DE" dirty="0" smtClean="0">
+                <a:latin typeface="+mn-lt"/>
+              </a:rPr>
+              <a:t>Optimierenden geschehen in Richtung der </a:t>
             </a:r>
             <a:r>
               <a:rPr lang="de-DE" dirty="0" err="1" smtClean="0">
                 <a:latin typeface="+mn-lt"/>
               </a:rPr>
-              <a:t>Shared</a:t>
-            </a:r>
-            <a:r>
-              <a:rPr lang="de-DE" dirty="0" smtClean="0">
-                <a:latin typeface="+mn-lt"/>
-              </a:rPr>
-              <a:t> Memory</a:t>
-            </a:r>
+              <a:t>Floatberechnung</a:t>
+            </a:r>
+            <a:endParaRPr lang="de-DE" dirty="0" smtClean="0">
+              <a:latin typeface="+mn-lt"/>
+            </a:endParaRPr>
           </a:p>
           <a:p>
             <a:endParaRPr lang="de-DE" dirty="0">
@@ -22465,7 +23724,7 @@
           <p:nvPr>
             <p:extLst>
               <p:ext uri="{D42A27DB-BD31-4B8C-83A1-F6EECF244321}">
-                <p14:modId xmlns:p14="http://schemas.microsoft.com/office/powerpoint/2010/main" xmlns="" val="691712731"/>
+                <p14:modId xmlns="" xmlns:p14="http://schemas.microsoft.com/office/powerpoint/2010/main" val="691712731"/>
               </p:ext>
             </p:extLst>
           </p:nvPr>

--- a/Speech/Praesentation1.pptx
+++ b/Speech/Praesentation1.pptx
@@ -21645,10 +21645,16 @@
               <a:buChar char="§"/>
             </a:pPr>
             <a:r>
+              <a:rPr lang="de-DE" dirty="0" err="1" smtClean="0">
+                <a:latin typeface="+mn-lt"/>
+              </a:rPr>
+              <a:t>Optimierungen</a:t>
+            </a:r>
+            <a:r>
               <a:rPr lang="de-DE" dirty="0" smtClean="0">
                 <a:latin typeface="+mn-lt"/>
               </a:rPr>
-              <a:t>Optimierenden geschehen in Richtung der </a:t>
+              <a:t> geschehen in Richtung der </a:t>
             </a:r>
             <a:r>
               <a:rPr lang="de-DE" dirty="0" err="1" smtClean="0">

--- a/Speech/Praesentation1.pptx
+++ b/Speech/Praesentation1.pptx
@@ -224,30 +224,30 @@
                   <c:v>3.2666666666666666</c:v>
                 </c:pt>
                 <c:pt idx="3">
-                  <c:v>0.11666666666666681</c:v>
+                  <c:v>0.11666666666666685</c:v>
                 </c:pt>
               </c:numCache>
             </c:numRef>
           </c:val>
         </c:ser>
-        <c:axId val="87049344"/>
-        <c:axId val="87050880"/>
+        <c:axId val="78526336"/>
+        <c:axId val="78527872"/>
       </c:barChart>
       <c:catAx>
-        <c:axId val="87049344"/>
+        <c:axId val="78526336"/>
         <c:scaling>
           <c:orientation val="minMax"/>
         </c:scaling>
         <c:axPos val="l"/>
         <c:tickLblPos val="nextTo"/>
-        <c:crossAx val="87050880"/>
+        <c:crossAx val="78527872"/>
         <c:crosses val="autoZero"/>
         <c:auto val="1"/>
         <c:lblAlgn val="ctr"/>
         <c:lblOffset val="100"/>
       </c:catAx>
       <c:valAx>
-        <c:axId val="87050880"/>
+        <c:axId val="78527872"/>
         <c:scaling>
           <c:orientation val="minMax"/>
         </c:scaling>
@@ -282,7 +282,7 @@
         </c:title>
         <c:numFmt formatCode="0.00" sourceLinked="1"/>
         <c:tickLblPos val="nextTo"/>
-        <c:crossAx val="87049344"/>
+        <c:crossAx val="78526336"/>
         <c:crosses val="autoZero"/>
         <c:crossBetween val="between"/>
       </c:valAx>
@@ -333,7 +333,7 @@
               <c:idx val="1"/>
               <c:layout>
                 <c:manualLayout>
-                  <c:x val="-0.14849375065218196"/>
+                  <c:x val="-0.14849375065218198"/>
                   <c:y val="-2.2062499999999988E-2"/>
                 </c:manualLayout>
               </c:layout>
@@ -526,25 +526,25 @@
             </c:numRef>
           </c:val>
         </c:ser>
-        <c:axId val="46408064"/>
-        <c:axId val="46409600"/>
+        <c:axId val="97501952"/>
+        <c:axId val="97597696"/>
       </c:barChart>
       <c:catAx>
-        <c:axId val="46408064"/>
+        <c:axId val="97501952"/>
         <c:scaling>
           <c:orientation val="minMax"/>
         </c:scaling>
         <c:axPos val="l"/>
         <c:numFmt formatCode="0.00E+00" sourceLinked="0"/>
         <c:tickLblPos val="nextTo"/>
-        <c:crossAx val="46409600"/>
+        <c:crossAx val="97597696"/>
         <c:crosses val="autoZero"/>
         <c:auto val="1"/>
         <c:lblAlgn val="ctr"/>
         <c:lblOffset val="100"/>
       </c:catAx>
       <c:valAx>
-        <c:axId val="46409600"/>
+        <c:axId val="97597696"/>
         <c:scaling>
           <c:orientation val="minMax"/>
           <c:max val="170000"/>
@@ -571,11 +571,7 @@
                 </a:r>
                 <a:r>
                   <a:rPr lang="de-DE" dirty="0" smtClean="0"/>
-                  <a:t> </a:t>
-                </a:r>
-                <a:r>
-                  <a:rPr lang="de-DE" dirty="0" smtClean="0"/>
-                  <a:t>in [1/s]</a:t>
+                  <a:t> in [1/s]</a:t>
                 </a:r>
                 <a:endParaRPr lang="de-DE" dirty="0"/>
               </a:p>
@@ -585,7 +581,7 @@
         </c:title>
         <c:numFmt formatCode="General" sourceLinked="0"/>
         <c:tickLblPos val="nextTo"/>
-        <c:crossAx val="46408064"/>
+        <c:crossAx val="97501952"/>
         <c:crosses val="autoZero"/>
         <c:crossBetween val="between"/>
       </c:valAx>
@@ -613,6 +609,7 @@
 
 <file path=ppt/charts/chart4.xml><?xml version="1.0" encoding="utf-8"?>
 <c:chartSpace xmlns:c="http://schemas.openxmlformats.org/drawingml/2006/chart" xmlns:a="http://schemas.openxmlformats.org/drawingml/2006/main" xmlns:r="http://schemas.openxmlformats.org/officeDocument/2006/relationships">
+  <c:date1904 val="1"/>
   <c:lang val="de-DE"/>
   <c:chart>
     <c:plotArea>
@@ -664,7 +661,7 @@
                   <c:v>115.52</c:v>
                 </c:pt>
                 <c:pt idx="1">
-                  <c:v>673.77</c:v>
+                  <c:v>673.7700000000001</c:v>
                 </c:pt>
                 <c:pt idx="2">
                   <c:v>69.08</c:v>
@@ -726,30 +723,30 @@
                   <c:v>22.361000000000001</c:v>
                 </c:pt>
                 <c:pt idx="3">
-                  <c:v>79.552000000000007</c:v>
+                  <c:v>79.551999999999992</c:v>
                 </c:pt>
               </c:numCache>
             </c:numRef>
           </c:val>
         </c:ser>
-        <c:axId val="46805760"/>
-        <c:axId val="46807296"/>
+        <c:axId val="74076928"/>
+        <c:axId val="84243584"/>
       </c:barChart>
       <c:catAx>
-        <c:axId val="46805760"/>
+        <c:axId val="74076928"/>
         <c:scaling>
           <c:orientation val="minMax"/>
         </c:scaling>
         <c:axPos val="l"/>
         <c:tickLblPos val="nextTo"/>
-        <c:crossAx val="46807296"/>
+        <c:crossAx val="84243584"/>
         <c:crosses val="autoZero"/>
         <c:auto val="1"/>
         <c:lblAlgn val="ctr"/>
         <c:lblOffset val="100"/>
       </c:catAx>
       <c:valAx>
-        <c:axId val="46807296"/>
+        <c:axId val="84243584"/>
         <c:scaling>
           <c:orientation val="minMax"/>
           <c:max val="700"/>
@@ -775,11 +772,7 @@
                 </a:r>
                 <a:r>
                   <a:rPr lang="de-DE" dirty="0" smtClean="0"/>
-                  <a:t> </a:t>
-                </a:r>
-                <a:r>
-                  <a:rPr lang="de-DE" dirty="0" smtClean="0"/>
-                  <a:t>in [</a:t>
+                  <a:t> in [</a:t>
                 </a:r>
                 <a:r>
                   <a:rPr lang="de-DE" dirty="0" err="1" smtClean="0"/>
@@ -797,7 +790,7 @@
         </c:title>
         <c:numFmt formatCode="General" sourceLinked="1"/>
         <c:tickLblPos val="nextTo"/>
-        <c:crossAx val="46805760"/>
+        <c:crossAx val="74076928"/>
         <c:crosses val="autoZero"/>
         <c:crossBetween val="between"/>
       </c:valAx>
@@ -825,6 +818,7 @@
 
 <file path=ppt/charts/chart5.xml><?xml version="1.0" encoding="utf-8"?>
 <c:chartSpace xmlns:c="http://schemas.openxmlformats.org/drawingml/2006/chart" xmlns:a="http://schemas.openxmlformats.org/drawingml/2006/main" xmlns:r="http://schemas.openxmlformats.org/officeDocument/2006/relationships">
+  <c:date1904 val="1"/>
   <c:lang val="de-DE"/>
   <c:chart>
     <c:plotArea>
@@ -873,7 +867,7 @@
                 <c:formatCode>General</c:formatCode>
                 <c:ptCount val="4"/>
                 <c:pt idx="0">
-                  <c:v>51.222000000000079</c:v>
+                  <c:v>51.222000000000087</c:v>
                 </c:pt>
                 <c:pt idx="1">
                   <c:v>8.782</c:v>
@@ -944,24 +938,24 @@
             </c:numRef>
           </c:val>
         </c:ser>
-        <c:axId val="47082880"/>
-        <c:axId val="47088768"/>
+        <c:axId val="96717824"/>
+        <c:axId val="97504256"/>
       </c:barChart>
       <c:catAx>
-        <c:axId val="47082880"/>
+        <c:axId val="96717824"/>
         <c:scaling>
           <c:orientation val="minMax"/>
         </c:scaling>
         <c:axPos val="l"/>
         <c:tickLblPos val="nextTo"/>
-        <c:crossAx val="47088768"/>
+        <c:crossAx val="97504256"/>
         <c:crosses val="autoZero"/>
         <c:auto val="1"/>
         <c:lblAlgn val="ctr"/>
         <c:lblOffset val="100"/>
       </c:catAx>
       <c:valAx>
-        <c:axId val="47088768"/>
+        <c:axId val="97504256"/>
         <c:scaling>
           <c:orientation val="minMax"/>
           <c:max val="130"/>
@@ -988,11 +982,7 @@
                 </a:r>
                 <a:r>
                   <a:rPr lang="de-DE" baseline="0" dirty="0" smtClean="0"/>
-                  <a:t> </a:t>
-                </a:r>
-                <a:r>
-                  <a:rPr lang="de-DE" baseline="0" dirty="0" smtClean="0"/>
-                  <a:t>in [1/J]</a:t>
+                  <a:t> in [1/J]</a:t>
                 </a:r>
                 <a:endParaRPr lang="de-DE" dirty="0"/>
               </a:p>
@@ -1002,7 +992,7 @@
         </c:title>
         <c:numFmt formatCode="General" sourceLinked="1"/>
         <c:tickLblPos val="nextTo"/>
-        <c:crossAx val="47082880"/>
+        <c:crossAx val="96717824"/>
         <c:crosses val="autoZero"/>
         <c:crossBetween val="between"/>
       </c:valAx>
@@ -1088,7 +1078,7 @@
                   <c:v>130762.0505</c:v>
                 </c:pt>
                 <c:pt idx="3">
-                  <c:v>109173.62410000015</c:v>
+                  <c:v>109173.62410000016</c:v>
                 </c:pt>
               </c:numCache>
             </c:numRef>
@@ -1141,7 +1131,7 @@
                   <c:v>65803.216499999908</c:v>
                 </c:pt>
                 <c:pt idx="2">
-                  <c:v>838185.4742999986</c:v>
+                  <c:v>838185.47429999849</c:v>
                 </c:pt>
                 <c:pt idx="3">
                   <c:v>126062.7588</c:v>
@@ -1150,24 +1140,24 @@
             </c:numRef>
           </c:val>
         </c:ser>
-        <c:axId val="47213184"/>
-        <c:axId val="47227264"/>
+        <c:axId val="111395968"/>
+        <c:axId val="111461504"/>
       </c:barChart>
       <c:catAx>
-        <c:axId val="47213184"/>
+        <c:axId val="111395968"/>
         <c:scaling>
           <c:orientation val="minMax"/>
         </c:scaling>
         <c:axPos val="l"/>
         <c:tickLblPos val="nextTo"/>
-        <c:crossAx val="47227264"/>
+        <c:crossAx val="111461504"/>
         <c:crosses val="autoZero"/>
         <c:auto val="1"/>
         <c:lblAlgn val="ctr"/>
         <c:lblOffset val="100"/>
       </c:catAx>
       <c:valAx>
-        <c:axId val="47227264"/>
+        <c:axId val="111461504"/>
         <c:scaling>
           <c:orientation val="minMax"/>
           <c:max val="900000"/>
@@ -1176,7 +1166,7 @@
         <c:majorGridlines/>
         <c:numFmt formatCode="General" sourceLinked="1"/>
         <c:tickLblPos val="nextTo"/>
-        <c:crossAx val="47213184"/>
+        <c:crossAx val="111395968"/>
         <c:crosses val="autoZero"/>
         <c:crossBetween val="between"/>
       </c:valAx>
@@ -1524,7 +1514,7 @@
     </p:spTree>
     <p:extLst>
       <p:ext uri="{BB962C8B-B14F-4D97-AF65-F5344CB8AC3E}">
-        <p14:creationId xmlns="" xmlns:p14="http://schemas.microsoft.com/office/powerpoint/2010/main" val="4020156663"/>
+        <p14:creationId xmlns:p14="http://schemas.microsoft.com/office/powerpoint/2010/main" xmlns="" val="4020156663"/>
       </p:ext>
     </p:extLst>
   </p:cSld>
@@ -4678,11 +4668,7 @@
           <a:p>
             <a:r>
               <a:rPr lang="de-DE" dirty="0" smtClean="0"/>
-              <a:t>Verschachtelten </a:t>
-            </a:r>
-            <a:r>
-              <a:rPr lang="de-DE" dirty="0" smtClean="0"/>
-              <a:t>Schleifen</a:t>
+              <a:t>Verschachtelten Schleifen</a:t>
             </a:r>
           </a:p>
           <a:p>
@@ -5677,21 +5663,7 @@
                 <a:latin typeface="+mn-lt"/>
                 <a:cs typeface="Times New Roman" panose="02020603050405020304" pitchFamily="18" charset="0"/>
               </a:rPr>
-              <a:t> </a:t>
-            </a:r>
-            <a:r>
-              <a:rPr lang="de-DE" sz="1400" dirty="0" smtClean="0">
-                <a:latin typeface="+mn-lt"/>
-                <a:cs typeface="Times New Roman" panose="02020603050405020304" pitchFamily="18" charset="0"/>
-              </a:rPr>
-              <a:t>(m </a:t>
-            </a:r>
-            <a:r>
-              <a:rPr lang="de-DE" sz="1400" dirty="0" smtClean="0">
-                <a:latin typeface="+mn-lt"/>
-                <a:cs typeface="Times New Roman" panose="02020603050405020304" pitchFamily="18" charset="0"/>
-              </a:rPr>
-              <a:t>= 1; m &lt;= M; m++) {</a:t>
+              <a:t> (m = 1; m &lt;= M; m++) {</a:t>
             </a:r>
           </a:p>
           <a:p>
@@ -5728,14 +5700,45 @@
                 <a:latin typeface="+mn-lt"/>
                 <a:cs typeface="Times New Roman" panose="02020603050405020304" pitchFamily="18" charset="0"/>
               </a:rPr>
-              <a:t>[m] – EndeFilter[m]+1</a:t>
-            </a:r>
+              <a:t>[m] – EndeFilter[m]+1) % 4;</a:t>
+            </a:r>
+          </a:p>
+          <a:p>
             <a:r>
               <a:rPr lang="de-DE" sz="1400" dirty="0" smtClean="0">
                 <a:latin typeface="+mn-lt"/>
                 <a:cs typeface="Times New Roman" panose="02020603050405020304" pitchFamily="18" charset="0"/>
               </a:rPr>
-              <a:t>) % 4;</a:t>
+              <a:t>       last = EndeFilter[m]-mod+1;</a:t>
+            </a:r>
+          </a:p>
+          <a:p>
+            <a:endParaRPr lang="de-DE" sz="1400" dirty="0" smtClean="0">
+              <a:latin typeface="+mn-lt"/>
+              <a:cs typeface="Times New Roman" panose="02020603050405020304" pitchFamily="18" charset="0"/>
+            </a:endParaRPr>
+          </a:p>
+          <a:p>
+            <a:r>
+              <a:rPr lang="de-DE" sz="1400" dirty="0" smtClean="0">
+                <a:latin typeface="+mn-lt"/>
+                <a:cs typeface="Times New Roman" panose="02020603050405020304" pitchFamily="18" charset="0"/>
+              </a:rPr>
+              <a:t>       r4 = vld1q_f32(</a:t>
+            </a:r>
+            <a:r>
+              <a:rPr lang="de-DE" sz="1400" dirty="0" err="1" smtClean="0">
+                <a:latin typeface="+mn-lt"/>
+                <a:cs typeface="Times New Roman" panose="02020603050405020304" pitchFamily="18" charset="0"/>
+              </a:rPr>
+              <a:t>temp</a:t>
+            </a:r>
+            <a:r>
+              <a:rPr lang="de-DE" sz="1400" dirty="0" smtClean="0">
+                <a:latin typeface="+mn-lt"/>
+                <a:cs typeface="Times New Roman" panose="02020603050405020304" pitchFamily="18" charset="0"/>
+              </a:rPr>
+              <a:t>[0]);</a:t>
             </a:r>
           </a:p>
           <a:p>
@@ -5747,25 +5750,82 @@
               <a:t>       </a:t>
             </a:r>
             <a:r>
+              <a:rPr lang="de-DE" sz="1400" dirty="0" err="1" smtClean="0">
+                <a:latin typeface="+mn-lt"/>
+                <a:cs typeface="Times New Roman" panose="02020603050405020304" pitchFamily="18" charset="0"/>
+              </a:rPr>
+              <a:t>for</a:t>
+            </a:r>
+            <a:r>
               <a:rPr lang="de-DE" sz="1400" dirty="0" smtClean="0">
                 <a:latin typeface="+mn-lt"/>
                 <a:cs typeface="Times New Roman" panose="02020603050405020304" pitchFamily="18" charset="0"/>
               </a:rPr>
-              <a:t>last</a:t>
+              <a:t> (k = </a:t>
+            </a:r>
+            <a:r>
+              <a:rPr lang="de-DE" sz="1400" dirty="0" err="1" smtClean="0">
+                <a:latin typeface="+mn-lt"/>
+                <a:cs typeface="Times New Roman" panose="02020603050405020304" pitchFamily="18" charset="0"/>
+              </a:rPr>
+              <a:t>AnfangFilter</a:t>
             </a:r>
             <a:r>
               <a:rPr lang="de-DE" sz="1400" dirty="0" smtClean="0">
                 <a:latin typeface="+mn-lt"/>
                 <a:cs typeface="Times New Roman" panose="02020603050405020304" pitchFamily="18" charset="0"/>
               </a:rPr>
-              <a:t> </a:t>
-            </a:r>
+              <a:t>[m]; k &lt; (last – 1); k +4) {</a:t>
+            </a:r>
+          </a:p>
+          <a:p>
             <a:r>
               <a:rPr lang="de-DE" sz="1400" dirty="0" smtClean="0">
                 <a:latin typeface="+mn-lt"/>
                 <a:cs typeface="Times New Roman" panose="02020603050405020304" pitchFamily="18" charset="0"/>
               </a:rPr>
-              <a:t>= EndeFilter[m]-mod+1;</a:t>
+              <a:t>	w4 und s4 laden	</a:t>
+            </a:r>
+          </a:p>
+          <a:p>
+            <a:r>
+              <a:rPr lang="de-DE" sz="1400" dirty="0" smtClean="0">
+                <a:latin typeface="+mn-lt"/>
+                <a:cs typeface="Times New Roman" panose="02020603050405020304" pitchFamily="18" charset="0"/>
+              </a:rPr>
+              <a:t>	r4 = vmlaq_f32(r4, s4, w4);</a:t>
+            </a:r>
+          </a:p>
+          <a:p>
+            <a:r>
+              <a:rPr lang="de-DE" sz="1400" dirty="0" smtClean="0">
+                <a:latin typeface="+mn-lt"/>
+                <a:cs typeface="Times New Roman" panose="02020603050405020304" pitchFamily="18" charset="0"/>
+              </a:rPr>
+              <a:t>       }</a:t>
+            </a:r>
+          </a:p>
+          <a:p>
+            <a:r>
+              <a:rPr lang="de-DE" sz="1400" dirty="0" smtClean="0">
+                <a:latin typeface="+mn-lt"/>
+                <a:cs typeface="Times New Roman" panose="02020603050405020304" pitchFamily="18" charset="0"/>
+              </a:rPr>
+              <a:t>      vst1q_f32(</a:t>
+            </a:r>
+            <a:r>
+              <a:rPr lang="de-DE" sz="1400" dirty="0" err="1" smtClean="0">
+                <a:latin typeface="+mn-lt"/>
+                <a:cs typeface="Times New Roman" panose="02020603050405020304" pitchFamily="18" charset="0"/>
+              </a:rPr>
+              <a:t>tmp</a:t>
+            </a:r>
+            <a:r>
+              <a:rPr lang="de-DE" sz="1400" dirty="0" smtClean="0">
+                <a:latin typeface="+mn-lt"/>
+                <a:cs typeface="Times New Roman" panose="02020603050405020304" pitchFamily="18" charset="0"/>
+              </a:rPr>
+              <a:t>[0], r4);</a:t>
             </a:r>
           </a:p>
           <a:p>
@@ -5780,7 +5840,69 @@
                 <a:latin typeface="+mn-lt"/>
                 <a:cs typeface="Times New Roman" panose="02020603050405020304" pitchFamily="18" charset="0"/>
               </a:rPr>
-              <a:t>       r4 = vld1q_f32(</a:t>
+              <a:t>      </a:t>
+            </a:r>
+            <a:r>
+              <a:rPr lang="de-DE" sz="1400" dirty="0" err="1" smtClean="0">
+                <a:latin typeface="+mn-lt"/>
+                <a:cs typeface="Times New Roman" panose="02020603050405020304" pitchFamily="18" charset="0"/>
+              </a:rPr>
+              <a:t>if</a:t>
+            </a:r>
+            <a:r>
+              <a:rPr lang="de-DE" sz="1400" dirty="0" smtClean="0">
+                <a:latin typeface="+mn-lt"/>
+                <a:cs typeface="Times New Roman" panose="02020603050405020304" pitchFamily="18" charset="0"/>
+              </a:rPr>
+              <a:t> (</a:t>
+            </a:r>
+            <a:r>
+              <a:rPr lang="de-DE" sz="1400" dirty="0" err="1" smtClean="0">
+                <a:latin typeface="+mn-lt"/>
+                <a:cs typeface="Times New Roman" panose="02020603050405020304" pitchFamily="18" charset="0"/>
+              </a:rPr>
+              <a:t>mod</a:t>
+            </a:r>
+            <a:r>
+              <a:rPr lang="de-DE" sz="1400" dirty="0" smtClean="0">
+                <a:latin typeface="+mn-lt"/>
+                <a:cs typeface="Times New Roman" panose="02020603050405020304" pitchFamily="18" charset="0"/>
+              </a:rPr>
+              <a:t> &gt; 1) {</a:t>
+            </a:r>
+          </a:p>
+          <a:p>
+            <a:r>
+              <a:rPr lang="de-DE" sz="1400" dirty="0">
+                <a:latin typeface="+mn-lt"/>
+                <a:cs typeface="Times New Roman" panose="02020603050405020304" pitchFamily="18" charset="0"/>
+              </a:rPr>
+              <a:t>	</a:t>
+            </a:r>
+            <a:r>
+              <a:rPr lang="de-DE" sz="1400" dirty="0" smtClean="0">
+                <a:latin typeface="+mn-lt"/>
+                <a:cs typeface="Times New Roman" panose="02020603050405020304" pitchFamily="18" charset="0"/>
+              </a:rPr>
+              <a:t>w2, r2 und s2 laden</a:t>
+            </a:r>
+          </a:p>
+          <a:p>
+            <a:r>
+              <a:rPr lang="de-DE" sz="1400" dirty="0" smtClean="0">
+                <a:latin typeface="+mn-lt"/>
+                <a:cs typeface="Times New Roman" panose="02020603050405020304" pitchFamily="18" charset="0"/>
+              </a:rPr>
+              <a:t>	t2 = vmla_f32(r2, s2, w2);</a:t>
+            </a:r>
+          </a:p>
+          <a:p>
+            <a:r>
+              <a:rPr lang="de-DE" sz="1400" dirty="0" smtClean="0">
+                <a:latin typeface="+mn-lt"/>
+                <a:cs typeface="Times New Roman" panose="02020603050405020304" pitchFamily="18" charset="0"/>
+              </a:rPr>
+              <a:t>	vst1_f32(</a:t>
             </a:r>
             <a:r>
               <a:rPr lang="de-DE" sz="1400" dirty="0" err="1" smtClean="0">
@@ -5794,7 +5916,7 @@
                 <a:latin typeface="+mn-lt"/>
                 <a:cs typeface="Times New Roman" panose="02020603050405020304" pitchFamily="18" charset="0"/>
               </a:rPr>
-              <a:t>[0]);</a:t>
+              <a:t>[0], t2);</a:t>
             </a:r>
           </a:p>
           <a:p>
@@ -5803,104 +5925,16 @@
                 <a:latin typeface="+mn-lt"/>
                 <a:cs typeface="Times New Roman" panose="02020603050405020304" pitchFamily="18" charset="0"/>
               </a:rPr>
-              <a:t>       </a:t>
-            </a:r>
-            <a:r>
-              <a:rPr lang="de-DE" sz="1400" dirty="0" err="1" smtClean="0">
-                <a:latin typeface="+mn-lt"/>
-                <a:cs typeface="Times New Roman" panose="02020603050405020304" pitchFamily="18" charset="0"/>
-              </a:rPr>
-              <a:t>for</a:t>
-            </a:r>
+              <a:t>	last += 2;</a:t>
+            </a:r>
+          </a:p>
+          <a:p>
             <a:r>
               <a:rPr lang="de-DE" sz="1400" dirty="0" smtClean="0">
                 <a:latin typeface="+mn-lt"/>
                 <a:cs typeface="Times New Roman" panose="02020603050405020304" pitchFamily="18" charset="0"/>
               </a:rPr>
-              <a:t> </a:t>
-            </a:r>
-            <a:r>
-              <a:rPr lang="de-DE" sz="1400" dirty="0" smtClean="0">
-                <a:latin typeface="+mn-lt"/>
-                <a:cs typeface="Times New Roman" panose="02020603050405020304" pitchFamily="18" charset="0"/>
-              </a:rPr>
-              <a:t>(k </a:t>
-            </a:r>
-            <a:r>
-              <a:rPr lang="de-DE" sz="1400" dirty="0" smtClean="0">
-                <a:latin typeface="+mn-lt"/>
-                <a:cs typeface="Times New Roman" panose="02020603050405020304" pitchFamily="18" charset="0"/>
-              </a:rPr>
-              <a:t>= </a:t>
-            </a:r>
-            <a:r>
-              <a:rPr lang="de-DE" sz="1400" dirty="0" err="1" smtClean="0">
-                <a:latin typeface="+mn-lt"/>
-                <a:cs typeface="Times New Roman" panose="02020603050405020304" pitchFamily="18" charset="0"/>
-              </a:rPr>
-              <a:t>AnfangFilter</a:t>
-            </a:r>
-            <a:r>
-              <a:rPr lang="de-DE" sz="1400" dirty="0" smtClean="0">
-                <a:latin typeface="+mn-lt"/>
-                <a:cs typeface="Times New Roman" panose="02020603050405020304" pitchFamily="18" charset="0"/>
-              </a:rPr>
-              <a:t>[m]; k &lt; </a:t>
-            </a:r>
-            <a:r>
-              <a:rPr lang="de-DE" sz="1400" dirty="0" smtClean="0">
-                <a:latin typeface="+mn-lt"/>
-                <a:cs typeface="Times New Roman" panose="02020603050405020304" pitchFamily="18" charset="0"/>
-              </a:rPr>
-              <a:t>(</a:t>
-            </a:r>
-            <a:r>
-              <a:rPr lang="de-DE" sz="1400" dirty="0" smtClean="0">
-                <a:latin typeface="+mn-lt"/>
-                <a:cs typeface="Times New Roman" panose="02020603050405020304" pitchFamily="18" charset="0"/>
-              </a:rPr>
-              <a:t>last</a:t>
-            </a:r>
-            <a:r>
-              <a:rPr lang="de-DE" sz="1400" dirty="0" smtClean="0">
-                <a:latin typeface="+mn-lt"/>
-                <a:cs typeface="Times New Roman" panose="02020603050405020304" pitchFamily="18" charset="0"/>
-              </a:rPr>
-              <a:t> </a:t>
-            </a:r>
-            <a:r>
-              <a:rPr lang="de-DE" sz="1400" dirty="0" smtClean="0">
-                <a:latin typeface="+mn-lt"/>
-                <a:cs typeface="Times New Roman" panose="02020603050405020304" pitchFamily="18" charset="0"/>
-              </a:rPr>
-              <a:t>– 1); k +4) {</a:t>
-            </a:r>
-          </a:p>
-          <a:p>
-            <a:r>
-              <a:rPr lang="de-DE" sz="1400" dirty="0" smtClean="0">
-                <a:latin typeface="+mn-lt"/>
-                <a:cs typeface="Times New Roman" panose="02020603050405020304" pitchFamily="18" charset="0"/>
-              </a:rPr>
-              <a:t>	w4 und s4 laden	</a:t>
-            </a:r>
-          </a:p>
-          <a:p>
-            <a:r>
-              <a:rPr lang="de-DE" sz="1400" dirty="0" smtClean="0">
-                <a:latin typeface="+mn-lt"/>
-                <a:cs typeface="Times New Roman" panose="02020603050405020304" pitchFamily="18" charset="0"/>
-              </a:rPr>
-              <a:t>	r4 = vmlaq_f32(r4, s4, w4);</a:t>
-            </a:r>
-          </a:p>
-          <a:p>
-            <a:r>
-              <a:rPr lang="de-DE" sz="1400" dirty="0" smtClean="0">
-                <a:latin typeface="+mn-lt"/>
-                <a:cs typeface="Times New Roman" panose="02020603050405020304" pitchFamily="18" charset="0"/>
-              </a:rPr>
-              <a:t>       }</a:t>
+              <a:t>      }</a:t>
             </a:r>
           </a:p>
           <a:p>
@@ -5912,11 +5946,115 @@
               <a:t>      </a:t>
             </a:r>
             <a:r>
+              <a:rPr lang="de-DE" sz="1400" dirty="0" err="1" smtClean="0">
+                <a:latin typeface="+mn-lt"/>
+                <a:cs typeface="Times New Roman" panose="02020603050405020304" pitchFamily="18" charset="0"/>
+              </a:rPr>
+              <a:t>if</a:t>
+            </a:r>
+            <a:r>
               <a:rPr lang="de-DE" sz="1400" dirty="0" smtClean="0">
                 <a:latin typeface="+mn-lt"/>
                 <a:cs typeface="Times New Roman" panose="02020603050405020304" pitchFamily="18" charset="0"/>
               </a:rPr>
-              <a:t>vst1q_f32(</a:t>
+              <a:t> (</a:t>
+            </a:r>
+            <a:r>
+              <a:rPr lang="de-DE" sz="1400" dirty="0" err="1" smtClean="0">
+                <a:latin typeface="+mn-lt"/>
+                <a:cs typeface="Times New Roman" panose="02020603050405020304" pitchFamily="18" charset="0"/>
+              </a:rPr>
+              <a:t>mod</a:t>
+            </a:r>
+            <a:r>
+              <a:rPr lang="de-DE" sz="1400" dirty="0" smtClean="0">
+                <a:latin typeface="+mn-lt"/>
+                <a:cs typeface="Times New Roman" panose="02020603050405020304" pitchFamily="18" charset="0"/>
+              </a:rPr>
+              <a:t> == 1) {</a:t>
+            </a:r>
+          </a:p>
+          <a:p>
+            <a:r>
+              <a:rPr lang="de-DE" sz="1400" dirty="0" smtClean="0">
+                <a:latin typeface="+mn-lt"/>
+                <a:cs typeface="Times New Roman" panose="02020603050405020304" pitchFamily="18" charset="0"/>
+              </a:rPr>
+              <a:t>	</a:t>
+            </a:r>
+            <a:r>
+              <a:rPr lang="de-DE" sz="1400" dirty="0" err="1" smtClean="0">
+                <a:latin typeface="+mn-lt"/>
+                <a:cs typeface="Times New Roman" panose="02020603050405020304" pitchFamily="18" charset="0"/>
+              </a:rPr>
+              <a:t>log_M</a:t>
+            </a:r>
+            <a:r>
+              <a:rPr lang="de-DE" sz="1400" dirty="0" smtClean="0">
+                <a:latin typeface="+mn-lt"/>
+                <a:cs typeface="Times New Roman" panose="02020603050405020304" pitchFamily="18" charset="0"/>
+              </a:rPr>
+              <a:t>[m - 1] = </a:t>
+            </a:r>
+            <a:r>
+              <a:rPr lang="de-DE" sz="1400" dirty="0" err="1" smtClean="0">
+                <a:latin typeface="+mn-lt"/>
+                <a:cs typeface="Times New Roman" panose="02020603050405020304" pitchFamily="18" charset="0"/>
+              </a:rPr>
+              <a:t>signal</a:t>
+            </a:r>
+            <a:r>
+              <a:rPr lang="de-DE" sz="1400" dirty="0" smtClean="0">
+                <a:latin typeface="+mn-lt"/>
+                <a:cs typeface="Times New Roman" panose="02020603050405020304" pitchFamily="18" charset="0"/>
+              </a:rPr>
+              <a:t>[last] * </a:t>
+            </a:r>
+            <a:r>
+              <a:rPr lang="de-DE" sz="1400" dirty="0" err="1" smtClean="0">
+                <a:latin typeface="+mn-lt"/>
+                <a:cs typeface="Times New Roman" panose="02020603050405020304" pitchFamily="18" charset="0"/>
+              </a:rPr>
+              <a:t>wk</a:t>
+            </a:r>
+            <a:r>
+              <a:rPr lang="de-DE" sz="1400" dirty="0" smtClean="0">
+                <a:latin typeface="+mn-lt"/>
+                <a:cs typeface="Times New Roman" panose="02020603050405020304" pitchFamily="18" charset="0"/>
+              </a:rPr>
+              <a:t>[m - 1][last];</a:t>
+            </a:r>
+          </a:p>
+          <a:p>
+            <a:r>
+              <a:rPr lang="de-DE" sz="1400" dirty="0" smtClean="0">
+                <a:latin typeface="+mn-lt"/>
+                <a:cs typeface="Times New Roman" panose="02020603050405020304" pitchFamily="18" charset="0"/>
+              </a:rPr>
+              <a:t>      }</a:t>
+            </a:r>
+          </a:p>
+          <a:p>
+            <a:r>
+              <a:rPr lang="de-DE" sz="1400" dirty="0" smtClean="0">
+                <a:latin typeface="+mn-lt"/>
+                <a:cs typeface="Times New Roman" panose="02020603050405020304" pitchFamily="18" charset="0"/>
+              </a:rPr>
+              <a:t>      </a:t>
+            </a:r>
+            <a:r>
+              <a:rPr lang="de-DE" sz="1400" dirty="0" err="1" smtClean="0">
+                <a:latin typeface="+mn-lt"/>
+                <a:cs typeface="Times New Roman" panose="02020603050405020304" pitchFamily="18" charset="0"/>
+              </a:rPr>
+              <a:t>log_M</a:t>
+            </a:r>
+            <a:r>
+              <a:rPr lang="de-DE" sz="1400" dirty="0" smtClean="0">
+                <a:latin typeface="+mn-lt"/>
+                <a:cs typeface="Times New Roman" panose="02020603050405020304" pitchFamily="18" charset="0"/>
+              </a:rPr>
+              <a:t>[m - 1] += </a:t>
             </a:r>
             <a:r>
               <a:rPr lang="de-DE" sz="1400" dirty="0" err="1" smtClean="0">
@@ -5930,275 +6068,7 @@
                 <a:latin typeface="+mn-lt"/>
                 <a:cs typeface="Times New Roman" panose="02020603050405020304" pitchFamily="18" charset="0"/>
               </a:rPr>
-              <a:t>[0</a:t>
-            </a:r>
-            <a:r>
-              <a:rPr lang="de-DE" sz="1400" dirty="0" smtClean="0">
-                <a:latin typeface="+mn-lt"/>
-                <a:cs typeface="Times New Roman" panose="02020603050405020304" pitchFamily="18" charset="0"/>
-              </a:rPr>
-              <a:t>], r4);</a:t>
-            </a:r>
-          </a:p>
-          <a:p>
-            <a:endParaRPr lang="de-DE" sz="1400" dirty="0" smtClean="0">
-              <a:latin typeface="+mn-lt"/>
-              <a:cs typeface="Times New Roman" panose="02020603050405020304" pitchFamily="18" charset="0"/>
-            </a:endParaRPr>
-          </a:p>
-          <a:p>
-            <a:r>
-              <a:rPr lang="de-DE" sz="1400" dirty="0" smtClean="0">
-                <a:latin typeface="+mn-lt"/>
-                <a:cs typeface="Times New Roman" panose="02020603050405020304" pitchFamily="18" charset="0"/>
-              </a:rPr>
-              <a:t>      </a:t>
-            </a:r>
-            <a:r>
-              <a:rPr lang="de-DE" sz="1400" dirty="0" err="1" smtClean="0">
-                <a:latin typeface="+mn-lt"/>
-                <a:cs typeface="Times New Roman" panose="02020603050405020304" pitchFamily="18" charset="0"/>
-              </a:rPr>
-              <a:t>if</a:t>
-            </a:r>
-            <a:r>
-              <a:rPr lang="de-DE" sz="1400" dirty="0" smtClean="0">
-                <a:latin typeface="+mn-lt"/>
-                <a:cs typeface="Times New Roman" panose="02020603050405020304" pitchFamily="18" charset="0"/>
-              </a:rPr>
-              <a:t> (</a:t>
-            </a:r>
-            <a:r>
-              <a:rPr lang="de-DE" sz="1400" dirty="0" err="1" smtClean="0">
-                <a:latin typeface="+mn-lt"/>
-                <a:cs typeface="Times New Roman" panose="02020603050405020304" pitchFamily="18" charset="0"/>
-              </a:rPr>
-              <a:t>mod</a:t>
-            </a:r>
-            <a:r>
-              <a:rPr lang="de-DE" sz="1400" dirty="0" smtClean="0">
-                <a:latin typeface="+mn-lt"/>
-                <a:cs typeface="Times New Roman" panose="02020603050405020304" pitchFamily="18" charset="0"/>
-              </a:rPr>
-              <a:t> &gt; 1) {</a:t>
-            </a:r>
-          </a:p>
-          <a:p>
-            <a:r>
-              <a:rPr lang="de-DE" sz="1400" dirty="0">
-                <a:latin typeface="+mn-lt"/>
-                <a:cs typeface="Times New Roman" panose="02020603050405020304" pitchFamily="18" charset="0"/>
-              </a:rPr>
-              <a:t>	</a:t>
-            </a:r>
-            <a:r>
-              <a:rPr lang="de-DE" sz="1400" dirty="0" smtClean="0">
-                <a:latin typeface="+mn-lt"/>
-                <a:cs typeface="Times New Roman" panose="02020603050405020304" pitchFamily="18" charset="0"/>
-              </a:rPr>
-              <a:t>w2, r2 und s2 laden</a:t>
-            </a:r>
-          </a:p>
-          <a:p>
-            <a:r>
-              <a:rPr lang="de-DE" sz="1400" dirty="0" smtClean="0">
-                <a:latin typeface="+mn-lt"/>
-                <a:cs typeface="Times New Roman" panose="02020603050405020304" pitchFamily="18" charset="0"/>
-              </a:rPr>
-              <a:t>	t2 = vmla_f32(r2, s2, w2);</a:t>
-            </a:r>
-          </a:p>
-          <a:p>
-            <a:r>
-              <a:rPr lang="de-DE" sz="1400" dirty="0" smtClean="0">
-                <a:latin typeface="+mn-lt"/>
-                <a:cs typeface="Times New Roman" panose="02020603050405020304" pitchFamily="18" charset="0"/>
-              </a:rPr>
-              <a:t>	vst1_f32(</a:t>
-            </a:r>
-            <a:r>
-              <a:rPr lang="de-DE" sz="1400" dirty="0" err="1" smtClean="0">
-                <a:latin typeface="+mn-lt"/>
-                <a:cs typeface="Times New Roman" panose="02020603050405020304" pitchFamily="18" charset="0"/>
-              </a:rPr>
-              <a:t>temp</a:t>
-            </a:r>
-            <a:r>
-              <a:rPr lang="de-DE" sz="1400" dirty="0" smtClean="0">
-                <a:latin typeface="+mn-lt"/>
-                <a:cs typeface="Times New Roman" panose="02020603050405020304" pitchFamily="18" charset="0"/>
-              </a:rPr>
-              <a:t>[0], t2);</a:t>
-            </a:r>
-          </a:p>
-          <a:p>
-            <a:r>
-              <a:rPr lang="de-DE" sz="1400" dirty="0" smtClean="0">
-                <a:latin typeface="+mn-lt"/>
-                <a:cs typeface="Times New Roman" panose="02020603050405020304" pitchFamily="18" charset="0"/>
-              </a:rPr>
-              <a:t>	</a:t>
-            </a:r>
-            <a:r>
-              <a:rPr lang="de-DE" sz="1400" dirty="0" smtClean="0">
-                <a:latin typeface="+mn-lt"/>
-                <a:cs typeface="Times New Roman" panose="02020603050405020304" pitchFamily="18" charset="0"/>
-              </a:rPr>
-              <a:t>last </a:t>
-            </a:r>
-            <a:r>
-              <a:rPr lang="de-DE" sz="1400" dirty="0" smtClean="0">
-                <a:latin typeface="+mn-lt"/>
-                <a:cs typeface="Times New Roman" panose="02020603050405020304" pitchFamily="18" charset="0"/>
-              </a:rPr>
-              <a:t>+= 2;</a:t>
-            </a:r>
-          </a:p>
-          <a:p>
-            <a:r>
-              <a:rPr lang="de-DE" sz="1400" dirty="0" smtClean="0">
-                <a:latin typeface="+mn-lt"/>
-                <a:cs typeface="Times New Roman" panose="02020603050405020304" pitchFamily="18" charset="0"/>
-              </a:rPr>
-              <a:t>      }</a:t>
-            </a:r>
-          </a:p>
-          <a:p>
-            <a:r>
-              <a:rPr lang="de-DE" sz="1400" dirty="0" smtClean="0">
-                <a:latin typeface="+mn-lt"/>
-                <a:cs typeface="Times New Roman" panose="02020603050405020304" pitchFamily="18" charset="0"/>
-              </a:rPr>
-              <a:t>      </a:t>
-            </a:r>
-            <a:r>
-              <a:rPr lang="de-DE" sz="1400" dirty="0" err="1" smtClean="0">
-                <a:latin typeface="+mn-lt"/>
-                <a:cs typeface="Times New Roman" panose="02020603050405020304" pitchFamily="18" charset="0"/>
-              </a:rPr>
-              <a:t>if</a:t>
-            </a:r>
-            <a:r>
-              <a:rPr lang="de-DE" sz="1400" dirty="0" smtClean="0">
-                <a:latin typeface="+mn-lt"/>
-                <a:cs typeface="Times New Roman" panose="02020603050405020304" pitchFamily="18" charset="0"/>
-              </a:rPr>
-              <a:t> (</a:t>
-            </a:r>
-            <a:r>
-              <a:rPr lang="de-DE" sz="1400" dirty="0" err="1" smtClean="0">
-                <a:latin typeface="+mn-lt"/>
-                <a:cs typeface="Times New Roman" panose="02020603050405020304" pitchFamily="18" charset="0"/>
-              </a:rPr>
-              <a:t>mod</a:t>
-            </a:r>
-            <a:r>
-              <a:rPr lang="de-DE" sz="1400" dirty="0" smtClean="0">
-                <a:latin typeface="+mn-lt"/>
-                <a:cs typeface="Times New Roman" panose="02020603050405020304" pitchFamily="18" charset="0"/>
-              </a:rPr>
-              <a:t> == 1) {</a:t>
-            </a:r>
-          </a:p>
-          <a:p>
-            <a:r>
-              <a:rPr lang="de-DE" sz="1400" dirty="0" smtClean="0">
-                <a:latin typeface="+mn-lt"/>
-                <a:cs typeface="Times New Roman" panose="02020603050405020304" pitchFamily="18" charset="0"/>
-              </a:rPr>
-              <a:t>	</a:t>
-            </a:r>
-            <a:r>
-              <a:rPr lang="de-DE" sz="1400" dirty="0" err="1" smtClean="0">
-                <a:latin typeface="+mn-lt"/>
-                <a:cs typeface="Times New Roman" panose="02020603050405020304" pitchFamily="18" charset="0"/>
-              </a:rPr>
-              <a:t>log_M</a:t>
-            </a:r>
-            <a:r>
-              <a:rPr lang="de-DE" sz="1400" dirty="0" smtClean="0">
-                <a:latin typeface="+mn-lt"/>
-                <a:cs typeface="Times New Roman" panose="02020603050405020304" pitchFamily="18" charset="0"/>
-              </a:rPr>
-              <a:t>[m - 1] = </a:t>
-            </a:r>
-            <a:r>
-              <a:rPr lang="de-DE" sz="1400" dirty="0" err="1" smtClean="0">
-                <a:latin typeface="+mn-lt"/>
-                <a:cs typeface="Times New Roman" panose="02020603050405020304" pitchFamily="18" charset="0"/>
-              </a:rPr>
-              <a:t>signal</a:t>
-            </a:r>
-            <a:r>
-              <a:rPr lang="de-DE" sz="1400" dirty="0" smtClean="0">
-                <a:latin typeface="+mn-lt"/>
-                <a:cs typeface="Times New Roman" panose="02020603050405020304" pitchFamily="18" charset="0"/>
-              </a:rPr>
-              <a:t>[last] </a:t>
-            </a:r>
-            <a:r>
-              <a:rPr lang="de-DE" sz="1400" dirty="0" smtClean="0">
-                <a:latin typeface="+mn-lt"/>
-                <a:cs typeface="Times New Roman" panose="02020603050405020304" pitchFamily="18" charset="0"/>
-              </a:rPr>
-              <a:t>* </a:t>
-            </a:r>
-            <a:r>
-              <a:rPr lang="de-DE" sz="1400" dirty="0" err="1" smtClean="0">
-                <a:latin typeface="+mn-lt"/>
-                <a:cs typeface="Times New Roman" panose="02020603050405020304" pitchFamily="18" charset="0"/>
-              </a:rPr>
-              <a:t>wk</a:t>
-            </a:r>
-            <a:r>
-              <a:rPr lang="de-DE" sz="1400" dirty="0" smtClean="0">
-                <a:latin typeface="+mn-lt"/>
-                <a:cs typeface="Times New Roman" panose="02020603050405020304" pitchFamily="18" charset="0"/>
-              </a:rPr>
-              <a:t>[m - 1</a:t>
-            </a:r>
-            <a:r>
-              <a:rPr lang="de-DE" sz="1400" dirty="0" smtClean="0">
-                <a:latin typeface="+mn-lt"/>
-                <a:cs typeface="Times New Roman" panose="02020603050405020304" pitchFamily="18" charset="0"/>
-              </a:rPr>
-              <a:t>][last];</a:t>
-            </a:r>
-            <a:endParaRPr lang="de-DE" sz="1400" dirty="0" smtClean="0">
-              <a:latin typeface="+mn-lt"/>
-              <a:cs typeface="Times New Roman" panose="02020603050405020304" pitchFamily="18" charset="0"/>
-            </a:endParaRPr>
-          </a:p>
-          <a:p>
-            <a:r>
-              <a:rPr lang="de-DE" sz="1400" dirty="0" smtClean="0">
-                <a:latin typeface="+mn-lt"/>
-                <a:cs typeface="Times New Roman" panose="02020603050405020304" pitchFamily="18" charset="0"/>
-              </a:rPr>
-              <a:t>      }</a:t>
-            </a:r>
-          </a:p>
-          <a:p>
-            <a:r>
-              <a:rPr lang="de-DE" sz="1400" dirty="0" smtClean="0">
-                <a:latin typeface="+mn-lt"/>
-                <a:cs typeface="Times New Roman" panose="02020603050405020304" pitchFamily="18" charset="0"/>
-              </a:rPr>
-              <a:t>      </a:t>
-            </a:r>
-            <a:r>
-              <a:rPr lang="de-DE" sz="1400" dirty="0" err="1" smtClean="0">
-                <a:latin typeface="+mn-lt"/>
-                <a:cs typeface="Times New Roman" panose="02020603050405020304" pitchFamily="18" charset="0"/>
-              </a:rPr>
-              <a:t>log_M</a:t>
-            </a:r>
-            <a:r>
-              <a:rPr lang="de-DE" sz="1400" dirty="0" smtClean="0">
-                <a:latin typeface="+mn-lt"/>
-                <a:cs typeface="Times New Roman" panose="02020603050405020304" pitchFamily="18" charset="0"/>
-              </a:rPr>
-              <a:t>[m - 1] += </a:t>
+              <a:t>[0] + </a:t>
             </a:r>
             <a:r>
               <a:rPr lang="de-DE" sz="1400" dirty="0" err="1" smtClean="0">
@@ -6212,14 +6082,7 @@
                 <a:latin typeface="+mn-lt"/>
                 <a:cs typeface="Times New Roman" panose="02020603050405020304" pitchFamily="18" charset="0"/>
               </a:rPr>
-              <a:t>[0</a:t>
-            </a:r>
-            <a:r>
-              <a:rPr lang="de-DE" sz="1400" dirty="0" smtClean="0">
-                <a:latin typeface="+mn-lt"/>
-                <a:cs typeface="Times New Roman" panose="02020603050405020304" pitchFamily="18" charset="0"/>
-              </a:rPr>
-              <a:t>] + </a:t>
+              <a:t>[1] + </a:t>
             </a:r>
             <a:r>
               <a:rPr lang="de-DE" sz="1400" dirty="0" err="1" smtClean="0">
@@ -6233,14 +6096,7 @@
                 <a:latin typeface="+mn-lt"/>
                 <a:cs typeface="Times New Roman" panose="02020603050405020304" pitchFamily="18" charset="0"/>
               </a:rPr>
-              <a:t>[1</a:t>
-            </a:r>
-            <a:r>
-              <a:rPr lang="de-DE" sz="1400" dirty="0" smtClean="0">
-                <a:latin typeface="+mn-lt"/>
-                <a:cs typeface="Times New Roman" panose="02020603050405020304" pitchFamily="18" charset="0"/>
-              </a:rPr>
-              <a:t>] + </a:t>
+              <a:t>[2] + </a:t>
             </a:r>
             <a:r>
               <a:rPr lang="de-DE" sz="1400" dirty="0" err="1" smtClean="0">
@@ -6254,35 +6110,7 @@
                 <a:latin typeface="+mn-lt"/>
                 <a:cs typeface="Times New Roman" panose="02020603050405020304" pitchFamily="18" charset="0"/>
               </a:rPr>
-              <a:t>[2</a:t>
-            </a:r>
-            <a:r>
-              <a:rPr lang="de-DE" sz="1400" dirty="0" smtClean="0">
-                <a:latin typeface="+mn-lt"/>
-                <a:cs typeface="Times New Roman" panose="02020603050405020304" pitchFamily="18" charset="0"/>
-              </a:rPr>
-              <a:t>] + </a:t>
-            </a:r>
-            <a:r>
-              <a:rPr lang="de-DE" sz="1400" dirty="0" err="1" smtClean="0">
-                <a:latin typeface="+mn-lt"/>
-                <a:cs typeface="Times New Roman" panose="02020603050405020304" pitchFamily="18" charset="0"/>
-              </a:rPr>
-              <a:t>tmp</a:t>
-            </a:r>
-            <a:r>
-              <a:rPr lang="de-DE" sz="1400" dirty="0" smtClean="0">
-                <a:latin typeface="+mn-lt"/>
-                <a:cs typeface="Times New Roman" panose="02020603050405020304" pitchFamily="18" charset="0"/>
-              </a:rPr>
-              <a:t>[3</a:t>
-            </a:r>
-            <a:r>
-              <a:rPr lang="de-DE" sz="1400" dirty="0" smtClean="0">
-                <a:latin typeface="+mn-lt"/>
-                <a:cs typeface="Times New Roman" panose="02020603050405020304" pitchFamily="18" charset="0"/>
-              </a:rPr>
-              <a:t>]+1;</a:t>
+              <a:t>[3]+1;</a:t>
             </a:r>
           </a:p>
           <a:p>
@@ -6490,25 +6318,13 @@
               <a:rPr lang="de-DE" dirty="0" err="1" smtClean="0">
                 <a:latin typeface="+mn-lt"/>
               </a:rPr>
-              <a:t>s</a:t>
-            </a:r>
-            <a:r>
-              <a:rPr lang="de-DE" dirty="0" err="1" smtClean="0">
-                <a:latin typeface="+mn-lt"/>
-              </a:rPr>
-              <a:t>n</a:t>
+              <a:t>sn</a:t>
             </a:r>
             <a:r>
               <a:rPr lang="de-DE" dirty="0" smtClean="0">
                 <a:latin typeface="+mn-lt"/>
               </a:rPr>
-              <a:t> =</a:t>
-            </a:r>
-            <a:r>
-              <a:rPr lang="de-DE" dirty="0" smtClean="0">
-                <a:latin typeface="+mn-lt"/>
-              </a:rPr>
-              <a:t> n Werte aus </a:t>
+              <a:t> = n Werte aus </a:t>
             </a:r>
             <a:r>
               <a:rPr lang="de-DE" dirty="0" err="1" smtClean="0">
@@ -6532,13 +6348,7 @@
               <a:rPr lang="de-DE" dirty="0" err="1" smtClean="0">
                 <a:latin typeface="+mn-lt"/>
               </a:rPr>
-              <a:t>r</a:t>
-            </a:r>
-            <a:r>
-              <a:rPr lang="de-DE" dirty="0" err="1" smtClean="0">
-                <a:latin typeface="+mn-lt"/>
-              </a:rPr>
-              <a:t>n</a:t>
+              <a:t>rn</a:t>
             </a:r>
             <a:r>
               <a:rPr lang="de-DE" dirty="0" smtClean="0">
@@ -6556,13 +6366,7 @@
               <a:rPr lang="de-DE" dirty="0" smtClean="0">
                 <a:latin typeface="+mn-lt"/>
               </a:rPr>
-              <a:t>t</a:t>
-            </a:r>
-            <a:r>
-              <a:rPr lang="de-DE" dirty="0" smtClean="0">
-                <a:latin typeface="+mn-lt"/>
-              </a:rPr>
-              <a:t>2 = 2 Werte aus </a:t>
+              <a:t>t2 = 2 Werte aus </a:t>
             </a:r>
             <a:r>
               <a:rPr lang="de-DE" dirty="0" err="1" smtClean="0">
@@ -6665,7 +6469,7 @@
     </p:spTree>
     <p:extLst>
       <p:ext uri="{BB962C8B-B14F-4D97-AF65-F5344CB8AC3E}">
-        <p14:creationId xmlns="" xmlns:p14="http://schemas.microsoft.com/office/powerpoint/2010/main" val="1423733875"/>
+        <p14:creationId xmlns:p14="http://schemas.microsoft.com/office/powerpoint/2010/main" xmlns="" val="1423733875"/>
       </p:ext>
     </p:extLst>
   </p:cSld>
@@ -9362,17 +9166,6 @@
               </a:rPr>
               <a:t>Stage 0</a:t>
             </a:r>
-            <a:endParaRPr kumimoji="0" lang="de-DE" sz="2400" b="0" i="0" u="none" strike="noStrike" cap="none" normalizeH="0" baseline="0" dirty="0" smtClean="0">
-              <a:ln>
-                <a:noFill/>
-              </a:ln>
-              <a:solidFill>
-                <a:schemeClr val="tx1"/>
-              </a:solidFill>
-              <a:effectLst/>
-              <a:latin typeface="Arial" charset="0"/>
-              <a:ea typeface="ＭＳ Ｐゴシック" pitchFamily="1" charset="-128"/>
-            </a:endParaRPr>
           </a:p>
         </p:txBody>
       </p:sp>
@@ -9442,17 +9235,6 @@
               </a:rPr>
               <a:t>Stage 1</a:t>
             </a:r>
-            <a:endParaRPr kumimoji="0" lang="de-DE" sz="2400" b="0" i="0" u="none" strike="noStrike" cap="none" normalizeH="0" baseline="0" dirty="0" smtClean="0">
-              <a:ln>
-                <a:noFill/>
-              </a:ln>
-              <a:solidFill>
-                <a:schemeClr val="tx1"/>
-              </a:solidFill>
-              <a:effectLst/>
-              <a:latin typeface="Arial" charset="0"/>
-              <a:ea typeface="ＭＳ Ｐゴシック" pitchFamily="1" charset="-128"/>
-            </a:endParaRPr>
           </a:p>
         </p:txBody>
       </p:sp>
@@ -9522,17 +9304,6 @@
               </a:rPr>
               <a:t>Stage 0</a:t>
             </a:r>
-            <a:endParaRPr kumimoji="0" lang="de-DE" sz="2400" b="0" i="0" u="none" strike="noStrike" cap="none" normalizeH="0" baseline="0" dirty="0" smtClean="0">
-              <a:ln>
-                <a:noFill/>
-              </a:ln>
-              <a:solidFill>
-                <a:schemeClr val="tx1"/>
-              </a:solidFill>
-              <a:effectLst/>
-              <a:latin typeface="Arial" charset="0"/>
-              <a:ea typeface="ＭＳ Ｐゴシック" pitchFamily="1" charset="-128"/>
-            </a:endParaRPr>
           </a:p>
         </p:txBody>
       </p:sp>
@@ -9604,17 +9375,6 @@
               </a:rPr>
               <a:t>Stage 2</a:t>
             </a:r>
-            <a:endParaRPr kumimoji="0" lang="de-DE" sz="2400" b="0" i="0" u="none" strike="noStrike" cap="none" normalizeH="0" baseline="0" dirty="0" smtClean="0">
-              <a:ln>
-                <a:noFill/>
-              </a:ln>
-              <a:solidFill>
-                <a:schemeClr val="tx1"/>
-              </a:solidFill>
-              <a:effectLst/>
-              <a:latin typeface="Arial" charset="0"/>
-              <a:ea typeface="ＭＳ Ｐゴシック" pitchFamily="1" charset="-128"/>
-            </a:endParaRPr>
           </a:p>
         </p:txBody>
       </p:sp>
@@ -9686,17 +9446,6 @@
               </a:rPr>
               <a:t>Stage 1</a:t>
             </a:r>
-            <a:endParaRPr kumimoji="0" lang="de-DE" sz="2400" b="0" i="0" u="none" strike="noStrike" cap="none" normalizeH="0" baseline="0" dirty="0" smtClean="0">
-              <a:ln>
-                <a:noFill/>
-              </a:ln>
-              <a:solidFill>
-                <a:schemeClr val="tx1"/>
-              </a:solidFill>
-              <a:effectLst/>
-              <a:latin typeface="Arial" charset="0"/>
-              <a:ea typeface="ＭＳ Ｐゴシック" pitchFamily="1" charset="-128"/>
-            </a:endParaRPr>
           </a:p>
         </p:txBody>
       </p:sp>
@@ -9768,17 +9517,6 @@
               </a:rPr>
               <a:t>Stage 0</a:t>
             </a:r>
-            <a:endParaRPr kumimoji="0" lang="de-DE" sz="2400" b="0" i="0" u="none" strike="noStrike" cap="none" normalizeH="0" baseline="0" dirty="0" smtClean="0">
-              <a:ln>
-                <a:noFill/>
-              </a:ln>
-              <a:solidFill>
-                <a:schemeClr val="tx1"/>
-              </a:solidFill>
-              <a:effectLst/>
-              <a:latin typeface="Arial" charset="0"/>
-              <a:ea typeface="ＭＳ Ｐゴシック" pitchFamily="1" charset="-128"/>
-            </a:endParaRPr>
           </a:p>
         </p:txBody>
       </p:sp>
@@ -9848,17 +9586,6 @@
               </a:rPr>
               <a:t>Stage 2</a:t>
             </a:r>
-            <a:endParaRPr kumimoji="0" lang="de-DE" sz="2400" b="0" i="0" u="none" strike="noStrike" cap="none" normalizeH="0" baseline="0" dirty="0" smtClean="0">
-              <a:ln>
-                <a:noFill/>
-              </a:ln>
-              <a:solidFill>
-                <a:schemeClr val="tx1"/>
-              </a:solidFill>
-              <a:effectLst/>
-              <a:latin typeface="Arial" charset="0"/>
-              <a:ea typeface="ＭＳ Ｐゴシック" pitchFamily="1" charset="-128"/>
-            </a:endParaRPr>
           </a:p>
         </p:txBody>
       </p:sp>
@@ -9928,17 +9655,6 @@
               </a:rPr>
               <a:t>Stage 1</a:t>
             </a:r>
-            <a:endParaRPr kumimoji="0" lang="de-DE" sz="2400" b="0" i="0" u="none" strike="noStrike" cap="none" normalizeH="0" baseline="0" dirty="0" smtClean="0">
-              <a:ln>
-                <a:noFill/>
-              </a:ln>
-              <a:solidFill>
-                <a:schemeClr val="tx1"/>
-              </a:solidFill>
-              <a:effectLst/>
-              <a:latin typeface="Arial" charset="0"/>
-              <a:ea typeface="ＭＳ Ｐゴシック" pitchFamily="1" charset="-128"/>
-            </a:endParaRPr>
           </a:p>
         </p:txBody>
       </p:sp>
@@ -10008,17 +9724,6 @@
               </a:rPr>
               <a:t>Stage 2</a:t>
             </a:r>
-            <a:endParaRPr kumimoji="0" lang="de-DE" sz="2400" b="0" i="0" u="none" strike="noStrike" cap="none" normalizeH="0" baseline="0" dirty="0" smtClean="0">
-              <a:ln>
-                <a:noFill/>
-              </a:ln>
-              <a:solidFill>
-                <a:schemeClr val="tx1"/>
-              </a:solidFill>
-              <a:effectLst/>
-              <a:latin typeface="Arial" charset="0"/>
-              <a:ea typeface="ＭＳ Ｐゴシック" pitchFamily="1" charset="-128"/>
-            </a:endParaRPr>
           </a:p>
         </p:txBody>
       </p:sp>
@@ -10328,11 +10033,7 @@
           <a:p>
             <a:r>
               <a:rPr lang="de-DE" sz="1600" dirty="0" smtClean="0"/>
-              <a:t>E</a:t>
-            </a:r>
-            <a:r>
-              <a:rPr lang="de-DE" sz="1600" dirty="0" smtClean="0"/>
-              <a:t>0</a:t>
+              <a:t>E0</a:t>
             </a:r>
             <a:endParaRPr lang="de-DE" sz="1600" dirty="0"/>
           </a:p>
@@ -10362,11 +10063,7 @@
           <a:p>
             <a:r>
               <a:rPr lang="de-DE" sz="1600" dirty="0" smtClean="0"/>
-              <a:t>E</a:t>
-            </a:r>
-            <a:r>
-              <a:rPr lang="de-DE" sz="1600" dirty="0" smtClean="0"/>
-              <a:t>1</a:t>
+              <a:t>E1</a:t>
             </a:r>
             <a:endParaRPr lang="de-DE" sz="1600" dirty="0"/>
           </a:p>
@@ -10826,13 +10523,7 @@
               <a:rPr lang="de-DE" dirty="0" smtClean="0">
                 <a:latin typeface="+mn-lt"/>
               </a:rPr>
-              <a:t> </a:t>
-            </a:r>
-            <a:r>
-              <a:rPr lang="de-DE" dirty="0" smtClean="0">
-                <a:latin typeface="+mn-lt"/>
-              </a:rPr>
-              <a:t>Beschleunigung um Faktor 3</a:t>
+              <a:t> Beschleunigung um Faktor 3</a:t>
             </a:r>
           </a:p>
           <a:p>
@@ -10845,7 +10536,7 @@
     </p:spTree>
     <p:extLst>
       <p:ext uri="{BB962C8B-B14F-4D97-AF65-F5344CB8AC3E}">
-        <p14:creationId xmlns="" xmlns:p14="http://schemas.microsoft.com/office/powerpoint/2010/main" val="1806618595"/>
+        <p14:creationId xmlns:p14="http://schemas.microsoft.com/office/powerpoint/2010/main" xmlns="" val="1806618595"/>
       </p:ext>
     </p:extLst>
   </p:cSld>
@@ -10889,7 +10580,7 @@
             <p:ph idx="1"/>
             <p:extLst>
               <p:ext uri="{D42A27DB-BD31-4B8C-83A1-F6EECF244321}">
-                <p14:modId xmlns="" xmlns:p14="http://schemas.microsoft.com/office/powerpoint/2010/main" val="2558019255"/>
+                <p14:modId xmlns:p14="http://schemas.microsoft.com/office/powerpoint/2010/main" xmlns="" val="2558019255"/>
               </p:ext>
             </p:extLst>
           </p:nvPr>
@@ -11069,7 +10760,7 @@
             <p:ph idx="1"/>
             <p:extLst>
               <p:ext uri="{D42A27DB-BD31-4B8C-83A1-F6EECF244321}">
-                <p14:modId xmlns="" xmlns:p14="http://schemas.microsoft.com/office/powerpoint/2010/main" val="654578910"/>
+                <p14:modId xmlns:p14="http://schemas.microsoft.com/office/powerpoint/2010/main" xmlns="" val="654578910"/>
               </p:ext>
             </p:extLst>
           </p:nvPr>
@@ -11642,7 +11333,7 @@
           <p:nvPr>
             <p:extLst>
               <p:ext uri="{D42A27DB-BD31-4B8C-83A1-F6EECF244321}">
-                <p14:modId xmlns="" xmlns:p14="http://schemas.microsoft.com/office/powerpoint/2010/main" val="2490061991"/>
+                <p14:modId xmlns:p14="http://schemas.microsoft.com/office/powerpoint/2010/main" xmlns="" val="2490061991"/>
               </p:ext>
             </p:extLst>
           </p:nvPr>
@@ -11740,13 +11431,7 @@
               <a:rPr lang="de-DE" dirty="0" smtClean="0">
                 <a:latin typeface="+mn-lt"/>
               </a:rPr>
-              <a:t>Leistungsaufnahmen </a:t>
-            </a:r>
-            <a:r>
-              <a:rPr lang="de-DE" dirty="0" smtClean="0">
-                <a:latin typeface="+mn-lt"/>
-              </a:rPr>
-              <a:t>von Texas Instruments geschätzt</a:t>
+              <a:t>Leistungsaufnahmen von Texas Instruments geschätzt</a:t>
             </a:r>
           </a:p>
           <a:p>
@@ -11769,12 +11454,12 @@
           <p:nvPr/>
         </p:nvGraphicFramePr>
         <p:xfrm>
-          <a:off x="2987824" y="4869160"/>
-          <a:ext cx="3823484" cy="1234162"/>
+          <a:off x="2987675" y="4857750"/>
+          <a:ext cx="3824288" cy="1258888"/>
         </p:xfrm>
         <a:graphic>
           <a:graphicData uri="http://schemas.openxmlformats.org/presentationml/2006/ole">
-            <p:oleObj spid="_x0000_s20526" name="Formel" r:id="rId4" imgW="2006280" imgH="647640" progId="Equation.3">
+            <p:oleObj spid="_x0000_s20526" name="Formel" r:id="rId4" imgW="2006280" imgH="660240" progId="Equation.3">
               <p:embed/>
             </p:oleObj>
           </a:graphicData>
@@ -11822,7 +11507,7 @@
             <p:ph idx="1"/>
             <p:extLst>
               <p:ext uri="{D42A27DB-BD31-4B8C-83A1-F6EECF244321}">
-                <p14:modId xmlns="" xmlns:p14="http://schemas.microsoft.com/office/powerpoint/2010/main" val="2896852188"/>
+                <p14:modId xmlns:p14="http://schemas.microsoft.com/office/powerpoint/2010/main" xmlns="" val="2896852188"/>
               </p:ext>
             </p:extLst>
           </p:nvPr>
@@ -11977,7 +11662,7 @@
             <p:ph idx="1"/>
             <p:extLst>
               <p:ext uri="{D42A27DB-BD31-4B8C-83A1-F6EECF244321}">
-                <p14:modId xmlns="" xmlns:p14="http://schemas.microsoft.com/office/powerpoint/2010/main" val="774806516"/>
+                <p14:modId xmlns:p14="http://schemas.microsoft.com/office/powerpoint/2010/main" xmlns="" val="774806516"/>
               </p:ext>
             </p:extLst>
           </p:nvPr>
@@ -12374,7 +12059,7 @@
             <p:ph idx="1"/>
             <p:extLst>
               <p:ext uri="{D42A27DB-BD31-4B8C-83A1-F6EECF244321}">
-                <p14:modId xmlns="" xmlns:p14="http://schemas.microsoft.com/office/powerpoint/2010/main" val="2551806399"/>
+                <p14:modId xmlns:p14="http://schemas.microsoft.com/office/powerpoint/2010/main" xmlns="" val="2551806399"/>
               </p:ext>
             </p:extLst>
           </p:nvPr>
@@ -12798,11 +12483,7 @@
             </a:pPr>
             <a:r>
               <a:rPr lang="de-DE" dirty="0" smtClean="0"/>
-              <a:t>Einsatz von automatischer </a:t>
-            </a:r>
-            <a:r>
-              <a:rPr lang="de-DE" dirty="0" smtClean="0"/>
-              <a:t>Musikklassifikation</a:t>
+              <a:t>Einsatz von automatischer Musikklassifikation</a:t>
             </a:r>
           </a:p>
           <a:p>
@@ -13122,13 +12803,7 @@
               <a:rPr lang="de-DE" dirty="0" smtClean="0">
                 <a:latin typeface="+mn-lt"/>
               </a:rPr>
-              <a:t>Minimierung </a:t>
-            </a:r>
-            <a:r>
-              <a:rPr lang="de-DE" dirty="0" smtClean="0">
-                <a:latin typeface="+mn-lt"/>
-              </a:rPr>
-              <a:t>der Daten auf eine feste Anzahl</a:t>
+              <a:t>Minimierung der Daten auf eine feste Anzahl</a:t>
             </a:r>
           </a:p>
           <a:p>
@@ -13169,7 +12844,7 @@
           <p:nvPr>
             <p:extLst>
               <p:ext uri="{D42A27DB-BD31-4B8C-83A1-F6EECF244321}">
-                <p14:modId xmlns="" xmlns:p14="http://schemas.microsoft.com/office/powerpoint/2010/main" val="1147201468"/>
+                <p14:modId xmlns:p14="http://schemas.microsoft.com/office/powerpoint/2010/main" xmlns="" val="1147201468"/>
               </p:ext>
             </p:extLst>
           </p:nvPr>
@@ -13198,7 +12873,7 @@
           <a:blip r:embed="rId4" cstate="print">
             <a:extLst>
               <a:ext uri="{28A0092B-C50C-407E-A947-70E740481C1C}">
-                <a14:useLocalDpi xmlns="" xmlns:a14="http://schemas.microsoft.com/office/drawing/2010/main" val="0"/>
+                <a14:useLocalDpi xmlns:a14="http://schemas.microsoft.com/office/drawing/2010/main" xmlns="" val="0"/>
               </a:ext>
             </a:extLst>
           </a:blip>
@@ -18946,13 +18621,7 @@
               <a:rPr lang="de-DE" dirty="0" smtClean="0">
                 <a:latin typeface="+mn-lt"/>
               </a:rPr>
-              <a:t>signifikant </a:t>
-            </a:r>
-            <a:r>
-              <a:rPr lang="de-DE" dirty="0" smtClean="0">
-                <a:latin typeface="+mn-lt"/>
-              </a:rPr>
-              <a:t>schneller</a:t>
+              <a:t>signifikant schneller</a:t>
             </a:r>
           </a:p>
           <a:p>
@@ -18969,9 +18638,6 @@
               </a:rPr>
               <a:t>Hohe Belastung des Akkus</a:t>
             </a:r>
-            <a:endParaRPr lang="de-DE" dirty="0" smtClean="0">
-              <a:latin typeface="+mn-lt"/>
-            </a:endParaRPr>
           </a:p>
         </p:txBody>
       </p:sp>
@@ -21147,7 +20813,7 @@
             <p:ph idx="1"/>
             <p:extLst>
               <p:ext uri="{D42A27DB-BD31-4B8C-83A1-F6EECF244321}">
-                <p14:modId xmlns="" xmlns:p14="http://schemas.microsoft.com/office/powerpoint/2010/main" val="699170767"/>
+                <p14:modId xmlns:p14="http://schemas.microsoft.com/office/powerpoint/2010/main" xmlns="" val="699170767"/>
               </p:ext>
             </p:extLst>
           </p:nvPr>
@@ -21588,13 +21254,7 @@
               <a:rPr lang="de-DE" dirty="0" smtClean="0">
                 <a:latin typeface="+mn-lt"/>
               </a:rPr>
-              <a:t>Eigene </a:t>
-            </a:r>
-            <a:r>
-              <a:rPr lang="de-DE" dirty="0" smtClean="0">
-                <a:latin typeface="+mn-lt"/>
-              </a:rPr>
-              <a:t>Speicherbereiche im RAM</a:t>
+              <a:t>Eigene Speicherbereiche im RAM</a:t>
             </a:r>
           </a:p>
           <a:p>
@@ -21618,13 +21278,7 @@
               <a:rPr lang="de-DE" dirty="0" smtClean="0">
                 <a:latin typeface="+mn-lt"/>
               </a:rPr>
-              <a:t> </a:t>
-            </a:r>
-            <a:r>
-              <a:rPr lang="de-DE" dirty="0" smtClean="0">
-                <a:latin typeface="+mn-lt"/>
-              </a:rPr>
-              <a:t>Memory</a:t>
+              <a:t> Memory</a:t>
             </a:r>
           </a:p>
           <a:p>
@@ -23730,7 +23384,7 @@
           <p:nvPr>
             <p:extLst>
               <p:ext uri="{D42A27DB-BD31-4B8C-83A1-F6EECF244321}">
-                <p14:modId xmlns="" xmlns:p14="http://schemas.microsoft.com/office/powerpoint/2010/main" val="691712731"/>
+                <p14:modId xmlns:p14="http://schemas.microsoft.com/office/powerpoint/2010/main" xmlns="" val="691712731"/>
               </p:ext>
             </p:extLst>
           </p:nvPr>

--- a/Speech/Praesentation1.pptx
+++ b/Speech/Praesentation1.pptx
@@ -224,30 +224,30 @@
                   <c:v>3.2666666666666666</c:v>
                 </c:pt>
                 <c:pt idx="3">
-                  <c:v>0.11666666666666685</c:v>
+                  <c:v>0.11666666666666689</c:v>
                 </c:pt>
               </c:numCache>
             </c:numRef>
           </c:val>
         </c:ser>
-        <c:axId val="78526336"/>
-        <c:axId val="78527872"/>
+        <c:axId val="78259328"/>
+        <c:axId val="78290944"/>
       </c:barChart>
       <c:catAx>
-        <c:axId val="78526336"/>
+        <c:axId val="78259328"/>
         <c:scaling>
           <c:orientation val="minMax"/>
         </c:scaling>
         <c:axPos val="l"/>
         <c:tickLblPos val="nextTo"/>
-        <c:crossAx val="78527872"/>
+        <c:crossAx val="78290944"/>
         <c:crosses val="autoZero"/>
         <c:auto val="1"/>
         <c:lblAlgn val="ctr"/>
         <c:lblOffset val="100"/>
       </c:catAx>
       <c:valAx>
-        <c:axId val="78527872"/>
+        <c:axId val="78290944"/>
         <c:scaling>
           <c:orientation val="minMax"/>
         </c:scaling>
@@ -282,7 +282,7 @@
         </c:title>
         <c:numFmt formatCode="0.00" sourceLinked="1"/>
         <c:tickLblPos val="nextTo"/>
-        <c:crossAx val="78526336"/>
+        <c:crossAx val="78259328"/>
         <c:crosses val="autoZero"/>
         <c:crossBetween val="between"/>
       </c:valAx>
@@ -333,7 +333,7 @@
               <c:idx val="1"/>
               <c:layout>
                 <c:manualLayout>
-                  <c:x val="-0.14849375065218198"/>
+                  <c:x val="-0.14849375065218201"/>
                   <c:y val="-2.2062499999999988E-2"/>
                 </c:manualLayout>
               </c:layout>
@@ -526,25 +526,25 @@
             </c:numRef>
           </c:val>
         </c:ser>
-        <c:axId val="97501952"/>
-        <c:axId val="97597696"/>
+        <c:axId val="103863040"/>
+        <c:axId val="109726720"/>
       </c:barChart>
       <c:catAx>
-        <c:axId val="97501952"/>
+        <c:axId val="103863040"/>
         <c:scaling>
           <c:orientation val="minMax"/>
         </c:scaling>
         <c:axPos val="l"/>
         <c:numFmt formatCode="0.00E+00" sourceLinked="0"/>
         <c:tickLblPos val="nextTo"/>
-        <c:crossAx val="97597696"/>
+        <c:crossAx val="109726720"/>
         <c:crosses val="autoZero"/>
         <c:auto val="1"/>
         <c:lblAlgn val="ctr"/>
         <c:lblOffset val="100"/>
       </c:catAx>
       <c:valAx>
-        <c:axId val="97597696"/>
+        <c:axId val="109726720"/>
         <c:scaling>
           <c:orientation val="minMax"/>
           <c:max val="170000"/>
@@ -581,7 +581,7 @@
         </c:title>
         <c:numFmt formatCode="General" sourceLinked="0"/>
         <c:tickLblPos val="nextTo"/>
-        <c:crossAx val="97501952"/>
+        <c:crossAx val="103863040"/>
         <c:crosses val="autoZero"/>
         <c:crossBetween val="between"/>
       </c:valAx>
@@ -661,7 +661,7 @@
                   <c:v>115.52</c:v>
                 </c:pt>
                 <c:pt idx="1">
-                  <c:v>673.7700000000001</c:v>
+                  <c:v>673.77000000000021</c:v>
                 </c:pt>
                 <c:pt idx="2">
                   <c:v>69.08</c:v>
@@ -729,24 +729,24 @@
             </c:numRef>
           </c:val>
         </c:ser>
-        <c:axId val="74076928"/>
-        <c:axId val="84243584"/>
+        <c:axId val="116501120"/>
+        <c:axId val="116511104"/>
       </c:barChart>
       <c:catAx>
-        <c:axId val="74076928"/>
+        <c:axId val="116501120"/>
         <c:scaling>
           <c:orientation val="minMax"/>
         </c:scaling>
         <c:axPos val="l"/>
         <c:tickLblPos val="nextTo"/>
-        <c:crossAx val="84243584"/>
+        <c:crossAx val="116511104"/>
         <c:crosses val="autoZero"/>
         <c:auto val="1"/>
         <c:lblAlgn val="ctr"/>
         <c:lblOffset val="100"/>
       </c:catAx>
       <c:valAx>
-        <c:axId val="84243584"/>
+        <c:axId val="116511104"/>
         <c:scaling>
           <c:orientation val="minMax"/>
           <c:max val="700"/>
@@ -790,7 +790,7 @@
         </c:title>
         <c:numFmt formatCode="General" sourceLinked="1"/>
         <c:tickLblPos val="nextTo"/>
-        <c:crossAx val="74076928"/>
+        <c:crossAx val="116501120"/>
         <c:crosses val="autoZero"/>
         <c:crossBetween val="between"/>
       </c:valAx>
@@ -867,7 +867,7 @@
                 <c:formatCode>General</c:formatCode>
                 <c:ptCount val="4"/>
                 <c:pt idx="0">
-                  <c:v>51.222000000000087</c:v>
+                  <c:v>51.222000000000094</c:v>
                 </c:pt>
                 <c:pt idx="1">
                   <c:v>8.782</c:v>
@@ -938,24 +938,24 @@
             </c:numRef>
           </c:val>
         </c:ser>
-        <c:axId val="96717824"/>
-        <c:axId val="97504256"/>
+        <c:axId val="116610176"/>
+        <c:axId val="116611712"/>
       </c:barChart>
       <c:catAx>
-        <c:axId val="96717824"/>
+        <c:axId val="116610176"/>
         <c:scaling>
           <c:orientation val="minMax"/>
         </c:scaling>
         <c:axPos val="l"/>
         <c:tickLblPos val="nextTo"/>
-        <c:crossAx val="97504256"/>
+        <c:crossAx val="116611712"/>
         <c:crosses val="autoZero"/>
         <c:auto val="1"/>
         <c:lblAlgn val="ctr"/>
         <c:lblOffset val="100"/>
       </c:catAx>
       <c:valAx>
-        <c:axId val="97504256"/>
+        <c:axId val="116611712"/>
         <c:scaling>
           <c:orientation val="minMax"/>
           <c:max val="130"/>
@@ -992,7 +992,7 @@
         </c:title>
         <c:numFmt formatCode="General" sourceLinked="1"/>
         <c:tickLblPos val="nextTo"/>
-        <c:crossAx val="96717824"/>
+        <c:crossAx val="116610176"/>
         <c:crosses val="autoZero"/>
         <c:crossBetween val="between"/>
       </c:valAx>
@@ -1078,7 +1078,7 @@
                   <c:v>130762.0505</c:v>
                 </c:pt>
                 <c:pt idx="3">
-                  <c:v>109173.62410000016</c:v>
+                  <c:v>109173.62410000018</c:v>
                 </c:pt>
               </c:numCache>
             </c:numRef>
@@ -1131,7 +1131,7 @@
                   <c:v>65803.216499999908</c:v>
                 </c:pt>
                 <c:pt idx="2">
-                  <c:v>838185.47429999849</c:v>
+                  <c:v>838185.47429999837</c:v>
                 </c:pt>
                 <c:pt idx="3">
                   <c:v>126062.7588</c:v>
@@ -1140,24 +1140,24 @@
             </c:numRef>
           </c:val>
         </c:ser>
-        <c:axId val="111395968"/>
-        <c:axId val="111461504"/>
+        <c:axId val="120067200"/>
+        <c:axId val="120068736"/>
       </c:barChart>
       <c:catAx>
-        <c:axId val="111395968"/>
+        <c:axId val="120067200"/>
         <c:scaling>
           <c:orientation val="minMax"/>
         </c:scaling>
         <c:axPos val="l"/>
         <c:tickLblPos val="nextTo"/>
-        <c:crossAx val="111461504"/>
+        <c:crossAx val="120068736"/>
         <c:crosses val="autoZero"/>
         <c:auto val="1"/>
         <c:lblAlgn val="ctr"/>
         <c:lblOffset val="100"/>
       </c:catAx>
       <c:valAx>
-        <c:axId val="111461504"/>
+        <c:axId val="120068736"/>
         <c:scaling>
           <c:orientation val="minMax"/>
           <c:max val="900000"/>
@@ -1166,7 +1166,7 @@
         <c:majorGridlines/>
         <c:numFmt formatCode="General" sourceLinked="1"/>
         <c:tickLblPos val="nextTo"/>
-        <c:crossAx val="111395968"/>
+        <c:crossAx val="120067200"/>
         <c:crosses val="autoZero"/>
         <c:crossBetween val="between"/>
       </c:valAx>
@@ -1514,7 +1514,7 @@
     </p:spTree>
     <p:extLst>
       <p:ext uri="{BB962C8B-B14F-4D97-AF65-F5344CB8AC3E}">
-        <p14:creationId xmlns:p14="http://schemas.microsoft.com/office/powerpoint/2010/main" xmlns="" val="4020156663"/>
+        <p14:creationId xmlns="" xmlns:p14="http://schemas.microsoft.com/office/powerpoint/2010/main" val="4020156663"/>
       </p:ext>
     </p:extLst>
   </p:cSld>
@@ -5631,505 +5631,6 @@
       </p:grpSpPr>
       <p:sp>
         <p:nvSpPr>
-          <p:cNvPr id="6" name="Textfeld 5"/>
-          <p:cNvSpPr txBox="1"/>
-          <p:nvPr/>
-        </p:nvSpPr>
-        <p:spPr>
-          <a:xfrm>
-            <a:off x="0" y="1628800"/>
-            <a:ext cx="4932040" cy="4832092"/>
-          </a:xfrm>
-          <a:prstGeom prst="rect">
-            <a:avLst/>
-          </a:prstGeom>
-          <a:noFill/>
-        </p:spPr>
-        <p:txBody>
-          <a:bodyPr wrap="square" rtlCol="0">
-            <a:spAutoFit/>
-          </a:bodyPr>
-          <a:lstStyle/>
-          <a:p>
-            <a:r>
-              <a:rPr lang="de-DE" sz="1400" dirty="0" err="1" smtClean="0">
-                <a:latin typeface="+mn-lt"/>
-                <a:cs typeface="Times New Roman" panose="02020603050405020304" pitchFamily="18" charset="0"/>
-              </a:rPr>
-              <a:t>for</a:t>
-            </a:r>
-            <a:r>
-              <a:rPr lang="de-DE" sz="1400" dirty="0" smtClean="0">
-                <a:latin typeface="+mn-lt"/>
-                <a:cs typeface="Times New Roman" panose="02020603050405020304" pitchFamily="18" charset="0"/>
-              </a:rPr>
-              <a:t> (m = 1; m &lt;= M; m++) {</a:t>
-            </a:r>
-          </a:p>
-          <a:p>
-            <a:r>
-              <a:rPr lang="de-DE" sz="1400" dirty="0" smtClean="0">
-                <a:latin typeface="+mn-lt"/>
-                <a:cs typeface="Times New Roman" panose="02020603050405020304" pitchFamily="18" charset="0"/>
-              </a:rPr>
-              <a:t>       </a:t>
-            </a:r>
-            <a:r>
-              <a:rPr lang="de-DE" sz="1400" dirty="0" err="1" smtClean="0">
-                <a:latin typeface="+mn-lt"/>
-                <a:cs typeface="Times New Roman" panose="02020603050405020304" pitchFamily="18" charset="0"/>
-              </a:rPr>
-              <a:t>mod</a:t>
-            </a:r>
-            <a:r>
-              <a:rPr lang="de-DE" sz="1400" dirty="0" smtClean="0">
-                <a:latin typeface="+mn-lt"/>
-                <a:cs typeface="Times New Roman" panose="02020603050405020304" pitchFamily="18" charset="0"/>
-              </a:rPr>
-              <a:t> = (</a:t>
-            </a:r>
-            <a:r>
-              <a:rPr lang="de-DE" sz="1400" dirty="0" err="1" smtClean="0">
-                <a:latin typeface="+mn-lt"/>
-                <a:cs typeface="Times New Roman" panose="02020603050405020304" pitchFamily="18" charset="0"/>
-              </a:rPr>
-              <a:t>AnfangFilter</a:t>
-            </a:r>
-            <a:r>
-              <a:rPr lang="de-DE" sz="1400" dirty="0" smtClean="0">
-                <a:latin typeface="+mn-lt"/>
-                <a:cs typeface="Times New Roman" panose="02020603050405020304" pitchFamily="18" charset="0"/>
-              </a:rPr>
-              <a:t>[m] – EndeFilter[m]+1) % 4;</a:t>
-            </a:r>
-          </a:p>
-          <a:p>
-            <a:r>
-              <a:rPr lang="de-DE" sz="1400" dirty="0" smtClean="0">
-                <a:latin typeface="+mn-lt"/>
-                <a:cs typeface="Times New Roman" panose="02020603050405020304" pitchFamily="18" charset="0"/>
-              </a:rPr>
-              <a:t>       last = EndeFilter[m]-mod+1;</a:t>
-            </a:r>
-          </a:p>
-          <a:p>
-            <a:endParaRPr lang="de-DE" sz="1400" dirty="0" smtClean="0">
-              <a:latin typeface="+mn-lt"/>
-              <a:cs typeface="Times New Roman" panose="02020603050405020304" pitchFamily="18" charset="0"/>
-            </a:endParaRPr>
-          </a:p>
-          <a:p>
-            <a:r>
-              <a:rPr lang="de-DE" sz="1400" dirty="0" smtClean="0">
-                <a:latin typeface="+mn-lt"/>
-                <a:cs typeface="Times New Roman" panose="02020603050405020304" pitchFamily="18" charset="0"/>
-              </a:rPr>
-              <a:t>       r4 = vld1q_f32(</a:t>
-            </a:r>
-            <a:r>
-              <a:rPr lang="de-DE" sz="1400" dirty="0" err="1" smtClean="0">
-                <a:latin typeface="+mn-lt"/>
-                <a:cs typeface="Times New Roman" panose="02020603050405020304" pitchFamily="18" charset="0"/>
-              </a:rPr>
-              <a:t>temp</a:t>
-            </a:r>
-            <a:r>
-              <a:rPr lang="de-DE" sz="1400" dirty="0" smtClean="0">
-                <a:latin typeface="+mn-lt"/>
-                <a:cs typeface="Times New Roman" panose="02020603050405020304" pitchFamily="18" charset="0"/>
-              </a:rPr>
-              <a:t>[0]);</a:t>
-            </a:r>
-          </a:p>
-          <a:p>
-            <a:r>
-              <a:rPr lang="de-DE" sz="1400" dirty="0" smtClean="0">
-                <a:latin typeface="+mn-lt"/>
-                <a:cs typeface="Times New Roman" panose="02020603050405020304" pitchFamily="18" charset="0"/>
-              </a:rPr>
-              <a:t>       </a:t>
-            </a:r>
-            <a:r>
-              <a:rPr lang="de-DE" sz="1400" dirty="0" err="1" smtClean="0">
-                <a:latin typeface="+mn-lt"/>
-                <a:cs typeface="Times New Roman" panose="02020603050405020304" pitchFamily="18" charset="0"/>
-              </a:rPr>
-              <a:t>for</a:t>
-            </a:r>
-            <a:r>
-              <a:rPr lang="de-DE" sz="1400" dirty="0" smtClean="0">
-                <a:latin typeface="+mn-lt"/>
-                <a:cs typeface="Times New Roman" panose="02020603050405020304" pitchFamily="18" charset="0"/>
-              </a:rPr>
-              <a:t> (k = </a:t>
-            </a:r>
-            <a:r>
-              <a:rPr lang="de-DE" sz="1400" dirty="0" err="1" smtClean="0">
-                <a:latin typeface="+mn-lt"/>
-                <a:cs typeface="Times New Roman" panose="02020603050405020304" pitchFamily="18" charset="0"/>
-              </a:rPr>
-              <a:t>AnfangFilter</a:t>
-            </a:r>
-            <a:r>
-              <a:rPr lang="de-DE" sz="1400" dirty="0" smtClean="0">
-                <a:latin typeface="+mn-lt"/>
-                <a:cs typeface="Times New Roman" panose="02020603050405020304" pitchFamily="18" charset="0"/>
-              </a:rPr>
-              <a:t>[m]; k &lt; (last – 1); k +4) {</a:t>
-            </a:r>
-          </a:p>
-          <a:p>
-            <a:r>
-              <a:rPr lang="de-DE" sz="1400" dirty="0" smtClean="0">
-                <a:latin typeface="+mn-lt"/>
-                <a:cs typeface="Times New Roman" panose="02020603050405020304" pitchFamily="18" charset="0"/>
-              </a:rPr>
-              <a:t>	w4 und s4 laden	</a:t>
-            </a:r>
-          </a:p>
-          <a:p>
-            <a:r>
-              <a:rPr lang="de-DE" sz="1400" dirty="0" smtClean="0">
-                <a:latin typeface="+mn-lt"/>
-                <a:cs typeface="Times New Roman" panose="02020603050405020304" pitchFamily="18" charset="0"/>
-              </a:rPr>
-              <a:t>	r4 = vmlaq_f32(r4, s4, w4);</a:t>
-            </a:r>
-          </a:p>
-          <a:p>
-            <a:r>
-              <a:rPr lang="de-DE" sz="1400" dirty="0" smtClean="0">
-                <a:latin typeface="+mn-lt"/>
-                <a:cs typeface="Times New Roman" panose="02020603050405020304" pitchFamily="18" charset="0"/>
-              </a:rPr>
-              <a:t>       }</a:t>
-            </a:r>
-          </a:p>
-          <a:p>
-            <a:r>
-              <a:rPr lang="de-DE" sz="1400" dirty="0" smtClean="0">
-                <a:latin typeface="+mn-lt"/>
-                <a:cs typeface="Times New Roman" panose="02020603050405020304" pitchFamily="18" charset="0"/>
-              </a:rPr>
-              <a:t>      vst1q_f32(</a:t>
-            </a:r>
-            <a:r>
-              <a:rPr lang="de-DE" sz="1400" dirty="0" err="1" smtClean="0">
-                <a:latin typeface="+mn-lt"/>
-                <a:cs typeface="Times New Roman" panose="02020603050405020304" pitchFamily="18" charset="0"/>
-              </a:rPr>
-              <a:t>tmp</a:t>
-            </a:r>
-            <a:r>
-              <a:rPr lang="de-DE" sz="1400" dirty="0" smtClean="0">
-                <a:latin typeface="+mn-lt"/>
-                <a:cs typeface="Times New Roman" panose="02020603050405020304" pitchFamily="18" charset="0"/>
-              </a:rPr>
-              <a:t>[0], r4);</a:t>
-            </a:r>
-          </a:p>
-          <a:p>
-            <a:endParaRPr lang="de-DE" sz="1400" dirty="0" smtClean="0">
-              <a:latin typeface="+mn-lt"/>
-              <a:cs typeface="Times New Roman" panose="02020603050405020304" pitchFamily="18" charset="0"/>
-            </a:endParaRPr>
-          </a:p>
-          <a:p>
-            <a:r>
-              <a:rPr lang="de-DE" sz="1400" dirty="0" smtClean="0">
-                <a:latin typeface="+mn-lt"/>
-                <a:cs typeface="Times New Roman" panose="02020603050405020304" pitchFamily="18" charset="0"/>
-              </a:rPr>
-              <a:t>      </a:t>
-            </a:r>
-            <a:r>
-              <a:rPr lang="de-DE" sz="1400" dirty="0" err="1" smtClean="0">
-                <a:latin typeface="+mn-lt"/>
-                <a:cs typeface="Times New Roman" panose="02020603050405020304" pitchFamily="18" charset="0"/>
-              </a:rPr>
-              <a:t>if</a:t>
-            </a:r>
-            <a:r>
-              <a:rPr lang="de-DE" sz="1400" dirty="0" smtClean="0">
-                <a:latin typeface="+mn-lt"/>
-                <a:cs typeface="Times New Roman" panose="02020603050405020304" pitchFamily="18" charset="0"/>
-              </a:rPr>
-              <a:t> (</a:t>
-            </a:r>
-            <a:r>
-              <a:rPr lang="de-DE" sz="1400" dirty="0" err="1" smtClean="0">
-                <a:latin typeface="+mn-lt"/>
-                <a:cs typeface="Times New Roman" panose="02020603050405020304" pitchFamily="18" charset="0"/>
-              </a:rPr>
-              <a:t>mod</a:t>
-            </a:r>
-            <a:r>
-              <a:rPr lang="de-DE" sz="1400" dirty="0" smtClean="0">
-                <a:latin typeface="+mn-lt"/>
-                <a:cs typeface="Times New Roman" panose="02020603050405020304" pitchFamily="18" charset="0"/>
-              </a:rPr>
-              <a:t> &gt; 1) {</a:t>
-            </a:r>
-          </a:p>
-          <a:p>
-            <a:r>
-              <a:rPr lang="de-DE" sz="1400" dirty="0">
-                <a:latin typeface="+mn-lt"/>
-                <a:cs typeface="Times New Roman" panose="02020603050405020304" pitchFamily="18" charset="0"/>
-              </a:rPr>
-              <a:t>	</a:t>
-            </a:r>
-            <a:r>
-              <a:rPr lang="de-DE" sz="1400" dirty="0" smtClean="0">
-                <a:latin typeface="+mn-lt"/>
-                <a:cs typeface="Times New Roman" panose="02020603050405020304" pitchFamily="18" charset="0"/>
-              </a:rPr>
-              <a:t>w2, r2 und s2 laden</a:t>
-            </a:r>
-          </a:p>
-          <a:p>
-            <a:r>
-              <a:rPr lang="de-DE" sz="1400" dirty="0" smtClean="0">
-                <a:latin typeface="+mn-lt"/>
-                <a:cs typeface="Times New Roman" panose="02020603050405020304" pitchFamily="18" charset="0"/>
-              </a:rPr>
-              <a:t>	t2 = vmla_f32(r2, s2, w2);</a:t>
-            </a:r>
-          </a:p>
-          <a:p>
-            <a:r>
-              <a:rPr lang="de-DE" sz="1400" dirty="0" smtClean="0">
-                <a:latin typeface="+mn-lt"/>
-                <a:cs typeface="Times New Roman" panose="02020603050405020304" pitchFamily="18" charset="0"/>
-              </a:rPr>
-              <a:t>	vst1_f32(</a:t>
-            </a:r>
-            <a:r>
-              <a:rPr lang="de-DE" sz="1400" dirty="0" err="1" smtClean="0">
-                <a:latin typeface="+mn-lt"/>
-                <a:cs typeface="Times New Roman" panose="02020603050405020304" pitchFamily="18" charset="0"/>
-              </a:rPr>
-              <a:t>temp</a:t>
-            </a:r>
-            <a:r>
-              <a:rPr lang="de-DE" sz="1400" dirty="0" smtClean="0">
-                <a:latin typeface="+mn-lt"/>
-                <a:cs typeface="Times New Roman" panose="02020603050405020304" pitchFamily="18" charset="0"/>
-              </a:rPr>
-              <a:t>[0], t2);</a:t>
-            </a:r>
-          </a:p>
-          <a:p>
-            <a:r>
-              <a:rPr lang="de-DE" sz="1400" dirty="0" smtClean="0">
-                <a:latin typeface="+mn-lt"/>
-                <a:cs typeface="Times New Roman" panose="02020603050405020304" pitchFamily="18" charset="0"/>
-              </a:rPr>
-              <a:t>	last += 2;</a:t>
-            </a:r>
-          </a:p>
-          <a:p>
-            <a:r>
-              <a:rPr lang="de-DE" sz="1400" dirty="0" smtClean="0">
-                <a:latin typeface="+mn-lt"/>
-                <a:cs typeface="Times New Roman" panose="02020603050405020304" pitchFamily="18" charset="0"/>
-              </a:rPr>
-              <a:t>      }</a:t>
-            </a:r>
-          </a:p>
-          <a:p>
-            <a:r>
-              <a:rPr lang="de-DE" sz="1400" dirty="0" smtClean="0">
-                <a:latin typeface="+mn-lt"/>
-                <a:cs typeface="Times New Roman" panose="02020603050405020304" pitchFamily="18" charset="0"/>
-              </a:rPr>
-              <a:t>      </a:t>
-            </a:r>
-            <a:r>
-              <a:rPr lang="de-DE" sz="1400" dirty="0" err="1" smtClean="0">
-                <a:latin typeface="+mn-lt"/>
-                <a:cs typeface="Times New Roman" panose="02020603050405020304" pitchFamily="18" charset="0"/>
-              </a:rPr>
-              <a:t>if</a:t>
-            </a:r>
-            <a:r>
-              <a:rPr lang="de-DE" sz="1400" dirty="0" smtClean="0">
-                <a:latin typeface="+mn-lt"/>
-                <a:cs typeface="Times New Roman" panose="02020603050405020304" pitchFamily="18" charset="0"/>
-              </a:rPr>
-              <a:t> (</a:t>
-            </a:r>
-            <a:r>
-              <a:rPr lang="de-DE" sz="1400" dirty="0" err="1" smtClean="0">
-                <a:latin typeface="+mn-lt"/>
-                <a:cs typeface="Times New Roman" panose="02020603050405020304" pitchFamily="18" charset="0"/>
-              </a:rPr>
-              <a:t>mod</a:t>
-            </a:r>
-            <a:r>
-              <a:rPr lang="de-DE" sz="1400" dirty="0" smtClean="0">
-                <a:latin typeface="+mn-lt"/>
-                <a:cs typeface="Times New Roman" panose="02020603050405020304" pitchFamily="18" charset="0"/>
-              </a:rPr>
-              <a:t> == 1) {</a:t>
-            </a:r>
-          </a:p>
-          <a:p>
-            <a:r>
-              <a:rPr lang="de-DE" sz="1400" dirty="0" smtClean="0">
-                <a:latin typeface="+mn-lt"/>
-                <a:cs typeface="Times New Roman" panose="02020603050405020304" pitchFamily="18" charset="0"/>
-              </a:rPr>
-              <a:t>	</a:t>
-            </a:r>
-            <a:r>
-              <a:rPr lang="de-DE" sz="1400" dirty="0" err="1" smtClean="0">
-                <a:latin typeface="+mn-lt"/>
-                <a:cs typeface="Times New Roman" panose="02020603050405020304" pitchFamily="18" charset="0"/>
-              </a:rPr>
-              <a:t>log_M</a:t>
-            </a:r>
-            <a:r>
-              <a:rPr lang="de-DE" sz="1400" dirty="0" smtClean="0">
-                <a:latin typeface="+mn-lt"/>
-                <a:cs typeface="Times New Roman" panose="02020603050405020304" pitchFamily="18" charset="0"/>
-              </a:rPr>
-              <a:t>[m - 1] = </a:t>
-            </a:r>
-            <a:r>
-              <a:rPr lang="de-DE" sz="1400" dirty="0" err="1" smtClean="0">
-                <a:latin typeface="+mn-lt"/>
-                <a:cs typeface="Times New Roman" panose="02020603050405020304" pitchFamily="18" charset="0"/>
-              </a:rPr>
-              <a:t>signal</a:t>
-            </a:r>
-            <a:r>
-              <a:rPr lang="de-DE" sz="1400" dirty="0" smtClean="0">
-                <a:latin typeface="+mn-lt"/>
-                <a:cs typeface="Times New Roman" panose="02020603050405020304" pitchFamily="18" charset="0"/>
-              </a:rPr>
-              <a:t>[last] * </a:t>
-            </a:r>
-            <a:r>
-              <a:rPr lang="de-DE" sz="1400" dirty="0" err="1" smtClean="0">
-                <a:latin typeface="+mn-lt"/>
-                <a:cs typeface="Times New Roman" panose="02020603050405020304" pitchFamily="18" charset="0"/>
-              </a:rPr>
-              <a:t>wk</a:t>
-            </a:r>
-            <a:r>
-              <a:rPr lang="de-DE" sz="1400" dirty="0" smtClean="0">
-                <a:latin typeface="+mn-lt"/>
-                <a:cs typeface="Times New Roman" panose="02020603050405020304" pitchFamily="18" charset="0"/>
-              </a:rPr>
-              <a:t>[m - 1][last];</a:t>
-            </a:r>
-          </a:p>
-          <a:p>
-            <a:r>
-              <a:rPr lang="de-DE" sz="1400" dirty="0" smtClean="0">
-                <a:latin typeface="+mn-lt"/>
-                <a:cs typeface="Times New Roman" panose="02020603050405020304" pitchFamily="18" charset="0"/>
-              </a:rPr>
-              <a:t>      }</a:t>
-            </a:r>
-          </a:p>
-          <a:p>
-            <a:r>
-              <a:rPr lang="de-DE" sz="1400" dirty="0" smtClean="0">
-                <a:latin typeface="+mn-lt"/>
-                <a:cs typeface="Times New Roman" panose="02020603050405020304" pitchFamily="18" charset="0"/>
-              </a:rPr>
-              <a:t>      </a:t>
-            </a:r>
-            <a:r>
-              <a:rPr lang="de-DE" sz="1400" dirty="0" err="1" smtClean="0">
-                <a:latin typeface="+mn-lt"/>
-                <a:cs typeface="Times New Roman" panose="02020603050405020304" pitchFamily="18" charset="0"/>
-              </a:rPr>
-              <a:t>log_M</a:t>
-            </a:r>
-            <a:r>
-              <a:rPr lang="de-DE" sz="1400" dirty="0" smtClean="0">
-                <a:latin typeface="+mn-lt"/>
-                <a:cs typeface="Times New Roman" panose="02020603050405020304" pitchFamily="18" charset="0"/>
-              </a:rPr>
-              <a:t>[m - 1] += </a:t>
-            </a:r>
-            <a:r>
-              <a:rPr lang="de-DE" sz="1400" dirty="0" err="1" smtClean="0">
-                <a:latin typeface="+mn-lt"/>
-                <a:cs typeface="Times New Roman" panose="02020603050405020304" pitchFamily="18" charset="0"/>
-              </a:rPr>
-              <a:t>tmp</a:t>
-            </a:r>
-            <a:r>
-              <a:rPr lang="de-DE" sz="1400" dirty="0" smtClean="0">
-                <a:latin typeface="+mn-lt"/>
-                <a:cs typeface="Times New Roman" panose="02020603050405020304" pitchFamily="18" charset="0"/>
-              </a:rPr>
-              <a:t>[0] + </a:t>
-            </a:r>
-            <a:r>
-              <a:rPr lang="de-DE" sz="1400" dirty="0" err="1" smtClean="0">
-                <a:latin typeface="+mn-lt"/>
-                <a:cs typeface="Times New Roman" panose="02020603050405020304" pitchFamily="18" charset="0"/>
-              </a:rPr>
-              <a:t>tmp</a:t>
-            </a:r>
-            <a:r>
-              <a:rPr lang="de-DE" sz="1400" dirty="0" smtClean="0">
-                <a:latin typeface="+mn-lt"/>
-                <a:cs typeface="Times New Roman" panose="02020603050405020304" pitchFamily="18" charset="0"/>
-              </a:rPr>
-              <a:t>[1] + </a:t>
-            </a:r>
-            <a:r>
-              <a:rPr lang="de-DE" sz="1400" dirty="0" err="1" smtClean="0">
-                <a:latin typeface="+mn-lt"/>
-                <a:cs typeface="Times New Roman" panose="02020603050405020304" pitchFamily="18" charset="0"/>
-              </a:rPr>
-              <a:t>tmp</a:t>
-            </a:r>
-            <a:r>
-              <a:rPr lang="de-DE" sz="1400" dirty="0" smtClean="0">
-                <a:latin typeface="+mn-lt"/>
-                <a:cs typeface="Times New Roman" panose="02020603050405020304" pitchFamily="18" charset="0"/>
-              </a:rPr>
-              <a:t>[2] + </a:t>
-            </a:r>
-            <a:r>
-              <a:rPr lang="de-DE" sz="1400" dirty="0" err="1" smtClean="0">
-                <a:latin typeface="+mn-lt"/>
-                <a:cs typeface="Times New Roman" panose="02020603050405020304" pitchFamily="18" charset="0"/>
-              </a:rPr>
-              <a:t>tmp</a:t>
-            </a:r>
-            <a:r>
-              <a:rPr lang="de-DE" sz="1400" dirty="0" smtClean="0">
-                <a:latin typeface="+mn-lt"/>
-                <a:cs typeface="Times New Roman" panose="02020603050405020304" pitchFamily="18" charset="0"/>
-              </a:rPr>
-              <a:t>[3]+1;</a:t>
-            </a:r>
-          </a:p>
-          <a:p>
-            <a:r>
-              <a:rPr lang="de-DE" sz="1400" dirty="0" smtClean="0">
-                <a:latin typeface="+mn-lt"/>
-                <a:cs typeface="Times New Roman" panose="02020603050405020304" pitchFamily="18" charset="0"/>
-              </a:rPr>
-              <a:t>}</a:t>
-            </a:r>
-            <a:endParaRPr lang="de-DE" sz="1400" dirty="0">
-              <a:latin typeface="+mn-lt"/>
-              <a:cs typeface="Times New Roman" panose="02020603050405020304" pitchFamily="18" charset="0"/>
-            </a:endParaRPr>
-          </a:p>
-        </p:txBody>
-      </p:sp>
-      <p:sp>
-        <p:nvSpPr>
           <p:cNvPr id="8" name="Rechteck 7"/>
           <p:cNvSpPr/>
           <p:nvPr/>
@@ -6198,6 +5699,544 @@
       </p:sp>
       <p:sp>
         <p:nvSpPr>
+          <p:cNvPr id="6" name="Textfeld 5"/>
+          <p:cNvSpPr txBox="1"/>
+          <p:nvPr/>
+        </p:nvSpPr>
+        <p:spPr>
+          <a:xfrm>
+            <a:off x="0" y="1628800"/>
+            <a:ext cx="4355976" cy="5047536"/>
+          </a:xfrm>
+          <a:prstGeom prst="rect">
+            <a:avLst/>
+          </a:prstGeom>
+          <a:noFill/>
+        </p:spPr>
+        <p:txBody>
+          <a:bodyPr wrap="square" rtlCol="0">
+            <a:spAutoFit/>
+          </a:bodyPr>
+          <a:lstStyle/>
+          <a:p>
+            <a:r>
+              <a:rPr lang="de-DE" sz="1400" dirty="0" err="1" smtClean="0">
+                <a:latin typeface="+mn-lt"/>
+                <a:cs typeface="Times New Roman" panose="02020603050405020304" pitchFamily="18" charset="0"/>
+              </a:rPr>
+              <a:t>for</a:t>
+            </a:r>
+            <a:r>
+              <a:rPr lang="de-DE" sz="1400" dirty="0" smtClean="0">
+                <a:latin typeface="+mn-lt"/>
+                <a:cs typeface="Times New Roman" panose="02020603050405020304" pitchFamily="18" charset="0"/>
+              </a:rPr>
+              <a:t> (m = 1; m &lt;= M; m++) {</a:t>
+            </a:r>
+          </a:p>
+          <a:p>
+            <a:r>
+              <a:rPr lang="de-DE" sz="1400" dirty="0" smtClean="0">
+                <a:latin typeface="+mn-lt"/>
+                <a:cs typeface="Times New Roman" panose="02020603050405020304" pitchFamily="18" charset="0"/>
+              </a:rPr>
+              <a:t>       </a:t>
+            </a:r>
+            <a:r>
+              <a:rPr lang="de-DE" sz="1400" dirty="0" err="1" smtClean="0">
+                <a:latin typeface="+mn-lt"/>
+                <a:cs typeface="Times New Roman" panose="02020603050405020304" pitchFamily="18" charset="0"/>
+              </a:rPr>
+              <a:t>mod</a:t>
+            </a:r>
+            <a:r>
+              <a:rPr lang="de-DE" sz="1400" dirty="0" smtClean="0">
+                <a:latin typeface="+mn-lt"/>
+                <a:cs typeface="Times New Roman" panose="02020603050405020304" pitchFamily="18" charset="0"/>
+              </a:rPr>
+              <a:t> = (</a:t>
+            </a:r>
+            <a:r>
+              <a:rPr lang="de-DE" sz="1400" dirty="0" err="1" smtClean="0">
+                <a:latin typeface="+mn-lt"/>
+                <a:cs typeface="Times New Roman" panose="02020603050405020304" pitchFamily="18" charset="0"/>
+              </a:rPr>
+              <a:t>AnfangFilter</a:t>
+            </a:r>
+            <a:r>
+              <a:rPr lang="de-DE" sz="1400" dirty="0" smtClean="0">
+                <a:latin typeface="+mn-lt"/>
+                <a:cs typeface="Times New Roman" panose="02020603050405020304" pitchFamily="18" charset="0"/>
+              </a:rPr>
+              <a:t>[m] – EndeFilter[m]+1) % 4;</a:t>
+            </a:r>
+          </a:p>
+          <a:p>
+            <a:r>
+              <a:rPr lang="de-DE" sz="1400" dirty="0" smtClean="0">
+                <a:latin typeface="+mn-lt"/>
+                <a:cs typeface="Times New Roman" panose="02020603050405020304" pitchFamily="18" charset="0"/>
+              </a:rPr>
+              <a:t>       last = EndeFilter[m]-mod+1;</a:t>
+            </a:r>
+          </a:p>
+          <a:p>
+            <a:endParaRPr lang="de-DE" sz="1400" dirty="0" smtClean="0">
+              <a:latin typeface="+mn-lt"/>
+              <a:cs typeface="Times New Roman" panose="02020603050405020304" pitchFamily="18" charset="0"/>
+            </a:endParaRPr>
+          </a:p>
+          <a:p>
+            <a:r>
+              <a:rPr lang="de-DE" sz="1400" dirty="0" smtClean="0">
+                <a:latin typeface="+mn-lt"/>
+                <a:cs typeface="Times New Roman" panose="02020603050405020304" pitchFamily="18" charset="0"/>
+              </a:rPr>
+              <a:t>       r4 = vld1q_f32(</a:t>
+            </a:r>
+            <a:r>
+              <a:rPr lang="de-DE" sz="1400" dirty="0" err="1" smtClean="0">
+                <a:latin typeface="+mn-lt"/>
+                <a:cs typeface="Times New Roman" panose="02020603050405020304" pitchFamily="18" charset="0"/>
+              </a:rPr>
+              <a:t>temp</a:t>
+            </a:r>
+            <a:r>
+              <a:rPr lang="de-DE" sz="1400" dirty="0" smtClean="0">
+                <a:latin typeface="+mn-lt"/>
+                <a:cs typeface="Times New Roman" panose="02020603050405020304" pitchFamily="18" charset="0"/>
+              </a:rPr>
+              <a:t>[0]);</a:t>
+            </a:r>
+          </a:p>
+          <a:p>
+            <a:r>
+              <a:rPr lang="de-DE" sz="1400" dirty="0" smtClean="0">
+                <a:latin typeface="+mn-lt"/>
+                <a:cs typeface="Times New Roman" panose="02020603050405020304" pitchFamily="18" charset="0"/>
+              </a:rPr>
+              <a:t>       </a:t>
+            </a:r>
+            <a:r>
+              <a:rPr lang="de-DE" sz="1400" dirty="0" err="1" smtClean="0">
+                <a:latin typeface="+mn-lt"/>
+                <a:cs typeface="Times New Roman" panose="02020603050405020304" pitchFamily="18" charset="0"/>
+              </a:rPr>
+              <a:t>for</a:t>
+            </a:r>
+            <a:r>
+              <a:rPr lang="de-DE" sz="1400" dirty="0" smtClean="0">
+                <a:latin typeface="+mn-lt"/>
+                <a:cs typeface="Times New Roman" panose="02020603050405020304" pitchFamily="18" charset="0"/>
+              </a:rPr>
+              <a:t> (k = </a:t>
+            </a:r>
+            <a:r>
+              <a:rPr lang="de-DE" sz="1400" dirty="0" err="1" smtClean="0">
+                <a:latin typeface="+mn-lt"/>
+                <a:cs typeface="Times New Roman" panose="02020603050405020304" pitchFamily="18" charset="0"/>
+              </a:rPr>
+              <a:t>AnfangFilter</a:t>
+            </a:r>
+            <a:r>
+              <a:rPr lang="de-DE" sz="1400" dirty="0" smtClean="0">
+                <a:latin typeface="+mn-lt"/>
+                <a:cs typeface="Times New Roman" panose="02020603050405020304" pitchFamily="18" charset="0"/>
+              </a:rPr>
+              <a:t>[m]; k &lt; (last – 1); k </a:t>
+            </a:r>
+            <a:r>
+              <a:rPr lang="de-DE" sz="1400" dirty="0" smtClean="0">
+                <a:latin typeface="+mn-lt"/>
+                <a:cs typeface="Times New Roman" panose="02020603050405020304" pitchFamily="18" charset="0"/>
+              </a:rPr>
+              <a:t>+= 4</a:t>
+            </a:r>
+            <a:r>
+              <a:rPr lang="de-DE" sz="1400" dirty="0" smtClean="0">
+                <a:latin typeface="+mn-lt"/>
+                <a:cs typeface="Times New Roman" panose="02020603050405020304" pitchFamily="18" charset="0"/>
+              </a:rPr>
+              <a:t>) {</a:t>
+            </a:r>
+          </a:p>
+          <a:p>
+            <a:r>
+              <a:rPr lang="de-DE" sz="1400" dirty="0" smtClean="0">
+                <a:latin typeface="+mn-lt"/>
+                <a:cs typeface="Times New Roman" panose="02020603050405020304" pitchFamily="18" charset="0"/>
+              </a:rPr>
+              <a:t>	w4 und s4 laden	</a:t>
+            </a:r>
+          </a:p>
+          <a:p>
+            <a:r>
+              <a:rPr lang="de-DE" sz="1400" dirty="0" smtClean="0">
+                <a:latin typeface="+mn-lt"/>
+                <a:cs typeface="Times New Roman" panose="02020603050405020304" pitchFamily="18" charset="0"/>
+              </a:rPr>
+              <a:t>	r4 = vmlaq_f32(r4, s4, w4);</a:t>
+            </a:r>
+          </a:p>
+          <a:p>
+            <a:r>
+              <a:rPr lang="de-DE" sz="1400" dirty="0" smtClean="0">
+                <a:latin typeface="+mn-lt"/>
+                <a:cs typeface="Times New Roman" panose="02020603050405020304" pitchFamily="18" charset="0"/>
+              </a:rPr>
+              <a:t>       }</a:t>
+            </a:r>
+          </a:p>
+          <a:p>
+            <a:r>
+              <a:rPr lang="de-DE" sz="1400" dirty="0" smtClean="0">
+                <a:latin typeface="+mn-lt"/>
+                <a:cs typeface="Times New Roman" panose="02020603050405020304" pitchFamily="18" charset="0"/>
+              </a:rPr>
+              <a:t>      vst1q_f32(</a:t>
+            </a:r>
+            <a:r>
+              <a:rPr lang="de-DE" sz="1400" dirty="0" err="1" smtClean="0">
+                <a:latin typeface="+mn-lt"/>
+                <a:cs typeface="Times New Roman" panose="02020603050405020304" pitchFamily="18" charset="0"/>
+              </a:rPr>
+              <a:t>tmp</a:t>
+            </a:r>
+            <a:r>
+              <a:rPr lang="de-DE" sz="1400" dirty="0" smtClean="0">
+                <a:latin typeface="+mn-lt"/>
+                <a:cs typeface="Times New Roman" panose="02020603050405020304" pitchFamily="18" charset="0"/>
+              </a:rPr>
+              <a:t>[0], r4);</a:t>
+            </a:r>
+          </a:p>
+          <a:p>
+            <a:endParaRPr lang="de-DE" sz="1400" dirty="0" smtClean="0">
+              <a:latin typeface="+mn-lt"/>
+              <a:cs typeface="Times New Roman" panose="02020603050405020304" pitchFamily="18" charset="0"/>
+            </a:endParaRPr>
+          </a:p>
+          <a:p>
+            <a:r>
+              <a:rPr lang="de-DE" sz="1400" dirty="0" smtClean="0">
+                <a:latin typeface="+mn-lt"/>
+                <a:cs typeface="Times New Roman" panose="02020603050405020304" pitchFamily="18" charset="0"/>
+              </a:rPr>
+              <a:t>      </a:t>
+            </a:r>
+            <a:r>
+              <a:rPr lang="de-DE" sz="1400" dirty="0" err="1" smtClean="0">
+                <a:latin typeface="+mn-lt"/>
+                <a:cs typeface="Times New Roman" panose="02020603050405020304" pitchFamily="18" charset="0"/>
+              </a:rPr>
+              <a:t>if</a:t>
+            </a:r>
+            <a:r>
+              <a:rPr lang="de-DE" sz="1400" dirty="0" smtClean="0">
+                <a:latin typeface="+mn-lt"/>
+                <a:cs typeface="Times New Roman" panose="02020603050405020304" pitchFamily="18" charset="0"/>
+              </a:rPr>
+              <a:t> (</a:t>
+            </a:r>
+            <a:r>
+              <a:rPr lang="de-DE" sz="1400" dirty="0" err="1" smtClean="0">
+                <a:latin typeface="+mn-lt"/>
+                <a:cs typeface="Times New Roman" panose="02020603050405020304" pitchFamily="18" charset="0"/>
+              </a:rPr>
+              <a:t>mod</a:t>
+            </a:r>
+            <a:r>
+              <a:rPr lang="de-DE" sz="1400" dirty="0" smtClean="0">
+                <a:latin typeface="+mn-lt"/>
+                <a:cs typeface="Times New Roman" panose="02020603050405020304" pitchFamily="18" charset="0"/>
+              </a:rPr>
+              <a:t> &gt; 1) {</a:t>
+            </a:r>
+          </a:p>
+          <a:p>
+            <a:r>
+              <a:rPr lang="de-DE" sz="1400" dirty="0">
+                <a:latin typeface="+mn-lt"/>
+                <a:cs typeface="Times New Roman" panose="02020603050405020304" pitchFamily="18" charset="0"/>
+              </a:rPr>
+              <a:t>	</a:t>
+            </a:r>
+            <a:r>
+              <a:rPr lang="de-DE" sz="1400" dirty="0" smtClean="0">
+                <a:latin typeface="+mn-lt"/>
+                <a:cs typeface="Times New Roman" panose="02020603050405020304" pitchFamily="18" charset="0"/>
+              </a:rPr>
+              <a:t>w2, r2 und s2 laden</a:t>
+            </a:r>
+          </a:p>
+          <a:p>
+            <a:r>
+              <a:rPr lang="de-DE" sz="1400" dirty="0" smtClean="0">
+                <a:latin typeface="+mn-lt"/>
+                <a:cs typeface="Times New Roman" panose="02020603050405020304" pitchFamily="18" charset="0"/>
+              </a:rPr>
+              <a:t>	t2 = vmla_f32(r2, s2, w2);</a:t>
+            </a:r>
+          </a:p>
+          <a:p>
+            <a:r>
+              <a:rPr lang="de-DE" sz="1400" dirty="0" smtClean="0">
+                <a:latin typeface="+mn-lt"/>
+                <a:cs typeface="Times New Roman" panose="02020603050405020304" pitchFamily="18" charset="0"/>
+              </a:rPr>
+              <a:t>	vst1_f32(</a:t>
+            </a:r>
+            <a:r>
+              <a:rPr lang="de-DE" sz="1400" dirty="0" err="1" smtClean="0">
+                <a:latin typeface="+mn-lt"/>
+                <a:cs typeface="Times New Roman" panose="02020603050405020304" pitchFamily="18" charset="0"/>
+              </a:rPr>
+              <a:t>temp</a:t>
+            </a:r>
+            <a:r>
+              <a:rPr lang="de-DE" sz="1400" dirty="0" smtClean="0">
+                <a:latin typeface="+mn-lt"/>
+                <a:cs typeface="Times New Roman" panose="02020603050405020304" pitchFamily="18" charset="0"/>
+              </a:rPr>
+              <a:t>[0], t2);</a:t>
+            </a:r>
+          </a:p>
+          <a:p>
+            <a:r>
+              <a:rPr lang="de-DE" sz="1400" dirty="0" smtClean="0">
+                <a:latin typeface="+mn-lt"/>
+                <a:cs typeface="Times New Roman" panose="02020603050405020304" pitchFamily="18" charset="0"/>
+              </a:rPr>
+              <a:t>	last += 2</a:t>
+            </a:r>
+            <a:r>
+              <a:rPr lang="de-DE" sz="1400" dirty="0" smtClean="0">
+                <a:latin typeface="+mn-lt"/>
+                <a:cs typeface="Times New Roman" panose="02020603050405020304" pitchFamily="18" charset="0"/>
+              </a:rPr>
+              <a:t>; </a:t>
+            </a:r>
+            <a:r>
+              <a:rPr lang="de-DE" sz="1400" dirty="0" err="1" smtClean="0">
+                <a:latin typeface="+mn-lt"/>
+                <a:cs typeface="Times New Roman" panose="02020603050405020304" pitchFamily="18" charset="0"/>
+              </a:rPr>
+              <a:t>mod</a:t>
+            </a:r>
+            <a:r>
+              <a:rPr lang="de-DE" sz="1400" dirty="0" smtClean="0">
+                <a:latin typeface="+mn-lt"/>
+                <a:cs typeface="Times New Roman" panose="02020603050405020304" pitchFamily="18" charset="0"/>
+              </a:rPr>
+              <a:t> -=2;</a:t>
+            </a:r>
+            <a:endParaRPr lang="de-DE" sz="1400" dirty="0" smtClean="0">
+              <a:latin typeface="+mn-lt"/>
+              <a:cs typeface="Times New Roman" panose="02020603050405020304" pitchFamily="18" charset="0"/>
+            </a:endParaRPr>
+          </a:p>
+          <a:p>
+            <a:r>
+              <a:rPr lang="de-DE" sz="1400" dirty="0" smtClean="0">
+                <a:latin typeface="+mn-lt"/>
+                <a:cs typeface="Times New Roman" panose="02020603050405020304" pitchFamily="18" charset="0"/>
+              </a:rPr>
+              <a:t>      }</a:t>
+            </a:r>
+          </a:p>
+          <a:p>
+            <a:r>
+              <a:rPr lang="de-DE" sz="1400" dirty="0" smtClean="0">
+                <a:latin typeface="+mn-lt"/>
+                <a:cs typeface="Times New Roman" panose="02020603050405020304" pitchFamily="18" charset="0"/>
+              </a:rPr>
+              <a:t>      </a:t>
+            </a:r>
+            <a:r>
+              <a:rPr lang="de-DE" sz="1400" dirty="0" err="1" smtClean="0">
+                <a:latin typeface="+mn-lt"/>
+                <a:cs typeface="Times New Roman" panose="02020603050405020304" pitchFamily="18" charset="0"/>
+              </a:rPr>
+              <a:t>if</a:t>
+            </a:r>
+            <a:r>
+              <a:rPr lang="de-DE" sz="1400" dirty="0" smtClean="0">
+                <a:latin typeface="+mn-lt"/>
+                <a:cs typeface="Times New Roman" panose="02020603050405020304" pitchFamily="18" charset="0"/>
+              </a:rPr>
+              <a:t> (</a:t>
+            </a:r>
+            <a:r>
+              <a:rPr lang="de-DE" sz="1400" dirty="0" err="1" smtClean="0">
+                <a:latin typeface="+mn-lt"/>
+                <a:cs typeface="Times New Roman" panose="02020603050405020304" pitchFamily="18" charset="0"/>
+              </a:rPr>
+              <a:t>mod</a:t>
+            </a:r>
+            <a:r>
+              <a:rPr lang="de-DE" sz="1400" dirty="0" smtClean="0">
+                <a:latin typeface="+mn-lt"/>
+                <a:cs typeface="Times New Roman" panose="02020603050405020304" pitchFamily="18" charset="0"/>
+              </a:rPr>
+              <a:t> == 1) {</a:t>
+            </a:r>
+          </a:p>
+          <a:p>
+            <a:r>
+              <a:rPr lang="de-DE" sz="1400" dirty="0" smtClean="0">
+                <a:latin typeface="+mn-lt"/>
+                <a:cs typeface="Times New Roman" panose="02020603050405020304" pitchFamily="18" charset="0"/>
+              </a:rPr>
+              <a:t>	</a:t>
+            </a:r>
+            <a:r>
+              <a:rPr lang="de-DE" sz="1400" dirty="0" err="1" smtClean="0">
+                <a:latin typeface="+mn-lt"/>
+                <a:cs typeface="Times New Roman" panose="02020603050405020304" pitchFamily="18" charset="0"/>
+              </a:rPr>
+              <a:t>log_M</a:t>
+            </a:r>
+            <a:r>
+              <a:rPr lang="de-DE" sz="1400" dirty="0" smtClean="0">
+                <a:latin typeface="+mn-lt"/>
+                <a:cs typeface="Times New Roman" panose="02020603050405020304" pitchFamily="18" charset="0"/>
+              </a:rPr>
+              <a:t>[m - 1] = </a:t>
+            </a:r>
+            <a:r>
+              <a:rPr lang="de-DE" sz="1400" dirty="0" err="1" smtClean="0">
+                <a:latin typeface="+mn-lt"/>
+                <a:cs typeface="Times New Roman" panose="02020603050405020304" pitchFamily="18" charset="0"/>
+              </a:rPr>
+              <a:t>signal</a:t>
+            </a:r>
+            <a:r>
+              <a:rPr lang="de-DE" sz="1400" dirty="0" smtClean="0">
+                <a:latin typeface="+mn-lt"/>
+                <a:cs typeface="Times New Roman" panose="02020603050405020304" pitchFamily="18" charset="0"/>
+              </a:rPr>
+              <a:t>[last] * </a:t>
+            </a:r>
+            <a:r>
+              <a:rPr lang="de-DE" sz="1400" dirty="0" err="1" smtClean="0">
+                <a:latin typeface="+mn-lt"/>
+                <a:cs typeface="Times New Roman" panose="02020603050405020304" pitchFamily="18" charset="0"/>
+              </a:rPr>
+              <a:t>wk</a:t>
+            </a:r>
+            <a:r>
+              <a:rPr lang="de-DE" sz="1400" dirty="0" smtClean="0">
+                <a:latin typeface="+mn-lt"/>
+                <a:cs typeface="Times New Roman" panose="02020603050405020304" pitchFamily="18" charset="0"/>
+              </a:rPr>
+              <a:t>[m - 1][last];</a:t>
+            </a:r>
+          </a:p>
+          <a:p>
+            <a:r>
+              <a:rPr lang="de-DE" sz="1400" dirty="0" smtClean="0">
+                <a:latin typeface="+mn-lt"/>
+                <a:cs typeface="Times New Roman" panose="02020603050405020304" pitchFamily="18" charset="0"/>
+              </a:rPr>
+              <a:t>      }</a:t>
+            </a:r>
+          </a:p>
+          <a:p>
+            <a:r>
+              <a:rPr lang="de-DE" sz="1400" dirty="0" smtClean="0">
+                <a:latin typeface="+mn-lt"/>
+                <a:cs typeface="Times New Roman" panose="02020603050405020304" pitchFamily="18" charset="0"/>
+              </a:rPr>
+              <a:t>      </a:t>
+            </a:r>
+            <a:r>
+              <a:rPr lang="de-DE" sz="1400" dirty="0" err="1" smtClean="0">
+                <a:latin typeface="+mn-lt"/>
+                <a:cs typeface="Times New Roman" panose="02020603050405020304" pitchFamily="18" charset="0"/>
+              </a:rPr>
+              <a:t>log_M</a:t>
+            </a:r>
+            <a:r>
+              <a:rPr lang="de-DE" sz="1400" dirty="0" smtClean="0">
+                <a:latin typeface="+mn-lt"/>
+                <a:cs typeface="Times New Roman" panose="02020603050405020304" pitchFamily="18" charset="0"/>
+              </a:rPr>
+              <a:t>[m - 1] += </a:t>
+            </a:r>
+            <a:r>
+              <a:rPr lang="de-DE" sz="1400" dirty="0" err="1" smtClean="0">
+                <a:latin typeface="+mn-lt"/>
+                <a:cs typeface="Times New Roman" panose="02020603050405020304" pitchFamily="18" charset="0"/>
+              </a:rPr>
+              <a:t>tmp</a:t>
+            </a:r>
+            <a:r>
+              <a:rPr lang="de-DE" sz="1400" dirty="0" smtClean="0">
+                <a:latin typeface="+mn-lt"/>
+                <a:cs typeface="Times New Roman" panose="02020603050405020304" pitchFamily="18" charset="0"/>
+              </a:rPr>
+              <a:t>[0] + </a:t>
+            </a:r>
+            <a:r>
+              <a:rPr lang="de-DE" sz="1400" dirty="0" err="1" smtClean="0">
+                <a:latin typeface="+mn-lt"/>
+                <a:cs typeface="Times New Roman" panose="02020603050405020304" pitchFamily="18" charset="0"/>
+              </a:rPr>
+              <a:t>tmp</a:t>
+            </a:r>
+            <a:r>
+              <a:rPr lang="de-DE" sz="1400" dirty="0" smtClean="0">
+                <a:latin typeface="+mn-lt"/>
+                <a:cs typeface="Times New Roman" panose="02020603050405020304" pitchFamily="18" charset="0"/>
+              </a:rPr>
+              <a:t>[1] + </a:t>
+            </a:r>
+            <a:r>
+              <a:rPr lang="de-DE" sz="1400" dirty="0" err="1" smtClean="0">
+                <a:latin typeface="+mn-lt"/>
+                <a:cs typeface="Times New Roman" panose="02020603050405020304" pitchFamily="18" charset="0"/>
+              </a:rPr>
+              <a:t>tmp</a:t>
+            </a:r>
+            <a:r>
+              <a:rPr lang="de-DE" sz="1400" dirty="0" smtClean="0">
+                <a:latin typeface="+mn-lt"/>
+                <a:cs typeface="Times New Roman" panose="02020603050405020304" pitchFamily="18" charset="0"/>
+              </a:rPr>
+              <a:t>[2] + </a:t>
+            </a:r>
+            <a:r>
+              <a:rPr lang="de-DE" sz="1400" dirty="0" err="1" smtClean="0">
+                <a:latin typeface="+mn-lt"/>
+                <a:cs typeface="Times New Roman" panose="02020603050405020304" pitchFamily="18" charset="0"/>
+              </a:rPr>
+              <a:t>tmp</a:t>
+            </a:r>
+            <a:r>
+              <a:rPr lang="de-DE" sz="1400" dirty="0" smtClean="0">
+                <a:latin typeface="+mn-lt"/>
+                <a:cs typeface="Times New Roman" panose="02020603050405020304" pitchFamily="18" charset="0"/>
+              </a:rPr>
+              <a:t>[3]+1;</a:t>
+            </a:r>
+          </a:p>
+          <a:p>
+            <a:r>
+              <a:rPr lang="de-DE" sz="1400" dirty="0" smtClean="0">
+                <a:latin typeface="+mn-lt"/>
+                <a:cs typeface="Times New Roman" panose="02020603050405020304" pitchFamily="18" charset="0"/>
+              </a:rPr>
+              <a:t>}</a:t>
+            </a:r>
+            <a:endParaRPr lang="de-DE" sz="1400" dirty="0">
+              <a:latin typeface="+mn-lt"/>
+              <a:cs typeface="Times New Roman" panose="02020603050405020304" pitchFamily="18" charset="0"/>
+            </a:endParaRPr>
+          </a:p>
+        </p:txBody>
+      </p:sp>
+      <p:sp>
+        <p:nvSpPr>
           <p:cNvPr id="3" name="Titel 2"/>
           <p:cNvSpPr>
             <a:spLocks noGrp="1"/>
@@ -6469,7 +6508,7 @@
     </p:spTree>
     <p:extLst>
       <p:ext uri="{BB962C8B-B14F-4D97-AF65-F5344CB8AC3E}">
-        <p14:creationId xmlns:p14="http://schemas.microsoft.com/office/powerpoint/2010/main" xmlns="" val="1423733875"/>
+        <p14:creationId xmlns="" xmlns:p14="http://schemas.microsoft.com/office/powerpoint/2010/main" val="1423733875"/>
       </p:ext>
     </p:extLst>
   </p:cSld>
@@ -7045,26 +7084,35 @@
                                   </p:childTnLst>
                                 </p:cTn>
                               </p:par>
-                            </p:childTnLst>
-                          </p:cTn>
-                        </p:par>
-                      </p:childTnLst>
-                    </p:cTn>
-                  </p:par>
-                  <p:par>
-                    <p:cTn id="47" fill="hold">
-                      <p:stCondLst>
-                        <p:cond delay="indefinite"/>
-                      </p:stCondLst>
-                      <p:childTnLst>
-                        <p:par>
-                          <p:cTn id="48" fill="hold">
-                            <p:stCondLst>
-                              <p:cond delay="0"/>
-                            </p:stCondLst>
-                            <p:childTnLst>
                               <p:par>
-                                <p:cTn id="49" presetID="3" presetClass="emph" presetSubtype="2" fill="hold" nodeType="clickEffect">
+                                <p:cTn id="47" presetID="3" presetClass="emph" presetSubtype="2" fill="hold" nodeType="withEffect">
+                                  <p:stCondLst>
+                                    <p:cond delay="0"/>
+                                  </p:stCondLst>
+                                  <p:childTnLst>
+                                    <p:animClr clrSpc="rgb" dir="cw">
+                                      <p:cBhvr override="childStyle">
+                                        <p:cTn id="48" dur="10" fill="hold"/>
+                                        <p:tgtEl>
+                                          <p:spTgt spid="6">
+                                            <p:txEl>
+                                              <p:pRg st="12" end="12"/>
+                                            </p:txEl>
+                                          </p:spTgt>
+                                        </p:tgtEl>
+                                        <p:attrNameLst>
+                                          <p:attrName>style.color</p:attrName>
+                                        </p:attrNameLst>
+                                      </p:cBhvr>
+                                      <p:to>
+                                        <a:srgbClr val="000000"/>
+                                      </p:to>
+                                    </p:animClr>
+                                  </p:childTnLst>
+                                </p:cTn>
+                              </p:par>
+                              <p:par>
+                                <p:cTn id="49" presetID="3" presetClass="emph" presetSubtype="2" fill="hold" nodeType="withEffect">
                                   <p:stCondLst>
                                     <p:cond delay="0"/>
                                   </p:stCondLst>
@@ -7075,7 +7123,7 @@
                                         <p:tgtEl>
                                           <p:spTgt spid="6">
                                             <p:txEl>
-                                              <p:pRg st="12" end="12"/>
+                                              <p:pRg st="13" end="13"/>
                                             </p:txEl>
                                           </p:spTgt>
                                         </p:tgtEl>
@@ -7102,7 +7150,7 @@
                                         <p:tgtEl>
                                           <p:spTgt spid="6">
                                             <p:txEl>
-                                              <p:pRg st="13" end="13"/>
+                                              <p:pRg st="14" end="14"/>
                                             </p:txEl>
                                           </p:spTgt>
                                         </p:tgtEl>
@@ -7129,7 +7177,7 @@
                                         <p:tgtEl>
                                           <p:spTgt spid="6">
                                             <p:txEl>
-                                              <p:pRg st="14" end="14"/>
+                                              <p:pRg st="15" end="15"/>
                                             </p:txEl>
                                           </p:spTgt>
                                         </p:tgtEl>
@@ -7156,7 +7204,7 @@
                                         <p:tgtEl>
                                           <p:spTgt spid="6">
                                             <p:txEl>
-                                              <p:pRg st="15" end="15"/>
+                                              <p:pRg st="16" end="16"/>
                                             </p:txEl>
                                           </p:spTgt>
                                         </p:tgtEl>
@@ -7183,7 +7231,7 @@
                                         <p:tgtEl>
                                           <p:spTgt spid="6">
                                             <p:txEl>
-                                              <p:pRg st="16" end="16"/>
+                                              <p:pRg st="17" end="17"/>
                                             </p:txEl>
                                           </p:spTgt>
                                         </p:tgtEl>
@@ -7192,7 +7240,7 @@
                                         </p:attrNameLst>
                                       </p:cBhvr>
                                       <p:to>
-                                        <a:srgbClr val="000000"/>
+                                        <a:srgbClr val="7030A0"/>
                                       </p:to>
                                     </p:animClr>
                                   </p:childTnLst>
@@ -7210,7 +7258,7 @@
                                         <p:tgtEl>
                                           <p:spTgt spid="6">
                                             <p:txEl>
-                                              <p:pRg st="17" end="17"/>
+                                              <p:pRg st="18" end="18"/>
                                             </p:txEl>
                                           </p:spTgt>
                                         </p:tgtEl>
@@ -7237,33 +7285,6 @@
                                         <p:tgtEl>
                                           <p:spTgt spid="6">
                                             <p:txEl>
-                                              <p:pRg st="18" end="18"/>
-                                            </p:txEl>
-                                          </p:spTgt>
-                                        </p:tgtEl>
-                                        <p:attrNameLst>
-                                          <p:attrName>style.color</p:attrName>
-                                        </p:attrNameLst>
-                                      </p:cBhvr>
-                                      <p:to>
-                                        <a:srgbClr val="7030A0"/>
-                                      </p:to>
-                                    </p:animClr>
-                                  </p:childTnLst>
-                                </p:cTn>
-                              </p:par>
-                              <p:par>
-                                <p:cTn id="63" presetID="3" presetClass="emph" presetSubtype="2" fill="hold" nodeType="withEffect">
-                                  <p:stCondLst>
-                                    <p:cond delay="0"/>
-                                  </p:stCondLst>
-                                  <p:childTnLst>
-                                    <p:animClr clrSpc="rgb" dir="cw">
-                                      <p:cBhvr override="childStyle">
-                                        <p:cTn id="64" dur="10" fill="hold"/>
-                                        <p:tgtEl>
-                                          <p:spTgt spid="6">
-                                            <p:txEl>
                                               <p:pRg st="19" end="19"/>
                                             </p:txEl>
                                           </p:spTgt>
@@ -7286,19 +7307,46 @@
                     </p:cTn>
                   </p:par>
                   <p:par>
-                    <p:cTn id="65" fill="hold">
+                    <p:cTn id="63" fill="hold">
                       <p:stCondLst>
                         <p:cond delay="indefinite"/>
                       </p:stCondLst>
                       <p:childTnLst>
                         <p:par>
-                          <p:cTn id="66" fill="hold">
+                          <p:cTn id="64" fill="hold">
                             <p:stCondLst>
                               <p:cond delay="0"/>
                             </p:stCondLst>
                             <p:childTnLst>
                               <p:par>
-                                <p:cTn id="67" presetID="3" presetClass="emph" presetSubtype="2" fill="hold" nodeType="clickEffect">
+                                <p:cTn id="65" presetID="3" presetClass="emph" presetSubtype="2" fill="hold" nodeType="clickEffect">
+                                  <p:stCondLst>
+                                    <p:cond delay="0"/>
+                                  </p:stCondLst>
+                                  <p:childTnLst>
+                                    <p:animClr clrSpc="rgb" dir="cw">
+                                      <p:cBhvr override="childStyle">
+                                        <p:cTn id="66" dur="10" fill="hold"/>
+                                        <p:tgtEl>
+                                          <p:spTgt spid="6">
+                                            <p:txEl>
+                                              <p:pRg st="17" end="17"/>
+                                            </p:txEl>
+                                          </p:spTgt>
+                                        </p:tgtEl>
+                                        <p:attrNameLst>
+                                          <p:attrName>style.color</p:attrName>
+                                        </p:attrNameLst>
+                                      </p:cBhvr>
+                                      <p:to>
+                                        <a:srgbClr val="000000"/>
+                                      </p:to>
+                                    </p:animClr>
+                                  </p:childTnLst>
+                                </p:cTn>
+                              </p:par>
+                              <p:par>
+                                <p:cTn id="67" presetID="3" presetClass="emph" presetSubtype="2" fill="hold" nodeType="withEffect">
                                   <p:stCondLst>
                                     <p:cond delay="0"/>
                                   </p:stCondLst>
@@ -7309,7 +7357,7 @@
                                         <p:tgtEl>
                                           <p:spTgt spid="6">
                                             <p:txEl>
-                                              <p:pRg st="17" end="17"/>
+                                              <p:pRg st="18" end="18"/>
                                             </p:txEl>
                                           </p:spTgt>
                                         </p:tgtEl>
@@ -7336,7 +7384,7 @@
                                         <p:tgtEl>
                                           <p:spTgt spid="6">
                                             <p:txEl>
-                                              <p:pRg st="18" end="18"/>
+                                              <p:pRg st="19" end="19"/>
                                             </p:txEl>
                                           </p:spTgt>
                                         </p:tgtEl>
@@ -7360,33 +7408,6 @@
                                     <p:animClr clrSpc="rgb" dir="cw">
                                       <p:cBhvr override="childStyle">
                                         <p:cTn id="72" dur="10" fill="hold"/>
-                                        <p:tgtEl>
-                                          <p:spTgt spid="6">
-                                            <p:txEl>
-                                              <p:pRg st="19" end="19"/>
-                                            </p:txEl>
-                                          </p:spTgt>
-                                        </p:tgtEl>
-                                        <p:attrNameLst>
-                                          <p:attrName>style.color</p:attrName>
-                                        </p:attrNameLst>
-                                      </p:cBhvr>
-                                      <p:to>
-                                        <a:srgbClr val="000000"/>
-                                      </p:to>
-                                    </p:animClr>
-                                  </p:childTnLst>
-                                </p:cTn>
-                              </p:par>
-                              <p:par>
-                                <p:cTn id="73" presetID="3" presetClass="emph" presetSubtype="2" fill="hold" nodeType="withEffect">
-                                  <p:stCondLst>
-                                    <p:cond delay="0"/>
-                                  </p:stCondLst>
-                                  <p:childTnLst>
-                                    <p:animClr clrSpc="rgb" dir="cw">
-                                      <p:cBhvr override="childStyle">
-                                        <p:cTn id="74" dur="10" fill="hold"/>
                                         <p:tgtEl>
                                           <p:spTgt spid="6">
                                             <p:txEl>
@@ -10536,7 +10557,7 @@
     </p:spTree>
     <p:extLst>
       <p:ext uri="{BB962C8B-B14F-4D97-AF65-F5344CB8AC3E}">
-        <p14:creationId xmlns:p14="http://schemas.microsoft.com/office/powerpoint/2010/main" xmlns="" val="1806618595"/>
+        <p14:creationId xmlns="" xmlns:p14="http://schemas.microsoft.com/office/powerpoint/2010/main" val="1806618595"/>
       </p:ext>
     </p:extLst>
   </p:cSld>
@@ -10580,7 +10601,7 @@
             <p:ph idx="1"/>
             <p:extLst>
               <p:ext uri="{D42A27DB-BD31-4B8C-83A1-F6EECF244321}">
-                <p14:modId xmlns:p14="http://schemas.microsoft.com/office/powerpoint/2010/main" xmlns="" val="2558019255"/>
+                <p14:modId xmlns="" xmlns:p14="http://schemas.microsoft.com/office/powerpoint/2010/main" val="2558019255"/>
               </p:ext>
             </p:extLst>
           </p:nvPr>
@@ -10760,7 +10781,7 @@
             <p:ph idx="1"/>
             <p:extLst>
               <p:ext uri="{D42A27DB-BD31-4B8C-83A1-F6EECF244321}">
-                <p14:modId xmlns:p14="http://schemas.microsoft.com/office/powerpoint/2010/main" xmlns="" val="654578910"/>
+                <p14:modId xmlns="" xmlns:p14="http://schemas.microsoft.com/office/powerpoint/2010/main" val="654578910"/>
               </p:ext>
             </p:extLst>
           </p:nvPr>
@@ -11195,7 +11216,18 @@
                     <a:p>
                       <a:r>
                         <a:rPr lang="de-DE" dirty="0" smtClean="0"/>
-                        <a:t>RMD &amp; MSA</a:t>
+                        <a:t>RMD </a:t>
+                      </a:r>
+                      <a:r>
+                        <a:rPr lang="de-DE" dirty="0" smtClean="0">
+                          <a:latin typeface="Times New Roman" pitchFamily="18" charset="0"/>
+                          <a:cs typeface="Times New Roman" pitchFamily="18" charset="0"/>
+                        </a:rPr>
+                        <a:t>&amp;</a:t>
+                      </a:r>
+                      <a:r>
+                        <a:rPr lang="de-DE" dirty="0" smtClean="0"/>
+                        <a:t> MSA</a:t>
                       </a:r>
                       <a:endParaRPr lang="de-DE" dirty="0"/>
                     </a:p>
@@ -11209,7 +11241,18 @@
                     <a:p>
                       <a:r>
                         <a:rPr lang="de-DE" baseline="0" dirty="0" smtClean="0"/>
-                        <a:t> RMD &amp; MSA</a:t>
+                        <a:t> RMD </a:t>
+                      </a:r>
+                      <a:r>
+                        <a:rPr lang="de-DE" baseline="0" dirty="0" smtClean="0">
+                          <a:latin typeface="Times New Roman" pitchFamily="18" charset="0"/>
+                          <a:cs typeface="Times New Roman" pitchFamily="18" charset="0"/>
+                        </a:rPr>
+                        <a:t>&amp;</a:t>
+                      </a:r>
+                      <a:r>
+                        <a:rPr lang="de-DE" baseline="0" dirty="0" smtClean="0"/>
+                        <a:t> MSA</a:t>
                       </a:r>
                       <a:endParaRPr lang="de-DE" dirty="0"/>
                     </a:p>
@@ -11333,7 +11376,7 @@
           <p:nvPr>
             <p:extLst>
               <p:ext uri="{D42A27DB-BD31-4B8C-83A1-F6EECF244321}">
-                <p14:modId xmlns:p14="http://schemas.microsoft.com/office/powerpoint/2010/main" xmlns="" val="2490061991"/>
+                <p14:modId xmlns="" xmlns:p14="http://schemas.microsoft.com/office/powerpoint/2010/main" val="2490061991"/>
               </p:ext>
             </p:extLst>
           </p:nvPr>
@@ -11507,7 +11550,7 @@
             <p:ph idx="1"/>
             <p:extLst>
               <p:ext uri="{D42A27DB-BD31-4B8C-83A1-F6EECF244321}">
-                <p14:modId xmlns:p14="http://schemas.microsoft.com/office/powerpoint/2010/main" xmlns="" val="2896852188"/>
+                <p14:modId xmlns="" xmlns:p14="http://schemas.microsoft.com/office/powerpoint/2010/main" val="2896852188"/>
               </p:ext>
             </p:extLst>
           </p:nvPr>
@@ -11662,7 +11705,7 @@
             <p:ph idx="1"/>
             <p:extLst>
               <p:ext uri="{D42A27DB-BD31-4B8C-83A1-F6EECF244321}">
-                <p14:modId xmlns:p14="http://schemas.microsoft.com/office/powerpoint/2010/main" xmlns="" val="774806516"/>
+                <p14:modId xmlns="" xmlns:p14="http://schemas.microsoft.com/office/powerpoint/2010/main" val="774806516"/>
               </p:ext>
             </p:extLst>
           </p:nvPr>
@@ -11874,7 +11917,15 @@
           <a:p>
             <a:r>
               <a:rPr lang="de-DE" dirty="0" smtClean="0"/>
-              <a:t>Heterogenes System bis zu 200% schnellere Laufzeit</a:t>
+              <a:t>Heterogenes System bis zu </a:t>
+            </a:r>
+            <a:r>
+              <a:rPr lang="de-DE" dirty="0" smtClean="0"/>
+              <a:t>66% </a:t>
+            </a:r>
+            <a:r>
+              <a:rPr lang="de-DE" dirty="0" smtClean="0"/>
+              <a:t>schnellere Laufzeit</a:t>
             </a:r>
           </a:p>
           <a:p>
@@ -12059,7 +12110,7 @@
             <p:ph idx="1"/>
             <p:extLst>
               <p:ext uri="{D42A27DB-BD31-4B8C-83A1-F6EECF244321}">
-                <p14:modId xmlns:p14="http://schemas.microsoft.com/office/powerpoint/2010/main" xmlns="" val="2551806399"/>
+                <p14:modId xmlns="" xmlns:p14="http://schemas.microsoft.com/office/powerpoint/2010/main" val="2551806399"/>
               </p:ext>
             </p:extLst>
           </p:nvPr>
@@ -12844,7 +12895,7 @@
           <p:nvPr>
             <p:extLst>
               <p:ext uri="{D42A27DB-BD31-4B8C-83A1-F6EECF244321}">
-                <p14:modId xmlns:p14="http://schemas.microsoft.com/office/powerpoint/2010/main" xmlns="" val="1147201468"/>
+                <p14:modId xmlns="" xmlns:p14="http://schemas.microsoft.com/office/powerpoint/2010/main" val="1147201468"/>
               </p:ext>
             </p:extLst>
           </p:nvPr>
@@ -12873,7 +12924,7 @@
           <a:blip r:embed="rId4" cstate="print">
             <a:extLst>
               <a:ext uri="{28A0092B-C50C-407E-A947-70E740481C1C}">
-                <a14:useLocalDpi xmlns:a14="http://schemas.microsoft.com/office/drawing/2010/main" xmlns="" val="0"/>
+                <a14:useLocalDpi xmlns="" xmlns:a14="http://schemas.microsoft.com/office/drawing/2010/main" val="0"/>
               </a:ext>
             </a:extLst>
           </a:blip>
@@ -20813,7 +20864,7 @@
             <p:ph idx="1"/>
             <p:extLst>
               <p:ext uri="{D42A27DB-BD31-4B8C-83A1-F6EECF244321}">
-                <p14:modId xmlns:p14="http://schemas.microsoft.com/office/powerpoint/2010/main" xmlns="" val="699170767"/>
+                <p14:modId xmlns="" xmlns:p14="http://schemas.microsoft.com/office/powerpoint/2010/main" val="699170767"/>
               </p:ext>
             </p:extLst>
           </p:nvPr>
@@ -23384,7 +23435,7 @@
           <p:nvPr>
             <p:extLst>
               <p:ext uri="{D42A27DB-BD31-4B8C-83A1-F6EECF244321}">
-                <p14:modId xmlns:p14="http://schemas.microsoft.com/office/powerpoint/2010/main" xmlns="" val="691712731"/>
+                <p14:modId xmlns="" xmlns:p14="http://schemas.microsoft.com/office/powerpoint/2010/main" val="691712731"/>
               </p:ext>
             </p:extLst>
           </p:nvPr>
